--- a/Figures/Figures.pptx
+++ b/Figures/Figures.pptx
@@ -3469,8 +3469,8 @@
         </p:blipFill>
         <p:spPr>
           <a:xfrm>
-            <a:off x="2214282" y="1925296"/>
-            <a:ext cx="4132730" cy="3230744"/>
+            <a:off x="2250353" y="1925296"/>
+            <a:ext cx="4060586" cy="3230744"/>
           </a:xfrm>
           <a:prstGeom prst="rect">
             <a:avLst/>
@@ -3536,8 +3536,8 @@
         </p:nvSpPr>
         <p:spPr>
           <a:xfrm rot="1218298">
-            <a:off x="2472086" y="4058759"/>
-            <a:ext cx="2671142" cy="369332"/>
+            <a:off x="2425196" y="4146212"/>
+            <a:ext cx="2671142" cy="384721"/>
           </a:xfrm>
           <a:prstGeom prst="rect">
             <a:avLst/>
@@ -3551,10 +3551,10 @@
           <a:lstStyle/>
           <a:p>
             <a:r>
-              <a:rPr lang="en-US" dirty="0" smtClean="0"/>
+              <a:rPr lang="en-US" sz="1900" b="1" dirty="0" smtClean="0"/>
               <a:t>SUPERCONDUCTOR</a:t>
             </a:r>
-            <a:endParaRPr lang="en-US" dirty="0"/>
+            <a:endParaRPr lang="en-US" sz="1900" b="1" dirty="0"/>
           </a:p>
         </p:txBody>
       </p:sp>
@@ -3566,8 +3566,8 @@
         </p:nvSpPr>
         <p:spPr>
           <a:xfrm rot="1188646">
-            <a:off x="2688254" y="3704126"/>
-            <a:ext cx="2407278" cy="369332"/>
+            <a:off x="2629167" y="3878604"/>
+            <a:ext cx="2858647" cy="400110"/>
           </a:xfrm>
           <a:prstGeom prst="rect">
             <a:avLst/>
@@ -3581,15 +3581,19 @@
           <a:lstStyle/>
           <a:p>
             <a:r>
-              <a:rPr lang="en-US" dirty="0" smtClean="0"/>
+              <a:rPr lang="en-US" sz="1900" b="1" dirty="0" smtClean="0"/>
               <a:t>FERROMAGNET</a:t>
             </a:r>
-            <a:endParaRPr lang="en-US" dirty="0"/>
+            <a:r>
+              <a:rPr lang="en-US" sz="2000" b="1" dirty="0" smtClean="0"/>
+              <a:t> </a:t>
+            </a:r>
+            <a:endParaRPr lang="en-US" sz="2000" b="1" dirty="0"/>
           </a:p>
         </p:txBody>
       </p:sp>
-      <mc:AlternateContent xmlns:mc="http://schemas.openxmlformats.org/markup-compatibility/2006">
-        <mc:Choice xmlns:a14="http://schemas.microsoft.com/office/drawing/2010/main" Requires="a14">
+      <mc:AlternateContent xmlns:mc="http://schemas.openxmlformats.org/markup-compatibility/2006" xmlns:a14="http://schemas.microsoft.com/office/drawing/2010/main">
+        <mc:Choice Requires="a14">
           <p:sp>
             <p:nvSpPr>
               <p:cNvPr id="12" name="TextBox 11"/>
@@ -3641,7 +3645,7 @@
             </p:txBody>
           </p:sp>
         </mc:Choice>
-        <mc:Fallback>
+        <mc:Fallback xmlns="">
           <p:sp>
             <p:nvSpPr>
               <p:cNvPr id="12" name="TextBox 11"/>
@@ -3680,8 +3684,8 @@
           </p:sp>
         </mc:Fallback>
       </mc:AlternateContent>
-      <mc:AlternateContent xmlns:mc="http://schemas.openxmlformats.org/markup-compatibility/2006">
-        <mc:Choice xmlns:a14="http://schemas.microsoft.com/office/drawing/2010/main" Requires="a14">
+      <mc:AlternateContent xmlns:mc="http://schemas.openxmlformats.org/markup-compatibility/2006" xmlns:a14="http://schemas.microsoft.com/office/drawing/2010/main">
+        <mc:Choice Requires="a14">
           <p:sp>
             <p:nvSpPr>
               <p:cNvPr id="15" name="TextBox 14"/>
@@ -3733,7 +3737,7 @@
             </p:txBody>
           </p:sp>
         </mc:Choice>
-        <mc:Fallback>
+        <mc:Fallback xmlns="">
           <p:sp>
             <p:nvSpPr>
               <p:cNvPr id="15" name="TextBox 14"/>
@@ -3859,8 +3863,8 @@
           <a:effectLst/>
         </p:spPr>
       </p:cxnSp>
-      <mc:AlternateContent xmlns:mc="http://schemas.openxmlformats.org/markup-compatibility/2006">
-        <mc:Choice xmlns:a14="http://schemas.microsoft.com/office/drawing/2010/main" Requires="a14">
+      <mc:AlternateContent xmlns:mc="http://schemas.openxmlformats.org/markup-compatibility/2006" xmlns:a14="http://schemas.microsoft.com/office/drawing/2010/main">
+        <mc:Choice Requires="a14">
           <p:sp>
             <p:nvSpPr>
               <p:cNvPr id="27" name="TextBox 26"/>
@@ -3912,7 +3916,7 @@
             </p:txBody>
           </p:sp>
         </mc:Choice>
-        <mc:Fallback>
+        <mc:Fallback xmlns="">
           <p:sp>
             <p:nvSpPr>
               <p:cNvPr id="27" name="TextBox 26"/>
@@ -4003,8 +4007,8 @@
         </p:blipFill>
         <p:spPr>
           <a:xfrm>
-            <a:off x="2258288" y="1964957"/>
-            <a:ext cx="4061377" cy="3191082"/>
+            <a:off x="2313171" y="1964957"/>
+            <a:ext cx="3951610" cy="3191082"/>
           </a:xfrm>
           <a:prstGeom prst="rect">
             <a:avLst/>
@@ -4062,68 +4066,8 @@
           </a:p>
         </p:txBody>
       </p:sp>
-      <p:sp>
-        <p:nvSpPr>
-          <p:cNvPr id="6" name="TextBox 5"/>
-          <p:cNvSpPr txBox="1"/>
-          <p:nvPr/>
-        </p:nvSpPr>
-        <p:spPr>
-          <a:xfrm rot="1218298">
-            <a:off x="2472086" y="4058759"/>
-            <a:ext cx="2671142" cy="369332"/>
-          </a:xfrm>
-          <a:prstGeom prst="rect">
-            <a:avLst/>
-          </a:prstGeom>
-          <a:noFill/>
-        </p:spPr>
-        <p:txBody>
-          <a:bodyPr wrap="square" rtlCol="0">
-            <a:spAutoFit/>
-          </a:bodyPr>
-          <a:lstStyle/>
-          <a:p>
-            <a:r>
-              <a:rPr lang="en-US" dirty="0" smtClean="0"/>
-              <a:t>SUPERCONDUCTOR</a:t>
-            </a:r>
-            <a:endParaRPr lang="en-US" dirty="0"/>
-          </a:p>
-        </p:txBody>
-      </p:sp>
-      <p:sp>
-        <p:nvSpPr>
-          <p:cNvPr id="10" name="TextBox 9"/>
-          <p:cNvSpPr txBox="1"/>
-          <p:nvPr/>
-        </p:nvSpPr>
-        <p:spPr>
-          <a:xfrm rot="1188646">
-            <a:off x="2688254" y="3704126"/>
-            <a:ext cx="2407278" cy="369332"/>
-          </a:xfrm>
-          <a:prstGeom prst="rect">
-            <a:avLst/>
-          </a:prstGeom>
-          <a:noFill/>
-        </p:spPr>
-        <p:txBody>
-          <a:bodyPr wrap="square" rtlCol="0">
-            <a:spAutoFit/>
-          </a:bodyPr>
-          <a:lstStyle/>
-          <a:p>
-            <a:r>
-              <a:rPr lang="en-US" dirty="0" smtClean="0"/>
-              <a:t>FERROMAGNET</a:t>
-            </a:r>
-            <a:endParaRPr lang="en-US" dirty="0"/>
-          </a:p>
-        </p:txBody>
-      </p:sp>
-      <mc:AlternateContent xmlns:mc="http://schemas.openxmlformats.org/markup-compatibility/2006">
-        <mc:Choice xmlns:a14="http://schemas.microsoft.com/office/drawing/2010/main" Requires="a14">
+      <mc:AlternateContent xmlns:mc="http://schemas.openxmlformats.org/markup-compatibility/2006" xmlns:a14="http://schemas.microsoft.com/office/drawing/2010/main">
+        <mc:Choice Requires="a14">
           <p:sp>
             <p:nvSpPr>
               <p:cNvPr id="12" name="TextBox 11"/>
@@ -4175,7 +4119,7 @@
             </p:txBody>
           </p:sp>
         </mc:Choice>
-        <mc:Fallback>
+        <mc:Fallback xmlns="">
           <p:sp>
             <p:nvSpPr>
               <p:cNvPr id="12" name="TextBox 11"/>
@@ -4214,8 +4158,8 @@
           </p:sp>
         </mc:Fallback>
       </mc:AlternateContent>
-      <mc:AlternateContent xmlns:mc="http://schemas.openxmlformats.org/markup-compatibility/2006">
-        <mc:Choice xmlns:a14="http://schemas.microsoft.com/office/drawing/2010/main" Requires="a14">
+      <mc:AlternateContent xmlns:mc="http://schemas.openxmlformats.org/markup-compatibility/2006" xmlns:a14="http://schemas.microsoft.com/office/drawing/2010/main">
+        <mc:Choice Requires="a14">
           <p:sp>
             <p:nvSpPr>
               <p:cNvPr id="15" name="TextBox 14"/>
@@ -4267,7 +4211,7 @@
             </p:txBody>
           </p:sp>
         </mc:Choice>
-        <mc:Fallback>
+        <mc:Fallback xmlns="">
           <p:sp>
             <p:nvSpPr>
               <p:cNvPr id="15" name="TextBox 14"/>
@@ -4393,8 +4337,8 @@
           <a:effectLst/>
         </p:spPr>
       </p:cxnSp>
-      <mc:AlternateContent xmlns:mc="http://schemas.openxmlformats.org/markup-compatibility/2006">
-        <mc:Choice xmlns:a14="http://schemas.microsoft.com/office/drawing/2010/main" Requires="a14">
+      <mc:AlternateContent xmlns:mc="http://schemas.openxmlformats.org/markup-compatibility/2006" xmlns:a14="http://schemas.microsoft.com/office/drawing/2010/main">
+        <mc:Choice Requires="a14">
           <p:sp>
             <p:nvSpPr>
               <p:cNvPr id="27" name="TextBox 26"/>
@@ -4446,7 +4390,7 @@
             </p:txBody>
           </p:sp>
         </mc:Choice>
-        <mc:Fallback>
+        <mc:Fallback xmlns="">
           <p:sp>
             <p:nvSpPr>
               <p:cNvPr id="27" name="TextBox 26"/>
@@ -4485,6 +4429,70 @@
           </p:sp>
         </mc:Fallback>
       </mc:AlternateContent>
+      <p:sp>
+        <p:nvSpPr>
+          <p:cNvPr id="13" name="TextBox 12"/>
+          <p:cNvSpPr txBox="1"/>
+          <p:nvPr/>
+        </p:nvSpPr>
+        <p:spPr>
+          <a:xfrm rot="1218298">
+            <a:off x="2425196" y="4146212"/>
+            <a:ext cx="2671142" cy="384721"/>
+          </a:xfrm>
+          <a:prstGeom prst="rect">
+            <a:avLst/>
+          </a:prstGeom>
+          <a:noFill/>
+        </p:spPr>
+        <p:txBody>
+          <a:bodyPr wrap="square" rtlCol="0">
+            <a:spAutoFit/>
+          </a:bodyPr>
+          <a:lstStyle/>
+          <a:p>
+            <a:r>
+              <a:rPr lang="en-US" sz="1900" b="1" dirty="0" smtClean="0"/>
+              <a:t>SUPERCONDUCTOR</a:t>
+            </a:r>
+            <a:endParaRPr lang="en-US" sz="1900" b="1" dirty="0"/>
+          </a:p>
+        </p:txBody>
+      </p:sp>
+      <p:sp>
+        <p:nvSpPr>
+          <p:cNvPr id="14" name="TextBox 13"/>
+          <p:cNvSpPr txBox="1"/>
+          <p:nvPr/>
+        </p:nvSpPr>
+        <p:spPr>
+          <a:xfrm rot="1188646">
+            <a:off x="2629167" y="3878604"/>
+            <a:ext cx="2858647" cy="400110"/>
+          </a:xfrm>
+          <a:prstGeom prst="rect">
+            <a:avLst/>
+          </a:prstGeom>
+          <a:noFill/>
+        </p:spPr>
+        <p:txBody>
+          <a:bodyPr wrap="square" rtlCol="0">
+            <a:spAutoFit/>
+          </a:bodyPr>
+          <a:lstStyle/>
+          <a:p>
+            <a:r>
+              <a:rPr lang="en-US" sz="1900" b="1" dirty="0" smtClean="0"/>
+              <a:t>FERROMAGNET</a:t>
+            </a:r>
+            <a:r>
+              <a:rPr lang="en-US" sz="2000" b="1" dirty="0" smtClean="0"/>
+              <a:t> </a:t>
+            </a:r>
+            <a:endParaRPr lang="en-US" sz="2000" b="1" dirty="0"/>
+          </a:p>
+        </p:txBody>
+      </p:sp>
     </p:spTree>
     <p:extLst>
       <p:ext uri="{BB962C8B-B14F-4D97-AF65-F5344CB8AC3E}">

--- a/Figures/Figures.pptx
+++ b/Figures/Figures.pptx
@@ -5,11 +5,12 @@
     <p:sldMasterId id="2147483648" r:id="rId1"/>
   </p:sldMasterIdLst>
   <p:notesMasterIdLst>
-    <p:notesMasterId r:id="rId4"/>
+    <p:notesMasterId r:id="rId5"/>
   </p:notesMasterIdLst>
   <p:sldIdLst>
     <p:sldId id="337" r:id="rId2"/>
     <p:sldId id="339" r:id="rId3"/>
+    <p:sldId id="340" r:id="rId4"/>
   </p:sldIdLst>
   <p:sldSz cx="9144000" cy="6858000" type="screen4x3"/>
   <p:notesSz cx="6797675" cy="9928225"/>
@@ -3469,8 +3470,8 @@
         </p:blipFill>
         <p:spPr>
           <a:xfrm>
-            <a:off x="2250353" y="1925296"/>
-            <a:ext cx="4060586" cy="3230744"/>
+            <a:off x="2250353" y="2029093"/>
+            <a:ext cx="4060586" cy="3023150"/>
           </a:xfrm>
           <a:prstGeom prst="rect">
             <a:avLst/>
@@ -3535,8 +3536,8 @@
           <p:nvPr/>
         </p:nvSpPr>
         <p:spPr>
-          <a:xfrm rot="1218298">
-            <a:off x="2425196" y="4146212"/>
+          <a:xfrm rot="1025576">
+            <a:off x="2425784" y="4075195"/>
             <a:ext cx="2671142" cy="384721"/>
           </a:xfrm>
           <a:prstGeom prst="rect">
@@ -3565,9 +3566,9 @@
           <p:nvPr/>
         </p:nvSpPr>
         <p:spPr>
-          <a:xfrm rot="1188646">
-            <a:off x="2629167" y="3878604"/>
-            <a:ext cx="2858647" cy="400110"/>
+          <a:xfrm rot="952989">
+            <a:off x="2717137" y="3686290"/>
+            <a:ext cx="2233029" cy="400110"/>
           </a:xfrm>
           <a:prstGeom prst="rect">
             <a:avLst/>
@@ -4007,8 +4008,8 @@
         </p:blipFill>
         <p:spPr>
           <a:xfrm>
-            <a:off x="2313171" y="1964957"/>
-            <a:ext cx="3951610" cy="3191082"/>
+            <a:off x="2313171" y="2089489"/>
+            <a:ext cx="3951610" cy="2942016"/>
           </a:xfrm>
           <a:prstGeom prst="rect">
             <a:avLst/>
@@ -4431,13 +4432,13 @@
       </mc:AlternateContent>
       <p:sp>
         <p:nvSpPr>
-          <p:cNvPr id="13" name="TextBox 12"/>
+          <p:cNvPr id="16" name="TextBox 15"/>
           <p:cNvSpPr txBox="1"/>
           <p:nvPr/>
         </p:nvSpPr>
         <p:spPr>
-          <a:xfrm rot="1218298">
-            <a:off x="2425196" y="4146212"/>
+          <a:xfrm rot="973654">
+            <a:off x="2458218" y="4056313"/>
             <a:ext cx="2671142" cy="384721"/>
           </a:xfrm>
           <a:prstGeom prst="rect">
@@ -4461,14 +4462,14 @@
       </p:sp>
       <p:sp>
         <p:nvSpPr>
-          <p:cNvPr id="14" name="TextBox 13"/>
+          <p:cNvPr id="17" name="TextBox 16"/>
           <p:cNvSpPr txBox="1"/>
           <p:nvPr/>
         </p:nvSpPr>
         <p:spPr>
-          <a:xfrm rot="1188646">
-            <a:off x="2629167" y="3878604"/>
-            <a:ext cx="2858647" cy="400110"/>
+          <a:xfrm rot="952989">
+            <a:off x="2717137" y="3686290"/>
+            <a:ext cx="2233029" cy="400110"/>
           </a:xfrm>
           <a:prstGeom prst="rect">
             <a:avLst/>
@@ -4497,6 +4498,1172 @@
     <p:extLst>
       <p:ext uri="{BB962C8B-B14F-4D97-AF65-F5344CB8AC3E}">
         <p14:creationId xmlns:p14="http://schemas.microsoft.com/office/powerpoint/2010/main" val="2065695452"/>
+      </p:ext>
+    </p:extLst>
+  </p:cSld>
+  <p:clrMapOvr>
+    <a:masterClrMapping/>
+  </p:clrMapOvr>
+</p:sld>
+</file>
+
+<file path=ppt/slides/slide3.xml><?xml version="1.0" encoding="utf-8"?>
+<p:sld xmlns:a="http://schemas.openxmlformats.org/drawingml/2006/main" xmlns:r="http://schemas.openxmlformats.org/officeDocument/2006/relationships" xmlns:p="http://schemas.openxmlformats.org/presentationml/2006/main">
+  <p:cSld>
+    <p:spTree>
+      <p:nvGrpSpPr>
+        <p:cNvPr id="1" name=""/>
+        <p:cNvGrpSpPr/>
+        <p:nvPr/>
+      </p:nvGrpSpPr>
+      <p:grpSpPr>
+        <a:xfrm>
+          <a:off x="0" y="0"/>
+          <a:ext cx="0" cy="0"/>
+          <a:chOff x="0" y="0"/>
+          <a:chExt cx="0" cy="0"/>
+        </a:xfrm>
+      </p:grpSpPr>
+      <p:pic>
+        <p:nvPicPr>
+          <p:cNvPr id="4" name="Picture 3"/>
+          <p:cNvPicPr>
+            <a:picLocks noChangeAspect="1"/>
+          </p:cNvPicPr>
+          <p:nvPr/>
+        </p:nvPicPr>
+        <p:blipFill>
+          <a:blip r:embed="rId2">
+            <a:extLst>
+              <a:ext uri="{28A0092B-C50C-407E-A947-70E740481C1C}">
+                <a14:useLocalDpi xmlns:a14="http://schemas.microsoft.com/office/drawing/2010/main" val="0"/>
+              </a:ext>
+            </a:extLst>
+          </a:blip>
+          <a:stretch>
+            <a:fillRect/>
+          </a:stretch>
+        </p:blipFill>
+        <p:spPr>
+          <a:xfrm>
+            <a:off x="2344183" y="1668110"/>
+            <a:ext cx="3777441" cy="4035788"/>
+          </a:xfrm>
+          <a:prstGeom prst="rect">
+            <a:avLst/>
+          </a:prstGeom>
+        </p:spPr>
+      </p:pic>
+      <p:sp>
+        <p:nvSpPr>
+          <p:cNvPr id="2" name="Rectangle 6"/>
+          <p:cNvSpPr>
+            <a:spLocks noChangeArrowheads="1"/>
+          </p:cNvSpPr>
+          <p:nvPr/>
+        </p:nvSpPr>
+        <p:spPr bwMode="auto">
+          <a:xfrm>
+            <a:off x="2344183" y="1742904"/>
+            <a:ext cx="3889587" cy="3886200"/>
+          </a:xfrm>
+          <a:prstGeom prst="rect">
+            <a:avLst/>
+          </a:prstGeom>
+          <a:noFill/>
+          <a:ln w="9360">
+            <a:solidFill>
+              <a:srgbClr val="000000"/>
+            </a:solidFill>
+            <a:miter lim="800000"/>
+            <a:headEnd/>
+            <a:tailEnd/>
+          </a:ln>
+          <a:extLst>
+            <a:ext uri="{909E8E84-426E-40DD-AFC4-6F175D3DCCD1}">
+              <a14:hiddenFill xmlns:a14="http://schemas.microsoft.com/office/drawing/2010/main">
+                <a:solidFill>
+                  <a:srgbClr val="FFFFFF"/>
+                </a:solidFill>
+              </a14:hiddenFill>
+            </a:ext>
+          </a:extLst>
+        </p:spPr>
+        <p:txBody>
+          <a:bodyPr wrap="none" anchor="ctr"/>
+          <a:lstStyle/>
+          <a:p>
+            <a:pPr eaLnBrk="1" hangingPunct="1">
+              <a:buClr>
+                <a:srgbClr val="000000"/>
+              </a:buClr>
+              <a:buSzPct val="100000"/>
+              <a:buFont typeface="Times New Roman" panose="02020603050405020304" pitchFamily="18" charset="0"/>
+              <a:buNone/>
+            </a:pPr>
+            <a:endParaRPr lang="en-US" altLang="en-US"/>
+          </a:p>
+        </p:txBody>
+      </p:sp>
+      <mc:AlternateContent xmlns:mc="http://schemas.openxmlformats.org/markup-compatibility/2006">
+        <mc:Choice xmlns:a14="http://schemas.microsoft.com/office/drawing/2010/main" Requires="a14">
+          <p:sp>
+            <p:nvSpPr>
+              <p:cNvPr id="5" name="TextBox 4"/>
+              <p:cNvSpPr txBox="1"/>
+              <p:nvPr/>
+            </p:nvSpPr>
+            <p:spPr>
+              <a:xfrm>
+                <a:off x="5266750" y="4825477"/>
+                <a:ext cx="149079" cy="215444"/>
+              </a:xfrm>
+              <a:prstGeom prst="rect">
+                <a:avLst/>
+              </a:prstGeom>
+              <a:noFill/>
+            </p:spPr>
+            <p:txBody>
+              <a:bodyPr wrap="none" lIns="0" tIns="0" rIns="0" bIns="0" rtlCol="0">
+                <a:spAutoFit/>
+              </a:bodyPr>
+              <a:lstStyle/>
+              <a:p>
+                <a14:m>
+                  <m:oMathPara xmlns:m="http://schemas.openxmlformats.org/officeDocument/2006/math">
+                    <m:oMathParaPr>
+                      <m:jc m:val="centerGroup"/>
+                    </m:oMathParaPr>
+                    <m:oMath xmlns:m="http://schemas.openxmlformats.org/officeDocument/2006/math">
+                      <m:r>
+                        <a:rPr lang="en-US" sz="1400" b="0" i="1" smtClean="0">
+                          <a:solidFill>
+                            <a:schemeClr val="tx1"/>
+                          </a:solidFill>
+                          <a:latin typeface="Cambria Math" panose="02040503050406030204" pitchFamily="18" charset="0"/>
+                        </a:rPr>
+                        <m:t>0</m:t>
+                      </m:r>
+                    </m:oMath>
+                  </m:oMathPara>
+                </a14:m>
+                <a:endParaRPr lang="en-US" sz="1400" dirty="0"/>
+              </a:p>
+            </p:txBody>
+          </p:sp>
+        </mc:Choice>
+        <mc:Fallback>
+          <p:sp>
+            <p:nvSpPr>
+              <p:cNvPr id="5" name="TextBox 4"/>
+              <p:cNvSpPr txBox="1">
+                <a:spLocks noRot="1" noChangeAspect="1" noMove="1" noResize="1" noEditPoints="1" noAdjustHandles="1" noChangeArrowheads="1" noChangeShapeType="1" noTextEdit="1"/>
+              </p:cNvSpPr>
+              <p:nvPr/>
+            </p:nvSpPr>
+            <p:spPr>
+              <a:xfrm>
+                <a:off x="5266750" y="4825477"/>
+                <a:ext cx="149079" cy="215444"/>
+              </a:xfrm>
+              <a:prstGeom prst="rect">
+                <a:avLst/>
+              </a:prstGeom>
+              <a:blipFill rotWithShape="0">
+                <a:blip r:embed="rId3"/>
+                <a:stretch>
+                  <a:fillRect l="-25000" r="-25000" b="-8571"/>
+                </a:stretch>
+              </a:blipFill>
+            </p:spPr>
+            <p:txBody>
+              <a:bodyPr/>
+              <a:lstStyle/>
+              <a:p>
+                <a:r>
+                  <a:rPr lang="en-US">
+                    <a:noFill/>
+                  </a:rPr>
+                  <a:t> </a:t>
+                </a:r>
+              </a:p>
+            </p:txBody>
+          </p:sp>
+        </mc:Fallback>
+      </mc:AlternateContent>
+      <mc:AlternateContent xmlns:mc="http://schemas.openxmlformats.org/markup-compatibility/2006">
+        <mc:Choice xmlns:a14="http://schemas.microsoft.com/office/drawing/2010/main" Requires="a14">
+          <p:sp>
+            <p:nvSpPr>
+              <p:cNvPr id="6" name="TextBox 5"/>
+              <p:cNvSpPr txBox="1"/>
+              <p:nvPr/>
+            </p:nvSpPr>
+            <p:spPr>
+              <a:xfrm>
+                <a:off x="5558849" y="4521908"/>
+                <a:ext cx="248465" cy="215444"/>
+              </a:xfrm>
+              <a:prstGeom prst="rect">
+                <a:avLst/>
+              </a:prstGeom>
+              <a:noFill/>
+            </p:spPr>
+            <p:txBody>
+              <a:bodyPr wrap="none" lIns="0" tIns="0" rIns="0" bIns="0" rtlCol="0">
+                <a:spAutoFit/>
+              </a:bodyPr>
+              <a:lstStyle/>
+              <a:p>
+                <a14:m>
+                  <m:oMathPara xmlns:m="http://schemas.openxmlformats.org/officeDocument/2006/math">
+                    <m:oMathParaPr>
+                      <m:jc m:val="centerGroup"/>
+                    </m:oMathParaPr>
+                    <m:oMath xmlns:m="http://schemas.openxmlformats.org/officeDocument/2006/math">
+                      <m:r>
+                        <a:rPr lang="en-US" sz="1400" b="0" i="1" smtClean="0">
+                          <a:solidFill>
+                            <a:schemeClr val="tx1"/>
+                          </a:solidFill>
+                          <a:latin typeface="Cambria Math" panose="02040503050406030204" pitchFamily="18" charset="0"/>
+                        </a:rPr>
+                        <m:t>10</m:t>
+                      </m:r>
+                    </m:oMath>
+                  </m:oMathPara>
+                </a14:m>
+                <a:endParaRPr lang="en-US" sz="1400" dirty="0"/>
+              </a:p>
+            </p:txBody>
+          </p:sp>
+        </mc:Choice>
+        <mc:Fallback>
+          <p:sp>
+            <p:nvSpPr>
+              <p:cNvPr id="6" name="TextBox 5"/>
+              <p:cNvSpPr txBox="1">
+                <a:spLocks noRot="1" noChangeAspect="1" noMove="1" noResize="1" noEditPoints="1" noAdjustHandles="1" noChangeArrowheads="1" noChangeShapeType="1" noTextEdit="1"/>
+              </p:cNvSpPr>
+              <p:nvPr/>
+            </p:nvSpPr>
+            <p:spPr>
+              <a:xfrm>
+                <a:off x="5558849" y="4521908"/>
+                <a:ext cx="248465" cy="215444"/>
+              </a:xfrm>
+              <a:prstGeom prst="rect">
+                <a:avLst/>
+              </a:prstGeom>
+              <a:blipFill rotWithShape="0">
+                <a:blip r:embed="rId4"/>
+                <a:stretch>
+                  <a:fillRect l="-14634" r="-12195" b="-8571"/>
+                </a:stretch>
+              </a:blipFill>
+            </p:spPr>
+            <p:txBody>
+              <a:bodyPr/>
+              <a:lstStyle/>
+              <a:p>
+                <a:r>
+                  <a:rPr lang="en-US">
+                    <a:noFill/>
+                  </a:rPr>
+                  <a:t> </a:t>
+                </a:r>
+              </a:p>
+            </p:txBody>
+          </p:sp>
+        </mc:Fallback>
+      </mc:AlternateContent>
+      <mc:AlternateContent xmlns:mc="http://schemas.openxmlformats.org/markup-compatibility/2006">
+        <mc:Choice xmlns:a14="http://schemas.microsoft.com/office/drawing/2010/main" Requires="a14">
+          <p:sp>
+            <p:nvSpPr>
+              <p:cNvPr id="7" name="TextBox 6"/>
+              <p:cNvSpPr txBox="1"/>
+              <p:nvPr/>
+            </p:nvSpPr>
+            <p:spPr>
+              <a:xfrm>
+                <a:off x="4924858" y="5163400"/>
+                <a:ext cx="258084" cy="215444"/>
+              </a:xfrm>
+              <a:prstGeom prst="rect">
+                <a:avLst/>
+              </a:prstGeom>
+              <a:noFill/>
+            </p:spPr>
+            <p:txBody>
+              <a:bodyPr wrap="none" lIns="0" tIns="0" rIns="0" bIns="0" rtlCol="0">
+                <a:spAutoFit/>
+              </a:bodyPr>
+              <a:lstStyle/>
+              <a:p>
+                <a:r>
+                  <a:rPr lang="en-US" sz="1400" b="0" dirty="0" smtClean="0">
+                    <a:solidFill>
+                      <a:schemeClr val="tx1"/>
+                    </a:solidFill>
+                  </a:rPr>
+                  <a:t>-</a:t>
+                </a:r>
+                <a14:m>
+                  <m:oMath xmlns:m="http://schemas.openxmlformats.org/officeDocument/2006/math">
+                    <m:r>
+                      <a:rPr lang="en-US" sz="1400" b="0" i="1" smtClean="0">
+                        <a:solidFill>
+                          <a:schemeClr val="tx1"/>
+                        </a:solidFill>
+                        <a:latin typeface="Cambria Math" panose="02040503050406030204" pitchFamily="18" charset="0"/>
+                      </a:rPr>
+                      <m:t>10</m:t>
+                    </m:r>
+                  </m:oMath>
+                </a14:m>
+                <a:endParaRPr lang="en-US" sz="1400" dirty="0"/>
+              </a:p>
+            </p:txBody>
+          </p:sp>
+        </mc:Choice>
+        <mc:Fallback>
+          <p:sp>
+            <p:nvSpPr>
+              <p:cNvPr id="7" name="TextBox 6"/>
+              <p:cNvSpPr txBox="1">
+                <a:spLocks noRot="1" noChangeAspect="1" noMove="1" noResize="1" noEditPoints="1" noAdjustHandles="1" noChangeArrowheads="1" noChangeShapeType="1" noTextEdit="1"/>
+              </p:cNvSpPr>
+              <p:nvPr/>
+            </p:nvSpPr>
+            <p:spPr>
+              <a:xfrm>
+                <a:off x="4924858" y="5163400"/>
+                <a:ext cx="258084" cy="215444"/>
+              </a:xfrm>
+              <a:prstGeom prst="rect">
+                <a:avLst/>
+              </a:prstGeom>
+              <a:blipFill rotWithShape="0">
+                <a:blip r:embed="rId5"/>
+                <a:stretch>
+                  <a:fillRect l="-42857" t="-25714" r="-23810" b="-51429"/>
+                </a:stretch>
+              </a:blipFill>
+            </p:spPr>
+            <p:txBody>
+              <a:bodyPr/>
+              <a:lstStyle/>
+              <a:p>
+                <a:r>
+                  <a:rPr lang="en-US">
+                    <a:noFill/>
+                  </a:rPr>
+                  <a:t> </a:t>
+                </a:r>
+              </a:p>
+            </p:txBody>
+          </p:sp>
+        </mc:Fallback>
+      </mc:AlternateContent>
+      <mc:AlternateContent xmlns:mc="http://schemas.openxmlformats.org/markup-compatibility/2006">
+        <mc:Choice xmlns:a14="http://schemas.microsoft.com/office/drawing/2010/main" Requires="a14">
+          <p:sp>
+            <p:nvSpPr>
+              <p:cNvPr id="8" name="TextBox 7"/>
+              <p:cNvSpPr txBox="1"/>
+              <p:nvPr/>
+            </p:nvSpPr>
+            <p:spPr>
+              <a:xfrm>
+                <a:off x="3467979" y="4958507"/>
+                <a:ext cx="149079" cy="215444"/>
+              </a:xfrm>
+              <a:prstGeom prst="rect">
+                <a:avLst/>
+              </a:prstGeom>
+              <a:noFill/>
+            </p:spPr>
+            <p:txBody>
+              <a:bodyPr wrap="none" lIns="0" tIns="0" rIns="0" bIns="0" rtlCol="0">
+                <a:spAutoFit/>
+              </a:bodyPr>
+              <a:lstStyle/>
+              <a:p>
+                <a14:m>
+                  <m:oMathPara xmlns:m="http://schemas.openxmlformats.org/officeDocument/2006/math">
+                    <m:oMathParaPr>
+                      <m:jc m:val="centerGroup"/>
+                    </m:oMathParaPr>
+                    <m:oMath xmlns:m="http://schemas.openxmlformats.org/officeDocument/2006/math">
+                      <m:r>
+                        <a:rPr lang="en-US" sz="1400" b="0" i="1" smtClean="0">
+                          <a:solidFill>
+                            <a:schemeClr val="tx1"/>
+                          </a:solidFill>
+                          <a:latin typeface="Cambria Math" panose="02040503050406030204" pitchFamily="18" charset="0"/>
+                        </a:rPr>
+                        <m:t>0</m:t>
+                      </m:r>
+                    </m:oMath>
+                  </m:oMathPara>
+                </a14:m>
+                <a:endParaRPr lang="en-US" sz="1400" dirty="0"/>
+              </a:p>
+            </p:txBody>
+          </p:sp>
+        </mc:Choice>
+        <mc:Fallback>
+          <p:sp>
+            <p:nvSpPr>
+              <p:cNvPr id="8" name="TextBox 7"/>
+              <p:cNvSpPr txBox="1">
+                <a:spLocks noRot="1" noChangeAspect="1" noMove="1" noResize="1" noEditPoints="1" noAdjustHandles="1" noChangeArrowheads="1" noChangeShapeType="1" noTextEdit="1"/>
+              </p:cNvSpPr>
+              <p:nvPr/>
+            </p:nvSpPr>
+            <p:spPr>
+              <a:xfrm>
+                <a:off x="3467979" y="4958507"/>
+                <a:ext cx="149079" cy="215444"/>
+              </a:xfrm>
+              <a:prstGeom prst="rect">
+                <a:avLst/>
+              </a:prstGeom>
+              <a:blipFill rotWithShape="0">
+                <a:blip r:embed="rId3"/>
+                <a:stretch>
+                  <a:fillRect l="-25000" r="-25000" b="-5556"/>
+                </a:stretch>
+              </a:blipFill>
+            </p:spPr>
+            <p:txBody>
+              <a:bodyPr/>
+              <a:lstStyle/>
+              <a:p>
+                <a:r>
+                  <a:rPr lang="en-US">
+                    <a:noFill/>
+                  </a:rPr>
+                  <a:t> </a:t>
+                </a:r>
+              </a:p>
+            </p:txBody>
+          </p:sp>
+        </mc:Fallback>
+      </mc:AlternateContent>
+      <mc:AlternateContent xmlns:mc="http://schemas.openxmlformats.org/markup-compatibility/2006">
+        <mc:Choice xmlns:a14="http://schemas.microsoft.com/office/drawing/2010/main" Requires="a14">
+          <p:sp>
+            <p:nvSpPr>
+              <p:cNvPr id="9" name="TextBox 8"/>
+              <p:cNvSpPr txBox="1"/>
+              <p:nvPr/>
+            </p:nvSpPr>
+            <p:spPr>
+              <a:xfrm>
+                <a:off x="3809711" y="5214405"/>
+                <a:ext cx="248465" cy="215444"/>
+              </a:xfrm>
+              <a:prstGeom prst="rect">
+                <a:avLst/>
+              </a:prstGeom>
+              <a:noFill/>
+            </p:spPr>
+            <p:txBody>
+              <a:bodyPr wrap="none" lIns="0" tIns="0" rIns="0" bIns="0" rtlCol="0">
+                <a:spAutoFit/>
+              </a:bodyPr>
+              <a:lstStyle/>
+              <a:p>
+                <a14:m>
+                  <m:oMathPara xmlns:m="http://schemas.openxmlformats.org/officeDocument/2006/math">
+                    <m:oMathParaPr>
+                      <m:jc m:val="centerGroup"/>
+                    </m:oMathParaPr>
+                    <m:oMath xmlns:m="http://schemas.openxmlformats.org/officeDocument/2006/math">
+                      <m:r>
+                        <a:rPr lang="en-US" sz="1400" b="0" i="0" smtClean="0">
+                          <a:solidFill>
+                            <a:schemeClr val="tx1"/>
+                          </a:solidFill>
+                          <a:latin typeface="Cambria Math" panose="02040503050406030204" pitchFamily="18" charset="0"/>
+                        </a:rPr>
+                        <m:t>1</m:t>
+                      </m:r>
+                      <m:r>
+                        <a:rPr lang="en-US" sz="1400" b="0" i="1" smtClean="0">
+                          <a:solidFill>
+                            <a:schemeClr val="tx1"/>
+                          </a:solidFill>
+                          <a:latin typeface="Cambria Math" panose="02040503050406030204" pitchFamily="18" charset="0"/>
+                        </a:rPr>
+                        <m:t>0</m:t>
+                      </m:r>
+                    </m:oMath>
+                  </m:oMathPara>
+                </a14:m>
+                <a:endParaRPr lang="en-US" sz="1400" dirty="0"/>
+              </a:p>
+            </p:txBody>
+          </p:sp>
+        </mc:Choice>
+        <mc:Fallback>
+          <p:sp>
+            <p:nvSpPr>
+              <p:cNvPr id="9" name="TextBox 8"/>
+              <p:cNvSpPr txBox="1">
+                <a:spLocks noRot="1" noChangeAspect="1" noMove="1" noResize="1" noEditPoints="1" noAdjustHandles="1" noChangeArrowheads="1" noChangeShapeType="1" noTextEdit="1"/>
+              </p:cNvSpPr>
+              <p:nvPr/>
+            </p:nvSpPr>
+            <p:spPr>
+              <a:xfrm>
+                <a:off x="3809711" y="5214405"/>
+                <a:ext cx="248465" cy="215444"/>
+              </a:xfrm>
+              <a:prstGeom prst="rect">
+                <a:avLst/>
+              </a:prstGeom>
+              <a:blipFill rotWithShape="0">
+                <a:blip r:embed="rId4"/>
+                <a:stretch>
+                  <a:fillRect l="-14634" r="-12195" b="-5556"/>
+                </a:stretch>
+              </a:blipFill>
+            </p:spPr>
+            <p:txBody>
+              <a:bodyPr/>
+              <a:lstStyle/>
+              <a:p>
+                <a:r>
+                  <a:rPr lang="en-US">
+                    <a:noFill/>
+                  </a:rPr>
+                  <a:t> </a:t>
+                </a:r>
+              </a:p>
+            </p:txBody>
+          </p:sp>
+        </mc:Fallback>
+      </mc:AlternateContent>
+      <mc:AlternateContent xmlns:mc="http://schemas.openxmlformats.org/markup-compatibility/2006">
+        <mc:Choice xmlns:a14="http://schemas.microsoft.com/office/drawing/2010/main" Requires="a14">
+          <p:sp>
+            <p:nvSpPr>
+              <p:cNvPr id="10" name="TextBox 9"/>
+              <p:cNvSpPr txBox="1"/>
+              <p:nvPr/>
+            </p:nvSpPr>
+            <p:spPr>
+              <a:xfrm>
+                <a:off x="2893550" y="4717755"/>
+                <a:ext cx="258084" cy="215444"/>
+              </a:xfrm>
+              <a:prstGeom prst="rect">
+                <a:avLst/>
+              </a:prstGeom>
+              <a:noFill/>
+            </p:spPr>
+            <p:txBody>
+              <a:bodyPr wrap="none" lIns="0" tIns="0" rIns="0" bIns="0" rtlCol="0">
+                <a:spAutoFit/>
+              </a:bodyPr>
+              <a:lstStyle/>
+              <a:p>
+                <a:r>
+                  <a:rPr lang="en-US" sz="1400" b="0" dirty="0" smtClean="0">
+                    <a:solidFill>
+                      <a:schemeClr val="tx1"/>
+                    </a:solidFill>
+                  </a:rPr>
+                  <a:t>-</a:t>
+                </a:r>
+                <a14:m>
+                  <m:oMath xmlns:m="http://schemas.openxmlformats.org/officeDocument/2006/math">
+                    <m:r>
+                      <a:rPr lang="en-US" sz="1400" b="0" i="0" smtClean="0">
+                        <a:solidFill>
+                          <a:schemeClr val="tx1"/>
+                        </a:solidFill>
+                        <a:latin typeface="Cambria Math" panose="02040503050406030204" pitchFamily="18" charset="0"/>
+                      </a:rPr>
+                      <m:t>1</m:t>
+                    </m:r>
+                    <m:r>
+                      <a:rPr lang="en-US" sz="1400" b="0" i="1" smtClean="0">
+                        <a:solidFill>
+                          <a:schemeClr val="tx1"/>
+                        </a:solidFill>
+                        <a:latin typeface="Cambria Math" panose="02040503050406030204" pitchFamily="18" charset="0"/>
+                      </a:rPr>
+                      <m:t>0</m:t>
+                    </m:r>
+                  </m:oMath>
+                </a14:m>
+                <a:endParaRPr lang="en-US" sz="1400" dirty="0"/>
+              </a:p>
+            </p:txBody>
+          </p:sp>
+        </mc:Choice>
+        <mc:Fallback>
+          <p:sp>
+            <p:nvSpPr>
+              <p:cNvPr id="10" name="TextBox 9"/>
+              <p:cNvSpPr txBox="1">
+                <a:spLocks noRot="1" noChangeAspect="1" noMove="1" noResize="1" noEditPoints="1" noAdjustHandles="1" noChangeArrowheads="1" noChangeShapeType="1" noTextEdit="1"/>
+              </p:cNvSpPr>
+              <p:nvPr/>
+            </p:nvSpPr>
+            <p:spPr>
+              <a:xfrm>
+                <a:off x="2893550" y="4717755"/>
+                <a:ext cx="258084" cy="215444"/>
+              </a:xfrm>
+              <a:prstGeom prst="rect">
+                <a:avLst/>
+              </a:prstGeom>
+              <a:blipFill rotWithShape="0">
+                <a:blip r:embed="rId5"/>
+                <a:stretch>
+                  <a:fillRect l="-42857" t="-25714" r="-23810" b="-51429"/>
+                </a:stretch>
+              </a:blipFill>
+            </p:spPr>
+            <p:txBody>
+              <a:bodyPr/>
+              <a:lstStyle/>
+              <a:p>
+                <a:r>
+                  <a:rPr lang="en-US">
+                    <a:noFill/>
+                  </a:rPr>
+                  <a:t> </a:t>
+                </a:r>
+              </a:p>
+            </p:txBody>
+          </p:sp>
+        </mc:Fallback>
+      </mc:AlternateContent>
+      <mc:AlternateContent xmlns:mc="http://schemas.openxmlformats.org/markup-compatibility/2006">
+        <mc:Choice xmlns:a14="http://schemas.microsoft.com/office/drawing/2010/main" Requires="a14">
+          <p:sp>
+            <p:nvSpPr>
+              <p:cNvPr id="11" name="TextBox 10"/>
+              <p:cNvSpPr txBox="1"/>
+              <p:nvPr/>
+            </p:nvSpPr>
+            <p:spPr>
+              <a:xfrm>
+                <a:off x="2605282" y="4383079"/>
+                <a:ext cx="149079" cy="215444"/>
+              </a:xfrm>
+              <a:prstGeom prst="rect">
+                <a:avLst/>
+              </a:prstGeom>
+              <a:noFill/>
+            </p:spPr>
+            <p:txBody>
+              <a:bodyPr wrap="none" lIns="0" tIns="0" rIns="0" bIns="0" rtlCol="0">
+                <a:spAutoFit/>
+              </a:bodyPr>
+              <a:lstStyle/>
+              <a:p>
+                <a14:m>
+                  <m:oMathPara xmlns:m="http://schemas.openxmlformats.org/officeDocument/2006/math">
+                    <m:oMathParaPr>
+                      <m:jc m:val="centerGroup"/>
+                    </m:oMathParaPr>
+                    <m:oMath xmlns:m="http://schemas.openxmlformats.org/officeDocument/2006/math">
+                      <m:r>
+                        <a:rPr lang="en-US" sz="1400" b="0" i="1" smtClean="0">
+                          <a:solidFill>
+                            <a:schemeClr val="tx1"/>
+                          </a:solidFill>
+                          <a:latin typeface="Cambria Math" panose="02040503050406030204" pitchFamily="18" charset="0"/>
+                        </a:rPr>
+                        <m:t>0</m:t>
+                      </m:r>
+                    </m:oMath>
+                  </m:oMathPara>
+                </a14:m>
+                <a:endParaRPr lang="en-US" sz="1400" dirty="0"/>
+              </a:p>
+            </p:txBody>
+          </p:sp>
+        </mc:Choice>
+        <mc:Fallback>
+          <p:sp>
+            <p:nvSpPr>
+              <p:cNvPr id="11" name="TextBox 10"/>
+              <p:cNvSpPr txBox="1">
+                <a:spLocks noRot="1" noChangeAspect="1" noMove="1" noResize="1" noEditPoints="1" noAdjustHandles="1" noChangeArrowheads="1" noChangeShapeType="1" noTextEdit="1"/>
+              </p:cNvSpPr>
+              <p:nvPr/>
+            </p:nvSpPr>
+            <p:spPr>
+              <a:xfrm>
+                <a:off x="2605282" y="4383079"/>
+                <a:ext cx="149079" cy="215444"/>
+              </a:xfrm>
+              <a:prstGeom prst="rect">
+                <a:avLst/>
+              </a:prstGeom>
+              <a:blipFill rotWithShape="0">
+                <a:blip r:embed="rId3"/>
+                <a:stretch>
+                  <a:fillRect l="-24000" r="-20000" b="-8571"/>
+                </a:stretch>
+              </a:blipFill>
+            </p:spPr>
+            <p:txBody>
+              <a:bodyPr/>
+              <a:lstStyle/>
+              <a:p>
+                <a:r>
+                  <a:rPr lang="en-US">
+                    <a:noFill/>
+                  </a:rPr>
+                  <a:t> </a:t>
+                </a:r>
+              </a:p>
+            </p:txBody>
+          </p:sp>
+        </mc:Fallback>
+      </mc:AlternateContent>
+      <mc:AlternateContent xmlns:mc="http://schemas.openxmlformats.org/markup-compatibility/2006">
+        <mc:Choice xmlns:a14="http://schemas.microsoft.com/office/drawing/2010/main" Requires="a14">
+          <p:sp>
+            <p:nvSpPr>
+              <p:cNvPr id="12" name="TextBox 11"/>
+              <p:cNvSpPr txBox="1"/>
+              <p:nvPr/>
+            </p:nvSpPr>
+            <p:spPr>
+              <a:xfrm>
+                <a:off x="2689973" y="3633313"/>
+                <a:ext cx="484107" cy="215444"/>
+              </a:xfrm>
+              <a:prstGeom prst="rect">
+                <a:avLst/>
+              </a:prstGeom>
+              <a:noFill/>
+            </p:spPr>
+            <p:txBody>
+              <a:bodyPr wrap="none" lIns="0" tIns="0" rIns="0" bIns="0" rtlCol="0">
+                <a:spAutoFit/>
+              </a:bodyPr>
+              <a:lstStyle/>
+              <a:p>
+                <a14:m>
+                  <m:oMathPara xmlns:m="http://schemas.openxmlformats.org/officeDocument/2006/math">
+                    <m:oMathParaPr>
+                      <m:jc m:val="centerGroup"/>
+                    </m:oMathParaPr>
+                    <m:oMath xmlns:m="http://schemas.openxmlformats.org/officeDocument/2006/math">
+                      <m:r>
+                        <a:rPr lang="en-US" sz="1400" b="0" i="1" smtClean="0">
+                          <a:solidFill>
+                            <a:schemeClr val="tx1"/>
+                          </a:solidFill>
+                          <a:latin typeface="Cambria Math" panose="02040503050406030204" pitchFamily="18" charset="0"/>
+                        </a:rPr>
+                        <m:t>0.002</m:t>
+                      </m:r>
+                    </m:oMath>
+                  </m:oMathPara>
+                </a14:m>
+                <a:endParaRPr lang="en-US" sz="1400" dirty="0"/>
+              </a:p>
+            </p:txBody>
+          </p:sp>
+        </mc:Choice>
+        <mc:Fallback>
+          <p:sp>
+            <p:nvSpPr>
+              <p:cNvPr id="12" name="TextBox 11"/>
+              <p:cNvSpPr txBox="1">
+                <a:spLocks noRot="1" noChangeAspect="1" noMove="1" noResize="1" noEditPoints="1" noAdjustHandles="1" noChangeArrowheads="1" noChangeShapeType="1" noTextEdit="1"/>
+              </p:cNvSpPr>
+              <p:nvPr/>
+            </p:nvSpPr>
+            <p:spPr>
+              <a:xfrm>
+                <a:off x="2689973" y="3633313"/>
+                <a:ext cx="484107" cy="215444"/>
+              </a:xfrm>
+              <a:prstGeom prst="rect">
+                <a:avLst/>
+              </a:prstGeom>
+              <a:blipFill rotWithShape="0">
+                <a:blip r:embed="rId6"/>
+                <a:stretch>
+                  <a:fillRect l="-7500" r="-5000" b="-8571"/>
+                </a:stretch>
+              </a:blipFill>
+            </p:spPr>
+            <p:txBody>
+              <a:bodyPr/>
+              <a:lstStyle/>
+              <a:p>
+                <a:r>
+                  <a:rPr lang="en-US">
+                    <a:noFill/>
+                  </a:rPr>
+                  <a:t> </a:t>
+                </a:r>
+              </a:p>
+            </p:txBody>
+          </p:sp>
+        </mc:Fallback>
+      </mc:AlternateContent>
+      <mc:AlternateContent xmlns:mc="http://schemas.openxmlformats.org/markup-compatibility/2006">
+        <mc:Choice xmlns:a14="http://schemas.microsoft.com/office/drawing/2010/main" Requires="a14">
+          <p:sp>
+            <p:nvSpPr>
+              <p:cNvPr id="14" name="TextBox 13"/>
+              <p:cNvSpPr txBox="1"/>
+              <p:nvPr/>
+            </p:nvSpPr>
+            <p:spPr>
+              <a:xfrm>
+                <a:off x="2483612" y="2602732"/>
+                <a:ext cx="392418" cy="523220"/>
+              </a:xfrm>
+              <a:prstGeom prst="rect">
+                <a:avLst/>
+              </a:prstGeom>
+              <a:noFill/>
+            </p:spPr>
+            <p:txBody>
+              <a:bodyPr wrap="square" rtlCol="0">
+                <a:spAutoFit/>
+              </a:bodyPr>
+              <a:lstStyle/>
+              <a:p>
+                <a:pPr/>
+                <a14:m>
+                  <m:oMathPara xmlns:m="http://schemas.openxmlformats.org/officeDocument/2006/math">
+                    <m:oMathParaPr>
+                      <m:jc m:val="centerGroup"/>
+                    </m:oMathParaPr>
+                    <m:oMath xmlns:m="http://schemas.openxmlformats.org/officeDocument/2006/math">
+                      <m:sSup>
+                        <m:sSupPr>
+                          <m:ctrlPr>
+                            <a:rPr lang="en-US" sz="2800" b="0" i="1" smtClean="0">
+                              <a:solidFill>
+                                <a:schemeClr val="tx1"/>
+                              </a:solidFill>
+                              <a:latin typeface="Cambria Math" panose="02040503050406030204" pitchFamily="18" charset="0"/>
+                            </a:rPr>
+                          </m:ctrlPr>
+                        </m:sSupPr>
+                        <m:e>
+                          <m:r>
+                            <m:rPr>
+                              <m:sty m:val="p"/>
+                            </m:rPr>
+                            <a:rPr lang="en-US" sz="2800" b="0" i="0" smtClean="0">
+                              <a:solidFill>
+                                <a:schemeClr val="tx1"/>
+                              </a:solidFill>
+                              <a:latin typeface="Cambria Math" panose="02040503050406030204" pitchFamily="18" charset="0"/>
+                            </a:rPr>
+                            <m:t>Ψ</m:t>
+                          </m:r>
+                        </m:e>
+                        <m:sup>
+                          <m:r>
+                            <a:rPr lang="en-US" sz="2800" b="0" i="1" smtClean="0">
+                              <a:solidFill>
+                                <a:schemeClr val="tx1"/>
+                              </a:solidFill>
+                              <a:latin typeface="Cambria Math" panose="02040503050406030204" pitchFamily="18" charset="0"/>
+                            </a:rPr>
+                            <m:t>2</m:t>
+                          </m:r>
+                        </m:sup>
+                      </m:sSup>
+                    </m:oMath>
+                  </m:oMathPara>
+                </a14:m>
+                <a:endParaRPr lang="en-US" sz="2800" dirty="0">
+                  <a:solidFill>
+                    <a:schemeClr val="tx1"/>
+                  </a:solidFill>
+                  <a:latin typeface="Cambria" panose="02040503050406030204" pitchFamily="18" charset="0"/>
+                </a:endParaRPr>
+              </a:p>
+            </p:txBody>
+          </p:sp>
+        </mc:Choice>
+        <mc:Fallback>
+          <p:sp>
+            <p:nvSpPr>
+              <p:cNvPr id="14" name="TextBox 13"/>
+              <p:cNvSpPr txBox="1">
+                <a:spLocks noRot="1" noChangeAspect="1" noMove="1" noResize="1" noEditPoints="1" noAdjustHandles="1" noChangeArrowheads="1" noChangeShapeType="1" noTextEdit="1"/>
+              </p:cNvSpPr>
+              <p:nvPr/>
+            </p:nvSpPr>
+            <p:spPr>
+              <a:xfrm>
+                <a:off x="2483612" y="2602732"/>
+                <a:ext cx="392418" cy="523220"/>
+              </a:xfrm>
+              <a:prstGeom prst="rect">
+                <a:avLst/>
+              </a:prstGeom>
+              <a:blipFill rotWithShape="0">
+                <a:blip r:embed="rId7"/>
+                <a:stretch>
+                  <a:fillRect r="-27692"/>
+                </a:stretch>
+              </a:blipFill>
+            </p:spPr>
+            <p:txBody>
+              <a:bodyPr/>
+              <a:lstStyle/>
+              <a:p>
+                <a:r>
+                  <a:rPr lang="en-US">
+                    <a:noFill/>
+                  </a:rPr>
+                  <a:t> </a:t>
+                </a:r>
+              </a:p>
+            </p:txBody>
+          </p:sp>
+        </mc:Fallback>
+      </mc:AlternateContent>
+      <mc:AlternateContent xmlns:mc="http://schemas.openxmlformats.org/markup-compatibility/2006">
+        <mc:Choice xmlns:a14="http://schemas.microsoft.com/office/drawing/2010/main" Requires="a14">
+          <p:sp>
+            <p:nvSpPr>
+              <p:cNvPr id="15" name="TextBox 14"/>
+              <p:cNvSpPr txBox="1"/>
+              <p:nvPr/>
+            </p:nvSpPr>
+            <p:spPr>
+              <a:xfrm rot="1931034">
+                <a:off x="2878834" y="4930325"/>
+                <a:ext cx="875532" cy="523220"/>
+              </a:xfrm>
+              <a:prstGeom prst="rect">
+                <a:avLst/>
+              </a:prstGeom>
+              <a:noFill/>
+            </p:spPr>
+            <p:txBody>
+              <a:bodyPr wrap="square" rtlCol="0">
+                <a:spAutoFit/>
+              </a:bodyPr>
+              <a:lstStyle/>
+              <a:p>
+                <a:pPr/>
+                <a14:m>
+                  <m:oMathPara xmlns:m="http://schemas.openxmlformats.org/officeDocument/2006/math">
+                    <m:oMathParaPr>
+                      <m:jc m:val="centerGroup"/>
+                    </m:oMathParaPr>
+                    <m:oMath xmlns:m="http://schemas.openxmlformats.org/officeDocument/2006/math">
+                      <m:r>
+                        <a:rPr lang="en-US" sz="2800" b="0" i="1" smtClean="0">
+                          <a:solidFill>
+                            <a:schemeClr val="tx1"/>
+                          </a:solidFill>
+                          <a:latin typeface="Cambria Math" panose="02040503050406030204" pitchFamily="18" charset="0"/>
+                        </a:rPr>
+                        <m:t>𝑥</m:t>
+                      </m:r>
+                      <m:r>
+                        <a:rPr lang="en-US" sz="2800" b="0" i="1" smtClean="0">
+                          <a:solidFill>
+                            <a:schemeClr val="tx1"/>
+                          </a:solidFill>
+                          <a:latin typeface="Cambria Math" panose="02040503050406030204" pitchFamily="18" charset="0"/>
+                        </a:rPr>
+                        <m:t>/</m:t>
+                      </m:r>
+                      <m:r>
+                        <a:rPr lang="en-US" sz="2800" b="0" i="1" smtClean="0">
+                          <a:solidFill>
+                            <a:schemeClr val="tx1"/>
+                          </a:solidFill>
+                          <a:latin typeface="Cambria Math" panose="02040503050406030204" pitchFamily="18" charset="0"/>
+                        </a:rPr>
+                        <m:t>𝑎</m:t>
+                      </m:r>
+                    </m:oMath>
+                  </m:oMathPara>
+                </a14:m>
+                <a:endParaRPr lang="en-US" sz="2800" dirty="0">
+                  <a:solidFill>
+                    <a:schemeClr val="tx1"/>
+                  </a:solidFill>
+                  <a:latin typeface="Cambria" panose="02040503050406030204" pitchFamily="18" charset="0"/>
+                </a:endParaRPr>
+              </a:p>
+            </p:txBody>
+          </p:sp>
+        </mc:Choice>
+        <mc:Fallback>
+          <p:sp>
+            <p:nvSpPr>
+              <p:cNvPr id="15" name="TextBox 14"/>
+              <p:cNvSpPr txBox="1">
+                <a:spLocks noRot="1" noChangeAspect="1" noMove="1" noResize="1" noEditPoints="1" noAdjustHandles="1" noChangeArrowheads="1" noChangeShapeType="1" noTextEdit="1"/>
+              </p:cNvSpPr>
+              <p:nvPr/>
+            </p:nvSpPr>
+            <p:spPr>
+              <a:xfrm rot="1931034">
+                <a:off x="2878834" y="4930325"/>
+                <a:ext cx="875532" cy="523220"/>
+              </a:xfrm>
+              <a:prstGeom prst="rect">
+                <a:avLst/>
+              </a:prstGeom>
+              <a:blipFill rotWithShape="0">
+                <a:blip r:embed="rId8"/>
+                <a:stretch>
+                  <a:fillRect/>
+                </a:stretch>
+              </a:blipFill>
+            </p:spPr>
+            <p:txBody>
+              <a:bodyPr/>
+              <a:lstStyle/>
+              <a:p>
+                <a:r>
+                  <a:rPr lang="en-US">
+                    <a:noFill/>
+                  </a:rPr>
+                  <a:t> </a:t>
+                </a:r>
+              </a:p>
+            </p:txBody>
+          </p:sp>
+        </mc:Fallback>
+      </mc:AlternateContent>
+      <mc:AlternateContent xmlns:mc="http://schemas.openxmlformats.org/markup-compatibility/2006">
+        <mc:Choice xmlns:a14="http://schemas.microsoft.com/office/drawing/2010/main" Requires="a14">
+          <p:sp>
+            <p:nvSpPr>
+              <p:cNvPr id="16" name="TextBox 15"/>
+              <p:cNvSpPr txBox="1"/>
+              <p:nvPr/>
+            </p:nvSpPr>
+            <p:spPr>
+              <a:xfrm rot="18893241">
+                <a:off x="5100921" y="4804618"/>
+                <a:ext cx="875532" cy="523220"/>
+              </a:xfrm>
+              <a:prstGeom prst="rect">
+                <a:avLst/>
+              </a:prstGeom>
+              <a:noFill/>
+            </p:spPr>
+            <p:txBody>
+              <a:bodyPr wrap="square" rtlCol="0">
+                <a:spAutoFit/>
+              </a:bodyPr>
+              <a:lstStyle/>
+              <a:p>
+                <a:pPr/>
+                <a14:m>
+                  <m:oMathPara xmlns:m="http://schemas.openxmlformats.org/officeDocument/2006/math">
+                    <m:oMathParaPr>
+                      <m:jc m:val="centerGroup"/>
+                    </m:oMathParaPr>
+                    <m:oMath xmlns:m="http://schemas.openxmlformats.org/officeDocument/2006/math">
+                      <m:r>
+                        <m:rPr>
+                          <m:sty m:val="p"/>
+                        </m:rPr>
+                        <a:rPr lang="en-US" sz="2800" b="0" i="0" smtClean="0">
+                          <a:solidFill>
+                            <a:schemeClr val="tx1"/>
+                          </a:solidFill>
+                          <a:latin typeface="Cambria Math" panose="02040503050406030204" pitchFamily="18" charset="0"/>
+                        </a:rPr>
+                        <m:t>y</m:t>
+                      </m:r>
+                      <m:r>
+                        <a:rPr lang="en-US" sz="2800" b="0" i="1" smtClean="0">
+                          <a:solidFill>
+                            <a:schemeClr val="tx1"/>
+                          </a:solidFill>
+                          <a:latin typeface="Cambria Math" panose="02040503050406030204" pitchFamily="18" charset="0"/>
+                        </a:rPr>
+                        <m:t>/</m:t>
+                      </m:r>
+                      <m:r>
+                        <a:rPr lang="en-US" sz="2800" b="0" i="1" smtClean="0">
+                          <a:solidFill>
+                            <a:schemeClr val="tx1"/>
+                          </a:solidFill>
+                          <a:latin typeface="Cambria Math" panose="02040503050406030204" pitchFamily="18" charset="0"/>
+                        </a:rPr>
+                        <m:t>𝑎</m:t>
+                      </m:r>
+                    </m:oMath>
+                  </m:oMathPara>
+                </a14:m>
+                <a:endParaRPr lang="en-US" sz="2800" dirty="0">
+                  <a:solidFill>
+                    <a:schemeClr val="tx1"/>
+                  </a:solidFill>
+                  <a:latin typeface="Cambria" panose="02040503050406030204" pitchFamily="18" charset="0"/>
+                </a:endParaRPr>
+              </a:p>
+            </p:txBody>
+          </p:sp>
+        </mc:Choice>
+        <mc:Fallback>
+          <p:sp>
+            <p:nvSpPr>
+              <p:cNvPr id="16" name="TextBox 15"/>
+              <p:cNvSpPr txBox="1">
+                <a:spLocks noRot="1" noChangeAspect="1" noMove="1" noResize="1" noEditPoints="1" noAdjustHandles="1" noChangeArrowheads="1" noChangeShapeType="1" noTextEdit="1"/>
+              </p:cNvSpPr>
+              <p:nvPr/>
+            </p:nvSpPr>
+            <p:spPr>
+              <a:xfrm rot="18893241">
+                <a:off x="5100921" y="4804618"/>
+                <a:ext cx="875532" cy="523220"/>
+              </a:xfrm>
+              <a:prstGeom prst="rect">
+                <a:avLst/>
+              </a:prstGeom>
+              <a:blipFill rotWithShape="0">
+                <a:blip r:embed="rId9"/>
+                <a:stretch>
+                  <a:fillRect/>
+                </a:stretch>
+              </a:blipFill>
+            </p:spPr>
+            <p:txBody>
+              <a:bodyPr/>
+              <a:lstStyle/>
+              <a:p>
+                <a:r>
+                  <a:rPr lang="en-US">
+                    <a:noFill/>
+                  </a:rPr>
+                  <a:t> </a:t>
+                </a:r>
+              </a:p>
+            </p:txBody>
+          </p:sp>
+        </mc:Fallback>
+      </mc:AlternateContent>
+    </p:spTree>
+    <p:extLst>
+      <p:ext uri="{BB962C8B-B14F-4D97-AF65-F5344CB8AC3E}">
+        <p14:creationId xmlns:p14="http://schemas.microsoft.com/office/powerpoint/2010/main" val="1940335275"/>
       </p:ext>
     </p:extLst>
   </p:cSld>

--- a/Figures/Figures.pptx
+++ b/Figures/Figures.pptx
@@ -5,12 +5,18 @@
     <p:sldMasterId id="2147483648" r:id="rId1"/>
   </p:sldMasterIdLst>
   <p:notesMasterIdLst>
-    <p:notesMasterId r:id="rId5"/>
+    <p:notesMasterId r:id="rId11"/>
   </p:notesMasterIdLst>
   <p:sldIdLst>
     <p:sldId id="337" r:id="rId2"/>
     <p:sldId id="339" r:id="rId3"/>
     <p:sldId id="340" r:id="rId4"/>
+    <p:sldId id="341" r:id="rId5"/>
+    <p:sldId id="343" r:id="rId6"/>
+    <p:sldId id="344" r:id="rId7"/>
+    <p:sldId id="345" r:id="rId8"/>
+    <p:sldId id="346" r:id="rId9"/>
+    <p:sldId id="347" r:id="rId10"/>
   </p:sldIdLst>
   <p:sldSz cx="9144000" cy="6858000" type="screen4x3"/>
   <p:notesSz cx="6797675" cy="9928225"/>
@@ -4564,7 +4570,7 @@
         </p:nvSpPr>
         <p:spPr bwMode="auto">
           <a:xfrm>
-            <a:off x="2344183" y="1742904"/>
+            <a:off x="2288109" y="1742904"/>
             <a:ext cx="3889587" cy="3886200"/>
           </a:xfrm>
           <a:prstGeom prst="rect">
@@ -4605,8 +4611,8 @@
           </a:p>
         </p:txBody>
       </p:sp>
-      <mc:AlternateContent xmlns:mc="http://schemas.openxmlformats.org/markup-compatibility/2006">
-        <mc:Choice xmlns:a14="http://schemas.microsoft.com/office/drawing/2010/main" Requires="a14">
+      <mc:AlternateContent xmlns:mc="http://schemas.openxmlformats.org/markup-compatibility/2006" xmlns:a14="http://schemas.microsoft.com/office/drawing/2010/main">
+        <mc:Choice Requires="a14">
           <p:sp>
             <p:nvSpPr>
               <p:cNvPr id="5" name="TextBox 4"/>
@@ -4629,6 +4635,7 @@
               </a:bodyPr>
               <a:lstStyle/>
               <a:p>
+                <a:pPr/>
                 <a14:m>
                   <m:oMathPara xmlns:m="http://schemas.openxmlformats.org/officeDocument/2006/math">
                     <m:oMathParaPr>
@@ -4652,7 +4659,7 @@
             </p:txBody>
           </p:sp>
         </mc:Choice>
-        <mc:Fallback>
+        <mc:Fallback xmlns="">
           <p:sp>
             <p:nvSpPr>
               <p:cNvPr id="5" name="TextBox 4"/>
@@ -4691,8 +4698,8 @@
           </p:sp>
         </mc:Fallback>
       </mc:AlternateContent>
-      <mc:AlternateContent xmlns:mc="http://schemas.openxmlformats.org/markup-compatibility/2006">
-        <mc:Choice xmlns:a14="http://schemas.microsoft.com/office/drawing/2010/main" Requires="a14">
+      <mc:AlternateContent xmlns:mc="http://schemas.openxmlformats.org/markup-compatibility/2006" xmlns:a14="http://schemas.microsoft.com/office/drawing/2010/main">
+        <mc:Choice Requires="a14">
           <p:sp>
             <p:nvSpPr>
               <p:cNvPr id="6" name="TextBox 5"/>
@@ -4715,6 +4722,7 @@
               </a:bodyPr>
               <a:lstStyle/>
               <a:p>
+                <a:pPr/>
                 <a14:m>
                   <m:oMathPara xmlns:m="http://schemas.openxmlformats.org/officeDocument/2006/math">
                     <m:oMathParaPr>
@@ -4738,7 +4746,7 @@
             </p:txBody>
           </p:sp>
         </mc:Choice>
-        <mc:Fallback>
+        <mc:Fallback xmlns="">
           <p:sp>
             <p:nvSpPr>
               <p:cNvPr id="6" name="TextBox 5"/>
@@ -4777,8 +4785,8 @@
           </p:sp>
         </mc:Fallback>
       </mc:AlternateContent>
-      <mc:AlternateContent xmlns:mc="http://schemas.openxmlformats.org/markup-compatibility/2006">
-        <mc:Choice xmlns:a14="http://schemas.microsoft.com/office/drawing/2010/main" Requires="a14">
+      <mc:AlternateContent xmlns:mc="http://schemas.openxmlformats.org/markup-compatibility/2006" xmlns:a14="http://schemas.microsoft.com/office/drawing/2010/main">
+        <mc:Choice Requires="a14">
           <p:sp>
             <p:nvSpPr>
               <p:cNvPr id="7" name="TextBox 6"/>
@@ -4827,7 +4835,7 @@
             </p:txBody>
           </p:sp>
         </mc:Choice>
-        <mc:Fallback>
+        <mc:Fallback xmlns="">
           <p:sp>
             <p:nvSpPr>
               <p:cNvPr id="7" name="TextBox 6"/>
@@ -4866,8 +4874,8 @@
           </p:sp>
         </mc:Fallback>
       </mc:AlternateContent>
-      <mc:AlternateContent xmlns:mc="http://schemas.openxmlformats.org/markup-compatibility/2006">
-        <mc:Choice xmlns:a14="http://schemas.microsoft.com/office/drawing/2010/main" Requires="a14">
+      <mc:AlternateContent xmlns:mc="http://schemas.openxmlformats.org/markup-compatibility/2006" xmlns:a14="http://schemas.microsoft.com/office/drawing/2010/main">
+        <mc:Choice Requires="a14">
           <p:sp>
             <p:nvSpPr>
               <p:cNvPr id="8" name="TextBox 7"/>
@@ -4890,6 +4898,7 @@
               </a:bodyPr>
               <a:lstStyle/>
               <a:p>
+                <a:pPr/>
                 <a14:m>
                   <m:oMathPara xmlns:m="http://schemas.openxmlformats.org/officeDocument/2006/math">
                     <m:oMathParaPr>
@@ -4913,7 +4922,7 @@
             </p:txBody>
           </p:sp>
         </mc:Choice>
-        <mc:Fallback>
+        <mc:Fallback xmlns="">
           <p:sp>
             <p:nvSpPr>
               <p:cNvPr id="8" name="TextBox 7"/>
@@ -4952,8 +4961,8 @@
           </p:sp>
         </mc:Fallback>
       </mc:AlternateContent>
-      <mc:AlternateContent xmlns:mc="http://schemas.openxmlformats.org/markup-compatibility/2006">
-        <mc:Choice xmlns:a14="http://schemas.microsoft.com/office/drawing/2010/main" Requires="a14">
+      <mc:AlternateContent xmlns:mc="http://schemas.openxmlformats.org/markup-compatibility/2006" xmlns:a14="http://schemas.microsoft.com/office/drawing/2010/main">
+        <mc:Choice Requires="a14">
           <p:sp>
             <p:nvSpPr>
               <p:cNvPr id="9" name="TextBox 8"/>
@@ -4976,6 +4985,7 @@
               </a:bodyPr>
               <a:lstStyle/>
               <a:p>
+                <a:pPr/>
                 <a14:m>
                   <m:oMathPara xmlns:m="http://schemas.openxmlformats.org/officeDocument/2006/math">
                     <m:oMathParaPr>
@@ -5008,7 +5018,7 @@
             </p:txBody>
           </p:sp>
         </mc:Choice>
-        <mc:Fallback>
+        <mc:Fallback xmlns="">
           <p:sp>
             <p:nvSpPr>
               <p:cNvPr id="9" name="TextBox 8"/>
@@ -5047,8 +5057,8 @@
           </p:sp>
         </mc:Fallback>
       </mc:AlternateContent>
-      <mc:AlternateContent xmlns:mc="http://schemas.openxmlformats.org/markup-compatibility/2006">
-        <mc:Choice xmlns:a14="http://schemas.microsoft.com/office/drawing/2010/main" Requires="a14">
+      <mc:AlternateContent xmlns:mc="http://schemas.openxmlformats.org/markup-compatibility/2006" xmlns:a14="http://schemas.microsoft.com/office/drawing/2010/main">
+        <mc:Choice Requires="a14">
           <p:sp>
             <p:nvSpPr>
               <p:cNvPr id="10" name="TextBox 9"/>
@@ -5106,7 +5116,7 @@
             </p:txBody>
           </p:sp>
         </mc:Choice>
-        <mc:Fallback>
+        <mc:Fallback xmlns="">
           <p:sp>
             <p:nvSpPr>
               <p:cNvPr id="10" name="TextBox 9"/>
@@ -5145,8 +5155,8 @@
           </p:sp>
         </mc:Fallback>
       </mc:AlternateContent>
-      <mc:AlternateContent xmlns:mc="http://schemas.openxmlformats.org/markup-compatibility/2006">
-        <mc:Choice xmlns:a14="http://schemas.microsoft.com/office/drawing/2010/main" Requires="a14">
+      <mc:AlternateContent xmlns:mc="http://schemas.openxmlformats.org/markup-compatibility/2006" xmlns:a14="http://schemas.microsoft.com/office/drawing/2010/main">
+        <mc:Choice Requires="a14">
           <p:sp>
             <p:nvSpPr>
               <p:cNvPr id="11" name="TextBox 10"/>
@@ -5155,7 +5165,7 @@
             </p:nvSpPr>
             <p:spPr>
               <a:xfrm>
-                <a:off x="2605282" y="4383079"/>
+                <a:off x="2744471" y="4302548"/>
                 <a:ext cx="149079" cy="215444"/>
               </a:xfrm>
               <a:prstGeom prst="rect">
@@ -5169,6 +5179,7 @@
               </a:bodyPr>
               <a:lstStyle/>
               <a:p>
+                <a:pPr/>
                 <a14:m>
                   <m:oMathPara xmlns:m="http://schemas.openxmlformats.org/officeDocument/2006/math">
                     <m:oMathParaPr>
@@ -5192,7 +5203,7 @@
             </p:txBody>
           </p:sp>
         </mc:Choice>
-        <mc:Fallback>
+        <mc:Fallback xmlns="">
           <p:sp>
             <p:nvSpPr>
               <p:cNvPr id="11" name="TextBox 10"/>
@@ -5203,7 +5214,7 @@
             </p:nvSpPr>
             <p:spPr>
               <a:xfrm>
-                <a:off x="2605282" y="4383079"/>
+                <a:off x="2744471" y="4302548"/>
                 <a:ext cx="149079" cy="215444"/>
               </a:xfrm>
               <a:prstGeom prst="rect">
@@ -5231,8 +5242,8 @@
           </p:sp>
         </mc:Fallback>
       </mc:AlternateContent>
-      <mc:AlternateContent xmlns:mc="http://schemas.openxmlformats.org/markup-compatibility/2006">
-        <mc:Choice xmlns:a14="http://schemas.microsoft.com/office/drawing/2010/main" Requires="a14">
+      <mc:AlternateContent xmlns:mc="http://schemas.openxmlformats.org/markup-compatibility/2006" xmlns:a14="http://schemas.microsoft.com/office/drawing/2010/main">
+        <mc:Choice Requires="a14">
           <p:sp>
             <p:nvSpPr>
               <p:cNvPr id="12" name="TextBox 11"/>
@@ -5241,7 +5252,7 @@
             </p:nvSpPr>
             <p:spPr>
               <a:xfrm>
-                <a:off x="2689973" y="3633313"/>
+                <a:off x="2714309" y="3606643"/>
                 <a:ext cx="484107" cy="215444"/>
               </a:xfrm>
               <a:prstGeom prst="rect">
@@ -5255,6 +5266,7 @@
               </a:bodyPr>
               <a:lstStyle/>
               <a:p>
+                <a:pPr/>
                 <a14:m>
                   <m:oMathPara xmlns:m="http://schemas.openxmlformats.org/officeDocument/2006/math">
                     <m:oMathParaPr>
@@ -5278,7 +5290,7 @@
             </p:txBody>
           </p:sp>
         </mc:Choice>
-        <mc:Fallback>
+        <mc:Fallback xmlns="">
           <p:sp>
             <p:nvSpPr>
               <p:cNvPr id="12" name="TextBox 11"/>
@@ -5289,7 +5301,7 @@
             </p:nvSpPr>
             <p:spPr>
               <a:xfrm>
-                <a:off x="2689973" y="3633313"/>
+                <a:off x="2714309" y="3606643"/>
                 <a:ext cx="484107" cy="215444"/>
               </a:xfrm>
               <a:prstGeom prst="rect">
@@ -5317,8 +5329,8 @@
           </p:sp>
         </mc:Fallback>
       </mc:AlternateContent>
-      <mc:AlternateContent xmlns:mc="http://schemas.openxmlformats.org/markup-compatibility/2006">
-        <mc:Choice xmlns:a14="http://schemas.microsoft.com/office/drawing/2010/main" Requires="a14">
+      <mc:AlternateContent xmlns:mc="http://schemas.openxmlformats.org/markup-compatibility/2006" xmlns:a14="http://schemas.microsoft.com/office/drawing/2010/main">
+        <mc:Choice Requires="a14">
           <p:sp>
             <p:nvSpPr>
               <p:cNvPr id="14" name="TextBox 13"/>
@@ -5326,9 +5338,9 @@
               <p:nvPr/>
             </p:nvSpPr>
             <p:spPr>
-              <a:xfrm>
-                <a:off x="2483612" y="2602732"/>
-                <a:ext cx="392418" cy="523220"/>
+              <a:xfrm rot="15836113">
+                <a:off x="2270398" y="3298063"/>
+                <a:ext cx="392418" cy="400110"/>
               </a:xfrm>
               <a:prstGeom prst="rect">
                 <a:avLst/>
@@ -5351,7 +5363,7 @@
                       <m:sSup>
                         <m:sSupPr>
                           <m:ctrlPr>
-                            <a:rPr lang="en-US" sz="2800" b="0" i="1" smtClean="0">
+                            <a:rPr lang="en-US" sz="2000" b="0" i="1" smtClean="0">
                               <a:solidFill>
                                 <a:schemeClr val="tx1"/>
                               </a:solidFill>
@@ -5364,7 +5376,7 @@
                             <m:rPr>
                               <m:sty m:val="p"/>
                             </m:rPr>
-                            <a:rPr lang="en-US" sz="2800" b="0" i="0" smtClean="0">
+                            <a:rPr lang="en-US" sz="2000" b="0" i="0" smtClean="0">
                               <a:solidFill>
                                 <a:schemeClr val="tx1"/>
                               </a:solidFill>
@@ -5375,7 +5387,7 @@
                         </m:e>
                         <m:sup>
                           <m:r>
-                            <a:rPr lang="en-US" sz="2800" b="0" i="1" smtClean="0">
+                            <a:rPr lang="en-US" sz="2000" b="0" i="0" smtClean="0">
                               <a:solidFill>
                                 <a:schemeClr val="tx1"/>
                               </a:solidFill>
@@ -5388,7 +5400,7 @@
                     </m:oMath>
                   </m:oMathPara>
                 </a14:m>
-                <a:endParaRPr lang="en-US" sz="2800" dirty="0">
+                <a:endParaRPr lang="en-US" sz="2000" dirty="0">
                   <a:solidFill>
                     <a:schemeClr val="tx1"/>
                   </a:solidFill>
@@ -5398,7 +5410,7 @@
             </p:txBody>
           </p:sp>
         </mc:Choice>
-        <mc:Fallback>
+        <mc:Fallback xmlns="">
           <p:sp>
             <p:nvSpPr>
               <p:cNvPr id="14" name="TextBox 13"/>
@@ -5408,9 +5420,9 @@
               <p:nvPr/>
             </p:nvSpPr>
             <p:spPr>
-              <a:xfrm>
-                <a:off x="2483612" y="2602732"/>
-                <a:ext cx="392418" cy="523220"/>
+              <a:xfrm rot="15836113">
+                <a:off x="2270398" y="3298063"/>
+                <a:ext cx="392418" cy="400110"/>
               </a:xfrm>
               <a:prstGeom prst="rect">
                 <a:avLst/>
@@ -5418,7 +5430,7 @@
               <a:blipFill rotWithShape="0">
                 <a:blip r:embed="rId7"/>
                 <a:stretch>
-                  <a:fillRect r="-27692"/>
+                  <a:fillRect t="-13889"/>
                 </a:stretch>
               </a:blipFill>
             </p:spPr>
@@ -5437,8 +5449,8 @@
           </p:sp>
         </mc:Fallback>
       </mc:AlternateContent>
-      <mc:AlternateContent xmlns:mc="http://schemas.openxmlformats.org/markup-compatibility/2006">
-        <mc:Choice xmlns:a14="http://schemas.microsoft.com/office/drawing/2010/main" Requires="a14">
+      <mc:AlternateContent xmlns:mc="http://schemas.openxmlformats.org/markup-compatibility/2006" xmlns:a14="http://schemas.microsoft.com/office/drawing/2010/main">
+        <mc:Choice Requires="a14">
           <p:sp>
             <p:nvSpPr>
               <p:cNvPr id="15" name="TextBox 14"/>
@@ -5447,8 +5459,8 @@
             </p:nvSpPr>
             <p:spPr>
               <a:xfrm rot="1931034">
-                <a:off x="2878834" y="4930325"/>
-                <a:ext cx="875532" cy="523220"/>
+                <a:off x="2878834" y="4991880"/>
+                <a:ext cx="875532" cy="400110"/>
               </a:xfrm>
               <a:prstGeom prst="rect">
                 <a:avLst/>
@@ -5469,7 +5481,7 @@
                     </m:oMathParaPr>
                     <m:oMath xmlns:m="http://schemas.openxmlformats.org/officeDocument/2006/math">
                       <m:r>
-                        <a:rPr lang="en-US" sz="2800" b="0" i="1" smtClean="0">
+                        <a:rPr lang="en-US" sz="2000" b="0" i="1" smtClean="0">
                           <a:solidFill>
                             <a:schemeClr val="tx1"/>
                           </a:solidFill>
@@ -5478,7 +5490,7 @@
                         <m:t>𝑥</m:t>
                       </m:r>
                       <m:r>
-                        <a:rPr lang="en-US" sz="2800" b="0" i="1" smtClean="0">
+                        <a:rPr lang="en-US" sz="2000" b="0" i="1" smtClean="0">
                           <a:solidFill>
                             <a:schemeClr val="tx1"/>
                           </a:solidFill>
@@ -5487,7 +5499,7 @@
                         <m:t>/</m:t>
                       </m:r>
                       <m:r>
-                        <a:rPr lang="en-US" sz="2800" b="0" i="1" smtClean="0">
+                        <a:rPr lang="en-US" sz="2000" b="0" i="1" smtClean="0">
                           <a:solidFill>
                             <a:schemeClr val="tx1"/>
                           </a:solidFill>
@@ -5498,7 +5510,7 @@
                     </m:oMath>
                   </m:oMathPara>
                 </a14:m>
-                <a:endParaRPr lang="en-US" sz="2800" dirty="0">
+                <a:endParaRPr lang="en-US" sz="2000" dirty="0">
                   <a:solidFill>
                     <a:schemeClr val="tx1"/>
                   </a:solidFill>
@@ -5508,7 +5520,7 @@
             </p:txBody>
           </p:sp>
         </mc:Choice>
-        <mc:Fallback>
+        <mc:Fallback xmlns="">
           <p:sp>
             <p:nvSpPr>
               <p:cNvPr id="15" name="TextBox 14"/>
@@ -5519,8 +5531,8 @@
             </p:nvSpPr>
             <p:spPr>
               <a:xfrm rot="1931034">
-                <a:off x="2878834" y="4930325"/>
-                <a:ext cx="875532" cy="523220"/>
+                <a:off x="2878834" y="4991880"/>
+                <a:ext cx="875532" cy="400110"/>
               </a:xfrm>
               <a:prstGeom prst="rect">
                 <a:avLst/>
@@ -5547,8 +5559,8 @@
           </p:sp>
         </mc:Fallback>
       </mc:AlternateContent>
-      <mc:AlternateContent xmlns:mc="http://schemas.openxmlformats.org/markup-compatibility/2006">
-        <mc:Choice xmlns:a14="http://schemas.microsoft.com/office/drawing/2010/main" Requires="a14">
+      <mc:AlternateContent xmlns:mc="http://schemas.openxmlformats.org/markup-compatibility/2006" xmlns:a14="http://schemas.microsoft.com/office/drawing/2010/main">
+        <mc:Choice Requires="a14">
           <p:sp>
             <p:nvSpPr>
               <p:cNvPr id="16" name="TextBox 15"/>
@@ -5557,8 +5569,8 @@
             </p:nvSpPr>
             <p:spPr>
               <a:xfrm rot="18893241">
-                <a:off x="5100921" y="4804618"/>
-                <a:ext cx="875532" cy="523220"/>
+                <a:off x="5100921" y="4866173"/>
+                <a:ext cx="875532" cy="400110"/>
               </a:xfrm>
               <a:prstGeom prst="rect">
                 <a:avLst/>
@@ -5582,7 +5594,7 @@
                         <m:rPr>
                           <m:sty m:val="p"/>
                         </m:rPr>
-                        <a:rPr lang="en-US" sz="2800" b="0" i="0" smtClean="0">
+                        <a:rPr lang="en-US" sz="2000" b="0" i="0" smtClean="0">
                           <a:solidFill>
                             <a:schemeClr val="tx1"/>
                           </a:solidFill>
@@ -5591,7 +5603,7 @@
                         <m:t>y</m:t>
                       </m:r>
                       <m:r>
-                        <a:rPr lang="en-US" sz="2800" b="0" i="1" smtClean="0">
+                        <a:rPr lang="en-US" sz="2000" b="0" i="1" smtClean="0">
                           <a:solidFill>
                             <a:schemeClr val="tx1"/>
                           </a:solidFill>
@@ -5600,7 +5612,7 @@
                         <m:t>/</m:t>
                       </m:r>
                       <m:r>
-                        <a:rPr lang="en-US" sz="2800" b="0" i="1" smtClean="0">
+                        <a:rPr lang="en-US" sz="2000" b="0" i="1" smtClean="0">
                           <a:solidFill>
                             <a:schemeClr val="tx1"/>
                           </a:solidFill>
@@ -5611,7 +5623,7 @@
                     </m:oMath>
                   </m:oMathPara>
                 </a14:m>
-                <a:endParaRPr lang="en-US" sz="2800" dirty="0">
+                <a:endParaRPr lang="en-US" sz="2000" dirty="0">
                   <a:solidFill>
                     <a:schemeClr val="tx1"/>
                   </a:solidFill>
@@ -5621,7 +5633,7 @@
             </p:txBody>
           </p:sp>
         </mc:Choice>
-        <mc:Fallback>
+        <mc:Fallback xmlns="">
           <p:sp>
             <p:nvSpPr>
               <p:cNvPr id="16" name="TextBox 15"/>
@@ -5632,8 +5644,8 @@
             </p:nvSpPr>
             <p:spPr>
               <a:xfrm rot="18893241">
-                <a:off x="5100921" y="4804618"/>
-                <a:ext cx="875532" cy="523220"/>
+                <a:off x="5100921" y="4866173"/>
+                <a:ext cx="875532" cy="400110"/>
               </a:xfrm>
               <a:prstGeom prst="rect">
                 <a:avLst/>
@@ -5660,10 +5672,4037 @@
           </p:sp>
         </mc:Fallback>
       </mc:AlternateContent>
+      <mc:AlternateContent xmlns:mc="http://schemas.openxmlformats.org/markup-compatibility/2006" xmlns:a14="http://schemas.microsoft.com/office/drawing/2010/main">
+        <mc:Choice Requires="a14">
+          <p:sp>
+            <p:nvSpPr>
+              <p:cNvPr id="17" name="TextBox 16"/>
+              <p:cNvSpPr txBox="1"/>
+              <p:nvPr/>
+            </p:nvSpPr>
+            <p:spPr>
+              <a:xfrm>
+                <a:off x="2608326" y="2772830"/>
+                <a:ext cx="484107" cy="215444"/>
+              </a:xfrm>
+              <a:prstGeom prst="rect">
+                <a:avLst/>
+              </a:prstGeom>
+              <a:noFill/>
+            </p:spPr>
+            <p:txBody>
+              <a:bodyPr wrap="none" lIns="0" tIns="0" rIns="0" bIns="0" rtlCol="0">
+                <a:spAutoFit/>
+              </a:bodyPr>
+              <a:lstStyle/>
+              <a:p>
+                <a:pPr/>
+                <a14:m>
+                  <m:oMathPara xmlns:m="http://schemas.openxmlformats.org/officeDocument/2006/math">
+                    <m:oMathParaPr>
+                      <m:jc m:val="centerGroup"/>
+                    </m:oMathParaPr>
+                    <m:oMath xmlns:m="http://schemas.openxmlformats.org/officeDocument/2006/math">
+                      <m:r>
+                        <a:rPr lang="en-US" sz="1400" b="0" i="1" smtClean="0">
+                          <a:solidFill>
+                            <a:schemeClr val="tx1"/>
+                          </a:solidFill>
+                          <a:latin typeface="Cambria Math" panose="02040503050406030204" pitchFamily="18" charset="0"/>
+                        </a:rPr>
+                        <m:t>0.004</m:t>
+                      </m:r>
+                    </m:oMath>
+                  </m:oMathPara>
+                </a14:m>
+                <a:endParaRPr lang="en-US" sz="1400" dirty="0"/>
+              </a:p>
+            </p:txBody>
+          </p:sp>
+        </mc:Choice>
+        <mc:Fallback xmlns="">
+          <p:sp>
+            <p:nvSpPr>
+              <p:cNvPr id="17" name="TextBox 16"/>
+              <p:cNvSpPr txBox="1">
+                <a:spLocks noRot="1" noChangeAspect="1" noMove="1" noResize="1" noEditPoints="1" noAdjustHandles="1" noChangeArrowheads="1" noChangeShapeType="1" noTextEdit="1"/>
+              </p:cNvSpPr>
+              <p:nvPr/>
+            </p:nvSpPr>
+            <p:spPr>
+              <a:xfrm>
+                <a:off x="2608326" y="2772830"/>
+                <a:ext cx="484107" cy="215444"/>
+              </a:xfrm>
+              <a:prstGeom prst="rect">
+                <a:avLst/>
+              </a:prstGeom>
+              <a:blipFill rotWithShape="0">
+                <a:blip r:embed="rId10"/>
+                <a:stretch>
+                  <a:fillRect l="-7595" r="-6329" b="-8571"/>
+                </a:stretch>
+              </a:blipFill>
+            </p:spPr>
+            <p:txBody>
+              <a:bodyPr/>
+              <a:lstStyle/>
+              <a:p>
+                <a:r>
+                  <a:rPr lang="en-US">
+                    <a:noFill/>
+                  </a:rPr>
+                  <a:t> </a:t>
+                </a:r>
+              </a:p>
+            </p:txBody>
+          </p:sp>
+        </mc:Fallback>
+      </mc:AlternateContent>
     </p:spTree>
     <p:extLst>
       <p:ext uri="{BB962C8B-B14F-4D97-AF65-F5344CB8AC3E}">
         <p14:creationId xmlns:p14="http://schemas.microsoft.com/office/powerpoint/2010/main" val="1940335275"/>
+      </p:ext>
+    </p:extLst>
+  </p:cSld>
+  <p:clrMapOvr>
+    <a:masterClrMapping/>
+  </p:clrMapOvr>
+</p:sld>
+</file>
+
+<file path=ppt/slides/slide4.xml><?xml version="1.0" encoding="utf-8"?>
+<p:sld xmlns:a="http://schemas.openxmlformats.org/drawingml/2006/main" xmlns:r="http://schemas.openxmlformats.org/officeDocument/2006/relationships" xmlns:p="http://schemas.openxmlformats.org/presentationml/2006/main">
+  <p:cSld>
+    <p:spTree>
+      <p:nvGrpSpPr>
+        <p:cNvPr id="1" name=""/>
+        <p:cNvGrpSpPr/>
+        <p:nvPr/>
+      </p:nvGrpSpPr>
+      <p:grpSpPr>
+        <a:xfrm>
+          <a:off x="0" y="0"/>
+          <a:ext cx="0" cy="0"/>
+          <a:chOff x="0" y="0"/>
+          <a:chExt cx="0" cy="0"/>
+        </a:xfrm>
+      </p:grpSpPr>
+      <p:sp>
+        <p:nvSpPr>
+          <p:cNvPr id="2" name="Rectangle 6"/>
+          <p:cNvSpPr>
+            <a:spLocks noChangeArrowheads="1"/>
+          </p:cNvSpPr>
+          <p:nvPr/>
+        </p:nvSpPr>
+        <p:spPr bwMode="auto">
+          <a:xfrm>
+            <a:off x="2288109" y="1742904"/>
+            <a:ext cx="3889587" cy="3886200"/>
+          </a:xfrm>
+          <a:prstGeom prst="rect">
+            <a:avLst/>
+          </a:prstGeom>
+          <a:noFill/>
+          <a:ln w="9360">
+            <a:solidFill>
+              <a:srgbClr val="000000"/>
+            </a:solidFill>
+            <a:miter lim="800000"/>
+            <a:headEnd/>
+            <a:tailEnd/>
+          </a:ln>
+          <a:extLst>
+            <a:ext uri="{909E8E84-426E-40DD-AFC4-6F175D3DCCD1}">
+              <a14:hiddenFill xmlns:a14="http://schemas.microsoft.com/office/drawing/2010/main">
+                <a:solidFill>
+                  <a:srgbClr val="FFFFFF"/>
+                </a:solidFill>
+              </a14:hiddenFill>
+            </a:ext>
+          </a:extLst>
+        </p:spPr>
+        <p:txBody>
+          <a:bodyPr wrap="none" anchor="ctr"/>
+          <a:lstStyle/>
+          <a:p>
+            <a:pPr eaLnBrk="1" hangingPunct="1">
+              <a:buClr>
+                <a:srgbClr val="000000"/>
+              </a:buClr>
+              <a:buSzPct val="100000"/>
+              <a:buFont typeface="Times New Roman" panose="02020603050405020304" pitchFamily="18" charset="0"/>
+              <a:buNone/>
+            </a:pPr>
+            <a:endParaRPr lang="en-US" altLang="en-US"/>
+          </a:p>
+        </p:txBody>
+      </p:sp>
+      <p:pic>
+        <p:nvPicPr>
+          <p:cNvPr id="3" name="Picture 2"/>
+          <p:cNvPicPr>
+            <a:picLocks noChangeAspect="1"/>
+          </p:cNvPicPr>
+          <p:nvPr/>
+        </p:nvPicPr>
+        <p:blipFill>
+          <a:blip r:embed="rId2">
+            <a:extLst>
+              <a:ext uri="{28A0092B-C50C-407E-A947-70E740481C1C}">
+                <a14:useLocalDpi xmlns:a14="http://schemas.microsoft.com/office/drawing/2010/main" val="0"/>
+              </a:ext>
+            </a:extLst>
+          </a:blip>
+          <a:stretch>
+            <a:fillRect/>
+          </a:stretch>
+        </p:blipFill>
+        <p:spPr>
+          <a:xfrm>
+            <a:off x="2407722" y="2286699"/>
+            <a:ext cx="3650360" cy="2798610"/>
+          </a:xfrm>
+          <a:prstGeom prst="rect">
+            <a:avLst/>
+          </a:prstGeom>
+        </p:spPr>
+      </p:pic>
+      <p:cxnSp>
+        <p:nvCxnSpPr>
+          <p:cNvPr id="6" name="Straight Arrow Connector 5"/>
+          <p:cNvCxnSpPr/>
+          <p:nvPr/>
+        </p:nvCxnSpPr>
+        <p:spPr bwMode="auto">
+          <a:xfrm flipV="1">
+            <a:off x="2928880" y="5319515"/>
+            <a:ext cx="1726920" cy="8966"/>
+          </a:xfrm>
+          <a:prstGeom prst="straightConnector1">
+            <a:avLst/>
+          </a:prstGeom>
+          <a:solidFill>
+            <a:srgbClr val="00B8FF"/>
+          </a:solidFill>
+          <a:ln w="9525" cap="flat" cmpd="sng" algn="ctr">
+            <a:solidFill>
+              <a:schemeClr val="tx1"/>
+            </a:solidFill>
+            <a:prstDash val="solid"/>
+            <a:round/>
+            <a:headEnd type="triangle"/>
+            <a:tailEnd type="triangle"/>
+          </a:ln>
+          <a:effectLst/>
+        </p:spPr>
+      </p:cxnSp>
+      <mc:AlternateContent xmlns:mc="http://schemas.openxmlformats.org/markup-compatibility/2006">
+        <mc:Choice xmlns:a14="http://schemas.microsoft.com/office/drawing/2010/main" Requires="a14">
+          <p:sp>
+            <p:nvSpPr>
+              <p:cNvPr id="7" name="TextBox 6"/>
+              <p:cNvSpPr txBox="1"/>
+              <p:nvPr/>
+            </p:nvSpPr>
+            <p:spPr>
+              <a:xfrm>
+                <a:off x="3342502" y="5280081"/>
+                <a:ext cx="875532" cy="400110"/>
+              </a:xfrm>
+              <a:prstGeom prst="rect">
+                <a:avLst/>
+              </a:prstGeom>
+              <a:noFill/>
+            </p:spPr>
+            <p:txBody>
+              <a:bodyPr wrap="square" rtlCol="0">
+                <a:spAutoFit/>
+              </a:bodyPr>
+              <a:lstStyle/>
+              <a:p>
+                <a:pPr/>
+                <a14:m>
+                  <m:oMathPara xmlns:m="http://schemas.openxmlformats.org/officeDocument/2006/math">
+                    <m:oMathParaPr>
+                      <m:jc m:val="centerGroup"/>
+                    </m:oMathParaPr>
+                    <m:oMath xmlns:m="http://schemas.openxmlformats.org/officeDocument/2006/math">
+                      <m:r>
+                        <a:rPr lang="en-US" sz="2000" b="0" i="1" smtClean="0">
+                          <a:solidFill>
+                            <a:schemeClr val="tx1"/>
+                          </a:solidFill>
+                          <a:latin typeface="Cambria Math" panose="02040503050406030204" pitchFamily="18" charset="0"/>
+                        </a:rPr>
+                        <m:t>2</m:t>
+                      </m:r>
+                      <m:r>
+                        <m:rPr>
+                          <m:sty m:val="p"/>
+                        </m:rPr>
+                        <a:rPr lang="en-US" sz="2000" b="0" i="0" smtClean="0">
+                          <a:solidFill>
+                            <a:schemeClr val="tx1"/>
+                          </a:solidFill>
+                          <a:latin typeface="Cambria Math" panose="02040503050406030204" pitchFamily="18" charset="0"/>
+                        </a:rPr>
+                        <m:t>Δ</m:t>
+                      </m:r>
+                    </m:oMath>
+                  </m:oMathPara>
+                </a14:m>
+                <a:endParaRPr lang="en-US" sz="2000" dirty="0">
+                  <a:solidFill>
+                    <a:schemeClr val="tx1"/>
+                  </a:solidFill>
+                  <a:latin typeface="Cambria" panose="02040503050406030204" pitchFamily="18" charset="0"/>
+                </a:endParaRPr>
+              </a:p>
+            </p:txBody>
+          </p:sp>
+        </mc:Choice>
+        <mc:Fallback>
+          <p:sp>
+            <p:nvSpPr>
+              <p:cNvPr id="7" name="TextBox 6"/>
+              <p:cNvSpPr txBox="1">
+                <a:spLocks noRot="1" noChangeAspect="1" noMove="1" noResize="1" noEditPoints="1" noAdjustHandles="1" noChangeArrowheads="1" noChangeShapeType="1" noTextEdit="1"/>
+              </p:cNvSpPr>
+              <p:nvPr/>
+            </p:nvSpPr>
+            <p:spPr>
+              <a:xfrm>
+                <a:off x="3342502" y="5280081"/>
+                <a:ext cx="875532" cy="400110"/>
+              </a:xfrm>
+              <a:prstGeom prst="rect">
+                <a:avLst/>
+              </a:prstGeom>
+              <a:blipFill rotWithShape="0">
+                <a:blip r:embed="rId3"/>
+                <a:stretch>
+                  <a:fillRect/>
+                </a:stretch>
+              </a:blipFill>
+            </p:spPr>
+            <p:txBody>
+              <a:bodyPr/>
+              <a:lstStyle/>
+              <a:p>
+                <a:r>
+                  <a:rPr lang="en-US">
+                    <a:noFill/>
+                  </a:rPr>
+                  <a:t> </a:t>
+                </a:r>
+              </a:p>
+            </p:txBody>
+          </p:sp>
+        </mc:Fallback>
+      </mc:AlternateContent>
+      <p:cxnSp>
+        <p:nvCxnSpPr>
+          <p:cNvPr id="8" name="Straight Arrow Connector 7"/>
+          <p:cNvCxnSpPr/>
+          <p:nvPr/>
+        </p:nvCxnSpPr>
+        <p:spPr bwMode="auto">
+          <a:xfrm flipV="1">
+            <a:off x="4655800" y="5309865"/>
+            <a:ext cx="906800" cy="9650"/>
+          </a:xfrm>
+          <a:prstGeom prst="straightConnector1">
+            <a:avLst/>
+          </a:prstGeom>
+          <a:solidFill>
+            <a:srgbClr val="00B8FF"/>
+          </a:solidFill>
+          <a:ln w="9525" cap="flat" cmpd="sng" algn="ctr">
+            <a:solidFill>
+              <a:schemeClr val="tx1"/>
+            </a:solidFill>
+            <a:prstDash val="solid"/>
+            <a:round/>
+            <a:headEnd type="triangle"/>
+            <a:tailEnd type="triangle"/>
+          </a:ln>
+          <a:effectLst/>
+        </p:spPr>
+      </p:cxnSp>
+      <mc:AlternateContent xmlns:mc="http://schemas.openxmlformats.org/markup-compatibility/2006">
+        <mc:Choice xmlns:a14="http://schemas.microsoft.com/office/drawing/2010/main" Requires="a14">
+          <p:sp>
+            <p:nvSpPr>
+              <p:cNvPr id="12" name="TextBox 11"/>
+              <p:cNvSpPr txBox="1"/>
+              <p:nvPr/>
+            </p:nvSpPr>
+            <p:spPr>
+              <a:xfrm>
+                <a:off x="4652663" y="5243039"/>
+                <a:ext cx="875532" cy="400110"/>
+              </a:xfrm>
+              <a:prstGeom prst="rect">
+                <a:avLst/>
+              </a:prstGeom>
+              <a:noFill/>
+            </p:spPr>
+            <p:txBody>
+              <a:bodyPr wrap="square" rtlCol="0">
+                <a:spAutoFit/>
+              </a:bodyPr>
+              <a:lstStyle/>
+              <a:p>
+                <a:pPr/>
+                <a14:m>
+                  <m:oMathPara xmlns:m="http://schemas.openxmlformats.org/officeDocument/2006/math">
+                    <m:oMathParaPr>
+                      <m:jc m:val="centerGroup"/>
+                    </m:oMathParaPr>
+                    <m:oMath xmlns:m="http://schemas.openxmlformats.org/officeDocument/2006/math">
+                      <m:r>
+                        <a:rPr lang="en-US" sz="2000" b="0" i="1" smtClean="0">
+                          <a:solidFill>
+                            <a:schemeClr val="tx1"/>
+                          </a:solidFill>
+                          <a:latin typeface="Cambria Math" panose="02040503050406030204" pitchFamily="18" charset="0"/>
+                        </a:rPr>
+                        <m:t>2</m:t>
+                      </m:r>
+                      <m:r>
+                        <m:rPr>
+                          <m:sty m:val="p"/>
+                        </m:rPr>
+                        <a:rPr lang="en-US" sz="2000" b="0" i="0" smtClean="0">
+                          <a:solidFill>
+                            <a:schemeClr val="tx1"/>
+                          </a:solidFill>
+                          <a:latin typeface="Cambria Math" panose="02040503050406030204" pitchFamily="18" charset="0"/>
+                        </a:rPr>
+                        <m:t>S</m:t>
+                      </m:r>
+                    </m:oMath>
+                  </m:oMathPara>
+                </a14:m>
+                <a:endParaRPr lang="en-US" sz="2000" dirty="0">
+                  <a:solidFill>
+                    <a:schemeClr val="tx1"/>
+                  </a:solidFill>
+                  <a:latin typeface="Cambria" panose="02040503050406030204" pitchFamily="18" charset="0"/>
+                </a:endParaRPr>
+              </a:p>
+            </p:txBody>
+          </p:sp>
+        </mc:Choice>
+        <mc:Fallback>
+          <p:sp>
+            <p:nvSpPr>
+              <p:cNvPr id="12" name="TextBox 11"/>
+              <p:cNvSpPr txBox="1">
+                <a:spLocks noRot="1" noChangeAspect="1" noMove="1" noResize="1" noEditPoints="1" noAdjustHandles="1" noChangeArrowheads="1" noChangeShapeType="1" noTextEdit="1"/>
+              </p:cNvSpPr>
+              <p:nvPr/>
+            </p:nvSpPr>
+            <p:spPr>
+              <a:xfrm>
+                <a:off x="4652663" y="5243039"/>
+                <a:ext cx="875532" cy="400110"/>
+              </a:xfrm>
+              <a:prstGeom prst="rect">
+                <a:avLst/>
+              </a:prstGeom>
+              <a:blipFill rotWithShape="0">
+                <a:blip r:embed="rId4"/>
+                <a:stretch>
+                  <a:fillRect/>
+                </a:stretch>
+              </a:blipFill>
+            </p:spPr>
+            <p:txBody>
+              <a:bodyPr/>
+              <a:lstStyle/>
+              <a:p>
+                <a:r>
+                  <a:rPr lang="en-US">
+                    <a:noFill/>
+                  </a:rPr>
+                  <a:t> </a:t>
+                </a:r>
+              </a:p>
+            </p:txBody>
+          </p:sp>
+        </mc:Fallback>
+      </mc:AlternateContent>
+      <mc:AlternateContent xmlns:mc="http://schemas.openxmlformats.org/markup-compatibility/2006">
+        <mc:Choice xmlns:a14="http://schemas.microsoft.com/office/drawing/2010/main" Requires="a14">
+          <p:sp>
+            <p:nvSpPr>
+              <p:cNvPr id="13" name="TextBox 12"/>
+              <p:cNvSpPr txBox="1"/>
+              <p:nvPr/>
+            </p:nvSpPr>
+            <p:spPr>
+              <a:xfrm rot="5400000">
+                <a:off x="3887937" y="2676305"/>
+                <a:ext cx="1207412" cy="400110"/>
+              </a:xfrm>
+              <a:prstGeom prst="rect">
+                <a:avLst/>
+              </a:prstGeom>
+              <a:noFill/>
+            </p:spPr>
+            <p:txBody>
+              <a:bodyPr wrap="square" rtlCol="0">
+                <a:spAutoFit/>
+              </a:bodyPr>
+              <a:lstStyle/>
+              <a:p>
+                <a:pPr/>
+                <a14:m>
+                  <m:oMathPara xmlns:m="http://schemas.openxmlformats.org/officeDocument/2006/math">
+                    <m:oMathParaPr>
+                      <m:jc m:val="centerGroup"/>
+                    </m:oMathParaPr>
+                    <m:oMath xmlns:m="http://schemas.openxmlformats.org/officeDocument/2006/math">
+                      <m:r>
+                        <a:rPr lang="en-US" sz="2000" b="0" i="1" smtClean="0">
+                          <a:solidFill>
+                            <a:schemeClr val="tx1"/>
+                          </a:solidFill>
+                          <a:latin typeface="Cambria Math" panose="02040503050406030204" pitchFamily="18" charset="0"/>
+                        </a:rPr>
+                        <m:t>𝜌</m:t>
+                      </m:r>
+                      <m:r>
+                        <a:rPr lang="en-US" sz="2000" b="0" i="1" smtClean="0">
+                          <a:solidFill>
+                            <a:schemeClr val="tx1"/>
+                          </a:solidFill>
+                          <a:latin typeface="Cambria Math" panose="02040503050406030204" pitchFamily="18" charset="0"/>
+                        </a:rPr>
+                        <m:t>(</m:t>
+                      </m:r>
+                      <m:r>
+                        <a:rPr lang="en-US" sz="2000" b="0" i="1" smtClean="0">
+                          <a:solidFill>
+                            <a:schemeClr val="tx1"/>
+                          </a:solidFill>
+                          <a:latin typeface="Cambria Math" panose="02040503050406030204" pitchFamily="18" charset="0"/>
+                        </a:rPr>
+                        <m:t>𝜔</m:t>
+                      </m:r>
+                      <m:r>
+                        <a:rPr lang="en-US" sz="2000" b="0" i="1" smtClean="0">
+                          <a:solidFill>
+                            <a:schemeClr val="tx1"/>
+                          </a:solidFill>
+                          <a:latin typeface="Cambria Math" panose="02040503050406030204" pitchFamily="18" charset="0"/>
+                        </a:rPr>
+                        <m:t>)/</m:t>
+                      </m:r>
+                      <m:sSub>
+                        <m:sSubPr>
+                          <m:ctrlPr>
+                            <a:rPr lang="en-US" sz="2000" b="0" i="1" smtClean="0">
+                              <a:solidFill>
+                                <a:schemeClr val="tx1"/>
+                              </a:solidFill>
+                              <a:latin typeface="Cambria Math" panose="02040503050406030204" pitchFamily="18" charset="0"/>
+                            </a:rPr>
+                          </m:ctrlPr>
+                        </m:sSubPr>
+                        <m:e>
+                          <m:r>
+                            <a:rPr lang="en-US" sz="2000" b="0" i="1" smtClean="0">
+                              <a:solidFill>
+                                <a:schemeClr val="tx1"/>
+                              </a:solidFill>
+                              <a:latin typeface="Cambria Math" panose="02040503050406030204" pitchFamily="18" charset="0"/>
+                            </a:rPr>
+                            <m:t>𝜌</m:t>
+                          </m:r>
+                        </m:e>
+                        <m:sub>
+                          <m:r>
+                            <a:rPr lang="en-US" sz="2000" b="0" i="1" smtClean="0">
+                              <a:solidFill>
+                                <a:schemeClr val="tx1"/>
+                              </a:solidFill>
+                              <a:latin typeface="Cambria Math" panose="02040503050406030204" pitchFamily="18" charset="0"/>
+                            </a:rPr>
+                            <m:t>0</m:t>
+                          </m:r>
+                        </m:sub>
+                      </m:sSub>
+                    </m:oMath>
+                  </m:oMathPara>
+                </a14:m>
+                <a:endParaRPr lang="en-US" sz="2000" dirty="0">
+                  <a:solidFill>
+                    <a:schemeClr val="tx1"/>
+                  </a:solidFill>
+                  <a:latin typeface="Cambria" panose="02040503050406030204" pitchFamily="18" charset="0"/>
+                </a:endParaRPr>
+              </a:p>
+            </p:txBody>
+          </p:sp>
+        </mc:Choice>
+        <mc:Fallback>
+          <p:sp>
+            <p:nvSpPr>
+              <p:cNvPr id="13" name="TextBox 12"/>
+              <p:cNvSpPr txBox="1">
+                <a:spLocks noRot="1" noChangeAspect="1" noMove="1" noResize="1" noEditPoints="1" noAdjustHandles="1" noChangeArrowheads="1" noChangeShapeType="1" noTextEdit="1"/>
+              </p:cNvSpPr>
+              <p:nvPr/>
+            </p:nvSpPr>
+            <p:spPr>
+              <a:xfrm rot="5400000">
+                <a:off x="3887937" y="2676305"/>
+                <a:ext cx="1207412" cy="400110"/>
+              </a:xfrm>
+              <a:prstGeom prst="rect">
+                <a:avLst/>
+              </a:prstGeom>
+              <a:blipFill rotWithShape="0">
+                <a:blip r:embed="rId5"/>
+                <a:stretch>
+                  <a:fillRect l="-18182"/>
+                </a:stretch>
+              </a:blipFill>
+            </p:spPr>
+            <p:txBody>
+              <a:bodyPr/>
+              <a:lstStyle/>
+              <a:p>
+                <a:r>
+                  <a:rPr lang="en-US">
+                    <a:noFill/>
+                  </a:rPr>
+                  <a:t> </a:t>
+                </a:r>
+              </a:p>
+            </p:txBody>
+          </p:sp>
+        </mc:Fallback>
+      </mc:AlternateContent>
+      <p:grpSp>
+        <p:nvGrpSpPr>
+          <p:cNvPr id="15" name="Group 14"/>
+          <p:cNvGrpSpPr/>
+          <p:nvPr/>
+        </p:nvGrpSpPr>
+        <p:grpSpPr>
+          <a:xfrm>
+            <a:off x="3750485" y="4807582"/>
+            <a:ext cx="1098550" cy="400110"/>
+            <a:chOff x="4580189" y="4761926"/>
+            <a:chExt cx="1098550" cy="400110"/>
+          </a:xfrm>
+        </p:grpSpPr>
+        <p:sp>
+          <p:nvSpPr>
+            <p:cNvPr id="14" name="Rectangle 13"/>
+            <p:cNvSpPr/>
+            <p:nvPr/>
+          </p:nvSpPr>
+          <p:spPr bwMode="auto">
+            <a:xfrm>
+              <a:off x="4580189" y="4864099"/>
+              <a:ext cx="1098550" cy="293051"/>
+            </a:xfrm>
+            <a:prstGeom prst="rect">
+              <a:avLst/>
+            </a:prstGeom>
+            <a:solidFill>
+              <a:schemeClr val="bg1"/>
+            </a:solidFill>
+            <a:ln w="9525" cap="flat" cmpd="sng" algn="ctr">
+              <a:solidFill>
+                <a:schemeClr val="bg1"/>
+              </a:solidFill>
+              <a:prstDash val="solid"/>
+              <a:round/>
+              <a:headEnd type="none" w="med" len="med"/>
+              <a:tailEnd type="none" w="med" len="med"/>
+            </a:ln>
+            <a:effectLst/>
+          </p:spPr>
+          <p:txBody>
+            <a:bodyPr vert="horz" wrap="square" lIns="91440" tIns="45720" rIns="91440" bIns="45720" numCol="1" rtlCol="0" anchor="t" anchorCtr="0" compatLnSpc="1">
+              <a:prstTxWarp prst="textNoShape">
+                <a:avLst/>
+              </a:prstTxWarp>
+            </a:bodyPr>
+            <a:lstStyle/>
+            <a:p>
+              <a:pPr marL="0" marR="0" indent="0" algn="l" defTabSz="457200" rtl="0" eaLnBrk="1" fontAlgn="base" latinLnBrk="0" hangingPunct="1">
+                <a:lnSpc>
+                  <a:spcPct val="100000"/>
+                </a:lnSpc>
+                <a:spcBef>
+                  <a:spcPct val="0"/>
+                </a:spcBef>
+                <a:spcAft>
+                  <a:spcPct val="0"/>
+                </a:spcAft>
+                <a:buClr>
+                  <a:srgbClr val="000000"/>
+                </a:buClr>
+                <a:buSzPct val="100000"/>
+                <a:buFont typeface="Times New Roman" pitchFamily="16" charset="0"/>
+                <a:buNone/>
+                <a:tabLst/>
+              </a:pPr>
+              <a:endParaRPr kumimoji="0" lang="en-US" sz="1800" b="0" i="0" u="none" strike="noStrike" cap="none" normalizeH="0" baseline="0" smtClean="0">
+                <a:ln>
+                  <a:noFill/>
+                </a:ln>
+                <a:solidFill>
+                  <a:schemeClr val="bg1"/>
+                </a:solidFill>
+                <a:effectLst/>
+                <a:latin typeface="Arial" charset="0"/>
+              </a:endParaRPr>
+            </a:p>
+          </p:txBody>
+        </p:sp>
+        <mc:AlternateContent xmlns:mc="http://schemas.openxmlformats.org/markup-compatibility/2006">
+          <mc:Choice xmlns:a14="http://schemas.microsoft.com/office/drawing/2010/main" Requires="a14">
+            <p:sp>
+              <p:nvSpPr>
+                <p:cNvPr id="4" name="TextBox 3"/>
+                <p:cNvSpPr txBox="1"/>
+                <p:nvPr/>
+              </p:nvSpPr>
+              <p:spPr>
+                <a:xfrm>
+                  <a:off x="4624840" y="4761926"/>
+                  <a:ext cx="875532" cy="400110"/>
+                </a:xfrm>
+                <a:prstGeom prst="rect">
+                  <a:avLst/>
+                </a:prstGeom>
+                <a:noFill/>
+              </p:spPr>
+              <p:txBody>
+                <a:bodyPr wrap="square" rtlCol="0">
+                  <a:spAutoFit/>
+                </a:bodyPr>
+                <a:lstStyle/>
+                <a:p>
+                  <a:pPr/>
+                  <a14:m>
+                    <m:oMathPara xmlns:m="http://schemas.openxmlformats.org/officeDocument/2006/math">
+                      <m:oMathParaPr>
+                        <m:jc m:val="centerGroup"/>
+                      </m:oMathParaPr>
+                      <m:oMath xmlns:m="http://schemas.openxmlformats.org/officeDocument/2006/math">
+                        <m:r>
+                          <a:rPr lang="en-US" sz="2000" b="0" i="1" smtClean="0">
+                            <a:solidFill>
+                              <a:schemeClr val="tx1"/>
+                            </a:solidFill>
+                            <a:latin typeface="Cambria Math" panose="02040503050406030204" pitchFamily="18" charset="0"/>
+                          </a:rPr>
+                          <m:t>𝜔</m:t>
+                        </m:r>
+                        <m:r>
+                          <a:rPr lang="en-US" sz="2000" b="0" i="1" smtClean="0">
+                            <a:solidFill>
+                              <a:schemeClr val="tx1"/>
+                            </a:solidFill>
+                            <a:latin typeface="Cambria Math" panose="02040503050406030204" pitchFamily="18" charset="0"/>
+                          </a:rPr>
+                          <m:t>/</m:t>
+                        </m:r>
+                        <m:r>
+                          <m:rPr>
+                            <m:sty m:val="p"/>
+                          </m:rPr>
+                          <a:rPr lang="en-US" sz="2000" b="0" i="0" smtClean="0">
+                            <a:solidFill>
+                              <a:schemeClr val="tx1"/>
+                            </a:solidFill>
+                            <a:latin typeface="Cambria Math" panose="02040503050406030204" pitchFamily="18" charset="0"/>
+                          </a:rPr>
+                          <m:t>Δ</m:t>
+                        </m:r>
+                      </m:oMath>
+                    </m:oMathPara>
+                  </a14:m>
+                  <a:endParaRPr lang="en-US" sz="2000" dirty="0">
+                    <a:solidFill>
+                      <a:schemeClr val="tx1"/>
+                    </a:solidFill>
+                    <a:latin typeface="Cambria" panose="02040503050406030204" pitchFamily="18" charset="0"/>
+                  </a:endParaRPr>
+                </a:p>
+              </p:txBody>
+            </p:sp>
+          </mc:Choice>
+          <mc:Fallback>
+            <p:sp>
+              <p:nvSpPr>
+                <p:cNvPr id="4" name="TextBox 3"/>
+                <p:cNvSpPr txBox="1">
+                  <a:spLocks noRot="1" noChangeAspect="1" noMove="1" noResize="1" noEditPoints="1" noAdjustHandles="1" noChangeArrowheads="1" noChangeShapeType="1" noTextEdit="1"/>
+                </p:cNvSpPr>
+                <p:nvPr/>
+              </p:nvSpPr>
+              <p:spPr>
+                <a:xfrm>
+                  <a:off x="4624840" y="4761926"/>
+                  <a:ext cx="875532" cy="400110"/>
+                </a:xfrm>
+                <a:prstGeom prst="rect">
+                  <a:avLst/>
+                </a:prstGeom>
+                <a:blipFill rotWithShape="0">
+                  <a:blip r:embed="rId6"/>
+                  <a:stretch>
+                    <a:fillRect b="-18462"/>
+                  </a:stretch>
+                </a:blipFill>
+              </p:spPr>
+              <p:txBody>
+                <a:bodyPr/>
+                <a:lstStyle/>
+                <a:p>
+                  <a:r>
+                    <a:rPr lang="en-US">
+                      <a:noFill/>
+                    </a:rPr>
+                    <a:t> </a:t>
+                  </a:r>
+                </a:p>
+              </p:txBody>
+            </p:sp>
+          </mc:Fallback>
+        </mc:AlternateContent>
+      </p:grpSp>
+      <p:cxnSp>
+        <p:nvCxnSpPr>
+          <p:cNvPr id="16" name="Straight Arrow Connector 15"/>
+          <p:cNvCxnSpPr/>
+          <p:nvPr/>
+        </p:nvCxnSpPr>
+        <p:spPr bwMode="auto">
+          <a:xfrm flipV="1">
+            <a:off x="5705475" y="2876360"/>
+            <a:ext cx="0" cy="314325"/>
+          </a:xfrm>
+          <a:prstGeom prst="straightConnector1">
+            <a:avLst/>
+          </a:prstGeom>
+          <a:solidFill>
+            <a:srgbClr val="00B8FF"/>
+          </a:solidFill>
+          <a:ln w="34925" cap="flat" cmpd="sng" algn="ctr">
+            <a:solidFill>
+              <a:srgbClr val="0404BC"/>
+            </a:solidFill>
+            <a:prstDash val="solid"/>
+            <a:round/>
+            <a:headEnd type="none" w="med" len="med"/>
+            <a:tailEnd type="triangle"/>
+          </a:ln>
+          <a:effectLst/>
+        </p:spPr>
+      </p:cxnSp>
+      <p:cxnSp>
+        <p:nvCxnSpPr>
+          <p:cNvPr id="20" name="Straight Arrow Connector 19"/>
+          <p:cNvCxnSpPr/>
+          <p:nvPr/>
+        </p:nvCxnSpPr>
+        <p:spPr bwMode="auto">
+          <a:xfrm flipV="1">
+            <a:off x="3676650" y="2908110"/>
+            <a:ext cx="0" cy="314325"/>
+          </a:xfrm>
+          <a:prstGeom prst="straightConnector1">
+            <a:avLst/>
+          </a:prstGeom>
+          <a:solidFill>
+            <a:srgbClr val="00B8FF"/>
+          </a:solidFill>
+          <a:ln w="34925" cap="flat" cmpd="sng" algn="ctr">
+            <a:solidFill>
+              <a:srgbClr val="0404BC"/>
+            </a:solidFill>
+            <a:prstDash val="solid"/>
+            <a:round/>
+            <a:headEnd type="none" w="med" len="med"/>
+            <a:tailEnd type="triangle"/>
+          </a:ln>
+          <a:effectLst/>
+        </p:spPr>
+      </p:cxnSp>
+      <p:cxnSp>
+        <p:nvCxnSpPr>
+          <p:cNvPr id="21" name="Straight Arrow Connector 20"/>
+          <p:cNvCxnSpPr/>
+          <p:nvPr/>
+        </p:nvCxnSpPr>
+        <p:spPr bwMode="auto">
+          <a:xfrm>
+            <a:off x="4849035" y="2908110"/>
+            <a:ext cx="0" cy="320864"/>
+          </a:xfrm>
+          <a:prstGeom prst="straightConnector1">
+            <a:avLst/>
+          </a:prstGeom>
+          <a:solidFill>
+            <a:srgbClr val="00B8FF"/>
+          </a:solidFill>
+          <a:ln w="34925" cap="flat" cmpd="sng" algn="ctr">
+            <a:solidFill>
+              <a:srgbClr val="FF0000"/>
+            </a:solidFill>
+            <a:prstDash val="solid"/>
+            <a:round/>
+            <a:headEnd type="none" w="med" len="med"/>
+            <a:tailEnd type="triangle"/>
+          </a:ln>
+          <a:effectLst/>
+        </p:spPr>
+      </p:cxnSp>
+      <p:cxnSp>
+        <p:nvCxnSpPr>
+          <p:cNvPr id="23" name="Straight Arrow Connector 22"/>
+          <p:cNvCxnSpPr/>
+          <p:nvPr/>
+        </p:nvCxnSpPr>
+        <p:spPr bwMode="auto">
+          <a:xfrm>
+            <a:off x="2817035" y="2908110"/>
+            <a:ext cx="0" cy="320864"/>
+          </a:xfrm>
+          <a:prstGeom prst="straightConnector1">
+            <a:avLst/>
+          </a:prstGeom>
+          <a:solidFill>
+            <a:srgbClr val="00B8FF"/>
+          </a:solidFill>
+          <a:ln w="34925" cap="flat" cmpd="sng" algn="ctr">
+            <a:solidFill>
+              <a:srgbClr val="FF0000"/>
+            </a:solidFill>
+            <a:prstDash val="solid"/>
+            <a:round/>
+            <a:headEnd type="none" w="med" len="med"/>
+            <a:tailEnd type="triangle"/>
+          </a:ln>
+          <a:effectLst/>
+        </p:spPr>
+      </p:cxnSp>
+      <p:cxnSp>
+        <p:nvCxnSpPr>
+          <p:cNvPr id="25" name="Straight Connector 24"/>
+          <p:cNvCxnSpPr/>
+          <p:nvPr/>
+        </p:nvCxnSpPr>
+        <p:spPr bwMode="auto">
+          <a:xfrm>
+            <a:off x="2817035" y="2002412"/>
+            <a:ext cx="539750" cy="6350"/>
+          </a:xfrm>
+          <a:prstGeom prst="line">
+            <a:avLst/>
+          </a:prstGeom>
+          <a:solidFill>
+            <a:srgbClr val="00B8FF"/>
+          </a:solidFill>
+          <a:ln w="25400" cap="flat" cmpd="sng" algn="ctr">
+            <a:solidFill>
+              <a:srgbClr val="FF0000"/>
+            </a:solidFill>
+            <a:prstDash val="solid"/>
+            <a:round/>
+            <a:headEnd type="none" w="med" len="med"/>
+            <a:tailEnd type="none" w="med" len="med"/>
+          </a:ln>
+          <a:effectLst/>
+        </p:spPr>
+      </p:cxnSp>
+      <p:cxnSp>
+        <p:nvCxnSpPr>
+          <p:cNvPr id="26" name="Straight Connector 25"/>
+          <p:cNvCxnSpPr/>
+          <p:nvPr/>
+        </p:nvCxnSpPr>
+        <p:spPr bwMode="auto">
+          <a:xfrm>
+            <a:off x="4610486" y="2003031"/>
+            <a:ext cx="539750" cy="6350"/>
+          </a:xfrm>
+          <a:prstGeom prst="line">
+            <a:avLst/>
+          </a:prstGeom>
+          <a:solidFill>
+            <a:srgbClr val="00B8FF"/>
+          </a:solidFill>
+          <a:ln w="25400" cap="flat" cmpd="sng" algn="ctr">
+            <a:solidFill>
+              <a:srgbClr val="0404BC"/>
+            </a:solidFill>
+            <a:prstDash val="solid"/>
+            <a:round/>
+            <a:headEnd type="none" w="med" len="med"/>
+            <a:tailEnd type="none" w="med" len="med"/>
+          </a:ln>
+          <a:effectLst/>
+        </p:spPr>
+      </p:cxnSp>
+      <p:sp>
+        <p:nvSpPr>
+          <p:cNvPr id="27" name="TextBox 26"/>
+          <p:cNvSpPr txBox="1"/>
+          <p:nvPr/>
+        </p:nvSpPr>
+        <p:spPr>
+          <a:xfrm>
+            <a:off x="5090429" y="1826652"/>
+            <a:ext cx="965443" cy="307777"/>
+          </a:xfrm>
+          <a:prstGeom prst="rect">
+            <a:avLst/>
+          </a:prstGeom>
+          <a:noFill/>
+        </p:spPr>
+        <p:txBody>
+          <a:bodyPr wrap="square" rtlCol="0">
+            <a:spAutoFit/>
+          </a:bodyPr>
+          <a:lstStyle/>
+          <a:p>
+            <a:r>
+              <a:rPr lang="en-US" sz="1400" dirty="0" smtClean="0">
+                <a:solidFill>
+                  <a:schemeClr val="tx1"/>
+                </a:solidFill>
+              </a:rPr>
+              <a:t>spin up</a:t>
+            </a:r>
+            <a:endParaRPr lang="en-US" sz="1400" dirty="0">
+              <a:solidFill>
+                <a:schemeClr val="tx1"/>
+              </a:solidFill>
+            </a:endParaRPr>
+          </a:p>
+        </p:txBody>
+      </p:sp>
+      <p:sp>
+        <p:nvSpPr>
+          <p:cNvPr id="28" name="TextBox 27"/>
+          <p:cNvSpPr txBox="1"/>
+          <p:nvPr/>
+        </p:nvSpPr>
+        <p:spPr>
+          <a:xfrm>
+            <a:off x="3311338" y="1842213"/>
+            <a:ext cx="1132205" cy="307777"/>
+          </a:xfrm>
+          <a:prstGeom prst="rect">
+            <a:avLst/>
+          </a:prstGeom>
+          <a:noFill/>
+        </p:spPr>
+        <p:txBody>
+          <a:bodyPr wrap="square" rtlCol="0">
+            <a:spAutoFit/>
+          </a:bodyPr>
+          <a:lstStyle/>
+          <a:p>
+            <a:r>
+              <a:rPr lang="en-US" sz="1400" dirty="0" smtClean="0">
+                <a:solidFill>
+                  <a:schemeClr val="tx1"/>
+                </a:solidFill>
+              </a:rPr>
+              <a:t>spin down</a:t>
+            </a:r>
+            <a:endParaRPr lang="en-US" sz="1400" dirty="0">
+              <a:solidFill>
+                <a:schemeClr val="tx1"/>
+              </a:solidFill>
+            </a:endParaRPr>
+          </a:p>
+        </p:txBody>
+      </p:sp>
+    </p:spTree>
+    <p:extLst>
+      <p:ext uri="{BB962C8B-B14F-4D97-AF65-F5344CB8AC3E}">
+        <p14:creationId xmlns:p14="http://schemas.microsoft.com/office/powerpoint/2010/main" val="1485288233"/>
+      </p:ext>
+    </p:extLst>
+  </p:cSld>
+  <p:clrMapOvr>
+    <a:masterClrMapping/>
+  </p:clrMapOvr>
+</p:sld>
+</file>
+
+<file path=ppt/slides/slide5.xml><?xml version="1.0" encoding="utf-8"?>
+<p:sld xmlns:a="http://schemas.openxmlformats.org/drawingml/2006/main" xmlns:r="http://schemas.openxmlformats.org/officeDocument/2006/relationships" xmlns:p="http://schemas.openxmlformats.org/presentationml/2006/main">
+  <p:cSld>
+    <p:spTree>
+      <p:nvGrpSpPr>
+        <p:cNvPr id="1" name=""/>
+        <p:cNvGrpSpPr/>
+        <p:nvPr/>
+      </p:nvGrpSpPr>
+      <p:grpSpPr>
+        <a:xfrm>
+          <a:off x="0" y="0"/>
+          <a:ext cx="0" cy="0"/>
+          <a:chOff x="0" y="0"/>
+          <a:chExt cx="0" cy="0"/>
+        </a:xfrm>
+      </p:grpSpPr>
+      <p:sp>
+        <p:nvSpPr>
+          <p:cNvPr id="2" name="Rectangle 6"/>
+          <p:cNvSpPr>
+            <a:spLocks noChangeArrowheads="1"/>
+          </p:cNvSpPr>
+          <p:nvPr/>
+        </p:nvSpPr>
+        <p:spPr bwMode="auto">
+          <a:xfrm>
+            <a:off x="2288109" y="1742904"/>
+            <a:ext cx="3889587" cy="3886200"/>
+          </a:xfrm>
+          <a:prstGeom prst="rect">
+            <a:avLst/>
+          </a:prstGeom>
+          <a:noFill/>
+          <a:ln w="9360">
+            <a:solidFill>
+              <a:srgbClr val="000000"/>
+            </a:solidFill>
+            <a:miter lim="800000"/>
+            <a:headEnd/>
+            <a:tailEnd/>
+          </a:ln>
+          <a:extLst>
+            <a:ext uri="{909E8E84-426E-40DD-AFC4-6F175D3DCCD1}">
+              <a14:hiddenFill xmlns:a14="http://schemas.microsoft.com/office/drawing/2010/main">
+                <a:solidFill>
+                  <a:srgbClr val="FFFFFF"/>
+                </a:solidFill>
+              </a14:hiddenFill>
+            </a:ext>
+          </a:extLst>
+        </p:spPr>
+        <p:txBody>
+          <a:bodyPr wrap="none" anchor="ctr"/>
+          <a:lstStyle/>
+          <a:p>
+            <a:pPr eaLnBrk="1" hangingPunct="1">
+              <a:buClr>
+                <a:srgbClr val="000000"/>
+              </a:buClr>
+              <a:buSzPct val="100000"/>
+              <a:buFont typeface="Times New Roman" panose="02020603050405020304" pitchFamily="18" charset="0"/>
+              <a:buNone/>
+            </a:pPr>
+            <a:endParaRPr lang="en-US" altLang="en-US"/>
+          </a:p>
+        </p:txBody>
+      </p:sp>
+      <p:pic>
+        <p:nvPicPr>
+          <p:cNvPr id="3" name="Picture 2"/>
+          <p:cNvPicPr>
+            <a:picLocks noChangeAspect="1"/>
+          </p:cNvPicPr>
+          <p:nvPr/>
+        </p:nvPicPr>
+        <p:blipFill>
+          <a:blip r:embed="rId2">
+            <a:extLst>
+              <a:ext uri="{28A0092B-C50C-407E-A947-70E740481C1C}">
+                <a14:useLocalDpi xmlns:a14="http://schemas.microsoft.com/office/drawing/2010/main" val="0"/>
+              </a:ext>
+            </a:extLst>
+          </a:blip>
+          <a:stretch>
+            <a:fillRect/>
+          </a:stretch>
+        </p:blipFill>
+        <p:spPr>
+          <a:xfrm>
+            <a:off x="2407722" y="2286699"/>
+            <a:ext cx="3650360" cy="2798609"/>
+          </a:xfrm>
+          <a:prstGeom prst="rect">
+            <a:avLst/>
+          </a:prstGeom>
+        </p:spPr>
+      </p:pic>
+      <mc:AlternateContent xmlns:mc="http://schemas.openxmlformats.org/markup-compatibility/2006">
+        <mc:Choice xmlns:a14="http://schemas.microsoft.com/office/drawing/2010/main" Requires="a14">
+          <p:sp>
+            <p:nvSpPr>
+              <p:cNvPr id="13" name="TextBox 12"/>
+              <p:cNvSpPr txBox="1"/>
+              <p:nvPr/>
+            </p:nvSpPr>
+            <p:spPr>
+              <a:xfrm rot="5400000">
+                <a:off x="3887937" y="2676305"/>
+                <a:ext cx="1207412" cy="400110"/>
+              </a:xfrm>
+              <a:prstGeom prst="rect">
+                <a:avLst/>
+              </a:prstGeom>
+              <a:noFill/>
+            </p:spPr>
+            <p:txBody>
+              <a:bodyPr wrap="square" rtlCol="0">
+                <a:spAutoFit/>
+              </a:bodyPr>
+              <a:lstStyle/>
+              <a:p>
+                <a:pPr/>
+                <a14:m>
+                  <m:oMathPara xmlns:m="http://schemas.openxmlformats.org/officeDocument/2006/math">
+                    <m:oMathParaPr>
+                      <m:jc m:val="centerGroup"/>
+                    </m:oMathParaPr>
+                    <m:oMath xmlns:m="http://schemas.openxmlformats.org/officeDocument/2006/math">
+                      <m:r>
+                        <a:rPr lang="en-US" sz="2000" b="0" i="1" smtClean="0">
+                          <a:solidFill>
+                            <a:schemeClr val="tx1"/>
+                          </a:solidFill>
+                          <a:latin typeface="Cambria Math" panose="02040503050406030204" pitchFamily="18" charset="0"/>
+                        </a:rPr>
+                        <m:t>𝜌</m:t>
+                      </m:r>
+                      <m:r>
+                        <a:rPr lang="en-US" sz="2000" b="0" i="1" smtClean="0">
+                          <a:solidFill>
+                            <a:schemeClr val="tx1"/>
+                          </a:solidFill>
+                          <a:latin typeface="Cambria Math" panose="02040503050406030204" pitchFamily="18" charset="0"/>
+                        </a:rPr>
+                        <m:t>(</m:t>
+                      </m:r>
+                      <m:r>
+                        <a:rPr lang="en-US" sz="2000" b="0" i="1" smtClean="0">
+                          <a:solidFill>
+                            <a:schemeClr val="tx1"/>
+                          </a:solidFill>
+                          <a:latin typeface="Cambria Math" panose="02040503050406030204" pitchFamily="18" charset="0"/>
+                        </a:rPr>
+                        <m:t>𝜔</m:t>
+                      </m:r>
+                      <m:r>
+                        <a:rPr lang="en-US" sz="2000" b="0" i="1" smtClean="0">
+                          <a:solidFill>
+                            <a:schemeClr val="tx1"/>
+                          </a:solidFill>
+                          <a:latin typeface="Cambria Math" panose="02040503050406030204" pitchFamily="18" charset="0"/>
+                        </a:rPr>
+                        <m:t>)/</m:t>
+                      </m:r>
+                      <m:sSub>
+                        <m:sSubPr>
+                          <m:ctrlPr>
+                            <a:rPr lang="en-US" sz="2000" b="0" i="1" smtClean="0">
+                              <a:solidFill>
+                                <a:schemeClr val="tx1"/>
+                              </a:solidFill>
+                              <a:latin typeface="Cambria Math" panose="02040503050406030204" pitchFamily="18" charset="0"/>
+                            </a:rPr>
+                          </m:ctrlPr>
+                        </m:sSubPr>
+                        <m:e>
+                          <m:r>
+                            <a:rPr lang="en-US" sz="2000" b="0" i="1" smtClean="0">
+                              <a:solidFill>
+                                <a:schemeClr val="tx1"/>
+                              </a:solidFill>
+                              <a:latin typeface="Cambria Math" panose="02040503050406030204" pitchFamily="18" charset="0"/>
+                            </a:rPr>
+                            <m:t>𝜌</m:t>
+                          </m:r>
+                        </m:e>
+                        <m:sub>
+                          <m:r>
+                            <a:rPr lang="en-US" sz="2000" b="0" i="1" smtClean="0">
+                              <a:solidFill>
+                                <a:schemeClr val="tx1"/>
+                              </a:solidFill>
+                              <a:latin typeface="Cambria Math" panose="02040503050406030204" pitchFamily="18" charset="0"/>
+                            </a:rPr>
+                            <m:t>0</m:t>
+                          </m:r>
+                        </m:sub>
+                      </m:sSub>
+                    </m:oMath>
+                  </m:oMathPara>
+                </a14:m>
+                <a:endParaRPr lang="en-US" sz="2000" dirty="0">
+                  <a:solidFill>
+                    <a:schemeClr val="tx1"/>
+                  </a:solidFill>
+                  <a:latin typeface="Cambria" panose="02040503050406030204" pitchFamily="18" charset="0"/>
+                </a:endParaRPr>
+              </a:p>
+            </p:txBody>
+          </p:sp>
+        </mc:Choice>
+        <mc:Fallback>
+          <p:sp>
+            <p:nvSpPr>
+              <p:cNvPr id="13" name="TextBox 12"/>
+              <p:cNvSpPr txBox="1">
+                <a:spLocks noRot="1" noChangeAspect="1" noMove="1" noResize="1" noEditPoints="1" noAdjustHandles="1" noChangeArrowheads="1" noChangeShapeType="1" noTextEdit="1"/>
+              </p:cNvSpPr>
+              <p:nvPr/>
+            </p:nvSpPr>
+            <p:spPr>
+              <a:xfrm rot="5400000">
+                <a:off x="3887937" y="2676305"/>
+                <a:ext cx="1207412" cy="400110"/>
+              </a:xfrm>
+              <a:prstGeom prst="rect">
+                <a:avLst/>
+              </a:prstGeom>
+              <a:blipFill rotWithShape="0">
+                <a:blip r:embed="rId3"/>
+                <a:stretch>
+                  <a:fillRect l="-18182"/>
+                </a:stretch>
+              </a:blipFill>
+            </p:spPr>
+            <p:txBody>
+              <a:bodyPr/>
+              <a:lstStyle/>
+              <a:p>
+                <a:r>
+                  <a:rPr lang="en-US">
+                    <a:noFill/>
+                  </a:rPr>
+                  <a:t> </a:t>
+                </a:r>
+              </a:p>
+            </p:txBody>
+          </p:sp>
+        </mc:Fallback>
+      </mc:AlternateContent>
+      <p:grpSp>
+        <p:nvGrpSpPr>
+          <p:cNvPr id="15" name="Group 14"/>
+          <p:cNvGrpSpPr/>
+          <p:nvPr/>
+        </p:nvGrpSpPr>
+        <p:grpSpPr>
+          <a:xfrm>
+            <a:off x="3750485" y="4807582"/>
+            <a:ext cx="1098550" cy="400110"/>
+            <a:chOff x="4580189" y="4761926"/>
+            <a:chExt cx="1098550" cy="400110"/>
+          </a:xfrm>
+        </p:grpSpPr>
+        <p:sp>
+          <p:nvSpPr>
+            <p:cNvPr id="14" name="Rectangle 13"/>
+            <p:cNvSpPr/>
+            <p:nvPr/>
+          </p:nvSpPr>
+          <p:spPr bwMode="auto">
+            <a:xfrm>
+              <a:off x="4580189" y="4864099"/>
+              <a:ext cx="1098550" cy="293051"/>
+            </a:xfrm>
+            <a:prstGeom prst="rect">
+              <a:avLst/>
+            </a:prstGeom>
+            <a:solidFill>
+              <a:schemeClr val="bg1"/>
+            </a:solidFill>
+            <a:ln w="9525" cap="flat" cmpd="sng" algn="ctr">
+              <a:solidFill>
+                <a:schemeClr val="bg1"/>
+              </a:solidFill>
+              <a:prstDash val="solid"/>
+              <a:round/>
+              <a:headEnd type="none" w="med" len="med"/>
+              <a:tailEnd type="none" w="med" len="med"/>
+            </a:ln>
+            <a:effectLst/>
+          </p:spPr>
+          <p:txBody>
+            <a:bodyPr vert="horz" wrap="square" lIns="91440" tIns="45720" rIns="91440" bIns="45720" numCol="1" rtlCol="0" anchor="t" anchorCtr="0" compatLnSpc="1">
+              <a:prstTxWarp prst="textNoShape">
+                <a:avLst/>
+              </a:prstTxWarp>
+            </a:bodyPr>
+            <a:lstStyle/>
+            <a:p>
+              <a:pPr marL="0" marR="0" indent="0" algn="l" defTabSz="457200" rtl="0" eaLnBrk="1" fontAlgn="base" latinLnBrk="0" hangingPunct="1">
+                <a:lnSpc>
+                  <a:spcPct val="100000"/>
+                </a:lnSpc>
+                <a:spcBef>
+                  <a:spcPct val="0"/>
+                </a:spcBef>
+                <a:spcAft>
+                  <a:spcPct val="0"/>
+                </a:spcAft>
+                <a:buClr>
+                  <a:srgbClr val="000000"/>
+                </a:buClr>
+                <a:buSzPct val="100000"/>
+                <a:buFont typeface="Times New Roman" pitchFamily="16" charset="0"/>
+                <a:buNone/>
+                <a:tabLst/>
+              </a:pPr>
+              <a:endParaRPr kumimoji="0" lang="en-US" sz="1800" b="0" i="0" u="none" strike="noStrike" cap="none" normalizeH="0" baseline="0" smtClean="0">
+                <a:ln>
+                  <a:noFill/>
+                </a:ln>
+                <a:solidFill>
+                  <a:schemeClr val="bg1"/>
+                </a:solidFill>
+                <a:effectLst/>
+                <a:latin typeface="Arial" charset="0"/>
+              </a:endParaRPr>
+            </a:p>
+          </p:txBody>
+        </p:sp>
+        <mc:AlternateContent xmlns:mc="http://schemas.openxmlformats.org/markup-compatibility/2006">
+          <mc:Choice xmlns:a14="http://schemas.microsoft.com/office/drawing/2010/main" Requires="a14">
+            <p:sp>
+              <p:nvSpPr>
+                <p:cNvPr id="4" name="TextBox 3"/>
+                <p:cNvSpPr txBox="1"/>
+                <p:nvPr/>
+              </p:nvSpPr>
+              <p:spPr>
+                <a:xfrm>
+                  <a:off x="4624840" y="4761926"/>
+                  <a:ext cx="875532" cy="400110"/>
+                </a:xfrm>
+                <a:prstGeom prst="rect">
+                  <a:avLst/>
+                </a:prstGeom>
+                <a:noFill/>
+              </p:spPr>
+              <p:txBody>
+                <a:bodyPr wrap="square" rtlCol="0">
+                  <a:spAutoFit/>
+                </a:bodyPr>
+                <a:lstStyle/>
+                <a:p>
+                  <a:pPr/>
+                  <a14:m>
+                    <m:oMathPara xmlns:m="http://schemas.openxmlformats.org/officeDocument/2006/math">
+                      <m:oMathParaPr>
+                        <m:jc m:val="centerGroup"/>
+                      </m:oMathParaPr>
+                      <m:oMath xmlns:m="http://schemas.openxmlformats.org/officeDocument/2006/math">
+                        <m:r>
+                          <a:rPr lang="en-US" sz="2000" b="0" i="1" smtClean="0">
+                            <a:solidFill>
+                              <a:schemeClr val="tx1"/>
+                            </a:solidFill>
+                            <a:latin typeface="Cambria Math" panose="02040503050406030204" pitchFamily="18" charset="0"/>
+                          </a:rPr>
+                          <m:t>𝜔</m:t>
+                        </m:r>
+                        <m:r>
+                          <a:rPr lang="en-US" sz="2000" b="0" i="1" smtClean="0">
+                            <a:solidFill>
+                              <a:schemeClr val="tx1"/>
+                            </a:solidFill>
+                            <a:latin typeface="Cambria Math" panose="02040503050406030204" pitchFamily="18" charset="0"/>
+                          </a:rPr>
+                          <m:t>/</m:t>
+                        </m:r>
+                        <m:r>
+                          <m:rPr>
+                            <m:sty m:val="p"/>
+                          </m:rPr>
+                          <a:rPr lang="en-US" sz="2000" b="0" i="0" smtClean="0">
+                            <a:solidFill>
+                              <a:schemeClr val="tx1"/>
+                            </a:solidFill>
+                            <a:latin typeface="Cambria Math" panose="02040503050406030204" pitchFamily="18" charset="0"/>
+                          </a:rPr>
+                          <m:t>Δ</m:t>
+                        </m:r>
+                      </m:oMath>
+                    </m:oMathPara>
+                  </a14:m>
+                  <a:endParaRPr lang="en-US" sz="2000" dirty="0">
+                    <a:solidFill>
+                      <a:schemeClr val="tx1"/>
+                    </a:solidFill>
+                    <a:latin typeface="Cambria" panose="02040503050406030204" pitchFamily="18" charset="0"/>
+                  </a:endParaRPr>
+                </a:p>
+              </p:txBody>
+            </p:sp>
+          </mc:Choice>
+          <mc:Fallback>
+            <p:sp>
+              <p:nvSpPr>
+                <p:cNvPr id="4" name="TextBox 3"/>
+                <p:cNvSpPr txBox="1">
+                  <a:spLocks noRot="1" noChangeAspect="1" noMove="1" noResize="1" noEditPoints="1" noAdjustHandles="1" noChangeArrowheads="1" noChangeShapeType="1" noTextEdit="1"/>
+                </p:cNvSpPr>
+                <p:nvPr/>
+              </p:nvSpPr>
+              <p:spPr>
+                <a:xfrm>
+                  <a:off x="4624840" y="4761926"/>
+                  <a:ext cx="875532" cy="400110"/>
+                </a:xfrm>
+                <a:prstGeom prst="rect">
+                  <a:avLst/>
+                </a:prstGeom>
+                <a:blipFill rotWithShape="0">
+                  <a:blip r:embed="rId4"/>
+                  <a:stretch>
+                    <a:fillRect b="-18462"/>
+                  </a:stretch>
+                </a:blipFill>
+              </p:spPr>
+              <p:txBody>
+                <a:bodyPr/>
+                <a:lstStyle/>
+                <a:p>
+                  <a:r>
+                    <a:rPr lang="en-US">
+                      <a:noFill/>
+                    </a:rPr>
+                    <a:t> </a:t>
+                  </a:r>
+                </a:p>
+              </p:txBody>
+            </p:sp>
+          </mc:Fallback>
+        </mc:AlternateContent>
+      </p:grpSp>
+      <p:cxnSp>
+        <p:nvCxnSpPr>
+          <p:cNvPr id="25" name="Straight Connector 24"/>
+          <p:cNvCxnSpPr/>
+          <p:nvPr/>
+        </p:nvCxnSpPr>
+        <p:spPr bwMode="auto">
+          <a:xfrm>
+            <a:off x="2817035" y="2002412"/>
+            <a:ext cx="539750" cy="6350"/>
+          </a:xfrm>
+          <a:prstGeom prst="line">
+            <a:avLst/>
+          </a:prstGeom>
+          <a:solidFill>
+            <a:srgbClr val="00B8FF"/>
+          </a:solidFill>
+          <a:ln w="25400" cap="flat" cmpd="sng" algn="ctr">
+            <a:solidFill>
+              <a:srgbClr val="FF0000"/>
+            </a:solidFill>
+            <a:prstDash val="solid"/>
+            <a:round/>
+            <a:headEnd type="none" w="med" len="med"/>
+            <a:tailEnd type="none" w="med" len="med"/>
+          </a:ln>
+          <a:effectLst/>
+        </p:spPr>
+      </p:cxnSp>
+      <p:cxnSp>
+        <p:nvCxnSpPr>
+          <p:cNvPr id="26" name="Straight Connector 25"/>
+          <p:cNvCxnSpPr/>
+          <p:nvPr/>
+        </p:nvCxnSpPr>
+        <p:spPr bwMode="auto">
+          <a:xfrm>
+            <a:off x="4610486" y="2003031"/>
+            <a:ext cx="539750" cy="6350"/>
+          </a:xfrm>
+          <a:prstGeom prst="line">
+            <a:avLst/>
+          </a:prstGeom>
+          <a:solidFill>
+            <a:srgbClr val="00B8FF"/>
+          </a:solidFill>
+          <a:ln w="25400" cap="flat" cmpd="sng" algn="ctr">
+            <a:solidFill>
+              <a:srgbClr val="0404BC"/>
+            </a:solidFill>
+            <a:prstDash val="solid"/>
+            <a:round/>
+            <a:headEnd type="none" w="med" len="med"/>
+            <a:tailEnd type="none" w="med" len="med"/>
+          </a:ln>
+          <a:effectLst/>
+        </p:spPr>
+      </p:cxnSp>
+      <p:sp>
+        <p:nvSpPr>
+          <p:cNvPr id="27" name="TextBox 26"/>
+          <p:cNvSpPr txBox="1"/>
+          <p:nvPr/>
+        </p:nvSpPr>
+        <p:spPr>
+          <a:xfrm>
+            <a:off x="5090429" y="1826652"/>
+            <a:ext cx="965443" cy="307777"/>
+          </a:xfrm>
+          <a:prstGeom prst="rect">
+            <a:avLst/>
+          </a:prstGeom>
+          <a:noFill/>
+        </p:spPr>
+        <p:txBody>
+          <a:bodyPr wrap="square" rtlCol="0">
+            <a:spAutoFit/>
+          </a:bodyPr>
+          <a:lstStyle/>
+          <a:p>
+            <a:r>
+              <a:rPr lang="en-US" sz="1400" dirty="0" smtClean="0">
+                <a:solidFill>
+                  <a:schemeClr val="tx1"/>
+                </a:solidFill>
+              </a:rPr>
+              <a:t>spin up</a:t>
+            </a:r>
+            <a:endParaRPr lang="en-US" sz="1400" dirty="0">
+              <a:solidFill>
+                <a:schemeClr val="tx1"/>
+              </a:solidFill>
+            </a:endParaRPr>
+          </a:p>
+        </p:txBody>
+      </p:sp>
+      <p:sp>
+        <p:nvSpPr>
+          <p:cNvPr id="28" name="TextBox 27"/>
+          <p:cNvSpPr txBox="1"/>
+          <p:nvPr/>
+        </p:nvSpPr>
+        <p:spPr>
+          <a:xfrm>
+            <a:off x="3311338" y="1842213"/>
+            <a:ext cx="1132205" cy="307777"/>
+          </a:xfrm>
+          <a:prstGeom prst="rect">
+            <a:avLst/>
+          </a:prstGeom>
+          <a:noFill/>
+        </p:spPr>
+        <p:txBody>
+          <a:bodyPr wrap="square" rtlCol="0">
+            <a:spAutoFit/>
+          </a:bodyPr>
+          <a:lstStyle/>
+          <a:p>
+            <a:r>
+              <a:rPr lang="en-US" sz="1400" dirty="0" smtClean="0">
+                <a:solidFill>
+                  <a:schemeClr val="tx1"/>
+                </a:solidFill>
+              </a:rPr>
+              <a:t>spin down</a:t>
+            </a:r>
+            <a:endParaRPr lang="en-US" sz="1400" dirty="0">
+              <a:solidFill>
+                <a:schemeClr val="tx1"/>
+              </a:solidFill>
+            </a:endParaRPr>
+          </a:p>
+        </p:txBody>
+      </p:sp>
+    </p:spTree>
+    <p:extLst>
+      <p:ext uri="{BB962C8B-B14F-4D97-AF65-F5344CB8AC3E}">
+        <p14:creationId xmlns:p14="http://schemas.microsoft.com/office/powerpoint/2010/main" val="2814038135"/>
+      </p:ext>
+    </p:extLst>
+  </p:cSld>
+  <p:clrMapOvr>
+    <a:masterClrMapping/>
+  </p:clrMapOvr>
+</p:sld>
+</file>
+
+<file path=ppt/slides/slide6.xml><?xml version="1.0" encoding="utf-8"?>
+<p:sld xmlns:a="http://schemas.openxmlformats.org/drawingml/2006/main" xmlns:r="http://schemas.openxmlformats.org/officeDocument/2006/relationships" xmlns:p="http://schemas.openxmlformats.org/presentationml/2006/main">
+  <p:cSld>
+    <p:spTree>
+      <p:nvGrpSpPr>
+        <p:cNvPr id="1" name=""/>
+        <p:cNvGrpSpPr/>
+        <p:nvPr/>
+      </p:nvGrpSpPr>
+      <p:grpSpPr>
+        <a:xfrm>
+          <a:off x="0" y="0"/>
+          <a:ext cx="0" cy="0"/>
+          <a:chOff x="0" y="0"/>
+          <a:chExt cx="0" cy="0"/>
+        </a:xfrm>
+      </p:grpSpPr>
+      <p:sp>
+        <p:nvSpPr>
+          <p:cNvPr id="2" name="Rectangle 6"/>
+          <p:cNvSpPr>
+            <a:spLocks noChangeArrowheads="1"/>
+          </p:cNvSpPr>
+          <p:nvPr/>
+        </p:nvSpPr>
+        <p:spPr bwMode="auto">
+          <a:xfrm>
+            <a:off x="2288109" y="1742904"/>
+            <a:ext cx="3889587" cy="3886200"/>
+          </a:xfrm>
+          <a:prstGeom prst="rect">
+            <a:avLst/>
+          </a:prstGeom>
+          <a:noFill/>
+          <a:ln w="9360">
+            <a:solidFill>
+              <a:srgbClr val="000000"/>
+            </a:solidFill>
+            <a:miter lim="800000"/>
+            <a:headEnd/>
+            <a:tailEnd/>
+          </a:ln>
+          <a:extLst>
+            <a:ext uri="{909E8E84-426E-40DD-AFC4-6F175D3DCCD1}">
+              <a14:hiddenFill xmlns:a14="http://schemas.microsoft.com/office/drawing/2010/main">
+                <a:solidFill>
+                  <a:srgbClr val="FFFFFF"/>
+                </a:solidFill>
+              </a14:hiddenFill>
+            </a:ext>
+          </a:extLst>
+        </p:spPr>
+        <p:txBody>
+          <a:bodyPr wrap="none" anchor="ctr"/>
+          <a:lstStyle/>
+          <a:p>
+            <a:pPr eaLnBrk="1" hangingPunct="1">
+              <a:buClr>
+                <a:srgbClr val="000000"/>
+              </a:buClr>
+              <a:buSzPct val="100000"/>
+              <a:buFont typeface="Times New Roman" panose="02020603050405020304" pitchFamily="18" charset="0"/>
+              <a:buNone/>
+            </a:pPr>
+            <a:endParaRPr lang="en-US" altLang="en-US"/>
+          </a:p>
+        </p:txBody>
+      </p:sp>
+      <p:pic>
+        <p:nvPicPr>
+          <p:cNvPr id="3" name="Picture 2"/>
+          <p:cNvPicPr>
+            <a:picLocks noChangeAspect="1"/>
+          </p:cNvPicPr>
+          <p:nvPr/>
+        </p:nvPicPr>
+        <p:blipFill>
+          <a:blip r:embed="rId2">
+            <a:extLst>
+              <a:ext uri="{28A0092B-C50C-407E-A947-70E740481C1C}">
+                <a14:useLocalDpi xmlns:a14="http://schemas.microsoft.com/office/drawing/2010/main" val="0"/>
+              </a:ext>
+            </a:extLst>
+          </a:blip>
+          <a:stretch>
+            <a:fillRect/>
+          </a:stretch>
+        </p:blipFill>
+        <p:spPr>
+          <a:xfrm>
+            <a:off x="2407722" y="2286699"/>
+            <a:ext cx="3650359" cy="2798609"/>
+          </a:xfrm>
+          <a:prstGeom prst="rect">
+            <a:avLst/>
+          </a:prstGeom>
+        </p:spPr>
+      </p:pic>
+      <mc:AlternateContent xmlns:mc="http://schemas.openxmlformats.org/markup-compatibility/2006">
+        <mc:Choice xmlns:a14="http://schemas.microsoft.com/office/drawing/2010/main" Requires="a14">
+          <p:sp>
+            <p:nvSpPr>
+              <p:cNvPr id="13" name="TextBox 12"/>
+              <p:cNvSpPr txBox="1"/>
+              <p:nvPr/>
+            </p:nvSpPr>
+            <p:spPr>
+              <a:xfrm rot="5400000">
+                <a:off x="3887937" y="2676305"/>
+                <a:ext cx="1207412" cy="400110"/>
+              </a:xfrm>
+              <a:prstGeom prst="rect">
+                <a:avLst/>
+              </a:prstGeom>
+              <a:noFill/>
+            </p:spPr>
+            <p:txBody>
+              <a:bodyPr wrap="square" rtlCol="0">
+                <a:spAutoFit/>
+              </a:bodyPr>
+              <a:lstStyle/>
+              <a:p>
+                <a:pPr/>
+                <a14:m>
+                  <m:oMathPara xmlns:m="http://schemas.openxmlformats.org/officeDocument/2006/math">
+                    <m:oMathParaPr>
+                      <m:jc m:val="centerGroup"/>
+                    </m:oMathParaPr>
+                    <m:oMath xmlns:m="http://schemas.openxmlformats.org/officeDocument/2006/math">
+                      <m:r>
+                        <a:rPr lang="en-US" sz="2000" b="0" i="1" smtClean="0">
+                          <a:solidFill>
+                            <a:schemeClr val="tx1"/>
+                          </a:solidFill>
+                          <a:latin typeface="Cambria Math" panose="02040503050406030204" pitchFamily="18" charset="0"/>
+                        </a:rPr>
+                        <m:t>𝜌</m:t>
+                      </m:r>
+                      <m:r>
+                        <a:rPr lang="en-US" sz="2000" b="0" i="1" smtClean="0">
+                          <a:solidFill>
+                            <a:schemeClr val="tx1"/>
+                          </a:solidFill>
+                          <a:latin typeface="Cambria Math" panose="02040503050406030204" pitchFamily="18" charset="0"/>
+                        </a:rPr>
+                        <m:t>(</m:t>
+                      </m:r>
+                      <m:r>
+                        <a:rPr lang="en-US" sz="2000" b="0" i="1" smtClean="0">
+                          <a:solidFill>
+                            <a:schemeClr val="tx1"/>
+                          </a:solidFill>
+                          <a:latin typeface="Cambria Math" panose="02040503050406030204" pitchFamily="18" charset="0"/>
+                        </a:rPr>
+                        <m:t>𝜔</m:t>
+                      </m:r>
+                      <m:r>
+                        <a:rPr lang="en-US" sz="2000" b="0" i="1" smtClean="0">
+                          <a:solidFill>
+                            <a:schemeClr val="tx1"/>
+                          </a:solidFill>
+                          <a:latin typeface="Cambria Math" panose="02040503050406030204" pitchFamily="18" charset="0"/>
+                        </a:rPr>
+                        <m:t>)/</m:t>
+                      </m:r>
+                      <m:sSub>
+                        <m:sSubPr>
+                          <m:ctrlPr>
+                            <a:rPr lang="en-US" sz="2000" b="0" i="1" smtClean="0">
+                              <a:solidFill>
+                                <a:schemeClr val="tx1"/>
+                              </a:solidFill>
+                              <a:latin typeface="Cambria Math" panose="02040503050406030204" pitchFamily="18" charset="0"/>
+                            </a:rPr>
+                          </m:ctrlPr>
+                        </m:sSubPr>
+                        <m:e>
+                          <m:r>
+                            <a:rPr lang="en-US" sz="2000" b="0" i="1" smtClean="0">
+                              <a:solidFill>
+                                <a:schemeClr val="tx1"/>
+                              </a:solidFill>
+                              <a:latin typeface="Cambria Math" panose="02040503050406030204" pitchFamily="18" charset="0"/>
+                            </a:rPr>
+                            <m:t>𝜌</m:t>
+                          </m:r>
+                        </m:e>
+                        <m:sub>
+                          <m:r>
+                            <a:rPr lang="en-US" sz="2000" b="0" i="1" smtClean="0">
+                              <a:solidFill>
+                                <a:schemeClr val="tx1"/>
+                              </a:solidFill>
+                              <a:latin typeface="Cambria Math" panose="02040503050406030204" pitchFamily="18" charset="0"/>
+                            </a:rPr>
+                            <m:t>0</m:t>
+                          </m:r>
+                        </m:sub>
+                      </m:sSub>
+                    </m:oMath>
+                  </m:oMathPara>
+                </a14:m>
+                <a:endParaRPr lang="en-US" sz="2000" dirty="0">
+                  <a:solidFill>
+                    <a:schemeClr val="tx1"/>
+                  </a:solidFill>
+                  <a:latin typeface="Cambria" panose="02040503050406030204" pitchFamily="18" charset="0"/>
+                </a:endParaRPr>
+              </a:p>
+            </p:txBody>
+          </p:sp>
+        </mc:Choice>
+        <mc:Fallback>
+          <p:sp>
+            <p:nvSpPr>
+              <p:cNvPr id="13" name="TextBox 12"/>
+              <p:cNvSpPr txBox="1">
+                <a:spLocks noRot="1" noChangeAspect="1" noMove="1" noResize="1" noEditPoints="1" noAdjustHandles="1" noChangeArrowheads="1" noChangeShapeType="1" noTextEdit="1"/>
+              </p:cNvSpPr>
+              <p:nvPr/>
+            </p:nvSpPr>
+            <p:spPr>
+              <a:xfrm rot="5400000">
+                <a:off x="3887937" y="2676305"/>
+                <a:ext cx="1207412" cy="400110"/>
+              </a:xfrm>
+              <a:prstGeom prst="rect">
+                <a:avLst/>
+              </a:prstGeom>
+              <a:blipFill rotWithShape="0">
+                <a:blip r:embed="rId3"/>
+                <a:stretch>
+                  <a:fillRect l="-18182"/>
+                </a:stretch>
+              </a:blipFill>
+            </p:spPr>
+            <p:txBody>
+              <a:bodyPr/>
+              <a:lstStyle/>
+              <a:p>
+                <a:r>
+                  <a:rPr lang="en-US">
+                    <a:noFill/>
+                  </a:rPr>
+                  <a:t> </a:t>
+                </a:r>
+              </a:p>
+            </p:txBody>
+          </p:sp>
+        </mc:Fallback>
+      </mc:AlternateContent>
+      <p:grpSp>
+        <p:nvGrpSpPr>
+          <p:cNvPr id="15" name="Group 14"/>
+          <p:cNvGrpSpPr/>
+          <p:nvPr/>
+        </p:nvGrpSpPr>
+        <p:grpSpPr>
+          <a:xfrm>
+            <a:off x="3750485" y="4807582"/>
+            <a:ext cx="1098550" cy="400110"/>
+            <a:chOff x="4580189" y="4761926"/>
+            <a:chExt cx="1098550" cy="400110"/>
+          </a:xfrm>
+        </p:grpSpPr>
+        <p:sp>
+          <p:nvSpPr>
+            <p:cNvPr id="14" name="Rectangle 13"/>
+            <p:cNvSpPr/>
+            <p:nvPr/>
+          </p:nvSpPr>
+          <p:spPr bwMode="auto">
+            <a:xfrm>
+              <a:off x="4580189" y="4864099"/>
+              <a:ext cx="1098550" cy="293051"/>
+            </a:xfrm>
+            <a:prstGeom prst="rect">
+              <a:avLst/>
+            </a:prstGeom>
+            <a:solidFill>
+              <a:schemeClr val="bg1"/>
+            </a:solidFill>
+            <a:ln w="9525" cap="flat" cmpd="sng" algn="ctr">
+              <a:solidFill>
+                <a:schemeClr val="bg1"/>
+              </a:solidFill>
+              <a:prstDash val="solid"/>
+              <a:round/>
+              <a:headEnd type="none" w="med" len="med"/>
+              <a:tailEnd type="none" w="med" len="med"/>
+            </a:ln>
+            <a:effectLst/>
+          </p:spPr>
+          <p:txBody>
+            <a:bodyPr vert="horz" wrap="square" lIns="91440" tIns="45720" rIns="91440" bIns="45720" numCol="1" rtlCol="0" anchor="t" anchorCtr="0" compatLnSpc="1">
+              <a:prstTxWarp prst="textNoShape">
+                <a:avLst/>
+              </a:prstTxWarp>
+            </a:bodyPr>
+            <a:lstStyle/>
+            <a:p>
+              <a:pPr marL="0" marR="0" indent="0" algn="l" defTabSz="457200" rtl="0" eaLnBrk="1" fontAlgn="base" latinLnBrk="0" hangingPunct="1">
+                <a:lnSpc>
+                  <a:spcPct val="100000"/>
+                </a:lnSpc>
+                <a:spcBef>
+                  <a:spcPct val="0"/>
+                </a:spcBef>
+                <a:spcAft>
+                  <a:spcPct val="0"/>
+                </a:spcAft>
+                <a:buClr>
+                  <a:srgbClr val="000000"/>
+                </a:buClr>
+                <a:buSzPct val="100000"/>
+                <a:buFont typeface="Times New Roman" pitchFamily="16" charset="0"/>
+                <a:buNone/>
+                <a:tabLst/>
+              </a:pPr>
+              <a:endParaRPr kumimoji="0" lang="en-US" sz="1800" b="0" i="0" u="none" strike="noStrike" cap="none" normalizeH="0" baseline="0" smtClean="0">
+                <a:ln>
+                  <a:noFill/>
+                </a:ln>
+                <a:solidFill>
+                  <a:schemeClr val="bg1"/>
+                </a:solidFill>
+                <a:effectLst/>
+                <a:latin typeface="Arial" charset="0"/>
+              </a:endParaRPr>
+            </a:p>
+          </p:txBody>
+        </p:sp>
+        <mc:AlternateContent xmlns:mc="http://schemas.openxmlformats.org/markup-compatibility/2006">
+          <mc:Choice xmlns:a14="http://schemas.microsoft.com/office/drawing/2010/main" Requires="a14">
+            <p:sp>
+              <p:nvSpPr>
+                <p:cNvPr id="4" name="TextBox 3"/>
+                <p:cNvSpPr txBox="1"/>
+                <p:nvPr/>
+              </p:nvSpPr>
+              <p:spPr>
+                <a:xfrm>
+                  <a:off x="4624840" y="4761926"/>
+                  <a:ext cx="875532" cy="400110"/>
+                </a:xfrm>
+                <a:prstGeom prst="rect">
+                  <a:avLst/>
+                </a:prstGeom>
+                <a:noFill/>
+              </p:spPr>
+              <p:txBody>
+                <a:bodyPr wrap="square" rtlCol="0">
+                  <a:spAutoFit/>
+                </a:bodyPr>
+                <a:lstStyle/>
+                <a:p>
+                  <a:pPr/>
+                  <a14:m>
+                    <m:oMathPara xmlns:m="http://schemas.openxmlformats.org/officeDocument/2006/math">
+                      <m:oMathParaPr>
+                        <m:jc m:val="centerGroup"/>
+                      </m:oMathParaPr>
+                      <m:oMath xmlns:m="http://schemas.openxmlformats.org/officeDocument/2006/math">
+                        <m:r>
+                          <a:rPr lang="en-US" sz="2000" b="0" i="1" smtClean="0">
+                            <a:solidFill>
+                              <a:schemeClr val="tx1"/>
+                            </a:solidFill>
+                            <a:latin typeface="Cambria Math" panose="02040503050406030204" pitchFamily="18" charset="0"/>
+                          </a:rPr>
+                          <m:t>𝜔</m:t>
+                        </m:r>
+                        <m:r>
+                          <a:rPr lang="en-US" sz="2000" b="0" i="1" smtClean="0">
+                            <a:solidFill>
+                              <a:schemeClr val="tx1"/>
+                            </a:solidFill>
+                            <a:latin typeface="Cambria Math" panose="02040503050406030204" pitchFamily="18" charset="0"/>
+                          </a:rPr>
+                          <m:t>/</m:t>
+                        </m:r>
+                        <m:r>
+                          <m:rPr>
+                            <m:sty m:val="p"/>
+                          </m:rPr>
+                          <a:rPr lang="en-US" sz="2000" b="0" i="0" smtClean="0">
+                            <a:solidFill>
+                              <a:schemeClr val="tx1"/>
+                            </a:solidFill>
+                            <a:latin typeface="Cambria Math" panose="02040503050406030204" pitchFamily="18" charset="0"/>
+                          </a:rPr>
+                          <m:t>Δ</m:t>
+                        </m:r>
+                      </m:oMath>
+                    </m:oMathPara>
+                  </a14:m>
+                  <a:endParaRPr lang="en-US" sz="2000" dirty="0">
+                    <a:solidFill>
+                      <a:schemeClr val="tx1"/>
+                    </a:solidFill>
+                    <a:latin typeface="Cambria" panose="02040503050406030204" pitchFamily="18" charset="0"/>
+                  </a:endParaRPr>
+                </a:p>
+              </p:txBody>
+            </p:sp>
+          </mc:Choice>
+          <mc:Fallback>
+            <p:sp>
+              <p:nvSpPr>
+                <p:cNvPr id="4" name="TextBox 3"/>
+                <p:cNvSpPr txBox="1">
+                  <a:spLocks noRot="1" noChangeAspect="1" noMove="1" noResize="1" noEditPoints="1" noAdjustHandles="1" noChangeArrowheads="1" noChangeShapeType="1" noTextEdit="1"/>
+                </p:cNvSpPr>
+                <p:nvPr/>
+              </p:nvSpPr>
+              <p:spPr>
+                <a:xfrm>
+                  <a:off x="4624840" y="4761926"/>
+                  <a:ext cx="875532" cy="400110"/>
+                </a:xfrm>
+                <a:prstGeom prst="rect">
+                  <a:avLst/>
+                </a:prstGeom>
+                <a:blipFill rotWithShape="0">
+                  <a:blip r:embed="rId4"/>
+                  <a:stretch>
+                    <a:fillRect b="-18462"/>
+                  </a:stretch>
+                </a:blipFill>
+              </p:spPr>
+              <p:txBody>
+                <a:bodyPr/>
+                <a:lstStyle/>
+                <a:p>
+                  <a:r>
+                    <a:rPr lang="en-US">
+                      <a:noFill/>
+                    </a:rPr>
+                    <a:t> </a:t>
+                  </a:r>
+                </a:p>
+              </p:txBody>
+            </p:sp>
+          </mc:Fallback>
+        </mc:AlternateContent>
+      </p:grpSp>
+      <p:cxnSp>
+        <p:nvCxnSpPr>
+          <p:cNvPr id="25" name="Straight Connector 24"/>
+          <p:cNvCxnSpPr/>
+          <p:nvPr/>
+        </p:nvCxnSpPr>
+        <p:spPr bwMode="auto">
+          <a:xfrm>
+            <a:off x="2817035" y="2002412"/>
+            <a:ext cx="539750" cy="6350"/>
+          </a:xfrm>
+          <a:prstGeom prst="line">
+            <a:avLst/>
+          </a:prstGeom>
+          <a:solidFill>
+            <a:srgbClr val="00B8FF"/>
+          </a:solidFill>
+          <a:ln w="25400" cap="flat" cmpd="sng" algn="ctr">
+            <a:solidFill>
+              <a:srgbClr val="FF0000"/>
+            </a:solidFill>
+            <a:prstDash val="solid"/>
+            <a:round/>
+            <a:headEnd type="none" w="med" len="med"/>
+            <a:tailEnd type="none" w="med" len="med"/>
+          </a:ln>
+          <a:effectLst/>
+        </p:spPr>
+      </p:cxnSp>
+      <p:cxnSp>
+        <p:nvCxnSpPr>
+          <p:cNvPr id="26" name="Straight Connector 25"/>
+          <p:cNvCxnSpPr/>
+          <p:nvPr/>
+        </p:nvCxnSpPr>
+        <p:spPr bwMode="auto">
+          <a:xfrm>
+            <a:off x="4610486" y="2003031"/>
+            <a:ext cx="539750" cy="6350"/>
+          </a:xfrm>
+          <a:prstGeom prst="line">
+            <a:avLst/>
+          </a:prstGeom>
+          <a:solidFill>
+            <a:srgbClr val="00B8FF"/>
+          </a:solidFill>
+          <a:ln w="25400" cap="flat" cmpd="sng" algn="ctr">
+            <a:solidFill>
+              <a:srgbClr val="0404BC"/>
+            </a:solidFill>
+            <a:prstDash val="solid"/>
+            <a:round/>
+            <a:headEnd type="none" w="med" len="med"/>
+            <a:tailEnd type="none" w="med" len="med"/>
+          </a:ln>
+          <a:effectLst/>
+        </p:spPr>
+      </p:cxnSp>
+      <p:sp>
+        <p:nvSpPr>
+          <p:cNvPr id="27" name="TextBox 26"/>
+          <p:cNvSpPr txBox="1"/>
+          <p:nvPr/>
+        </p:nvSpPr>
+        <p:spPr>
+          <a:xfrm>
+            <a:off x="5090429" y="1826652"/>
+            <a:ext cx="965443" cy="307777"/>
+          </a:xfrm>
+          <a:prstGeom prst="rect">
+            <a:avLst/>
+          </a:prstGeom>
+          <a:noFill/>
+        </p:spPr>
+        <p:txBody>
+          <a:bodyPr wrap="square" rtlCol="0">
+            <a:spAutoFit/>
+          </a:bodyPr>
+          <a:lstStyle/>
+          <a:p>
+            <a:r>
+              <a:rPr lang="en-US" sz="1400" dirty="0" smtClean="0">
+                <a:solidFill>
+                  <a:schemeClr val="tx1"/>
+                </a:solidFill>
+              </a:rPr>
+              <a:t>spin up</a:t>
+            </a:r>
+            <a:endParaRPr lang="en-US" sz="1400" dirty="0">
+              <a:solidFill>
+                <a:schemeClr val="tx1"/>
+              </a:solidFill>
+            </a:endParaRPr>
+          </a:p>
+        </p:txBody>
+      </p:sp>
+      <p:sp>
+        <p:nvSpPr>
+          <p:cNvPr id="28" name="TextBox 27"/>
+          <p:cNvSpPr txBox="1"/>
+          <p:nvPr/>
+        </p:nvSpPr>
+        <p:spPr>
+          <a:xfrm>
+            <a:off x="3311338" y="1842213"/>
+            <a:ext cx="1132205" cy="307777"/>
+          </a:xfrm>
+          <a:prstGeom prst="rect">
+            <a:avLst/>
+          </a:prstGeom>
+          <a:noFill/>
+        </p:spPr>
+        <p:txBody>
+          <a:bodyPr wrap="square" rtlCol="0">
+            <a:spAutoFit/>
+          </a:bodyPr>
+          <a:lstStyle/>
+          <a:p>
+            <a:r>
+              <a:rPr lang="en-US" sz="1400" dirty="0" smtClean="0">
+                <a:solidFill>
+                  <a:schemeClr val="tx1"/>
+                </a:solidFill>
+              </a:rPr>
+              <a:t>spin down</a:t>
+            </a:r>
+            <a:endParaRPr lang="en-US" sz="1400" dirty="0">
+              <a:solidFill>
+                <a:schemeClr val="tx1"/>
+              </a:solidFill>
+            </a:endParaRPr>
+          </a:p>
+        </p:txBody>
+      </p:sp>
+    </p:spTree>
+    <p:extLst>
+      <p:ext uri="{BB962C8B-B14F-4D97-AF65-F5344CB8AC3E}">
+        <p14:creationId xmlns:p14="http://schemas.microsoft.com/office/powerpoint/2010/main" val="2819936326"/>
+      </p:ext>
+    </p:extLst>
+  </p:cSld>
+  <p:clrMapOvr>
+    <a:masterClrMapping/>
+  </p:clrMapOvr>
+</p:sld>
+</file>
+
+<file path=ppt/slides/slide7.xml><?xml version="1.0" encoding="utf-8"?>
+<p:sld xmlns:a="http://schemas.openxmlformats.org/drawingml/2006/main" xmlns:r="http://schemas.openxmlformats.org/officeDocument/2006/relationships" xmlns:p="http://schemas.openxmlformats.org/presentationml/2006/main">
+  <p:cSld>
+    <p:spTree>
+      <p:nvGrpSpPr>
+        <p:cNvPr id="1" name=""/>
+        <p:cNvGrpSpPr/>
+        <p:nvPr/>
+      </p:nvGrpSpPr>
+      <p:grpSpPr>
+        <a:xfrm>
+          <a:off x="0" y="0"/>
+          <a:ext cx="0" cy="0"/>
+          <a:chOff x="0" y="0"/>
+          <a:chExt cx="0" cy="0"/>
+        </a:xfrm>
+      </p:grpSpPr>
+      <p:sp>
+        <p:nvSpPr>
+          <p:cNvPr id="2" name="Rectangle 6"/>
+          <p:cNvSpPr>
+            <a:spLocks noChangeArrowheads="1"/>
+          </p:cNvSpPr>
+          <p:nvPr/>
+        </p:nvSpPr>
+        <p:spPr bwMode="auto">
+          <a:xfrm>
+            <a:off x="2288109" y="1742904"/>
+            <a:ext cx="3889587" cy="3886200"/>
+          </a:xfrm>
+          <a:prstGeom prst="rect">
+            <a:avLst/>
+          </a:prstGeom>
+          <a:noFill/>
+          <a:ln w="9360">
+            <a:solidFill>
+              <a:srgbClr val="000000"/>
+            </a:solidFill>
+            <a:miter lim="800000"/>
+            <a:headEnd/>
+            <a:tailEnd/>
+          </a:ln>
+          <a:extLst>
+            <a:ext uri="{909E8E84-426E-40DD-AFC4-6F175D3DCCD1}">
+              <a14:hiddenFill xmlns:a14="http://schemas.microsoft.com/office/drawing/2010/main">
+                <a:solidFill>
+                  <a:srgbClr val="FFFFFF"/>
+                </a:solidFill>
+              </a14:hiddenFill>
+            </a:ext>
+          </a:extLst>
+        </p:spPr>
+        <p:txBody>
+          <a:bodyPr wrap="none" anchor="ctr"/>
+          <a:lstStyle/>
+          <a:p>
+            <a:pPr eaLnBrk="1" hangingPunct="1">
+              <a:buClr>
+                <a:srgbClr val="000000"/>
+              </a:buClr>
+              <a:buSzPct val="100000"/>
+              <a:buFont typeface="Times New Roman" panose="02020603050405020304" pitchFamily="18" charset="0"/>
+              <a:buNone/>
+            </a:pPr>
+            <a:endParaRPr lang="en-US" altLang="en-US"/>
+          </a:p>
+        </p:txBody>
+      </p:sp>
+      <p:pic>
+        <p:nvPicPr>
+          <p:cNvPr id="3" name="Picture 2"/>
+          <p:cNvPicPr>
+            <a:picLocks noChangeAspect="1"/>
+          </p:cNvPicPr>
+          <p:nvPr/>
+        </p:nvPicPr>
+        <p:blipFill>
+          <a:blip r:embed="rId2">
+            <a:extLst>
+              <a:ext uri="{28A0092B-C50C-407E-A947-70E740481C1C}">
+                <a14:useLocalDpi xmlns:a14="http://schemas.microsoft.com/office/drawing/2010/main" val="0"/>
+              </a:ext>
+            </a:extLst>
+          </a:blip>
+          <a:stretch>
+            <a:fillRect/>
+          </a:stretch>
+        </p:blipFill>
+        <p:spPr>
+          <a:xfrm>
+            <a:off x="2407722" y="2286699"/>
+            <a:ext cx="3650359" cy="2798608"/>
+          </a:xfrm>
+          <a:prstGeom prst="rect">
+            <a:avLst/>
+          </a:prstGeom>
+        </p:spPr>
+      </p:pic>
+      <mc:AlternateContent xmlns:mc="http://schemas.openxmlformats.org/markup-compatibility/2006">
+        <mc:Choice xmlns:a14="http://schemas.microsoft.com/office/drawing/2010/main" Requires="a14">
+          <p:sp>
+            <p:nvSpPr>
+              <p:cNvPr id="13" name="TextBox 12"/>
+              <p:cNvSpPr txBox="1"/>
+              <p:nvPr/>
+            </p:nvSpPr>
+            <p:spPr>
+              <a:xfrm rot="5400000">
+                <a:off x="3887937" y="2676305"/>
+                <a:ext cx="1207412" cy="400110"/>
+              </a:xfrm>
+              <a:prstGeom prst="rect">
+                <a:avLst/>
+              </a:prstGeom>
+              <a:noFill/>
+            </p:spPr>
+            <p:txBody>
+              <a:bodyPr wrap="square" rtlCol="0">
+                <a:spAutoFit/>
+              </a:bodyPr>
+              <a:lstStyle/>
+              <a:p>
+                <a:pPr/>
+                <a14:m>
+                  <m:oMathPara xmlns:m="http://schemas.openxmlformats.org/officeDocument/2006/math">
+                    <m:oMathParaPr>
+                      <m:jc m:val="centerGroup"/>
+                    </m:oMathParaPr>
+                    <m:oMath xmlns:m="http://schemas.openxmlformats.org/officeDocument/2006/math">
+                      <m:r>
+                        <a:rPr lang="en-US" sz="2000" b="0" i="1" smtClean="0">
+                          <a:solidFill>
+                            <a:schemeClr val="tx1"/>
+                          </a:solidFill>
+                          <a:latin typeface="Cambria Math" panose="02040503050406030204" pitchFamily="18" charset="0"/>
+                        </a:rPr>
+                        <m:t>𝜌</m:t>
+                      </m:r>
+                      <m:r>
+                        <a:rPr lang="en-US" sz="2000" b="0" i="1" smtClean="0">
+                          <a:solidFill>
+                            <a:schemeClr val="tx1"/>
+                          </a:solidFill>
+                          <a:latin typeface="Cambria Math" panose="02040503050406030204" pitchFamily="18" charset="0"/>
+                        </a:rPr>
+                        <m:t>(</m:t>
+                      </m:r>
+                      <m:r>
+                        <a:rPr lang="en-US" sz="2000" b="0" i="1" smtClean="0">
+                          <a:solidFill>
+                            <a:schemeClr val="tx1"/>
+                          </a:solidFill>
+                          <a:latin typeface="Cambria Math" panose="02040503050406030204" pitchFamily="18" charset="0"/>
+                        </a:rPr>
+                        <m:t>𝜔</m:t>
+                      </m:r>
+                      <m:r>
+                        <a:rPr lang="en-US" sz="2000" b="0" i="1" smtClean="0">
+                          <a:solidFill>
+                            <a:schemeClr val="tx1"/>
+                          </a:solidFill>
+                          <a:latin typeface="Cambria Math" panose="02040503050406030204" pitchFamily="18" charset="0"/>
+                        </a:rPr>
+                        <m:t>)/</m:t>
+                      </m:r>
+                      <m:sSub>
+                        <m:sSubPr>
+                          <m:ctrlPr>
+                            <a:rPr lang="en-US" sz="2000" b="0" i="1" smtClean="0">
+                              <a:solidFill>
+                                <a:schemeClr val="tx1"/>
+                              </a:solidFill>
+                              <a:latin typeface="Cambria Math" panose="02040503050406030204" pitchFamily="18" charset="0"/>
+                            </a:rPr>
+                          </m:ctrlPr>
+                        </m:sSubPr>
+                        <m:e>
+                          <m:r>
+                            <a:rPr lang="en-US" sz="2000" b="0" i="1" smtClean="0">
+                              <a:solidFill>
+                                <a:schemeClr val="tx1"/>
+                              </a:solidFill>
+                              <a:latin typeface="Cambria Math" panose="02040503050406030204" pitchFamily="18" charset="0"/>
+                            </a:rPr>
+                            <m:t>𝜌</m:t>
+                          </m:r>
+                        </m:e>
+                        <m:sub>
+                          <m:r>
+                            <a:rPr lang="en-US" sz="2000" b="0" i="1" smtClean="0">
+                              <a:solidFill>
+                                <a:schemeClr val="tx1"/>
+                              </a:solidFill>
+                              <a:latin typeface="Cambria Math" panose="02040503050406030204" pitchFamily="18" charset="0"/>
+                            </a:rPr>
+                            <m:t>0</m:t>
+                          </m:r>
+                        </m:sub>
+                      </m:sSub>
+                    </m:oMath>
+                  </m:oMathPara>
+                </a14:m>
+                <a:endParaRPr lang="en-US" sz="2000" dirty="0">
+                  <a:solidFill>
+                    <a:schemeClr val="tx1"/>
+                  </a:solidFill>
+                  <a:latin typeface="Cambria" panose="02040503050406030204" pitchFamily="18" charset="0"/>
+                </a:endParaRPr>
+              </a:p>
+            </p:txBody>
+          </p:sp>
+        </mc:Choice>
+        <mc:Fallback>
+          <p:sp>
+            <p:nvSpPr>
+              <p:cNvPr id="13" name="TextBox 12"/>
+              <p:cNvSpPr txBox="1">
+                <a:spLocks noRot="1" noChangeAspect="1" noMove="1" noResize="1" noEditPoints="1" noAdjustHandles="1" noChangeArrowheads="1" noChangeShapeType="1" noTextEdit="1"/>
+              </p:cNvSpPr>
+              <p:nvPr/>
+            </p:nvSpPr>
+            <p:spPr>
+              <a:xfrm rot="5400000">
+                <a:off x="3887937" y="2676305"/>
+                <a:ext cx="1207412" cy="400110"/>
+              </a:xfrm>
+              <a:prstGeom prst="rect">
+                <a:avLst/>
+              </a:prstGeom>
+              <a:blipFill rotWithShape="0">
+                <a:blip r:embed="rId3"/>
+                <a:stretch>
+                  <a:fillRect l="-18182"/>
+                </a:stretch>
+              </a:blipFill>
+            </p:spPr>
+            <p:txBody>
+              <a:bodyPr/>
+              <a:lstStyle/>
+              <a:p>
+                <a:r>
+                  <a:rPr lang="en-US">
+                    <a:noFill/>
+                  </a:rPr>
+                  <a:t> </a:t>
+                </a:r>
+              </a:p>
+            </p:txBody>
+          </p:sp>
+        </mc:Fallback>
+      </mc:AlternateContent>
+      <p:grpSp>
+        <p:nvGrpSpPr>
+          <p:cNvPr id="15" name="Group 14"/>
+          <p:cNvGrpSpPr/>
+          <p:nvPr/>
+        </p:nvGrpSpPr>
+        <p:grpSpPr>
+          <a:xfrm>
+            <a:off x="3750485" y="4807582"/>
+            <a:ext cx="1098550" cy="400110"/>
+            <a:chOff x="4580189" y="4761926"/>
+            <a:chExt cx="1098550" cy="400110"/>
+          </a:xfrm>
+        </p:grpSpPr>
+        <p:sp>
+          <p:nvSpPr>
+            <p:cNvPr id="14" name="Rectangle 13"/>
+            <p:cNvSpPr/>
+            <p:nvPr/>
+          </p:nvSpPr>
+          <p:spPr bwMode="auto">
+            <a:xfrm>
+              <a:off x="4580189" y="4864099"/>
+              <a:ext cx="1098550" cy="293051"/>
+            </a:xfrm>
+            <a:prstGeom prst="rect">
+              <a:avLst/>
+            </a:prstGeom>
+            <a:solidFill>
+              <a:schemeClr val="bg1"/>
+            </a:solidFill>
+            <a:ln w="9525" cap="flat" cmpd="sng" algn="ctr">
+              <a:solidFill>
+                <a:schemeClr val="bg1"/>
+              </a:solidFill>
+              <a:prstDash val="solid"/>
+              <a:round/>
+              <a:headEnd type="none" w="med" len="med"/>
+              <a:tailEnd type="none" w="med" len="med"/>
+            </a:ln>
+            <a:effectLst/>
+          </p:spPr>
+          <p:txBody>
+            <a:bodyPr vert="horz" wrap="square" lIns="91440" tIns="45720" rIns="91440" bIns="45720" numCol="1" rtlCol="0" anchor="t" anchorCtr="0" compatLnSpc="1">
+              <a:prstTxWarp prst="textNoShape">
+                <a:avLst/>
+              </a:prstTxWarp>
+            </a:bodyPr>
+            <a:lstStyle/>
+            <a:p>
+              <a:pPr marL="0" marR="0" indent="0" algn="l" defTabSz="457200" rtl="0" eaLnBrk="1" fontAlgn="base" latinLnBrk="0" hangingPunct="1">
+                <a:lnSpc>
+                  <a:spcPct val="100000"/>
+                </a:lnSpc>
+                <a:spcBef>
+                  <a:spcPct val="0"/>
+                </a:spcBef>
+                <a:spcAft>
+                  <a:spcPct val="0"/>
+                </a:spcAft>
+                <a:buClr>
+                  <a:srgbClr val="000000"/>
+                </a:buClr>
+                <a:buSzPct val="100000"/>
+                <a:buFont typeface="Times New Roman" pitchFamily="16" charset="0"/>
+                <a:buNone/>
+                <a:tabLst/>
+              </a:pPr>
+              <a:endParaRPr kumimoji="0" lang="en-US" sz="1800" b="0" i="0" u="none" strike="noStrike" cap="none" normalizeH="0" baseline="0" smtClean="0">
+                <a:ln>
+                  <a:noFill/>
+                </a:ln>
+                <a:solidFill>
+                  <a:schemeClr val="bg1"/>
+                </a:solidFill>
+                <a:effectLst/>
+                <a:latin typeface="Arial" charset="0"/>
+              </a:endParaRPr>
+            </a:p>
+          </p:txBody>
+        </p:sp>
+        <mc:AlternateContent xmlns:mc="http://schemas.openxmlformats.org/markup-compatibility/2006">
+          <mc:Choice xmlns:a14="http://schemas.microsoft.com/office/drawing/2010/main" Requires="a14">
+            <p:sp>
+              <p:nvSpPr>
+                <p:cNvPr id="4" name="TextBox 3"/>
+                <p:cNvSpPr txBox="1"/>
+                <p:nvPr/>
+              </p:nvSpPr>
+              <p:spPr>
+                <a:xfrm>
+                  <a:off x="4624840" y="4761926"/>
+                  <a:ext cx="875532" cy="400110"/>
+                </a:xfrm>
+                <a:prstGeom prst="rect">
+                  <a:avLst/>
+                </a:prstGeom>
+                <a:noFill/>
+              </p:spPr>
+              <p:txBody>
+                <a:bodyPr wrap="square" rtlCol="0">
+                  <a:spAutoFit/>
+                </a:bodyPr>
+                <a:lstStyle/>
+                <a:p>
+                  <a:pPr/>
+                  <a14:m>
+                    <m:oMathPara xmlns:m="http://schemas.openxmlformats.org/officeDocument/2006/math">
+                      <m:oMathParaPr>
+                        <m:jc m:val="centerGroup"/>
+                      </m:oMathParaPr>
+                      <m:oMath xmlns:m="http://schemas.openxmlformats.org/officeDocument/2006/math">
+                        <m:r>
+                          <a:rPr lang="en-US" sz="2000" b="0" i="1" smtClean="0">
+                            <a:solidFill>
+                              <a:schemeClr val="tx1"/>
+                            </a:solidFill>
+                            <a:latin typeface="Cambria Math" panose="02040503050406030204" pitchFamily="18" charset="0"/>
+                          </a:rPr>
+                          <m:t>𝜔</m:t>
+                        </m:r>
+                        <m:r>
+                          <a:rPr lang="en-US" sz="2000" b="0" i="1" smtClean="0">
+                            <a:solidFill>
+                              <a:schemeClr val="tx1"/>
+                            </a:solidFill>
+                            <a:latin typeface="Cambria Math" panose="02040503050406030204" pitchFamily="18" charset="0"/>
+                          </a:rPr>
+                          <m:t>/</m:t>
+                        </m:r>
+                        <m:r>
+                          <m:rPr>
+                            <m:sty m:val="p"/>
+                          </m:rPr>
+                          <a:rPr lang="en-US" sz="2000" b="0" i="0" smtClean="0">
+                            <a:solidFill>
+                              <a:schemeClr val="tx1"/>
+                            </a:solidFill>
+                            <a:latin typeface="Cambria Math" panose="02040503050406030204" pitchFamily="18" charset="0"/>
+                          </a:rPr>
+                          <m:t>Δ</m:t>
+                        </m:r>
+                      </m:oMath>
+                    </m:oMathPara>
+                  </a14:m>
+                  <a:endParaRPr lang="en-US" sz="2000" dirty="0">
+                    <a:solidFill>
+                      <a:schemeClr val="tx1"/>
+                    </a:solidFill>
+                    <a:latin typeface="Cambria" panose="02040503050406030204" pitchFamily="18" charset="0"/>
+                  </a:endParaRPr>
+                </a:p>
+              </p:txBody>
+            </p:sp>
+          </mc:Choice>
+          <mc:Fallback>
+            <p:sp>
+              <p:nvSpPr>
+                <p:cNvPr id="4" name="TextBox 3"/>
+                <p:cNvSpPr txBox="1">
+                  <a:spLocks noRot="1" noChangeAspect="1" noMove="1" noResize="1" noEditPoints="1" noAdjustHandles="1" noChangeArrowheads="1" noChangeShapeType="1" noTextEdit="1"/>
+                </p:cNvSpPr>
+                <p:nvPr/>
+              </p:nvSpPr>
+              <p:spPr>
+                <a:xfrm>
+                  <a:off x="4624840" y="4761926"/>
+                  <a:ext cx="875532" cy="400110"/>
+                </a:xfrm>
+                <a:prstGeom prst="rect">
+                  <a:avLst/>
+                </a:prstGeom>
+                <a:blipFill rotWithShape="0">
+                  <a:blip r:embed="rId4"/>
+                  <a:stretch>
+                    <a:fillRect b="-18462"/>
+                  </a:stretch>
+                </a:blipFill>
+              </p:spPr>
+              <p:txBody>
+                <a:bodyPr/>
+                <a:lstStyle/>
+                <a:p>
+                  <a:r>
+                    <a:rPr lang="en-US">
+                      <a:noFill/>
+                    </a:rPr>
+                    <a:t> </a:t>
+                  </a:r>
+                </a:p>
+              </p:txBody>
+            </p:sp>
+          </mc:Fallback>
+        </mc:AlternateContent>
+      </p:grpSp>
+      <p:cxnSp>
+        <p:nvCxnSpPr>
+          <p:cNvPr id="25" name="Straight Connector 24"/>
+          <p:cNvCxnSpPr/>
+          <p:nvPr/>
+        </p:nvCxnSpPr>
+        <p:spPr bwMode="auto">
+          <a:xfrm>
+            <a:off x="2817035" y="2002412"/>
+            <a:ext cx="539750" cy="6350"/>
+          </a:xfrm>
+          <a:prstGeom prst="line">
+            <a:avLst/>
+          </a:prstGeom>
+          <a:solidFill>
+            <a:srgbClr val="00B8FF"/>
+          </a:solidFill>
+          <a:ln w="25400" cap="flat" cmpd="sng" algn="ctr">
+            <a:solidFill>
+              <a:srgbClr val="FF0000"/>
+            </a:solidFill>
+            <a:prstDash val="solid"/>
+            <a:round/>
+            <a:headEnd type="none" w="med" len="med"/>
+            <a:tailEnd type="none" w="med" len="med"/>
+          </a:ln>
+          <a:effectLst/>
+        </p:spPr>
+      </p:cxnSp>
+      <p:cxnSp>
+        <p:nvCxnSpPr>
+          <p:cNvPr id="26" name="Straight Connector 25"/>
+          <p:cNvCxnSpPr/>
+          <p:nvPr/>
+        </p:nvCxnSpPr>
+        <p:spPr bwMode="auto">
+          <a:xfrm>
+            <a:off x="4610486" y="2003031"/>
+            <a:ext cx="539750" cy="6350"/>
+          </a:xfrm>
+          <a:prstGeom prst="line">
+            <a:avLst/>
+          </a:prstGeom>
+          <a:solidFill>
+            <a:srgbClr val="00B8FF"/>
+          </a:solidFill>
+          <a:ln w="25400" cap="flat" cmpd="sng" algn="ctr">
+            <a:solidFill>
+              <a:srgbClr val="0404BC"/>
+            </a:solidFill>
+            <a:prstDash val="solid"/>
+            <a:round/>
+            <a:headEnd type="none" w="med" len="med"/>
+            <a:tailEnd type="none" w="med" len="med"/>
+          </a:ln>
+          <a:effectLst/>
+        </p:spPr>
+      </p:cxnSp>
+      <p:sp>
+        <p:nvSpPr>
+          <p:cNvPr id="27" name="TextBox 26"/>
+          <p:cNvSpPr txBox="1"/>
+          <p:nvPr/>
+        </p:nvSpPr>
+        <p:spPr>
+          <a:xfrm>
+            <a:off x="5090429" y="1826652"/>
+            <a:ext cx="965443" cy="307777"/>
+          </a:xfrm>
+          <a:prstGeom prst="rect">
+            <a:avLst/>
+          </a:prstGeom>
+          <a:noFill/>
+        </p:spPr>
+        <p:txBody>
+          <a:bodyPr wrap="square" rtlCol="0">
+            <a:spAutoFit/>
+          </a:bodyPr>
+          <a:lstStyle/>
+          <a:p>
+            <a:r>
+              <a:rPr lang="en-US" sz="1400" dirty="0" smtClean="0">
+                <a:solidFill>
+                  <a:schemeClr val="tx1"/>
+                </a:solidFill>
+              </a:rPr>
+              <a:t>spin up</a:t>
+            </a:r>
+            <a:endParaRPr lang="en-US" sz="1400" dirty="0">
+              <a:solidFill>
+                <a:schemeClr val="tx1"/>
+              </a:solidFill>
+            </a:endParaRPr>
+          </a:p>
+        </p:txBody>
+      </p:sp>
+      <p:sp>
+        <p:nvSpPr>
+          <p:cNvPr id="28" name="TextBox 27"/>
+          <p:cNvSpPr txBox="1"/>
+          <p:nvPr/>
+        </p:nvSpPr>
+        <p:spPr>
+          <a:xfrm>
+            <a:off x="3311338" y="1842213"/>
+            <a:ext cx="1132205" cy="307777"/>
+          </a:xfrm>
+          <a:prstGeom prst="rect">
+            <a:avLst/>
+          </a:prstGeom>
+          <a:noFill/>
+        </p:spPr>
+        <p:txBody>
+          <a:bodyPr wrap="square" rtlCol="0">
+            <a:spAutoFit/>
+          </a:bodyPr>
+          <a:lstStyle/>
+          <a:p>
+            <a:r>
+              <a:rPr lang="en-US" sz="1400" dirty="0" smtClean="0">
+                <a:solidFill>
+                  <a:schemeClr val="tx1"/>
+                </a:solidFill>
+              </a:rPr>
+              <a:t>spin down</a:t>
+            </a:r>
+            <a:endParaRPr lang="en-US" sz="1400" dirty="0">
+              <a:solidFill>
+                <a:schemeClr val="tx1"/>
+              </a:solidFill>
+            </a:endParaRPr>
+          </a:p>
+        </p:txBody>
+      </p:sp>
+    </p:spTree>
+    <p:extLst>
+      <p:ext uri="{BB962C8B-B14F-4D97-AF65-F5344CB8AC3E}">
+        <p14:creationId xmlns:p14="http://schemas.microsoft.com/office/powerpoint/2010/main" val="1308596537"/>
+      </p:ext>
+    </p:extLst>
+  </p:cSld>
+  <p:clrMapOvr>
+    <a:masterClrMapping/>
+  </p:clrMapOvr>
+</p:sld>
+</file>
+
+<file path=ppt/slides/slide8.xml><?xml version="1.0" encoding="utf-8"?>
+<p:sld xmlns:a="http://schemas.openxmlformats.org/drawingml/2006/main" xmlns:r="http://schemas.openxmlformats.org/officeDocument/2006/relationships" xmlns:p="http://schemas.openxmlformats.org/presentationml/2006/main">
+  <p:cSld>
+    <p:spTree>
+      <p:nvGrpSpPr>
+        <p:cNvPr id="1" name=""/>
+        <p:cNvGrpSpPr/>
+        <p:nvPr/>
+      </p:nvGrpSpPr>
+      <p:grpSpPr>
+        <a:xfrm>
+          <a:off x="0" y="0"/>
+          <a:ext cx="0" cy="0"/>
+          <a:chOff x="0" y="0"/>
+          <a:chExt cx="0" cy="0"/>
+        </a:xfrm>
+      </p:grpSpPr>
+      <p:sp>
+        <p:nvSpPr>
+          <p:cNvPr id="2" name="Rectangle 6"/>
+          <p:cNvSpPr>
+            <a:spLocks noChangeArrowheads="1"/>
+          </p:cNvSpPr>
+          <p:nvPr/>
+        </p:nvSpPr>
+        <p:spPr bwMode="auto">
+          <a:xfrm>
+            <a:off x="2288109" y="1742904"/>
+            <a:ext cx="3889587" cy="3886200"/>
+          </a:xfrm>
+          <a:prstGeom prst="rect">
+            <a:avLst/>
+          </a:prstGeom>
+          <a:noFill/>
+          <a:ln w="9360">
+            <a:solidFill>
+              <a:srgbClr val="000000"/>
+            </a:solidFill>
+            <a:miter lim="800000"/>
+            <a:headEnd/>
+            <a:tailEnd/>
+          </a:ln>
+          <a:extLst>
+            <a:ext uri="{909E8E84-426E-40DD-AFC4-6F175D3DCCD1}">
+              <a14:hiddenFill xmlns:a14="http://schemas.microsoft.com/office/drawing/2010/main">
+                <a:solidFill>
+                  <a:srgbClr val="FFFFFF"/>
+                </a:solidFill>
+              </a14:hiddenFill>
+            </a:ext>
+          </a:extLst>
+        </p:spPr>
+        <p:txBody>
+          <a:bodyPr wrap="none" anchor="ctr"/>
+          <a:lstStyle/>
+          <a:p>
+            <a:pPr eaLnBrk="1" hangingPunct="1">
+              <a:buClr>
+                <a:srgbClr val="000000"/>
+              </a:buClr>
+              <a:buSzPct val="100000"/>
+              <a:buFont typeface="Times New Roman" panose="02020603050405020304" pitchFamily="18" charset="0"/>
+              <a:buNone/>
+            </a:pPr>
+            <a:endParaRPr lang="en-US" altLang="en-US"/>
+          </a:p>
+        </p:txBody>
+      </p:sp>
+      <p:pic>
+        <p:nvPicPr>
+          <p:cNvPr id="3" name="Picture 2"/>
+          <p:cNvPicPr>
+            <a:picLocks noChangeAspect="1"/>
+          </p:cNvPicPr>
+          <p:nvPr/>
+        </p:nvPicPr>
+        <p:blipFill>
+          <a:blip r:embed="rId2">
+            <a:extLst>
+              <a:ext uri="{28A0092B-C50C-407E-A947-70E740481C1C}">
+                <a14:useLocalDpi xmlns:a14="http://schemas.microsoft.com/office/drawing/2010/main" val="0"/>
+              </a:ext>
+            </a:extLst>
+          </a:blip>
+          <a:stretch>
+            <a:fillRect/>
+          </a:stretch>
+        </p:blipFill>
+        <p:spPr>
+          <a:xfrm>
+            <a:off x="2407722" y="2286699"/>
+            <a:ext cx="3650358" cy="2798608"/>
+          </a:xfrm>
+          <a:prstGeom prst="rect">
+            <a:avLst/>
+          </a:prstGeom>
+        </p:spPr>
+      </p:pic>
+      <mc:AlternateContent xmlns:mc="http://schemas.openxmlformats.org/markup-compatibility/2006">
+        <mc:Choice xmlns:a14="http://schemas.microsoft.com/office/drawing/2010/main" Requires="a14">
+          <p:sp>
+            <p:nvSpPr>
+              <p:cNvPr id="13" name="TextBox 12"/>
+              <p:cNvSpPr txBox="1"/>
+              <p:nvPr/>
+            </p:nvSpPr>
+            <p:spPr>
+              <a:xfrm rot="5400000">
+                <a:off x="3887937" y="2676305"/>
+                <a:ext cx="1207412" cy="400110"/>
+              </a:xfrm>
+              <a:prstGeom prst="rect">
+                <a:avLst/>
+              </a:prstGeom>
+              <a:noFill/>
+            </p:spPr>
+            <p:txBody>
+              <a:bodyPr wrap="square" rtlCol="0">
+                <a:spAutoFit/>
+              </a:bodyPr>
+              <a:lstStyle/>
+              <a:p>
+                <a:pPr/>
+                <a14:m>
+                  <m:oMathPara xmlns:m="http://schemas.openxmlformats.org/officeDocument/2006/math">
+                    <m:oMathParaPr>
+                      <m:jc m:val="centerGroup"/>
+                    </m:oMathParaPr>
+                    <m:oMath xmlns:m="http://schemas.openxmlformats.org/officeDocument/2006/math">
+                      <m:r>
+                        <a:rPr lang="en-US" sz="2000" b="0" i="1" smtClean="0">
+                          <a:solidFill>
+                            <a:schemeClr val="tx1"/>
+                          </a:solidFill>
+                          <a:latin typeface="Cambria Math" panose="02040503050406030204" pitchFamily="18" charset="0"/>
+                        </a:rPr>
+                        <m:t>𝜌</m:t>
+                      </m:r>
+                      <m:r>
+                        <a:rPr lang="en-US" sz="2000" b="0" i="1" smtClean="0">
+                          <a:solidFill>
+                            <a:schemeClr val="tx1"/>
+                          </a:solidFill>
+                          <a:latin typeface="Cambria Math" panose="02040503050406030204" pitchFamily="18" charset="0"/>
+                        </a:rPr>
+                        <m:t>(</m:t>
+                      </m:r>
+                      <m:r>
+                        <a:rPr lang="en-US" sz="2000" b="0" i="1" smtClean="0">
+                          <a:solidFill>
+                            <a:schemeClr val="tx1"/>
+                          </a:solidFill>
+                          <a:latin typeface="Cambria Math" panose="02040503050406030204" pitchFamily="18" charset="0"/>
+                        </a:rPr>
+                        <m:t>𝜔</m:t>
+                      </m:r>
+                      <m:r>
+                        <a:rPr lang="en-US" sz="2000" b="0" i="1" smtClean="0">
+                          <a:solidFill>
+                            <a:schemeClr val="tx1"/>
+                          </a:solidFill>
+                          <a:latin typeface="Cambria Math" panose="02040503050406030204" pitchFamily="18" charset="0"/>
+                        </a:rPr>
+                        <m:t>)/</m:t>
+                      </m:r>
+                      <m:sSub>
+                        <m:sSubPr>
+                          <m:ctrlPr>
+                            <a:rPr lang="en-US" sz="2000" b="0" i="1" smtClean="0">
+                              <a:solidFill>
+                                <a:schemeClr val="tx1"/>
+                              </a:solidFill>
+                              <a:latin typeface="Cambria Math" panose="02040503050406030204" pitchFamily="18" charset="0"/>
+                            </a:rPr>
+                          </m:ctrlPr>
+                        </m:sSubPr>
+                        <m:e>
+                          <m:r>
+                            <a:rPr lang="en-US" sz="2000" b="0" i="1" smtClean="0">
+                              <a:solidFill>
+                                <a:schemeClr val="tx1"/>
+                              </a:solidFill>
+                              <a:latin typeface="Cambria Math" panose="02040503050406030204" pitchFamily="18" charset="0"/>
+                            </a:rPr>
+                            <m:t>𝜌</m:t>
+                          </m:r>
+                        </m:e>
+                        <m:sub>
+                          <m:r>
+                            <a:rPr lang="en-US" sz="2000" b="0" i="1" smtClean="0">
+                              <a:solidFill>
+                                <a:schemeClr val="tx1"/>
+                              </a:solidFill>
+                              <a:latin typeface="Cambria Math" panose="02040503050406030204" pitchFamily="18" charset="0"/>
+                            </a:rPr>
+                            <m:t>0</m:t>
+                          </m:r>
+                        </m:sub>
+                      </m:sSub>
+                    </m:oMath>
+                  </m:oMathPara>
+                </a14:m>
+                <a:endParaRPr lang="en-US" sz="2000" dirty="0">
+                  <a:solidFill>
+                    <a:schemeClr val="tx1"/>
+                  </a:solidFill>
+                  <a:latin typeface="Cambria" panose="02040503050406030204" pitchFamily="18" charset="0"/>
+                </a:endParaRPr>
+              </a:p>
+            </p:txBody>
+          </p:sp>
+        </mc:Choice>
+        <mc:Fallback>
+          <p:sp>
+            <p:nvSpPr>
+              <p:cNvPr id="13" name="TextBox 12"/>
+              <p:cNvSpPr txBox="1">
+                <a:spLocks noRot="1" noChangeAspect="1" noMove="1" noResize="1" noEditPoints="1" noAdjustHandles="1" noChangeArrowheads="1" noChangeShapeType="1" noTextEdit="1"/>
+              </p:cNvSpPr>
+              <p:nvPr/>
+            </p:nvSpPr>
+            <p:spPr>
+              <a:xfrm rot="5400000">
+                <a:off x="3887937" y="2676305"/>
+                <a:ext cx="1207412" cy="400110"/>
+              </a:xfrm>
+              <a:prstGeom prst="rect">
+                <a:avLst/>
+              </a:prstGeom>
+              <a:blipFill rotWithShape="0">
+                <a:blip r:embed="rId3"/>
+                <a:stretch>
+                  <a:fillRect l="-18182"/>
+                </a:stretch>
+              </a:blipFill>
+            </p:spPr>
+            <p:txBody>
+              <a:bodyPr/>
+              <a:lstStyle/>
+              <a:p>
+                <a:r>
+                  <a:rPr lang="en-US">
+                    <a:noFill/>
+                  </a:rPr>
+                  <a:t> </a:t>
+                </a:r>
+              </a:p>
+            </p:txBody>
+          </p:sp>
+        </mc:Fallback>
+      </mc:AlternateContent>
+      <p:grpSp>
+        <p:nvGrpSpPr>
+          <p:cNvPr id="15" name="Group 14"/>
+          <p:cNvGrpSpPr/>
+          <p:nvPr/>
+        </p:nvGrpSpPr>
+        <p:grpSpPr>
+          <a:xfrm>
+            <a:off x="3750485" y="4807582"/>
+            <a:ext cx="1098550" cy="400110"/>
+            <a:chOff x="4580189" y="4761926"/>
+            <a:chExt cx="1098550" cy="400110"/>
+          </a:xfrm>
+        </p:grpSpPr>
+        <p:sp>
+          <p:nvSpPr>
+            <p:cNvPr id="14" name="Rectangle 13"/>
+            <p:cNvSpPr/>
+            <p:nvPr/>
+          </p:nvSpPr>
+          <p:spPr bwMode="auto">
+            <a:xfrm>
+              <a:off x="4580189" y="4864099"/>
+              <a:ext cx="1098550" cy="293051"/>
+            </a:xfrm>
+            <a:prstGeom prst="rect">
+              <a:avLst/>
+            </a:prstGeom>
+            <a:solidFill>
+              <a:schemeClr val="bg1"/>
+            </a:solidFill>
+            <a:ln w="9525" cap="flat" cmpd="sng" algn="ctr">
+              <a:solidFill>
+                <a:schemeClr val="bg1"/>
+              </a:solidFill>
+              <a:prstDash val="solid"/>
+              <a:round/>
+              <a:headEnd type="none" w="med" len="med"/>
+              <a:tailEnd type="none" w="med" len="med"/>
+            </a:ln>
+            <a:effectLst/>
+          </p:spPr>
+          <p:txBody>
+            <a:bodyPr vert="horz" wrap="square" lIns="91440" tIns="45720" rIns="91440" bIns="45720" numCol="1" rtlCol="0" anchor="t" anchorCtr="0" compatLnSpc="1">
+              <a:prstTxWarp prst="textNoShape">
+                <a:avLst/>
+              </a:prstTxWarp>
+            </a:bodyPr>
+            <a:lstStyle/>
+            <a:p>
+              <a:pPr marL="0" marR="0" indent="0" algn="l" defTabSz="457200" rtl="0" eaLnBrk="1" fontAlgn="base" latinLnBrk="0" hangingPunct="1">
+                <a:lnSpc>
+                  <a:spcPct val="100000"/>
+                </a:lnSpc>
+                <a:spcBef>
+                  <a:spcPct val="0"/>
+                </a:spcBef>
+                <a:spcAft>
+                  <a:spcPct val="0"/>
+                </a:spcAft>
+                <a:buClr>
+                  <a:srgbClr val="000000"/>
+                </a:buClr>
+                <a:buSzPct val="100000"/>
+                <a:buFont typeface="Times New Roman" pitchFamily="16" charset="0"/>
+                <a:buNone/>
+                <a:tabLst/>
+              </a:pPr>
+              <a:endParaRPr kumimoji="0" lang="en-US" sz="1800" b="0" i="0" u="none" strike="noStrike" cap="none" normalizeH="0" baseline="0" smtClean="0">
+                <a:ln>
+                  <a:noFill/>
+                </a:ln>
+                <a:solidFill>
+                  <a:schemeClr val="bg1"/>
+                </a:solidFill>
+                <a:effectLst/>
+                <a:latin typeface="Arial" charset="0"/>
+              </a:endParaRPr>
+            </a:p>
+          </p:txBody>
+        </p:sp>
+        <mc:AlternateContent xmlns:mc="http://schemas.openxmlformats.org/markup-compatibility/2006">
+          <mc:Choice xmlns:a14="http://schemas.microsoft.com/office/drawing/2010/main" Requires="a14">
+            <p:sp>
+              <p:nvSpPr>
+                <p:cNvPr id="4" name="TextBox 3"/>
+                <p:cNvSpPr txBox="1"/>
+                <p:nvPr/>
+              </p:nvSpPr>
+              <p:spPr>
+                <a:xfrm>
+                  <a:off x="4624840" y="4761926"/>
+                  <a:ext cx="875532" cy="400110"/>
+                </a:xfrm>
+                <a:prstGeom prst="rect">
+                  <a:avLst/>
+                </a:prstGeom>
+                <a:noFill/>
+              </p:spPr>
+              <p:txBody>
+                <a:bodyPr wrap="square" rtlCol="0">
+                  <a:spAutoFit/>
+                </a:bodyPr>
+                <a:lstStyle/>
+                <a:p>
+                  <a:pPr/>
+                  <a14:m>
+                    <m:oMathPara xmlns:m="http://schemas.openxmlformats.org/officeDocument/2006/math">
+                      <m:oMathParaPr>
+                        <m:jc m:val="centerGroup"/>
+                      </m:oMathParaPr>
+                      <m:oMath xmlns:m="http://schemas.openxmlformats.org/officeDocument/2006/math">
+                        <m:r>
+                          <a:rPr lang="en-US" sz="2000" b="0" i="1" smtClean="0">
+                            <a:solidFill>
+                              <a:schemeClr val="tx1"/>
+                            </a:solidFill>
+                            <a:latin typeface="Cambria Math" panose="02040503050406030204" pitchFamily="18" charset="0"/>
+                          </a:rPr>
+                          <m:t>𝜔</m:t>
+                        </m:r>
+                        <m:r>
+                          <a:rPr lang="en-US" sz="2000" b="0" i="1" smtClean="0">
+                            <a:solidFill>
+                              <a:schemeClr val="tx1"/>
+                            </a:solidFill>
+                            <a:latin typeface="Cambria Math" panose="02040503050406030204" pitchFamily="18" charset="0"/>
+                          </a:rPr>
+                          <m:t>/</m:t>
+                        </m:r>
+                        <m:r>
+                          <m:rPr>
+                            <m:sty m:val="p"/>
+                          </m:rPr>
+                          <a:rPr lang="en-US" sz="2000" b="0" i="0" smtClean="0">
+                            <a:solidFill>
+                              <a:schemeClr val="tx1"/>
+                            </a:solidFill>
+                            <a:latin typeface="Cambria Math" panose="02040503050406030204" pitchFamily="18" charset="0"/>
+                          </a:rPr>
+                          <m:t>Δ</m:t>
+                        </m:r>
+                      </m:oMath>
+                    </m:oMathPara>
+                  </a14:m>
+                  <a:endParaRPr lang="en-US" sz="2000" dirty="0">
+                    <a:solidFill>
+                      <a:schemeClr val="tx1"/>
+                    </a:solidFill>
+                    <a:latin typeface="Cambria" panose="02040503050406030204" pitchFamily="18" charset="0"/>
+                  </a:endParaRPr>
+                </a:p>
+              </p:txBody>
+            </p:sp>
+          </mc:Choice>
+          <mc:Fallback>
+            <p:sp>
+              <p:nvSpPr>
+                <p:cNvPr id="4" name="TextBox 3"/>
+                <p:cNvSpPr txBox="1">
+                  <a:spLocks noRot="1" noChangeAspect="1" noMove="1" noResize="1" noEditPoints="1" noAdjustHandles="1" noChangeArrowheads="1" noChangeShapeType="1" noTextEdit="1"/>
+                </p:cNvSpPr>
+                <p:nvPr/>
+              </p:nvSpPr>
+              <p:spPr>
+                <a:xfrm>
+                  <a:off x="4624840" y="4761926"/>
+                  <a:ext cx="875532" cy="400110"/>
+                </a:xfrm>
+                <a:prstGeom prst="rect">
+                  <a:avLst/>
+                </a:prstGeom>
+                <a:blipFill rotWithShape="0">
+                  <a:blip r:embed="rId4"/>
+                  <a:stretch>
+                    <a:fillRect b="-18462"/>
+                  </a:stretch>
+                </a:blipFill>
+              </p:spPr>
+              <p:txBody>
+                <a:bodyPr/>
+                <a:lstStyle/>
+                <a:p>
+                  <a:r>
+                    <a:rPr lang="en-US">
+                      <a:noFill/>
+                    </a:rPr>
+                    <a:t> </a:t>
+                  </a:r>
+                </a:p>
+              </p:txBody>
+            </p:sp>
+          </mc:Fallback>
+        </mc:AlternateContent>
+      </p:grpSp>
+      <p:cxnSp>
+        <p:nvCxnSpPr>
+          <p:cNvPr id="25" name="Straight Connector 24"/>
+          <p:cNvCxnSpPr/>
+          <p:nvPr/>
+        </p:nvCxnSpPr>
+        <p:spPr bwMode="auto">
+          <a:xfrm>
+            <a:off x="2817035" y="2002412"/>
+            <a:ext cx="539750" cy="6350"/>
+          </a:xfrm>
+          <a:prstGeom prst="line">
+            <a:avLst/>
+          </a:prstGeom>
+          <a:solidFill>
+            <a:srgbClr val="00B8FF"/>
+          </a:solidFill>
+          <a:ln w="25400" cap="flat" cmpd="sng" algn="ctr">
+            <a:solidFill>
+              <a:srgbClr val="FF0000"/>
+            </a:solidFill>
+            <a:prstDash val="solid"/>
+            <a:round/>
+            <a:headEnd type="none" w="med" len="med"/>
+            <a:tailEnd type="none" w="med" len="med"/>
+          </a:ln>
+          <a:effectLst/>
+        </p:spPr>
+      </p:cxnSp>
+      <p:cxnSp>
+        <p:nvCxnSpPr>
+          <p:cNvPr id="26" name="Straight Connector 25"/>
+          <p:cNvCxnSpPr/>
+          <p:nvPr/>
+        </p:nvCxnSpPr>
+        <p:spPr bwMode="auto">
+          <a:xfrm>
+            <a:off x="4610486" y="2003031"/>
+            <a:ext cx="539750" cy="6350"/>
+          </a:xfrm>
+          <a:prstGeom prst="line">
+            <a:avLst/>
+          </a:prstGeom>
+          <a:solidFill>
+            <a:srgbClr val="00B8FF"/>
+          </a:solidFill>
+          <a:ln w="25400" cap="flat" cmpd="sng" algn="ctr">
+            <a:solidFill>
+              <a:srgbClr val="0404BC"/>
+            </a:solidFill>
+            <a:prstDash val="solid"/>
+            <a:round/>
+            <a:headEnd type="none" w="med" len="med"/>
+            <a:tailEnd type="none" w="med" len="med"/>
+          </a:ln>
+          <a:effectLst/>
+        </p:spPr>
+      </p:cxnSp>
+      <p:sp>
+        <p:nvSpPr>
+          <p:cNvPr id="27" name="TextBox 26"/>
+          <p:cNvSpPr txBox="1"/>
+          <p:nvPr/>
+        </p:nvSpPr>
+        <p:spPr>
+          <a:xfrm>
+            <a:off x="5090429" y="1826652"/>
+            <a:ext cx="965443" cy="307777"/>
+          </a:xfrm>
+          <a:prstGeom prst="rect">
+            <a:avLst/>
+          </a:prstGeom>
+          <a:noFill/>
+        </p:spPr>
+        <p:txBody>
+          <a:bodyPr wrap="square" rtlCol="0">
+            <a:spAutoFit/>
+          </a:bodyPr>
+          <a:lstStyle/>
+          <a:p>
+            <a:r>
+              <a:rPr lang="en-US" sz="1400" dirty="0" smtClean="0">
+                <a:solidFill>
+                  <a:schemeClr val="tx1"/>
+                </a:solidFill>
+              </a:rPr>
+              <a:t>spin up</a:t>
+            </a:r>
+            <a:endParaRPr lang="en-US" sz="1400" dirty="0">
+              <a:solidFill>
+                <a:schemeClr val="tx1"/>
+              </a:solidFill>
+            </a:endParaRPr>
+          </a:p>
+        </p:txBody>
+      </p:sp>
+      <p:sp>
+        <p:nvSpPr>
+          <p:cNvPr id="28" name="TextBox 27"/>
+          <p:cNvSpPr txBox="1"/>
+          <p:nvPr/>
+        </p:nvSpPr>
+        <p:spPr>
+          <a:xfrm>
+            <a:off x="3311338" y="1842213"/>
+            <a:ext cx="1132205" cy="307777"/>
+          </a:xfrm>
+          <a:prstGeom prst="rect">
+            <a:avLst/>
+          </a:prstGeom>
+          <a:noFill/>
+        </p:spPr>
+        <p:txBody>
+          <a:bodyPr wrap="square" rtlCol="0">
+            <a:spAutoFit/>
+          </a:bodyPr>
+          <a:lstStyle/>
+          <a:p>
+            <a:r>
+              <a:rPr lang="en-US" sz="1400" dirty="0" smtClean="0">
+                <a:solidFill>
+                  <a:schemeClr val="tx1"/>
+                </a:solidFill>
+              </a:rPr>
+              <a:t>spin down</a:t>
+            </a:r>
+            <a:endParaRPr lang="en-US" sz="1400" dirty="0">
+              <a:solidFill>
+                <a:schemeClr val="tx1"/>
+              </a:solidFill>
+            </a:endParaRPr>
+          </a:p>
+        </p:txBody>
+      </p:sp>
+    </p:spTree>
+    <p:extLst>
+      <p:ext uri="{BB962C8B-B14F-4D97-AF65-F5344CB8AC3E}">
+        <p14:creationId xmlns:p14="http://schemas.microsoft.com/office/powerpoint/2010/main" val="2843493538"/>
+      </p:ext>
+    </p:extLst>
+  </p:cSld>
+  <p:clrMapOvr>
+    <a:masterClrMapping/>
+  </p:clrMapOvr>
+</p:sld>
+</file>
+
+<file path=ppt/slides/slide9.xml><?xml version="1.0" encoding="utf-8"?>
+<p:sld xmlns:a="http://schemas.openxmlformats.org/drawingml/2006/main" xmlns:r="http://schemas.openxmlformats.org/officeDocument/2006/relationships" xmlns:p="http://schemas.openxmlformats.org/presentationml/2006/main">
+  <p:cSld>
+    <p:spTree>
+      <p:nvGrpSpPr>
+        <p:cNvPr id="1" name=""/>
+        <p:cNvGrpSpPr/>
+        <p:nvPr/>
+      </p:nvGrpSpPr>
+      <p:grpSpPr>
+        <a:xfrm>
+          <a:off x="0" y="0"/>
+          <a:ext cx="0" cy="0"/>
+          <a:chOff x="0" y="0"/>
+          <a:chExt cx="0" cy="0"/>
+        </a:xfrm>
+      </p:grpSpPr>
+      <p:sp>
+        <p:nvSpPr>
+          <p:cNvPr id="2" name="Rectangle 6"/>
+          <p:cNvSpPr>
+            <a:spLocks noChangeArrowheads="1"/>
+          </p:cNvSpPr>
+          <p:nvPr/>
+        </p:nvSpPr>
+        <p:spPr bwMode="auto">
+          <a:xfrm>
+            <a:off x="2288109" y="1742904"/>
+            <a:ext cx="3889587" cy="3886200"/>
+          </a:xfrm>
+          <a:prstGeom prst="rect">
+            <a:avLst/>
+          </a:prstGeom>
+          <a:noFill/>
+          <a:ln w="9360">
+            <a:solidFill>
+              <a:srgbClr val="000000"/>
+            </a:solidFill>
+            <a:miter lim="800000"/>
+            <a:headEnd/>
+            <a:tailEnd/>
+          </a:ln>
+          <a:extLst>
+            <a:ext uri="{909E8E84-426E-40DD-AFC4-6F175D3DCCD1}">
+              <a14:hiddenFill xmlns:a14="http://schemas.microsoft.com/office/drawing/2010/main">
+                <a:solidFill>
+                  <a:srgbClr val="FFFFFF"/>
+                </a:solidFill>
+              </a14:hiddenFill>
+            </a:ext>
+          </a:extLst>
+        </p:spPr>
+        <p:txBody>
+          <a:bodyPr wrap="none" anchor="ctr"/>
+          <a:lstStyle/>
+          <a:p>
+            <a:pPr eaLnBrk="1" hangingPunct="1">
+              <a:buClr>
+                <a:srgbClr val="000000"/>
+              </a:buClr>
+              <a:buSzPct val="100000"/>
+              <a:buFont typeface="Times New Roman" panose="02020603050405020304" pitchFamily="18" charset="0"/>
+              <a:buNone/>
+            </a:pPr>
+            <a:endParaRPr lang="en-US" altLang="en-US"/>
+          </a:p>
+        </p:txBody>
+      </p:sp>
+      <p:pic>
+        <p:nvPicPr>
+          <p:cNvPr id="3" name="Picture 2"/>
+          <p:cNvPicPr>
+            <a:picLocks noChangeAspect="1"/>
+          </p:cNvPicPr>
+          <p:nvPr/>
+        </p:nvPicPr>
+        <p:blipFill>
+          <a:blip r:embed="rId2">
+            <a:extLst>
+              <a:ext uri="{28A0092B-C50C-407E-A947-70E740481C1C}">
+                <a14:useLocalDpi xmlns:a14="http://schemas.microsoft.com/office/drawing/2010/main" val="0"/>
+              </a:ext>
+            </a:extLst>
+          </a:blip>
+          <a:stretch>
+            <a:fillRect/>
+          </a:stretch>
+        </p:blipFill>
+        <p:spPr>
+          <a:xfrm>
+            <a:off x="2407722" y="2286699"/>
+            <a:ext cx="3650358" cy="2798607"/>
+          </a:xfrm>
+          <a:prstGeom prst="rect">
+            <a:avLst/>
+          </a:prstGeom>
+        </p:spPr>
+      </p:pic>
+      <mc:AlternateContent xmlns:mc="http://schemas.openxmlformats.org/markup-compatibility/2006">
+        <mc:Choice xmlns:a14="http://schemas.microsoft.com/office/drawing/2010/main" Requires="a14">
+          <p:sp>
+            <p:nvSpPr>
+              <p:cNvPr id="13" name="TextBox 12"/>
+              <p:cNvSpPr txBox="1"/>
+              <p:nvPr/>
+            </p:nvSpPr>
+            <p:spPr>
+              <a:xfrm rot="5400000">
+                <a:off x="3887937" y="2676305"/>
+                <a:ext cx="1207412" cy="400110"/>
+              </a:xfrm>
+              <a:prstGeom prst="rect">
+                <a:avLst/>
+              </a:prstGeom>
+              <a:noFill/>
+            </p:spPr>
+            <p:txBody>
+              <a:bodyPr wrap="square" rtlCol="0">
+                <a:spAutoFit/>
+              </a:bodyPr>
+              <a:lstStyle/>
+              <a:p>
+                <a:pPr/>
+                <a14:m>
+                  <m:oMathPara xmlns:m="http://schemas.openxmlformats.org/officeDocument/2006/math">
+                    <m:oMathParaPr>
+                      <m:jc m:val="centerGroup"/>
+                    </m:oMathParaPr>
+                    <m:oMath xmlns:m="http://schemas.openxmlformats.org/officeDocument/2006/math">
+                      <m:r>
+                        <a:rPr lang="en-US" sz="2000" b="0" i="1" smtClean="0">
+                          <a:solidFill>
+                            <a:schemeClr val="tx1"/>
+                          </a:solidFill>
+                          <a:latin typeface="Cambria Math" panose="02040503050406030204" pitchFamily="18" charset="0"/>
+                        </a:rPr>
+                        <m:t>𝜌</m:t>
+                      </m:r>
+                      <m:r>
+                        <a:rPr lang="en-US" sz="2000" b="0" i="1" smtClean="0">
+                          <a:solidFill>
+                            <a:schemeClr val="tx1"/>
+                          </a:solidFill>
+                          <a:latin typeface="Cambria Math" panose="02040503050406030204" pitchFamily="18" charset="0"/>
+                        </a:rPr>
+                        <m:t>(</m:t>
+                      </m:r>
+                      <m:r>
+                        <a:rPr lang="en-US" sz="2000" b="0" i="1" smtClean="0">
+                          <a:solidFill>
+                            <a:schemeClr val="tx1"/>
+                          </a:solidFill>
+                          <a:latin typeface="Cambria Math" panose="02040503050406030204" pitchFamily="18" charset="0"/>
+                        </a:rPr>
+                        <m:t>𝜔</m:t>
+                      </m:r>
+                      <m:r>
+                        <a:rPr lang="en-US" sz="2000" b="0" i="1" smtClean="0">
+                          <a:solidFill>
+                            <a:schemeClr val="tx1"/>
+                          </a:solidFill>
+                          <a:latin typeface="Cambria Math" panose="02040503050406030204" pitchFamily="18" charset="0"/>
+                        </a:rPr>
+                        <m:t>)/</m:t>
+                      </m:r>
+                      <m:sSub>
+                        <m:sSubPr>
+                          <m:ctrlPr>
+                            <a:rPr lang="en-US" sz="2000" b="0" i="1" smtClean="0">
+                              <a:solidFill>
+                                <a:schemeClr val="tx1"/>
+                              </a:solidFill>
+                              <a:latin typeface="Cambria Math" panose="02040503050406030204" pitchFamily="18" charset="0"/>
+                            </a:rPr>
+                          </m:ctrlPr>
+                        </m:sSubPr>
+                        <m:e>
+                          <m:r>
+                            <a:rPr lang="en-US" sz="2000" b="0" i="1" smtClean="0">
+                              <a:solidFill>
+                                <a:schemeClr val="tx1"/>
+                              </a:solidFill>
+                              <a:latin typeface="Cambria Math" panose="02040503050406030204" pitchFamily="18" charset="0"/>
+                            </a:rPr>
+                            <m:t>𝜌</m:t>
+                          </m:r>
+                        </m:e>
+                        <m:sub>
+                          <m:r>
+                            <a:rPr lang="en-US" sz="2000" b="0" i="1" smtClean="0">
+                              <a:solidFill>
+                                <a:schemeClr val="tx1"/>
+                              </a:solidFill>
+                              <a:latin typeface="Cambria Math" panose="02040503050406030204" pitchFamily="18" charset="0"/>
+                            </a:rPr>
+                            <m:t>0</m:t>
+                          </m:r>
+                        </m:sub>
+                      </m:sSub>
+                    </m:oMath>
+                  </m:oMathPara>
+                </a14:m>
+                <a:endParaRPr lang="en-US" sz="2000" dirty="0">
+                  <a:solidFill>
+                    <a:schemeClr val="tx1"/>
+                  </a:solidFill>
+                  <a:latin typeface="Cambria" panose="02040503050406030204" pitchFamily="18" charset="0"/>
+                </a:endParaRPr>
+              </a:p>
+            </p:txBody>
+          </p:sp>
+        </mc:Choice>
+        <mc:Fallback>
+          <p:sp>
+            <p:nvSpPr>
+              <p:cNvPr id="13" name="TextBox 12"/>
+              <p:cNvSpPr txBox="1">
+                <a:spLocks noRot="1" noChangeAspect="1" noMove="1" noResize="1" noEditPoints="1" noAdjustHandles="1" noChangeArrowheads="1" noChangeShapeType="1" noTextEdit="1"/>
+              </p:cNvSpPr>
+              <p:nvPr/>
+            </p:nvSpPr>
+            <p:spPr>
+              <a:xfrm rot="5400000">
+                <a:off x="3887937" y="2676305"/>
+                <a:ext cx="1207412" cy="400110"/>
+              </a:xfrm>
+              <a:prstGeom prst="rect">
+                <a:avLst/>
+              </a:prstGeom>
+              <a:blipFill rotWithShape="0">
+                <a:blip r:embed="rId3"/>
+                <a:stretch>
+                  <a:fillRect l="-18182"/>
+                </a:stretch>
+              </a:blipFill>
+            </p:spPr>
+            <p:txBody>
+              <a:bodyPr/>
+              <a:lstStyle/>
+              <a:p>
+                <a:r>
+                  <a:rPr lang="en-US">
+                    <a:noFill/>
+                  </a:rPr>
+                  <a:t> </a:t>
+                </a:r>
+              </a:p>
+            </p:txBody>
+          </p:sp>
+        </mc:Fallback>
+      </mc:AlternateContent>
+      <p:grpSp>
+        <p:nvGrpSpPr>
+          <p:cNvPr id="15" name="Group 14"/>
+          <p:cNvGrpSpPr/>
+          <p:nvPr/>
+        </p:nvGrpSpPr>
+        <p:grpSpPr>
+          <a:xfrm>
+            <a:off x="3750485" y="4807582"/>
+            <a:ext cx="1098550" cy="400110"/>
+            <a:chOff x="4580189" y="4761926"/>
+            <a:chExt cx="1098550" cy="400110"/>
+          </a:xfrm>
+        </p:grpSpPr>
+        <p:sp>
+          <p:nvSpPr>
+            <p:cNvPr id="14" name="Rectangle 13"/>
+            <p:cNvSpPr/>
+            <p:nvPr/>
+          </p:nvSpPr>
+          <p:spPr bwMode="auto">
+            <a:xfrm>
+              <a:off x="4580189" y="4864099"/>
+              <a:ext cx="1098550" cy="293051"/>
+            </a:xfrm>
+            <a:prstGeom prst="rect">
+              <a:avLst/>
+            </a:prstGeom>
+            <a:solidFill>
+              <a:schemeClr val="bg1"/>
+            </a:solidFill>
+            <a:ln w="9525" cap="flat" cmpd="sng" algn="ctr">
+              <a:solidFill>
+                <a:schemeClr val="bg1"/>
+              </a:solidFill>
+              <a:prstDash val="solid"/>
+              <a:round/>
+              <a:headEnd type="none" w="med" len="med"/>
+              <a:tailEnd type="none" w="med" len="med"/>
+            </a:ln>
+            <a:effectLst/>
+          </p:spPr>
+          <p:txBody>
+            <a:bodyPr vert="horz" wrap="square" lIns="91440" tIns="45720" rIns="91440" bIns="45720" numCol="1" rtlCol="0" anchor="t" anchorCtr="0" compatLnSpc="1">
+              <a:prstTxWarp prst="textNoShape">
+                <a:avLst/>
+              </a:prstTxWarp>
+            </a:bodyPr>
+            <a:lstStyle/>
+            <a:p>
+              <a:pPr marL="0" marR="0" indent="0" algn="l" defTabSz="457200" rtl="0" eaLnBrk="1" fontAlgn="base" latinLnBrk="0" hangingPunct="1">
+                <a:lnSpc>
+                  <a:spcPct val="100000"/>
+                </a:lnSpc>
+                <a:spcBef>
+                  <a:spcPct val="0"/>
+                </a:spcBef>
+                <a:spcAft>
+                  <a:spcPct val="0"/>
+                </a:spcAft>
+                <a:buClr>
+                  <a:srgbClr val="000000"/>
+                </a:buClr>
+                <a:buSzPct val="100000"/>
+                <a:buFont typeface="Times New Roman" pitchFamily="16" charset="0"/>
+                <a:buNone/>
+                <a:tabLst/>
+              </a:pPr>
+              <a:endParaRPr kumimoji="0" lang="en-US" sz="1800" b="0" i="0" u="none" strike="noStrike" cap="none" normalizeH="0" baseline="0" smtClean="0">
+                <a:ln>
+                  <a:noFill/>
+                </a:ln>
+                <a:solidFill>
+                  <a:schemeClr val="bg1"/>
+                </a:solidFill>
+                <a:effectLst/>
+                <a:latin typeface="Arial" charset="0"/>
+              </a:endParaRPr>
+            </a:p>
+          </p:txBody>
+        </p:sp>
+        <mc:AlternateContent xmlns:mc="http://schemas.openxmlformats.org/markup-compatibility/2006">
+          <mc:Choice xmlns:a14="http://schemas.microsoft.com/office/drawing/2010/main" Requires="a14">
+            <p:sp>
+              <p:nvSpPr>
+                <p:cNvPr id="4" name="TextBox 3"/>
+                <p:cNvSpPr txBox="1"/>
+                <p:nvPr/>
+              </p:nvSpPr>
+              <p:spPr>
+                <a:xfrm>
+                  <a:off x="4624840" y="4761926"/>
+                  <a:ext cx="875532" cy="400110"/>
+                </a:xfrm>
+                <a:prstGeom prst="rect">
+                  <a:avLst/>
+                </a:prstGeom>
+                <a:noFill/>
+              </p:spPr>
+              <p:txBody>
+                <a:bodyPr wrap="square" rtlCol="0">
+                  <a:spAutoFit/>
+                </a:bodyPr>
+                <a:lstStyle/>
+                <a:p>
+                  <a:pPr/>
+                  <a14:m>
+                    <m:oMathPara xmlns:m="http://schemas.openxmlformats.org/officeDocument/2006/math">
+                      <m:oMathParaPr>
+                        <m:jc m:val="centerGroup"/>
+                      </m:oMathParaPr>
+                      <m:oMath xmlns:m="http://schemas.openxmlformats.org/officeDocument/2006/math">
+                        <m:r>
+                          <a:rPr lang="en-US" sz="2000" b="0" i="1" smtClean="0">
+                            <a:solidFill>
+                              <a:schemeClr val="tx1"/>
+                            </a:solidFill>
+                            <a:latin typeface="Cambria Math" panose="02040503050406030204" pitchFamily="18" charset="0"/>
+                          </a:rPr>
+                          <m:t>𝜔</m:t>
+                        </m:r>
+                        <m:r>
+                          <a:rPr lang="en-US" sz="2000" b="0" i="1" smtClean="0">
+                            <a:solidFill>
+                              <a:schemeClr val="tx1"/>
+                            </a:solidFill>
+                            <a:latin typeface="Cambria Math" panose="02040503050406030204" pitchFamily="18" charset="0"/>
+                          </a:rPr>
+                          <m:t>/</m:t>
+                        </m:r>
+                        <m:r>
+                          <m:rPr>
+                            <m:sty m:val="p"/>
+                          </m:rPr>
+                          <a:rPr lang="en-US" sz="2000" b="0" i="0" smtClean="0">
+                            <a:solidFill>
+                              <a:schemeClr val="tx1"/>
+                            </a:solidFill>
+                            <a:latin typeface="Cambria Math" panose="02040503050406030204" pitchFamily="18" charset="0"/>
+                          </a:rPr>
+                          <m:t>Δ</m:t>
+                        </m:r>
+                      </m:oMath>
+                    </m:oMathPara>
+                  </a14:m>
+                  <a:endParaRPr lang="en-US" sz="2000" dirty="0">
+                    <a:solidFill>
+                      <a:schemeClr val="tx1"/>
+                    </a:solidFill>
+                    <a:latin typeface="Cambria" panose="02040503050406030204" pitchFamily="18" charset="0"/>
+                  </a:endParaRPr>
+                </a:p>
+              </p:txBody>
+            </p:sp>
+          </mc:Choice>
+          <mc:Fallback>
+            <p:sp>
+              <p:nvSpPr>
+                <p:cNvPr id="4" name="TextBox 3"/>
+                <p:cNvSpPr txBox="1">
+                  <a:spLocks noRot="1" noChangeAspect="1" noMove="1" noResize="1" noEditPoints="1" noAdjustHandles="1" noChangeArrowheads="1" noChangeShapeType="1" noTextEdit="1"/>
+                </p:cNvSpPr>
+                <p:nvPr/>
+              </p:nvSpPr>
+              <p:spPr>
+                <a:xfrm>
+                  <a:off x="4624840" y="4761926"/>
+                  <a:ext cx="875532" cy="400110"/>
+                </a:xfrm>
+                <a:prstGeom prst="rect">
+                  <a:avLst/>
+                </a:prstGeom>
+                <a:blipFill rotWithShape="0">
+                  <a:blip r:embed="rId4"/>
+                  <a:stretch>
+                    <a:fillRect b="-18462"/>
+                  </a:stretch>
+                </a:blipFill>
+              </p:spPr>
+              <p:txBody>
+                <a:bodyPr/>
+                <a:lstStyle/>
+                <a:p>
+                  <a:r>
+                    <a:rPr lang="en-US">
+                      <a:noFill/>
+                    </a:rPr>
+                    <a:t> </a:t>
+                  </a:r>
+                </a:p>
+              </p:txBody>
+            </p:sp>
+          </mc:Fallback>
+        </mc:AlternateContent>
+      </p:grpSp>
+      <p:cxnSp>
+        <p:nvCxnSpPr>
+          <p:cNvPr id="25" name="Straight Connector 24"/>
+          <p:cNvCxnSpPr/>
+          <p:nvPr/>
+        </p:nvCxnSpPr>
+        <p:spPr bwMode="auto">
+          <a:xfrm>
+            <a:off x="2817035" y="2002412"/>
+            <a:ext cx="539750" cy="6350"/>
+          </a:xfrm>
+          <a:prstGeom prst="line">
+            <a:avLst/>
+          </a:prstGeom>
+          <a:solidFill>
+            <a:srgbClr val="00B8FF"/>
+          </a:solidFill>
+          <a:ln w="25400" cap="flat" cmpd="sng" algn="ctr">
+            <a:solidFill>
+              <a:srgbClr val="FF0000"/>
+            </a:solidFill>
+            <a:prstDash val="solid"/>
+            <a:round/>
+            <a:headEnd type="none" w="med" len="med"/>
+            <a:tailEnd type="none" w="med" len="med"/>
+          </a:ln>
+          <a:effectLst/>
+        </p:spPr>
+      </p:cxnSp>
+      <p:cxnSp>
+        <p:nvCxnSpPr>
+          <p:cNvPr id="26" name="Straight Connector 25"/>
+          <p:cNvCxnSpPr/>
+          <p:nvPr/>
+        </p:nvCxnSpPr>
+        <p:spPr bwMode="auto">
+          <a:xfrm>
+            <a:off x="4610486" y="2003031"/>
+            <a:ext cx="539750" cy="6350"/>
+          </a:xfrm>
+          <a:prstGeom prst="line">
+            <a:avLst/>
+          </a:prstGeom>
+          <a:solidFill>
+            <a:srgbClr val="00B8FF"/>
+          </a:solidFill>
+          <a:ln w="25400" cap="flat" cmpd="sng" algn="ctr">
+            <a:solidFill>
+              <a:srgbClr val="0404BC"/>
+            </a:solidFill>
+            <a:prstDash val="solid"/>
+            <a:round/>
+            <a:headEnd type="none" w="med" len="med"/>
+            <a:tailEnd type="none" w="med" len="med"/>
+          </a:ln>
+          <a:effectLst/>
+        </p:spPr>
+      </p:cxnSp>
+      <p:sp>
+        <p:nvSpPr>
+          <p:cNvPr id="27" name="TextBox 26"/>
+          <p:cNvSpPr txBox="1"/>
+          <p:nvPr/>
+        </p:nvSpPr>
+        <p:spPr>
+          <a:xfrm>
+            <a:off x="5090429" y="1826652"/>
+            <a:ext cx="965443" cy="307777"/>
+          </a:xfrm>
+          <a:prstGeom prst="rect">
+            <a:avLst/>
+          </a:prstGeom>
+          <a:noFill/>
+        </p:spPr>
+        <p:txBody>
+          <a:bodyPr wrap="square" rtlCol="0">
+            <a:spAutoFit/>
+          </a:bodyPr>
+          <a:lstStyle/>
+          <a:p>
+            <a:r>
+              <a:rPr lang="en-US" sz="1400" dirty="0" smtClean="0">
+                <a:solidFill>
+                  <a:schemeClr val="tx1"/>
+                </a:solidFill>
+              </a:rPr>
+              <a:t>spin up</a:t>
+            </a:r>
+            <a:endParaRPr lang="en-US" sz="1400" dirty="0">
+              <a:solidFill>
+                <a:schemeClr val="tx1"/>
+              </a:solidFill>
+            </a:endParaRPr>
+          </a:p>
+        </p:txBody>
+      </p:sp>
+      <p:sp>
+        <p:nvSpPr>
+          <p:cNvPr id="28" name="TextBox 27"/>
+          <p:cNvSpPr txBox="1"/>
+          <p:nvPr/>
+        </p:nvSpPr>
+        <p:spPr>
+          <a:xfrm>
+            <a:off x="3311338" y="1842213"/>
+            <a:ext cx="1132205" cy="307777"/>
+          </a:xfrm>
+          <a:prstGeom prst="rect">
+            <a:avLst/>
+          </a:prstGeom>
+          <a:noFill/>
+        </p:spPr>
+        <p:txBody>
+          <a:bodyPr wrap="square" rtlCol="0">
+            <a:spAutoFit/>
+          </a:bodyPr>
+          <a:lstStyle/>
+          <a:p>
+            <a:r>
+              <a:rPr lang="en-US" sz="1400" dirty="0" smtClean="0">
+                <a:solidFill>
+                  <a:schemeClr val="tx1"/>
+                </a:solidFill>
+              </a:rPr>
+              <a:t>spin down</a:t>
+            </a:r>
+            <a:endParaRPr lang="en-US" sz="1400" dirty="0">
+              <a:solidFill>
+                <a:schemeClr val="tx1"/>
+              </a:solidFill>
+            </a:endParaRPr>
+          </a:p>
+        </p:txBody>
+      </p:sp>
+    </p:spTree>
+    <p:extLst>
+      <p:ext uri="{BB962C8B-B14F-4D97-AF65-F5344CB8AC3E}">
+        <p14:creationId xmlns:p14="http://schemas.microsoft.com/office/powerpoint/2010/main" val="3132049333"/>
       </p:ext>
     </p:extLst>
   </p:cSld>

--- a/Figures/Figures.pptx
+++ b/Figures/Figures.pptx
@@ -3476,8 +3476,8 @@
         </p:blipFill>
         <p:spPr>
           <a:xfrm>
-            <a:off x="2250353" y="2029093"/>
-            <a:ext cx="4060586" cy="3023150"/>
+            <a:off x="2392370" y="2029093"/>
+            <a:ext cx="3776552" cy="3023150"/>
           </a:xfrm>
           <a:prstGeom prst="rect">
             <a:avLst/>
@@ -3542,9 +3542,9 @@
           <p:nvPr/>
         </p:nvSpPr>
         <p:spPr>
-          <a:xfrm rot="1025576">
-            <a:off x="2425784" y="4075195"/>
-            <a:ext cx="2671142" cy="384721"/>
+          <a:xfrm rot="1246205">
+            <a:off x="2488870" y="4120543"/>
+            <a:ext cx="2671142" cy="369332"/>
           </a:xfrm>
           <a:prstGeom prst="rect">
             <a:avLst/>
@@ -3558,10 +3558,10 @@
           <a:lstStyle/>
           <a:p>
             <a:r>
-              <a:rPr lang="en-US" sz="1900" b="1" dirty="0" smtClean="0"/>
+              <a:rPr lang="en-US" b="1" dirty="0" smtClean="0"/>
               <a:t>SUPERCONDUCTOR</a:t>
             </a:r>
-            <a:endParaRPr lang="en-US" sz="1900" b="1" dirty="0"/>
+            <a:endParaRPr lang="en-US" b="1" dirty="0"/>
           </a:p>
         </p:txBody>
       </p:sp>
@@ -3572,8 +3572,8 @@
           <p:nvPr/>
         </p:nvSpPr>
         <p:spPr>
-          <a:xfrm rot="952989">
-            <a:off x="2717137" y="3686290"/>
+          <a:xfrm rot="1216386">
+            <a:off x="2688635" y="3757934"/>
             <a:ext cx="2233029" cy="400110"/>
           </a:xfrm>
           <a:prstGeom prst="rect">
@@ -4014,8 +4014,8 @@
         </p:blipFill>
         <p:spPr>
           <a:xfrm>
-            <a:off x="2313171" y="2089489"/>
-            <a:ext cx="3951610" cy="2942016"/>
+            <a:off x="2479910" y="2089489"/>
+            <a:ext cx="3618131" cy="2942016"/>
           </a:xfrm>
           <a:prstGeom prst="rect">
             <a:avLst/>
@@ -4438,14 +4438,14 @@
       </mc:AlternateContent>
       <p:sp>
         <p:nvSpPr>
-          <p:cNvPr id="16" name="TextBox 15"/>
+          <p:cNvPr id="13" name="TextBox 12"/>
           <p:cNvSpPr txBox="1"/>
           <p:nvPr/>
         </p:nvSpPr>
         <p:spPr>
-          <a:xfrm rot="973654">
-            <a:off x="2458218" y="4056313"/>
-            <a:ext cx="2671142" cy="384721"/>
+          <a:xfrm rot="1246205">
+            <a:off x="2525699" y="4126352"/>
+            <a:ext cx="2671142" cy="369332"/>
           </a:xfrm>
           <a:prstGeom prst="rect">
             <a:avLst/>
@@ -4459,22 +4459,22 @@
           <a:lstStyle/>
           <a:p>
             <a:r>
-              <a:rPr lang="en-US" sz="1900" b="1" dirty="0" smtClean="0"/>
+              <a:rPr lang="en-US" b="1" dirty="0" smtClean="0"/>
               <a:t>SUPERCONDUCTOR</a:t>
             </a:r>
-            <a:endParaRPr lang="en-US" sz="1900" b="1" dirty="0"/>
+            <a:endParaRPr lang="en-US" b="1" dirty="0"/>
           </a:p>
         </p:txBody>
       </p:sp>
       <p:sp>
         <p:nvSpPr>
-          <p:cNvPr id="17" name="TextBox 16"/>
+          <p:cNvPr id="14" name="TextBox 13"/>
           <p:cNvSpPr txBox="1"/>
           <p:nvPr/>
         </p:nvSpPr>
         <p:spPr>
-          <a:xfrm rot="952989">
-            <a:off x="2717137" y="3686290"/>
+          <a:xfrm rot="1216386">
+            <a:off x="2688635" y="3757934"/>
             <a:ext cx="2233029" cy="400110"/>
           </a:xfrm>
           <a:prstGeom prst="rect">
@@ -5899,8 +5899,8 @@
           <a:effectLst/>
         </p:spPr>
       </p:cxnSp>
-      <mc:AlternateContent xmlns:mc="http://schemas.openxmlformats.org/markup-compatibility/2006">
-        <mc:Choice xmlns:a14="http://schemas.microsoft.com/office/drawing/2010/main" Requires="a14">
+      <mc:AlternateContent xmlns:mc="http://schemas.openxmlformats.org/markup-compatibility/2006" xmlns:a14="http://schemas.microsoft.com/office/drawing/2010/main">
+        <mc:Choice Requires="a14">
           <p:sp>
             <p:nvSpPr>
               <p:cNvPr id="7" name="TextBox 6"/>
@@ -5964,7 +5964,7 @@
             </p:txBody>
           </p:sp>
         </mc:Choice>
-        <mc:Fallback>
+        <mc:Fallback xmlns="">
           <p:sp>
             <p:nvSpPr>
               <p:cNvPr id="7" name="TextBox 6"/>
@@ -6032,8 +6032,8 @@
           <a:effectLst/>
         </p:spPr>
       </p:cxnSp>
-      <mc:AlternateContent xmlns:mc="http://schemas.openxmlformats.org/markup-compatibility/2006">
-        <mc:Choice xmlns:a14="http://schemas.microsoft.com/office/drawing/2010/main" Requires="a14">
+      <mc:AlternateContent xmlns:mc="http://schemas.openxmlformats.org/markup-compatibility/2006" xmlns:a14="http://schemas.microsoft.com/office/drawing/2010/main">
+        <mc:Choice Requires="a14">
           <p:sp>
             <p:nvSpPr>
               <p:cNvPr id="12" name="TextBox 11"/>
@@ -6097,7 +6097,7 @@
             </p:txBody>
           </p:sp>
         </mc:Choice>
-        <mc:Fallback>
+        <mc:Fallback xmlns="">
           <p:sp>
             <p:nvSpPr>
               <p:cNvPr id="12" name="TextBox 11"/>
@@ -6136,8 +6136,8 @@
           </p:sp>
         </mc:Fallback>
       </mc:AlternateContent>
-      <mc:AlternateContent xmlns:mc="http://schemas.openxmlformats.org/markup-compatibility/2006">
-        <mc:Choice xmlns:a14="http://schemas.microsoft.com/office/drawing/2010/main" Requires="a14">
+      <mc:AlternateContent xmlns:mc="http://schemas.openxmlformats.org/markup-compatibility/2006" xmlns:a14="http://schemas.microsoft.com/office/drawing/2010/main">
+        <mc:Choice Requires="a14">
           <p:sp>
             <p:nvSpPr>
               <p:cNvPr id="13" name="TextBox 12"/>
@@ -6250,7 +6250,7 @@
             </p:txBody>
           </p:sp>
         </mc:Choice>
-        <mc:Fallback>
+        <mc:Fallback xmlns="">
           <p:sp>
             <p:nvSpPr>
               <p:cNvPr id="13" name="TextBox 12"/>
@@ -6370,8 +6370,8 @@
             </a:p>
           </p:txBody>
         </p:sp>
-        <mc:AlternateContent xmlns:mc="http://schemas.openxmlformats.org/markup-compatibility/2006">
-          <mc:Choice xmlns:a14="http://schemas.microsoft.com/office/drawing/2010/main" Requires="a14">
+        <mc:AlternateContent xmlns:mc="http://schemas.openxmlformats.org/markup-compatibility/2006" xmlns:a14="http://schemas.microsoft.com/office/drawing/2010/main">
+          <mc:Choice Requires="a14">
             <p:sp>
               <p:nvSpPr>
                 <p:cNvPr id="4" name="TextBox 3"/>
@@ -6444,7 +6444,7 @@
               </p:txBody>
             </p:sp>
           </mc:Choice>
-          <mc:Fallback>
+          <mc:Fallback xmlns="">
             <p:sp>
               <p:nvSpPr>
                 <p:cNvPr id="4" name="TextBox 3"/>
@@ -6845,8 +6845,8 @@
           </a:prstGeom>
         </p:spPr>
       </p:pic>
-      <mc:AlternateContent xmlns:mc="http://schemas.openxmlformats.org/markup-compatibility/2006">
-        <mc:Choice xmlns:a14="http://schemas.microsoft.com/office/drawing/2010/main" Requires="a14">
+      <mc:AlternateContent xmlns:mc="http://schemas.openxmlformats.org/markup-compatibility/2006" xmlns:a14="http://schemas.microsoft.com/office/drawing/2010/main">
+        <mc:Choice Requires="a14">
           <p:sp>
             <p:nvSpPr>
               <p:cNvPr id="13" name="TextBox 12"/>
@@ -6959,7 +6959,7 @@
             </p:txBody>
           </p:sp>
         </mc:Choice>
-        <mc:Fallback>
+        <mc:Fallback xmlns="">
           <p:sp>
             <p:nvSpPr>
               <p:cNvPr id="13" name="TextBox 12"/>
@@ -7079,8 +7079,8 @@
             </a:p>
           </p:txBody>
         </p:sp>
-        <mc:AlternateContent xmlns:mc="http://schemas.openxmlformats.org/markup-compatibility/2006">
-          <mc:Choice xmlns:a14="http://schemas.microsoft.com/office/drawing/2010/main" Requires="a14">
+        <mc:AlternateContent xmlns:mc="http://schemas.openxmlformats.org/markup-compatibility/2006" xmlns:a14="http://schemas.microsoft.com/office/drawing/2010/main">
+          <mc:Choice Requires="a14">
             <p:sp>
               <p:nvSpPr>
                 <p:cNvPr id="4" name="TextBox 3"/>
@@ -7153,7 +7153,7 @@
               </p:txBody>
             </p:sp>
           </mc:Choice>
-          <mc:Fallback>
+          <mc:Fallback xmlns="">
             <p:sp>
               <p:nvSpPr>
                 <p:cNvPr id="4" name="TextBox 3"/>
@@ -7438,8 +7438,8 @@
           </a:prstGeom>
         </p:spPr>
       </p:pic>
-      <mc:AlternateContent xmlns:mc="http://schemas.openxmlformats.org/markup-compatibility/2006">
-        <mc:Choice xmlns:a14="http://schemas.microsoft.com/office/drawing/2010/main" Requires="a14">
+      <mc:AlternateContent xmlns:mc="http://schemas.openxmlformats.org/markup-compatibility/2006" xmlns:a14="http://schemas.microsoft.com/office/drawing/2010/main">
+        <mc:Choice Requires="a14">
           <p:sp>
             <p:nvSpPr>
               <p:cNvPr id="13" name="TextBox 12"/>
@@ -7552,7 +7552,7 @@
             </p:txBody>
           </p:sp>
         </mc:Choice>
-        <mc:Fallback>
+        <mc:Fallback xmlns="">
           <p:sp>
             <p:nvSpPr>
               <p:cNvPr id="13" name="TextBox 12"/>
@@ -7672,8 +7672,8 @@
             </a:p>
           </p:txBody>
         </p:sp>
-        <mc:AlternateContent xmlns:mc="http://schemas.openxmlformats.org/markup-compatibility/2006">
-          <mc:Choice xmlns:a14="http://schemas.microsoft.com/office/drawing/2010/main" Requires="a14">
+        <mc:AlternateContent xmlns:mc="http://schemas.openxmlformats.org/markup-compatibility/2006" xmlns:a14="http://schemas.microsoft.com/office/drawing/2010/main">
+          <mc:Choice Requires="a14">
             <p:sp>
               <p:nvSpPr>
                 <p:cNvPr id="4" name="TextBox 3"/>
@@ -7746,7 +7746,7 @@
               </p:txBody>
             </p:sp>
           </mc:Choice>
-          <mc:Fallback>
+          <mc:Fallback xmlns="">
             <p:sp>
               <p:nvSpPr>
                 <p:cNvPr id="4" name="TextBox 3"/>
@@ -8031,8 +8031,8 @@
           </a:prstGeom>
         </p:spPr>
       </p:pic>
-      <mc:AlternateContent xmlns:mc="http://schemas.openxmlformats.org/markup-compatibility/2006">
-        <mc:Choice xmlns:a14="http://schemas.microsoft.com/office/drawing/2010/main" Requires="a14">
+      <mc:AlternateContent xmlns:mc="http://schemas.openxmlformats.org/markup-compatibility/2006" xmlns:a14="http://schemas.microsoft.com/office/drawing/2010/main">
+        <mc:Choice Requires="a14">
           <p:sp>
             <p:nvSpPr>
               <p:cNvPr id="13" name="TextBox 12"/>
@@ -8145,7 +8145,7 @@
             </p:txBody>
           </p:sp>
         </mc:Choice>
-        <mc:Fallback>
+        <mc:Fallback xmlns="">
           <p:sp>
             <p:nvSpPr>
               <p:cNvPr id="13" name="TextBox 12"/>
@@ -8265,8 +8265,8 @@
             </a:p>
           </p:txBody>
         </p:sp>
-        <mc:AlternateContent xmlns:mc="http://schemas.openxmlformats.org/markup-compatibility/2006">
-          <mc:Choice xmlns:a14="http://schemas.microsoft.com/office/drawing/2010/main" Requires="a14">
+        <mc:AlternateContent xmlns:mc="http://schemas.openxmlformats.org/markup-compatibility/2006" xmlns:a14="http://schemas.microsoft.com/office/drawing/2010/main">
+          <mc:Choice Requires="a14">
             <p:sp>
               <p:nvSpPr>
                 <p:cNvPr id="4" name="TextBox 3"/>
@@ -8339,7 +8339,7 @@
               </p:txBody>
             </p:sp>
           </mc:Choice>
-          <mc:Fallback>
+          <mc:Fallback xmlns="">
             <p:sp>
               <p:nvSpPr>
                 <p:cNvPr id="4" name="TextBox 3"/>
@@ -8624,8 +8624,8 @@
           </a:prstGeom>
         </p:spPr>
       </p:pic>
-      <mc:AlternateContent xmlns:mc="http://schemas.openxmlformats.org/markup-compatibility/2006">
-        <mc:Choice xmlns:a14="http://schemas.microsoft.com/office/drawing/2010/main" Requires="a14">
+      <mc:AlternateContent xmlns:mc="http://schemas.openxmlformats.org/markup-compatibility/2006" xmlns:a14="http://schemas.microsoft.com/office/drawing/2010/main">
+        <mc:Choice Requires="a14">
           <p:sp>
             <p:nvSpPr>
               <p:cNvPr id="13" name="TextBox 12"/>
@@ -8738,7 +8738,7 @@
             </p:txBody>
           </p:sp>
         </mc:Choice>
-        <mc:Fallback>
+        <mc:Fallback xmlns="">
           <p:sp>
             <p:nvSpPr>
               <p:cNvPr id="13" name="TextBox 12"/>
@@ -8858,8 +8858,8 @@
             </a:p>
           </p:txBody>
         </p:sp>
-        <mc:AlternateContent xmlns:mc="http://schemas.openxmlformats.org/markup-compatibility/2006">
-          <mc:Choice xmlns:a14="http://schemas.microsoft.com/office/drawing/2010/main" Requires="a14">
+        <mc:AlternateContent xmlns:mc="http://schemas.openxmlformats.org/markup-compatibility/2006" xmlns:a14="http://schemas.microsoft.com/office/drawing/2010/main">
+          <mc:Choice Requires="a14">
             <p:sp>
               <p:nvSpPr>
                 <p:cNvPr id="4" name="TextBox 3"/>
@@ -8932,7 +8932,7 @@
               </p:txBody>
             </p:sp>
           </mc:Choice>
-          <mc:Fallback>
+          <mc:Fallback xmlns="">
             <p:sp>
               <p:nvSpPr>
                 <p:cNvPr id="4" name="TextBox 3"/>
@@ -9217,8 +9217,8 @@
           </a:prstGeom>
         </p:spPr>
       </p:pic>
-      <mc:AlternateContent xmlns:mc="http://schemas.openxmlformats.org/markup-compatibility/2006">
-        <mc:Choice xmlns:a14="http://schemas.microsoft.com/office/drawing/2010/main" Requires="a14">
+      <mc:AlternateContent xmlns:mc="http://schemas.openxmlformats.org/markup-compatibility/2006" xmlns:a14="http://schemas.microsoft.com/office/drawing/2010/main">
+        <mc:Choice Requires="a14">
           <p:sp>
             <p:nvSpPr>
               <p:cNvPr id="13" name="TextBox 12"/>
@@ -9331,7 +9331,7 @@
             </p:txBody>
           </p:sp>
         </mc:Choice>
-        <mc:Fallback>
+        <mc:Fallback xmlns="">
           <p:sp>
             <p:nvSpPr>
               <p:cNvPr id="13" name="TextBox 12"/>
@@ -9451,8 +9451,8 @@
             </a:p>
           </p:txBody>
         </p:sp>
-        <mc:AlternateContent xmlns:mc="http://schemas.openxmlformats.org/markup-compatibility/2006">
-          <mc:Choice xmlns:a14="http://schemas.microsoft.com/office/drawing/2010/main" Requires="a14">
+        <mc:AlternateContent xmlns:mc="http://schemas.openxmlformats.org/markup-compatibility/2006" xmlns:a14="http://schemas.microsoft.com/office/drawing/2010/main">
+          <mc:Choice Requires="a14">
             <p:sp>
               <p:nvSpPr>
                 <p:cNvPr id="4" name="TextBox 3"/>
@@ -9525,7 +9525,7 @@
               </p:txBody>
             </p:sp>
           </mc:Choice>
-          <mc:Fallback>
+          <mc:Fallback xmlns="">
             <p:sp>
               <p:nvSpPr>
                 <p:cNvPr id="4" name="TextBox 3"/>

--- a/Figures/Figures.pptx
+++ b/Figures/Figures.pptx
@@ -5,7 +5,7 @@
     <p:sldMasterId id="2147483648" r:id="rId1"/>
   </p:sldMasterIdLst>
   <p:notesMasterIdLst>
-    <p:notesMasterId r:id="rId11"/>
+    <p:notesMasterId r:id="rId13"/>
   </p:notesMasterIdLst>
   <p:sldIdLst>
     <p:sldId id="337" r:id="rId2"/>
@@ -14,9 +14,11 @@
     <p:sldId id="341" r:id="rId5"/>
     <p:sldId id="343" r:id="rId6"/>
     <p:sldId id="344" r:id="rId7"/>
-    <p:sldId id="345" r:id="rId8"/>
-    <p:sldId id="346" r:id="rId9"/>
-    <p:sldId id="347" r:id="rId10"/>
+    <p:sldId id="348" r:id="rId8"/>
+    <p:sldId id="349" r:id="rId9"/>
+    <p:sldId id="345" r:id="rId10"/>
+    <p:sldId id="346" r:id="rId11"/>
+    <p:sldId id="347" r:id="rId12"/>
   </p:sldIdLst>
   <p:sldSz cx="9144000" cy="6858000" type="screen4x3"/>
   <p:notesSz cx="6797675" cy="9928225"/>
@@ -3966,6 +3968,1192 @@
     <p:extLst>
       <p:ext uri="{BB962C8B-B14F-4D97-AF65-F5344CB8AC3E}">
         <p14:creationId xmlns:p14="http://schemas.microsoft.com/office/powerpoint/2010/main" val="2187063420"/>
+      </p:ext>
+    </p:extLst>
+  </p:cSld>
+  <p:clrMapOvr>
+    <a:masterClrMapping/>
+  </p:clrMapOvr>
+</p:sld>
+</file>
+
+<file path=ppt/slides/slide10.xml><?xml version="1.0" encoding="utf-8"?>
+<p:sld xmlns:a="http://schemas.openxmlformats.org/drawingml/2006/main" xmlns:r="http://schemas.openxmlformats.org/officeDocument/2006/relationships" xmlns:p="http://schemas.openxmlformats.org/presentationml/2006/main">
+  <p:cSld>
+    <p:spTree>
+      <p:nvGrpSpPr>
+        <p:cNvPr id="1" name=""/>
+        <p:cNvGrpSpPr/>
+        <p:nvPr/>
+      </p:nvGrpSpPr>
+      <p:grpSpPr>
+        <a:xfrm>
+          <a:off x="0" y="0"/>
+          <a:ext cx="0" cy="0"/>
+          <a:chOff x="0" y="0"/>
+          <a:chExt cx="0" cy="0"/>
+        </a:xfrm>
+      </p:grpSpPr>
+      <p:sp>
+        <p:nvSpPr>
+          <p:cNvPr id="2" name="Rectangle 6"/>
+          <p:cNvSpPr>
+            <a:spLocks noChangeArrowheads="1"/>
+          </p:cNvSpPr>
+          <p:nvPr/>
+        </p:nvSpPr>
+        <p:spPr bwMode="auto">
+          <a:xfrm>
+            <a:off x="2288109" y="1742904"/>
+            <a:ext cx="3889587" cy="3886200"/>
+          </a:xfrm>
+          <a:prstGeom prst="rect">
+            <a:avLst/>
+          </a:prstGeom>
+          <a:noFill/>
+          <a:ln w="9360">
+            <a:solidFill>
+              <a:srgbClr val="000000"/>
+            </a:solidFill>
+            <a:miter lim="800000"/>
+            <a:headEnd/>
+            <a:tailEnd/>
+          </a:ln>
+          <a:extLst>
+            <a:ext uri="{909E8E84-426E-40DD-AFC4-6F175D3DCCD1}">
+              <a14:hiddenFill xmlns:a14="http://schemas.microsoft.com/office/drawing/2010/main">
+                <a:solidFill>
+                  <a:srgbClr val="FFFFFF"/>
+                </a:solidFill>
+              </a14:hiddenFill>
+            </a:ext>
+          </a:extLst>
+        </p:spPr>
+        <p:txBody>
+          <a:bodyPr wrap="none" anchor="ctr"/>
+          <a:lstStyle/>
+          <a:p>
+            <a:pPr eaLnBrk="1" hangingPunct="1">
+              <a:buClr>
+                <a:srgbClr val="000000"/>
+              </a:buClr>
+              <a:buSzPct val="100000"/>
+              <a:buFont typeface="Times New Roman" panose="02020603050405020304" pitchFamily="18" charset="0"/>
+              <a:buNone/>
+            </a:pPr>
+            <a:endParaRPr lang="en-US" altLang="en-US"/>
+          </a:p>
+        </p:txBody>
+      </p:sp>
+      <p:pic>
+        <p:nvPicPr>
+          <p:cNvPr id="3" name="Picture 2"/>
+          <p:cNvPicPr>
+            <a:picLocks noChangeAspect="1"/>
+          </p:cNvPicPr>
+          <p:nvPr/>
+        </p:nvPicPr>
+        <p:blipFill>
+          <a:blip r:embed="rId2">
+            <a:extLst>
+              <a:ext uri="{28A0092B-C50C-407E-A947-70E740481C1C}">
+                <a14:useLocalDpi xmlns:a14="http://schemas.microsoft.com/office/drawing/2010/main" val="0"/>
+              </a:ext>
+            </a:extLst>
+          </a:blip>
+          <a:stretch>
+            <a:fillRect/>
+          </a:stretch>
+        </p:blipFill>
+        <p:spPr>
+          <a:xfrm>
+            <a:off x="2407722" y="2286699"/>
+            <a:ext cx="3650358" cy="2798608"/>
+          </a:xfrm>
+          <a:prstGeom prst="rect">
+            <a:avLst/>
+          </a:prstGeom>
+        </p:spPr>
+      </p:pic>
+      <mc:AlternateContent xmlns:mc="http://schemas.openxmlformats.org/markup-compatibility/2006" xmlns:a14="http://schemas.microsoft.com/office/drawing/2010/main">
+        <mc:Choice Requires="a14">
+          <p:sp>
+            <p:nvSpPr>
+              <p:cNvPr id="13" name="TextBox 12"/>
+              <p:cNvSpPr txBox="1"/>
+              <p:nvPr/>
+            </p:nvSpPr>
+            <p:spPr>
+              <a:xfrm rot="5400000">
+                <a:off x="3887937" y="2676305"/>
+                <a:ext cx="1207412" cy="400110"/>
+              </a:xfrm>
+              <a:prstGeom prst="rect">
+                <a:avLst/>
+              </a:prstGeom>
+              <a:noFill/>
+            </p:spPr>
+            <p:txBody>
+              <a:bodyPr wrap="square" rtlCol="0">
+                <a:spAutoFit/>
+              </a:bodyPr>
+              <a:lstStyle/>
+              <a:p>
+                <a:pPr/>
+                <a14:m>
+                  <m:oMathPara xmlns:m="http://schemas.openxmlformats.org/officeDocument/2006/math">
+                    <m:oMathParaPr>
+                      <m:jc m:val="centerGroup"/>
+                    </m:oMathParaPr>
+                    <m:oMath xmlns:m="http://schemas.openxmlformats.org/officeDocument/2006/math">
+                      <m:r>
+                        <a:rPr lang="en-US" sz="2000" b="0" i="1" smtClean="0">
+                          <a:solidFill>
+                            <a:schemeClr val="tx1"/>
+                          </a:solidFill>
+                          <a:latin typeface="Cambria Math" panose="02040503050406030204" pitchFamily="18" charset="0"/>
+                        </a:rPr>
+                        <m:t>𝜌</m:t>
+                      </m:r>
+                      <m:r>
+                        <a:rPr lang="en-US" sz="2000" b="0" i="1" smtClean="0">
+                          <a:solidFill>
+                            <a:schemeClr val="tx1"/>
+                          </a:solidFill>
+                          <a:latin typeface="Cambria Math" panose="02040503050406030204" pitchFamily="18" charset="0"/>
+                        </a:rPr>
+                        <m:t>(</m:t>
+                      </m:r>
+                      <m:r>
+                        <a:rPr lang="en-US" sz="2000" b="0" i="1" smtClean="0">
+                          <a:solidFill>
+                            <a:schemeClr val="tx1"/>
+                          </a:solidFill>
+                          <a:latin typeface="Cambria Math" panose="02040503050406030204" pitchFamily="18" charset="0"/>
+                        </a:rPr>
+                        <m:t>𝜔</m:t>
+                      </m:r>
+                      <m:r>
+                        <a:rPr lang="en-US" sz="2000" b="0" i="1" smtClean="0">
+                          <a:solidFill>
+                            <a:schemeClr val="tx1"/>
+                          </a:solidFill>
+                          <a:latin typeface="Cambria Math" panose="02040503050406030204" pitchFamily="18" charset="0"/>
+                        </a:rPr>
+                        <m:t>)/</m:t>
+                      </m:r>
+                      <m:sSub>
+                        <m:sSubPr>
+                          <m:ctrlPr>
+                            <a:rPr lang="en-US" sz="2000" b="0" i="1" smtClean="0">
+                              <a:solidFill>
+                                <a:schemeClr val="tx1"/>
+                              </a:solidFill>
+                              <a:latin typeface="Cambria Math" panose="02040503050406030204" pitchFamily="18" charset="0"/>
+                            </a:rPr>
+                          </m:ctrlPr>
+                        </m:sSubPr>
+                        <m:e>
+                          <m:r>
+                            <a:rPr lang="en-US" sz="2000" b="0" i="1" smtClean="0">
+                              <a:solidFill>
+                                <a:schemeClr val="tx1"/>
+                              </a:solidFill>
+                              <a:latin typeface="Cambria Math" panose="02040503050406030204" pitchFamily="18" charset="0"/>
+                            </a:rPr>
+                            <m:t>𝜌</m:t>
+                          </m:r>
+                        </m:e>
+                        <m:sub>
+                          <m:r>
+                            <a:rPr lang="en-US" sz="2000" b="0" i="1" smtClean="0">
+                              <a:solidFill>
+                                <a:schemeClr val="tx1"/>
+                              </a:solidFill>
+                              <a:latin typeface="Cambria Math" panose="02040503050406030204" pitchFamily="18" charset="0"/>
+                            </a:rPr>
+                            <m:t>0</m:t>
+                          </m:r>
+                        </m:sub>
+                      </m:sSub>
+                    </m:oMath>
+                  </m:oMathPara>
+                </a14:m>
+                <a:endParaRPr lang="en-US" sz="2000" dirty="0">
+                  <a:solidFill>
+                    <a:schemeClr val="tx1"/>
+                  </a:solidFill>
+                  <a:latin typeface="Cambria" panose="02040503050406030204" pitchFamily="18" charset="0"/>
+                </a:endParaRPr>
+              </a:p>
+            </p:txBody>
+          </p:sp>
+        </mc:Choice>
+        <mc:Fallback xmlns="">
+          <p:sp>
+            <p:nvSpPr>
+              <p:cNvPr id="13" name="TextBox 12"/>
+              <p:cNvSpPr txBox="1">
+                <a:spLocks noRot="1" noChangeAspect="1" noMove="1" noResize="1" noEditPoints="1" noAdjustHandles="1" noChangeArrowheads="1" noChangeShapeType="1" noTextEdit="1"/>
+              </p:cNvSpPr>
+              <p:nvPr/>
+            </p:nvSpPr>
+            <p:spPr>
+              <a:xfrm rot="5400000">
+                <a:off x="3887937" y="2676305"/>
+                <a:ext cx="1207412" cy="400110"/>
+              </a:xfrm>
+              <a:prstGeom prst="rect">
+                <a:avLst/>
+              </a:prstGeom>
+              <a:blipFill rotWithShape="0">
+                <a:blip r:embed="rId3"/>
+                <a:stretch>
+                  <a:fillRect l="-18182"/>
+                </a:stretch>
+              </a:blipFill>
+            </p:spPr>
+            <p:txBody>
+              <a:bodyPr/>
+              <a:lstStyle/>
+              <a:p>
+                <a:r>
+                  <a:rPr lang="en-US">
+                    <a:noFill/>
+                  </a:rPr>
+                  <a:t> </a:t>
+                </a:r>
+              </a:p>
+            </p:txBody>
+          </p:sp>
+        </mc:Fallback>
+      </mc:AlternateContent>
+      <p:grpSp>
+        <p:nvGrpSpPr>
+          <p:cNvPr id="15" name="Group 14"/>
+          <p:cNvGrpSpPr/>
+          <p:nvPr/>
+        </p:nvGrpSpPr>
+        <p:grpSpPr>
+          <a:xfrm>
+            <a:off x="3750485" y="4807582"/>
+            <a:ext cx="1098550" cy="400110"/>
+            <a:chOff x="4580189" y="4761926"/>
+            <a:chExt cx="1098550" cy="400110"/>
+          </a:xfrm>
+        </p:grpSpPr>
+        <p:sp>
+          <p:nvSpPr>
+            <p:cNvPr id="14" name="Rectangle 13"/>
+            <p:cNvSpPr/>
+            <p:nvPr/>
+          </p:nvSpPr>
+          <p:spPr bwMode="auto">
+            <a:xfrm>
+              <a:off x="4580189" y="4864099"/>
+              <a:ext cx="1098550" cy="293051"/>
+            </a:xfrm>
+            <a:prstGeom prst="rect">
+              <a:avLst/>
+            </a:prstGeom>
+            <a:solidFill>
+              <a:schemeClr val="bg1"/>
+            </a:solidFill>
+            <a:ln w="9525" cap="flat" cmpd="sng" algn="ctr">
+              <a:solidFill>
+                <a:schemeClr val="bg1"/>
+              </a:solidFill>
+              <a:prstDash val="solid"/>
+              <a:round/>
+              <a:headEnd type="none" w="med" len="med"/>
+              <a:tailEnd type="none" w="med" len="med"/>
+            </a:ln>
+            <a:effectLst/>
+          </p:spPr>
+          <p:txBody>
+            <a:bodyPr vert="horz" wrap="square" lIns="91440" tIns="45720" rIns="91440" bIns="45720" numCol="1" rtlCol="0" anchor="t" anchorCtr="0" compatLnSpc="1">
+              <a:prstTxWarp prst="textNoShape">
+                <a:avLst/>
+              </a:prstTxWarp>
+            </a:bodyPr>
+            <a:lstStyle/>
+            <a:p>
+              <a:pPr marL="0" marR="0" indent="0" algn="l" defTabSz="457200" rtl="0" eaLnBrk="1" fontAlgn="base" latinLnBrk="0" hangingPunct="1">
+                <a:lnSpc>
+                  <a:spcPct val="100000"/>
+                </a:lnSpc>
+                <a:spcBef>
+                  <a:spcPct val="0"/>
+                </a:spcBef>
+                <a:spcAft>
+                  <a:spcPct val="0"/>
+                </a:spcAft>
+                <a:buClr>
+                  <a:srgbClr val="000000"/>
+                </a:buClr>
+                <a:buSzPct val="100000"/>
+                <a:buFont typeface="Times New Roman" pitchFamily="16" charset="0"/>
+                <a:buNone/>
+                <a:tabLst/>
+              </a:pPr>
+              <a:endParaRPr kumimoji="0" lang="en-US" sz="1800" b="0" i="0" u="none" strike="noStrike" cap="none" normalizeH="0" baseline="0" smtClean="0">
+                <a:ln>
+                  <a:noFill/>
+                </a:ln>
+                <a:solidFill>
+                  <a:schemeClr val="bg1"/>
+                </a:solidFill>
+                <a:effectLst/>
+                <a:latin typeface="Arial" charset="0"/>
+              </a:endParaRPr>
+            </a:p>
+          </p:txBody>
+        </p:sp>
+        <mc:AlternateContent xmlns:mc="http://schemas.openxmlformats.org/markup-compatibility/2006" xmlns:a14="http://schemas.microsoft.com/office/drawing/2010/main">
+          <mc:Choice Requires="a14">
+            <p:sp>
+              <p:nvSpPr>
+                <p:cNvPr id="4" name="TextBox 3"/>
+                <p:cNvSpPr txBox="1"/>
+                <p:nvPr/>
+              </p:nvSpPr>
+              <p:spPr>
+                <a:xfrm>
+                  <a:off x="4624840" y="4761926"/>
+                  <a:ext cx="875532" cy="400110"/>
+                </a:xfrm>
+                <a:prstGeom prst="rect">
+                  <a:avLst/>
+                </a:prstGeom>
+                <a:noFill/>
+              </p:spPr>
+              <p:txBody>
+                <a:bodyPr wrap="square" rtlCol="0">
+                  <a:spAutoFit/>
+                </a:bodyPr>
+                <a:lstStyle/>
+                <a:p>
+                  <a:pPr/>
+                  <a14:m>
+                    <m:oMathPara xmlns:m="http://schemas.openxmlformats.org/officeDocument/2006/math">
+                      <m:oMathParaPr>
+                        <m:jc m:val="centerGroup"/>
+                      </m:oMathParaPr>
+                      <m:oMath xmlns:m="http://schemas.openxmlformats.org/officeDocument/2006/math">
+                        <m:r>
+                          <a:rPr lang="en-US" sz="2000" b="0" i="1" smtClean="0">
+                            <a:solidFill>
+                              <a:schemeClr val="tx1"/>
+                            </a:solidFill>
+                            <a:latin typeface="Cambria Math" panose="02040503050406030204" pitchFamily="18" charset="0"/>
+                          </a:rPr>
+                          <m:t>𝜔</m:t>
+                        </m:r>
+                        <m:r>
+                          <a:rPr lang="en-US" sz="2000" b="0" i="1" smtClean="0">
+                            <a:solidFill>
+                              <a:schemeClr val="tx1"/>
+                            </a:solidFill>
+                            <a:latin typeface="Cambria Math" panose="02040503050406030204" pitchFamily="18" charset="0"/>
+                          </a:rPr>
+                          <m:t>/</m:t>
+                        </m:r>
+                        <m:r>
+                          <m:rPr>
+                            <m:sty m:val="p"/>
+                          </m:rPr>
+                          <a:rPr lang="en-US" sz="2000" b="0" i="0" smtClean="0">
+                            <a:solidFill>
+                              <a:schemeClr val="tx1"/>
+                            </a:solidFill>
+                            <a:latin typeface="Cambria Math" panose="02040503050406030204" pitchFamily="18" charset="0"/>
+                          </a:rPr>
+                          <m:t>Δ</m:t>
+                        </m:r>
+                      </m:oMath>
+                    </m:oMathPara>
+                  </a14:m>
+                  <a:endParaRPr lang="en-US" sz="2000" dirty="0">
+                    <a:solidFill>
+                      <a:schemeClr val="tx1"/>
+                    </a:solidFill>
+                    <a:latin typeface="Cambria" panose="02040503050406030204" pitchFamily="18" charset="0"/>
+                  </a:endParaRPr>
+                </a:p>
+              </p:txBody>
+            </p:sp>
+          </mc:Choice>
+          <mc:Fallback xmlns="">
+            <p:sp>
+              <p:nvSpPr>
+                <p:cNvPr id="4" name="TextBox 3"/>
+                <p:cNvSpPr txBox="1">
+                  <a:spLocks noRot="1" noChangeAspect="1" noMove="1" noResize="1" noEditPoints="1" noAdjustHandles="1" noChangeArrowheads="1" noChangeShapeType="1" noTextEdit="1"/>
+                </p:cNvSpPr>
+                <p:nvPr/>
+              </p:nvSpPr>
+              <p:spPr>
+                <a:xfrm>
+                  <a:off x="4624840" y="4761926"/>
+                  <a:ext cx="875532" cy="400110"/>
+                </a:xfrm>
+                <a:prstGeom prst="rect">
+                  <a:avLst/>
+                </a:prstGeom>
+                <a:blipFill rotWithShape="0">
+                  <a:blip r:embed="rId4"/>
+                  <a:stretch>
+                    <a:fillRect b="-18462"/>
+                  </a:stretch>
+                </a:blipFill>
+              </p:spPr>
+              <p:txBody>
+                <a:bodyPr/>
+                <a:lstStyle/>
+                <a:p>
+                  <a:r>
+                    <a:rPr lang="en-US">
+                      <a:noFill/>
+                    </a:rPr>
+                    <a:t> </a:t>
+                  </a:r>
+                </a:p>
+              </p:txBody>
+            </p:sp>
+          </mc:Fallback>
+        </mc:AlternateContent>
+      </p:grpSp>
+      <p:cxnSp>
+        <p:nvCxnSpPr>
+          <p:cNvPr id="25" name="Straight Connector 24"/>
+          <p:cNvCxnSpPr/>
+          <p:nvPr/>
+        </p:nvCxnSpPr>
+        <p:spPr bwMode="auto">
+          <a:xfrm>
+            <a:off x="2817035" y="2002412"/>
+            <a:ext cx="539750" cy="6350"/>
+          </a:xfrm>
+          <a:prstGeom prst="line">
+            <a:avLst/>
+          </a:prstGeom>
+          <a:solidFill>
+            <a:srgbClr val="00B8FF"/>
+          </a:solidFill>
+          <a:ln w="25400" cap="flat" cmpd="sng" algn="ctr">
+            <a:solidFill>
+              <a:srgbClr val="FF0000"/>
+            </a:solidFill>
+            <a:prstDash val="solid"/>
+            <a:round/>
+            <a:headEnd type="none" w="med" len="med"/>
+            <a:tailEnd type="none" w="med" len="med"/>
+          </a:ln>
+          <a:effectLst/>
+        </p:spPr>
+      </p:cxnSp>
+      <p:cxnSp>
+        <p:nvCxnSpPr>
+          <p:cNvPr id="26" name="Straight Connector 25"/>
+          <p:cNvCxnSpPr/>
+          <p:nvPr/>
+        </p:nvCxnSpPr>
+        <p:spPr bwMode="auto">
+          <a:xfrm>
+            <a:off x="4610486" y="2003031"/>
+            <a:ext cx="539750" cy="6350"/>
+          </a:xfrm>
+          <a:prstGeom prst="line">
+            <a:avLst/>
+          </a:prstGeom>
+          <a:solidFill>
+            <a:srgbClr val="00B8FF"/>
+          </a:solidFill>
+          <a:ln w="25400" cap="flat" cmpd="sng" algn="ctr">
+            <a:solidFill>
+              <a:srgbClr val="0404BC"/>
+            </a:solidFill>
+            <a:prstDash val="solid"/>
+            <a:round/>
+            <a:headEnd type="none" w="med" len="med"/>
+            <a:tailEnd type="none" w="med" len="med"/>
+          </a:ln>
+          <a:effectLst/>
+        </p:spPr>
+      </p:cxnSp>
+      <p:sp>
+        <p:nvSpPr>
+          <p:cNvPr id="27" name="TextBox 26"/>
+          <p:cNvSpPr txBox="1"/>
+          <p:nvPr/>
+        </p:nvSpPr>
+        <p:spPr>
+          <a:xfrm>
+            <a:off x="5090429" y="1826652"/>
+            <a:ext cx="965443" cy="307777"/>
+          </a:xfrm>
+          <a:prstGeom prst="rect">
+            <a:avLst/>
+          </a:prstGeom>
+          <a:noFill/>
+        </p:spPr>
+        <p:txBody>
+          <a:bodyPr wrap="square" rtlCol="0">
+            <a:spAutoFit/>
+          </a:bodyPr>
+          <a:lstStyle/>
+          <a:p>
+            <a:r>
+              <a:rPr lang="en-US" sz="1400" dirty="0" smtClean="0">
+                <a:solidFill>
+                  <a:schemeClr val="tx1"/>
+                </a:solidFill>
+              </a:rPr>
+              <a:t>spin up</a:t>
+            </a:r>
+            <a:endParaRPr lang="en-US" sz="1400" dirty="0">
+              <a:solidFill>
+                <a:schemeClr val="tx1"/>
+              </a:solidFill>
+            </a:endParaRPr>
+          </a:p>
+        </p:txBody>
+      </p:sp>
+      <p:sp>
+        <p:nvSpPr>
+          <p:cNvPr id="28" name="TextBox 27"/>
+          <p:cNvSpPr txBox="1"/>
+          <p:nvPr/>
+        </p:nvSpPr>
+        <p:spPr>
+          <a:xfrm>
+            <a:off x="3311338" y="1842213"/>
+            <a:ext cx="1132205" cy="307777"/>
+          </a:xfrm>
+          <a:prstGeom prst="rect">
+            <a:avLst/>
+          </a:prstGeom>
+          <a:noFill/>
+        </p:spPr>
+        <p:txBody>
+          <a:bodyPr wrap="square" rtlCol="0">
+            <a:spAutoFit/>
+          </a:bodyPr>
+          <a:lstStyle/>
+          <a:p>
+            <a:r>
+              <a:rPr lang="en-US" sz="1400" dirty="0" smtClean="0">
+                <a:solidFill>
+                  <a:schemeClr val="tx1"/>
+                </a:solidFill>
+              </a:rPr>
+              <a:t>spin down</a:t>
+            </a:r>
+            <a:endParaRPr lang="en-US" sz="1400" dirty="0">
+              <a:solidFill>
+                <a:schemeClr val="tx1"/>
+              </a:solidFill>
+            </a:endParaRPr>
+          </a:p>
+        </p:txBody>
+      </p:sp>
+    </p:spTree>
+    <p:extLst>
+      <p:ext uri="{BB962C8B-B14F-4D97-AF65-F5344CB8AC3E}">
+        <p14:creationId xmlns:p14="http://schemas.microsoft.com/office/powerpoint/2010/main" val="2843493538"/>
+      </p:ext>
+    </p:extLst>
+  </p:cSld>
+  <p:clrMapOvr>
+    <a:masterClrMapping/>
+  </p:clrMapOvr>
+</p:sld>
+</file>
+
+<file path=ppt/slides/slide11.xml><?xml version="1.0" encoding="utf-8"?>
+<p:sld xmlns:a="http://schemas.openxmlformats.org/drawingml/2006/main" xmlns:r="http://schemas.openxmlformats.org/officeDocument/2006/relationships" xmlns:p="http://schemas.openxmlformats.org/presentationml/2006/main">
+  <p:cSld>
+    <p:spTree>
+      <p:nvGrpSpPr>
+        <p:cNvPr id="1" name=""/>
+        <p:cNvGrpSpPr/>
+        <p:nvPr/>
+      </p:nvGrpSpPr>
+      <p:grpSpPr>
+        <a:xfrm>
+          <a:off x="0" y="0"/>
+          <a:ext cx="0" cy="0"/>
+          <a:chOff x="0" y="0"/>
+          <a:chExt cx="0" cy="0"/>
+        </a:xfrm>
+      </p:grpSpPr>
+      <p:sp>
+        <p:nvSpPr>
+          <p:cNvPr id="2" name="Rectangle 6"/>
+          <p:cNvSpPr>
+            <a:spLocks noChangeArrowheads="1"/>
+          </p:cNvSpPr>
+          <p:nvPr/>
+        </p:nvSpPr>
+        <p:spPr bwMode="auto">
+          <a:xfrm>
+            <a:off x="2288109" y="1742904"/>
+            <a:ext cx="3889587" cy="3886200"/>
+          </a:xfrm>
+          <a:prstGeom prst="rect">
+            <a:avLst/>
+          </a:prstGeom>
+          <a:noFill/>
+          <a:ln w="9360">
+            <a:solidFill>
+              <a:srgbClr val="000000"/>
+            </a:solidFill>
+            <a:miter lim="800000"/>
+            <a:headEnd/>
+            <a:tailEnd/>
+          </a:ln>
+          <a:extLst>
+            <a:ext uri="{909E8E84-426E-40DD-AFC4-6F175D3DCCD1}">
+              <a14:hiddenFill xmlns:a14="http://schemas.microsoft.com/office/drawing/2010/main">
+                <a:solidFill>
+                  <a:srgbClr val="FFFFFF"/>
+                </a:solidFill>
+              </a14:hiddenFill>
+            </a:ext>
+          </a:extLst>
+        </p:spPr>
+        <p:txBody>
+          <a:bodyPr wrap="none" anchor="ctr"/>
+          <a:lstStyle/>
+          <a:p>
+            <a:pPr eaLnBrk="1" hangingPunct="1">
+              <a:buClr>
+                <a:srgbClr val="000000"/>
+              </a:buClr>
+              <a:buSzPct val="100000"/>
+              <a:buFont typeface="Times New Roman" panose="02020603050405020304" pitchFamily="18" charset="0"/>
+              <a:buNone/>
+            </a:pPr>
+            <a:endParaRPr lang="en-US" altLang="en-US"/>
+          </a:p>
+        </p:txBody>
+      </p:sp>
+      <p:pic>
+        <p:nvPicPr>
+          <p:cNvPr id="3" name="Picture 2"/>
+          <p:cNvPicPr>
+            <a:picLocks noChangeAspect="1"/>
+          </p:cNvPicPr>
+          <p:nvPr/>
+        </p:nvPicPr>
+        <p:blipFill>
+          <a:blip r:embed="rId2">
+            <a:extLst>
+              <a:ext uri="{28A0092B-C50C-407E-A947-70E740481C1C}">
+                <a14:useLocalDpi xmlns:a14="http://schemas.microsoft.com/office/drawing/2010/main" val="0"/>
+              </a:ext>
+            </a:extLst>
+          </a:blip>
+          <a:stretch>
+            <a:fillRect/>
+          </a:stretch>
+        </p:blipFill>
+        <p:spPr>
+          <a:xfrm>
+            <a:off x="2407722" y="2286699"/>
+            <a:ext cx="3650358" cy="2798607"/>
+          </a:xfrm>
+          <a:prstGeom prst="rect">
+            <a:avLst/>
+          </a:prstGeom>
+        </p:spPr>
+      </p:pic>
+      <mc:AlternateContent xmlns:mc="http://schemas.openxmlformats.org/markup-compatibility/2006" xmlns:a14="http://schemas.microsoft.com/office/drawing/2010/main">
+        <mc:Choice Requires="a14">
+          <p:sp>
+            <p:nvSpPr>
+              <p:cNvPr id="13" name="TextBox 12"/>
+              <p:cNvSpPr txBox="1"/>
+              <p:nvPr/>
+            </p:nvSpPr>
+            <p:spPr>
+              <a:xfrm rot="5400000">
+                <a:off x="3887937" y="2676305"/>
+                <a:ext cx="1207412" cy="400110"/>
+              </a:xfrm>
+              <a:prstGeom prst="rect">
+                <a:avLst/>
+              </a:prstGeom>
+              <a:noFill/>
+            </p:spPr>
+            <p:txBody>
+              <a:bodyPr wrap="square" rtlCol="0">
+                <a:spAutoFit/>
+              </a:bodyPr>
+              <a:lstStyle/>
+              <a:p>
+                <a:pPr/>
+                <a14:m>
+                  <m:oMathPara xmlns:m="http://schemas.openxmlformats.org/officeDocument/2006/math">
+                    <m:oMathParaPr>
+                      <m:jc m:val="centerGroup"/>
+                    </m:oMathParaPr>
+                    <m:oMath xmlns:m="http://schemas.openxmlformats.org/officeDocument/2006/math">
+                      <m:r>
+                        <a:rPr lang="en-US" sz="2000" b="0" i="1" smtClean="0">
+                          <a:solidFill>
+                            <a:schemeClr val="tx1"/>
+                          </a:solidFill>
+                          <a:latin typeface="Cambria Math" panose="02040503050406030204" pitchFamily="18" charset="0"/>
+                        </a:rPr>
+                        <m:t>𝜌</m:t>
+                      </m:r>
+                      <m:r>
+                        <a:rPr lang="en-US" sz="2000" b="0" i="1" smtClean="0">
+                          <a:solidFill>
+                            <a:schemeClr val="tx1"/>
+                          </a:solidFill>
+                          <a:latin typeface="Cambria Math" panose="02040503050406030204" pitchFamily="18" charset="0"/>
+                        </a:rPr>
+                        <m:t>(</m:t>
+                      </m:r>
+                      <m:r>
+                        <a:rPr lang="en-US" sz="2000" b="0" i="1" smtClean="0">
+                          <a:solidFill>
+                            <a:schemeClr val="tx1"/>
+                          </a:solidFill>
+                          <a:latin typeface="Cambria Math" panose="02040503050406030204" pitchFamily="18" charset="0"/>
+                        </a:rPr>
+                        <m:t>𝜔</m:t>
+                      </m:r>
+                      <m:r>
+                        <a:rPr lang="en-US" sz="2000" b="0" i="1" smtClean="0">
+                          <a:solidFill>
+                            <a:schemeClr val="tx1"/>
+                          </a:solidFill>
+                          <a:latin typeface="Cambria Math" panose="02040503050406030204" pitchFamily="18" charset="0"/>
+                        </a:rPr>
+                        <m:t>)/</m:t>
+                      </m:r>
+                      <m:sSub>
+                        <m:sSubPr>
+                          <m:ctrlPr>
+                            <a:rPr lang="en-US" sz="2000" b="0" i="1" smtClean="0">
+                              <a:solidFill>
+                                <a:schemeClr val="tx1"/>
+                              </a:solidFill>
+                              <a:latin typeface="Cambria Math" panose="02040503050406030204" pitchFamily="18" charset="0"/>
+                            </a:rPr>
+                          </m:ctrlPr>
+                        </m:sSubPr>
+                        <m:e>
+                          <m:r>
+                            <a:rPr lang="en-US" sz="2000" b="0" i="1" smtClean="0">
+                              <a:solidFill>
+                                <a:schemeClr val="tx1"/>
+                              </a:solidFill>
+                              <a:latin typeface="Cambria Math" panose="02040503050406030204" pitchFamily="18" charset="0"/>
+                            </a:rPr>
+                            <m:t>𝜌</m:t>
+                          </m:r>
+                        </m:e>
+                        <m:sub>
+                          <m:r>
+                            <a:rPr lang="en-US" sz="2000" b="0" i="1" smtClean="0">
+                              <a:solidFill>
+                                <a:schemeClr val="tx1"/>
+                              </a:solidFill>
+                              <a:latin typeface="Cambria Math" panose="02040503050406030204" pitchFamily="18" charset="0"/>
+                            </a:rPr>
+                            <m:t>0</m:t>
+                          </m:r>
+                        </m:sub>
+                      </m:sSub>
+                    </m:oMath>
+                  </m:oMathPara>
+                </a14:m>
+                <a:endParaRPr lang="en-US" sz="2000" dirty="0">
+                  <a:solidFill>
+                    <a:schemeClr val="tx1"/>
+                  </a:solidFill>
+                  <a:latin typeface="Cambria" panose="02040503050406030204" pitchFamily="18" charset="0"/>
+                </a:endParaRPr>
+              </a:p>
+            </p:txBody>
+          </p:sp>
+        </mc:Choice>
+        <mc:Fallback xmlns="">
+          <p:sp>
+            <p:nvSpPr>
+              <p:cNvPr id="13" name="TextBox 12"/>
+              <p:cNvSpPr txBox="1">
+                <a:spLocks noRot="1" noChangeAspect="1" noMove="1" noResize="1" noEditPoints="1" noAdjustHandles="1" noChangeArrowheads="1" noChangeShapeType="1" noTextEdit="1"/>
+              </p:cNvSpPr>
+              <p:nvPr/>
+            </p:nvSpPr>
+            <p:spPr>
+              <a:xfrm rot="5400000">
+                <a:off x="3887937" y="2676305"/>
+                <a:ext cx="1207412" cy="400110"/>
+              </a:xfrm>
+              <a:prstGeom prst="rect">
+                <a:avLst/>
+              </a:prstGeom>
+              <a:blipFill rotWithShape="0">
+                <a:blip r:embed="rId3"/>
+                <a:stretch>
+                  <a:fillRect l="-18182"/>
+                </a:stretch>
+              </a:blipFill>
+            </p:spPr>
+            <p:txBody>
+              <a:bodyPr/>
+              <a:lstStyle/>
+              <a:p>
+                <a:r>
+                  <a:rPr lang="en-US">
+                    <a:noFill/>
+                  </a:rPr>
+                  <a:t> </a:t>
+                </a:r>
+              </a:p>
+            </p:txBody>
+          </p:sp>
+        </mc:Fallback>
+      </mc:AlternateContent>
+      <p:grpSp>
+        <p:nvGrpSpPr>
+          <p:cNvPr id="15" name="Group 14"/>
+          <p:cNvGrpSpPr/>
+          <p:nvPr/>
+        </p:nvGrpSpPr>
+        <p:grpSpPr>
+          <a:xfrm>
+            <a:off x="3750485" y="4807582"/>
+            <a:ext cx="1098550" cy="400110"/>
+            <a:chOff x="4580189" y="4761926"/>
+            <a:chExt cx="1098550" cy="400110"/>
+          </a:xfrm>
+        </p:grpSpPr>
+        <p:sp>
+          <p:nvSpPr>
+            <p:cNvPr id="14" name="Rectangle 13"/>
+            <p:cNvSpPr/>
+            <p:nvPr/>
+          </p:nvSpPr>
+          <p:spPr bwMode="auto">
+            <a:xfrm>
+              <a:off x="4580189" y="4864099"/>
+              <a:ext cx="1098550" cy="293051"/>
+            </a:xfrm>
+            <a:prstGeom prst="rect">
+              <a:avLst/>
+            </a:prstGeom>
+            <a:solidFill>
+              <a:schemeClr val="bg1"/>
+            </a:solidFill>
+            <a:ln w="9525" cap="flat" cmpd="sng" algn="ctr">
+              <a:solidFill>
+                <a:schemeClr val="bg1"/>
+              </a:solidFill>
+              <a:prstDash val="solid"/>
+              <a:round/>
+              <a:headEnd type="none" w="med" len="med"/>
+              <a:tailEnd type="none" w="med" len="med"/>
+            </a:ln>
+            <a:effectLst/>
+          </p:spPr>
+          <p:txBody>
+            <a:bodyPr vert="horz" wrap="square" lIns="91440" tIns="45720" rIns="91440" bIns="45720" numCol="1" rtlCol="0" anchor="t" anchorCtr="0" compatLnSpc="1">
+              <a:prstTxWarp prst="textNoShape">
+                <a:avLst/>
+              </a:prstTxWarp>
+            </a:bodyPr>
+            <a:lstStyle/>
+            <a:p>
+              <a:pPr marL="0" marR="0" indent="0" algn="l" defTabSz="457200" rtl="0" eaLnBrk="1" fontAlgn="base" latinLnBrk="0" hangingPunct="1">
+                <a:lnSpc>
+                  <a:spcPct val="100000"/>
+                </a:lnSpc>
+                <a:spcBef>
+                  <a:spcPct val="0"/>
+                </a:spcBef>
+                <a:spcAft>
+                  <a:spcPct val="0"/>
+                </a:spcAft>
+                <a:buClr>
+                  <a:srgbClr val="000000"/>
+                </a:buClr>
+                <a:buSzPct val="100000"/>
+                <a:buFont typeface="Times New Roman" pitchFamily="16" charset="0"/>
+                <a:buNone/>
+                <a:tabLst/>
+              </a:pPr>
+              <a:endParaRPr kumimoji="0" lang="en-US" sz="1800" b="0" i="0" u="none" strike="noStrike" cap="none" normalizeH="0" baseline="0" smtClean="0">
+                <a:ln>
+                  <a:noFill/>
+                </a:ln>
+                <a:solidFill>
+                  <a:schemeClr val="bg1"/>
+                </a:solidFill>
+                <a:effectLst/>
+                <a:latin typeface="Arial" charset="0"/>
+              </a:endParaRPr>
+            </a:p>
+          </p:txBody>
+        </p:sp>
+        <mc:AlternateContent xmlns:mc="http://schemas.openxmlformats.org/markup-compatibility/2006" xmlns:a14="http://schemas.microsoft.com/office/drawing/2010/main">
+          <mc:Choice Requires="a14">
+            <p:sp>
+              <p:nvSpPr>
+                <p:cNvPr id="4" name="TextBox 3"/>
+                <p:cNvSpPr txBox="1"/>
+                <p:nvPr/>
+              </p:nvSpPr>
+              <p:spPr>
+                <a:xfrm>
+                  <a:off x="4624840" y="4761926"/>
+                  <a:ext cx="875532" cy="400110"/>
+                </a:xfrm>
+                <a:prstGeom prst="rect">
+                  <a:avLst/>
+                </a:prstGeom>
+                <a:noFill/>
+              </p:spPr>
+              <p:txBody>
+                <a:bodyPr wrap="square" rtlCol="0">
+                  <a:spAutoFit/>
+                </a:bodyPr>
+                <a:lstStyle/>
+                <a:p>
+                  <a:pPr/>
+                  <a14:m>
+                    <m:oMathPara xmlns:m="http://schemas.openxmlformats.org/officeDocument/2006/math">
+                      <m:oMathParaPr>
+                        <m:jc m:val="centerGroup"/>
+                      </m:oMathParaPr>
+                      <m:oMath xmlns:m="http://schemas.openxmlformats.org/officeDocument/2006/math">
+                        <m:r>
+                          <a:rPr lang="en-US" sz="2000" b="0" i="1" smtClean="0">
+                            <a:solidFill>
+                              <a:schemeClr val="tx1"/>
+                            </a:solidFill>
+                            <a:latin typeface="Cambria Math" panose="02040503050406030204" pitchFamily="18" charset="0"/>
+                          </a:rPr>
+                          <m:t>𝜔</m:t>
+                        </m:r>
+                        <m:r>
+                          <a:rPr lang="en-US" sz="2000" b="0" i="1" smtClean="0">
+                            <a:solidFill>
+                              <a:schemeClr val="tx1"/>
+                            </a:solidFill>
+                            <a:latin typeface="Cambria Math" panose="02040503050406030204" pitchFamily="18" charset="0"/>
+                          </a:rPr>
+                          <m:t>/</m:t>
+                        </m:r>
+                        <m:r>
+                          <m:rPr>
+                            <m:sty m:val="p"/>
+                          </m:rPr>
+                          <a:rPr lang="en-US" sz="2000" b="0" i="0" smtClean="0">
+                            <a:solidFill>
+                              <a:schemeClr val="tx1"/>
+                            </a:solidFill>
+                            <a:latin typeface="Cambria Math" panose="02040503050406030204" pitchFamily="18" charset="0"/>
+                          </a:rPr>
+                          <m:t>Δ</m:t>
+                        </m:r>
+                      </m:oMath>
+                    </m:oMathPara>
+                  </a14:m>
+                  <a:endParaRPr lang="en-US" sz="2000" dirty="0">
+                    <a:solidFill>
+                      <a:schemeClr val="tx1"/>
+                    </a:solidFill>
+                    <a:latin typeface="Cambria" panose="02040503050406030204" pitchFamily="18" charset="0"/>
+                  </a:endParaRPr>
+                </a:p>
+              </p:txBody>
+            </p:sp>
+          </mc:Choice>
+          <mc:Fallback xmlns="">
+            <p:sp>
+              <p:nvSpPr>
+                <p:cNvPr id="4" name="TextBox 3"/>
+                <p:cNvSpPr txBox="1">
+                  <a:spLocks noRot="1" noChangeAspect="1" noMove="1" noResize="1" noEditPoints="1" noAdjustHandles="1" noChangeArrowheads="1" noChangeShapeType="1" noTextEdit="1"/>
+                </p:cNvSpPr>
+                <p:nvPr/>
+              </p:nvSpPr>
+              <p:spPr>
+                <a:xfrm>
+                  <a:off x="4624840" y="4761926"/>
+                  <a:ext cx="875532" cy="400110"/>
+                </a:xfrm>
+                <a:prstGeom prst="rect">
+                  <a:avLst/>
+                </a:prstGeom>
+                <a:blipFill rotWithShape="0">
+                  <a:blip r:embed="rId4"/>
+                  <a:stretch>
+                    <a:fillRect b="-18462"/>
+                  </a:stretch>
+                </a:blipFill>
+              </p:spPr>
+              <p:txBody>
+                <a:bodyPr/>
+                <a:lstStyle/>
+                <a:p>
+                  <a:r>
+                    <a:rPr lang="en-US">
+                      <a:noFill/>
+                    </a:rPr>
+                    <a:t> </a:t>
+                  </a:r>
+                </a:p>
+              </p:txBody>
+            </p:sp>
+          </mc:Fallback>
+        </mc:AlternateContent>
+      </p:grpSp>
+      <p:cxnSp>
+        <p:nvCxnSpPr>
+          <p:cNvPr id="25" name="Straight Connector 24"/>
+          <p:cNvCxnSpPr/>
+          <p:nvPr/>
+        </p:nvCxnSpPr>
+        <p:spPr bwMode="auto">
+          <a:xfrm>
+            <a:off x="2817035" y="2002412"/>
+            <a:ext cx="539750" cy="6350"/>
+          </a:xfrm>
+          <a:prstGeom prst="line">
+            <a:avLst/>
+          </a:prstGeom>
+          <a:solidFill>
+            <a:srgbClr val="00B8FF"/>
+          </a:solidFill>
+          <a:ln w="25400" cap="flat" cmpd="sng" algn="ctr">
+            <a:solidFill>
+              <a:srgbClr val="FF0000"/>
+            </a:solidFill>
+            <a:prstDash val="solid"/>
+            <a:round/>
+            <a:headEnd type="none" w="med" len="med"/>
+            <a:tailEnd type="none" w="med" len="med"/>
+          </a:ln>
+          <a:effectLst/>
+        </p:spPr>
+      </p:cxnSp>
+      <p:cxnSp>
+        <p:nvCxnSpPr>
+          <p:cNvPr id="26" name="Straight Connector 25"/>
+          <p:cNvCxnSpPr/>
+          <p:nvPr/>
+        </p:nvCxnSpPr>
+        <p:spPr bwMode="auto">
+          <a:xfrm>
+            <a:off x="4610486" y="2003031"/>
+            <a:ext cx="539750" cy="6350"/>
+          </a:xfrm>
+          <a:prstGeom prst="line">
+            <a:avLst/>
+          </a:prstGeom>
+          <a:solidFill>
+            <a:srgbClr val="00B8FF"/>
+          </a:solidFill>
+          <a:ln w="25400" cap="flat" cmpd="sng" algn="ctr">
+            <a:solidFill>
+              <a:srgbClr val="0404BC"/>
+            </a:solidFill>
+            <a:prstDash val="solid"/>
+            <a:round/>
+            <a:headEnd type="none" w="med" len="med"/>
+            <a:tailEnd type="none" w="med" len="med"/>
+          </a:ln>
+          <a:effectLst/>
+        </p:spPr>
+      </p:cxnSp>
+      <p:sp>
+        <p:nvSpPr>
+          <p:cNvPr id="27" name="TextBox 26"/>
+          <p:cNvSpPr txBox="1"/>
+          <p:nvPr/>
+        </p:nvSpPr>
+        <p:spPr>
+          <a:xfrm>
+            <a:off x="5090429" y="1826652"/>
+            <a:ext cx="965443" cy="307777"/>
+          </a:xfrm>
+          <a:prstGeom prst="rect">
+            <a:avLst/>
+          </a:prstGeom>
+          <a:noFill/>
+        </p:spPr>
+        <p:txBody>
+          <a:bodyPr wrap="square" rtlCol="0">
+            <a:spAutoFit/>
+          </a:bodyPr>
+          <a:lstStyle/>
+          <a:p>
+            <a:r>
+              <a:rPr lang="en-US" sz="1400" dirty="0" smtClean="0">
+                <a:solidFill>
+                  <a:schemeClr val="tx1"/>
+                </a:solidFill>
+              </a:rPr>
+              <a:t>spin up</a:t>
+            </a:r>
+            <a:endParaRPr lang="en-US" sz="1400" dirty="0">
+              <a:solidFill>
+                <a:schemeClr val="tx1"/>
+              </a:solidFill>
+            </a:endParaRPr>
+          </a:p>
+        </p:txBody>
+      </p:sp>
+      <p:sp>
+        <p:nvSpPr>
+          <p:cNvPr id="28" name="TextBox 27"/>
+          <p:cNvSpPr txBox="1"/>
+          <p:nvPr/>
+        </p:nvSpPr>
+        <p:spPr>
+          <a:xfrm>
+            <a:off x="3311338" y="1842213"/>
+            <a:ext cx="1132205" cy="307777"/>
+          </a:xfrm>
+          <a:prstGeom prst="rect">
+            <a:avLst/>
+          </a:prstGeom>
+          <a:noFill/>
+        </p:spPr>
+        <p:txBody>
+          <a:bodyPr wrap="square" rtlCol="0">
+            <a:spAutoFit/>
+          </a:bodyPr>
+          <a:lstStyle/>
+          <a:p>
+            <a:r>
+              <a:rPr lang="en-US" sz="1400" dirty="0" smtClean="0">
+                <a:solidFill>
+                  <a:schemeClr val="tx1"/>
+                </a:solidFill>
+              </a:rPr>
+              <a:t>spin down</a:t>
+            </a:r>
+            <a:endParaRPr lang="en-US" sz="1400" dirty="0">
+              <a:solidFill>
+                <a:schemeClr val="tx1"/>
+              </a:solidFill>
+            </a:endParaRPr>
+          </a:p>
+        </p:txBody>
+      </p:sp>
+    </p:spTree>
+    <p:extLst>
+      <p:ext uri="{BB962C8B-B14F-4D97-AF65-F5344CB8AC3E}">
+        <p14:creationId xmlns:p14="http://schemas.microsoft.com/office/powerpoint/2010/main" val="3132049333"/>
       </p:ext>
     </p:extLst>
   </p:cSld>
@@ -7960,6 +9148,367 @@
         </p:nvSpPr>
         <p:spPr bwMode="auto">
           <a:xfrm>
+            <a:off x="2125133" y="1742904"/>
+            <a:ext cx="4052563" cy="3886200"/>
+          </a:xfrm>
+          <a:prstGeom prst="rect">
+            <a:avLst/>
+          </a:prstGeom>
+          <a:noFill/>
+          <a:ln w="9360">
+            <a:solidFill>
+              <a:srgbClr val="000000"/>
+            </a:solidFill>
+            <a:miter lim="800000"/>
+            <a:headEnd/>
+            <a:tailEnd/>
+          </a:ln>
+          <a:extLst>
+            <a:ext uri="{909E8E84-426E-40DD-AFC4-6F175D3DCCD1}">
+              <a14:hiddenFill xmlns:a14="http://schemas.microsoft.com/office/drawing/2010/main">
+                <a:solidFill>
+                  <a:srgbClr val="FFFFFF"/>
+                </a:solidFill>
+              </a14:hiddenFill>
+            </a:ext>
+          </a:extLst>
+        </p:spPr>
+        <p:txBody>
+          <a:bodyPr wrap="none" anchor="ctr"/>
+          <a:lstStyle/>
+          <a:p>
+            <a:pPr eaLnBrk="1" hangingPunct="1">
+              <a:buClr>
+                <a:srgbClr val="000000"/>
+              </a:buClr>
+              <a:buSzPct val="100000"/>
+              <a:buFont typeface="Times New Roman" panose="02020603050405020304" pitchFamily="18" charset="0"/>
+              <a:buNone/>
+            </a:pPr>
+            <a:endParaRPr lang="en-US" altLang="en-US"/>
+          </a:p>
+        </p:txBody>
+      </p:sp>
+      <p:pic>
+        <p:nvPicPr>
+          <p:cNvPr id="3" name="図 3"/>
+          <p:cNvPicPr>
+            <a:picLocks noChangeAspect="1"/>
+          </p:cNvPicPr>
+          <p:nvPr/>
+        </p:nvPicPr>
+        <p:blipFill>
+          <a:blip r:embed="rId2">
+            <a:clrChange>
+              <a:clrFrom>
+                <a:srgbClr val="FFFFFF"/>
+              </a:clrFrom>
+              <a:clrTo>
+                <a:srgbClr val="FFFFFF">
+                  <a:alpha val="0"/>
+                </a:srgbClr>
+              </a:clrTo>
+            </a:clrChange>
+          </a:blip>
+          <a:stretch>
+            <a:fillRect/>
+          </a:stretch>
+        </p:blipFill>
+        <p:spPr>
+          <a:xfrm>
+            <a:off x="2061633" y="2288117"/>
+            <a:ext cx="4147659" cy="2910416"/>
+          </a:xfrm>
+          <a:prstGeom prst="rect">
+            <a:avLst/>
+          </a:prstGeom>
+        </p:spPr>
+      </p:pic>
+      <p:cxnSp>
+        <p:nvCxnSpPr>
+          <p:cNvPr id="5" name="Straight Connector 4"/>
+          <p:cNvCxnSpPr/>
+          <p:nvPr/>
+        </p:nvCxnSpPr>
+        <p:spPr bwMode="auto">
+          <a:xfrm>
+            <a:off x="2817035" y="2002412"/>
+            <a:ext cx="539750" cy="6350"/>
+          </a:xfrm>
+          <a:prstGeom prst="line">
+            <a:avLst/>
+          </a:prstGeom>
+          <a:solidFill>
+            <a:srgbClr val="00B8FF"/>
+          </a:solidFill>
+          <a:ln w="25400" cap="flat" cmpd="sng" algn="ctr">
+            <a:solidFill>
+              <a:srgbClr val="FF0000"/>
+            </a:solidFill>
+            <a:prstDash val="solid"/>
+            <a:round/>
+            <a:headEnd type="none" w="med" len="med"/>
+            <a:tailEnd type="none" w="med" len="med"/>
+          </a:ln>
+          <a:effectLst/>
+        </p:spPr>
+      </p:cxnSp>
+      <p:cxnSp>
+        <p:nvCxnSpPr>
+          <p:cNvPr id="6" name="Straight Connector 5"/>
+          <p:cNvCxnSpPr/>
+          <p:nvPr/>
+        </p:nvCxnSpPr>
+        <p:spPr bwMode="auto">
+          <a:xfrm>
+            <a:off x="4610486" y="2003031"/>
+            <a:ext cx="539750" cy="6350"/>
+          </a:xfrm>
+          <a:prstGeom prst="line">
+            <a:avLst/>
+          </a:prstGeom>
+          <a:solidFill>
+            <a:srgbClr val="00B8FF"/>
+          </a:solidFill>
+          <a:ln w="25400" cap="flat" cmpd="sng" algn="ctr">
+            <a:solidFill>
+              <a:srgbClr val="0404BC"/>
+            </a:solidFill>
+            <a:prstDash val="solid"/>
+            <a:round/>
+            <a:headEnd type="none" w="med" len="med"/>
+            <a:tailEnd type="none" w="med" len="med"/>
+          </a:ln>
+          <a:effectLst/>
+        </p:spPr>
+      </p:cxnSp>
+      <p:sp>
+        <p:nvSpPr>
+          <p:cNvPr id="7" name="TextBox 6"/>
+          <p:cNvSpPr txBox="1"/>
+          <p:nvPr/>
+        </p:nvSpPr>
+        <p:spPr>
+          <a:xfrm>
+            <a:off x="5090429" y="1826652"/>
+            <a:ext cx="965443" cy="307777"/>
+          </a:xfrm>
+          <a:prstGeom prst="rect">
+            <a:avLst/>
+          </a:prstGeom>
+          <a:noFill/>
+        </p:spPr>
+        <p:txBody>
+          <a:bodyPr wrap="square" rtlCol="0">
+            <a:spAutoFit/>
+          </a:bodyPr>
+          <a:lstStyle/>
+          <a:p>
+            <a:r>
+              <a:rPr lang="en-US" sz="1400" dirty="0" smtClean="0">
+                <a:solidFill>
+                  <a:schemeClr val="tx1"/>
+                </a:solidFill>
+              </a:rPr>
+              <a:t>spin up</a:t>
+            </a:r>
+            <a:endParaRPr lang="en-US" sz="1400" dirty="0">
+              <a:solidFill>
+                <a:schemeClr val="tx1"/>
+              </a:solidFill>
+            </a:endParaRPr>
+          </a:p>
+        </p:txBody>
+      </p:sp>
+      <p:sp>
+        <p:nvSpPr>
+          <p:cNvPr id="8" name="TextBox 7"/>
+          <p:cNvSpPr txBox="1"/>
+          <p:nvPr/>
+        </p:nvSpPr>
+        <p:spPr>
+          <a:xfrm>
+            <a:off x="3311338" y="1842213"/>
+            <a:ext cx="1132205" cy="307777"/>
+          </a:xfrm>
+          <a:prstGeom prst="rect">
+            <a:avLst/>
+          </a:prstGeom>
+          <a:noFill/>
+        </p:spPr>
+        <p:txBody>
+          <a:bodyPr wrap="square" rtlCol="0">
+            <a:spAutoFit/>
+          </a:bodyPr>
+          <a:lstStyle/>
+          <a:p>
+            <a:r>
+              <a:rPr lang="en-US" sz="1400" dirty="0" smtClean="0">
+                <a:solidFill>
+                  <a:schemeClr val="tx1"/>
+                </a:solidFill>
+              </a:rPr>
+              <a:t>spin down</a:t>
+            </a:r>
+            <a:endParaRPr lang="en-US" sz="1400" dirty="0">
+              <a:solidFill>
+                <a:schemeClr val="tx1"/>
+              </a:solidFill>
+            </a:endParaRPr>
+          </a:p>
+        </p:txBody>
+      </p:sp>
+    </p:spTree>
+    <p:extLst>
+      <p:ext uri="{BB962C8B-B14F-4D97-AF65-F5344CB8AC3E}">
+        <p14:creationId xmlns:p14="http://schemas.microsoft.com/office/powerpoint/2010/main" val="2925826274"/>
+      </p:ext>
+    </p:extLst>
+  </p:cSld>
+  <p:clrMapOvr>
+    <a:masterClrMapping/>
+  </p:clrMapOvr>
+</p:sld>
+</file>
+
+<file path=ppt/slides/slide8.xml><?xml version="1.0" encoding="utf-8"?>
+<p:sld xmlns:a="http://schemas.openxmlformats.org/drawingml/2006/main" xmlns:r="http://schemas.openxmlformats.org/officeDocument/2006/relationships" xmlns:p="http://schemas.openxmlformats.org/presentationml/2006/main">
+  <p:cSld>
+    <p:spTree>
+      <p:nvGrpSpPr>
+        <p:cNvPr id="1" name=""/>
+        <p:cNvGrpSpPr/>
+        <p:nvPr/>
+      </p:nvGrpSpPr>
+      <p:grpSpPr>
+        <a:xfrm>
+          <a:off x="0" y="0"/>
+          <a:ext cx="0" cy="0"/>
+          <a:chOff x="0" y="0"/>
+          <a:chExt cx="0" cy="0"/>
+        </a:xfrm>
+      </p:grpSpPr>
+      <p:pic>
+        <p:nvPicPr>
+          <p:cNvPr id="3" name="図 3"/>
+          <p:cNvPicPr>
+            <a:picLocks noChangeAspect="1"/>
+          </p:cNvPicPr>
+          <p:nvPr/>
+        </p:nvPicPr>
+        <p:blipFill>
+          <a:blip r:embed="rId2">
+            <a:extLst>
+              <a:ext uri="{28A0092B-C50C-407E-A947-70E740481C1C}">
+                <a14:useLocalDpi xmlns:a14="http://schemas.microsoft.com/office/drawing/2010/main" val="0"/>
+              </a:ext>
+            </a:extLst>
+          </a:blip>
+          <a:stretch>
+            <a:fillRect/>
+          </a:stretch>
+        </p:blipFill>
+        <p:spPr>
+          <a:xfrm>
+            <a:off x="2082800" y="2235200"/>
+            <a:ext cx="4094896" cy="2921000"/>
+          </a:xfrm>
+          <a:prstGeom prst="rect">
+            <a:avLst/>
+          </a:prstGeom>
+        </p:spPr>
+      </p:pic>
+      <p:sp>
+        <p:nvSpPr>
+          <p:cNvPr id="4" name="Rectangle 6"/>
+          <p:cNvSpPr>
+            <a:spLocks noChangeArrowheads="1"/>
+          </p:cNvSpPr>
+          <p:nvPr/>
+        </p:nvSpPr>
+        <p:spPr bwMode="auto">
+          <a:xfrm>
+            <a:off x="2125133" y="1742904"/>
+            <a:ext cx="4052563" cy="3886200"/>
+          </a:xfrm>
+          <a:prstGeom prst="rect">
+            <a:avLst/>
+          </a:prstGeom>
+          <a:noFill/>
+          <a:ln w="9360">
+            <a:solidFill>
+              <a:srgbClr val="000000"/>
+            </a:solidFill>
+            <a:miter lim="800000"/>
+            <a:headEnd/>
+            <a:tailEnd/>
+          </a:ln>
+          <a:extLst>
+            <a:ext uri="{909E8E84-426E-40DD-AFC4-6F175D3DCCD1}">
+              <a14:hiddenFill xmlns:a14="http://schemas.microsoft.com/office/drawing/2010/main">
+                <a:solidFill>
+                  <a:srgbClr val="FFFFFF"/>
+                </a:solidFill>
+              </a14:hiddenFill>
+            </a:ext>
+          </a:extLst>
+        </p:spPr>
+        <p:txBody>
+          <a:bodyPr wrap="none" anchor="ctr"/>
+          <a:lstStyle/>
+          <a:p>
+            <a:pPr eaLnBrk="1" hangingPunct="1">
+              <a:buClr>
+                <a:srgbClr val="000000"/>
+              </a:buClr>
+              <a:buSzPct val="100000"/>
+              <a:buFont typeface="Times New Roman" panose="02020603050405020304" pitchFamily="18" charset="0"/>
+              <a:buNone/>
+            </a:pPr>
+            <a:endParaRPr lang="en-US" altLang="en-US"/>
+          </a:p>
+        </p:txBody>
+      </p:sp>
+    </p:spTree>
+    <p:extLst>
+      <p:ext uri="{BB962C8B-B14F-4D97-AF65-F5344CB8AC3E}">
+        <p14:creationId xmlns:p14="http://schemas.microsoft.com/office/powerpoint/2010/main" val="2484508998"/>
+      </p:ext>
+    </p:extLst>
+  </p:cSld>
+  <p:clrMapOvr>
+    <a:masterClrMapping/>
+  </p:clrMapOvr>
+</p:sld>
+</file>
+
+<file path=ppt/slides/slide9.xml><?xml version="1.0" encoding="utf-8"?>
+<p:sld xmlns:a="http://schemas.openxmlformats.org/drawingml/2006/main" xmlns:r="http://schemas.openxmlformats.org/officeDocument/2006/relationships" xmlns:p="http://schemas.openxmlformats.org/presentationml/2006/main">
+  <p:cSld>
+    <p:spTree>
+      <p:nvGrpSpPr>
+        <p:cNvPr id="1" name=""/>
+        <p:cNvGrpSpPr/>
+        <p:nvPr/>
+      </p:nvGrpSpPr>
+      <p:grpSpPr>
+        <a:xfrm>
+          <a:off x="0" y="0"/>
+          <a:ext cx="0" cy="0"/>
+          <a:chOff x="0" y="0"/>
+          <a:chExt cx="0" cy="0"/>
+        </a:xfrm>
+      </p:grpSpPr>
+      <p:sp>
+        <p:nvSpPr>
+          <p:cNvPr id="2" name="Rectangle 6"/>
+          <p:cNvSpPr>
+            <a:spLocks noChangeArrowheads="1"/>
+          </p:cNvSpPr>
+          <p:nvPr/>
+        </p:nvSpPr>
+        <p:spPr bwMode="auto">
+          <a:xfrm>
             <a:off x="2288109" y="1742904"/>
             <a:ext cx="3889587" cy="3886200"/>
           </a:xfrm>
@@ -8517,1192 +10066,6 @@
     <p:extLst>
       <p:ext uri="{BB962C8B-B14F-4D97-AF65-F5344CB8AC3E}">
         <p14:creationId xmlns:p14="http://schemas.microsoft.com/office/powerpoint/2010/main" val="1308596537"/>
-      </p:ext>
-    </p:extLst>
-  </p:cSld>
-  <p:clrMapOvr>
-    <a:masterClrMapping/>
-  </p:clrMapOvr>
-</p:sld>
-</file>
-
-<file path=ppt/slides/slide8.xml><?xml version="1.0" encoding="utf-8"?>
-<p:sld xmlns:a="http://schemas.openxmlformats.org/drawingml/2006/main" xmlns:r="http://schemas.openxmlformats.org/officeDocument/2006/relationships" xmlns:p="http://schemas.openxmlformats.org/presentationml/2006/main">
-  <p:cSld>
-    <p:spTree>
-      <p:nvGrpSpPr>
-        <p:cNvPr id="1" name=""/>
-        <p:cNvGrpSpPr/>
-        <p:nvPr/>
-      </p:nvGrpSpPr>
-      <p:grpSpPr>
-        <a:xfrm>
-          <a:off x="0" y="0"/>
-          <a:ext cx="0" cy="0"/>
-          <a:chOff x="0" y="0"/>
-          <a:chExt cx="0" cy="0"/>
-        </a:xfrm>
-      </p:grpSpPr>
-      <p:sp>
-        <p:nvSpPr>
-          <p:cNvPr id="2" name="Rectangle 6"/>
-          <p:cNvSpPr>
-            <a:spLocks noChangeArrowheads="1"/>
-          </p:cNvSpPr>
-          <p:nvPr/>
-        </p:nvSpPr>
-        <p:spPr bwMode="auto">
-          <a:xfrm>
-            <a:off x="2288109" y="1742904"/>
-            <a:ext cx="3889587" cy="3886200"/>
-          </a:xfrm>
-          <a:prstGeom prst="rect">
-            <a:avLst/>
-          </a:prstGeom>
-          <a:noFill/>
-          <a:ln w="9360">
-            <a:solidFill>
-              <a:srgbClr val="000000"/>
-            </a:solidFill>
-            <a:miter lim="800000"/>
-            <a:headEnd/>
-            <a:tailEnd/>
-          </a:ln>
-          <a:extLst>
-            <a:ext uri="{909E8E84-426E-40DD-AFC4-6F175D3DCCD1}">
-              <a14:hiddenFill xmlns:a14="http://schemas.microsoft.com/office/drawing/2010/main">
-                <a:solidFill>
-                  <a:srgbClr val="FFFFFF"/>
-                </a:solidFill>
-              </a14:hiddenFill>
-            </a:ext>
-          </a:extLst>
-        </p:spPr>
-        <p:txBody>
-          <a:bodyPr wrap="none" anchor="ctr"/>
-          <a:lstStyle/>
-          <a:p>
-            <a:pPr eaLnBrk="1" hangingPunct="1">
-              <a:buClr>
-                <a:srgbClr val="000000"/>
-              </a:buClr>
-              <a:buSzPct val="100000"/>
-              <a:buFont typeface="Times New Roman" panose="02020603050405020304" pitchFamily="18" charset="0"/>
-              <a:buNone/>
-            </a:pPr>
-            <a:endParaRPr lang="en-US" altLang="en-US"/>
-          </a:p>
-        </p:txBody>
-      </p:sp>
-      <p:pic>
-        <p:nvPicPr>
-          <p:cNvPr id="3" name="Picture 2"/>
-          <p:cNvPicPr>
-            <a:picLocks noChangeAspect="1"/>
-          </p:cNvPicPr>
-          <p:nvPr/>
-        </p:nvPicPr>
-        <p:blipFill>
-          <a:blip r:embed="rId2">
-            <a:extLst>
-              <a:ext uri="{28A0092B-C50C-407E-A947-70E740481C1C}">
-                <a14:useLocalDpi xmlns:a14="http://schemas.microsoft.com/office/drawing/2010/main" val="0"/>
-              </a:ext>
-            </a:extLst>
-          </a:blip>
-          <a:stretch>
-            <a:fillRect/>
-          </a:stretch>
-        </p:blipFill>
-        <p:spPr>
-          <a:xfrm>
-            <a:off x="2407722" y="2286699"/>
-            <a:ext cx="3650358" cy="2798608"/>
-          </a:xfrm>
-          <a:prstGeom prst="rect">
-            <a:avLst/>
-          </a:prstGeom>
-        </p:spPr>
-      </p:pic>
-      <mc:AlternateContent xmlns:mc="http://schemas.openxmlformats.org/markup-compatibility/2006" xmlns:a14="http://schemas.microsoft.com/office/drawing/2010/main">
-        <mc:Choice Requires="a14">
-          <p:sp>
-            <p:nvSpPr>
-              <p:cNvPr id="13" name="TextBox 12"/>
-              <p:cNvSpPr txBox="1"/>
-              <p:nvPr/>
-            </p:nvSpPr>
-            <p:spPr>
-              <a:xfrm rot="5400000">
-                <a:off x="3887937" y="2676305"/>
-                <a:ext cx="1207412" cy="400110"/>
-              </a:xfrm>
-              <a:prstGeom prst="rect">
-                <a:avLst/>
-              </a:prstGeom>
-              <a:noFill/>
-            </p:spPr>
-            <p:txBody>
-              <a:bodyPr wrap="square" rtlCol="0">
-                <a:spAutoFit/>
-              </a:bodyPr>
-              <a:lstStyle/>
-              <a:p>
-                <a:pPr/>
-                <a14:m>
-                  <m:oMathPara xmlns:m="http://schemas.openxmlformats.org/officeDocument/2006/math">
-                    <m:oMathParaPr>
-                      <m:jc m:val="centerGroup"/>
-                    </m:oMathParaPr>
-                    <m:oMath xmlns:m="http://schemas.openxmlformats.org/officeDocument/2006/math">
-                      <m:r>
-                        <a:rPr lang="en-US" sz="2000" b="0" i="1" smtClean="0">
-                          <a:solidFill>
-                            <a:schemeClr val="tx1"/>
-                          </a:solidFill>
-                          <a:latin typeface="Cambria Math" panose="02040503050406030204" pitchFamily="18" charset="0"/>
-                        </a:rPr>
-                        <m:t>𝜌</m:t>
-                      </m:r>
-                      <m:r>
-                        <a:rPr lang="en-US" sz="2000" b="0" i="1" smtClean="0">
-                          <a:solidFill>
-                            <a:schemeClr val="tx1"/>
-                          </a:solidFill>
-                          <a:latin typeface="Cambria Math" panose="02040503050406030204" pitchFamily="18" charset="0"/>
-                        </a:rPr>
-                        <m:t>(</m:t>
-                      </m:r>
-                      <m:r>
-                        <a:rPr lang="en-US" sz="2000" b="0" i="1" smtClean="0">
-                          <a:solidFill>
-                            <a:schemeClr val="tx1"/>
-                          </a:solidFill>
-                          <a:latin typeface="Cambria Math" panose="02040503050406030204" pitchFamily="18" charset="0"/>
-                        </a:rPr>
-                        <m:t>𝜔</m:t>
-                      </m:r>
-                      <m:r>
-                        <a:rPr lang="en-US" sz="2000" b="0" i="1" smtClean="0">
-                          <a:solidFill>
-                            <a:schemeClr val="tx1"/>
-                          </a:solidFill>
-                          <a:latin typeface="Cambria Math" panose="02040503050406030204" pitchFamily="18" charset="0"/>
-                        </a:rPr>
-                        <m:t>)/</m:t>
-                      </m:r>
-                      <m:sSub>
-                        <m:sSubPr>
-                          <m:ctrlPr>
-                            <a:rPr lang="en-US" sz="2000" b="0" i="1" smtClean="0">
-                              <a:solidFill>
-                                <a:schemeClr val="tx1"/>
-                              </a:solidFill>
-                              <a:latin typeface="Cambria Math" panose="02040503050406030204" pitchFamily="18" charset="0"/>
-                            </a:rPr>
-                          </m:ctrlPr>
-                        </m:sSubPr>
-                        <m:e>
-                          <m:r>
-                            <a:rPr lang="en-US" sz="2000" b="0" i="1" smtClean="0">
-                              <a:solidFill>
-                                <a:schemeClr val="tx1"/>
-                              </a:solidFill>
-                              <a:latin typeface="Cambria Math" panose="02040503050406030204" pitchFamily="18" charset="0"/>
-                            </a:rPr>
-                            <m:t>𝜌</m:t>
-                          </m:r>
-                        </m:e>
-                        <m:sub>
-                          <m:r>
-                            <a:rPr lang="en-US" sz="2000" b="0" i="1" smtClean="0">
-                              <a:solidFill>
-                                <a:schemeClr val="tx1"/>
-                              </a:solidFill>
-                              <a:latin typeface="Cambria Math" panose="02040503050406030204" pitchFamily="18" charset="0"/>
-                            </a:rPr>
-                            <m:t>0</m:t>
-                          </m:r>
-                        </m:sub>
-                      </m:sSub>
-                    </m:oMath>
-                  </m:oMathPara>
-                </a14:m>
-                <a:endParaRPr lang="en-US" sz="2000" dirty="0">
-                  <a:solidFill>
-                    <a:schemeClr val="tx1"/>
-                  </a:solidFill>
-                  <a:latin typeface="Cambria" panose="02040503050406030204" pitchFamily="18" charset="0"/>
-                </a:endParaRPr>
-              </a:p>
-            </p:txBody>
-          </p:sp>
-        </mc:Choice>
-        <mc:Fallback xmlns="">
-          <p:sp>
-            <p:nvSpPr>
-              <p:cNvPr id="13" name="TextBox 12"/>
-              <p:cNvSpPr txBox="1">
-                <a:spLocks noRot="1" noChangeAspect="1" noMove="1" noResize="1" noEditPoints="1" noAdjustHandles="1" noChangeArrowheads="1" noChangeShapeType="1" noTextEdit="1"/>
-              </p:cNvSpPr>
-              <p:nvPr/>
-            </p:nvSpPr>
-            <p:spPr>
-              <a:xfrm rot="5400000">
-                <a:off x="3887937" y="2676305"/>
-                <a:ext cx="1207412" cy="400110"/>
-              </a:xfrm>
-              <a:prstGeom prst="rect">
-                <a:avLst/>
-              </a:prstGeom>
-              <a:blipFill rotWithShape="0">
-                <a:blip r:embed="rId3"/>
-                <a:stretch>
-                  <a:fillRect l="-18182"/>
-                </a:stretch>
-              </a:blipFill>
-            </p:spPr>
-            <p:txBody>
-              <a:bodyPr/>
-              <a:lstStyle/>
-              <a:p>
-                <a:r>
-                  <a:rPr lang="en-US">
-                    <a:noFill/>
-                  </a:rPr>
-                  <a:t> </a:t>
-                </a:r>
-              </a:p>
-            </p:txBody>
-          </p:sp>
-        </mc:Fallback>
-      </mc:AlternateContent>
-      <p:grpSp>
-        <p:nvGrpSpPr>
-          <p:cNvPr id="15" name="Group 14"/>
-          <p:cNvGrpSpPr/>
-          <p:nvPr/>
-        </p:nvGrpSpPr>
-        <p:grpSpPr>
-          <a:xfrm>
-            <a:off x="3750485" y="4807582"/>
-            <a:ext cx="1098550" cy="400110"/>
-            <a:chOff x="4580189" y="4761926"/>
-            <a:chExt cx="1098550" cy="400110"/>
-          </a:xfrm>
-        </p:grpSpPr>
-        <p:sp>
-          <p:nvSpPr>
-            <p:cNvPr id="14" name="Rectangle 13"/>
-            <p:cNvSpPr/>
-            <p:nvPr/>
-          </p:nvSpPr>
-          <p:spPr bwMode="auto">
-            <a:xfrm>
-              <a:off x="4580189" y="4864099"/>
-              <a:ext cx="1098550" cy="293051"/>
-            </a:xfrm>
-            <a:prstGeom prst="rect">
-              <a:avLst/>
-            </a:prstGeom>
-            <a:solidFill>
-              <a:schemeClr val="bg1"/>
-            </a:solidFill>
-            <a:ln w="9525" cap="flat" cmpd="sng" algn="ctr">
-              <a:solidFill>
-                <a:schemeClr val="bg1"/>
-              </a:solidFill>
-              <a:prstDash val="solid"/>
-              <a:round/>
-              <a:headEnd type="none" w="med" len="med"/>
-              <a:tailEnd type="none" w="med" len="med"/>
-            </a:ln>
-            <a:effectLst/>
-          </p:spPr>
-          <p:txBody>
-            <a:bodyPr vert="horz" wrap="square" lIns="91440" tIns="45720" rIns="91440" bIns="45720" numCol="1" rtlCol="0" anchor="t" anchorCtr="0" compatLnSpc="1">
-              <a:prstTxWarp prst="textNoShape">
-                <a:avLst/>
-              </a:prstTxWarp>
-            </a:bodyPr>
-            <a:lstStyle/>
-            <a:p>
-              <a:pPr marL="0" marR="0" indent="0" algn="l" defTabSz="457200" rtl="0" eaLnBrk="1" fontAlgn="base" latinLnBrk="0" hangingPunct="1">
-                <a:lnSpc>
-                  <a:spcPct val="100000"/>
-                </a:lnSpc>
-                <a:spcBef>
-                  <a:spcPct val="0"/>
-                </a:spcBef>
-                <a:spcAft>
-                  <a:spcPct val="0"/>
-                </a:spcAft>
-                <a:buClr>
-                  <a:srgbClr val="000000"/>
-                </a:buClr>
-                <a:buSzPct val="100000"/>
-                <a:buFont typeface="Times New Roman" pitchFamily="16" charset="0"/>
-                <a:buNone/>
-                <a:tabLst/>
-              </a:pPr>
-              <a:endParaRPr kumimoji="0" lang="en-US" sz="1800" b="0" i="0" u="none" strike="noStrike" cap="none" normalizeH="0" baseline="0" smtClean="0">
-                <a:ln>
-                  <a:noFill/>
-                </a:ln>
-                <a:solidFill>
-                  <a:schemeClr val="bg1"/>
-                </a:solidFill>
-                <a:effectLst/>
-                <a:latin typeface="Arial" charset="0"/>
-              </a:endParaRPr>
-            </a:p>
-          </p:txBody>
-        </p:sp>
-        <mc:AlternateContent xmlns:mc="http://schemas.openxmlformats.org/markup-compatibility/2006" xmlns:a14="http://schemas.microsoft.com/office/drawing/2010/main">
-          <mc:Choice Requires="a14">
-            <p:sp>
-              <p:nvSpPr>
-                <p:cNvPr id="4" name="TextBox 3"/>
-                <p:cNvSpPr txBox="1"/>
-                <p:nvPr/>
-              </p:nvSpPr>
-              <p:spPr>
-                <a:xfrm>
-                  <a:off x="4624840" y="4761926"/>
-                  <a:ext cx="875532" cy="400110"/>
-                </a:xfrm>
-                <a:prstGeom prst="rect">
-                  <a:avLst/>
-                </a:prstGeom>
-                <a:noFill/>
-              </p:spPr>
-              <p:txBody>
-                <a:bodyPr wrap="square" rtlCol="0">
-                  <a:spAutoFit/>
-                </a:bodyPr>
-                <a:lstStyle/>
-                <a:p>
-                  <a:pPr/>
-                  <a14:m>
-                    <m:oMathPara xmlns:m="http://schemas.openxmlformats.org/officeDocument/2006/math">
-                      <m:oMathParaPr>
-                        <m:jc m:val="centerGroup"/>
-                      </m:oMathParaPr>
-                      <m:oMath xmlns:m="http://schemas.openxmlformats.org/officeDocument/2006/math">
-                        <m:r>
-                          <a:rPr lang="en-US" sz="2000" b="0" i="1" smtClean="0">
-                            <a:solidFill>
-                              <a:schemeClr val="tx1"/>
-                            </a:solidFill>
-                            <a:latin typeface="Cambria Math" panose="02040503050406030204" pitchFamily="18" charset="0"/>
-                          </a:rPr>
-                          <m:t>𝜔</m:t>
-                        </m:r>
-                        <m:r>
-                          <a:rPr lang="en-US" sz="2000" b="0" i="1" smtClean="0">
-                            <a:solidFill>
-                              <a:schemeClr val="tx1"/>
-                            </a:solidFill>
-                            <a:latin typeface="Cambria Math" panose="02040503050406030204" pitchFamily="18" charset="0"/>
-                          </a:rPr>
-                          <m:t>/</m:t>
-                        </m:r>
-                        <m:r>
-                          <m:rPr>
-                            <m:sty m:val="p"/>
-                          </m:rPr>
-                          <a:rPr lang="en-US" sz="2000" b="0" i="0" smtClean="0">
-                            <a:solidFill>
-                              <a:schemeClr val="tx1"/>
-                            </a:solidFill>
-                            <a:latin typeface="Cambria Math" panose="02040503050406030204" pitchFamily="18" charset="0"/>
-                          </a:rPr>
-                          <m:t>Δ</m:t>
-                        </m:r>
-                      </m:oMath>
-                    </m:oMathPara>
-                  </a14:m>
-                  <a:endParaRPr lang="en-US" sz="2000" dirty="0">
-                    <a:solidFill>
-                      <a:schemeClr val="tx1"/>
-                    </a:solidFill>
-                    <a:latin typeface="Cambria" panose="02040503050406030204" pitchFamily="18" charset="0"/>
-                  </a:endParaRPr>
-                </a:p>
-              </p:txBody>
-            </p:sp>
-          </mc:Choice>
-          <mc:Fallback xmlns="">
-            <p:sp>
-              <p:nvSpPr>
-                <p:cNvPr id="4" name="TextBox 3"/>
-                <p:cNvSpPr txBox="1">
-                  <a:spLocks noRot="1" noChangeAspect="1" noMove="1" noResize="1" noEditPoints="1" noAdjustHandles="1" noChangeArrowheads="1" noChangeShapeType="1" noTextEdit="1"/>
-                </p:cNvSpPr>
-                <p:nvPr/>
-              </p:nvSpPr>
-              <p:spPr>
-                <a:xfrm>
-                  <a:off x="4624840" y="4761926"/>
-                  <a:ext cx="875532" cy="400110"/>
-                </a:xfrm>
-                <a:prstGeom prst="rect">
-                  <a:avLst/>
-                </a:prstGeom>
-                <a:blipFill rotWithShape="0">
-                  <a:blip r:embed="rId4"/>
-                  <a:stretch>
-                    <a:fillRect b="-18462"/>
-                  </a:stretch>
-                </a:blipFill>
-              </p:spPr>
-              <p:txBody>
-                <a:bodyPr/>
-                <a:lstStyle/>
-                <a:p>
-                  <a:r>
-                    <a:rPr lang="en-US">
-                      <a:noFill/>
-                    </a:rPr>
-                    <a:t> </a:t>
-                  </a:r>
-                </a:p>
-              </p:txBody>
-            </p:sp>
-          </mc:Fallback>
-        </mc:AlternateContent>
-      </p:grpSp>
-      <p:cxnSp>
-        <p:nvCxnSpPr>
-          <p:cNvPr id="25" name="Straight Connector 24"/>
-          <p:cNvCxnSpPr/>
-          <p:nvPr/>
-        </p:nvCxnSpPr>
-        <p:spPr bwMode="auto">
-          <a:xfrm>
-            <a:off x="2817035" y="2002412"/>
-            <a:ext cx="539750" cy="6350"/>
-          </a:xfrm>
-          <a:prstGeom prst="line">
-            <a:avLst/>
-          </a:prstGeom>
-          <a:solidFill>
-            <a:srgbClr val="00B8FF"/>
-          </a:solidFill>
-          <a:ln w="25400" cap="flat" cmpd="sng" algn="ctr">
-            <a:solidFill>
-              <a:srgbClr val="FF0000"/>
-            </a:solidFill>
-            <a:prstDash val="solid"/>
-            <a:round/>
-            <a:headEnd type="none" w="med" len="med"/>
-            <a:tailEnd type="none" w="med" len="med"/>
-          </a:ln>
-          <a:effectLst/>
-        </p:spPr>
-      </p:cxnSp>
-      <p:cxnSp>
-        <p:nvCxnSpPr>
-          <p:cNvPr id="26" name="Straight Connector 25"/>
-          <p:cNvCxnSpPr/>
-          <p:nvPr/>
-        </p:nvCxnSpPr>
-        <p:spPr bwMode="auto">
-          <a:xfrm>
-            <a:off x="4610486" y="2003031"/>
-            <a:ext cx="539750" cy="6350"/>
-          </a:xfrm>
-          <a:prstGeom prst="line">
-            <a:avLst/>
-          </a:prstGeom>
-          <a:solidFill>
-            <a:srgbClr val="00B8FF"/>
-          </a:solidFill>
-          <a:ln w="25400" cap="flat" cmpd="sng" algn="ctr">
-            <a:solidFill>
-              <a:srgbClr val="0404BC"/>
-            </a:solidFill>
-            <a:prstDash val="solid"/>
-            <a:round/>
-            <a:headEnd type="none" w="med" len="med"/>
-            <a:tailEnd type="none" w="med" len="med"/>
-          </a:ln>
-          <a:effectLst/>
-        </p:spPr>
-      </p:cxnSp>
-      <p:sp>
-        <p:nvSpPr>
-          <p:cNvPr id="27" name="TextBox 26"/>
-          <p:cNvSpPr txBox="1"/>
-          <p:nvPr/>
-        </p:nvSpPr>
-        <p:spPr>
-          <a:xfrm>
-            <a:off x="5090429" y="1826652"/>
-            <a:ext cx="965443" cy="307777"/>
-          </a:xfrm>
-          <a:prstGeom prst="rect">
-            <a:avLst/>
-          </a:prstGeom>
-          <a:noFill/>
-        </p:spPr>
-        <p:txBody>
-          <a:bodyPr wrap="square" rtlCol="0">
-            <a:spAutoFit/>
-          </a:bodyPr>
-          <a:lstStyle/>
-          <a:p>
-            <a:r>
-              <a:rPr lang="en-US" sz="1400" dirty="0" smtClean="0">
-                <a:solidFill>
-                  <a:schemeClr val="tx1"/>
-                </a:solidFill>
-              </a:rPr>
-              <a:t>spin up</a:t>
-            </a:r>
-            <a:endParaRPr lang="en-US" sz="1400" dirty="0">
-              <a:solidFill>
-                <a:schemeClr val="tx1"/>
-              </a:solidFill>
-            </a:endParaRPr>
-          </a:p>
-        </p:txBody>
-      </p:sp>
-      <p:sp>
-        <p:nvSpPr>
-          <p:cNvPr id="28" name="TextBox 27"/>
-          <p:cNvSpPr txBox="1"/>
-          <p:nvPr/>
-        </p:nvSpPr>
-        <p:spPr>
-          <a:xfrm>
-            <a:off x="3311338" y="1842213"/>
-            <a:ext cx="1132205" cy="307777"/>
-          </a:xfrm>
-          <a:prstGeom prst="rect">
-            <a:avLst/>
-          </a:prstGeom>
-          <a:noFill/>
-        </p:spPr>
-        <p:txBody>
-          <a:bodyPr wrap="square" rtlCol="0">
-            <a:spAutoFit/>
-          </a:bodyPr>
-          <a:lstStyle/>
-          <a:p>
-            <a:r>
-              <a:rPr lang="en-US" sz="1400" dirty="0" smtClean="0">
-                <a:solidFill>
-                  <a:schemeClr val="tx1"/>
-                </a:solidFill>
-              </a:rPr>
-              <a:t>spin down</a:t>
-            </a:r>
-            <a:endParaRPr lang="en-US" sz="1400" dirty="0">
-              <a:solidFill>
-                <a:schemeClr val="tx1"/>
-              </a:solidFill>
-            </a:endParaRPr>
-          </a:p>
-        </p:txBody>
-      </p:sp>
-    </p:spTree>
-    <p:extLst>
-      <p:ext uri="{BB962C8B-B14F-4D97-AF65-F5344CB8AC3E}">
-        <p14:creationId xmlns:p14="http://schemas.microsoft.com/office/powerpoint/2010/main" val="2843493538"/>
-      </p:ext>
-    </p:extLst>
-  </p:cSld>
-  <p:clrMapOvr>
-    <a:masterClrMapping/>
-  </p:clrMapOvr>
-</p:sld>
-</file>
-
-<file path=ppt/slides/slide9.xml><?xml version="1.0" encoding="utf-8"?>
-<p:sld xmlns:a="http://schemas.openxmlformats.org/drawingml/2006/main" xmlns:r="http://schemas.openxmlformats.org/officeDocument/2006/relationships" xmlns:p="http://schemas.openxmlformats.org/presentationml/2006/main">
-  <p:cSld>
-    <p:spTree>
-      <p:nvGrpSpPr>
-        <p:cNvPr id="1" name=""/>
-        <p:cNvGrpSpPr/>
-        <p:nvPr/>
-      </p:nvGrpSpPr>
-      <p:grpSpPr>
-        <a:xfrm>
-          <a:off x="0" y="0"/>
-          <a:ext cx="0" cy="0"/>
-          <a:chOff x="0" y="0"/>
-          <a:chExt cx="0" cy="0"/>
-        </a:xfrm>
-      </p:grpSpPr>
-      <p:sp>
-        <p:nvSpPr>
-          <p:cNvPr id="2" name="Rectangle 6"/>
-          <p:cNvSpPr>
-            <a:spLocks noChangeArrowheads="1"/>
-          </p:cNvSpPr>
-          <p:nvPr/>
-        </p:nvSpPr>
-        <p:spPr bwMode="auto">
-          <a:xfrm>
-            <a:off x="2288109" y="1742904"/>
-            <a:ext cx="3889587" cy="3886200"/>
-          </a:xfrm>
-          <a:prstGeom prst="rect">
-            <a:avLst/>
-          </a:prstGeom>
-          <a:noFill/>
-          <a:ln w="9360">
-            <a:solidFill>
-              <a:srgbClr val="000000"/>
-            </a:solidFill>
-            <a:miter lim="800000"/>
-            <a:headEnd/>
-            <a:tailEnd/>
-          </a:ln>
-          <a:extLst>
-            <a:ext uri="{909E8E84-426E-40DD-AFC4-6F175D3DCCD1}">
-              <a14:hiddenFill xmlns:a14="http://schemas.microsoft.com/office/drawing/2010/main">
-                <a:solidFill>
-                  <a:srgbClr val="FFFFFF"/>
-                </a:solidFill>
-              </a14:hiddenFill>
-            </a:ext>
-          </a:extLst>
-        </p:spPr>
-        <p:txBody>
-          <a:bodyPr wrap="none" anchor="ctr"/>
-          <a:lstStyle/>
-          <a:p>
-            <a:pPr eaLnBrk="1" hangingPunct="1">
-              <a:buClr>
-                <a:srgbClr val="000000"/>
-              </a:buClr>
-              <a:buSzPct val="100000"/>
-              <a:buFont typeface="Times New Roman" panose="02020603050405020304" pitchFamily="18" charset="0"/>
-              <a:buNone/>
-            </a:pPr>
-            <a:endParaRPr lang="en-US" altLang="en-US"/>
-          </a:p>
-        </p:txBody>
-      </p:sp>
-      <p:pic>
-        <p:nvPicPr>
-          <p:cNvPr id="3" name="Picture 2"/>
-          <p:cNvPicPr>
-            <a:picLocks noChangeAspect="1"/>
-          </p:cNvPicPr>
-          <p:nvPr/>
-        </p:nvPicPr>
-        <p:blipFill>
-          <a:blip r:embed="rId2">
-            <a:extLst>
-              <a:ext uri="{28A0092B-C50C-407E-A947-70E740481C1C}">
-                <a14:useLocalDpi xmlns:a14="http://schemas.microsoft.com/office/drawing/2010/main" val="0"/>
-              </a:ext>
-            </a:extLst>
-          </a:blip>
-          <a:stretch>
-            <a:fillRect/>
-          </a:stretch>
-        </p:blipFill>
-        <p:spPr>
-          <a:xfrm>
-            <a:off x="2407722" y="2286699"/>
-            <a:ext cx="3650358" cy="2798607"/>
-          </a:xfrm>
-          <a:prstGeom prst="rect">
-            <a:avLst/>
-          </a:prstGeom>
-        </p:spPr>
-      </p:pic>
-      <mc:AlternateContent xmlns:mc="http://schemas.openxmlformats.org/markup-compatibility/2006" xmlns:a14="http://schemas.microsoft.com/office/drawing/2010/main">
-        <mc:Choice Requires="a14">
-          <p:sp>
-            <p:nvSpPr>
-              <p:cNvPr id="13" name="TextBox 12"/>
-              <p:cNvSpPr txBox="1"/>
-              <p:nvPr/>
-            </p:nvSpPr>
-            <p:spPr>
-              <a:xfrm rot="5400000">
-                <a:off x="3887937" y="2676305"/>
-                <a:ext cx="1207412" cy="400110"/>
-              </a:xfrm>
-              <a:prstGeom prst="rect">
-                <a:avLst/>
-              </a:prstGeom>
-              <a:noFill/>
-            </p:spPr>
-            <p:txBody>
-              <a:bodyPr wrap="square" rtlCol="0">
-                <a:spAutoFit/>
-              </a:bodyPr>
-              <a:lstStyle/>
-              <a:p>
-                <a:pPr/>
-                <a14:m>
-                  <m:oMathPara xmlns:m="http://schemas.openxmlformats.org/officeDocument/2006/math">
-                    <m:oMathParaPr>
-                      <m:jc m:val="centerGroup"/>
-                    </m:oMathParaPr>
-                    <m:oMath xmlns:m="http://schemas.openxmlformats.org/officeDocument/2006/math">
-                      <m:r>
-                        <a:rPr lang="en-US" sz="2000" b="0" i="1" smtClean="0">
-                          <a:solidFill>
-                            <a:schemeClr val="tx1"/>
-                          </a:solidFill>
-                          <a:latin typeface="Cambria Math" panose="02040503050406030204" pitchFamily="18" charset="0"/>
-                        </a:rPr>
-                        <m:t>𝜌</m:t>
-                      </m:r>
-                      <m:r>
-                        <a:rPr lang="en-US" sz="2000" b="0" i="1" smtClean="0">
-                          <a:solidFill>
-                            <a:schemeClr val="tx1"/>
-                          </a:solidFill>
-                          <a:latin typeface="Cambria Math" panose="02040503050406030204" pitchFamily="18" charset="0"/>
-                        </a:rPr>
-                        <m:t>(</m:t>
-                      </m:r>
-                      <m:r>
-                        <a:rPr lang="en-US" sz="2000" b="0" i="1" smtClean="0">
-                          <a:solidFill>
-                            <a:schemeClr val="tx1"/>
-                          </a:solidFill>
-                          <a:latin typeface="Cambria Math" panose="02040503050406030204" pitchFamily="18" charset="0"/>
-                        </a:rPr>
-                        <m:t>𝜔</m:t>
-                      </m:r>
-                      <m:r>
-                        <a:rPr lang="en-US" sz="2000" b="0" i="1" smtClean="0">
-                          <a:solidFill>
-                            <a:schemeClr val="tx1"/>
-                          </a:solidFill>
-                          <a:latin typeface="Cambria Math" panose="02040503050406030204" pitchFamily="18" charset="0"/>
-                        </a:rPr>
-                        <m:t>)/</m:t>
-                      </m:r>
-                      <m:sSub>
-                        <m:sSubPr>
-                          <m:ctrlPr>
-                            <a:rPr lang="en-US" sz="2000" b="0" i="1" smtClean="0">
-                              <a:solidFill>
-                                <a:schemeClr val="tx1"/>
-                              </a:solidFill>
-                              <a:latin typeface="Cambria Math" panose="02040503050406030204" pitchFamily="18" charset="0"/>
-                            </a:rPr>
-                          </m:ctrlPr>
-                        </m:sSubPr>
-                        <m:e>
-                          <m:r>
-                            <a:rPr lang="en-US" sz="2000" b="0" i="1" smtClean="0">
-                              <a:solidFill>
-                                <a:schemeClr val="tx1"/>
-                              </a:solidFill>
-                              <a:latin typeface="Cambria Math" panose="02040503050406030204" pitchFamily="18" charset="0"/>
-                            </a:rPr>
-                            <m:t>𝜌</m:t>
-                          </m:r>
-                        </m:e>
-                        <m:sub>
-                          <m:r>
-                            <a:rPr lang="en-US" sz="2000" b="0" i="1" smtClean="0">
-                              <a:solidFill>
-                                <a:schemeClr val="tx1"/>
-                              </a:solidFill>
-                              <a:latin typeface="Cambria Math" panose="02040503050406030204" pitchFamily="18" charset="0"/>
-                            </a:rPr>
-                            <m:t>0</m:t>
-                          </m:r>
-                        </m:sub>
-                      </m:sSub>
-                    </m:oMath>
-                  </m:oMathPara>
-                </a14:m>
-                <a:endParaRPr lang="en-US" sz="2000" dirty="0">
-                  <a:solidFill>
-                    <a:schemeClr val="tx1"/>
-                  </a:solidFill>
-                  <a:latin typeface="Cambria" panose="02040503050406030204" pitchFamily="18" charset="0"/>
-                </a:endParaRPr>
-              </a:p>
-            </p:txBody>
-          </p:sp>
-        </mc:Choice>
-        <mc:Fallback xmlns="">
-          <p:sp>
-            <p:nvSpPr>
-              <p:cNvPr id="13" name="TextBox 12"/>
-              <p:cNvSpPr txBox="1">
-                <a:spLocks noRot="1" noChangeAspect="1" noMove="1" noResize="1" noEditPoints="1" noAdjustHandles="1" noChangeArrowheads="1" noChangeShapeType="1" noTextEdit="1"/>
-              </p:cNvSpPr>
-              <p:nvPr/>
-            </p:nvSpPr>
-            <p:spPr>
-              <a:xfrm rot="5400000">
-                <a:off x="3887937" y="2676305"/>
-                <a:ext cx="1207412" cy="400110"/>
-              </a:xfrm>
-              <a:prstGeom prst="rect">
-                <a:avLst/>
-              </a:prstGeom>
-              <a:blipFill rotWithShape="0">
-                <a:blip r:embed="rId3"/>
-                <a:stretch>
-                  <a:fillRect l="-18182"/>
-                </a:stretch>
-              </a:blipFill>
-            </p:spPr>
-            <p:txBody>
-              <a:bodyPr/>
-              <a:lstStyle/>
-              <a:p>
-                <a:r>
-                  <a:rPr lang="en-US">
-                    <a:noFill/>
-                  </a:rPr>
-                  <a:t> </a:t>
-                </a:r>
-              </a:p>
-            </p:txBody>
-          </p:sp>
-        </mc:Fallback>
-      </mc:AlternateContent>
-      <p:grpSp>
-        <p:nvGrpSpPr>
-          <p:cNvPr id="15" name="Group 14"/>
-          <p:cNvGrpSpPr/>
-          <p:nvPr/>
-        </p:nvGrpSpPr>
-        <p:grpSpPr>
-          <a:xfrm>
-            <a:off x="3750485" y="4807582"/>
-            <a:ext cx="1098550" cy="400110"/>
-            <a:chOff x="4580189" y="4761926"/>
-            <a:chExt cx="1098550" cy="400110"/>
-          </a:xfrm>
-        </p:grpSpPr>
-        <p:sp>
-          <p:nvSpPr>
-            <p:cNvPr id="14" name="Rectangle 13"/>
-            <p:cNvSpPr/>
-            <p:nvPr/>
-          </p:nvSpPr>
-          <p:spPr bwMode="auto">
-            <a:xfrm>
-              <a:off x="4580189" y="4864099"/>
-              <a:ext cx="1098550" cy="293051"/>
-            </a:xfrm>
-            <a:prstGeom prst="rect">
-              <a:avLst/>
-            </a:prstGeom>
-            <a:solidFill>
-              <a:schemeClr val="bg1"/>
-            </a:solidFill>
-            <a:ln w="9525" cap="flat" cmpd="sng" algn="ctr">
-              <a:solidFill>
-                <a:schemeClr val="bg1"/>
-              </a:solidFill>
-              <a:prstDash val="solid"/>
-              <a:round/>
-              <a:headEnd type="none" w="med" len="med"/>
-              <a:tailEnd type="none" w="med" len="med"/>
-            </a:ln>
-            <a:effectLst/>
-          </p:spPr>
-          <p:txBody>
-            <a:bodyPr vert="horz" wrap="square" lIns="91440" tIns="45720" rIns="91440" bIns="45720" numCol="1" rtlCol="0" anchor="t" anchorCtr="0" compatLnSpc="1">
-              <a:prstTxWarp prst="textNoShape">
-                <a:avLst/>
-              </a:prstTxWarp>
-            </a:bodyPr>
-            <a:lstStyle/>
-            <a:p>
-              <a:pPr marL="0" marR="0" indent="0" algn="l" defTabSz="457200" rtl="0" eaLnBrk="1" fontAlgn="base" latinLnBrk="0" hangingPunct="1">
-                <a:lnSpc>
-                  <a:spcPct val="100000"/>
-                </a:lnSpc>
-                <a:spcBef>
-                  <a:spcPct val="0"/>
-                </a:spcBef>
-                <a:spcAft>
-                  <a:spcPct val="0"/>
-                </a:spcAft>
-                <a:buClr>
-                  <a:srgbClr val="000000"/>
-                </a:buClr>
-                <a:buSzPct val="100000"/>
-                <a:buFont typeface="Times New Roman" pitchFamily="16" charset="0"/>
-                <a:buNone/>
-                <a:tabLst/>
-              </a:pPr>
-              <a:endParaRPr kumimoji="0" lang="en-US" sz="1800" b="0" i="0" u="none" strike="noStrike" cap="none" normalizeH="0" baseline="0" smtClean="0">
-                <a:ln>
-                  <a:noFill/>
-                </a:ln>
-                <a:solidFill>
-                  <a:schemeClr val="bg1"/>
-                </a:solidFill>
-                <a:effectLst/>
-                <a:latin typeface="Arial" charset="0"/>
-              </a:endParaRPr>
-            </a:p>
-          </p:txBody>
-        </p:sp>
-        <mc:AlternateContent xmlns:mc="http://schemas.openxmlformats.org/markup-compatibility/2006" xmlns:a14="http://schemas.microsoft.com/office/drawing/2010/main">
-          <mc:Choice Requires="a14">
-            <p:sp>
-              <p:nvSpPr>
-                <p:cNvPr id="4" name="TextBox 3"/>
-                <p:cNvSpPr txBox="1"/>
-                <p:nvPr/>
-              </p:nvSpPr>
-              <p:spPr>
-                <a:xfrm>
-                  <a:off x="4624840" y="4761926"/>
-                  <a:ext cx="875532" cy="400110"/>
-                </a:xfrm>
-                <a:prstGeom prst="rect">
-                  <a:avLst/>
-                </a:prstGeom>
-                <a:noFill/>
-              </p:spPr>
-              <p:txBody>
-                <a:bodyPr wrap="square" rtlCol="0">
-                  <a:spAutoFit/>
-                </a:bodyPr>
-                <a:lstStyle/>
-                <a:p>
-                  <a:pPr/>
-                  <a14:m>
-                    <m:oMathPara xmlns:m="http://schemas.openxmlformats.org/officeDocument/2006/math">
-                      <m:oMathParaPr>
-                        <m:jc m:val="centerGroup"/>
-                      </m:oMathParaPr>
-                      <m:oMath xmlns:m="http://schemas.openxmlformats.org/officeDocument/2006/math">
-                        <m:r>
-                          <a:rPr lang="en-US" sz="2000" b="0" i="1" smtClean="0">
-                            <a:solidFill>
-                              <a:schemeClr val="tx1"/>
-                            </a:solidFill>
-                            <a:latin typeface="Cambria Math" panose="02040503050406030204" pitchFamily="18" charset="0"/>
-                          </a:rPr>
-                          <m:t>𝜔</m:t>
-                        </m:r>
-                        <m:r>
-                          <a:rPr lang="en-US" sz="2000" b="0" i="1" smtClean="0">
-                            <a:solidFill>
-                              <a:schemeClr val="tx1"/>
-                            </a:solidFill>
-                            <a:latin typeface="Cambria Math" panose="02040503050406030204" pitchFamily="18" charset="0"/>
-                          </a:rPr>
-                          <m:t>/</m:t>
-                        </m:r>
-                        <m:r>
-                          <m:rPr>
-                            <m:sty m:val="p"/>
-                          </m:rPr>
-                          <a:rPr lang="en-US" sz="2000" b="0" i="0" smtClean="0">
-                            <a:solidFill>
-                              <a:schemeClr val="tx1"/>
-                            </a:solidFill>
-                            <a:latin typeface="Cambria Math" panose="02040503050406030204" pitchFamily="18" charset="0"/>
-                          </a:rPr>
-                          <m:t>Δ</m:t>
-                        </m:r>
-                      </m:oMath>
-                    </m:oMathPara>
-                  </a14:m>
-                  <a:endParaRPr lang="en-US" sz="2000" dirty="0">
-                    <a:solidFill>
-                      <a:schemeClr val="tx1"/>
-                    </a:solidFill>
-                    <a:latin typeface="Cambria" panose="02040503050406030204" pitchFamily="18" charset="0"/>
-                  </a:endParaRPr>
-                </a:p>
-              </p:txBody>
-            </p:sp>
-          </mc:Choice>
-          <mc:Fallback xmlns="">
-            <p:sp>
-              <p:nvSpPr>
-                <p:cNvPr id="4" name="TextBox 3"/>
-                <p:cNvSpPr txBox="1">
-                  <a:spLocks noRot="1" noChangeAspect="1" noMove="1" noResize="1" noEditPoints="1" noAdjustHandles="1" noChangeArrowheads="1" noChangeShapeType="1" noTextEdit="1"/>
-                </p:cNvSpPr>
-                <p:nvPr/>
-              </p:nvSpPr>
-              <p:spPr>
-                <a:xfrm>
-                  <a:off x="4624840" y="4761926"/>
-                  <a:ext cx="875532" cy="400110"/>
-                </a:xfrm>
-                <a:prstGeom prst="rect">
-                  <a:avLst/>
-                </a:prstGeom>
-                <a:blipFill rotWithShape="0">
-                  <a:blip r:embed="rId4"/>
-                  <a:stretch>
-                    <a:fillRect b="-18462"/>
-                  </a:stretch>
-                </a:blipFill>
-              </p:spPr>
-              <p:txBody>
-                <a:bodyPr/>
-                <a:lstStyle/>
-                <a:p>
-                  <a:r>
-                    <a:rPr lang="en-US">
-                      <a:noFill/>
-                    </a:rPr>
-                    <a:t> </a:t>
-                  </a:r>
-                </a:p>
-              </p:txBody>
-            </p:sp>
-          </mc:Fallback>
-        </mc:AlternateContent>
-      </p:grpSp>
-      <p:cxnSp>
-        <p:nvCxnSpPr>
-          <p:cNvPr id="25" name="Straight Connector 24"/>
-          <p:cNvCxnSpPr/>
-          <p:nvPr/>
-        </p:nvCxnSpPr>
-        <p:spPr bwMode="auto">
-          <a:xfrm>
-            <a:off x="2817035" y="2002412"/>
-            <a:ext cx="539750" cy="6350"/>
-          </a:xfrm>
-          <a:prstGeom prst="line">
-            <a:avLst/>
-          </a:prstGeom>
-          <a:solidFill>
-            <a:srgbClr val="00B8FF"/>
-          </a:solidFill>
-          <a:ln w="25400" cap="flat" cmpd="sng" algn="ctr">
-            <a:solidFill>
-              <a:srgbClr val="FF0000"/>
-            </a:solidFill>
-            <a:prstDash val="solid"/>
-            <a:round/>
-            <a:headEnd type="none" w="med" len="med"/>
-            <a:tailEnd type="none" w="med" len="med"/>
-          </a:ln>
-          <a:effectLst/>
-        </p:spPr>
-      </p:cxnSp>
-      <p:cxnSp>
-        <p:nvCxnSpPr>
-          <p:cNvPr id="26" name="Straight Connector 25"/>
-          <p:cNvCxnSpPr/>
-          <p:nvPr/>
-        </p:nvCxnSpPr>
-        <p:spPr bwMode="auto">
-          <a:xfrm>
-            <a:off x="4610486" y="2003031"/>
-            <a:ext cx="539750" cy="6350"/>
-          </a:xfrm>
-          <a:prstGeom prst="line">
-            <a:avLst/>
-          </a:prstGeom>
-          <a:solidFill>
-            <a:srgbClr val="00B8FF"/>
-          </a:solidFill>
-          <a:ln w="25400" cap="flat" cmpd="sng" algn="ctr">
-            <a:solidFill>
-              <a:srgbClr val="0404BC"/>
-            </a:solidFill>
-            <a:prstDash val="solid"/>
-            <a:round/>
-            <a:headEnd type="none" w="med" len="med"/>
-            <a:tailEnd type="none" w="med" len="med"/>
-          </a:ln>
-          <a:effectLst/>
-        </p:spPr>
-      </p:cxnSp>
-      <p:sp>
-        <p:nvSpPr>
-          <p:cNvPr id="27" name="TextBox 26"/>
-          <p:cNvSpPr txBox="1"/>
-          <p:nvPr/>
-        </p:nvSpPr>
-        <p:spPr>
-          <a:xfrm>
-            <a:off x="5090429" y="1826652"/>
-            <a:ext cx="965443" cy="307777"/>
-          </a:xfrm>
-          <a:prstGeom prst="rect">
-            <a:avLst/>
-          </a:prstGeom>
-          <a:noFill/>
-        </p:spPr>
-        <p:txBody>
-          <a:bodyPr wrap="square" rtlCol="0">
-            <a:spAutoFit/>
-          </a:bodyPr>
-          <a:lstStyle/>
-          <a:p>
-            <a:r>
-              <a:rPr lang="en-US" sz="1400" dirty="0" smtClean="0">
-                <a:solidFill>
-                  <a:schemeClr val="tx1"/>
-                </a:solidFill>
-              </a:rPr>
-              <a:t>spin up</a:t>
-            </a:r>
-            <a:endParaRPr lang="en-US" sz="1400" dirty="0">
-              <a:solidFill>
-                <a:schemeClr val="tx1"/>
-              </a:solidFill>
-            </a:endParaRPr>
-          </a:p>
-        </p:txBody>
-      </p:sp>
-      <p:sp>
-        <p:nvSpPr>
-          <p:cNvPr id="28" name="TextBox 27"/>
-          <p:cNvSpPr txBox="1"/>
-          <p:nvPr/>
-        </p:nvSpPr>
-        <p:spPr>
-          <a:xfrm>
-            <a:off x="3311338" y="1842213"/>
-            <a:ext cx="1132205" cy="307777"/>
-          </a:xfrm>
-          <a:prstGeom prst="rect">
-            <a:avLst/>
-          </a:prstGeom>
-          <a:noFill/>
-        </p:spPr>
-        <p:txBody>
-          <a:bodyPr wrap="square" rtlCol="0">
-            <a:spAutoFit/>
-          </a:bodyPr>
-          <a:lstStyle/>
-          <a:p>
-            <a:r>
-              <a:rPr lang="en-US" sz="1400" dirty="0" smtClean="0">
-                <a:solidFill>
-                  <a:schemeClr val="tx1"/>
-                </a:solidFill>
-              </a:rPr>
-              <a:t>spin down</a:t>
-            </a:r>
-            <a:endParaRPr lang="en-US" sz="1400" dirty="0">
-              <a:solidFill>
-                <a:schemeClr val="tx1"/>
-              </a:solidFill>
-            </a:endParaRPr>
-          </a:p>
-        </p:txBody>
-      </p:sp>
-    </p:spTree>
-    <p:extLst>
-      <p:ext uri="{BB962C8B-B14F-4D97-AF65-F5344CB8AC3E}">
-        <p14:creationId xmlns:p14="http://schemas.microsoft.com/office/powerpoint/2010/main" val="3132049333"/>
       </p:ext>
     </p:extLst>
   </p:cSld>

--- a/Figures/Figures.pptx
+++ b/Figures/Figures.pptx
@@ -5,20 +5,22 @@
     <p:sldMasterId id="2147483648" r:id="rId1"/>
   </p:sldMasterIdLst>
   <p:notesMasterIdLst>
-    <p:notesMasterId r:id="rId13"/>
+    <p:notesMasterId r:id="rId15"/>
   </p:notesMasterIdLst>
   <p:sldIdLst>
     <p:sldId id="337" r:id="rId2"/>
-    <p:sldId id="339" r:id="rId3"/>
-    <p:sldId id="340" r:id="rId4"/>
-    <p:sldId id="341" r:id="rId5"/>
-    <p:sldId id="343" r:id="rId6"/>
-    <p:sldId id="344" r:id="rId7"/>
-    <p:sldId id="348" r:id="rId8"/>
-    <p:sldId id="349" r:id="rId9"/>
-    <p:sldId id="345" r:id="rId10"/>
-    <p:sldId id="346" r:id="rId11"/>
-    <p:sldId id="347" r:id="rId12"/>
+    <p:sldId id="354" r:id="rId3"/>
+    <p:sldId id="339" r:id="rId4"/>
+    <p:sldId id="340" r:id="rId5"/>
+    <p:sldId id="341" r:id="rId6"/>
+    <p:sldId id="343" r:id="rId7"/>
+    <p:sldId id="344" r:id="rId8"/>
+    <p:sldId id="348" r:id="rId9"/>
+    <p:sldId id="349" r:id="rId10"/>
+    <p:sldId id="350" r:id="rId11"/>
+    <p:sldId id="351" r:id="rId12"/>
+    <p:sldId id="352" r:id="rId13"/>
+    <p:sldId id="353" r:id="rId14"/>
   </p:sldIdLst>
   <p:sldSz cx="9144000" cy="6858000" type="screen4x3"/>
   <p:notesSz cx="6797675" cy="9928225"/>
@@ -3994,9 +3996,39 @@
           <a:chExt cx="0" cy="0"/>
         </a:xfrm>
       </p:grpSpPr>
+      <p:pic>
+        <p:nvPicPr>
+          <p:cNvPr id="3" name="図 3"/>
+          <p:cNvPicPr>
+            <a:picLocks noChangeAspect="1"/>
+          </p:cNvPicPr>
+          <p:nvPr/>
+        </p:nvPicPr>
+        <p:blipFill>
+          <a:blip r:embed="rId2">
+            <a:extLst>
+              <a:ext uri="{28A0092B-C50C-407E-A947-70E740481C1C}">
+                <a14:useLocalDpi xmlns:a14="http://schemas.microsoft.com/office/drawing/2010/main" val="0"/>
+              </a:ext>
+            </a:extLst>
+          </a:blip>
+          <a:stretch>
+            <a:fillRect/>
+          </a:stretch>
+        </p:blipFill>
+        <p:spPr>
+          <a:xfrm>
+            <a:off x="1755574" y="2038351"/>
+            <a:ext cx="4645226" cy="3483919"/>
+          </a:xfrm>
+          <a:prstGeom prst="rect">
+            <a:avLst/>
+          </a:prstGeom>
+        </p:spPr>
+      </p:pic>
       <p:sp>
         <p:nvSpPr>
-          <p:cNvPr id="2" name="Rectangle 6"/>
+          <p:cNvPr id="4" name="Rectangle 6"/>
           <p:cNvSpPr>
             <a:spLocks noChangeArrowheads="1"/>
           </p:cNvSpPr>
@@ -4004,8 +4036,8 @@
         </p:nvSpPr>
         <p:spPr bwMode="auto">
           <a:xfrm>
-            <a:off x="2288109" y="1742904"/>
-            <a:ext cx="3889587" cy="3886200"/>
+            <a:off x="2025269" y="2257004"/>
+            <a:ext cx="4013581" cy="3233307"/>
           </a:xfrm>
           <a:prstGeom prst="rect">
             <a:avLst/>
@@ -4045,48 +4077,457 @@
           </a:p>
         </p:txBody>
       </p:sp>
-      <p:pic>
-        <p:nvPicPr>
-          <p:cNvPr id="3" name="Picture 2"/>
-          <p:cNvPicPr>
-            <a:picLocks noChangeAspect="1"/>
-          </p:cNvPicPr>
+      <p:sp>
+        <p:nvSpPr>
+          <p:cNvPr id="5" name="Rectangle 4"/>
+          <p:cNvSpPr/>
           <p:nvPr/>
-        </p:nvPicPr>
-        <p:blipFill>
-          <a:blip r:embed="rId2">
-            <a:extLst>
-              <a:ext uri="{28A0092B-C50C-407E-A947-70E740481C1C}">
-                <a14:useLocalDpi xmlns:a14="http://schemas.microsoft.com/office/drawing/2010/main" val="0"/>
-              </a:ext>
-            </a:extLst>
-          </a:blip>
-          <a:stretch>
-            <a:fillRect/>
-          </a:stretch>
-        </p:blipFill>
-        <p:spPr>
+        </p:nvSpPr>
+        <p:spPr bwMode="auto">
           <a:xfrm>
-            <a:off x="2407722" y="2286699"/>
-            <a:ext cx="3650358" cy="2798608"/>
+            <a:off x="2178680" y="1931518"/>
+            <a:ext cx="3945467" cy="325486"/>
           </a:xfrm>
           <a:prstGeom prst="rect">
             <a:avLst/>
           </a:prstGeom>
-        </p:spPr>
-      </p:pic>
+          <a:solidFill>
+            <a:schemeClr val="bg1"/>
+          </a:solidFill>
+          <a:ln w="9525" cap="flat" cmpd="sng" algn="ctr">
+            <a:noFill/>
+            <a:prstDash val="solid"/>
+            <a:round/>
+            <a:headEnd type="none" w="med" len="med"/>
+            <a:tailEnd type="none" w="med" len="med"/>
+          </a:ln>
+          <a:effectLst/>
+        </p:spPr>
+        <p:txBody>
+          <a:bodyPr vert="horz" wrap="square" lIns="91440" tIns="45720" rIns="91440" bIns="45720" numCol="1" rtlCol="0" anchor="t" anchorCtr="0" compatLnSpc="1">
+            <a:prstTxWarp prst="textNoShape">
+              <a:avLst/>
+            </a:prstTxWarp>
+          </a:bodyPr>
+          <a:lstStyle/>
+          <a:p>
+            <a:pPr marL="0" marR="0" indent="0" algn="l" defTabSz="457200" rtl="0" eaLnBrk="1" fontAlgn="base" latinLnBrk="0" hangingPunct="1">
+              <a:lnSpc>
+                <a:spcPct val="100000"/>
+              </a:lnSpc>
+              <a:spcBef>
+                <a:spcPct val="0"/>
+              </a:spcBef>
+              <a:spcAft>
+                <a:spcPct val="0"/>
+              </a:spcAft>
+              <a:buClr>
+                <a:srgbClr val="000000"/>
+              </a:buClr>
+              <a:buSzPct val="100000"/>
+              <a:buFont typeface="Times New Roman" pitchFamily="16" charset="0"/>
+              <a:buNone/>
+              <a:tabLst/>
+            </a:pPr>
+            <a:endParaRPr kumimoji="0" lang="en-US" sz="1800" b="0" i="0" u="none" strike="noStrike" cap="none" normalizeH="0" baseline="0" smtClean="0">
+              <a:ln>
+                <a:noFill/>
+              </a:ln>
+              <a:solidFill>
+                <a:schemeClr val="bg1"/>
+              </a:solidFill>
+              <a:effectLst/>
+              <a:latin typeface="Arial" charset="0"/>
+            </a:endParaRPr>
+          </a:p>
+        </p:txBody>
+      </p:sp>
+      <p:sp>
+        <p:nvSpPr>
+          <p:cNvPr id="12" name="Rectangle 11"/>
+          <p:cNvSpPr/>
+          <p:nvPr/>
+        </p:nvSpPr>
+        <p:spPr bwMode="auto">
+          <a:xfrm rot="21176846">
+            <a:off x="3305398" y="5014622"/>
+            <a:ext cx="2993105" cy="293051"/>
+          </a:xfrm>
+          <a:prstGeom prst="rect">
+            <a:avLst/>
+          </a:prstGeom>
+          <a:solidFill>
+            <a:schemeClr val="bg1"/>
+          </a:solidFill>
+          <a:ln w="9525" cap="flat" cmpd="sng" algn="ctr">
+            <a:solidFill>
+              <a:schemeClr val="bg1"/>
+            </a:solidFill>
+            <a:prstDash val="solid"/>
+            <a:round/>
+            <a:headEnd type="none" w="med" len="med"/>
+            <a:tailEnd type="none" w="med" len="med"/>
+          </a:ln>
+          <a:effectLst/>
+        </p:spPr>
+        <p:txBody>
+          <a:bodyPr vert="horz" wrap="square" lIns="91440" tIns="45720" rIns="91440" bIns="45720" numCol="1" rtlCol="0" anchor="t" anchorCtr="0" compatLnSpc="1">
+            <a:prstTxWarp prst="textNoShape">
+              <a:avLst/>
+            </a:prstTxWarp>
+          </a:bodyPr>
+          <a:lstStyle/>
+          <a:p>
+            <a:pPr marL="0" marR="0" indent="0" algn="l" defTabSz="457200" rtl="0" eaLnBrk="1" fontAlgn="base" latinLnBrk="0" hangingPunct="1">
+              <a:lnSpc>
+                <a:spcPct val="100000"/>
+              </a:lnSpc>
+              <a:spcBef>
+                <a:spcPct val="0"/>
+              </a:spcBef>
+              <a:spcAft>
+                <a:spcPct val="0"/>
+              </a:spcAft>
+              <a:buClr>
+                <a:srgbClr val="000000"/>
+              </a:buClr>
+              <a:buSzPct val="100000"/>
+              <a:buFont typeface="Times New Roman" pitchFamily="16" charset="0"/>
+              <a:buNone/>
+              <a:tabLst/>
+            </a:pPr>
+            <a:endParaRPr kumimoji="0" lang="en-US" sz="1800" b="0" i="0" u="none" strike="noStrike" cap="none" normalizeH="0" baseline="0" smtClean="0">
+              <a:ln>
+                <a:noFill/>
+              </a:ln>
+              <a:solidFill>
+                <a:schemeClr val="bg1"/>
+              </a:solidFill>
+              <a:effectLst/>
+              <a:latin typeface="Arial" charset="0"/>
+            </a:endParaRPr>
+          </a:p>
+        </p:txBody>
+      </p:sp>
+      <p:sp>
+        <p:nvSpPr>
+          <p:cNvPr id="22" name="Rectangle 21"/>
+          <p:cNvSpPr/>
+          <p:nvPr/>
+        </p:nvSpPr>
+        <p:spPr bwMode="auto">
+          <a:xfrm rot="2484240" flipV="1">
+            <a:off x="1570665" y="4779138"/>
+            <a:ext cx="2335324" cy="444024"/>
+          </a:xfrm>
+          <a:prstGeom prst="rect">
+            <a:avLst/>
+          </a:prstGeom>
+          <a:solidFill>
+            <a:schemeClr val="bg1"/>
+          </a:solidFill>
+          <a:ln w="9525" cap="flat" cmpd="sng" algn="ctr">
+            <a:solidFill>
+              <a:schemeClr val="bg1"/>
+            </a:solidFill>
+            <a:prstDash val="solid"/>
+            <a:round/>
+            <a:headEnd type="none" w="med" len="med"/>
+            <a:tailEnd type="none" w="med" len="med"/>
+          </a:ln>
+          <a:effectLst/>
+        </p:spPr>
+        <p:txBody>
+          <a:bodyPr vert="horz" wrap="square" lIns="91440" tIns="45720" rIns="91440" bIns="45720" numCol="1" rtlCol="0" anchor="t" anchorCtr="0" compatLnSpc="1">
+            <a:prstTxWarp prst="textNoShape">
+              <a:avLst/>
+            </a:prstTxWarp>
+          </a:bodyPr>
+          <a:lstStyle/>
+          <a:p>
+            <a:pPr marL="0" marR="0" indent="0" algn="l" defTabSz="457200" rtl="0" eaLnBrk="1" fontAlgn="base" latinLnBrk="0" hangingPunct="1">
+              <a:lnSpc>
+                <a:spcPct val="100000"/>
+              </a:lnSpc>
+              <a:spcBef>
+                <a:spcPct val="0"/>
+              </a:spcBef>
+              <a:spcAft>
+                <a:spcPct val="0"/>
+              </a:spcAft>
+              <a:buClr>
+                <a:srgbClr val="000000"/>
+              </a:buClr>
+              <a:buSzPct val="100000"/>
+              <a:buFont typeface="Times New Roman" pitchFamily="16" charset="0"/>
+              <a:buNone/>
+              <a:tabLst/>
+            </a:pPr>
+            <a:endParaRPr kumimoji="0" lang="en-US" sz="1800" b="0" i="0" u="none" strike="noStrike" cap="none" normalizeH="0" baseline="-25000" dirty="0" smtClean="0">
+              <a:ln>
+                <a:noFill/>
+              </a:ln>
+              <a:solidFill>
+                <a:schemeClr val="bg1"/>
+              </a:solidFill>
+              <a:effectLst/>
+              <a:latin typeface="Arial" charset="0"/>
+            </a:endParaRPr>
+          </a:p>
+        </p:txBody>
+      </p:sp>
+      <p:sp>
+        <p:nvSpPr>
+          <p:cNvPr id="23" name="TextBox 22"/>
+          <p:cNvSpPr txBox="1"/>
+          <p:nvPr/>
+        </p:nvSpPr>
+        <p:spPr>
+          <a:xfrm>
+            <a:off x="4538711" y="4945724"/>
+            <a:ext cx="304476" cy="323165"/>
+          </a:xfrm>
+          <a:prstGeom prst="rect">
+            <a:avLst/>
+          </a:prstGeom>
+          <a:noFill/>
+        </p:spPr>
+        <p:txBody>
+          <a:bodyPr wrap="square" rtlCol="0">
+            <a:spAutoFit/>
+          </a:bodyPr>
+          <a:lstStyle/>
+          <a:p>
+            <a:r>
+              <a:rPr lang="en-US" sz="1500" dirty="0" smtClean="0">
+                <a:solidFill>
+                  <a:schemeClr val="tx1"/>
+                </a:solidFill>
+                <a:latin typeface="Cambria" panose="02040503050406030204" pitchFamily="18" charset="0"/>
+              </a:rPr>
+              <a:t>0</a:t>
+            </a:r>
+            <a:endParaRPr lang="en-US" sz="1500" dirty="0">
+              <a:solidFill>
+                <a:schemeClr val="tx1"/>
+              </a:solidFill>
+              <a:latin typeface="Cambria" panose="02040503050406030204" pitchFamily="18" charset="0"/>
+            </a:endParaRPr>
+          </a:p>
+        </p:txBody>
+      </p:sp>
+      <p:sp>
+        <p:nvSpPr>
+          <p:cNvPr id="25" name="TextBox 24"/>
+          <p:cNvSpPr txBox="1"/>
+          <p:nvPr/>
+        </p:nvSpPr>
+        <p:spPr>
+          <a:xfrm>
+            <a:off x="5117937" y="4889054"/>
+            <a:ext cx="420128" cy="323165"/>
+          </a:xfrm>
+          <a:prstGeom prst="rect">
+            <a:avLst/>
+          </a:prstGeom>
+          <a:noFill/>
+        </p:spPr>
+        <p:txBody>
+          <a:bodyPr wrap="square" rtlCol="0">
+            <a:spAutoFit/>
+          </a:bodyPr>
+          <a:lstStyle/>
+          <a:p>
+            <a:r>
+              <a:rPr lang="en-US" sz="1500" dirty="0" smtClean="0">
+                <a:solidFill>
+                  <a:schemeClr val="tx1"/>
+                </a:solidFill>
+                <a:latin typeface="Cambria" panose="02040503050406030204" pitchFamily="18" charset="0"/>
+              </a:rPr>
+              <a:t>10</a:t>
+            </a:r>
+            <a:endParaRPr lang="en-US" sz="1500" dirty="0">
+              <a:solidFill>
+                <a:schemeClr val="tx1"/>
+              </a:solidFill>
+              <a:latin typeface="Cambria" panose="02040503050406030204" pitchFamily="18" charset="0"/>
+            </a:endParaRPr>
+          </a:p>
+        </p:txBody>
+      </p:sp>
+      <p:sp>
+        <p:nvSpPr>
+          <p:cNvPr id="27" name="TextBox 26"/>
+          <p:cNvSpPr txBox="1"/>
+          <p:nvPr/>
+        </p:nvSpPr>
+        <p:spPr>
+          <a:xfrm>
+            <a:off x="2611469" y="4839567"/>
+            <a:ext cx="471610" cy="323165"/>
+          </a:xfrm>
+          <a:prstGeom prst="rect">
+            <a:avLst/>
+          </a:prstGeom>
+          <a:noFill/>
+        </p:spPr>
+        <p:txBody>
+          <a:bodyPr wrap="square" rtlCol="0">
+            <a:spAutoFit/>
+          </a:bodyPr>
+          <a:lstStyle/>
+          <a:p>
+            <a:r>
+              <a:rPr lang="en-US" sz="1500" dirty="0" smtClean="0">
+                <a:solidFill>
+                  <a:schemeClr val="tx1"/>
+                </a:solidFill>
+                <a:latin typeface="Cambria" panose="02040503050406030204" pitchFamily="18" charset="0"/>
+              </a:rPr>
+              <a:t>-10</a:t>
+            </a:r>
+            <a:endParaRPr lang="en-US" sz="1500" dirty="0">
+              <a:solidFill>
+                <a:schemeClr val="tx1"/>
+              </a:solidFill>
+              <a:latin typeface="Cambria" panose="02040503050406030204" pitchFamily="18" charset="0"/>
+            </a:endParaRPr>
+          </a:p>
+        </p:txBody>
+      </p:sp>
+      <p:sp>
+        <p:nvSpPr>
+          <p:cNvPr id="29" name="TextBox 28"/>
+          <p:cNvSpPr txBox="1"/>
+          <p:nvPr/>
+        </p:nvSpPr>
+        <p:spPr>
+          <a:xfrm>
+            <a:off x="2552396" y="4576480"/>
+            <a:ext cx="304476" cy="323165"/>
+          </a:xfrm>
+          <a:prstGeom prst="rect">
+            <a:avLst/>
+          </a:prstGeom>
+          <a:noFill/>
+        </p:spPr>
+        <p:txBody>
+          <a:bodyPr wrap="square" rtlCol="0">
+            <a:spAutoFit/>
+          </a:bodyPr>
+          <a:lstStyle/>
+          <a:p>
+            <a:r>
+              <a:rPr lang="en-US" sz="1500" dirty="0" smtClean="0">
+                <a:solidFill>
+                  <a:schemeClr val="tx1"/>
+                </a:solidFill>
+                <a:latin typeface="Cambria" panose="02040503050406030204" pitchFamily="18" charset="0"/>
+              </a:rPr>
+              <a:t>0</a:t>
+            </a:r>
+            <a:endParaRPr lang="en-US" sz="1500" dirty="0">
+              <a:solidFill>
+                <a:schemeClr val="tx1"/>
+              </a:solidFill>
+              <a:latin typeface="Cambria" panose="02040503050406030204" pitchFamily="18" charset="0"/>
+            </a:endParaRPr>
+          </a:p>
+        </p:txBody>
+      </p:sp>
+      <p:sp>
+        <p:nvSpPr>
+          <p:cNvPr id="30" name="TextBox 29"/>
+          <p:cNvSpPr txBox="1"/>
+          <p:nvPr/>
+        </p:nvSpPr>
+        <p:spPr>
+          <a:xfrm>
+            <a:off x="3799926" y="5021543"/>
+            <a:ext cx="471610" cy="323165"/>
+          </a:xfrm>
+          <a:prstGeom prst="rect">
+            <a:avLst/>
+          </a:prstGeom>
+          <a:noFill/>
+        </p:spPr>
+        <p:txBody>
+          <a:bodyPr wrap="square" rtlCol="0">
+            <a:spAutoFit/>
+          </a:bodyPr>
+          <a:lstStyle/>
+          <a:p>
+            <a:r>
+              <a:rPr lang="en-US" sz="1500" dirty="0" smtClean="0">
+                <a:solidFill>
+                  <a:schemeClr val="tx1"/>
+                </a:solidFill>
+                <a:latin typeface="Cambria" panose="02040503050406030204" pitchFamily="18" charset="0"/>
+              </a:rPr>
+              <a:t>-10</a:t>
+            </a:r>
+            <a:endParaRPr lang="en-US" sz="1500" dirty="0">
+              <a:solidFill>
+                <a:schemeClr val="tx1"/>
+              </a:solidFill>
+              <a:latin typeface="Cambria" panose="02040503050406030204" pitchFamily="18" charset="0"/>
+            </a:endParaRPr>
+          </a:p>
+        </p:txBody>
+      </p:sp>
+      <p:sp>
+        <p:nvSpPr>
+          <p:cNvPr id="32" name="TextBox 31"/>
+          <p:cNvSpPr txBox="1"/>
+          <p:nvPr/>
+        </p:nvSpPr>
+        <p:spPr>
+          <a:xfrm>
+            <a:off x="2199873" y="4335364"/>
+            <a:ext cx="420128" cy="323165"/>
+          </a:xfrm>
+          <a:prstGeom prst="rect">
+            <a:avLst/>
+          </a:prstGeom>
+          <a:noFill/>
+        </p:spPr>
+        <p:txBody>
+          <a:bodyPr wrap="square" rtlCol="0">
+            <a:spAutoFit/>
+          </a:bodyPr>
+          <a:lstStyle/>
+          <a:p>
+            <a:r>
+              <a:rPr lang="en-US" sz="1500" dirty="0" smtClean="0">
+                <a:solidFill>
+                  <a:schemeClr val="tx1"/>
+                </a:solidFill>
+                <a:latin typeface="Cambria" panose="02040503050406030204" pitchFamily="18" charset="0"/>
+              </a:rPr>
+              <a:t>10</a:t>
+            </a:r>
+            <a:endParaRPr lang="en-US" sz="1500" dirty="0">
+              <a:solidFill>
+                <a:schemeClr val="tx1"/>
+              </a:solidFill>
+              <a:latin typeface="Cambria" panose="02040503050406030204" pitchFamily="18" charset="0"/>
+            </a:endParaRPr>
+          </a:p>
+        </p:txBody>
+      </p:sp>
       <mc:AlternateContent xmlns:mc="http://schemas.openxmlformats.org/markup-compatibility/2006" xmlns:a14="http://schemas.microsoft.com/office/drawing/2010/main">
         <mc:Choice Requires="a14">
           <p:sp>
             <p:nvSpPr>
-              <p:cNvPr id="13" name="TextBox 12"/>
+              <p:cNvPr id="7" name="TextBox 6"/>
               <p:cNvSpPr txBox="1"/>
               <p:nvPr/>
             </p:nvSpPr>
             <p:spPr>
-              <a:xfrm rot="5400000">
-                <a:off x="3887937" y="2676305"/>
-                <a:ext cx="1207412" cy="400110"/>
+              <a:xfrm rot="21176394">
+                <a:off x="3993984" y="2412858"/>
+                <a:ext cx="937244" cy="384721"/>
               </a:xfrm>
               <a:prstGeom prst="rect">
                 <a:avLst/>
@@ -4094,8 +4535,14 @@
               <a:noFill/>
             </p:spPr>
             <p:txBody>
-              <a:bodyPr wrap="square" rtlCol="0">
+              <a:bodyPr wrap="none" lIns="0" tIns="0" rIns="0" bIns="0" rtlCol="0">
                 <a:spAutoFit/>
+                <a:scene3d>
+                  <a:camera prst="orthographicFront">
+                    <a:rot lat="0" lon="0" rev="0"/>
+                  </a:camera>
+                  <a:lightRig rig="threePt" dir="t"/>
+                </a:scene3d>
               </a:bodyPr>
               <a:lstStyle/>
               <a:p>
@@ -4106,17 +4553,45 @@
                       <m:jc m:val="centerGroup"/>
                     </m:oMathParaPr>
                     <m:oMath xmlns:m="http://schemas.openxmlformats.org/officeDocument/2006/math">
+                      <m:sSup>
+                        <m:sSupPr>
+                          <m:ctrlPr>
+                            <a:rPr lang="en-US" sz="2500" b="0" i="1" smtClean="0">
+                              <a:solidFill>
+                                <a:schemeClr val="tx1"/>
+                              </a:solidFill>
+                              <a:latin typeface="Cambria Math" panose="02040503050406030204" pitchFamily="18" charset="0"/>
+                            </a:rPr>
+                          </m:ctrlPr>
+                        </m:sSupPr>
+                        <m:e>
+                          <m:r>
+                            <m:rPr>
+                              <m:sty m:val="p"/>
+                            </m:rPr>
+                            <a:rPr lang="en-US" sz="2500" b="0" i="0" smtClean="0">
+                              <a:solidFill>
+                                <a:schemeClr val="tx1"/>
+                              </a:solidFill>
+                              <a:latin typeface="Cambria Math" panose="02040503050406030204" pitchFamily="18" charset="0"/>
+                            </a:rPr>
+                            <m:t>Ψ</m:t>
+                          </m:r>
+                        </m:e>
+                        <m:sup>
+                          <m:r>
+                            <a:rPr lang="en-US" sz="2500" b="0" i="1" smtClean="0">
+                              <a:solidFill>
+                                <a:schemeClr val="tx1"/>
+                              </a:solidFill>
+                              <a:latin typeface="Cambria Math" panose="02040503050406030204" pitchFamily="18" charset="0"/>
+                            </a:rPr>
+                            <m:t>2</m:t>
+                          </m:r>
+                        </m:sup>
+                      </m:sSup>
                       <m:r>
-                        <a:rPr lang="en-US" sz="2000" b="0" i="1" smtClean="0">
-                          <a:solidFill>
-                            <a:schemeClr val="tx1"/>
-                          </a:solidFill>
-                          <a:latin typeface="Cambria Math" panose="02040503050406030204" pitchFamily="18" charset="0"/>
-                        </a:rPr>
-                        <m:t>𝜌</m:t>
-                      </m:r>
-                      <m:r>
-                        <a:rPr lang="en-US" sz="2000" b="0" i="1" smtClean="0">
+                        <a:rPr lang="en-US" sz="2500" b="0" i="1" smtClean="0">
                           <a:solidFill>
                             <a:schemeClr val="tx1"/>
                           </a:solidFill>
@@ -4125,66 +4600,27 @@
                         <m:t>(</m:t>
                       </m:r>
                       <m:r>
-                        <a:rPr lang="en-US" sz="2000" b="0" i="1" smtClean="0">
+                        <a:rPr lang="en-US" sz="2500" b="1" i="1" smtClean="0">
                           <a:solidFill>
                             <a:schemeClr val="tx1"/>
                           </a:solidFill>
                           <a:latin typeface="Cambria Math" panose="02040503050406030204" pitchFamily="18" charset="0"/>
                         </a:rPr>
-                        <m:t>𝜔</m:t>
+                        <m:t>𝒓</m:t>
                       </m:r>
                       <m:r>
-                        <a:rPr lang="en-US" sz="2000" b="0" i="1" smtClean="0">
+                        <a:rPr lang="en-US" sz="2500" b="0" i="1" smtClean="0">
                           <a:solidFill>
                             <a:schemeClr val="tx1"/>
                           </a:solidFill>
                           <a:latin typeface="Cambria Math" panose="02040503050406030204" pitchFamily="18" charset="0"/>
                         </a:rPr>
-                        <m:t>)/</m:t>
+                        <m:t>)</m:t>
                       </m:r>
-                      <m:sSub>
-                        <m:sSubPr>
-                          <m:ctrlPr>
-                            <a:rPr lang="en-US" sz="2000" b="0" i="1" smtClean="0">
-                              <a:solidFill>
-                                <a:schemeClr val="tx1"/>
-                              </a:solidFill>
-                              <a:latin typeface="Cambria Math" panose="02040503050406030204" pitchFamily="18" charset="0"/>
-                            </a:rPr>
-                          </m:ctrlPr>
-                        </m:sSubPr>
-                        <m:e>
-                          <m:r>
-                            <a:rPr lang="en-US" sz="2000" b="0" i="1" smtClean="0">
-                              <a:solidFill>
-                                <a:schemeClr val="tx1"/>
-                              </a:solidFill>
-                              <a:latin typeface="Cambria Math" panose="02040503050406030204" pitchFamily="18" charset="0"/>
-                            </a:rPr>
-                            <m:t>𝜌</m:t>
-                          </m:r>
-                        </m:e>
-                        <m:sub>
-                          <m:r>
-                            <a:rPr lang="en-US" sz="2000" b="0" i="1" smtClean="0">
-                              <a:solidFill>
-                                <a:schemeClr val="tx1"/>
-                              </a:solidFill>
-                              <a:latin typeface="Cambria Math" panose="02040503050406030204" pitchFamily="18" charset="0"/>
-                            </a:rPr>
-                            <m:t>0</m:t>
-                          </m:r>
-                        </m:sub>
-                      </m:sSub>
                     </m:oMath>
                   </m:oMathPara>
                 </a14:m>
-                <a:endParaRPr lang="en-US" sz="2000" dirty="0">
-                  <a:solidFill>
-                    <a:schemeClr val="tx1"/>
-                  </a:solidFill>
-                  <a:latin typeface="Cambria" panose="02040503050406030204" pitchFamily="18" charset="0"/>
-                </a:endParaRPr>
+                <a:endParaRPr lang="en-US" sz="2500" dirty="0"/>
               </a:p>
             </p:txBody>
           </p:sp>
@@ -4192,16 +4628,16 @@
         <mc:Fallback xmlns="">
           <p:sp>
             <p:nvSpPr>
-              <p:cNvPr id="13" name="TextBox 12"/>
+              <p:cNvPr id="7" name="TextBox 6"/>
               <p:cNvSpPr txBox="1">
                 <a:spLocks noRot="1" noChangeAspect="1" noMove="1" noResize="1" noEditPoints="1" noAdjustHandles="1" noChangeArrowheads="1" noChangeShapeType="1" noTextEdit="1"/>
               </p:cNvSpPr>
               <p:nvPr/>
             </p:nvSpPr>
             <p:spPr>
-              <a:xfrm rot="5400000">
-                <a:off x="3887937" y="2676305"/>
-                <a:ext cx="1207412" cy="400110"/>
+              <a:xfrm rot="21176394">
+                <a:off x="3993984" y="2412858"/>
+                <a:ext cx="937244" cy="384721"/>
               </a:xfrm>
               <a:prstGeom prst="rect">
                 <a:avLst/>
@@ -4209,7 +4645,7 @@
               <a:blipFill rotWithShape="0">
                 <a:blip r:embed="rId3"/>
                 <a:stretch>
-                  <a:fillRect l="-18182"/>
+                  <a:fillRect/>
                 </a:stretch>
               </a:blipFill>
             </p:spPr>
@@ -4228,221 +4664,26 @@
           </p:sp>
         </mc:Fallback>
       </mc:AlternateContent>
-      <p:grpSp>
-        <p:nvGrpSpPr>
-          <p:cNvPr id="15" name="Group 14"/>
-          <p:cNvGrpSpPr/>
+      <p:sp>
+        <p:nvSpPr>
+          <p:cNvPr id="36" name="Rectangle 35"/>
+          <p:cNvSpPr/>
           <p:nvPr/>
-        </p:nvGrpSpPr>
-        <p:grpSpPr>
-          <a:xfrm>
-            <a:off x="3750485" y="4807582"/>
-            <a:ext cx="1098550" cy="400110"/>
-            <a:chOff x="4580189" y="4761926"/>
-            <a:chExt cx="1098550" cy="400110"/>
+        </p:nvSpPr>
+        <p:spPr bwMode="auto">
+          <a:xfrm rot="5400000">
+            <a:off x="1008863" y="3389756"/>
+            <a:ext cx="2325864" cy="293051"/>
           </a:xfrm>
-        </p:grpSpPr>
-        <p:sp>
-          <p:nvSpPr>
-            <p:cNvPr id="14" name="Rectangle 13"/>
-            <p:cNvSpPr/>
-            <p:nvPr/>
-          </p:nvSpPr>
-          <p:spPr bwMode="auto">
-            <a:xfrm>
-              <a:off x="4580189" y="4864099"/>
-              <a:ext cx="1098550" cy="293051"/>
-            </a:xfrm>
-            <a:prstGeom prst="rect">
-              <a:avLst/>
-            </a:prstGeom>
-            <a:solidFill>
-              <a:schemeClr val="bg1"/>
-            </a:solidFill>
-            <a:ln w="9525" cap="flat" cmpd="sng" algn="ctr">
-              <a:solidFill>
-                <a:schemeClr val="bg1"/>
-              </a:solidFill>
-              <a:prstDash val="solid"/>
-              <a:round/>
-              <a:headEnd type="none" w="med" len="med"/>
-              <a:tailEnd type="none" w="med" len="med"/>
-            </a:ln>
-            <a:effectLst/>
-          </p:spPr>
-          <p:txBody>
-            <a:bodyPr vert="horz" wrap="square" lIns="91440" tIns="45720" rIns="91440" bIns="45720" numCol="1" rtlCol="0" anchor="t" anchorCtr="0" compatLnSpc="1">
-              <a:prstTxWarp prst="textNoShape">
-                <a:avLst/>
-              </a:prstTxWarp>
-            </a:bodyPr>
-            <a:lstStyle/>
-            <a:p>
-              <a:pPr marL="0" marR="0" indent="0" algn="l" defTabSz="457200" rtl="0" eaLnBrk="1" fontAlgn="base" latinLnBrk="0" hangingPunct="1">
-                <a:lnSpc>
-                  <a:spcPct val="100000"/>
-                </a:lnSpc>
-                <a:spcBef>
-                  <a:spcPct val="0"/>
-                </a:spcBef>
-                <a:spcAft>
-                  <a:spcPct val="0"/>
-                </a:spcAft>
-                <a:buClr>
-                  <a:srgbClr val="000000"/>
-                </a:buClr>
-                <a:buSzPct val="100000"/>
-                <a:buFont typeface="Times New Roman" pitchFamily="16" charset="0"/>
-                <a:buNone/>
-                <a:tabLst/>
-              </a:pPr>
-              <a:endParaRPr kumimoji="0" lang="en-US" sz="1800" b="0" i="0" u="none" strike="noStrike" cap="none" normalizeH="0" baseline="0" smtClean="0">
-                <a:ln>
-                  <a:noFill/>
-                </a:ln>
-                <a:solidFill>
-                  <a:schemeClr val="bg1"/>
-                </a:solidFill>
-                <a:effectLst/>
-                <a:latin typeface="Arial" charset="0"/>
-              </a:endParaRPr>
-            </a:p>
-          </p:txBody>
-        </p:sp>
-        <mc:AlternateContent xmlns:mc="http://schemas.openxmlformats.org/markup-compatibility/2006" xmlns:a14="http://schemas.microsoft.com/office/drawing/2010/main">
-          <mc:Choice Requires="a14">
-            <p:sp>
-              <p:nvSpPr>
-                <p:cNvPr id="4" name="TextBox 3"/>
-                <p:cNvSpPr txBox="1"/>
-                <p:nvPr/>
-              </p:nvSpPr>
-              <p:spPr>
-                <a:xfrm>
-                  <a:off x="4624840" y="4761926"/>
-                  <a:ext cx="875532" cy="400110"/>
-                </a:xfrm>
-                <a:prstGeom prst="rect">
-                  <a:avLst/>
-                </a:prstGeom>
-                <a:noFill/>
-              </p:spPr>
-              <p:txBody>
-                <a:bodyPr wrap="square" rtlCol="0">
-                  <a:spAutoFit/>
-                </a:bodyPr>
-                <a:lstStyle/>
-                <a:p>
-                  <a:pPr/>
-                  <a14:m>
-                    <m:oMathPara xmlns:m="http://schemas.openxmlformats.org/officeDocument/2006/math">
-                      <m:oMathParaPr>
-                        <m:jc m:val="centerGroup"/>
-                      </m:oMathParaPr>
-                      <m:oMath xmlns:m="http://schemas.openxmlformats.org/officeDocument/2006/math">
-                        <m:r>
-                          <a:rPr lang="en-US" sz="2000" b="0" i="1" smtClean="0">
-                            <a:solidFill>
-                              <a:schemeClr val="tx1"/>
-                            </a:solidFill>
-                            <a:latin typeface="Cambria Math" panose="02040503050406030204" pitchFamily="18" charset="0"/>
-                          </a:rPr>
-                          <m:t>𝜔</m:t>
-                        </m:r>
-                        <m:r>
-                          <a:rPr lang="en-US" sz="2000" b="0" i="1" smtClean="0">
-                            <a:solidFill>
-                              <a:schemeClr val="tx1"/>
-                            </a:solidFill>
-                            <a:latin typeface="Cambria Math" panose="02040503050406030204" pitchFamily="18" charset="0"/>
-                          </a:rPr>
-                          <m:t>/</m:t>
-                        </m:r>
-                        <m:r>
-                          <m:rPr>
-                            <m:sty m:val="p"/>
-                          </m:rPr>
-                          <a:rPr lang="en-US" sz="2000" b="0" i="0" smtClean="0">
-                            <a:solidFill>
-                              <a:schemeClr val="tx1"/>
-                            </a:solidFill>
-                            <a:latin typeface="Cambria Math" panose="02040503050406030204" pitchFamily="18" charset="0"/>
-                          </a:rPr>
-                          <m:t>Δ</m:t>
-                        </m:r>
-                      </m:oMath>
-                    </m:oMathPara>
-                  </a14:m>
-                  <a:endParaRPr lang="en-US" sz="2000" dirty="0">
-                    <a:solidFill>
-                      <a:schemeClr val="tx1"/>
-                    </a:solidFill>
-                    <a:latin typeface="Cambria" panose="02040503050406030204" pitchFamily="18" charset="0"/>
-                  </a:endParaRPr>
-                </a:p>
-              </p:txBody>
-            </p:sp>
-          </mc:Choice>
-          <mc:Fallback xmlns="">
-            <p:sp>
-              <p:nvSpPr>
-                <p:cNvPr id="4" name="TextBox 3"/>
-                <p:cNvSpPr txBox="1">
-                  <a:spLocks noRot="1" noChangeAspect="1" noMove="1" noResize="1" noEditPoints="1" noAdjustHandles="1" noChangeArrowheads="1" noChangeShapeType="1" noTextEdit="1"/>
-                </p:cNvSpPr>
-                <p:nvPr/>
-              </p:nvSpPr>
-              <p:spPr>
-                <a:xfrm>
-                  <a:off x="4624840" y="4761926"/>
-                  <a:ext cx="875532" cy="400110"/>
-                </a:xfrm>
-                <a:prstGeom prst="rect">
-                  <a:avLst/>
-                </a:prstGeom>
-                <a:blipFill rotWithShape="0">
-                  <a:blip r:embed="rId4"/>
-                  <a:stretch>
-                    <a:fillRect b="-18462"/>
-                  </a:stretch>
-                </a:blipFill>
-              </p:spPr>
-              <p:txBody>
-                <a:bodyPr/>
-                <a:lstStyle/>
-                <a:p>
-                  <a:r>
-                    <a:rPr lang="en-US">
-                      <a:noFill/>
-                    </a:rPr>
-                    <a:t> </a:t>
-                  </a:r>
-                </a:p>
-              </p:txBody>
-            </p:sp>
-          </mc:Fallback>
-        </mc:AlternateContent>
-      </p:grpSp>
-      <p:cxnSp>
-        <p:nvCxnSpPr>
-          <p:cNvPr id="25" name="Straight Connector 24"/>
-          <p:cNvCxnSpPr/>
-          <p:nvPr/>
-        </p:nvCxnSpPr>
-        <p:spPr bwMode="auto">
-          <a:xfrm>
-            <a:off x="2817035" y="2002412"/>
-            <a:ext cx="539750" cy="6350"/>
-          </a:xfrm>
-          <a:prstGeom prst="line">
+          <a:prstGeom prst="rect">
             <a:avLst/>
           </a:prstGeom>
           <a:solidFill>
-            <a:srgbClr val="00B8FF"/>
+            <a:schemeClr val="bg1"/>
           </a:solidFill>
-          <a:ln w="25400" cap="flat" cmpd="sng" algn="ctr">
+          <a:ln w="9525" cap="flat" cmpd="sng" algn="ctr">
             <a:solidFill>
-              <a:srgbClr val="FF0000"/>
+              <a:schemeClr val="bg1"/>
             </a:solidFill>
             <a:prstDash val="solid"/>
             <a:round/>
@@ -4451,27 +4692,65 @@
           </a:ln>
           <a:effectLst/>
         </p:spPr>
-      </p:cxnSp>
-      <p:cxnSp>
-        <p:nvCxnSpPr>
-          <p:cNvPr id="26" name="Straight Connector 25"/>
-          <p:cNvCxnSpPr/>
+        <p:txBody>
+          <a:bodyPr vert="horz" wrap="square" lIns="91440" tIns="45720" rIns="91440" bIns="45720" numCol="1" rtlCol="0" anchor="t" anchorCtr="0" compatLnSpc="1">
+            <a:prstTxWarp prst="textNoShape">
+              <a:avLst/>
+            </a:prstTxWarp>
+          </a:bodyPr>
+          <a:lstStyle/>
+          <a:p>
+            <a:pPr marL="0" marR="0" indent="0" algn="l" defTabSz="457200" rtl="0" eaLnBrk="1" fontAlgn="base" latinLnBrk="0" hangingPunct="1">
+              <a:lnSpc>
+                <a:spcPct val="100000"/>
+              </a:lnSpc>
+              <a:spcBef>
+                <a:spcPct val="0"/>
+              </a:spcBef>
+              <a:spcAft>
+                <a:spcPct val="0"/>
+              </a:spcAft>
+              <a:buClr>
+                <a:srgbClr val="000000"/>
+              </a:buClr>
+              <a:buSzPct val="100000"/>
+              <a:buFont typeface="Times New Roman" pitchFamily="16" charset="0"/>
+              <a:buNone/>
+              <a:tabLst/>
+            </a:pPr>
+            <a:endParaRPr kumimoji="0" lang="en-US" sz="1800" b="0" i="0" u="none" strike="noStrike" cap="none" normalizeH="0" baseline="0" smtClean="0">
+              <a:ln>
+                <a:noFill/>
+              </a:ln>
+              <a:solidFill>
+                <a:schemeClr val="bg1"/>
+              </a:solidFill>
+              <a:effectLst/>
+              <a:latin typeface="Arial" charset="0"/>
+            </a:endParaRPr>
+          </a:p>
+        </p:txBody>
+      </p:sp>
+      <p:sp>
+        <p:nvSpPr>
+          <p:cNvPr id="37" name="Rectangle 36"/>
+          <p:cNvSpPr/>
           <p:nvPr/>
-        </p:nvCxnSpPr>
+        </p:nvSpPr>
         <p:spPr bwMode="auto">
-          <a:xfrm>
-            <a:off x="4610486" y="2003031"/>
-            <a:ext cx="539750" cy="6350"/>
+          <a:xfrm rot="5400000">
+            <a:off x="1997726" y="1907027"/>
+            <a:ext cx="1159327" cy="447347"/>
           </a:xfrm>
-          <a:prstGeom prst="line">
+          <a:prstGeom prst="rect">
             <a:avLst/>
           </a:prstGeom>
           <a:solidFill>
-            <a:srgbClr val="00B8FF"/>
+            <a:schemeClr val="bg1"/>
           </a:solidFill>
-          <a:ln w="25400" cap="flat" cmpd="sng" algn="ctr">
+          <a:ln w="9525" cap="flat" cmpd="sng" algn="ctr">
             <a:solidFill>
-              <a:srgbClr val="0404BC"/>
+              <a:schemeClr val="bg1"/>
             </a:solidFill>
             <a:prstDash val="solid"/>
             <a:round/>
@@ -4480,17 +4759,55 @@
           </a:ln>
           <a:effectLst/>
         </p:spPr>
-      </p:cxnSp>
+        <p:txBody>
+          <a:bodyPr vert="horz" wrap="square" lIns="91440" tIns="45720" rIns="91440" bIns="45720" numCol="1" rtlCol="0" anchor="t" anchorCtr="0" compatLnSpc="1">
+            <a:prstTxWarp prst="textNoShape">
+              <a:avLst/>
+            </a:prstTxWarp>
+          </a:bodyPr>
+          <a:lstStyle/>
+          <a:p>
+            <a:pPr marL="0" marR="0" indent="0" algn="l" defTabSz="457200" rtl="0" eaLnBrk="1" fontAlgn="base" latinLnBrk="0" hangingPunct="1">
+              <a:lnSpc>
+                <a:spcPct val="100000"/>
+              </a:lnSpc>
+              <a:spcBef>
+                <a:spcPct val="0"/>
+              </a:spcBef>
+              <a:spcAft>
+                <a:spcPct val="0"/>
+              </a:spcAft>
+              <a:buClr>
+                <a:srgbClr val="000000"/>
+              </a:buClr>
+              <a:buSzPct val="100000"/>
+              <a:buFont typeface="Times New Roman" pitchFamily="16" charset="0"/>
+              <a:buNone/>
+              <a:tabLst/>
+            </a:pPr>
+            <a:endParaRPr kumimoji="0" lang="en-US" sz="1800" b="0" i="0" u="none" strike="noStrike" cap="none" normalizeH="0" baseline="0" smtClean="0">
+              <a:ln>
+                <a:noFill/>
+              </a:ln>
+              <a:solidFill>
+                <a:schemeClr val="bg1"/>
+              </a:solidFill>
+              <a:effectLst/>
+              <a:latin typeface="Arial" charset="0"/>
+            </a:endParaRPr>
+          </a:p>
+        </p:txBody>
+      </p:sp>
       <p:sp>
         <p:nvSpPr>
-          <p:cNvPr id="27" name="TextBox 26"/>
+          <p:cNvPr id="41" name="TextBox 40"/>
           <p:cNvSpPr txBox="1"/>
           <p:nvPr/>
         </p:nvSpPr>
         <p:spPr>
           <a:xfrm>
-            <a:off x="5090429" y="1826652"/>
-            <a:ext cx="965443" cy="307777"/>
+            <a:off x="1960918" y="3681038"/>
+            <a:ext cx="477910" cy="323165"/>
           </a:xfrm>
           <a:prstGeom prst="rect">
             <a:avLst/>
@@ -4504,31 +4821,387 @@
           <a:lstStyle/>
           <a:p>
             <a:r>
-              <a:rPr lang="en-US" sz="1400" dirty="0" smtClean="0">
+              <a:rPr lang="en-US" sz="1500" dirty="0" smtClean="0">
                 <a:solidFill>
                   <a:schemeClr val="tx1"/>
                 </a:solidFill>
+                <a:latin typeface="Cambria" panose="02040503050406030204" pitchFamily="18" charset="0"/>
               </a:rPr>
-              <a:t>spin up</a:t>
+              <a:t>0.5</a:t>
             </a:r>
-            <a:endParaRPr lang="en-US" sz="1400" dirty="0">
+            <a:endParaRPr lang="en-US" sz="1500" dirty="0">
               <a:solidFill>
                 <a:schemeClr val="tx1"/>
               </a:solidFill>
+              <a:latin typeface="Cambria" panose="02040503050406030204" pitchFamily="18" charset="0"/>
             </a:endParaRPr>
           </a:p>
         </p:txBody>
       </p:sp>
+      <mc:AlternateContent xmlns:mc="http://schemas.openxmlformats.org/markup-compatibility/2006" xmlns:a14="http://schemas.microsoft.com/office/drawing/2010/main">
+        <mc:Choice Requires="a14">
+          <p:sp>
+            <p:nvSpPr>
+              <p:cNvPr id="40" name="TextBox 39"/>
+              <p:cNvSpPr txBox="1"/>
+              <p:nvPr/>
+            </p:nvSpPr>
+            <p:spPr>
+              <a:xfrm rot="21239296">
+                <a:off x="4531542" y="5076528"/>
+                <a:ext cx="612219" cy="384721"/>
+              </a:xfrm>
+              <a:prstGeom prst="rect">
+                <a:avLst/>
+              </a:prstGeom>
+              <a:noFill/>
+            </p:spPr>
+            <p:txBody>
+              <a:bodyPr wrap="none" lIns="0" tIns="0" rIns="0" bIns="0" rtlCol="0">
+                <a:spAutoFit/>
+                <a:scene3d>
+                  <a:camera prst="orthographicFront">
+                    <a:rot lat="0" lon="0" rev="0"/>
+                  </a:camera>
+                  <a:lightRig rig="threePt" dir="t"/>
+                </a:scene3d>
+              </a:bodyPr>
+              <a:lstStyle/>
+              <a:p>
+                <a:pPr/>
+                <a14:m>
+                  <m:oMathPara xmlns:m="http://schemas.openxmlformats.org/officeDocument/2006/math">
+                    <m:oMathParaPr>
+                      <m:jc m:val="centerGroup"/>
+                    </m:oMathParaPr>
+                    <m:oMath xmlns:m="http://schemas.openxmlformats.org/officeDocument/2006/math">
+                      <m:r>
+                        <a:rPr lang="en-US" sz="2500" b="0" i="1" smtClean="0">
+                          <a:solidFill>
+                            <a:schemeClr val="tx1"/>
+                          </a:solidFill>
+                          <a:latin typeface="Cambria Math" panose="02040503050406030204" pitchFamily="18" charset="0"/>
+                        </a:rPr>
+                        <m:t>𝑥</m:t>
+                      </m:r>
+                      <m:r>
+                        <a:rPr lang="en-US" sz="2500" b="0" i="1" smtClean="0">
+                          <a:solidFill>
+                            <a:schemeClr val="tx1"/>
+                          </a:solidFill>
+                          <a:latin typeface="Cambria Math" panose="02040503050406030204" pitchFamily="18" charset="0"/>
+                        </a:rPr>
+                        <m:t>/</m:t>
+                      </m:r>
+                      <m:r>
+                        <a:rPr lang="en-US" sz="2500" b="0" i="1" smtClean="0">
+                          <a:solidFill>
+                            <a:schemeClr val="tx1"/>
+                          </a:solidFill>
+                          <a:latin typeface="Cambria Math" panose="02040503050406030204" pitchFamily="18" charset="0"/>
+                        </a:rPr>
+                        <m:t>𝑎</m:t>
+                      </m:r>
+                    </m:oMath>
+                  </m:oMathPara>
+                </a14:m>
+                <a:endParaRPr lang="en-US" sz="2500" dirty="0"/>
+              </a:p>
+            </p:txBody>
+          </p:sp>
+        </mc:Choice>
+        <mc:Fallback xmlns="">
+          <p:sp>
+            <p:nvSpPr>
+              <p:cNvPr id="40" name="TextBox 39"/>
+              <p:cNvSpPr txBox="1">
+                <a:spLocks noRot="1" noChangeAspect="1" noMove="1" noResize="1" noEditPoints="1" noAdjustHandles="1" noChangeArrowheads="1" noChangeShapeType="1" noTextEdit="1"/>
+              </p:cNvSpPr>
+              <p:nvPr/>
+            </p:nvSpPr>
+            <p:spPr>
+              <a:xfrm rot="21239296">
+                <a:off x="4531542" y="5076528"/>
+                <a:ext cx="612219" cy="384721"/>
+              </a:xfrm>
+              <a:prstGeom prst="rect">
+                <a:avLst/>
+              </a:prstGeom>
+              <a:blipFill rotWithShape="0">
+                <a:blip r:embed="rId4"/>
+                <a:stretch>
+                  <a:fillRect/>
+                </a:stretch>
+              </a:blipFill>
+            </p:spPr>
+            <p:txBody>
+              <a:bodyPr/>
+              <a:lstStyle/>
+              <a:p>
+                <a:r>
+                  <a:rPr lang="en-US">
+                    <a:noFill/>
+                  </a:rPr>
+                  <a:t> </a:t>
+                </a:r>
+              </a:p>
+            </p:txBody>
+          </p:sp>
+        </mc:Fallback>
+      </mc:AlternateContent>
+      <mc:AlternateContent xmlns:mc="http://schemas.openxmlformats.org/markup-compatibility/2006" xmlns:a14="http://schemas.microsoft.com/office/drawing/2010/main">
+        <mc:Choice Requires="a14">
+          <p:sp>
+            <p:nvSpPr>
+              <p:cNvPr id="42" name="TextBox 41"/>
+              <p:cNvSpPr txBox="1"/>
+              <p:nvPr/>
+            </p:nvSpPr>
+            <p:spPr>
+              <a:xfrm rot="2812465">
+                <a:off x="2235332" y="4823216"/>
+                <a:ext cx="594522" cy="384721"/>
+              </a:xfrm>
+              <a:prstGeom prst="rect">
+                <a:avLst/>
+              </a:prstGeom>
+              <a:noFill/>
+            </p:spPr>
+            <p:txBody>
+              <a:bodyPr wrap="none" lIns="0" tIns="0" rIns="0" bIns="0" rtlCol="0">
+                <a:spAutoFit/>
+                <a:scene3d>
+                  <a:camera prst="orthographicFront">
+                    <a:rot lat="0" lon="0" rev="0"/>
+                  </a:camera>
+                  <a:lightRig rig="threePt" dir="t"/>
+                </a:scene3d>
+              </a:bodyPr>
+              <a:lstStyle/>
+              <a:p>
+                <a:pPr/>
+                <a14:m>
+                  <m:oMathPara xmlns:m="http://schemas.openxmlformats.org/officeDocument/2006/math">
+                    <m:oMathParaPr>
+                      <m:jc m:val="centerGroup"/>
+                    </m:oMathParaPr>
+                    <m:oMath xmlns:m="http://schemas.openxmlformats.org/officeDocument/2006/math">
+                      <m:r>
+                        <m:rPr>
+                          <m:sty m:val="p"/>
+                        </m:rPr>
+                        <a:rPr lang="en-US" sz="2500" b="0" i="0" smtClean="0">
+                          <a:solidFill>
+                            <a:schemeClr val="tx1"/>
+                          </a:solidFill>
+                          <a:latin typeface="Cambria Math" panose="02040503050406030204" pitchFamily="18" charset="0"/>
+                        </a:rPr>
+                        <m:t>y</m:t>
+                      </m:r>
+                      <m:r>
+                        <a:rPr lang="en-US" sz="2500" b="0" i="1" smtClean="0">
+                          <a:solidFill>
+                            <a:schemeClr val="tx1"/>
+                          </a:solidFill>
+                          <a:latin typeface="Cambria Math" panose="02040503050406030204" pitchFamily="18" charset="0"/>
+                        </a:rPr>
+                        <m:t>/</m:t>
+                      </m:r>
+                      <m:r>
+                        <a:rPr lang="en-US" sz="2500" b="0" i="1" smtClean="0">
+                          <a:solidFill>
+                            <a:schemeClr val="tx1"/>
+                          </a:solidFill>
+                          <a:latin typeface="Cambria Math" panose="02040503050406030204" pitchFamily="18" charset="0"/>
+                        </a:rPr>
+                        <m:t>𝑎</m:t>
+                      </m:r>
+                    </m:oMath>
+                  </m:oMathPara>
+                </a14:m>
+                <a:endParaRPr lang="en-US" sz="2500" dirty="0"/>
+              </a:p>
+            </p:txBody>
+          </p:sp>
+        </mc:Choice>
+        <mc:Fallback xmlns="">
+          <p:sp>
+            <p:nvSpPr>
+              <p:cNvPr id="42" name="TextBox 41"/>
+              <p:cNvSpPr txBox="1">
+                <a:spLocks noRot="1" noChangeAspect="1" noMove="1" noResize="1" noEditPoints="1" noAdjustHandles="1" noChangeArrowheads="1" noChangeShapeType="1" noTextEdit="1"/>
+              </p:cNvSpPr>
+              <p:nvPr/>
+            </p:nvSpPr>
+            <p:spPr>
+              <a:xfrm rot="2812465">
+                <a:off x="2235332" y="4823216"/>
+                <a:ext cx="594522" cy="384721"/>
+              </a:xfrm>
+              <a:prstGeom prst="rect">
+                <a:avLst/>
+              </a:prstGeom>
+              <a:blipFill rotWithShape="0">
+                <a:blip r:embed="rId5"/>
+                <a:stretch>
+                  <a:fillRect/>
+                </a:stretch>
+              </a:blipFill>
+            </p:spPr>
+            <p:txBody>
+              <a:bodyPr/>
+              <a:lstStyle/>
+              <a:p>
+                <a:r>
+                  <a:rPr lang="en-US">
+                    <a:noFill/>
+                  </a:rPr>
+                  <a:t> </a:t>
+                </a:r>
+              </a:p>
+            </p:txBody>
+          </p:sp>
+        </mc:Fallback>
+      </mc:AlternateContent>
+      <mc:AlternateContent xmlns:mc="http://schemas.openxmlformats.org/markup-compatibility/2006" xmlns:a14="http://schemas.microsoft.com/office/drawing/2010/main">
+        <mc:Choice Requires="a14">
+          <p:sp>
+            <p:nvSpPr>
+              <p:cNvPr id="43" name="TextBox 42"/>
+              <p:cNvSpPr txBox="1"/>
+              <p:nvPr/>
+            </p:nvSpPr>
+            <p:spPr>
+              <a:xfrm rot="21153204">
+                <a:off x="2366033" y="2412101"/>
+                <a:ext cx="626262" cy="230832"/>
+              </a:xfrm>
+              <a:prstGeom prst="rect">
+                <a:avLst/>
+              </a:prstGeom>
+              <a:noFill/>
+            </p:spPr>
+            <p:txBody>
+              <a:bodyPr wrap="none" lIns="0" tIns="0" rIns="0" bIns="0" rtlCol="0">
+                <a:spAutoFit/>
+              </a:bodyPr>
+              <a:lstStyle/>
+              <a:p>
+                <a14:m>
+                  <m:oMath xmlns:m="http://schemas.openxmlformats.org/officeDocument/2006/math">
+                    <m:r>
+                      <a:rPr lang="en-US" sz="1500" b="0" i="1" smtClean="0">
+                        <a:solidFill>
+                          <a:schemeClr val="tx1"/>
+                        </a:solidFill>
+                        <a:latin typeface="Cambria Math" panose="02040503050406030204" pitchFamily="18" charset="0"/>
+                      </a:rPr>
+                      <m:t>×</m:t>
+                    </m:r>
+                    <m:sSup>
+                      <m:sSupPr>
+                        <m:ctrlPr>
+                          <a:rPr lang="en-US" sz="1500" b="0" i="1" smtClean="0">
+                            <a:solidFill>
+                              <a:schemeClr val="tx1"/>
+                            </a:solidFill>
+                            <a:latin typeface="Cambria Math" panose="02040503050406030204" pitchFamily="18" charset="0"/>
+                          </a:rPr>
+                        </m:ctrlPr>
+                      </m:sSupPr>
+                      <m:e>
+                        <m:r>
+                          <a:rPr lang="en-US" sz="1500" b="0" i="1" smtClean="0">
+                            <a:solidFill>
+                              <a:schemeClr val="tx1"/>
+                            </a:solidFill>
+                            <a:latin typeface="Cambria Math" panose="02040503050406030204" pitchFamily="18" charset="0"/>
+                          </a:rPr>
+                          <m:t>10</m:t>
+                        </m:r>
+                      </m:e>
+                      <m:sup>
+                        <m:r>
+                          <a:rPr lang="en-US" sz="1500" b="0" i="1" smtClean="0">
+                            <a:solidFill>
+                              <a:schemeClr val="tx1"/>
+                            </a:solidFill>
+                            <a:latin typeface="Cambria Math" panose="02040503050406030204" pitchFamily="18" charset="0"/>
+                          </a:rPr>
+                          <m:t>−3</m:t>
+                        </m:r>
+                      </m:sup>
+                    </m:sSup>
+                  </m:oMath>
+                </a14:m>
+                <a:r>
+                  <a:rPr lang="en-US" sz="1500" dirty="0" smtClean="0">
+                    <a:solidFill>
+                      <a:schemeClr val="tx1"/>
+                    </a:solidFill>
+                    <a:latin typeface="Cambria" panose="02040503050406030204" pitchFamily="18" charset="0"/>
+                  </a:rPr>
+                  <a:t> </a:t>
+                </a:r>
+                <a:endParaRPr lang="en-US" sz="1500" dirty="0">
+                  <a:solidFill>
+                    <a:schemeClr val="tx1"/>
+                  </a:solidFill>
+                  <a:latin typeface="Cambria" panose="02040503050406030204" pitchFamily="18" charset="0"/>
+                </a:endParaRPr>
+              </a:p>
+            </p:txBody>
+          </p:sp>
+        </mc:Choice>
+        <mc:Fallback xmlns="">
+          <p:sp>
+            <p:nvSpPr>
+              <p:cNvPr id="43" name="TextBox 42"/>
+              <p:cNvSpPr txBox="1">
+                <a:spLocks noRot="1" noChangeAspect="1" noMove="1" noResize="1" noEditPoints="1" noAdjustHandles="1" noChangeArrowheads="1" noChangeShapeType="1" noTextEdit="1"/>
+              </p:cNvSpPr>
+              <p:nvPr/>
+            </p:nvSpPr>
+            <p:spPr>
+              <a:xfrm rot="21153204">
+                <a:off x="2366033" y="2412101"/>
+                <a:ext cx="626262" cy="230832"/>
+              </a:xfrm>
+              <a:prstGeom prst="rect">
+                <a:avLst/>
+              </a:prstGeom>
+              <a:blipFill rotWithShape="0">
+                <a:blip r:embed="rId6"/>
+                <a:stretch>
+                  <a:fillRect l="-7477" b="-1923"/>
+                </a:stretch>
+              </a:blipFill>
+            </p:spPr>
+            <p:txBody>
+              <a:bodyPr/>
+              <a:lstStyle/>
+              <a:p>
+                <a:r>
+                  <a:rPr lang="en-US">
+                    <a:noFill/>
+                  </a:rPr>
+                  <a:t> </a:t>
+                </a:r>
+              </a:p>
+            </p:txBody>
+          </p:sp>
+        </mc:Fallback>
+      </mc:AlternateContent>
       <p:sp>
         <p:nvSpPr>
-          <p:cNvPr id="28" name="TextBox 27"/>
+          <p:cNvPr id="24" name="TextBox 23"/>
           <p:cNvSpPr txBox="1"/>
           <p:nvPr/>
         </p:nvSpPr>
         <p:spPr>
           <a:xfrm>
-            <a:off x="3311338" y="1842213"/>
-            <a:ext cx="1132205" cy="307777"/>
+            <a:off x="1967696" y="2861748"/>
+            <a:ext cx="477910" cy="323165"/>
           </a:xfrm>
           <a:prstGeom prst="rect">
             <a:avLst/>
@@ -4542,17 +5215,68 @@
           <a:lstStyle/>
           <a:p>
             <a:r>
-              <a:rPr lang="en-US" sz="1400" dirty="0" smtClean="0">
+              <a:rPr lang="en-US" sz="1500" dirty="0">
                 <a:solidFill>
                   <a:schemeClr val="tx1"/>
                 </a:solidFill>
+                <a:latin typeface="Cambria" panose="02040503050406030204" pitchFamily="18" charset="0"/>
               </a:rPr>
-              <a:t>spin down</a:t>
+              <a:t>1</a:t>
             </a:r>
-            <a:endParaRPr lang="en-US" sz="1400" dirty="0">
+            <a:r>
+              <a:rPr lang="en-US" sz="1500" dirty="0" smtClean="0">
+                <a:solidFill>
+                  <a:schemeClr val="tx1"/>
+                </a:solidFill>
+                <a:latin typeface="Cambria" panose="02040503050406030204" pitchFamily="18" charset="0"/>
+              </a:rPr>
+              <a:t>.5</a:t>
+            </a:r>
+            <a:endParaRPr lang="en-US" sz="1500" dirty="0">
               <a:solidFill>
                 <a:schemeClr val="tx1"/>
               </a:solidFill>
+              <a:latin typeface="Cambria" panose="02040503050406030204" pitchFamily="18" charset="0"/>
+            </a:endParaRPr>
+          </a:p>
+        </p:txBody>
+      </p:sp>
+      <p:sp>
+        <p:nvSpPr>
+          <p:cNvPr id="26" name="TextBox 25"/>
+          <p:cNvSpPr txBox="1"/>
+          <p:nvPr/>
+        </p:nvSpPr>
+        <p:spPr>
+          <a:xfrm>
+            <a:off x="2099479" y="4083736"/>
+            <a:ext cx="477910" cy="323165"/>
+          </a:xfrm>
+          <a:prstGeom prst="rect">
+            <a:avLst/>
+          </a:prstGeom>
+          <a:noFill/>
+        </p:spPr>
+        <p:txBody>
+          <a:bodyPr wrap="square" rtlCol="0">
+            <a:spAutoFit/>
+          </a:bodyPr>
+          <a:lstStyle/>
+          <a:p>
+            <a:r>
+              <a:rPr lang="en-US" sz="1500" dirty="0" smtClean="0">
+                <a:solidFill>
+                  <a:schemeClr val="tx1"/>
+                </a:solidFill>
+                <a:latin typeface="Cambria" panose="02040503050406030204" pitchFamily="18" charset="0"/>
+              </a:rPr>
+              <a:t>0</a:t>
+            </a:r>
+            <a:endParaRPr lang="en-US" sz="1500" dirty="0">
+              <a:solidFill>
+                <a:schemeClr val="tx1"/>
+              </a:solidFill>
+              <a:latin typeface="Cambria" panose="02040503050406030204" pitchFamily="18" charset="0"/>
             </a:endParaRPr>
           </a:p>
         </p:txBody>
@@ -4560,7 +5284,7 @@
     </p:spTree>
     <p:extLst>
       <p:ext uri="{BB962C8B-B14F-4D97-AF65-F5344CB8AC3E}">
-        <p14:creationId xmlns:p14="http://schemas.microsoft.com/office/powerpoint/2010/main" val="2843493538"/>
+        <p14:creationId xmlns:p14="http://schemas.microsoft.com/office/powerpoint/2010/main" val="4087553711"/>
       </p:ext>
     </p:extLst>
   </p:cSld>
@@ -4587,9 +5311,69 @@
           <a:chExt cx="0" cy="0"/>
         </a:xfrm>
       </p:grpSpPr>
+      <p:pic>
+        <p:nvPicPr>
+          <p:cNvPr id="28" name="図 3"/>
+          <p:cNvPicPr>
+            <a:picLocks noChangeAspect="1"/>
+          </p:cNvPicPr>
+          <p:nvPr/>
+        </p:nvPicPr>
+        <p:blipFill>
+          <a:blip r:embed="rId2">
+            <a:extLst>
+              <a:ext uri="{28A0092B-C50C-407E-A947-70E740481C1C}">
+                <a14:useLocalDpi xmlns:a14="http://schemas.microsoft.com/office/drawing/2010/main" val="0"/>
+              </a:ext>
+            </a:extLst>
+          </a:blip>
+          <a:stretch>
+            <a:fillRect/>
+          </a:stretch>
+        </p:blipFill>
+        <p:spPr>
+          <a:xfrm>
+            <a:off x="1907974" y="2190751"/>
+            <a:ext cx="4645225" cy="3483919"/>
+          </a:xfrm>
+          <a:prstGeom prst="rect">
+            <a:avLst/>
+          </a:prstGeom>
+        </p:spPr>
+      </p:pic>
+      <p:pic>
+        <p:nvPicPr>
+          <p:cNvPr id="3" name="図 3"/>
+          <p:cNvPicPr>
+            <a:picLocks noChangeAspect="1"/>
+          </p:cNvPicPr>
+          <p:nvPr/>
+        </p:nvPicPr>
+        <p:blipFill>
+          <a:blip r:embed="rId2">
+            <a:extLst>
+              <a:ext uri="{28A0092B-C50C-407E-A947-70E740481C1C}">
+                <a14:useLocalDpi xmlns:a14="http://schemas.microsoft.com/office/drawing/2010/main" val="0"/>
+              </a:ext>
+            </a:extLst>
+          </a:blip>
+          <a:stretch>
+            <a:fillRect/>
+          </a:stretch>
+        </p:blipFill>
+        <p:spPr>
+          <a:xfrm>
+            <a:off x="1755574" y="2038351"/>
+            <a:ext cx="4645225" cy="3483919"/>
+          </a:xfrm>
+          <a:prstGeom prst="rect">
+            <a:avLst/>
+          </a:prstGeom>
+        </p:spPr>
+      </p:pic>
       <p:sp>
         <p:nvSpPr>
-          <p:cNvPr id="2" name="Rectangle 6"/>
+          <p:cNvPr id="4" name="Rectangle 6"/>
           <p:cNvSpPr>
             <a:spLocks noChangeArrowheads="1"/>
           </p:cNvSpPr>
@@ -4597,8 +5381,8 @@
         </p:nvSpPr>
         <p:spPr bwMode="auto">
           <a:xfrm>
-            <a:off x="2288109" y="1742904"/>
-            <a:ext cx="3889587" cy="3886200"/>
+            <a:off x="2025269" y="2257004"/>
+            <a:ext cx="4013581" cy="3233307"/>
           </a:xfrm>
           <a:prstGeom prst="rect">
             <a:avLst/>
@@ -4638,9 +5422,1243 @@
           </a:p>
         </p:txBody>
       </p:sp>
+      <p:sp>
+        <p:nvSpPr>
+          <p:cNvPr id="5" name="Rectangle 4"/>
+          <p:cNvSpPr/>
+          <p:nvPr/>
+        </p:nvSpPr>
+        <p:spPr bwMode="auto">
+          <a:xfrm>
+            <a:off x="2178680" y="1931518"/>
+            <a:ext cx="3945467" cy="325486"/>
+          </a:xfrm>
+          <a:prstGeom prst="rect">
+            <a:avLst/>
+          </a:prstGeom>
+          <a:solidFill>
+            <a:schemeClr val="bg1"/>
+          </a:solidFill>
+          <a:ln w="9525" cap="flat" cmpd="sng" algn="ctr">
+            <a:noFill/>
+            <a:prstDash val="solid"/>
+            <a:round/>
+            <a:headEnd type="none" w="med" len="med"/>
+            <a:tailEnd type="none" w="med" len="med"/>
+          </a:ln>
+          <a:effectLst/>
+        </p:spPr>
+        <p:txBody>
+          <a:bodyPr vert="horz" wrap="square" lIns="91440" tIns="45720" rIns="91440" bIns="45720" numCol="1" rtlCol="0" anchor="t" anchorCtr="0" compatLnSpc="1">
+            <a:prstTxWarp prst="textNoShape">
+              <a:avLst/>
+            </a:prstTxWarp>
+          </a:bodyPr>
+          <a:lstStyle/>
+          <a:p>
+            <a:pPr marL="0" marR="0" indent="0" algn="l" defTabSz="457200" rtl="0" eaLnBrk="1" fontAlgn="base" latinLnBrk="0" hangingPunct="1">
+              <a:lnSpc>
+                <a:spcPct val="100000"/>
+              </a:lnSpc>
+              <a:spcBef>
+                <a:spcPct val="0"/>
+              </a:spcBef>
+              <a:spcAft>
+                <a:spcPct val="0"/>
+              </a:spcAft>
+              <a:buClr>
+                <a:srgbClr val="000000"/>
+              </a:buClr>
+              <a:buSzPct val="100000"/>
+              <a:buFont typeface="Times New Roman" pitchFamily="16" charset="0"/>
+              <a:buNone/>
+              <a:tabLst/>
+            </a:pPr>
+            <a:endParaRPr kumimoji="0" lang="en-US" sz="1800" b="0" i="0" u="none" strike="noStrike" cap="none" normalizeH="0" baseline="0" smtClean="0">
+              <a:ln>
+                <a:noFill/>
+              </a:ln>
+              <a:solidFill>
+                <a:schemeClr val="bg1"/>
+              </a:solidFill>
+              <a:effectLst/>
+              <a:latin typeface="Arial" charset="0"/>
+            </a:endParaRPr>
+          </a:p>
+        </p:txBody>
+      </p:sp>
+      <p:sp>
+        <p:nvSpPr>
+          <p:cNvPr id="12" name="Rectangle 11"/>
+          <p:cNvSpPr/>
+          <p:nvPr/>
+        </p:nvSpPr>
+        <p:spPr bwMode="auto">
+          <a:xfrm rot="21176846">
+            <a:off x="3305398" y="5014622"/>
+            <a:ext cx="2993105" cy="293051"/>
+          </a:xfrm>
+          <a:prstGeom prst="rect">
+            <a:avLst/>
+          </a:prstGeom>
+          <a:solidFill>
+            <a:schemeClr val="bg1"/>
+          </a:solidFill>
+          <a:ln w="9525" cap="flat" cmpd="sng" algn="ctr">
+            <a:solidFill>
+              <a:schemeClr val="bg1"/>
+            </a:solidFill>
+            <a:prstDash val="solid"/>
+            <a:round/>
+            <a:headEnd type="none" w="med" len="med"/>
+            <a:tailEnd type="none" w="med" len="med"/>
+          </a:ln>
+          <a:effectLst/>
+        </p:spPr>
+        <p:txBody>
+          <a:bodyPr vert="horz" wrap="square" lIns="91440" tIns="45720" rIns="91440" bIns="45720" numCol="1" rtlCol="0" anchor="t" anchorCtr="0" compatLnSpc="1">
+            <a:prstTxWarp prst="textNoShape">
+              <a:avLst/>
+            </a:prstTxWarp>
+          </a:bodyPr>
+          <a:lstStyle/>
+          <a:p>
+            <a:pPr marL="0" marR="0" indent="0" algn="l" defTabSz="457200" rtl="0" eaLnBrk="1" fontAlgn="base" latinLnBrk="0" hangingPunct="1">
+              <a:lnSpc>
+                <a:spcPct val="100000"/>
+              </a:lnSpc>
+              <a:spcBef>
+                <a:spcPct val="0"/>
+              </a:spcBef>
+              <a:spcAft>
+                <a:spcPct val="0"/>
+              </a:spcAft>
+              <a:buClr>
+                <a:srgbClr val="000000"/>
+              </a:buClr>
+              <a:buSzPct val="100000"/>
+              <a:buFont typeface="Times New Roman" pitchFamily="16" charset="0"/>
+              <a:buNone/>
+              <a:tabLst/>
+            </a:pPr>
+            <a:endParaRPr kumimoji="0" lang="en-US" sz="1800" b="0" i="0" u="none" strike="noStrike" cap="none" normalizeH="0" baseline="0" smtClean="0">
+              <a:ln>
+                <a:noFill/>
+              </a:ln>
+              <a:solidFill>
+                <a:schemeClr val="bg1"/>
+              </a:solidFill>
+              <a:effectLst/>
+              <a:latin typeface="Arial" charset="0"/>
+            </a:endParaRPr>
+          </a:p>
+        </p:txBody>
+      </p:sp>
+      <p:sp>
+        <p:nvSpPr>
+          <p:cNvPr id="22" name="Rectangle 21"/>
+          <p:cNvSpPr/>
+          <p:nvPr/>
+        </p:nvSpPr>
+        <p:spPr bwMode="auto">
+          <a:xfrm rot="2484240" flipV="1">
+            <a:off x="1570665" y="4779138"/>
+            <a:ext cx="2335324" cy="444024"/>
+          </a:xfrm>
+          <a:prstGeom prst="rect">
+            <a:avLst/>
+          </a:prstGeom>
+          <a:solidFill>
+            <a:schemeClr val="bg1"/>
+          </a:solidFill>
+          <a:ln w="9525" cap="flat" cmpd="sng" algn="ctr">
+            <a:solidFill>
+              <a:schemeClr val="bg1"/>
+            </a:solidFill>
+            <a:prstDash val="solid"/>
+            <a:round/>
+            <a:headEnd type="none" w="med" len="med"/>
+            <a:tailEnd type="none" w="med" len="med"/>
+          </a:ln>
+          <a:effectLst/>
+        </p:spPr>
+        <p:txBody>
+          <a:bodyPr vert="horz" wrap="square" lIns="91440" tIns="45720" rIns="91440" bIns="45720" numCol="1" rtlCol="0" anchor="t" anchorCtr="0" compatLnSpc="1">
+            <a:prstTxWarp prst="textNoShape">
+              <a:avLst/>
+            </a:prstTxWarp>
+          </a:bodyPr>
+          <a:lstStyle/>
+          <a:p>
+            <a:pPr marL="0" marR="0" indent="0" algn="l" defTabSz="457200" rtl="0" eaLnBrk="1" fontAlgn="base" latinLnBrk="0" hangingPunct="1">
+              <a:lnSpc>
+                <a:spcPct val="100000"/>
+              </a:lnSpc>
+              <a:spcBef>
+                <a:spcPct val="0"/>
+              </a:spcBef>
+              <a:spcAft>
+                <a:spcPct val="0"/>
+              </a:spcAft>
+              <a:buClr>
+                <a:srgbClr val="000000"/>
+              </a:buClr>
+              <a:buSzPct val="100000"/>
+              <a:buFont typeface="Times New Roman" pitchFamily="16" charset="0"/>
+              <a:buNone/>
+              <a:tabLst/>
+            </a:pPr>
+            <a:endParaRPr kumimoji="0" lang="en-US" sz="1800" b="0" i="0" u="none" strike="noStrike" cap="none" normalizeH="0" baseline="-25000" dirty="0" smtClean="0">
+              <a:ln>
+                <a:noFill/>
+              </a:ln>
+              <a:solidFill>
+                <a:schemeClr val="bg1"/>
+              </a:solidFill>
+              <a:effectLst/>
+              <a:latin typeface="Arial" charset="0"/>
+            </a:endParaRPr>
+          </a:p>
+        </p:txBody>
+      </p:sp>
+      <p:sp>
+        <p:nvSpPr>
+          <p:cNvPr id="23" name="TextBox 22"/>
+          <p:cNvSpPr txBox="1"/>
+          <p:nvPr/>
+        </p:nvSpPr>
+        <p:spPr>
+          <a:xfrm>
+            <a:off x="4538711" y="4945724"/>
+            <a:ext cx="304476" cy="323165"/>
+          </a:xfrm>
+          <a:prstGeom prst="rect">
+            <a:avLst/>
+          </a:prstGeom>
+          <a:noFill/>
+        </p:spPr>
+        <p:txBody>
+          <a:bodyPr wrap="square" rtlCol="0">
+            <a:spAutoFit/>
+          </a:bodyPr>
+          <a:lstStyle/>
+          <a:p>
+            <a:r>
+              <a:rPr lang="en-US" sz="1500" dirty="0" smtClean="0">
+                <a:solidFill>
+                  <a:schemeClr val="tx1"/>
+                </a:solidFill>
+                <a:latin typeface="Cambria" panose="02040503050406030204" pitchFamily="18" charset="0"/>
+              </a:rPr>
+              <a:t>0</a:t>
+            </a:r>
+            <a:endParaRPr lang="en-US" sz="1500" dirty="0">
+              <a:solidFill>
+                <a:schemeClr val="tx1"/>
+              </a:solidFill>
+              <a:latin typeface="Cambria" panose="02040503050406030204" pitchFamily="18" charset="0"/>
+            </a:endParaRPr>
+          </a:p>
+        </p:txBody>
+      </p:sp>
+      <p:sp>
+        <p:nvSpPr>
+          <p:cNvPr id="25" name="TextBox 24"/>
+          <p:cNvSpPr txBox="1"/>
+          <p:nvPr/>
+        </p:nvSpPr>
+        <p:spPr>
+          <a:xfrm>
+            <a:off x="5117937" y="4889054"/>
+            <a:ext cx="420128" cy="323165"/>
+          </a:xfrm>
+          <a:prstGeom prst="rect">
+            <a:avLst/>
+          </a:prstGeom>
+          <a:noFill/>
+        </p:spPr>
+        <p:txBody>
+          <a:bodyPr wrap="square" rtlCol="0">
+            <a:spAutoFit/>
+          </a:bodyPr>
+          <a:lstStyle/>
+          <a:p>
+            <a:r>
+              <a:rPr lang="en-US" sz="1500" dirty="0" smtClean="0">
+                <a:solidFill>
+                  <a:schemeClr val="tx1"/>
+                </a:solidFill>
+                <a:latin typeface="Cambria" panose="02040503050406030204" pitchFamily="18" charset="0"/>
+              </a:rPr>
+              <a:t>10</a:t>
+            </a:r>
+            <a:endParaRPr lang="en-US" sz="1500" dirty="0">
+              <a:solidFill>
+                <a:schemeClr val="tx1"/>
+              </a:solidFill>
+              <a:latin typeface="Cambria" panose="02040503050406030204" pitchFamily="18" charset="0"/>
+            </a:endParaRPr>
+          </a:p>
+        </p:txBody>
+      </p:sp>
+      <p:sp>
+        <p:nvSpPr>
+          <p:cNvPr id="27" name="TextBox 26"/>
+          <p:cNvSpPr txBox="1"/>
+          <p:nvPr/>
+        </p:nvSpPr>
+        <p:spPr>
+          <a:xfrm>
+            <a:off x="2611469" y="4839567"/>
+            <a:ext cx="471610" cy="323165"/>
+          </a:xfrm>
+          <a:prstGeom prst="rect">
+            <a:avLst/>
+          </a:prstGeom>
+          <a:noFill/>
+        </p:spPr>
+        <p:txBody>
+          <a:bodyPr wrap="square" rtlCol="0">
+            <a:spAutoFit/>
+          </a:bodyPr>
+          <a:lstStyle/>
+          <a:p>
+            <a:r>
+              <a:rPr lang="en-US" sz="1500" dirty="0" smtClean="0">
+                <a:solidFill>
+                  <a:schemeClr val="tx1"/>
+                </a:solidFill>
+                <a:latin typeface="Cambria" panose="02040503050406030204" pitchFamily="18" charset="0"/>
+              </a:rPr>
+              <a:t>-10</a:t>
+            </a:r>
+            <a:endParaRPr lang="en-US" sz="1500" dirty="0">
+              <a:solidFill>
+                <a:schemeClr val="tx1"/>
+              </a:solidFill>
+              <a:latin typeface="Cambria" panose="02040503050406030204" pitchFamily="18" charset="0"/>
+            </a:endParaRPr>
+          </a:p>
+        </p:txBody>
+      </p:sp>
+      <p:sp>
+        <p:nvSpPr>
+          <p:cNvPr id="29" name="TextBox 28"/>
+          <p:cNvSpPr txBox="1"/>
+          <p:nvPr/>
+        </p:nvSpPr>
+        <p:spPr>
+          <a:xfrm>
+            <a:off x="2552396" y="4576480"/>
+            <a:ext cx="304476" cy="323165"/>
+          </a:xfrm>
+          <a:prstGeom prst="rect">
+            <a:avLst/>
+          </a:prstGeom>
+          <a:noFill/>
+        </p:spPr>
+        <p:txBody>
+          <a:bodyPr wrap="square" rtlCol="0">
+            <a:spAutoFit/>
+          </a:bodyPr>
+          <a:lstStyle/>
+          <a:p>
+            <a:r>
+              <a:rPr lang="en-US" sz="1500" dirty="0" smtClean="0">
+                <a:solidFill>
+                  <a:schemeClr val="tx1"/>
+                </a:solidFill>
+                <a:latin typeface="Cambria" panose="02040503050406030204" pitchFamily="18" charset="0"/>
+              </a:rPr>
+              <a:t>0</a:t>
+            </a:r>
+            <a:endParaRPr lang="en-US" sz="1500" dirty="0">
+              <a:solidFill>
+                <a:schemeClr val="tx1"/>
+              </a:solidFill>
+              <a:latin typeface="Cambria" panose="02040503050406030204" pitchFamily="18" charset="0"/>
+            </a:endParaRPr>
+          </a:p>
+        </p:txBody>
+      </p:sp>
+      <p:sp>
+        <p:nvSpPr>
+          <p:cNvPr id="30" name="TextBox 29"/>
+          <p:cNvSpPr txBox="1"/>
+          <p:nvPr/>
+        </p:nvSpPr>
+        <p:spPr>
+          <a:xfrm>
+            <a:off x="3799926" y="5021543"/>
+            <a:ext cx="471610" cy="323165"/>
+          </a:xfrm>
+          <a:prstGeom prst="rect">
+            <a:avLst/>
+          </a:prstGeom>
+          <a:noFill/>
+        </p:spPr>
+        <p:txBody>
+          <a:bodyPr wrap="square" rtlCol="0">
+            <a:spAutoFit/>
+          </a:bodyPr>
+          <a:lstStyle/>
+          <a:p>
+            <a:r>
+              <a:rPr lang="en-US" sz="1500" dirty="0" smtClean="0">
+                <a:solidFill>
+                  <a:schemeClr val="tx1"/>
+                </a:solidFill>
+                <a:latin typeface="Cambria" panose="02040503050406030204" pitchFamily="18" charset="0"/>
+              </a:rPr>
+              <a:t>-10</a:t>
+            </a:r>
+            <a:endParaRPr lang="en-US" sz="1500" dirty="0">
+              <a:solidFill>
+                <a:schemeClr val="tx1"/>
+              </a:solidFill>
+              <a:latin typeface="Cambria" panose="02040503050406030204" pitchFamily="18" charset="0"/>
+            </a:endParaRPr>
+          </a:p>
+        </p:txBody>
+      </p:sp>
+      <p:sp>
+        <p:nvSpPr>
+          <p:cNvPr id="32" name="TextBox 31"/>
+          <p:cNvSpPr txBox="1"/>
+          <p:nvPr/>
+        </p:nvSpPr>
+        <p:spPr>
+          <a:xfrm>
+            <a:off x="2199873" y="4335364"/>
+            <a:ext cx="420128" cy="323165"/>
+          </a:xfrm>
+          <a:prstGeom prst="rect">
+            <a:avLst/>
+          </a:prstGeom>
+          <a:noFill/>
+        </p:spPr>
+        <p:txBody>
+          <a:bodyPr wrap="square" rtlCol="0">
+            <a:spAutoFit/>
+          </a:bodyPr>
+          <a:lstStyle/>
+          <a:p>
+            <a:r>
+              <a:rPr lang="en-US" sz="1500" dirty="0" smtClean="0">
+                <a:solidFill>
+                  <a:schemeClr val="tx1"/>
+                </a:solidFill>
+                <a:latin typeface="Cambria" panose="02040503050406030204" pitchFamily="18" charset="0"/>
+              </a:rPr>
+              <a:t>10</a:t>
+            </a:r>
+            <a:endParaRPr lang="en-US" sz="1500" dirty="0">
+              <a:solidFill>
+                <a:schemeClr val="tx1"/>
+              </a:solidFill>
+              <a:latin typeface="Cambria" panose="02040503050406030204" pitchFamily="18" charset="0"/>
+            </a:endParaRPr>
+          </a:p>
+        </p:txBody>
+      </p:sp>
+      <mc:AlternateContent xmlns:mc="http://schemas.openxmlformats.org/markup-compatibility/2006" xmlns:a14="http://schemas.microsoft.com/office/drawing/2010/main">
+        <mc:Choice Requires="a14">
+          <p:sp>
+            <p:nvSpPr>
+              <p:cNvPr id="7" name="TextBox 6"/>
+              <p:cNvSpPr txBox="1"/>
+              <p:nvPr/>
+            </p:nvSpPr>
+            <p:spPr>
+              <a:xfrm rot="21176394">
+                <a:off x="3993984" y="2412858"/>
+                <a:ext cx="937244" cy="384721"/>
+              </a:xfrm>
+              <a:prstGeom prst="rect">
+                <a:avLst/>
+              </a:prstGeom>
+              <a:noFill/>
+            </p:spPr>
+            <p:txBody>
+              <a:bodyPr wrap="none" lIns="0" tIns="0" rIns="0" bIns="0" rtlCol="0">
+                <a:spAutoFit/>
+                <a:scene3d>
+                  <a:camera prst="orthographicFront">
+                    <a:rot lat="0" lon="0" rev="0"/>
+                  </a:camera>
+                  <a:lightRig rig="threePt" dir="t"/>
+                </a:scene3d>
+              </a:bodyPr>
+              <a:lstStyle/>
+              <a:p>
+                <a:pPr/>
+                <a14:m>
+                  <m:oMathPara xmlns:m="http://schemas.openxmlformats.org/officeDocument/2006/math">
+                    <m:oMathParaPr>
+                      <m:jc m:val="centerGroup"/>
+                    </m:oMathParaPr>
+                    <m:oMath xmlns:m="http://schemas.openxmlformats.org/officeDocument/2006/math">
+                      <m:sSup>
+                        <m:sSupPr>
+                          <m:ctrlPr>
+                            <a:rPr lang="en-US" sz="2500" b="0" i="1" smtClean="0">
+                              <a:solidFill>
+                                <a:schemeClr val="tx1"/>
+                              </a:solidFill>
+                              <a:latin typeface="Cambria Math" panose="02040503050406030204" pitchFamily="18" charset="0"/>
+                            </a:rPr>
+                          </m:ctrlPr>
+                        </m:sSupPr>
+                        <m:e>
+                          <m:r>
+                            <m:rPr>
+                              <m:sty m:val="p"/>
+                            </m:rPr>
+                            <a:rPr lang="en-US" sz="2500" b="0" i="0" smtClean="0">
+                              <a:solidFill>
+                                <a:schemeClr val="tx1"/>
+                              </a:solidFill>
+                              <a:latin typeface="Cambria Math" panose="02040503050406030204" pitchFamily="18" charset="0"/>
+                            </a:rPr>
+                            <m:t>Ψ</m:t>
+                          </m:r>
+                        </m:e>
+                        <m:sup>
+                          <m:r>
+                            <a:rPr lang="en-US" sz="2500" b="0" i="1" smtClean="0">
+                              <a:solidFill>
+                                <a:schemeClr val="tx1"/>
+                              </a:solidFill>
+                              <a:latin typeface="Cambria Math" panose="02040503050406030204" pitchFamily="18" charset="0"/>
+                            </a:rPr>
+                            <m:t>2</m:t>
+                          </m:r>
+                        </m:sup>
+                      </m:sSup>
+                      <m:r>
+                        <a:rPr lang="en-US" sz="2500" b="0" i="1" smtClean="0">
+                          <a:solidFill>
+                            <a:schemeClr val="tx1"/>
+                          </a:solidFill>
+                          <a:latin typeface="Cambria Math" panose="02040503050406030204" pitchFamily="18" charset="0"/>
+                        </a:rPr>
+                        <m:t>(</m:t>
+                      </m:r>
+                      <m:r>
+                        <a:rPr lang="en-US" sz="2500" b="1" i="1" smtClean="0">
+                          <a:solidFill>
+                            <a:schemeClr val="tx1"/>
+                          </a:solidFill>
+                          <a:latin typeface="Cambria Math" panose="02040503050406030204" pitchFamily="18" charset="0"/>
+                        </a:rPr>
+                        <m:t>𝒓</m:t>
+                      </m:r>
+                      <m:r>
+                        <a:rPr lang="en-US" sz="2500" b="0" i="1" smtClean="0">
+                          <a:solidFill>
+                            <a:schemeClr val="tx1"/>
+                          </a:solidFill>
+                          <a:latin typeface="Cambria Math" panose="02040503050406030204" pitchFamily="18" charset="0"/>
+                        </a:rPr>
+                        <m:t>)</m:t>
+                      </m:r>
+                    </m:oMath>
+                  </m:oMathPara>
+                </a14:m>
+                <a:endParaRPr lang="en-US" sz="2500" dirty="0"/>
+              </a:p>
+            </p:txBody>
+          </p:sp>
+        </mc:Choice>
+        <mc:Fallback xmlns="">
+          <p:sp>
+            <p:nvSpPr>
+              <p:cNvPr id="7" name="TextBox 6"/>
+              <p:cNvSpPr txBox="1">
+                <a:spLocks noRot="1" noChangeAspect="1" noMove="1" noResize="1" noEditPoints="1" noAdjustHandles="1" noChangeArrowheads="1" noChangeShapeType="1" noTextEdit="1"/>
+              </p:cNvSpPr>
+              <p:nvPr/>
+            </p:nvSpPr>
+            <p:spPr>
+              <a:xfrm rot="21176394">
+                <a:off x="3993984" y="2412858"/>
+                <a:ext cx="937244" cy="384721"/>
+              </a:xfrm>
+              <a:prstGeom prst="rect">
+                <a:avLst/>
+              </a:prstGeom>
+              <a:blipFill rotWithShape="0">
+                <a:blip r:embed="rId3"/>
+                <a:stretch>
+                  <a:fillRect/>
+                </a:stretch>
+              </a:blipFill>
+            </p:spPr>
+            <p:txBody>
+              <a:bodyPr/>
+              <a:lstStyle/>
+              <a:p>
+                <a:r>
+                  <a:rPr lang="en-US">
+                    <a:noFill/>
+                  </a:rPr>
+                  <a:t> </a:t>
+                </a:r>
+              </a:p>
+            </p:txBody>
+          </p:sp>
+        </mc:Fallback>
+      </mc:AlternateContent>
+      <p:sp>
+        <p:nvSpPr>
+          <p:cNvPr id="36" name="Rectangle 35"/>
+          <p:cNvSpPr/>
+          <p:nvPr/>
+        </p:nvSpPr>
+        <p:spPr bwMode="auto">
+          <a:xfrm rot="5400000">
+            <a:off x="1008863" y="3389756"/>
+            <a:ext cx="2325864" cy="293051"/>
+          </a:xfrm>
+          <a:prstGeom prst="rect">
+            <a:avLst/>
+          </a:prstGeom>
+          <a:solidFill>
+            <a:schemeClr val="bg1"/>
+          </a:solidFill>
+          <a:ln w="9525" cap="flat" cmpd="sng" algn="ctr">
+            <a:solidFill>
+              <a:schemeClr val="bg1"/>
+            </a:solidFill>
+            <a:prstDash val="solid"/>
+            <a:round/>
+            <a:headEnd type="none" w="med" len="med"/>
+            <a:tailEnd type="none" w="med" len="med"/>
+          </a:ln>
+          <a:effectLst/>
+        </p:spPr>
+        <p:txBody>
+          <a:bodyPr vert="horz" wrap="square" lIns="91440" tIns="45720" rIns="91440" bIns="45720" numCol="1" rtlCol="0" anchor="t" anchorCtr="0" compatLnSpc="1">
+            <a:prstTxWarp prst="textNoShape">
+              <a:avLst/>
+            </a:prstTxWarp>
+          </a:bodyPr>
+          <a:lstStyle/>
+          <a:p>
+            <a:pPr marL="0" marR="0" indent="0" algn="l" defTabSz="457200" rtl="0" eaLnBrk="1" fontAlgn="base" latinLnBrk="0" hangingPunct="1">
+              <a:lnSpc>
+                <a:spcPct val="100000"/>
+              </a:lnSpc>
+              <a:spcBef>
+                <a:spcPct val="0"/>
+              </a:spcBef>
+              <a:spcAft>
+                <a:spcPct val="0"/>
+              </a:spcAft>
+              <a:buClr>
+                <a:srgbClr val="000000"/>
+              </a:buClr>
+              <a:buSzPct val="100000"/>
+              <a:buFont typeface="Times New Roman" pitchFamily="16" charset="0"/>
+              <a:buNone/>
+              <a:tabLst/>
+            </a:pPr>
+            <a:endParaRPr kumimoji="0" lang="en-US" sz="1800" b="0" i="0" u="none" strike="noStrike" cap="none" normalizeH="0" baseline="0" smtClean="0">
+              <a:ln>
+                <a:noFill/>
+              </a:ln>
+              <a:solidFill>
+                <a:schemeClr val="bg1"/>
+              </a:solidFill>
+              <a:effectLst/>
+              <a:latin typeface="Arial" charset="0"/>
+            </a:endParaRPr>
+          </a:p>
+        </p:txBody>
+      </p:sp>
+      <p:sp>
+        <p:nvSpPr>
+          <p:cNvPr id="37" name="Rectangle 36"/>
+          <p:cNvSpPr/>
+          <p:nvPr/>
+        </p:nvSpPr>
+        <p:spPr bwMode="auto">
+          <a:xfrm rot="5400000">
+            <a:off x="1997726" y="1907027"/>
+            <a:ext cx="1159327" cy="447347"/>
+          </a:xfrm>
+          <a:prstGeom prst="rect">
+            <a:avLst/>
+          </a:prstGeom>
+          <a:solidFill>
+            <a:schemeClr val="bg1"/>
+          </a:solidFill>
+          <a:ln w="9525" cap="flat" cmpd="sng" algn="ctr">
+            <a:solidFill>
+              <a:schemeClr val="bg1"/>
+            </a:solidFill>
+            <a:prstDash val="solid"/>
+            <a:round/>
+            <a:headEnd type="none" w="med" len="med"/>
+            <a:tailEnd type="none" w="med" len="med"/>
+          </a:ln>
+          <a:effectLst/>
+        </p:spPr>
+        <p:txBody>
+          <a:bodyPr vert="horz" wrap="square" lIns="91440" tIns="45720" rIns="91440" bIns="45720" numCol="1" rtlCol="0" anchor="t" anchorCtr="0" compatLnSpc="1">
+            <a:prstTxWarp prst="textNoShape">
+              <a:avLst/>
+            </a:prstTxWarp>
+          </a:bodyPr>
+          <a:lstStyle/>
+          <a:p>
+            <a:pPr marL="0" marR="0" indent="0" algn="l" defTabSz="457200" rtl="0" eaLnBrk="1" fontAlgn="base" latinLnBrk="0" hangingPunct="1">
+              <a:lnSpc>
+                <a:spcPct val="100000"/>
+              </a:lnSpc>
+              <a:spcBef>
+                <a:spcPct val="0"/>
+              </a:spcBef>
+              <a:spcAft>
+                <a:spcPct val="0"/>
+              </a:spcAft>
+              <a:buClr>
+                <a:srgbClr val="000000"/>
+              </a:buClr>
+              <a:buSzPct val="100000"/>
+              <a:buFont typeface="Times New Roman" pitchFamily="16" charset="0"/>
+              <a:buNone/>
+              <a:tabLst/>
+            </a:pPr>
+            <a:endParaRPr kumimoji="0" lang="en-US" sz="1800" b="0" i="0" u="none" strike="noStrike" cap="none" normalizeH="0" baseline="0" smtClean="0">
+              <a:ln>
+                <a:noFill/>
+              </a:ln>
+              <a:solidFill>
+                <a:schemeClr val="bg1"/>
+              </a:solidFill>
+              <a:effectLst/>
+              <a:latin typeface="Arial" charset="0"/>
+            </a:endParaRPr>
+          </a:p>
+        </p:txBody>
+      </p:sp>
+      <p:sp>
+        <p:nvSpPr>
+          <p:cNvPr id="41" name="TextBox 40"/>
+          <p:cNvSpPr txBox="1"/>
+          <p:nvPr/>
+        </p:nvSpPr>
+        <p:spPr>
+          <a:xfrm>
+            <a:off x="1960918" y="3681038"/>
+            <a:ext cx="477910" cy="323165"/>
+          </a:xfrm>
+          <a:prstGeom prst="rect">
+            <a:avLst/>
+          </a:prstGeom>
+          <a:noFill/>
+        </p:spPr>
+        <p:txBody>
+          <a:bodyPr wrap="square" rtlCol="0">
+            <a:spAutoFit/>
+          </a:bodyPr>
+          <a:lstStyle/>
+          <a:p>
+            <a:r>
+              <a:rPr lang="en-US" sz="1500" dirty="0" smtClean="0">
+                <a:solidFill>
+                  <a:schemeClr val="tx1"/>
+                </a:solidFill>
+                <a:latin typeface="Cambria" panose="02040503050406030204" pitchFamily="18" charset="0"/>
+              </a:rPr>
+              <a:t>0.5</a:t>
+            </a:r>
+            <a:endParaRPr lang="en-US" sz="1500" dirty="0">
+              <a:solidFill>
+                <a:schemeClr val="tx1"/>
+              </a:solidFill>
+              <a:latin typeface="Cambria" panose="02040503050406030204" pitchFamily="18" charset="0"/>
+            </a:endParaRPr>
+          </a:p>
+        </p:txBody>
+      </p:sp>
+      <mc:AlternateContent xmlns:mc="http://schemas.openxmlformats.org/markup-compatibility/2006" xmlns:a14="http://schemas.microsoft.com/office/drawing/2010/main">
+        <mc:Choice Requires="a14">
+          <p:sp>
+            <p:nvSpPr>
+              <p:cNvPr id="40" name="TextBox 39"/>
+              <p:cNvSpPr txBox="1"/>
+              <p:nvPr/>
+            </p:nvSpPr>
+            <p:spPr>
+              <a:xfrm rot="21239296">
+                <a:off x="4531542" y="5076528"/>
+                <a:ext cx="612219" cy="384721"/>
+              </a:xfrm>
+              <a:prstGeom prst="rect">
+                <a:avLst/>
+              </a:prstGeom>
+              <a:noFill/>
+            </p:spPr>
+            <p:txBody>
+              <a:bodyPr wrap="none" lIns="0" tIns="0" rIns="0" bIns="0" rtlCol="0">
+                <a:spAutoFit/>
+                <a:scene3d>
+                  <a:camera prst="orthographicFront">
+                    <a:rot lat="0" lon="0" rev="0"/>
+                  </a:camera>
+                  <a:lightRig rig="threePt" dir="t"/>
+                </a:scene3d>
+              </a:bodyPr>
+              <a:lstStyle/>
+              <a:p>
+                <a:pPr/>
+                <a14:m>
+                  <m:oMathPara xmlns:m="http://schemas.openxmlformats.org/officeDocument/2006/math">
+                    <m:oMathParaPr>
+                      <m:jc m:val="centerGroup"/>
+                    </m:oMathParaPr>
+                    <m:oMath xmlns:m="http://schemas.openxmlformats.org/officeDocument/2006/math">
+                      <m:r>
+                        <a:rPr lang="en-US" sz="2500" b="0" i="1" smtClean="0">
+                          <a:solidFill>
+                            <a:schemeClr val="tx1"/>
+                          </a:solidFill>
+                          <a:latin typeface="Cambria Math" panose="02040503050406030204" pitchFamily="18" charset="0"/>
+                        </a:rPr>
+                        <m:t>𝑥</m:t>
+                      </m:r>
+                      <m:r>
+                        <a:rPr lang="en-US" sz="2500" b="0" i="1" smtClean="0">
+                          <a:solidFill>
+                            <a:schemeClr val="tx1"/>
+                          </a:solidFill>
+                          <a:latin typeface="Cambria Math" panose="02040503050406030204" pitchFamily="18" charset="0"/>
+                        </a:rPr>
+                        <m:t>/</m:t>
+                      </m:r>
+                      <m:r>
+                        <a:rPr lang="en-US" sz="2500" b="0" i="1" smtClean="0">
+                          <a:solidFill>
+                            <a:schemeClr val="tx1"/>
+                          </a:solidFill>
+                          <a:latin typeface="Cambria Math" panose="02040503050406030204" pitchFamily="18" charset="0"/>
+                        </a:rPr>
+                        <m:t>𝑎</m:t>
+                      </m:r>
+                    </m:oMath>
+                  </m:oMathPara>
+                </a14:m>
+                <a:endParaRPr lang="en-US" sz="2500" dirty="0"/>
+              </a:p>
+            </p:txBody>
+          </p:sp>
+        </mc:Choice>
+        <mc:Fallback xmlns="">
+          <p:sp>
+            <p:nvSpPr>
+              <p:cNvPr id="40" name="TextBox 39"/>
+              <p:cNvSpPr txBox="1">
+                <a:spLocks noRot="1" noChangeAspect="1" noMove="1" noResize="1" noEditPoints="1" noAdjustHandles="1" noChangeArrowheads="1" noChangeShapeType="1" noTextEdit="1"/>
+              </p:cNvSpPr>
+              <p:nvPr/>
+            </p:nvSpPr>
+            <p:spPr>
+              <a:xfrm rot="21239296">
+                <a:off x="4531542" y="5076528"/>
+                <a:ext cx="612219" cy="384721"/>
+              </a:xfrm>
+              <a:prstGeom prst="rect">
+                <a:avLst/>
+              </a:prstGeom>
+              <a:blipFill rotWithShape="0">
+                <a:blip r:embed="rId4"/>
+                <a:stretch>
+                  <a:fillRect/>
+                </a:stretch>
+              </a:blipFill>
+            </p:spPr>
+            <p:txBody>
+              <a:bodyPr/>
+              <a:lstStyle/>
+              <a:p>
+                <a:r>
+                  <a:rPr lang="en-US">
+                    <a:noFill/>
+                  </a:rPr>
+                  <a:t> </a:t>
+                </a:r>
+              </a:p>
+            </p:txBody>
+          </p:sp>
+        </mc:Fallback>
+      </mc:AlternateContent>
+      <mc:AlternateContent xmlns:mc="http://schemas.openxmlformats.org/markup-compatibility/2006" xmlns:a14="http://schemas.microsoft.com/office/drawing/2010/main">
+        <mc:Choice Requires="a14">
+          <p:sp>
+            <p:nvSpPr>
+              <p:cNvPr id="42" name="TextBox 41"/>
+              <p:cNvSpPr txBox="1"/>
+              <p:nvPr/>
+            </p:nvSpPr>
+            <p:spPr>
+              <a:xfrm rot="2812465">
+                <a:off x="2235332" y="4823216"/>
+                <a:ext cx="594522" cy="384721"/>
+              </a:xfrm>
+              <a:prstGeom prst="rect">
+                <a:avLst/>
+              </a:prstGeom>
+              <a:noFill/>
+            </p:spPr>
+            <p:txBody>
+              <a:bodyPr wrap="none" lIns="0" tIns="0" rIns="0" bIns="0" rtlCol="0">
+                <a:spAutoFit/>
+                <a:scene3d>
+                  <a:camera prst="orthographicFront">
+                    <a:rot lat="0" lon="0" rev="0"/>
+                  </a:camera>
+                  <a:lightRig rig="threePt" dir="t"/>
+                </a:scene3d>
+              </a:bodyPr>
+              <a:lstStyle/>
+              <a:p>
+                <a:pPr/>
+                <a14:m>
+                  <m:oMathPara xmlns:m="http://schemas.openxmlformats.org/officeDocument/2006/math">
+                    <m:oMathParaPr>
+                      <m:jc m:val="centerGroup"/>
+                    </m:oMathParaPr>
+                    <m:oMath xmlns:m="http://schemas.openxmlformats.org/officeDocument/2006/math">
+                      <m:r>
+                        <m:rPr>
+                          <m:sty m:val="p"/>
+                        </m:rPr>
+                        <a:rPr lang="en-US" sz="2500" b="0" i="0" smtClean="0">
+                          <a:solidFill>
+                            <a:schemeClr val="tx1"/>
+                          </a:solidFill>
+                          <a:latin typeface="Cambria Math" panose="02040503050406030204" pitchFamily="18" charset="0"/>
+                        </a:rPr>
+                        <m:t>y</m:t>
+                      </m:r>
+                      <m:r>
+                        <a:rPr lang="en-US" sz="2500" b="0" i="1" smtClean="0">
+                          <a:solidFill>
+                            <a:schemeClr val="tx1"/>
+                          </a:solidFill>
+                          <a:latin typeface="Cambria Math" panose="02040503050406030204" pitchFamily="18" charset="0"/>
+                        </a:rPr>
+                        <m:t>/</m:t>
+                      </m:r>
+                      <m:r>
+                        <a:rPr lang="en-US" sz="2500" b="0" i="1" smtClean="0">
+                          <a:solidFill>
+                            <a:schemeClr val="tx1"/>
+                          </a:solidFill>
+                          <a:latin typeface="Cambria Math" panose="02040503050406030204" pitchFamily="18" charset="0"/>
+                        </a:rPr>
+                        <m:t>𝑎</m:t>
+                      </m:r>
+                    </m:oMath>
+                  </m:oMathPara>
+                </a14:m>
+                <a:endParaRPr lang="en-US" sz="2500" dirty="0"/>
+              </a:p>
+            </p:txBody>
+          </p:sp>
+        </mc:Choice>
+        <mc:Fallback xmlns="">
+          <p:sp>
+            <p:nvSpPr>
+              <p:cNvPr id="42" name="TextBox 41"/>
+              <p:cNvSpPr txBox="1">
+                <a:spLocks noRot="1" noChangeAspect="1" noMove="1" noResize="1" noEditPoints="1" noAdjustHandles="1" noChangeArrowheads="1" noChangeShapeType="1" noTextEdit="1"/>
+              </p:cNvSpPr>
+              <p:nvPr/>
+            </p:nvSpPr>
+            <p:spPr>
+              <a:xfrm rot="2812465">
+                <a:off x="2235332" y="4823216"/>
+                <a:ext cx="594522" cy="384721"/>
+              </a:xfrm>
+              <a:prstGeom prst="rect">
+                <a:avLst/>
+              </a:prstGeom>
+              <a:blipFill rotWithShape="0">
+                <a:blip r:embed="rId5"/>
+                <a:stretch>
+                  <a:fillRect/>
+                </a:stretch>
+              </a:blipFill>
+            </p:spPr>
+            <p:txBody>
+              <a:bodyPr/>
+              <a:lstStyle/>
+              <a:p>
+                <a:r>
+                  <a:rPr lang="en-US">
+                    <a:noFill/>
+                  </a:rPr>
+                  <a:t> </a:t>
+                </a:r>
+              </a:p>
+            </p:txBody>
+          </p:sp>
+        </mc:Fallback>
+      </mc:AlternateContent>
+      <mc:AlternateContent xmlns:mc="http://schemas.openxmlformats.org/markup-compatibility/2006" xmlns:a14="http://schemas.microsoft.com/office/drawing/2010/main">
+        <mc:Choice Requires="a14">
+          <p:sp>
+            <p:nvSpPr>
+              <p:cNvPr id="43" name="TextBox 42"/>
+              <p:cNvSpPr txBox="1"/>
+              <p:nvPr/>
+            </p:nvSpPr>
+            <p:spPr>
+              <a:xfrm rot="21196408">
+                <a:off x="2366033" y="2412101"/>
+                <a:ext cx="626262" cy="230832"/>
+              </a:xfrm>
+              <a:prstGeom prst="rect">
+                <a:avLst/>
+              </a:prstGeom>
+              <a:noFill/>
+            </p:spPr>
+            <p:txBody>
+              <a:bodyPr wrap="none" lIns="0" tIns="0" rIns="0" bIns="0" rtlCol="0">
+                <a:spAutoFit/>
+              </a:bodyPr>
+              <a:lstStyle/>
+              <a:p>
+                <a14:m>
+                  <m:oMath xmlns:m="http://schemas.openxmlformats.org/officeDocument/2006/math">
+                    <m:r>
+                      <a:rPr lang="en-US" sz="1500" b="0" i="1" smtClean="0">
+                        <a:solidFill>
+                          <a:schemeClr val="tx1"/>
+                        </a:solidFill>
+                        <a:latin typeface="Cambria Math" panose="02040503050406030204" pitchFamily="18" charset="0"/>
+                      </a:rPr>
+                      <m:t>×</m:t>
+                    </m:r>
+                    <m:sSup>
+                      <m:sSupPr>
+                        <m:ctrlPr>
+                          <a:rPr lang="en-US" sz="1500" b="0" i="1" smtClean="0">
+                            <a:solidFill>
+                              <a:schemeClr val="tx1"/>
+                            </a:solidFill>
+                            <a:latin typeface="Cambria Math" panose="02040503050406030204" pitchFamily="18" charset="0"/>
+                          </a:rPr>
+                        </m:ctrlPr>
+                      </m:sSupPr>
+                      <m:e>
+                        <m:r>
+                          <a:rPr lang="en-US" sz="1500" b="0" i="1" smtClean="0">
+                            <a:solidFill>
+                              <a:schemeClr val="tx1"/>
+                            </a:solidFill>
+                            <a:latin typeface="Cambria Math" panose="02040503050406030204" pitchFamily="18" charset="0"/>
+                          </a:rPr>
+                          <m:t>10</m:t>
+                        </m:r>
+                      </m:e>
+                      <m:sup>
+                        <m:r>
+                          <a:rPr lang="en-US" sz="1500" b="0" i="1" smtClean="0">
+                            <a:solidFill>
+                              <a:schemeClr val="tx1"/>
+                            </a:solidFill>
+                            <a:latin typeface="Cambria Math" panose="02040503050406030204" pitchFamily="18" charset="0"/>
+                          </a:rPr>
+                          <m:t>−3</m:t>
+                        </m:r>
+                      </m:sup>
+                    </m:sSup>
+                  </m:oMath>
+                </a14:m>
+                <a:r>
+                  <a:rPr lang="en-US" sz="1500" dirty="0" smtClean="0">
+                    <a:solidFill>
+                      <a:schemeClr val="tx1"/>
+                    </a:solidFill>
+                    <a:latin typeface="Cambria" panose="02040503050406030204" pitchFamily="18" charset="0"/>
+                  </a:rPr>
+                  <a:t> </a:t>
+                </a:r>
+                <a:endParaRPr lang="en-US" sz="1500" dirty="0">
+                  <a:solidFill>
+                    <a:schemeClr val="tx1"/>
+                  </a:solidFill>
+                  <a:latin typeface="Cambria" panose="02040503050406030204" pitchFamily="18" charset="0"/>
+                </a:endParaRPr>
+              </a:p>
+            </p:txBody>
+          </p:sp>
+        </mc:Choice>
+        <mc:Fallback xmlns="">
+          <p:sp>
+            <p:nvSpPr>
+              <p:cNvPr id="43" name="TextBox 42"/>
+              <p:cNvSpPr txBox="1">
+                <a:spLocks noRot="1" noChangeAspect="1" noMove="1" noResize="1" noEditPoints="1" noAdjustHandles="1" noChangeArrowheads="1" noChangeShapeType="1" noTextEdit="1"/>
+              </p:cNvSpPr>
+              <p:nvPr/>
+            </p:nvSpPr>
+            <p:spPr>
+              <a:xfrm rot="21196408">
+                <a:off x="2366033" y="2412101"/>
+                <a:ext cx="626262" cy="230832"/>
+              </a:xfrm>
+              <a:prstGeom prst="rect">
+                <a:avLst/>
+              </a:prstGeom>
+              <a:blipFill rotWithShape="0">
+                <a:blip r:embed="rId6"/>
+                <a:stretch>
+                  <a:fillRect l="-7477" b="-3922"/>
+                </a:stretch>
+              </a:blipFill>
+            </p:spPr>
+            <p:txBody>
+              <a:bodyPr/>
+              <a:lstStyle/>
+              <a:p>
+                <a:r>
+                  <a:rPr lang="en-US">
+                    <a:noFill/>
+                  </a:rPr>
+                  <a:t> </a:t>
+                </a:r>
+              </a:p>
+            </p:txBody>
+          </p:sp>
+        </mc:Fallback>
+      </mc:AlternateContent>
+      <p:sp>
+        <p:nvSpPr>
+          <p:cNvPr id="24" name="TextBox 23"/>
+          <p:cNvSpPr txBox="1"/>
+          <p:nvPr/>
+        </p:nvSpPr>
+        <p:spPr>
+          <a:xfrm>
+            <a:off x="1967696" y="2861748"/>
+            <a:ext cx="477910" cy="323165"/>
+          </a:xfrm>
+          <a:prstGeom prst="rect">
+            <a:avLst/>
+          </a:prstGeom>
+          <a:noFill/>
+        </p:spPr>
+        <p:txBody>
+          <a:bodyPr wrap="square" rtlCol="0">
+            <a:spAutoFit/>
+          </a:bodyPr>
+          <a:lstStyle/>
+          <a:p>
+            <a:r>
+              <a:rPr lang="en-US" sz="1500" dirty="0">
+                <a:solidFill>
+                  <a:schemeClr val="tx1"/>
+                </a:solidFill>
+                <a:latin typeface="Cambria" panose="02040503050406030204" pitchFamily="18" charset="0"/>
+              </a:rPr>
+              <a:t>1</a:t>
+            </a:r>
+            <a:r>
+              <a:rPr lang="en-US" sz="1500" dirty="0" smtClean="0">
+                <a:solidFill>
+                  <a:schemeClr val="tx1"/>
+                </a:solidFill>
+                <a:latin typeface="Cambria" panose="02040503050406030204" pitchFamily="18" charset="0"/>
+              </a:rPr>
+              <a:t>.5</a:t>
+            </a:r>
+            <a:endParaRPr lang="en-US" sz="1500" dirty="0">
+              <a:solidFill>
+                <a:schemeClr val="tx1"/>
+              </a:solidFill>
+              <a:latin typeface="Cambria" panose="02040503050406030204" pitchFamily="18" charset="0"/>
+            </a:endParaRPr>
+          </a:p>
+        </p:txBody>
+      </p:sp>
+      <p:sp>
+        <p:nvSpPr>
+          <p:cNvPr id="26" name="TextBox 25"/>
+          <p:cNvSpPr txBox="1"/>
+          <p:nvPr/>
+        </p:nvSpPr>
+        <p:spPr>
+          <a:xfrm>
+            <a:off x="2099479" y="4083736"/>
+            <a:ext cx="477910" cy="323165"/>
+          </a:xfrm>
+          <a:prstGeom prst="rect">
+            <a:avLst/>
+          </a:prstGeom>
+          <a:noFill/>
+        </p:spPr>
+        <p:txBody>
+          <a:bodyPr wrap="square" rtlCol="0">
+            <a:spAutoFit/>
+          </a:bodyPr>
+          <a:lstStyle/>
+          <a:p>
+            <a:r>
+              <a:rPr lang="en-US" sz="1500" dirty="0" smtClean="0">
+                <a:solidFill>
+                  <a:schemeClr val="tx1"/>
+                </a:solidFill>
+                <a:latin typeface="Cambria" panose="02040503050406030204" pitchFamily="18" charset="0"/>
+              </a:rPr>
+              <a:t>0</a:t>
+            </a:r>
+            <a:endParaRPr lang="en-US" sz="1500" dirty="0">
+              <a:solidFill>
+                <a:schemeClr val="tx1"/>
+              </a:solidFill>
+              <a:latin typeface="Cambria" panose="02040503050406030204" pitchFamily="18" charset="0"/>
+            </a:endParaRPr>
+          </a:p>
+        </p:txBody>
+      </p:sp>
+    </p:spTree>
+    <p:extLst>
+      <p:ext uri="{BB962C8B-B14F-4D97-AF65-F5344CB8AC3E}">
+        <p14:creationId xmlns:p14="http://schemas.microsoft.com/office/powerpoint/2010/main" val="4080890441"/>
+      </p:ext>
+    </p:extLst>
+  </p:cSld>
+  <p:clrMapOvr>
+    <a:masterClrMapping/>
+  </p:clrMapOvr>
+</p:sld>
+</file>
+
+<file path=ppt/slides/slide12.xml><?xml version="1.0" encoding="utf-8"?>
+<p:sld xmlns:a="http://schemas.openxmlformats.org/drawingml/2006/main" xmlns:r="http://schemas.openxmlformats.org/officeDocument/2006/relationships" xmlns:p="http://schemas.openxmlformats.org/presentationml/2006/main">
+  <p:cSld>
+    <p:spTree>
+      <p:nvGrpSpPr>
+        <p:cNvPr id="1" name=""/>
+        <p:cNvGrpSpPr/>
+        <p:nvPr/>
+      </p:nvGrpSpPr>
+      <p:grpSpPr>
+        <a:xfrm>
+          <a:off x="0" y="0"/>
+          <a:ext cx="0" cy="0"/>
+          <a:chOff x="0" y="0"/>
+          <a:chExt cx="0" cy="0"/>
+        </a:xfrm>
+      </p:grpSpPr>
       <p:pic>
         <p:nvPicPr>
-          <p:cNvPr id="3" name="Picture 2"/>
+          <p:cNvPr id="28" name="図 3"/>
           <p:cNvPicPr>
             <a:picLocks noChangeAspect="1"/>
           </p:cNvPicPr>
@@ -4660,26 +6678,546 @@
         </p:blipFill>
         <p:spPr>
           <a:xfrm>
-            <a:off x="2407722" y="2286699"/>
-            <a:ext cx="3650358" cy="2798607"/>
+            <a:off x="1907974" y="2190751"/>
+            <a:ext cx="4645225" cy="3483918"/>
           </a:xfrm>
           <a:prstGeom prst="rect">
             <a:avLst/>
           </a:prstGeom>
         </p:spPr>
       </p:pic>
+      <p:pic>
+        <p:nvPicPr>
+          <p:cNvPr id="3" name="図 3"/>
+          <p:cNvPicPr>
+            <a:picLocks noChangeAspect="1"/>
+          </p:cNvPicPr>
+          <p:nvPr/>
+        </p:nvPicPr>
+        <p:blipFill>
+          <a:blip r:embed="rId2">
+            <a:extLst>
+              <a:ext uri="{28A0092B-C50C-407E-A947-70E740481C1C}">
+                <a14:useLocalDpi xmlns:a14="http://schemas.microsoft.com/office/drawing/2010/main" val="0"/>
+              </a:ext>
+            </a:extLst>
+          </a:blip>
+          <a:stretch>
+            <a:fillRect/>
+          </a:stretch>
+        </p:blipFill>
+        <p:spPr>
+          <a:xfrm>
+            <a:off x="1755574" y="2038351"/>
+            <a:ext cx="4645225" cy="3483918"/>
+          </a:xfrm>
+          <a:prstGeom prst="rect">
+            <a:avLst/>
+          </a:prstGeom>
+        </p:spPr>
+      </p:pic>
+      <p:sp>
+        <p:nvSpPr>
+          <p:cNvPr id="4" name="Rectangle 6"/>
+          <p:cNvSpPr>
+            <a:spLocks noChangeArrowheads="1"/>
+          </p:cNvSpPr>
+          <p:nvPr/>
+        </p:nvSpPr>
+        <p:spPr bwMode="auto">
+          <a:xfrm>
+            <a:off x="2025269" y="2257004"/>
+            <a:ext cx="4013581" cy="3233307"/>
+          </a:xfrm>
+          <a:prstGeom prst="rect">
+            <a:avLst/>
+          </a:prstGeom>
+          <a:noFill/>
+          <a:ln w="9360">
+            <a:solidFill>
+              <a:srgbClr val="000000"/>
+            </a:solidFill>
+            <a:miter lim="800000"/>
+            <a:headEnd/>
+            <a:tailEnd/>
+          </a:ln>
+          <a:extLst>
+            <a:ext uri="{909E8E84-426E-40DD-AFC4-6F175D3DCCD1}">
+              <a14:hiddenFill xmlns:a14="http://schemas.microsoft.com/office/drawing/2010/main">
+                <a:solidFill>
+                  <a:srgbClr val="FFFFFF"/>
+                </a:solidFill>
+              </a14:hiddenFill>
+            </a:ext>
+          </a:extLst>
+        </p:spPr>
+        <p:txBody>
+          <a:bodyPr wrap="none" anchor="ctr"/>
+          <a:lstStyle/>
+          <a:p>
+            <a:pPr eaLnBrk="1" hangingPunct="1">
+              <a:buClr>
+                <a:srgbClr val="000000"/>
+              </a:buClr>
+              <a:buSzPct val="100000"/>
+              <a:buFont typeface="Times New Roman" panose="02020603050405020304" pitchFamily="18" charset="0"/>
+              <a:buNone/>
+            </a:pPr>
+            <a:endParaRPr lang="en-US" altLang="en-US"/>
+          </a:p>
+        </p:txBody>
+      </p:sp>
+      <p:sp>
+        <p:nvSpPr>
+          <p:cNvPr id="5" name="Rectangle 4"/>
+          <p:cNvSpPr/>
+          <p:nvPr/>
+        </p:nvSpPr>
+        <p:spPr bwMode="auto">
+          <a:xfrm>
+            <a:off x="2178680" y="1931518"/>
+            <a:ext cx="3945467" cy="325486"/>
+          </a:xfrm>
+          <a:prstGeom prst="rect">
+            <a:avLst/>
+          </a:prstGeom>
+          <a:solidFill>
+            <a:schemeClr val="bg1"/>
+          </a:solidFill>
+          <a:ln w="9525" cap="flat" cmpd="sng" algn="ctr">
+            <a:noFill/>
+            <a:prstDash val="solid"/>
+            <a:round/>
+            <a:headEnd type="none" w="med" len="med"/>
+            <a:tailEnd type="none" w="med" len="med"/>
+          </a:ln>
+          <a:effectLst/>
+        </p:spPr>
+        <p:txBody>
+          <a:bodyPr vert="horz" wrap="square" lIns="91440" tIns="45720" rIns="91440" bIns="45720" numCol="1" rtlCol="0" anchor="t" anchorCtr="0" compatLnSpc="1">
+            <a:prstTxWarp prst="textNoShape">
+              <a:avLst/>
+            </a:prstTxWarp>
+          </a:bodyPr>
+          <a:lstStyle/>
+          <a:p>
+            <a:pPr marL="0" marR="0" indent="0" algn="l" defTabSz="457200" rtl="0" eaLnBrk="1" fontAlgn="base" latinLnBrk="0" hangingPunct="1">
+              <a:lnSpc>
+                <a:spcPct val="100000"/>
+              </a:lnSpc>
+              <a:spcBef>
+                <a:spcPct val="0"/>
+              </a:spcBef>
+              <a:spcAft>
+                <a:spcPct val="0"/>
+              </a:spcAft>
+              <a:buClr>
+                <a:srgbClr val="000000"/>
+              </a:buClr>
+              <a:buSzPct val="100000"/>
+              <a:buFont typeface="Times New Roman" pitchFamily="16" charset="0"/>
+              <a:buNone/>
+              <a:tabLst/>
+            </a:pPr>
+            <a:endParaRPr kumimoji="0" lang="en-US" sz="1800" b="0" i="0" u="none" strike="noStrike" cap="none" normalizeH="0" baseline="0" smtClean="0">
+              <a:ln>
+                <a:noFill/>
+              </a:ln>
+              <a:solidFill>
+                <a:schemeClr val="bg1"/>
+              </a:solidFill>
+              <a:effectLst/>
+              <a:latin typeface="Arial" charset="0"/>
+            </a:endParaRPr>
+          </a:p>
+        </p:txBody>
+      </p:sp>
+      <p:sp>
+        <p:nvSpPr>
+          <p:cNvPr id="12" name="Rectangle 11"/>
+          <p:cNvSpPr/>
+          <p:nvPr/>
+        </p:nvSpPr>
+        <p:spPr bwMode="auto">
+          <a:xfrm rot="21176846">
+            <a:off x="3305398" y="5014622"/>
+            <a:ext cx="2993105" cy="293051"/>
+          </a:xfrm>
+          <a:prstGeom prst="rect">
+            <a:avLst/>
+          </a:prstGeom>
+          <a:solidFill>
+            <a:schemeClr val="bg1"/>
+          </a:solidFill>
+          <a:ln w="9525" cap="flat" cmpd="sng" algn="ctr">
+            <a:solidFill>
+              <a:schemeClr val="bg1"/>
+            </a:solidFill>
+            <a:prstDash val="solid"/>
+            <a:round/>
+            <a:headEnd type="none" w="med" len="med"/>
+            <a:tailEnd type="none" w="med" len="med"/>
+          </a:ln>
+          <a:effectLst/>
+        </p:spPr>
+        <p:txBody>
+          <a:bodyPr vert="horz" wrap="square" lIns="91440" tIns="45720" rIns="91440" bIns="45720" numCol="1" rtlCol="0" anchor="t" anchorCtr="0" compatLnSpc="1">
+            <a:prstTxWarp prst="textNoShape">
+              <a:avLst/>
+            </a:prstTxWarp>
+          </a:bodyPr>
+          <a:lstStyle/>
+          <a:p>
+            <a:pPr marL="0" marR="0" indent="0" algn="l" defTabSz="457200" rtl="0" eaLnBrk="1" fontAlgn="base" latinLnBrk="0" hangingPunct="1">
+              <a:lnSpc>
+                <a:spcPct val="100000"/>
+              </a:lnSpc>
+              <a:spcBef>
+                <a:spcPct val="0"/>
+              </a:spcBef>
+              <a:spcAft>
+                <a:spcPct val="0"/>
+              </a:spcAft>
+              <a:buClr>
+                <a:srgbClr val="000000"/>
+              </a:buClr>
+              <a:buSzPct val="100000"/>
+              <a:buFont typeface="Times New Roman" pitchFamily="16" charset="0"/>
+              <a:buNone/>
+              <a:tabLst/>
+            </a:pPr>
+            <a:endParaRPr kumimoji="0" lang="en-US" sz="1800" b="0" i="0" u="none" strike="noStrike" cap="none" normalizeH="0" baseline="0" smtClean="0">
+              <a:ln>
+                <a:noFill/>
+              </a:ln>
+              <a:solidFill>
+                <a:schemeClr val="bg1"/>
+              </a:solidFill>
+              <a:effectLst/>
+              <a:latin typeface="Arial" charset="0"/>
+            </a:endParaRPr>
+          </a:p>
+        </p:txBody>
+      </p:sp>
+      <p:sp>
+        <p:nvSpPr>
+          <p:cNvPr id="22" name="Rectangle 21"/>
+          <p:cNvSpPr/>
+          <p:nvPr/>
+        </p:nvSpPr>
+        <p:spPr bwMode="auto">
+          <a:xfrm rot="2484240" flipV="1">
+            <a:off x="1570665" y="4779138"/>
+            <a:ext cx="2335324" cy="444024"/>
+          </a:xfrm>
+          <a:prstGeom prst="rect">
+            <a:avLst/>
+          </a:prstGeom>
+          <a:solidFill>
+            <a:schemeClr val="bg1"/>
+          </a:solidFill>
+          <a:ln w="9525" cap="flat" cmpd="sng" algn="ctr">
+            <a:solidFill>
+              <a:schemeClr val="bg1"/>
+            </a:solidFill>
+            <a:prstDash val="solid"/>
+            <a:round/>
+            <a:headEnd type="none" w="med" len="med"/>
+            <a:tailEnd type="none" w="med" len="med"/>
+          </a:ln>
+          <a:effectLst/>
+        </p:spPr>
+        <p:txBody>
+          <a:bodyPr vert="horz" wrap="square" lIns="91440" tIns="45720" rIns="91440" bIns="45720" numCol="1" rtlCol="0" anchor="t" anchorCtr="0" compatLnSpc="1">
+            <a:prstTxWarp prst="textNoShape">
+              <a:avLst/>
+            </a:prstTxWarp>
+          </a:bodyPr>
+          <a:lstStyle/>
+          <a:p>
+            <a:pPr marL="0" marR="0" indent="0" algn="l" defTabSz="457200" rtl="0" eaLnBrk="1" fontAlgn="base" latinLnBrk="0" hangingPunct="1">
+              <a:lnSpc>
+                <a:spcPct val="100000"/>
+              </a:lnSpc>
+              <a:spcBef>
+                <a:spcPct val="0"/>
+              </a:spcBef>
+              <a:spcAft>
+                <a:spcPct val="0"/>
+              </a:spcAft>
+              <a:buClr>
+                <a:srgbClr val="000000"/>
+              </a:buClr>
+              <a:buSzPct val="100000"/>
+              <a:buFont typeface="Times New Roman" pitchFamily="16" charset="0"/>
+              <a:buNone/>
+              <a:tabLst/>
+            </a:pPr>
+            <a:endParaRPr kumimoji="0" lang="en-US" sz="1800" b="0" i="0" u="none" strike="noStrike" cap="none" normalizeH="0" baseline="-25000" dirty="0" smtClean="0">
+              <a:ln>
+                <a:noFill/>
+              </a:ln>
+              <a:solidFill>
+                <a:schemeClr val="bg1"/>
+              </a:solidFill>
+              <a:effectLst/>
+              <a:latin typeface="Arial" charset="0"/>
+            </a:endParaRPr>
+          </a:p>
+        </p:txBody>
+      </p:sp>
+      <p:sp>
+        <p:nvSpPr>
+          <p:cNvPr id="23" name="TextBox 22"/>
+          <p:cNvSpPr txBox="1"/>
+          <p:nvPr/>
+        </p:nvSpPr>
+        <p:spPr>
+          <a:xfrm>
+            <a:off x="4538711" y="4945724"/>
+            <a:ext cx="304476" cy="323165"/>
+          </a:xfrm>
+          <a:prstGeom prst="rect">
+            <a:avLst/>
+          </a:prstGeom>
+          <a:noFill/>
+        </p:spPr>
+        <p:txBody>
+          <a:bodyPr wrap="square" rtlCol="0">
+            <a:spAutoFit/>
+          </a:bodyPr>
+          <a:lstStyle/>
+          <a:p>
+            <a:r>
+              <a:rPr lang="en-US" sz="1500" dirty="0" smtClean="0">
+                <a:solidFill>
+                  <a:schemeClr val="tx1"/>
+                </a:solidFill>
+                <a:latin typeface="Cambria" panose="02040503050406030204" pitchFamily="18" charset="0"/>
+              </a:rPr>
+              <a:t>0</a:t>
+            </a:r>
+            <a:endParaRPr lang="en-US" sz="1500" dirty="0">
+              <a:solidFill>
+                <a:schemeClr val="tx1"/>
+              </a:solidFill>
+              <a:latin typeface="Cambria" panose="02040503050406030204" pitchFamily="18" charset="0"/>
+            </a:endParaRPr>
+          </a:p>
+        </p:txBody>
+      </p:sp>
+      <p:sp>
+        <p:nvSpPr>
+          <p:cNvPr id="25" name="TextBox 24"/>
+          <p:cNvSpPr txBox="1"/>
+          <p:nvPr/>
+        </p:nvSpPr>
+        <p:spPr>
+          <a:xfrm>
+            <a:off x="5117937" y="4889054"/>
+            <a:ext cx="420128" cy="323165"/>
+          </a:xfrm>
+          <a:prstGeom prst="rect">
+            <a:avLst/>
+          </a:prstGeom>
+          <a:noFill/>
+        </p:spPr>
+        <p:txBody>
+          <a:bodyPr wrap="square" rtlCol="0">
+            <a:spAutoFit/>
+          </a:bodyPr>
+          <a:lstStyle/>
+          <a:p>
+            <a:r>
+              <a:rPr lang="en-US" sz="1500" dirty="0" smtClean="0">
+                <a:solidFill>
+                  <a:schemeClr val="tx1"/>
+                </a:solidFill>
+                <a:latin typeface="Cambria" panose="02040503050406030204" pitchFamily="18" charset="0"/>
+              </a:rPr>
+              <a:t>10</a:t>
+            </a:r>
+            <a:endParaRPr lang="en-US" sz="1500" dirty="0">
+              <a:solidFill>
+                <a:schemeClr val="tx1"/>
+              </a:solidFill>
+              <a:latin typeface="Cambria" panose="02040503050406030204" pitchFamily="18" charset="0"/>
+            </a:endParaRPr>
+          </a:p>
+        </p:txBody>
+      </p:sp>
+      <p:sp>
+        <p:nvSpPr>
+          <p:cNvPr id="27" name="TextBox 26"/>
+          <p:cNvSpPr txBox="1"/>
+          <p:nvPr/>
+        </p:nvSpPr>
+        <p:spPr>
+          <a:xfrm>
+            <a:off x="2611469" y="4839567"/>
+            <a:ext cx="471610" cy="323165"/>
+          </a:xfrm>
+          <a:prstGeom prst="rect">
+            <a:avLst/>
+          </a:prstGeom>
+          <a:noFill/>
+        </p:spPr>
+        <p:txBody>
+          <a:bodyPr wrap="square" rtlCol="0">
+            <a:spAutoFit/>
+          </a:bodyPr>
+          <a:lstStyle/>
+          <a:p>
+            <a:r>
+              <a:rPr lang="en-US" sz="1500" dirty="0" smtClean="0">
+                <a:solidFill>
+                  <a:schemeClr val="tx1"/>
+                </a:solidFill>
+                <a:latin typeface="Cambria" panose="02040503050406030204" pitchFamily="18" charset="0"/>
+              </a:rPr>
+              <a:t>-10</a:t>
+            </a:r>
+            <a:endParaRPr lang="en-US" sz="1500" dirty="0">
+              <a:solidFill>
+                <a:schemeClr val="tx1"/>
+              </a:solidFill>
+              <a:latin typeface="Cambria" panose="02040503050406030204" pitchFamily="18" charset="0"/>
+            </a:endParaRPr>
+          </a:p>
+        </p:txBody>
+      </p:sp>
+      <p:sp>
+        <p:nvSpPr>
+          <p:cNvPr id="29" name="TextBox 28"/>
+          <p:cNvSpPr txBox="1"/>
+          <p:nvPr/>
+        </p:nvSpPr>
+        <p:spPr>
+          <a:xfrm>
+            <a:off x="2552396" y="4576480"/>
+            <a:ext cx="304476" cy="323165"/>
+          </a:xfrm>
+          <a:prstGeom prst="rect">
+            <a:avLst/>
+          </a:prstGeom>
+          <a:noFill/>
+        </p:spPr>
+        <p:txBody>
+          <a:bodyPr wrap="square" rtlCol="0">
+            <a:spAutoFit/>
+          </a:bodyPr>
+          <a:lstStyle/>
+          <a:p>
+            <a:r>
+              <a:rPr lang="en-US" sz="1500" dirty="0" smtClean="0">
+                <a:solidFill>
+                  <a:schemeClr val="tx1"/>
+                </a:solidFill>
+                <a:latin typeface="Cambria" panose="02040503050406030204" pitchFamily="18" charset="0"/>
+              </a:rPr>
+              <a:t>0</a:t>
+            </a:r>
+            <a:endParaRPr lang="en-US" sz="1500" dirty="0">
+              <a:solidFill>
+                <a:schemeClr val="tx1"/>
+              </a:solidFill>
+              <a:latin typeface="Cambria" panose="02040503050406030204" pitchFamily="18" charset="0"/>
+            </a:endParaRPr>
+          </a:p>
+        </p:txBody>
+      </p:sp>
+      <p:sp>
+        <p:nvSpPr>
+          <p:cNvPr id="30" name="TextBox 29"/>
+          <p:cNvSpPr txBox="1"/>
+          <p:nvPr/>
+        </p:nvSpPr>
+        <p:spPr>
+          <a:xfrm>
+            <a:off x="3799926" y="5021543"/>
+            <a:ext cx="471610" cy="323165"/>
+          </a:xfrm>
+          <a:prstGeom prst="rect">
+            <a:avLst/>
+          </a:prstGeom>
+          <a:noFill/>
+        </p:spPr>
+        <p:txBody>
+          <a:bodyPr wrap="square" rtlCol="0">
+            <a:spAutoFit/>
+          </a:bodyPr>
+          <a:lstStyle/>
+          <a:p>
+            <a:r>
+              <a:rPr lang="en-US" sz="1500" dirty="0" smtClean="0">
+                <a:solidFill>
+                  <a:schemeClr val="tx1"/>
+                </a:solidFill>
+                <a:latin typeface="Cambria" panose="02040503050406030204" pitchFamily="18" charset="0"/>
+              </a:rPr>
+              <a:t>-10</a:t>
+            </a:r>
+            <a:endParaRPr lang="en-US" sz="1500" dirty="0">
+              <a:solidFill>
+                <a:schemeClr val="tx1"/>
+              </a:solidFill>
+              <a:latin typeface="Cambria" panose="02040503050406030204" pitchFamily="18" charset="0"/>
+            </a:endParaRPr>
+          </a:p>
+        </p:txBody>
+      </p:sp>
+      <p:sp>
+        <p:nvSpPr>
+          <p:cNvPr id="32" name="TextBox 31"/>
+          <p:cNvSpPr txBox="1"/>
+          <p:nvPr/>
+        </p:nvSpPr>
+        <p:spPr>
+          <a:xfrm>
+            <a:off x="2199873" y="4335364"/>
+            <a:ext cx="420128" cy="323165"/>
+          </a:xfrm>
+          <a:prstGeom prst="rect">
+            <a:avLst/>
+          </a:prstGeom>
+          <a:noFill/>
+        </p:spPr>
+        <p:txBody>
+          <a:bodyPr wrap="square" rtlCol="0">
+            <a:spAutoFit/>
+          </a:bodyPr>
+          <a:lstStyle/>
+          <a:p>
+            <a:r>
+              <a:rPr lang="en-US" sz="1500" dirty="0" smtClean="0">
+                <a:solidFill>
+                  <a:schemeClr val="tx1"/>
+                </a:solidFill>
+                <a:latin typeface="Cambria" panose="02040503050406030204" pitchFamily="18" charset="0"/>
+              </a:rPr>
+              <a:t>10</a:t>
+            </a:r>
+            <a:endParaRPr lang="en-US" sz="1500" dirty="0">
+              <a:solidFill>
+                <a:schemeClr val="tx1"/>
+              </a:solidFill>
+              <a:latin typeface="Cambria" panose="02040503050406030204" pitchFamily="18" charset="0"/>
+            </a:endParaRPr>
+          </a:p>
+        </p:txBody>
+      </p:sp>
       <mc:AlternateContent xmlns:mc="http://schemas.openxmlformats.org/markup-compatibility/2006" xmlns:a14="http://schemas.microsoft.com/office/drawing/2010/main">
         <mc:Choice Requires="a14">
           <p:sp>
             <p:nvSpPr>
-              <p:cNvPr id="13" name="TextBox 12"/>
+              <p:cNvPr id="7" name="TextBox 6"/>
               <p:cNvSpPr txBox="1"/>
               <p:nvPr/>
             </p:nvSpPr>
             <p:spPr>
-              <a:xfrm rot="5400000">
-                <a:off x="3887937" y="2676305"/>
-                <a:ext cx="1207412" cy="400110"/>
+              <a:xfrm rot="21176394">
+                <a:off x="3993984" y="2412858"/>
+                <a:ext cx="937244" cy="384721"/>
               </a:xfrm>
               <a:prstGeom prst="rect">
                 <a:avLst/>
@@ -4687,8 +7225,14 @@
               <a:noFill/>
             </p:spPr>
             <p:txBody>
-              <a:bodyPr wrap="square" rtlCol="0">
+              <a:bodyPr wrap="none" lIns="0" tIns="0" rIns="0" bIns="0" rtlCol="0">
                 <a:spAutoFit/>
+                <a:scene3d>
+                  <a:camera prst="orthographicFront">
+                    <a:rot lat="0" lon="0" rev="0"/>
+                  </a:camera>
+                  <a:lightRig rig="threePt" dir="t"/>
+                </a:scene3d>
               </a:bodyPr>
               <a:lstStyle/>
               <a:p>
@@ -4699,17 +7243,45 @@
                       <m:jc m:val="centerGroup"/>
                     </m:oMathParaPr>
                     <m:oMath xmlns:m="http://schemas.openxmlformats.org/officeDocument/2006/math">
+                      <m:sSup>
+                        <m:sSupPr>
+                          <m:ctrlPr>
+                            <a:rPr lang="en-US" sz="2500" b="0" i="1" smtClean="0">
+                              <a:solidFill>
+                                <a:schemeClr val="tx1"/>
+                              </a:solidFill>
+                              <a:latin typeface="Cambria Math" panose="02040503050406030204" pitchFamily="18" charset="0"/>
+                            </a:rPr>
+                          </m:ctrlPr>
+                        </m:sSupPr>
+                        <m:e>
+                          <m:r>
+                            <m:rPr>
+                              <m:sty m:val="p"/>
+                            </m:rPr>
+                            <a:rPr lang="en-US" sz="2500" b="0" i="0" smtClean="0">
+                              <a:solidFill>
+                                <a:schemeClr val="tx1"/>
+                              </a:solidFill>
+                              <a:latin typeface="Cambria Math" panose="02040503050406030204" pitchFamily="18" charset="0"/>
+                            </a:rPr>
+                            <m:t>Ψ</m:t>
+                          </m:r>
+                        </m:e>
+                        <m:sup>
+                          <m:r>
+                            <a:rPr lang="en-US" sz="2500" b="0" i="1" smtClean="0">
+                              <a:solidFill>
+                                <a:schemeClr val="tx1"/>
+                              </a:solidFill>
+                              <a:latin typeface="Cambria Math" panose="02040503050406030204" pitchFamily="18" charset="0"/>
+                            </a:rPr>
+                            <m:t>2</m:t>
+                          </m:r>
+                        </m:sup>
+                      </m:sSup>
                       <m:r>
-                        <a:rPr lang="en-US" sz="2000" b="0" i="1" smtClean="0">
-                          <a:solidFill>
-                            <a:schemeClr val="tx1"/>
-                          </a:solidFill>
-                          <a:latin typeface="Cambria Math" panose="02040503050406030204" pitchFamily="18" charset="0"/>
-                        </a:rPr>
-                        <m:t>𝜌</m:t>
-                      </m:r>
-                      <m:r>
-                        <a:rPr lang="en-US" sz="2000" b="0" i="1" smtClean="0">
+                        <a:rPr lang="en-US" sz="2500" b="0" i="1" smtClean="0">
                           <a:solidFill>
                             <a:schemeClr val="tx1"/>
                           </a:solidFill>
@@ -4718,66 +7290,27 @@
                         <m:t>(</m:t>
                       </m:r>
                       <m:r>
-                        <a:rPr lang="en-US" sz="2000" b="0" i="1" smtClean="0">
+                        <a:rPr lang="en-US" sz="2500" b="1" i="1" smtClean="0">
                           <a:solidFill>
                             <a:schemeClr val="tx1"/>
                           </a:solidFill>
                           <a:latin typeface="Cambria Math" panose="02040503050406030204" pitchFamily="18" charset="0"/>
                         </a:rPr>
-                        <m:t>𝜔</m:t>
+                        <m:t>𝒓</m:t>
                       </m:r>
                       <m:r>
-                        <a:rPr lang="en-US" sz="2000" b="0" i="1" smtClean="0">
+                        <a:rPr lang="en-US" sz="2500" b="0" i="1" smtClean="0">
                           <a:solidFill>
                             <a:schemeClr val="tx1"/>
                           </a:solidFill>
                           <a:latin typeface="Cambria Math" panose="02040503050406030204" pitchFamily="18" charset="0"/>
                         </a:rPr>
-                        <m:t>)/</m:t>
+                        <m:t>)</m:t>
                       </m:r>
-                      <m:sSub>
-                        <m:sSubPr>
-                          <m:ctrlPr>
-                            <a:rPr lang="en-US" sz="2000" b="0" i="1" smtClean="0">
-                              <a:solidFill>
-                                <a:schemeClr val="tx1"/>
-                              </a:solidFill>
-                              <a:latin typeface="Cambria Math" panose="02040503050406030204" pitchFamily="18" charset="0"/>
-                            </a:rPr>
-                          </m:ctrlPr>
-                        </m:sSubPr>
-                        <m:e>
-                          <m:r>
-                            <a:rPr lang="en-US" sz="2000" b="0" i="1" smtClean="0">
-                              <a:solidFill>
-                                <a:schemeClr val="tx1"/>
-                              </a:solidFill>
-                              <a:latin typeface="Cambria Math" panose="02040503050406030204" pitchFamily="18" charset="0"/>
-                            </a:rPr>
-                            <m:t>𝜌</m:t>
-                          </m:r>
-                        </m:e>
-                        <m:sub>
-                          <m:r>
-                            <a:rPr lang="en-US" sz="2000" b="0" i="1" smtClean="0">
-                              <a:solidFill>
-                                <a:schemeClr val="tx1"/>
-                              </a:solidFill>
-                              <a:latin typeface="Cambria Math" panose="02040503050406030204" pitchFamily="18" charset="0"/>
-                            </a:rPr>
-                            <m:t>0</m:t>
-                          </m:r>
-                        </m:sub>
-                      </m:sSub>
                     </m:oMath>
                   </m:oMathPara>
                 </a14:m>
-                <a:endParaRPr lang="en-US" sz="2000" dirty="0">
-                  <a:solidFill>
-                    <a:schemeClr val="tx1"/>
-                  </a:solidFill>
-                  <a:latin typeface="Cambria" panose="02040503050406030204" pitchFamily="18" charset="0"/>
-                </a:endParaRPr>
+                <a:endParaRPr lang="en-US" sz="2500" dirty="0"/>
               </a:p>
             </p:txBody>
           </p:sp>
@@ -4785,16 +7318,16 @@
         <mc:Fallback xmlns="">
           <p:sp>
             <p:nvSpPr>
-              <p:cNvPr id="13" name="TextBox 12"/>
+              <p:cNvPr id="7" name="TextBox 6"/>
               <p:cNvSpPr txBox="1">
                 <a:spLocks noRot="1" noChangeAspect="1" noMove="1" noResize="1" noEditPoints="1" noAdjustHandles="1" noChangeArrowheads="1" noChangeShapeType="1" noTextEdit="1"/>
               </p:cNvSpPr>
               <p:nvPr/>
             </p:nvSpPr>
             <p:spPr>
-              <a:xfrm rot="5400000">
-                <a:off x="3887937" y="2676305"/>
-                <a:ext cx="1207412" cy="400110"/>
+              <a:xfrm rot="21176394">
+                <a:off x="3993984" y="2412858"/>
+                <a:ext cx="937244" cy="384721"/>
               </a:xfrm>
               <a:prstGeom prst="rect">
                 <a:avLst/>
@@ -4802,7 +7335,7 @@
               <a:blipFill rotWithShape="0">
                 <a:blip r:embed="rId3"/>
                 <a:stretch>
-                  <a:fillRect l="-18182"/>
+                  <a:fillRect/>
                 </a:stretch>
               </a:blipFill>
             </p:spPr>
@@ -4821,221 +7354,26 @@
           </p:sp>
         </mc:Fallback>
       </mc:AlternateContent>
-      <p:grpSp>
-        <p:nvGrpSpPr>
-          <p:cNvPr id="15" name="Group 14"/>
-          <p:cNvGrpSpPr/>
+      <p:sp>
+        <p:nvSpPr>
+          <p:cNvPr id="36" name="Rectangle 35"/>
+          <p:cNvSpPr/>
           <p:nvPr/>
-        </p:nvGrpSpPr>
-        <p:grpSpPr>
-          <a:xfrm>
-            <a:off x="3750485" y="4807582"/>
-            <a:ext cx="1098550" cy="400110"/>
-            <a:chOff x="4580189" y="4761926"/>
-            <a:chExt cx="1098550" cy="400110"/>
+        </p:nvSpPr>
+        <p:spPr bwMode="auto">
+          <a:xfrm rot="5400000">
+            <a:off x="1008863" y="3389756"/>
+            <a:ext cx="2325864" cy="293051"/>
           </a:xfrm>
-        </p:grpSpPr>
-        <p:sp>
-          <p:nvSpPr>
-            <p:cNvPr id="14" name="Rectangle 13"/>
-            <p:cNvSpPr/>
-            <p:nvPr/>
-          </p:nvSpPr>
-          <p:spPr bwMode="auto">
-            <a:xfrm>
-              <a:off x="4580189" y="4864099"/>
-              <a:ext cx="1098550" cy="293051"/>
-            </a:xfrm>
-            <a:prstGeom prst="rect">
-              <a:avLst/>
-            </a:prstGeom>
-            <a:solidFill>
-              <a:schemeClr val="bg1"/>
-            </a:solidFill>
-            <a:ln w="9525" cap="flat" cmpd="sng" algn="ctr">
-              <a:solidFill>
-                <a:schemeClr val="bg1"/>
-              </a:solidFill>
-              <a:prstDash val="solid"/>
-              <a:round/>
-              <a:headEnd type="none" w="med" len="med"/>
-              <a:tailEnd type="none" w="med" len="med"/>
-            </a:ln>
-            <a:effectLst/>
-          </p:spPr>
-          <p:txBody>
-            <a:bodyPr vert="horz" wrap="square" lIns="91440" tIns="45720" rIns="91440" bIns="45720" numCol="1" rtlCol="0" anchor="t" anchorCtr="0" compatLnSpc="1">
-              <a:prstTxWarp prst="textNoShape">
-                <a:avLst/>
-              </a:prstTxWarp>
-            </a:bodyPr>
-            <a:lstStyle/>
-            <a:p>
-              <a:pPr marL="0" marR="0" indent="0" algn="l" defTabSz="457200" rtl="0" eaLnBrk="1" fontAlgn="base" latinLnBrk="0" hangingPunct="1">
-                <a:lnSpc>
-                  <a:spcPct val="100000"/>
-                </a:lnSpc>
-                <a:spcBef>
-                  <a:spcPct val="0"/>
-                </a:spcBef>
-                <a:spcAft>
-                  <a:spcPct val="0"/>
-                </a:spcAft>
-                <a:buClr>
-                  <a:srgbClr val="000000"/>
-                </a:buClr>
-                <a:buSzPct val="100000"/>
-                <a:buFont typeface="Times New Roman" pitchFamily="16" charset="0"/>
-                <a:buNone/>
-                <a:tabLst/>
-              </a:pPr>
-              <a:endParaRPr kumimoji="0" lang="en-US" sz="1800" b="0" i="0" u="none" strike="noStrike" cap="none" normalizeH="0" baseline="0" smtClean="0">
-                <a:ln>
-                  <a:noFill/>
-                </a:ln>
-                <a:solidFill>
-                  <a:schemeClr val="bg1"/>
-                </a:solidFill>
-                <a:effectLst/>
-                <a:latin typeface="Arial" charset="0"/>
-              </a:endParaRPr>
-            </a:p>
-          </p:txBody>
-        </p:sp>
-        <mc:AlternateContent xmlns:mc="http://schemas.openxmlformats.org/markup-compatibility/2006" xmlns:a14="http://schemas.microsoft.com/office/drawing/2010/main">
-          <mc:Choice Requires="a14">
-            <p:sp>
-              <p:nvSpPr>
-                <p:cNvPr id="4" name="TextBox 3"/>
-                <p:cNvSpPr txBox="1"/>
-                <p:nvPr/>
-              </p:nvSpPr>
-              <p:spPr>
-                <a:xfrm>
-                  <a:off x="4624840" y="4761926"/>
-                  <a:ext cx="875532" cy="400110"/>
-                </a:xfrm>
-                <a:prstGeom prst="rect">
-                  <a:avLst/>
-                </a:prstGeom>
-                <a:noFill/>
-              </p:spPr>
-              <p:txBody>
-                <a:bodyPr wrap="square" rtlCol="0">
-                  <a:spAutoFit/>
-                </a:bodyPr>
-                <a:lstStyle/>
-                <a:p>
-                  <a:pPr/>
-                  <a14:m>
-                    <m:oMathPara xmlns:m="http://schemas.openxmlformats.org/officeDocument/2006/math">
-                      <m:oMathParaPr>
-                        <m:jc m:val="centerGroup"/>
-                      </m:oMathParaPr>
-                      <m:oMath xmlns:m="http://schemas.openxmlformats.org/officeDocument/2006/math">
-                        <m:r>
-                          <a:rPr lang="en-US" sz="2000" b="0" i="1" smtClean="0">
-                            <a:solidFill>
-                              <a:schemeClr val="tx1"/>
-                            </a:solidFill>
-                            <a:latin typeface="Cambria Math" panose="02040503050406030204" pitchFamily="18" charset="0"/>
-                          </a:rPr>
-                          <m:t>𝜔</m:t>
-                        </m:r>
-                        <m:r>
-                          <a:rPr lang="en-US" sz="2000" b="0" i="1" smtClean="0">
-                            <a:solidFill>
-                              <a:schemeClr val="tx1"/>
-                            </a:solidFill>
-                            <a:latin typeface="Cambria Math" panose="02040503050406030204" pitchFamily="18" charset="0"/>
-                          </a:rPr>
-                          <m:t>/</m:t>
-                        </m:r>
-                        <m:r>
-                          <m:rPr>
-                            <m:sty m:val="p"/>
-                          </m:rPr>
-                          <a:rPr lang="en-US" sz="2000" b="0" i="0" smtClean="0">
-                            <a:solidFill>
-                              <a:schemeClr val="tx1"/>
-                            </a:solidFill>
-                            <a:latin typeface="Cambria Math" panose="02040503050406030204" pitchFamily="18" charset="0"/>
-                          </a:rPr>
-                          <m:t>Δ</m:t>
-                        </m:r>
-                      </m:oMath>
-                    </m:oMathPara>
-                  </a14:m>
-                  <a:endParaRPr lang="en-US" sz="2000" dirty="0">
-                    <a:solidFill>
-                      <a:schemeClr val="tx1"/>
-                    </a:solidFill>
-                    <a:latin typeface="Cambria" panose="02040503050406030204" pitchFamily="18" charset="0"/>
-                  </a:endParaRPr>
-                </a:p>
-              </p:txBody>
-            </p:sp>
-          </mc:Choice>
-          <mc:Fallback xmlns="">
-            <p:sp>
-              <p:nvSpPr>
-                <p:cNvPr id="4" name="TextBox 3"/>
-                <p:cNvSpPr txBox="1">
-                  <a:spLocks noRot="1" noChangeAspect="1" noMove="1" noResize="1" noEditPoints="1" noAdjustHandles="1" noChangeArrowheads="1" noChangeShapeType="1" noTextEdit="1"/>
-                </p:cNvSpPr>
-                <p:nvPr/>
-              </p:nvSpPr>
-              <p:spPr>
-                <a:xfrm>
-                  <a:off x="4624840" y="4761926"/>
-                  <a:ext cx="875532" cy="400110"/>
-                </a:xfrm>
-                <a:prstGeom prst="rect">
-                  <a:avLst/>
-                </a:prstGeom>
-                <a:blipFill rotWithShape="0">
-                  <a:blip r:embed="rId4"/>
-                  <a:stretch>
-                    <a:fillRect b="-18462"/>
-                  </a:stretch>
-                </a:blipFill>
-              </p:spPr>
-              <p:txBody>
-                <a:bodyPr/>
-                <a:lstStyle/>
-                <a:p>
-                  <a:r>
-                    <a:rPr lang="en-US">
-                      <a:noFill/>
-                    </a:rPr>
-                    <a:t> </a:t>
-                  </a:r>
-                </a:p>
-              </p:txBody>
-            </p:sp>
-          </mc:Fallback>
-        </mc:AlternateContent>
-      </p:grpSp>
-      <p:cxnSp>
-        <p:nvCxnSpPr>
-          <p:cNvPr id="25" name="Straight Connector 24"/>
-          <p:cNvCxnSpPr/>
-          <p:nvPr/>
-        </p:nvCxnSpPr>
-        <p:spPr bwMode="auto">
-          <a:xfrm>
-            <a:off x="2817035" y="2002412"/>
-            <a:ext cx="539750" cy="6350"/>
-          </a:xfrm>
-          <a:prstGeom prst="line">
+          <a:prstGeom prst="rect">
             <a:avLst/>
           </a:prstGeom>
           <a:solidFill>
-            <a:srgbClr val="00B8FF"/>
+            <a:schemeClr val="bg1"/>
           </a:solidFill>
-          <a:ln w="25400" cap="flat" cmpd="sng" algn="ctr">
+          <a:ln w="9525" cap="flat" cmpd="sng" algn="ctr">
             <a:solidFill>
-              <a:srgbClr val="FF0000"/>
+              <a:schemeClr val="bg1"/>
             </a:solidFill>
             <a:prstDash val="solid"/>
             <a:round/>
@@ -5044,27 +7382,65 @@
           </a:ln>
           <a:effectLst/>
         </p:spPr>
-      </p:cxnSp>
-      <p:cxnSp>
-        <p:nvCxnSpPr>
-          <p:cNvPr id="26" name="Straight Connector 25"/>
-          <p:cNvCxnSpPr/>
+        <p:txBody>
+          <a:bodyPr vert="horz" wrap="square" lIns="91440" tIns="45720" rIns="91440" bIns="45720" numCol="1" rtlCol="0" anchor="t" anchorCtr="0" compatLnSpc="1">
+            <a:prstTxWarp prst="textNoShape">
+              <a:avLst/>
+            </a:prstTxWarp>
+          </a:bodyPr>
+          <a:lstStyle/>
+          <a:p>
+            <a:pPr marL="0" marR="0" indent="0" algn="l" defTabSz="457200" rtl="0" eaLnBrk="1" fontAlgn="base" latinLnBrk="0" hangingPunct="1">
+              <a:lnSpc>
+                <a:spcPct val="100000"/>
+              </a:lnSpc>
+              <a:spcBef>
+                <a:spcPct val="0"/>
+              </a:spcBef>
+              <a:spcAft>
+                <a:spcPct val="0"/>
+              </a:spcAft>
+              <a:buClr>
+                <a:srgbClr val="000000"/>
+              </a:buClr>
+              <a:buSzPct val="100000"/>
+              <a:buFont typeface="Times New Roman" pitchFamily="16" charset="0"/>
+              <a:buNone/>
+              <a:tabLst/>
+            </a:pPr>
+            <a:endParaRPr kumimoji="0" lang="en-US" sz="1800" b="0" i="0" u="none" strike="noStrike" cap="none" normalizeH="0" baseline="0" smtClean="0">
+              <a:ln>
+                <a:noFill/>
+              </a:ln>
+              <a:solidFill>
+                <a:schemeClr val="bg1"/>
+              </a:solidFill>
+              <a:effectLst/>
+              <a:latin typeface="Arial" charset="0"/>
+            </a:endParaRPr>
+          </a:p>
+        </p:txBody>
+      </p:sp>
+      <p:sp>
+        <p:nvSpPr>
+          <p:cNvPr id="37" name="Rectangle 36"/>
+          <p:cNvSpPr/>
           <p:nvPr/>
-        </p:nvCxnSpPr>
+        </p:nvSpPr>
         <p:spPr bwMode="auto">
-          <a:xfrm>
-            <a:off x="4610486" y="2003031"/>
-            <a:ext cx="539750" cy="6350"/>
+          <a:xfrm rot="5400000">
+            <a:off x="1997726" y="1907027"/>
+            <a:ext cx="1159327" cy="447347"/>
           </a:xfrm>
-          <a:prstGeom prst="line">
+          <a:prstGeom prst="rect">
             <a:avLst/>
           </a:prstGeom>
           <a:solidFill>
-            <a:srgbClr val="00B8FF"/>
+            <a:schemeClr val="bg1"/>
           </a:solidFill>
-          <a:ln w="25400" cap="flat" cmpd="sng" algn="ctr">
+          <a:ln w="9525" cap="flat" cmpd="sng" algn="ctr">
             <a:solidFill>
-              <a:srgbClr val="0404BC"/>
+              <a:schemeClr val="bg1"/>
             </a:solidFill>
             <a:prstDash val="solid"/>
             <a:round/>
@@ -5073,7 +7449,939 @@
           </a:ln>
           <a:effectLst/>
         </p:spPr>
-      </p:cxnSp>
+        <p:txBody>
+          <a:bodyPr vert="horz" wrap="square" lIns="91440" tIns="45720" rIns="91440" bIns="45720" numCol="1" rtlCol="0" anchor="t" anchorCtr="0" compatLnSpc="1">
+            <a:prstTxWarp prst="textNoShape">
+              <a:avLst/>
+            </a:prstTxWarp>
+          </a:bodyPr>
+          <a:lstStyle/>
+          <a:p>
+            <a:pPr marL="0" marR="0" indent="0" algn="l" defTabSz="457200" rtl="0" eaLnBrk="1" fontAlgn="base" latinLnBrk="0" hangingPunct="1">
+              <a:lnSpc>
+                <a:spcPct val="100000"/>
+              </a:lnSpc>
+              <a:spcBef>
+                <a:spcPct val="0"/>
+              </a:spcBef>
+              <a:spcAft>
+                <a:spcPct val="0"/>
+              </a:spcAft>
+              <a:buClr>
+                <a:srgbClr val="000000"/>
+              </a:buClr>
+              <a:buSzPct val="100000"/>
+              <a:buFont typeface="Times New Roman" pitchFamily="16" charset="0"/>
+              <a:buNone/>
+              <a:tabLst/>
+            </a:pPr>
+            <a:endParaRPr kumimoji="0" lang="en-US" sz="1800" b="0" i="0" u="none" strike="noStrike" cap="none" normalizeH="0" baseline="0" smtClean="0">
+              <a:ln>
+                <a:noFill/>
+              </a:ln>
+              <a:solidFill>
+                <a:schemeClr val="bg1"/>
+              </a:solidFill>
+              <a:effectLst/>
+              <a:latin typeface="Arial" charset="0"/>
+            </a:endParaRPr>
+          </a:p>
+        </p:txBody>
+      </p:sp>
+      <p:sp>
+        <p:nvSpPr>
+          <p:cNvPr id="41" name="TextBox 40"/>
+          <p:cNvSpPr txBox="1"/>
+          <p:nvPr/>
+        </p:nvSpPr>
+        <p:spPr>
+          <a:xfrm>
+            <a:off x="1950034" y="3548245"/>
+            <a:ext cx="477910" cy="323165"/>
+          </a:xfrm>
+          <a:prstGeom prst="rect">
+            <a:avLst/>
+          </a:prstGeom>
+          <a:noFill/>
+        </p:spPr>
+        <p:txBody>
+          <a:bodyPr wrap="square" rtlCol="0">
+            <a:spAutoFit/>
+          </a:bodyPr>
+          <a:lstStyle/>
+          <a:p>
+            <a:r>
+              <a:rPr lang="en-US" sz="1500" dirty="0" smtClean="0">
+                <a:solidFill>
+                  <a:schemeClr val="tx1"/>
+                </a:solidFill>
+                <a:latin typeface="Cambria" panose="02040503050406030204" pitchFamily="18" charset="0"/>
+              </a:rPr>
+              <a:t>0.4</a:t>
+            </a:r>
+            <a:endParaRPr lang="en-US" sz="1500" dirty="0">
+              <a:solidFill>
+                <a:schemeClr val="tx1"/>
+              </a:solidFill>
+              <a:latin typeface="Cambria" panose="02040503050406030204" pitchFamily="18" charset="0"/>
+            </a:endParaRPr>
+          </a:p>
+        </p:txBody>
+      </p:sp>
+      <mc:AlternateContent xmlns:mc="http://schemas.openxmlformats.org/markup-compatibility/2006" xmlns:a14="http://schemas.microsoft.com/office/drawing/2010/main">
+        <mc:Choice Requires="a14">
+          <p:sp>
+            <p:nvSpPr>
+              <p:cNvPr id="40" name="TextBox 39"/>
+              <p:cNvSpPr txBox="1"/>
+              <p:nvPr/>
+            </p:nvSpPr>
+            <p:spPr>
+              <a:xfrm rot="21239296">
+                <a:off x="4531542" y="5076528"/>
+                <a:ext cx="612219" cy="384721"/>
+              </a:xfrm>
+              <a:prstGeom prst="rect">
+                <a:avLst/>
+              </a:prstGeom>
+              <a:noFill/>
+            </p:spPr>
+            <p:txBody>
+              <a:bodyPr wrap="none" lIns="0" tIns="0" rIns="0" bIns="0" rtlCol="0">
+                <a:spAutoFit/>
+                <a:scene3d>
+                  <a:camera prst="orthographicFront">
+                    <a:rot lat="0" lon="0" rev="0"/>
+                  </a:camera>
+                  <a:lightRig rig="threePt" dir="t"/>
+                </a:scene3d>
+              </a:bodyPr>
+              <a:lstStyle/>
+              <a:p>
+                <a:pPr/>
+                <a14:m>
+                  <m:oMathPara xmlns:m="http://schemas.openxmlformats.org/officeDocument/2006/math">
+                    <m:oMathParaPr>
+                      <m:jc m:val="centerGroup"/>
+                    </m:oMathParaPr>
+                    <m:oMath xmlns:m="http://schemas.openxmlformats.org/officeDocument/2006/math">
+                      <m:r>
+                        <a:rPr lang="en-US" sz="2500" b="0" i="1" smtClean="0">
+                          <a:solidFill>
+                            <a:schemeClr val="tx1"/>
+                          </a:solidFill>
+                          <a:latin typeface="Cambria Math" panose="02040503050406030204" pitchFamily="18" charset="0"/>
+                        </a:rPr>
+                        <m:t>𝑥</m:t>
+                      </m:r>
+                      <m:r>
+                        <a:rPr lang="en-US" sz="2500" b="0" i="1" smtClean="0">
+                          <a:solidFill>
+                            <a:schemeClr val="tx1"/>
+                          </a:solidFill>
+                          <a:latin typeface="Cambria Math" panose="02040503050406030204" pitchFamily="18" charset="0"/>
+                        </a:rPr>
+                        <m:t>/</m:t>
+                      </m:r>
+                      <m:r>
+                        <a:rPr lang="en-US" sz="2500" b="0" i="1" smtClean="0">
+                          <a:solidFill>
+                            <a:schemeClr val="tx1"/>
+                          </a:solidFill>
+                          <a:latin typeface="Cambria Math" panose="02040503050406030204" pitchFamily="18" charset="0"/>
+                        </a:rPr>
+                        <m:t>𝑎</m:t>
+                      </m:r>
+                    </m:oMath>
+                  </m:oMathPara>
+                </a14:m>
+                <a:endParaRPr lang="en-US" sz="2500" dirty="0"/>
+              </a:p>
+            </p:txBody>
+          </p:sp>
+        </mc:Choice>
+        <mc:Fallback xmlns="">
+          <p:sp>
+            <p:nvSpPr>
+              <p:cNvPr id="40" name="TextBox 39"/>
+              <p:cNvSpPr txBox="1">
+                <a:spLocks noRot="1" noChangeAspect="1" noMove="1" noResize="1" noEditPoints="1" noAdjustHandles="1" noChangeArrowheads="1" noChangeShapeType="1" noTextEdit="1"/>
+              </p:cNvSpPr>
+              <p:nvPr/>
+            </p:nvSpPr>
+            <p:spPr>
+              <a:xfrm rot="21239296">
+                <a:off x="4531542" y="5076528"/>
+                <a:ext cx="612219" cy="384721"/>
+              </a:xfrm>
+              <a:prstGeom prst="rect">
+                <a:avLst/>
+              </a:prstGeom>
+              <a:blipFill rotWithShape="0">
+                <a:blip r:embed="rId4"/>
+                <a:stretch>
+                  <a:fillRect/>
+                </a:stretch>
+              </a:blipFill>
+            </p:spPr>
+            <p:txBody>
+              <a:bodyPr/>
+              <a:lstStyle/>
+              <a:p>
+                <a:r>
+                  <a:rPr lang="en-US">
+                    <a:noFill/>
+                  </a:rPr>
+                  <a:t> </a:t>
+                </a:r>
+              </a:p>
+            </p:txBody>
+          </p:sp>
+        </mc:Fallback>
+      </mc:AlternateContent>
+      <mc:AlternateContent xmlns:mc="http://schemas.openxmlformats.org/markup-compatibility/2006" xmlns:a14="http://schemas.microsoft.com/office/drawing/2010/main">
+        <mc:Choice Requires="a14">
+          <p:sp>
+            <p:nvSpPr>
+              <p:cNvPr id="42" name="TextBox 41"/>
+              <p:cNvSpPr txBox="1"/>
+              <p:nvPr/>
+            </p:nvSpPr>
+            <p:spPr>
+              <a:xfrm rot="2812465">
+                <a:off x="2235332" y="4823216"/>
+                <a:ext cx="594522" cy="384721"/>
+              </a:xfrm>
+              <a:prstGeom prst="rect">
+                <a:avLst/>
+              </a:prstGeom>
+              <a:noFill/>
+            </p:spPr>
+            <p:txBody>
+              <a:bodyPr wrap="none" lIns="0" tIns="0" rIns="0" bIns="0" rtlCol="0">
+                <a:spAutoFit/>
+                <a:scene3d>
+                  <a:camera prst="orthographicFront">
+                    <a:rot lat="0" lon="0" rev="0"/>
+                  </a:camera>
+                  <a:lightRig rig="threePt" dir="t"/>
+                </a:scene3d>
+              </a:bodyPr>
+              <a:lstStyle/>
+              <a:p>
+                <a:pPr/>
+                <a14:m>
+                  <m:oMathPara xmlns:m="http://schemas.openxmlformats.org/officeDocument/2006/math">
+                    <m:oMathParaPr>
+                      <m:jc m:val="centerGroup"/>
+                    </m:oMathParaPr>
+                    <m:oMath xmlns:m="http://schemas.openxmlformats.org/officeDocument/2006/math">
+                      <m:r>
+                        <m:rPr>
+                          <m:sty m:val="p"/>
+                        </m:rPr>
+                        <a:rPr lang="en-US" sz="2500" b="0" i="0" smtClean="0">
+                          <a:solidFill>
+                            <a:schemeClr val="tx1"/>
+                          </a:solidFill>
+                          <a:latin typeface="Cambria Math" panose="02040503050406030204" pitchFamily="18" charset="0"/>
+                        </a:rPr>
+                        <m:t>y</m:t>
+                      </m:r>
+                      <m:r>
+                        <a:rPr lang="en-US" sz="2500" b="0" i="1" smtClean="0">
+                          <a:solidFill>
+                            <a:schemeClr val="tx1"/>
+                          </a:solidFill>
+                          <a:latin typeface="Cambria Math" panose="02040503050406030204" pitchFamily="18" charset="0"/>
+                        </a:rPr>
+                        <m:t>/</m:t>
+                      </m:r>
+                      <m:r>
+                        <a:rPr lang="en-US" sz="2500" b="0" i="1" smtClean="0">
+                          <a:solidFill>
+                            <a:schemeClr val="tx1"/>
+                          </a:solidFill>
+                          <a:latin typeface="Cambria Math" panose="02040503050406030204" pitchFamily="18" charset="0"/>
+                        </a:rPr>
+                        <m:t>𝑎</m:t>
+                      </m:r>
+                    </m:oMath>
+                  </m:oMathPara>
+                </a14:m>
+                <a:endParaRPr lang="en-US" sz="2500" dirty="0"/>
+              </a:p>
+            </p:txBody>
+          </p:sp>
+        </mc:Choice>
+        <mc:Fallback xmlns="">
+          <p:sp>
+            <p:nvSpPr>
+              <p:cNvPr id="42" name="TextBox 41"/>
+              <p:cNvSpPr txBox="1">
+                <a:spLocks noRot="1" noChangeAspect="1" noMove="1" noResize="1" noEditPoints="1" noAdjustHandles="1" noChangeArrowheads="1" noChangeShapeType="1" noTextEdit="1"/>
+              </p:cNvSpPr>
+              <p:nvPr/>
+            </p:nvSpPr>
+            <p:spPr>
+              <a:xfrm rot="2812465">
+                <a:off x="2235332" y="4823216"/>
+                <a:ext cx="594522" cy="384721"/>
+              </a:xfrm>
+              <a:prstGeom prst="rect">
+                <a:avLst/>
+              </a:prstGeom>
+              <a:blipFill rotWithShape="0">
+                <a:blip r:embed="rId5"/>
+                <a:stretch>
+                  <a:fillRect/>
+                </a:stretch>
+              </a:blipFill>
+            </p:spPr>
+            <p:txBody>
+              <a:bodyPr/>
+              <a:lstStyle/>
+              <a:p>
+                <a:r>
+                  <a:rPr lang="en-US">
+                    <a:noFill/>
+                  </a:rPr>
+                  <a:t> </a:t>
+                </a:r>
+              </a:p>
+            </p:txBody>
+          </p:sp>
+        </mc:Fallback>
+      </mc:AlternateContent>
+      <mc:AlternateContent xmlns:mc="http://schemas.openxmlformats.org/markup-compatibility/2006" xmlns:a14="http://schemas.microsoft.com/office/drawing/2010/main">
+        <mc:Choice Requires="a14">
+          <p:sp>
+            <p:nvSpPr>
+              <p:cNvPr id="43" name="TextBox 42"/>
+              <p:cNvSpPr txBox="1"/>
+              <p:nvPr/>
+            </p:nvSpPr>
+            <p:spPr>
+              <a:xfrm rot="21153204">
+                <a:off x="2366033" y="2412101"/>
+                <a:ext cx="626262" cy="230832"/>
+              </a:xfrm>
+              <a:prstGeom prst="rect">
+                <a:avLst/>
+              </a:prstGeom>
+              <a:noFill/>
+            </p:spPr>
+            <p:txBody>
+              <a:bodyPr wrap="none" lIns="0" tIns="0" rIns="0" bIns="0" rtlCol="0">
+                <a:spAutoFit/>
+              </a:bodyPr>
+              <a:lstStyle/>
+              <a:p>
+                <a14:m>
+                  <m:oMath xmlns:m="http://schemas.openxmlformats.org/officeDocument/2006/math">
+                    <m:r>
+                      <a:rPr lang="en-US" sz="1500" b="0" i="1" smtClean="0">
+                        <a:solidFill>
+                          <a:schemeClr val="tx1"/>
+                        </a:solidFill>
+                        <a:latin typeface="Cambria Math" panose="02040503050406030204" pitchFamily="18" charset="0"/>
+                      </a:rPr>
+                      <m:t>×</m:t>
+                    </m:r>
+                    <m:sSup>
+                      <m:sSupPr>
+                        <m:ctrlPr>
+                          <a:rPr lang="en-US" sz="1500" b="0" i="1" smtClean="0">
+                            <a:solidFill>
+                              <a:schemeClr val="tx1"/>
+                            </a:solidFill>
+                            <a:latin typeface="Cambria Math" panose="02040503050406030204" pitchFamily="18" charset="0"/>
+                          </a:rPr>
+                        </m:ctrlPr>
+                      </m:sSupPr>
+                      <m:e>
+                        <m:r>
+                          <a:rPr lang="en-US" sz="1500" b="0" i="1" smtClean="0">
+                            <a:solidFill>
+                              <a:schemeClr val="tx1"/>
+                            </a:solidFill>
+                            <a:latin typeface="Cambria Math" panose="02040503050406030204" pitchFamily="18" charset="0"/>
+                          </a:rPr>
+                          <m:t>10</m:t>
+                        </m:r>
+                      </m:e>
+                      <m:sup>
+                        <m:r>
+                          <a:rPr lang="en-US" sz="1500" b="0" i="1" smtClean="0">
+                            <a:solidFill>
+                              <a:schemeClr val="tx1"/>
+                            </a:solidFill>
+                            <a:latin typeface="Cambria Math" panose="02040503050406030204" pitchFamily="18" charset="0"/>
+                          </a:rPr>
+                          <m:t>−3</m:t>
+                        </m:r>
+                      </m:sup>
+                    </m:sSup>
+                  </m:oMath>
+                </a14:m>
+                <a:r>
+                  <a:rPr lang="en-US" sz="1500" dirty="0" smtClean="0">
+                    <a:solidFill>
+                      <a:schemeClr val="tx1"/>
+                    </a:solidFill>
+                    <a:latin typeface="Cambria" panose="02040503050406030204" pitchFamily="18" charset="0"/>
+                  </a:rPr>
+                  <a:t> </a:t>
+                </a:r>
+                <a:endParaRPr lang="en-US" sz="1500" dirty="0">
+                  <a:solidFill>
+                    <a:schemeClr val="tx1"/>
+                  </a:solidFill>
+                  <a:latin typeface="Cambria" panose="02040503050406030204" pitchFamily="18" charset="0"/>
+                </a:endParaRPr>
+              </a:p>
+            </p:txBody>
+          </p:sp>
+        </mc:Choice>
+        <mc:Fallback xmlns="">
+          <p:sp>
+            <p:nvSpPr>
+              <p:cNvPr id="43" name="TextBox 42"/>
+              <p:cNvSpPr txBox="1">
+                <a:spLocks noRot="1" noChangeAspect="1" noMove="1" noResize="1" noEditPoints="1" noAdjustHandles="1" noChangeArrowheads="1" noChangeShapeType="1" noTextEdit="1"/>
+              </p:cNvSpPr>
+              <p:nvPr/>
+            </p:nvSpPr>
+            <p:spPr>
+              <a:xfrm rot="21153204">
+                <a:off x="2366033" y="2412101"/>
+                <a:ext cx="626262" cy="230832"/>
+              </a:xfrm>
+              <a:prstGeom prst="rect">
+                <a:avLst/>
+              </a:prstGeom>
+              <a:blipFill rotWithShape="0">
+                <a:blip r:embed="rId6"/>
+                <a:stretch>
+                  <a:fillRect l="-7477" b="-1923"/>
+                </a:stretch>
+              </a:blipFill>
+            </p:spPr>
+            <p:txBody>
+              <a:bodyPr/>
+              <a:lstStyle/>
+              <a:p>
+                <a:r>
+                  <a:rPr lang="en-US">
+                    <a:noFill/>
+                  </a:rPr>
+                  <a:t> </a:t>
+                </a:r>
+              </a:p>
+            </p:txBody>
+          </p:sp>
+        </mc:Fallback>
+      </mc:AlternateContent>
+      <p:sp>
+        <p:nvSpPr>
+          <p:cNvPr id="26" name="TextBox 25"/>
+          <p:cNvSpPr txBox="1"/>
+          <p:nvPr/>
+        </p:nvSpPr>
+        <p:spPr>
+          <a:xfrm>
+            <a:off x="2099479" y="4083736"/>
+            <a:ext cx="477910" cy="323165"/>
+          </a:xfrm>
+          <a:prstGeom prst="rect">
+            <a:avLst/>
+          </a:prstGeom>
+          <a:noFill/>
+        </p:spPr>
+        <p:txBody>
+          <a:bodyPr wrap="square" rtlCol="0">
+            <a:spAutoFit/>
+          </a:bodyPr>
+          <a:lstStyle/>
+          <a:p>
+            <a:r>
+              <a:rPr lang="en-US" sz="1500" dirty="0" smtClean="0">
+                <a:solidFill>
+                  <a:schemeClr val="tx1"/>
+                </a:solidFill>
+                <a:latin typeface="Cambria" panose="02040503050406030204" pitchFamily="18" charset="0"/>
+              </a:rPr>
+              <a:t>0</a:t>
+            </a:r>
+            <a:endParaRPr lang="en-US" sz="1500" dirty="0">
+              <a:solidFill>
+                <a:schemeClr val="tx1"/>
+              </a:solidFill>
+              <a:latin typeface="Cambria" panose="02040503050406030204" pitchFamily="18" charset="0"/>
+            </a:endParaRPr>
+          </a:p>
+        </p:txBody>
+      </p:sp>
+      <p:sp>
+        <p:nvSpPr>
+          <p:cNvPr id="31" name="TextBox 30"/>
+          <p:cNvSpPr txBox="1"/>
+          <p:nvPr/>
+        </p:nvSpPr>
+        <p:spPr>
+          <a:xfrm>
+            <a:off x="1950034" y="3005325"/>
+            <a:ext cx="477910" cy="323165"/>
+          </a:xfrm>
+          <a:prstGeom prst="rect">
+            <a:avLst/>
+          </a:prstGeom>
+          <a:noFill/>
+        </p:spPr>
+        <p:txBody>
+          <a:bodyPr wrap="square" rtlCol="0">
+            <a:spAutoFit/>
+          </a:bodyPr>
+          <a:lstStyle/>
+          <a:p>
+            <a:r>
+              <a:rPr lang="en-US" sz="1500" dirty="0" smtClean="0">
+                <a:solidFill>
+                  <a:schemeClr val="tx1"/>
+                </a:solidFill>
+                <a:latin typeface="Cambria" panose="02040503050406030204" pitchFamily="18" charset="0"/>
+              </a:rPr>
+              <a:t>0.6</a:t>
+            </a:r>
+            <a:endParaRPr lang="en-US" sz="1500" dirty="0">
+              <a:solidFill>
+                <a:schemeClr val="tx1"/>
+              </a:solidFill>
+              <a:latin typeface="Cambria" panose="02040503050406030204" pitchFamily="18" charset="0"/>
+            </a:endParaRPr>
+          </a:p>
+        </p:txBody>
+      </p:sp>
+    </p:spTree>
+    <p:extLst>
+      <p:ext uri="{BB962C8B-B14F-4D97-AF65-F5344CB8AC3E}">
+        <p14:creationId xmlns:p14="http://schemas.microsoft.com/office/powerpoint/2010/main" val="1311980074"/>
+      </p:ext>
+    </p:extLst>
+  </p:cSld>
+  <p:clrMapOvr>
+    <a:masterClrMapping/>
+  </p:clrMapOvr>
+</p:sld>
+</file>
+
+<file path=ppt/slides/slide13.xml><?xml version="1.0" encoding="utf-8"?>
+<p:sld xmlns:a="http://schemas.openxmlformats.org/drawingml/2006/main" xmlns:r="http://schemas.openxmlformats.org/officeDocument/2006/relationships" xmlns:p="http://schemas.openxmlformats.org/presentationml/2006/main">
+  <p:cSld>
+    <p:spTree>
+      <p:nvGrpSpPr>
+        <p:cNvPr id="1" name=""/>
+        <p:cNvGrpSpPr/>
+        <p:nvPr/>
+      </p:nvGrpSpPr>
+      <p:grpSpPr>
+        <a:xfrm>
+          <a:off x="0" y="0"/>
+          <a:ext cx="0" cy="0"/>
+          <a:chOff x="0" y="0"/>
+          <a:chExt cx="0" cy="0"/>
+        </a:xfrm>
+      </p:grpSpPr>
+      <p:pic>
+        <p:nvPicPr>
+          <p:cNvPr id="28" name="図 3"/>
+          <p:cNvPicPr>
+            <a:picLocks noChangeAspect="1"/>
+          </p:cNvPicPr>
+          <p:nvPr/>
+        </p:nvPicPr>
+        <p:blipFill>
+          <a:blip r:embed="rId2">
+            <a:extLst>
+              <a:ext uri="{28A0092B-C50C-407E-A947-70E740481C1C}">
+                <a14:useLocalDpi xmlns:a14="http://schemas.microsoft.com/office/drawing/2010/main" val="0"/>
+              </a:ext>
+            </a:extLst>
+          </a:blip>
+          <a:stretch>
+            <a:fillRect/>
+          </a:stretch>
+        </p:blipFill>
+        <p:spPr>
+          <a:xfrm>
+            <a:off x="1907974" y="2190751"/>
+            <a:ext cx="4645225" cy="3483918"/>
+          </a:xfrm>
+          <a:prstGeom prst="rect">
+            <a:avLst/>
+          </a:prstGeom>
+        </p:spPr>
+      </p:pic>
+      <p:pic>
+        <p:nvPicPr>
+          <p:cNvPr id="3" name="図 3"/>
+          <p:cNvPicPr>
+            <a:picLocks noChangeAspect="1"/>
+          </p:cNvPicPr>
+          <p:nvPr/>
+        </p:nvPicPr>
+        <p:blipFill>
+          <a:blip r:embed="rId3">
+            <a:extLst>
+              <a:ext uri="{28A0092B-C50C-407E-A947-70E740481C1C}">
+                <a14:useLocalDpi xmlns:a14="http://schemas.microsoft.com/office/drawing/2010/main" val="0"/>
+              </a:ext>
+            </a:extLst>
+          </a:blip>
+          <a:stretch>
+            <a:fillRect/>
+          </a:stretch>
+        </p:blipFill>
+        <p:spPr>
+          <a:xfrm>
+            <a:off x="1755574" y="2038351"/>
+            <a:ext cx="4645224" cy="3483918"/>
+          </a:xfrm>
+          <a:prstGeom prst="rect">
+            <a:avLst/>
+          </a:prstGeom>
+        </p:spPr>
+      </p:pic>
+      <p:sp>
+        <p:nvSpPr>
+          <p:cNvPr id="4" name="Rectangle 6"/>
+          <p:cNvSpPr>
+            <a:spLocks noChangeArrowheads="1"/>
+          </p:cNvSpPr>
+          <p:nvPr/>
+        </p:nvSpPr>
+        <p:spPr bwMode="auto">
+          <a:xfrm>
+            <a:off x="2025269" y="2257004"/>
+            <a:ext cx="4013581" cy="3233307"/>
+          </a:xfrm>
+          <a:prstGeom prst="rect">
+            <a:avLst/>
+          </a:prstGeom>
+          <a:noFill/>
+          <a:ln w="9360">
+            <a:solidFill>
+              <a:srgbClr val="000000"/>
+            </a:solidFill>
+            <a:miter lim="800000"/>
+            <a:headEnd/>
+            <a:tailEnd/>
+          </a:ln>
+          <a:extLst>
+            <a:ext uri="{909E8E84-426E-40DD-AFC4-6F175D3DCCD1}">
+              <a14:hiddenFill xmlns:a14="http://schemas.microsoft.com/office/drawing/2010/main">
+                <a:solidFill>
+                  <a:srgbClr val="FFFFFF"/>
+                </a:solidFill>
+              </a14:hiddenFill>
+            </a:ext>
+          </a:extLst>
+        </p:spPr>
+        <p:txBody>
+          <a:bodyPr wrap="none" anchor="ctr"/>
+          <a:lstStyle/>
+          <a:p>
+            <a:pPr eaLnBrk="1" hangingPunct="1">
+              <a:buClr>
+                <a:srgbClr val="000000"/>
+              </a:buClr>
+              <a:buSzPct val="100000"/>
+              <a:buFont typeface="Times New Roman" panose="02020603050405020304" pitchFamily="18" charset="0"/>
+              <a:buNone/>
+            </a:pPr>
+            <a:endParaRPr lang="en-US" altLang="en-US"/>
+          </a:p>
+        </p:txBody>
+      </p:sp>
+      <p:sp>
+        <p:nvSpPr>
+          <p:cNvPr id="5" name="Rectangle 4"/>
+          <p:cNvSpPr/>
+          <p:nvPr/>
+        </p:nvSpPr>
+        <p:spPr bwMode="auto">
+          <a:xfrm>
+            <a:off x="2178680" y="1931518"/>
+            <a:ext cx="3945467" cy="325486"/>
+          </a:xfrm>
+          <a:prstGeom prst="rect">
+            <a:avLst/>
+          </a:prstGeom>
+          <a:solidFill>
+            <a:schemeClr val="bg1"/>
+          </a:solidFill>
+          <a:ln w="9525" cap="flat" cmpd="sng" algn="ctr">
+            <a:noFill/>
+            <a:prstDash val="solid"/>
+            <a:round/>
+            <a:headEnd type="none" w="med" len="med"/>
+            <a:tailEnd type="none" w="med" len="med"/>
+          </a:ln>
+          <a:effectLst/>
+        </p:spPr>
+        <p:txBody>
+          <a:bodyPr vert="horz" wrap="square" lIns="91440" tIns="45720" rIns="91440" bIns="45720" numCol="1" rtlCol="0" anchor="t" anchorCtr="0" compatLnSpc="1">
+            <a:prstTxWarp prst="textNoShape">
+              <a:avLst/>
+            </a:prstTxWarp>
+          </a:bodyPr>
+          <a:lstStyle/>
+          <a:p>
+            <a:pPr marL="0" marR="0" indent="0" algn="l" defTabSz="457200" rtl="0" eaLnBrk="1" fontAlgn="base" latinLnBrk="0" hangingPunct="1">
+              <a:lnSpc>
+                <a:spcPct val="100000"/>
+              </a:lnSpc>
+              <a:spcBef>
+                <a:spcPct val="0"/>
+              </a:spcBef>
+              <a:spcAft>
+                <a:spcPct val="0"/>
+              </a:spcAft>
+              <a:buClr>
+                <a:srgbClr val="000000"/>
+              </a:buClr>
+              <a:buSzPct val="100000"/>
+              <a:buFont typeface="Times New Roman" pitchFamily="16" charset="0"/>
+              <a:buNone/>
+              <a:tabLst/>
+            </a:pPr>
+            <a:endParaRPr kumimoji="0" lang="en-US" sz="1800" b="0" i="0" u="none" strike="noStrike" cap="none" normalizeH="0" baseline="0" smtClean="0">
+              <a:ln>
+                <a:noFill/>
+              </a:ln>
+              <a:solidFill>
+                <a:schemeClr val="bg1"/>
+              </a:solidFill>
+              <a:effectLst/>
+              <a:latin typeface="Arial" charset="0"/>
+            </a:endParaRPr>
+          </a:p>
+        </p:txBody>
+      </p:sp>
+      <p:sp>
+        <p:nvSpPr>
+          <p:cNvPr id="12" name="Rectangle 11"/>
+          <p:cNvSpPr/>
+          <p:nvPr/>
+        </p:nvSpPr>
+        <p:spPr bwMode="auto">
+          <a:xfrm rot="21176846">
+            <a:off x="3305398" y="5014622"/>
+            <a:ext cx="2993105" cy="293051"/>
+          </a:xfrm>
+          <a:prstGeom prst="rect">
+            <a:avLst/>
+          </a:prstGeom>
+          <a:solidFill>
+            <a:schemeClr val="bg1"/>
+          </a:solidFill>
+          <a:ln w="9525" cap="flat" cmpd="sng" algn="ctr">
+            <a:solidFill>
+              <a:schemeClr val="bg1"/>
+            </a:solidFill>
+            <a:prstDash val="solid"/>
+            <a:round/>
+            <a:headEnd type="none" w="med" len="med"/>
+            <a:tailEnd type="none" w="med" len="med"/>
+          </a:ln>
+          <a:effectLst/>
+        </p:spPr>
+        <p:txBody>
+          <a:bodyPr vert="horz" wrap="square" lIns="91440" tIns="45720" rIns="91440" bIns="45720" numCol="1" rtlCol="0" anchor="t" anchorCtr="0" compatLnSpc="1">
+            <a:prstTxWarp prst="textNoShape">
+              <a:avLst/>
+            </a:prstTxWarp>
+          </a:bodyPr>
+          <a:lstStyle/>
+          <a:p>
+            <a:pPr marL="0" marR="0" indent="0" algn="l" defTabSz="457200" rtl="0" eaLnBrk="1" fontAlgn="base" latinLnBrk="0" hangingPunct="1">
+              <a:lnSpc>
+                <a:spcPct val="100000"/>
+              </a:lnSpc>
+              <a:spcBef>
+                <a:spcPct val="0"/>
+              </a:spcBef>
+              <a:spcAft>
+                <a:spcPct val="0"/>
+              </a:spcAft>
+              <a:buClr>
+                <a:srgbClr val="000000"/>
+              </a:buClr>
+              <a:buSzPct val="100000"/>
+              <a:buFont typeface="Times New Roman" pitchFamily="16" charset="0"/>
+              <a:buNone/>
+              <a:tabLst/>
+            </a:pPr>
+            <a:endParaRPr kumimoji="0" lang="en-US" sz="1800" b="0" i="0" u="none" strike="noStrike" cap="none" normalizeH="0" baseline="0" smtClean="0">
+              <a:ln>
+                <a:noFill/>
+              </a:ln>
+              <a:solidFill>
+                <a:schemeClr val="bg1"/>
+              </a:solidFill>
+              <a:effectLst/>
+              <a:latin typeface="Arial" charset="0"/>
+            </a:endParaRPr>
+          </a:p>
+        </p:txBody>
+      </p:sp>
+      <p:sp>
+        <p:nvSpPr>
+          <p:cNvPr id="22" name="Rectangle 21"/>
+          <p:cNvSpPr/>
+          <p:nvPr/>
+        </p:nvSpPr>
+        <p:spPr bwMode="auto">
+          <a:xfrm rot="2484240" flipV="1">
+            <a:off x="1570665" y="4779138"/>
+            <a:ext cx="2335324" cy="444024"/>
+          </a:xfrm>
+          <a:prstGeom prst="rect">
+            <a:avLst/>
+          </a:prstGeom>
+          <a:solidFill>
+            <a:schemeClr val="bg1"/>
+          </a:solidFill>
+          <a:ln w="9525" cap="flat" cmpd="sng" algn="ctr">
+            <a:solidFill>
+              <a:schemeClr val="bg1"/>
+            </a:solidFill>
+            <a:prstDash val="solid"/>
+            <a:round/>
+            <a:headEnd type="none" w="med" len="med"/>
+            <a:tailEnd type="none" w="med" len="med"/>
+          </a:ln>
+          <a:effectLst/>
+        </p:spPr>
+        <p:txBody>
+          <a:bodyPr vert="horz" wrap="square" lIns="91440" tIns="45720" rIns="91440" bIns="45720" numCol="1" rtlCol="0" anchor="t" anchorCtr="0" compatLnSpc="1">
+            <a:prstTxWarp prst="textNoShape">
+              <a:avLst/>
+            </a:prstTxWarp>
+          </a:bodyPr>
+          <a:lstStyle/>
+          <a:p>
+            <a:pPr marL="0" marR="0" indent="0" algn="l" defTabSz="457200" rtl="0" eaLnBrk="1" fontAlgn="base" latinLnBrk="0" hangingPunct="1">
+              <a:lnSpc>
+                <a:spcPct val="100000"/>
+              </a:lnSpc>
+              <a:spcBef>
+                <a:spcPct val="0"/>
+              </a:spcBef>
+              <a:spcAft>
+                <a:spcPct val="0"/>
+              </a:spcAft>
+              <a:buClr>
+                <a:srgbClr val="000000"/>
+              </a:buClr>
+              <a:buSzPct val="100000"/>
+              <a:buFont typeface="Times New Roman" pitchFamily="16" charset="0"/>
+              <a:buNone/>
+              <a:tabLst/>
+            </a:pPr>
+            <a:endParaRPr kumimoji="0" lang="en-US" sz="1800" b="0" i="0" u="none" strike="noStrike" cap="none" normalizeH="0" baseline="-25000" dirty="0" smtClean="0">
+              <a:ln>
+                <a:noFill/>
+              </a:ln>
+              <a:solidFill>
+                <a:schemeClr val="bg1"/>
+              </a:solidFill>
+              <a:effectLst/>
+              <a:latin typeface="Arial" charset="0"/>
+            </a:endParaRPr>
+          </a:p>
+        </p:txBody>
+      </p:sp>
+      <p:sp>
+        <p:nvSpPr>
+          <p:cNvPr id="23" name="TextBox 22"/>
+          <p:cNvSpPr txBox="1"/>
+          <p:nvPr/>
+        </p:nvSpPr>
+        <p:spPr>
+          <a:xfrm>
+            <a:off x="4538711" y="4945724"/>
+            <a:ext cx="304476" cy="323165"/>
+          </a:xfrm>
+          <a:prstGeom prst="rect">
+            <a:avLst/>
+          </a:prstGeom>
+          <a:noFill/>
+        </p:spPr>
+        <p:txBody>
+          <a:bodyPr wrap="square" rtlCol="0">
+            <a:spAutoFit/>
+          </a:bodyPr>
+          <a:lstStyle/>
+          <a:p>
+            <a:r>
+              <a:rPr lang="en-US" sz="1500" dirty="0" smtClean="0">
+                <a:solidFill>
+                  <a:schemeClr val="tx1"/>
+                </a:solidFill>
+                <a:latin typeface="Cambria" panose="02040503050406030204" pitchFamily="18" charset="0"/>
+              </a:rPr>
+              <a:t>0</a:t>
+            </a:r>
+            <a:endParaRPr lang="en-US" sz="1500" dirty="0">
+              <a:solidFill>
+                <a:schemeClr val="tx1"/>
+              </a:solidFill>
+              <a:latin typeface="Cambria" panose="02040503050406030204" pitchFamily="18" charset="0"/>
+            </a:endParaRPr>
+          </a:p>
+        </p:txBody>
+      </p:sp>
+      <p:sp>
+        <p:nvSpPr>
+          <p:cNvPr id="25" name="TextBox 24"/>
+          <p:cNvSpPr txBox="1"/>
+          <p:nvPr/>
+        </p:nvSpPr>
+        <p:spPr>
+          <a:xfrm>
+            <a:off x="5117937" y="4889054"/>
+            <a:ext cx="420128" cy="323165"/>
+          </a:xfrm>
+          <a:prstGeom prst="rect">
+            <a:avLst/>
+          </a:prstGeom>
+          <a:noFill/>
+        </p:spPr>
+        <p:txBody>
+          <a:bodyPr wrap="square" rtlCol="0">
+            <a:spAutoFit/>
+          </a:bodyPr>
+          <a:lstStyle/>
+          <a:p>
+            <a:r>
+              <a:rPr lang="en-US" sz="1500" dirty="0" smtClean="0">
+                <a:solidFill>
+                  <a:schemeClr val="tx1"/>
+                </a:solidFill>
+                <a:latin typeface="Cambria" panose="02040503050406030204" pitchFamily="18" charset="0"/>
+              </a:rPr>
+              <a:t>10</a:t>
+            </a:r>
+            <a:endParaRPr lang="en-US" sz="1500" dirty="0">
+              <a:solidFill>
+                <a:schemeClr val="tx1"/>
+              </a:solidFill>
+              <a:latin typeface="Cambria" panose="02040503050406030204" pitchFamily="18" charset="0"/>
+            </a:endParaRPr>
+          </a:p>
+        </p:txBody>
+      </p:sp>
       <p:sp>
         <p:nvSpPr>
           <p:cNvPr id="27" name="TextBox 26"/>
@@ -5082,8 +8390,8 @@
         </p:nvSpPr>
         <p:spPr>
           <a:xfrm>
-            <a:off x="5090429" y="1826652"/>
-            <a:ext cx="965443" cy="307777"/>
+            <a:off x="2611469" y="4839567"/>
+            <a:ext cx="471610" cy="323165"/>
           </a:xfrm>
           <a:prstGeom prst="rect">
             <a:avLst/>
@@ -5097,31 +8405,33 @@
           <a:lstStyle/>
           <a:p>
             <a:r>
-              <a:rPr lang="en-US" sz="1400" dirty="0" smtClean="0">
+              <a:rPr lang="en-US" sz="1500" dirty="0" smtClean="0">
                 <a:solidFill>
                   <a:schemeClr val="tx1"/>
                 </a:solidFill>
+                <a:latin typeface="Cambria" panose="02040503050406030204" pitchFamily="18" charset="0"/>
               </a:rPr>
-              <a:t>spin up</a:t>
+              <a:t>-10</a:t>
             </a:r>
-            <a:endParaRPr lang="en-US" sz="1400" dirty="0">
+            <a:endParaRPr lang="en-US" sz="1500" dirty="0">
               <a:solidFill>
                 <a:schemeClr val="tx1"/>
               </a:solidFill>
+              <a:latin typeface="Cambria" panose="02040503050406030204" pitchFamily="18" charset="0"/>
             </a:endParaRPr>
           </a:p>
         </p:txBody>
       </p:sp>
       <p:sp>
         <p:nvSpPr>
-          <p:cNvPr id="28" name="TextBox 27"/>
+          <p:cNvPr id="29" name="TextBox 28"/>
           <p:cNvSpPr txBox="1"/>
           <p:nvPr/>
         </p:nvSpPr>
         <p:spPr>
           <a:xfrm>
-            <a:off x="3311338" y="1842213"/>
-            <a:ext cx="1132205" cy="307777"/>
+            <a:off x="2552396" y="4576480"/>
+            <a:ext cx="304476" cy="323165"/>
           </a:xfrm>
           <a:prstGeom prst="rect">
             <a:avLst/>
@@ -5135,17 +8445,849 @@
           <a:lstStyle/>
           <a:p>
             <a:r>
-              <a:rPr lang="en-US" sz="1400" dirty="0" smtClean="0">
+              <a:rPr lang="en-US" sz="1500" dirty="0" smtClean="0">
                 <a:solidFill>
                   <a:schemeClr val="tx1"/>
                 </a:solidFill>
+                <a:latin typeface="Cambria" panose="02040503050406030204" pitchFamily="18" charset="0"/>
               </a:rPr>
-              <a:t>spin down</a:t>
+              <a:t>0</a:t>
             </a:r>
-            <a:endParaRPr lang="en-US" sz="1400" dirty="0">
+            <a:endParaRPr lang="en-US" sz="1500" dirty="0">
               <a:solidFill>
                 <a:schemeClr val="tx1"/>
               </a:solidFill>
+              <a:latin typeface="Cambria" panose="02040503050406030204" pitchFamily="18" charset="0"/>
+            </a:endParaRPr>
+          </a:p>
+        </p:txBody>
+      </p:sp>
+      <p:sp>
+        <p:nvSpPr>
+          <p:cNvPr id="30" name="TextBox 29"/>
+          <p:cNvSpPr txBox="1"/>
+          <p:nvPr/>
+        </p:nvSpPr>
+        <p:spPr>
+          <a:xfrm>
+            <a:off x="3799926" y="5021543"/>
+            <a:ext cx="471610" cy="323165"/>
+          </a:xfrm>
+          <a:prstGeom prst="rect">
+            <a:avLst/>
+          </a:prstGeom>
+          <a:noFill/>
+        </p:spPr>
+        <p:txBody>
+          <a:bodyPr wrap="square" rtlCol="0">
+            <a:spAutoFit/>
+          </a:bodyPr>
+          <a:lstStyle/>
+          <a:p>
+            <a:r>
+              <a:rPr lang="en-US" sz="1500" dirty="0" smtClean="0">
+                <a:solidFill>
+                  <a:schemeClr val="tx1"/>
+                </a:solidFill>
+                <a:latin typeface="Cambria" panose="02040503050406030204" pitchFamily="18" charset="0"/>
+              </a:rPr>
+              <a:t>-10</a:t>
+            </a:r>
+            <a:endParaRPr lang="en-US" sz="1500" dirty="0">
+              <a:solidFill>
+                <a:schemeClr val="tx1"/>
+              </a:solidFill>
+              <a:latin typeface="Cambria" panose="02040503050406030204" pitchFamily="18" charset="0"/>
+            </a:endParaRPr>
+          </a:p>
+        </p:txBody>
+      </p:sp>
+      <p:sp>
+        <p:nvSpPr>
+          <p:cNvPr id="32" name="TextBox 31"/>
+          <p:cNvSpPr txBox="1"/>
+          <p:nvPr/>
+        </p:nvSpPr>
+        <p:spPr>
+          <a:xfrm>
+            <a:off x="2199873" y="4335364"/>
+            <a:ext cx="420128" cy="323165"/>
+          </a:xfrm>
+          <a:prstGeom prst="rect">
+            <a:avLst/>
+          </a:prstGeom>
+          <a:noFill/>
+        </p:spPr>
+        <p:txBody>
+          <a:bodyPr wrap="square" rtlCol="0">
+            <a:spAutoFit/>
+          </a:bodyPr>
+          <a:lstStyle/>
+          <a:p>
+            <a:r>
+              <a:rPr lang="en-US" sz="1500" dirty="0" smtClean="0">
+                <a:solidFill>
+                  <a:schemeClr val="tx1"/>
+                </a:solidFill>
+                <a:latin typeface="Cambria" panose="02040503050406030204" pitchFamily="18" charset="0"/>
+              </a:rPr>
+              <a:t>10</a:t>
+            </a:r>
+            <a:endParaRPr lang="en-US" sz="1500" dirty="0">
+              <a:solidFill>
+                <a:schemeClr val="tx1"/>
+              </a:solidFill>
+              <a:latin typeface="Cambria" panose="02040503050406030204" pitchFamily="18" charset="0"/>
+            </a:endParaRPr>
+          </a:p>
+        </p:txBody>
+      </p:sp>
+      <mc:AlternateContent xmlns:mc="http://schemas.openxmlformats.org/markup-compatibility/2006" xmlns:a14="http://schemas.microsoft.com/office/drawing/2010/main">
+        <mc:Choice Requires="a14">
+          <p:sp>
+            <p:nvSpPr>
+              <p:cNvPr id="7" name="TextBox 6"/>
+              <p:cNvSpPr txBox="1"/>
+              <p:nvPr/>
+            </p:nvSpPr>
+            <p:spPr>
+              <a:xfrm rot="21176394">
+                <a:off x="3993984" y="2412858"/>
+                <a:ext cx="937244" cy="384721"/>
+              </a:xfrm>
+              <a:prstGeom prst="rect">
+                <a:avLst/>
+              </a:prstGeom>
+              <a:noFill/>
+            </p:spPr>
+            <p:txBody>
+              <a:bodyPr wrap="none" lIns="0" tIns="0" rIns="0" bIns="0" rtlCol="0">
+                <a:spAutoFit/>
+                <a:scene3d>
+                  <a:camera prst="orthographicFront">
+                    <a:rot lat="0" lon="0" rev="0"/>
+                  </a:camera>
+                  <a:lightRig rig="threePt" dir="t"/>
+                </a:scene3d>
+              </a:bodyPr>
+              <a:lstStyle/>
+              <a:p>
+                <a:pPr/>
+                <a14:m>
+                  <m:oMathPara xmlns:m="http://schemas.openxmlformats.org/officeDocument/2006/math">
+                    <m:oMathParaPr>
+                      <m:jc m:val="centerGroup"/>
+                    </m:oMathParaPr>
+                    <m:oMath xmlns:m="http://schemas.openxmlformats.org/officeDocument/2006/math">
+                      <m:sSup>
+                        <m:sSupPr>
+                          <m:ctrlPr>
+                            <a:rPr lang="en-US" sz="2500" b="0" i="1" smtClean="0">
+                              <a:solidFill>
+                                <a:schemeClr val="tx1"/>
+                              </a:solidFill>
+                              <a:latin typeface="Cambria Math" panose="02040503050406030204" pitchFamily="18" charset="0"/>
+                            </a:rPr>
+                          </m:ctrlPr>
+                        </m:sSupPr>
+                        <m:e>
+                          <m:r>
+                            <m:rPr>
+                              <m:sty m:val="p"/>
+                            </m:rPr>
+                            <a:rPr lang="en-US" sz="2500" b="0" i="0" smtClean="0">
+                              <a:solidFill>
+                                <a:schemeClr val="tx1"/>
+                              </a:solidFill>
+                              <a:latin typeface="Cambria Math" panose="02040503050406030204" pitchFamily="18" charset="0"/>
+                            </a:rPr>
+                            <m:t>Ψ</m:t>
+                          </m:r>
+                        </m:e>
+                        <m:sup>
+                          <m:r>
+                            <a:rPr lang="en-US" sz="2500" b="0" i="1" smtClean="0">
+                              <a:solidFill>
+                                <a:schemeClr val="tx1"/>
+                              </a:solidFill>
+                              <a:latin typeface="Cambria Math" panose="02040503050406030204" pitchFamily="18" charset="0"/>
+                            </a:rPr>
+                            <m:t>2</m:t>
+                          </m:r>
+                        </m:sup>
+                      </m:sSup>
+                      <m:r>
+                        <a:rPr lang="en-US" sz="2500" b="0" i="1" smtClean="0">
+                          <a:solidFill>
+                            <a:schemeClr val="tx1"/>
+                          </a:solidFill>
+                          <a:latin typeface="Cambria Math" panose="02040503050406030204" pitchFamily="18" charset="0"/>
+                        </a:rPr>
+                        <m:t>(</m:t>
+                      </m:r>
+                      <m:r>
+                        <a:rPr lang="en-US" sz="2500" b="1" i="1" smtClean="0">
+                          <a:solidFill>
+                            <a:schemeClr val="tx1"/>
+                          </a:solidFill>
+                          <a:latin typeface="Cambria Math" panose="02040503050406030204" pitchFamily="18" charset="0"/>
+                        </a:rPr>
+                        <m:t>𝒓</m:t>
+                      </m:r>
+                      <m:r>
+                        <a:rPr lang="en-US" sz="2500" b="0" i="1" smtClean="0">
+                          <a:solidFill>
+                            <a:schemeClr val="tx1"/>
+                          </a:solidFill>
+                          <a:latin typeface="Cambria Math" panose="02040503050406030204" pitchFamily="18" charset="0"/>
+                        </a:rPr>
+                        <m:t>)</m:t>
+                      </m:r>
+                    </m:oMath>
+                  </m:oMathPara>
+                </a14:m>
+                <a:endParaRPr lang="en-US" sz="2500" dirty="0"/>
+              </a:p>
+            </p:txBody>
+          </p:sp>
+        </mc:Choice>
+        <mc:Fallback xmlns="">
+          <p:sp>
+            <p:nvSpPr>
+              <p:cNvPr id="7" name="TextBox 6"/>
+              <p:cNvSpPr txBox="1">
+                <a:spLocks noRot="1" noChangeAspect="1" noMove="1" noResize="1" noEditPoints="1" noAdjustHandles="1" noChangeArrowheads="1" noChangeShapeType="1" noTextEdit="1"/>
+              </p:cNvSpPr>
+              <p:nvPr/>
+            </p:nvSpPr>
+            <p:spPr>
+              <a:xfrm rot="21176394">
+                <a:off x="3993984" y="2412858"/>
+                <a:ext cx="937244" cy="384721"/>
+              </a:xfrm>
+              <a:prstGeom prst="rect">
+                <a:avLst/>
+              </a:prstGeom>
+              <a:blipFill rotWithShape="0">
+                <a:blip r:embed="rId4"/>
+                <a:stretch>
+                  <a:fillRect/>
+                </a:stretch>
+              </a:blipFill>
+            </p:spPr>
+            <p:txBody>
+              <a:bodyPr/>
+              <a:lstStyle/>
+              <a:p>
+                <a:r>
+                  <a:rPr lang="en-US">
+                    <a:noFill/>
+                  </a:rPr>
+                  <a:t> </a:t>
+                </a:r>
+              </a:p>
+            </p:txBody>
+          </p:sp>
+        </mc:Fallback>
+      </mc:AlternateContent>
+      <p:sp>
+        <p:nvSpPr>
+          <p:cNvPr id="36" name="Rectangle 35"/>
+          <p:cNvSpPr/>
+          <p:nvPr/>
+        </p:nvSpPr>
+        <p:spPr bwMode="auto">
+          <a:xfrm rot="5400000">
+            <a:off x="1008863" y="3389756"/>
+            <a:ext cx="2325864" cy="293051"/>
+          </a:xfrm>
+          <a:prstGeom prst="rect">
+            <a:avLst/>
+          </a:prstGeom>
+          <a:solidFill>
+            <a:schemeClr val="bg1"/>
+          </a:solidFill>
+          <a:ln w="9525" cap="flat" cmpd="sng" algn="ctr">
+            <a:solidFill>
+              <a:schemeClr val="bg1"/>
+            </a:solidFill>
+            <a:prstDash val="solid"/>
+            <a:round/>
+            <a:headEnd type="none" w="med" len="med"/>
+            <a:tailEnd type="none" w="med" len="med"/>
+          </a:ln>
+          <a:effectLst/>
+        </p:spPr>
+        <p:txBody>
+          <a:bodyPr vert="horz" wrap="square" lIns="91440" tIns="45720" rIns="91440" bIns="45720" numCol="1" rtlCol="0" anchor="t" anchorCtr="0" compatLnSpc="1">
+            <a:prstTxWarp prst="textNoShape">
+              <a:avLst/>
+            </a:prstTxWarp>
+          </a:bodyPr>
+          <a:lstStyle/>
+          <a:p>
+            <a:pPr marL="0" marR="0" indent="0" algn="l" defTabSz="457200" rtl="0" eaLnBrk="1" fontAlgn="base" latinLnBrk="0" hangingPunct="1">
+              <a:lnSpc>
+                <a:spcPct val="100000"/>
+              </a:lnSpc>
+              <a:spcBef>
+                <a:spcPct val="0"/>
+              </a:spcBef>
+              <a:spcAft>
+                <a:spcPct val="0"/>
+              </a:spcAft>
+              <a:buClr>
+                <a:srgbClr val="000000"/>
+              </a:buClr>
+              <a:buSzPct val="100000"/>
+              <a:buFont typeface="Times New Roman" pitchFamily="16" charset="0"/>
+              <a:buNone/>
+              <a:tabLst/>
+            </a:pPr>
+            <a:endParaRPr kumimoji="0" lang="en-US" sz="1800" b="0" i="0" u="none" strike="noStrike" cap="none" normalizeH="0" baseline="0" smtClean="0">
+              <a:ln>
+                <a:noFill/>
+              </a:ln>
+              <a:solidFill>
+                <a:schemeClr val="bg1"/>
+              </a:solidFill>
+              <a:effectLst/>
+              <a:latin typeface="Arial" charset="0"/>
+            </a:endParaRPr>
+          </a:p>
+        </p:txBody>
+      </p:sp>
+      <p:sp>
+        <p:nvSpPr>
+          <p:cNvPr id="37" name="Rectangle 36"/>
+          <p:cNvSpPr/>
+          <p:nvPr/>
+        </p:nvSpPr>
+        <p:spPr bwMode="auto">
+          <a:xfrm rot="5400000">
+            <a:off x="1997726" y="1907027"/>
+            <a:ext cx="1159327" cy="447347"/>
+          </a:xfrm>
+          <a:prstGeom prst="rect">
+            <a:avLst/>
+          </a:prstGeom>
+          <a:solidFill>
+            <a:schemeClr val="bg1"/>
+          </a:solidFill>
+          <a:ln w="9525" cap="flat" cmpd="sng" algn="ctr">
+            <a:solidFill>
+              <a:schemeClr val="bg1"/>
+            </a:solidFill>
+            <a:prstDash val="solid"/>
+            <a:round/>
+            <a:headEnd type="none" w="med" len="med"/>
+            <a:tailEnd type="none" w="med" len="med"/>
+          </a:ln>
+          <a:effectLst/>
+        </p:spPr>
+        <p:txBody>
+          <a:bodyPr vert="horz" wrap="square" lIns="91440" tIns="45720" rIns="91440" bIns="45720" numCol="1" rtlCol="0" anchor="t" anchorCtr="0" compatLnSpc="1">
+            <a:prstTxWarp prst="textNoShape">
+              <a:avLst/>
+            </a:prstTxWarp>
+          </a:bodyPr>
+          <a:lstStyle/>
+          <a:p>
+            <a:pPr marL="0" marR="0" indent="0" algn="l" defTabSz="457200" rtl="0" eaLnBrk="1" fontAlgn="base" latinLnBrk="0" hangingPunct="1">
+              <a:lnSpc>
+                <a:spcPct val="100000"/>
+              </a:lnSpc>
+              <a:spcBef>
+                <a:spcPct val="0"/>
+              </a:spcBef>
+              <a:spcAft>
+                <a:spcPct val="0"/>
+              </a:spcAft>
+              <a:buClr>
+                <a:srgbClr val="000000"/>
+              </a:buClr>
+              <a:buSzPct val="100000"/>
+              <a:buFont typeface="Times New Roman" pitchFamily="16" charset="0"/>
+              <a:buNone/>
+              <a:tabLst/>
+            </a:pPr>
+            <a:endParaRPr kumimoji="0" lang="en-US" sz="1800" b="0" i="0" u="none" strike="noStrike" cap="none" normalizeH="0" baseline="0" smtClean="0">
+              <a:ln>
+                <a:noFill/>
+              </a:ln>
+              <a:solidFill>
+                <a:schemeClr val="bg1"/>
+              </a:solidFill>
+              <a:effectLst/>
+              <a:latin typeface="Arial" charset="0"/>
+            </a:endParaRPr>
+          </a:p>
+        </p:txBody>
+      </p:sp>
+      <p:sp>
+        <p:nvSpPr>
+          <p:cNvPr id="41" name="TextBox 40"/>
+          <p:cNvSpPr txBox="1"/>
+          <p:nvPr/>
+        </p:nvSpPr>
+        <p:spPr>
+          <a:xfrm>
+            <a:off x="2097063" y="3532309"/>
+            <a:ext cx="477910" cy="323165"/>
+          </a:xfrm>
+          <a:prstGeom prst="rect">
+            <a:avLst/>
+          </a:prstGeom>
+          <a:noFill/>
+        </p:spPr>
+        <p:txBody>
+          <a:bodyPr wrap="square" rtlCol="0">
+            <a:spAutoFit/>
+          </a:bodyPr>
+          <a:lstStyle/>
+          <a:p>
+            <a:r>
+              <a:rPr lang="en-US" sz="1500" dirty="0">
+                <a:solidFill>
+                  <a:schemeClr val="tx1"/>
+                </a:solidFill>
+                <a:latin typeface="Cambria" panose="02040503050406030204" pitchFamily="18" charset="0"/>
+              </a:rPr>
+              <a:t>1</a:t>
+            </a:r>
+          </a:p>
+        </p:txBody>
+      </p:sp>
+      <mc:AlternateContent xmlns:mc="http://schemas.openxmlformats.org/markup-compatibility/2006" xmlns:a14="http://schemas.microsoft.com/office/drawing/2010/main">
+        <mc:Choice Requires="a14">
+          <p:sp>
+            <p:nvSpPr>
+              <p:cNvPr id="40" name="TextBox 39"/>
+              <p:cNvSpPr txBox="1"/>
+              <p:nvPr/>
+            </p:nvSpPr>
+            <p:spPr>
+              <a:xfrm rot="21239296">
+                <a:off x="4531542" y="5076528"/>
+                <a:ext cx="612219" cy="384721"/>
+              </a:xfrm>
+              <a:prstGeom prst="rect">
+                <a:avLst/>
+              </a:prstGeom>
+              <a:noFill/>
+            </p:spPr>
+            <p:txBody>
+              <a:bodyPr wrap="none" lIns="0" tIns="0" rIns="0" bIns="0" rtlCol="0">
+                <a:spAutoFit/>
+                <a:scene3d>
+                  <a:camera prst="orthographicFront">
+                    <a:rot lat="0" lon="0" rev="0"/>
+                  </a:camera>
+                  <a:lightRig rig="threePt" dir="t"/>
+                </a:scene3d>
+              </a:bodyPr>
+              <a:lstStyle/>
+              <a:p>
+                <a:pPr/>
+                <a14:m>
+                  <m:oMathPara xmlns:m="http://schemas.openxmlformats.org/officeDocument/2006/math">
+                    <m:oMathParaPr>
+                      <m:jc m:val="centerGroup"/>
+                    </m:oMathParaPr>
+                    <m:oMath xmlns:m="http://schemas.openxmlformats.org/officeDocument/2006/math">
+                      <m:r>
+                        <a:rPr lang="en-US" sz="2500" b="0" i="1" smtClean="0">
+                          <a:solidFill>
+                            <a:schemeClr val="tx1"/>
+                          </a:solidFill>
+                          <a:latin typeface="Cambria Math" panose="02040503050406030204" pitchFamily="18" charset="0"/>
+                        </a:rPr>
+                        <m:t>𝑥</m:t>
+                      </m:r>
+                      <m:r>
+                        <a:rPr lang="en-US" sz="2500" b="0" i="1" smtClean="0">
+                          <a:solidFill>
+                            <a:schemeClr val="tx1"/>
+                          </a:solidFill>
+                          <a:latin typeface="Cambria Math" panose="02040503050406030204" pitchFamily="18" charset="0"/>
+                        </a:rPr>
+                        <m:t>/</m:t>
+                      </m:r>
+                      <m:r>
+                        <a:rPr lang="en-US" sz="2500" b="0" i="1" smtClean="0">
+                          <a:solidFill>
+                            <a:schemeClr val="tx1"/>
+                          </a:solidFill>
+                          <a:latin typeface="Cambria Math" panose="02040503050406030204" pitchFamily="18" charset="0"/>
+                        </a:rPr>
+                        <m:t>𝑎</m:t>
+                      </m:r>
+                    </m:oMath>
+                  </m:oMathPara>
+                </a14:m>
+                <a:endParaRPr lang="en-US" sz="2500" dirty="0"/>
+              </a:p>
+            </p:txBody>
+          </p:sp>
+        </mc:Choice>
+        <mc:Fallback xmlns="">
+          <p:sp>
+            <p:nvSpPr>
+              <p:cNvPr id="40" name="TextBox 39"/>
+              <p:cNvSpPr txBox="1">
+                <a:spLocks noRot="1" noChangeAspect="1" noMove="1" noResize="1" noEditPoints="1" noAdjustHandles="1" noChangeArrowheads="1" noChangeShapeType="1" noTextEdit="1"/>
+              </p:cNvSpPr>
+              <p:nvPr/>
+            </p:nvSpPr>
+            <p:spPr>
+              <a:xfrm rot="21239296">
+                <a:off x="4531542" y="5076528"/>
+                <a:ext cx="612219" cy="384721"/>
+              </a:xfrm>
+              <a:prstGeom prst="rect">
+                <a:avLst/>
+              </a:prstGeom>
+              <a:blipFill rotWithShape="0">
+                <a:blip r:embed="rId5"/>
+                <a:stretch>
+                  <a:fillRect/>
+                </a:stretch>
+              </a:blipFill>
+            </p:spPr>
+            <p:txBody>
+              <a:bodyPr/>
+              <a:lstStyle/>
+              <a:p>
+                <a:r>
+                  <a:rPr lang="en-US">
+                    <a:noFill/>
+                  </a:rPr>
+                  <a:t> </a:t>
+                </a:r>
+              </a:p>
+            </p:txBody>
+          </p:sp>
+        </mc:Fallback>
+      </mc:AlternateContent>
+      <mc:AlternateContent xmlns:mc="http://schemas.openxmlformats.org/markup-compatibility/2006" xmlns:a14="http://schemas.microsoft.com/office/drawing/2010/main">
+        <mc:Choice Requires="a14">
+          <p:sp>
+            <p:nvSpPr>
+              <p:cNvPr id="42" name="TextBox 41"/>
+              <p:cNvSpPr txBox="1"/>
+              <p:nvPr/>
+            </p:nvSpPr>
+            <p:spPr>
+              <a:xfrm rot="2812465">
+                <a:off x="2235332" y="4823216"/>
+                <a:ext cx="594522" cy="384721"/>
+              </a:xfrm>
+              <a:prstGeom prst="rect">
+                <a:avLst/>
+              </a:prstGeom>
+              <a:noFill/>
+            </p:spPr>
+            <p:txBody>
+              <a:bodyPr wrap="none" lIns="0" tIns="0" rIns="0" bIns="0" rtlCol="0">
+                <a:spAutoFit/>
+                <a:scene3d>
+                  <a:camera prst="orthographicFront">
+                    <a:rot lat="0" lon="0" rev="0"/>
+                  </a:camera>
+                  <a:lightRig rig="threePt" dir="t"/>
+                </a:scene3d>
+              </a:bodyPr>
+              <a:lstStyle/>
+              <a:p>
+                <a:pPr/>
+                <a14:m>
+                  <m:oMathPara xmlns:m="http://schemas.openxmlformats.org/officeDocument/2006/math">
+                    <m:oMathParaPr>
+                      <m:jc m:val="centerGroup"/>
+                    </m:oMathParaPr>
+                    <m:oMath xmlns:m="http://schemas.openxmlformats.org/officeDocument/2006/math">
+                      <m:r>
+                        <m:rPr>
+                          <m:sty m:val="p"/>
+                        </m:rPr>
+                        <a:rPr lang="en-US" sz="2500" b="0" i="0" smtClean="0">
+                          <a:solidFill>
+                            <a:schemeClr val="tx1"/>
+                          </a:solidFill>
+                          <a:latin typeface="Cambria Math" panose="02040503050406030204" pitchFamily="18" charset="0"/>
+                        </a:rPr>
+                        <m:t>y</m:t>
+                      </m:r>
+                      <m:r>
+                        <a:rPr lang="en-US" sz="2500" b="0" i="1" smtClean="0">
+                          <a:solidFill>
+                            <a:schemeClr val="tx1"/>
+                          </a:solidFill>
+                          <a:latin typeface="Cambria Math" panose="02040503050406030204" pitchFamily="18" charset="0"/>
+                        </a:rPr>
+                        <m:t>/</m:t>
+                      </m:r>
+                      <m:r>
+                        <a:rPr lang="en-US" sz="2500" b="0" i="1" smtClean="0">
+                          <a:solidFill>
+                            <a:schemeClr val="tx1"/>
+                          </a:solidFill>
+                          <a:latin typeface="Cambria Math" panose="02040503050406030204" pitchFamily="18" charset="0"/>
+                        </a:rPr>
+                        <m:t>𝑎</m:t>
+                      </m:r>
+                    </m:oMath>
+                  </m:oMathPara>
+                </a14:m>
+                <a:endParaRPr lang="en-US" sz="2500" dirty="0"/>
+              </a:p>
+            </p:txBody>
+          </p:sp>
+        </mc:Choice>
+        <mc:Fallback xmlns="">
+          <p:sp>
+            <p:nvSpPr>
+              <p:cNvPr id="42" name="TextBox 41"/>
+              <p:cNvSpPr txBox="1">
+                <a:spLocks noRot="1" noChangeAspect="1" noMove="1" noResize="1" noEditPoints="1" noAdjustHandles="1" noChangeArrowheads="1" noChangeShapeType="1" noTextEdit="1"/>
+              </p:cNvSpPr>
+              <p:nvPr/>
+            </p:nvSpPr>
+            <p:spPr>
+              <a:xfrm rot="2812465">
+                <a:off x="2235332" y="4823216"/>
+                <a:ext cx="594522" cy="384721"/>
+              </a:xfrm>
+              <a:prstGeom prst="rect">
+                <a:avLst/>
+              </a:prstGeom>
+              <a:blipFill rotWithShape="0">
+                <a:blip r:embed="rId6"/>
+                <a:stretch>
+                  <a:fillRect/>
+                </a:stretch>
+              </a:blipFill>
+            </p:spPr>
+            <p:txBody>
+              <a:bodyPr/>
+              <a:lstStyle/>
+              <a:p>
+                <a:r>
+                  <a:rPr lang="en-US">
+                    <a:noFill/>
+                  </a:rPr>
+                  <a:t> </a:t>
+                </a:r>
+              </a:p>
+            </p:txBody>
+          </p:sp>
+        </mc:Fallback>
+      </mc:AlternateContent>
+      <mc:AlternateContent xmlns:mc="http://schemas.openxmlformats.org/markup-compatibility/2006" xmlns:a14="http://schemas.microsoft.com/office/drawing/2010/main">
+        <mc:Choice Requires="a14">
+          <p:sp>
+            <p:nvSpPr>
+              <p:cNvPr id="43" name="TextBox 42"/>
+              <p:cNvSpPr txBox="1"/>
+              <p:nvPr/>
+            </p:nvSpPr>
+            <p:spPr>
+              <a:xfrm rot="21153204">
+                <a:off x="2366033" y="2412101"/>
+                <a:ext cx="626262" cy="230832"/>
+              </a:xfrm>
+              <a:prstGeom prst="rect">
+                <a:avLst/>
+              </a:prstGeom>
+              <a:noFill/>
+            </p:spPr>
+            <p:txBody>
+              <a:bodyPr wrap="none" lIns="0" tIns="0" rIns="0" bIns="0" rtlCol="0">
+                <a:spAutoFit/>
+              </a:bodyPr>
+              <a:lstStyle/>
+              <a:p>
+                <a14:m>
+                  <m:oMath xmlns:m="http://schemas.openxmlformats.org/officeDocument/2006/math">
+                    <m:r>
+                      <a:rPr lang="en-US" sz="1500" b="0" i="1" smtClean="0">
+                        <a:solidFill>
+                          <a:schemeClr val="tx1"/>
+                        </a:solidFill>
+                        <a:latin typeface="Cambria Math" panose="02040503050406030204" pitchFamily="18" charset="0"/>
+                      </a:rPr>
+                      <m:t>×</m:t>
+                    </m:r>
+                    <m:sSup>
+                      <m:sSupPr>
+                        <m:ctrlPr>
+                          <a:rPr lang="en-US" sz="1500" b="0" i="1" smtClean="0">
+                            <a:solidFill>
+                              <a:schemeClr val="tx1"/>
+                            </a:solidFill>
+                            <a:latin typeface="Cambria Math" panose="02040503050406030204" pitchFamily="18" charset="0"/>
+                          </a:rPr>
+                        </m:ctrlPr>
+                      </m:sSupPr>
+                      <m:e>
+                        <m:r>
+                          <a:rPr lang="en-US" sz="1500" b="0" i="1" smtClean="0">
+                            <a:solidFill>
+                              <a:schemeClr val="tx1"/>
+                            </a:solidFill>
+                            <a:latin typeface="Cambria Math" panose="02040503050406030204" pitchFamily="18" charset="0"/>
+                          </a:rPr>
+                          <m:t>10</m:t>
+                        </m:r>
+                      </m:e>
+                      <m:sup>
+                        <m:r>
+                          <a:rPr lang="en-US" sz="1500" b="0" i="1" smtClean="0">
+                            <a:solidFill>
+                              <a:schemeClr val="tx1"/>
+                            </a:solidFill>
+                            <a:latin typeface="Cambria Math" panose="02040503050406030204" pitchFamily="18" charset="0"/>
+                          </a:rPr>
+                          <m:t>−3</m:t>
+                        </m:r>
+                      </m:sup>
+                    </m:sSup>
+                  </m:oMath>
+                </a14:m>
+                <a:r>
+                  <a:rPr lang="en-US" sz="1500" dirty="0" smtClean="0">
+                    <a:solidFill>
+                      <a:schemeClr val="tx1"/>
+                    </a:solidFill>
+                    <a:latin typeface="Cambria" panose="02040503050406030204" pitchFamily="18" charset="0"/>
+                  </a:rPr>
+                  <a:t> </a:t>
+                </a:r>
+                <a:endParaRPr lang="en-US" sz="1500" dirty="0">
+                  <a:solidFill>
+                    <a:schemeClr val="tx1"/>
+                  </a:solidFill>
+                  <a:latin typeface="Cambria" panose="02040503050406030204" pitchFamily="18" charset="0"/>
+                </a:endParaRPr>
+              </a:p>
+            </p:txBody>
+          </p:sp>
+        </mc:Choice>
+        <mc:Fallback xmlns="">
+          <p:sp>
+            <p:nvSpPr>
+              <p:cNvPr id="43" name="TextBox 42"/>
+              <p:cNvSpPr txBox="1">
+                <a:spLocks noRot="1" noChangeAspect="1" noMove="1" noResize="1" noEditPoints="1" noAdjustHandles="1" noChangeArrowheads="1" noChangeShapeType="1" noTextEdit="1"/>
+              </p:cNvSpPr>
+              <p:nvPr/>
+            </p:nvSpPr>
+            <p:spPr>
+              <a:xfrm rot="21153204">
+                <a:off x="2366033" y="2412101"/>
+                <a:ext cx="626262" cy="230832"/>
+              </a:xfrm>
+              <a:prstGeom prst="rect">
+                <a:avLst/>
+              </a:prstGeom>
+              <a:blipFill rotWithShape="0">
+                <a:blip r:embed="rId7"/>
+                <a:stretch>
+                  <a:fillRect l="-7477" b="-1923"/>
+                </a:stretch>
+              </a:blipFill>
+            </p:spPr>
+            <p:txBody>
+              <a:bodyPr/>
+              <a:lstStyle/>
+              <a:p>
+                <a:r>
+                  <a:rPr lang="en-US">
+                    <a:noFill/>
+                  </a:rPr>
+                  <a:t> </a:t>
+                </a:r>
+              </a:p>
+            </p:txBody>
+          </p:sp>
+        </mc:Fallback>
+      </mc:AlternateContent>
+      <p:sp>
+        <p:nvSpPr>
+          <p:cNvPr id="26" name="TextBox 25"/>
+          <p:cNvSpPr txBox="1"/>
+          <p:nvPr/>
+        </p:nvSpPr>
+        <p:spPr>
+          <a:xfrm>
+            <a:off x="2099479" y="4083736"/>
+            <a:ext cx="477910" cy="323165"/>
+          </a:xfrm>
+          <a:prstGeom prst="rect">
+            <a:avLst/>
+          </a:prstGeom>
+          <a:noFill/>
+        </p:spPr>
+        <p:txBody>
+          <a:bodyPr wrap="square" rtlCol="0">
+            <a:spAutoFit/>
+          </a:bodyPr>
+          <a:lstStyle/>
+          <a:p>
+            <a:r>
+              <a:rPr lang="en-US" sz="1500" dirty="0" smtClean="0">
+                <a:solidFill>
+                  <a:schemeClr val="tx1"/>
+                </a:solidFill>
+                <a:latin typeface="Cambria" panose="02040503050406030204" pitchFamily="18" charset="0"/>
+              </a:rPr>
+              <a:t>0</a:t>
+            </a:r>
+            <a:endParaRPr lang="en-US" sz="1500" dirty="0">
+              <a:solidFill>
+                <a:schemeClr val="tx1"/>
+              </a:solidFill>
+              <a:latin typeface="Cambria" panose="02040503050406030204" pitchFamily="18" charset="0"/>
+            </a:endParaRPr>
+          </a:p>
+        </p:txBody>
+      </p:sp>
+      <p:sp>
+        <p:nvSpPr>
+          <p:cNvPr id="31" name="TextBox 30"/>
+          <p:cNvSpPr txBox="1"/>
+          <p:nvPr/>
+        </p:nvSpPr>
+        <p:spPr>
+          <a:xfrm>
+            <a:off x="2097634" y="2998107"/>
+            <a:ext cx="477910" cy="323165"/>
+          </a:xfrm>
+          <a:prstGeom prst="rect">
+            <a:avLst/>
+          </a:prstGeom>
+          <a:noFill/>
+        </p:spPr>
+        <p:txBody>
+          <a:bodyPr wrap="square" rtlCol="0">
+            <a:spAutoFit/>
+          </a:bodyPr>
+          <a:lstStyle/>
+          <a:p>
+            <a:r>
+              <a:rPr lang="en-US" sz="1500" dirty="0" smtClean="0">
+                <a:solidFill>
+                  <a:schemeClr val="tx1"/>
+                </a:solidFill>
+                <a:latin typeface="Cambria" panose="02040503050406030204" pitchFamily="18" charset="0"/>
+              </a:rPr>
+              <a:t>2</a:t>
+            </a:r>
+            <a:endParaRPr lang="en-US" sz="1500" dirty="0">
+              <a:solidFill>
+                <a:schemeClr val="tx1"/>
+              </a:solidFill>
+              <a:latin typeface="Cambria" panose="02040503050406030204" pitchFamily="18" charset="0"/>
             </a:endParaRPr>
           </a:p>
         </p:txBody>
@@ -5153,7 +9295,7 @@
     </p:spTree>
     <p:extLst>
       <p:ext uri="{BB962C8B-B14F-4D97-AF65-F5344CB8AC3E}">
-        <p14:creationId xmlns:p14="http://schemas.microsoft.com/office/powerpoint/2010/main" val="3132049333"/>
+        <p14:creationId xmlns:p14="http://schemas.microsoft.com/office/powerpoint/2010/main" val="3830154552"/>
       </p:ext>
     </p:extLst>
   </p:cSld>
@@ -5164,6 +9306,117 @@
 </file>
 
 <file path=ppt/slides/slide2.xml><?xml version="1.0" encoding="utf-8"?>
+<p:sld xmlns:a="http://schemas.openxmlformats.org/drawingml/2006/main" xmlns:r="http://schemas.openxmlformats.org/officeDocument/2006/relationships" xmlns:p="http://schemas.openxmlformats.org/presentationml/2006/main">
+  <p:cSld>
+    <p:spTree>
+      <p:nvGrpSpPr>
+        <p:cNvPr id="1" name=""/>
+        <p:cNvGrpSpPr/>
+        <p:nvPr/>
+      </p:nvGrpSpPr>
+      <p:grpSpPr>
+        <a:xfrm>
+          <a:off x="0" y="0"/>
+          <a:ext cx="0" cy="0"/>
+          <a:chOff x="0" y="0"/>
+          <a:chExt cx="0" cy="0"/>
+        </a:xfrm>
+      </p:grpSpPr>
+      <p:pic>
+        <p:nvPicPr>
+          <p:cNvPr id="2" name="Picture 1"/>
+          <p:cNvPicPr>
+            <a:picLocks noChangeAspect="1"/>
+          </p:cNvPicPr>
+          <p:nvPr/>
+        </p:nvPicPr>
+        <p:blipFill>
+          <a:blip r:embed="rId2" cstate="print">
+            <a:extLst>
+              <a:ext uri="{28A0092B-C50C-407E-A947-70E740481C1C}">
+                <a14:useLocalDpi xmlns:a14="http://schemas.microsoft.com/office/drawing/2010/main" val="0"/>
+              </a:ext>
+            </a:extLst>
+          </a:blip>
+          <a:stretch>
+            <a:fillRect/>
+          </a:stretch>
+        </p:blipFill>
+        <p:spPr>
+          <a:xfrm>
+            <a:off x="2616199" y="2138991"/>
+            <a:ext cx="3878705" cy="2261110"/>
+          </a:xfrm>
+          <a:prstGeom prst="rect">
+            <a:avLst/>
+          </a:prstGeom>
+        </p:spPr>
+      </p:pic>
+      <p:sp>
+        <p:nvSpPr>
+          <p:cNvPr id="3" name="Rectangle 6"/>
+          <p:cNvSpPr>
+            <a:spLocks noChangeArrowheads="1"/>
+          </p:cNvSpPr>
+          <p:nvPr/>
+        </p:nvSpPr>
+        <p:spPr bwMode="auto">
+          <a:xfrm>
+            <a:off x="2616199" y="2030930"/>
+            <a:ext cx="3889587" cy="2369171"/>
+          </a:xfrm>
+          <a:prstGeom prst="rect">
+            <a:avLst/>
+          </a:prstGeom>
+          <a:noFill/>
+          <a:ln w="9360">
+            <a:solidFill>
+              <a:srgbClr val="000000"/>
+            </a:solidFill>
+            <a:miter lim="800000"/>
+            <a:headEnd/>
+            <a:tailEnd/>
+          </a:ln>
+          <a:extLst>
+            <a:ext uri="{909E8E84-426E-40DD-AFC4-6F175D3DCCD1}">
+              <a14:hiddenFill xmlns:a14="http://schemas.microsoft.com/office/drawing/2010/main">
+                <a:solidFill>
+                  <a:srgbClr val="FFFFFF"/>
+                </a:solidFill>
+              </a14:hiddenFill>
+            </a:ext>
+          </a:extLst>
+        </p:spPr>
+        <p:txBody>
+          <a:bodyPr wrap="none" anchor="ctr"/>
+          <a:lstStyle/>
+          <a:p>
+            <a:pPr eaLnBrk="1" hangingPunct="1">
+              <a:buClr>
+                <a:srgbClr val="000000"/>
+              </a:buClr>
+              <a:buSzPct val="100000"/>
+              <a:buFont typeface="Times New Roman" panose="02020603050405020304" pitchFamily="18" charset="0"/>
+              <a:buNone/>
+            </a:pPr>
+            <a:endParaRPr lang="en-US" altLang="en-US"/>
+          </a:p>
+        </p:txBody>
+      </p:sp>
+    </p:spTree>
+    <p:extLst>
+      <p:ext uri="{BB962C8B-B14F-4D97-AF65-F5344CB8AC3E}">
+        <p14:creationId xmlns:p14="http://schemas.microsoft.com/office/powerpoint/2010/main" val="1824519745"/>
+      </p:ext>
+    </p:extLst>
+  </p:cSld>
+  <p:clrMapOvr>
+    <a:masterClrMapping/>
+  </p:clrMapOvr>
+</p:sld>
+</file>
+
+<file path=ppt/slides/slide3.xml><?xml version="1.0" encoding="utf-8"?>
 <p:sld xmlns:a="http://schemas.openxmlformats.org/drawingml/2006/main" xmlns:r="http://schemas.openxmlformats.org/officeDocument/2006/relationships" xmlns:p="http://schemas.openxmlformats.org/presentationml/2006/main">
   <p:cSld>
     <p:spTree>
@@ -5701,7 +9954,7 @@
 </p:sld>
 </file>
 
-<file path=ppt/slides/slide3.xml><?xml version="1.0" encoding="utf-8"?>
+<file path=ppt/slides/slide4.xml><?xml version="1.0" encoding="utf-8"?>
 <p:sld xmlns:a="http://schemas.openxmlformats.org/drawingml/2006/main" xmlns:r="http://schemas.openxmlformats.org/officeDocument/2006/relationships" xmlns:p="http://schemas.openxmlformats.org/presentationml/2006/main">
   <p:cSld>
     <p:spTree>
@@ -6960,7 +11213,7 @@
 </p:sld>
 </file>
 
-<file path=ppt/slides/slide4.xml><?xml version="1.0" encoding="utf-8"?>
+<file path=ppt/slides/slide5.xml><?xml version="1.0" encoding="utf-8"?>
 <p:sld xmlns:a="http://schemas.openxmlformats.org/drawingml/2006/main" xmlns:r="http://schemas.openxmlformats.org/officeDocument/2006/relationships" xmlns:p="http://schemas.openxmlformats.org/presentationml/2006/main">
   <p:cSld>
     <p:spTree>
@@ -7788,140 +12041,6 @@
           <a:effectLst/>
         </p:spPr>
       </p:cxnSp>
-      <p:cxnSp>
-        <p:nvCxnSpPr>
-          <p:cNvPr id="25" name="Straight Connector 24"/>
-          <p:cNvCxnSpPr/>
-          <p:nvPr/>
-        </p:nvCxnSpPr>
-        <p:spPr bwMode="auto">
-          <a:xfrm>
-            <a:off x="2817035" y="2002412"/>
-            <a:ext cx="539750" cy="6350"/>
-          </a:xfrm>
-          <a:prstGeom prst="line">
-            <a:avLst/>
-          </a:prstGeom>
-          <a:solidFill>
-            <a:srgbClr val="00B8FF"/>
-          </a:solidFill>
-          <a:ln w="25400" cap="flat" cmpd="sng" algn="ctr">
-            <a:solidFill>
-              <a:srgbClr val="FF0000"/>
-            </a:solidFill>
-            <a:prstDash val="solid"/>
-            <a:round/>
-            <a:headEnd type="none" w="med" len="med"/>
-            <a:tailEnd type="none" w="med" len="med"/>
-          </a:ln>
-          <a:effectLst/>
-        </p:spPr>
-      </p:cxnSp>
-      <p:cxnSp>
-        <p:nvCxnSpPr>
-          <p:cNvPr id="26" name="Straight Connector 25"/>
-          <p:cNvCxnSpPr/>
-          <p:nvPr/>
-        </p:nvCxnSpPr>
-        <p:spPr bwMode="auto">
-          <a:xfrm>
-            <a:off x="4610486" y="2003031"/>
-            <a:ext cx="539750" cy="6350"/>
-          </a:xfrm>
-          <a:prstGeom prst="line">
-            <a:avLst/>
-          </a:prstGeom>
-          <a:solidFill>
-            <a:srgbClr val="00B8FF"/>
-          </a:solidFill>
-          <a:ln w="25400" cap="flat" cmpd="sng" algn="ctr">
-            <a:solidFill>
-              <a:srgbClr val="0404BC"/>
-            </a:solidFill>
-            <a:prstDash val="solid"/>
-            <a:round/>
-            <a:headEnd type="none" w="med" len="med"/>
-            <a:tailEnd type="none" w="med" len="med"/>
-          </a:ln>
-          <a:effectLst/>
-        </p:spPr>
-      </p:cxnSp>
-      <p:sp>
-        <p:nvSpPr>
-          <p:cNvPr id="27" name="TextBox 26"/>
-          <p:cNvSpPr txBox="1"/>
-          <p:nvPr/>
-        </p:nvSpPr>
-        <p:spPr>
-          <a:xfrm>
-            <a:off x="5090429" y="1826652"/>
-            <a:ext cx="965443" cy="307777"/>
-          </a:xfrm>
-          <a:prstGeom prst="rect">
-            <a:avLst/>
-          </a:prstGeom>
-          <a:noFill/>
-        </p:spPr>
-        <p:txBody>
-          <a:bodyPr wrap="square" rtlCol="0">
-            <a:spAutoFit/>
-          </a:bodyPr>
-          <a:lstStyle/>
-          <a:p>
-            <a:r>
-              <a:rPr lang="en-US" sz="1400" dirty="0" smtClean="0">
-                <a:solidFill>
-                  <a:schemeClr val="tx1"/>
-                </a:solidFill>
-              </a:rPr>
-              <a:t>spin up</a:t>
-            </a:r>
-            <a:endParaRPr lang="en-US" sz="1400" dirty="0">
-              <a:solidFill>
-                <a:schemeClr val="tx1"/>
-              </a:solidFill>
-            </a:endParaRPr>
-          </a:p>
-        </p:txBody>
-      </p:sp>
-      <p:sp>
-        <p:nvSpPr>
-          <p:cNvPr id="28" name="TextBox 27"/>
-          <p:cNvSpPr txBox="1"/>
-          <p:nvPr/>
-        </p:nvSpPr>
-        <p:spPr>
-          <a:xfrm>
-            <a:off x="3311338" y="1842213"/>
-            <a:ext cx="1132205" cy="307777"/>
-          </a:xfrm>
-          <a:prstGeom prst="rect">
-            <a:avLst/>
-          </a:prstGeom>
-          <a:noFill/>
-        </p:spPr>
-        <p:txBody>
-          <a:bodyPr wrap="square" rtlCol="0">
-            <a:spAutoFit/>
-          </a:bodyPr>
-          <a:lstStyle/>
-          <a:p>
-            <a:r>
-              <a:rPr lang="en-US" sz="1400" dirty="0" smtClean="0">
-                <a:solidFill>
-                  <a:schemeClr val="tx1"/>
-                </a:solidFill>
-              </a:rPr>
-              <a:t>spin down</a:t>
-            </a:r>
-            <a:endParaRPr lang="en-US" sz="1400" dirty="0">
-              <a:solidFill>
-                <a:schemeClr val="tx1"/>
-              </a:solidFill>
-            </a:endParaRPr>
-          </a:p>
-        </p:txBody>
-      </p:sp>
     </p:spTree>
     <p:extLst>
       <p:ext uri="{BB962C8B-B14F-4D97-AF65-F5344CB8AC3E}">
@@ -7935,7 +12054,975 @@
 </p:sld>
 </file>
 
-<file path=ppt/slides/slide5.xml><?xml version="1.0" encoding="utf-8"?>
+<file path=ppt/slides/slide6.xml><?xml version="1.0" encoding="utf-8"?>
+<p:sld xmlns:a="http://schemas.openxmlformats.org/drawingml/2006/main" xmlns:r="http://schemas.openxmlformats.org/officeDocument/2006/relationships" xmlns:p="http://schemas.openxmlformats.org/presentationml/2006/main">
+  <p:cSld>
+    <p:spTree>
+      <p:nvGrpSpPr>
+        <p:cNvPr id="1" name=""/>
+        <p:cNvGrpSpPr/>
+        <p:nvPr/>
+      </p:nvGrpSpPr>
+      <p:grpSpPr>
+        <a:xfrm>
+          <a:off x="0" y="0"/>
+          <a:ext cx="0" cy="0"/>
+          <a:chOff x="0" y="0"/>
+          <a:chExt cx="0" cy="0"/>
+        </a:xfrm>
+      </p:grpSpPr>
+      <p:sp>
+        <p:nvSpPr>
+          <p:cNvPr id="2" name="Rectangle 6"/>
+          <p:cNvSpPr>
+            <a:spLocks noChangeArrowheads="1"/>
+          </p:cNvSpPr>
+          <p:nvPr/>
+        </p:nvSpPr>
+        <p:spPr bwMode="auto">
+          <a:xfrm>
+            <a:off x="2288109" y="1742904"/>
+            <a:ext cx="3889587" cy="3459902"/>
+          </a:xfrm>
+          <a:prstGeom prst="rect">
+            <a:avLst/>
+          </a:prstGeom>
+          <a:noFill/>
+          <a:ln w="9360">
+            <a:solidFill>
+              <a:srgbClr val="000000"/>
+            </a:solidFill>
+            <a:miter lim="800000"/>
+            <a:headEnd/>
+            <a:tailEnd/>
+          </a:ln>
+          <a:extLst>
+            <a:ext uri="{909E8E84-426E-40DD-AFC4-6F175D3DCCD1}">
+              <a14:hiddenFill xmlns:a14="http://schemas.microsoft.com/office/drawing/2010/main">
+                <a:solidFill>
+                  <a:srgbClr val="FFFFFF"/>
+                </a:solidFill>
+              </a14:hiddenFill>
+            </a:ext>
+          </a:extLst>
+        </p:spPr>
+        <p:txBody>
+          <a:bodyPr wrap="none" anchor="ctr"/>
+          <a:lstStyle/>
+          <a:p>
+            <a:pPr eaLnBrk="1" hangingPunct="1">
+              <a:buClr>
+                <a:srgbClr val="000000"/>
+              </a:buClr>
+              <a:buSzPct val="100000"/>
+              <a:buFont typeface="Times New Roman" panose="02020603050405020304" pitchFamily="18" charset="0"/>
+              <a:buNone/>
+            </a:pPr>
+            <a:endParaRPr lang="en-US" altLang="en-US"/>
+          </a:p>
+        </p:txBody>
+      </p:sp>
+      <p:pic>
+        <p:nvPicPr>
+          <p:cNvPr id="3" name="Picture 2"/>
+          <p:cNvPicPr>
+            <a:picLocks noChangeAspect="1"/>
+          </p:cNvPicPr>
+          <p:nvPr/>
+        </p:nvPicPr>
+        <p:blipFill>
+          <a:blip r:embed="rId2">
+            <a:extLst>
+              <a:ext uri="{28A0092B-C50C-407E-A947-70E740481C1C}">
+                <a14:useLocalDpi xmlns:a14="http://schemas.microsoft.com/office/drawing/2010/main" val="0"/>
+              </a:ext>
+            </a:extLst>
+          </a:blip>
+          <a:stretch>
+            <a:fillRect/>
+          </a:stretch>
+        </p:blipFill>
+        <p:spPr>
+          <a:xfrm>
+            <a:off x="2407722" y="2288147"/>
+            <a:ext cx="3650360" cy="2795712"/>
+          </a:xfrm>
+          <a:prstGeom prst="rect">
+            <a:avLst/>
+          </a:prstGeom>
+        </p:spPr>
+      </p:pic>
+      <mc:AlternateContent xmlns:mc="http://schemas.openxmlformats.org/markup-compatibility/2006" xmlns:a14="http://schemas.microsoft.com/office/drawing/2010/main">
+        <mc:Choice Requires="a14">
+          <p:sp>
+            <p:nvSpPr>
+              <p:cNvPr id="13" name="TextBox 12"/>
+              <p:cNvSpPr txBox="1"/>
+              <p:nvPr/>
+            </p:nvSpPr>
+            <p:spPr>
+              <a:xfrm rot="5400000">
+                <a:off x="3887937" y="2676305"/>
+                <a:ext cx="1207412" cy="400110"/>
+              </a:xfrm>
+              <a:prstGeom prst="rect">
+                <a:avLst/>
+              </a:prstGeom>
+              <a:noFill/>
+            </p:spPr>
+            <p:txBody>
+              <a:bodyPr wrap="square" rtlCol="0">
+                <a:spAutoFit/>
+              </a:bodyPr>
+              <a:lstStyle/>
+              <a:p>
+                <a:pPr/>
+                <a14:m>
+                  <m:oMathPara xmlns:m="http://schemas.openxmlformats.org/officeDocument/2006/math">
+                    <m:oMathParaPr>
+                      <m:jc m:val="centerGroup"/>
+                    </m:oMathParaPr>
+                    <m:oMath xmlns:m="http://schemas.openxmlformats.org/officeDocument/2006/math">
+                      <m:sSub>
+                        <m:sSubPr>
+                          <m:ctrlPr>
+                            <a:rPr lang="en-US" sz="2000" b="0" i="1" smtClean="0">
+                              <a:solidFill>
+                                <a:schemeClr val="tx1"/>
+                              </a:solidFill>
+                              <a:latin typeface="Cambria Math" panose="02040503050406030204" pitchFamily="18" charset="0"/>
+                            </a:rPr>
+                          </m:ctrlPr>
+                        </m:sSubPr>
+                        <m:e>
+                          <m:r>
+                            <a:rPr lang="en-US" sz="2000" b="0" i="1" smtClean="0">
+                              <a:solidFill>
+                                <a:schemeClr val="tx1"/>
+                              </a:solidFill>
+                              <a:latin typeface="Cambria Math" panose="02040503050406030204" pitchFamily="18" charset="0"/>
+                            </a:rPr>
+                            <m:t>𝜌</m:t>
+                          </m:r>
+                        </m:e>
+                        <m:sub>
+                          <m:r>
+                            <a:rPr lang="en-US" sz="2000" b="0" i="1" smtClean="0">
+                              <a:solidFill>
+                                <a:schemeClr val="tx1"/>
+                              </a:solidFill>
+                              <a:latin typeface="Cambria Math" panose="02040503050406030204" pitchFamily="18" charset="0"/>
+                            </a:rPr>
+                            <m:t>𝑠</m:t>
+                          </m:r>
+                        </m:sub>
+                      </m:sSub>
+                      <m:r>
+                        <a:rPr lang="en-US" sz="2000" b="0" i="1" smtClean="0">
+                          <a:solidFill>
+                            <a:schemeClr val="tx1"/>
+                          </a:solidFill>
+                          <a:latin typeface="Cambria Math" panose="02040503050406030204" pitchFamily="18" charset="0"/>
+                        </a:rPr>
+                        <m:t>(</m:t>
+                      </m:r>
+                      <m:r>
+                        <a:rPr lang="en-US" sz="2000" b="0" i="1" smtClean="0">
+                          <a:solidFill>
+                            <a:schemeClr val="tx1"/>
+                          </a:solidFill>
+                          <a:latin typeface="Cambria Math" panose="02040503050406030204" pitchFamily="18" charset="0"/>
+                        </a:rPr>
+                        <m:t>𝜔</m:t>
+                      </m:r>
+                      <m:r>
+                        <a:rPr lang="en-US" sz="2000" b="0" i="1" smtClean="0">
+                          <a:solidFill>
+                            <a:schemeClr val="tx1"/>
+                          </a:solidFill>
+                          <a:latin typeface="Cambria Math" panose="02040503050406030204" pitchFamily="18" charset="0"/>
+                        </a:rPr>
+                        <m:t>)/</m:t>
+                      </m:r>
+                      <m:sSub>
+                        <m:sSubPr>
+                          <m:ctrlPr>
+                            <a:rPr lang="en-US" sz="2000" b="0" i="1" smtClean="0">
+                              <a:solidFill>
+                                <a:schemeClr val="tx1"/>
+                              </a:solidFill>
+                              <a:latin typeface="Cambria Math" panose="02040503050406030204" pitchFamily="18" charset="0"/>
+                            </a:rPr>
+                          </m:ctrlPr>
+                        </m:sSubPr>
+                        <m:e>
+                          <m:r>
+                            <a:rPr lang="en-US" sz="2000" b="0" i="1" smtClean="0">
+                              <a:solidFill>
+                                <a:schemeClr val="tx1"/>
+                              </a:solidFill>
+                              <a:latin typeface="Cambria Math" panose="02040503050406030204" pitchFamily="18" charset="0"/>
+                            </a:rPr>
+                            <m:t>𝜌</m:t>
+                          </m:r>
+                        </m:e>
+                        <m:sub>
+                          <m:r>
+                            <a:rPr lang="en-US" sz="2000" b="0" i="1" smtClean="0">
+                              <a:solidFill>
+                                <a:schemeClr val="tx1"/>
+                              </a:solidFill>
+                              <a:latin typeface="Cambria Math" panose="02040503050406030204" pitchFamily="18" charset="0"/>
+                            </a:rPr>
+                            <m:t>0</m:t>
+                          </m:r>
+                        </m:sub>
+                      </m:sSub>
+                    </m:oMath>
+                  </m:oMathPara>
+                </a14:m>
+                <a:endParaRPr lang="en-US" sz="2000" dirty="0">
+                  <a:solidFill>
+                    <a:schemeClr val="tx1"/>
+                  </a:solidFill>
+                  <a:latin typeface="Cambria" panose="02040503050406030204" pitchFamily="18" charset="0"/>
+                </a:endParaRPr>
+              </a:p>
+            </p:txBody>
+          </p:sp>
+        </mc:Choice>
+        <mc:Fallback xmlns="">
+          <p:sp>
+            <p:nvSpPr>
+              <p:cNvPr id="13" name="TextBox 12"/>
+              <p:cNvSpPr txBox="1">
+                <a:spLocks noRot="1" noChangeAspect="1" noMove="1" noResize="1" noEditPoints="1" noAdjustHandles="1" noChangeArrowheads="1" noChangeShapeType="1" noTextEdit="1"/>
+              </p:cNvSpPr>
+              <p:nvPr/>
+            </p:nvSpPr>
+            <p:spPr>
+              <a:xfrm rot="5400000">
+                <a:off x="3887937" y="2676305"/>
+                <a:ext cx="1207412" cy="400110"/>
+              </a:xfrm>
+              <a:prstGeom prst="rect">
+                <a:avLst/>
+              </a:prstGeom>
+              <a:blipFill rotWithShape="0">
+                <a:blip r:embed="rId3"/>
+                <a:stretch>
+                  <a:fillRect l="-18182"/>
+                </a:stretch>
+              </a:blipFill>
+            </p:spPr>
+            <p:txBody>
+              <a:bodyPr/>
+              <a:lstStyle/>
+              <a:p>
+                <a:r>
+                  <a:rPr lang="en-US">
+                    <a:noFill/>
+                  </a:rPr>
+                  <a:t> </a:t>
+                </a:r>
+              </a:p>
+            </p:txBody>
+          </p:sp>
+        </mc:Fallback>
+      </mc:AlternateContent>
+      <p:grpSp>
+        <p:nvGrpSpPr>
+          <p:cNvPr id="15" name="Group 14"/>
+          <p:cNvGrpSpPr/>
+          <p:nvPr/>
+        </p:nvGrpSpPr>
+        <p:grpSpPr>
+          <a:xfrm>
+            <a:off x="3750485" y="4807582"/>
+            <a:ext cx="1098550" cy="400110"/>
+            <a:chOff x="4580189" y="4761926"/>
+            <a:chExt cx="1098550" cy="400110"/>
+          </a:xfrm>
+        </p:grpSpPr>
+        <p:sp>
+          <p:nvSpPr>
+            <p:cNvPr id="14" name="Rectangle 13"/>
+            <p:cNvSpPr/>
+            <p:nvPr/>
+          </p:nvSpPr>
+          <p:spPr bwMode="auto">
+            <a:xfrm>
+              <a:off x="4580189" y="4864099"/>
+              <a:ext cx="1098550" cy="293051"/>
+            </a:xfrm>
+            <a:prstGeom prst="rect">
+              <a:avLst/>
+            </a:prstGeom>
+            <a:solidFill>
+              <a:schemeClr val="bg1"/>
+            </a:solidFill>
+            <a:ln w="9525" cap="flat" cmpd="sng" algn="ctr">
+              <a:solidFill>
+                <a:schemeClr val="bg1"/>
+              </a:solidFill>
+              <a:prstDash val="solid"/>
+              <a:round/>
+              <a:headEnd type="none" w="med" len="med"/>
+              <a:tailEnd type="none" w="med" len="med"/>
+            </a:ln>
+            <a:effectLst/>
+          </p:spPr>
+          <p:txBody>
+            <a:bodyPr vert="horz" wrap="square" lIns="91440" tIns="45720" rIns="91440" bIns="45720" numCol="1" rtlCol="0" anchor="t" anchorCtr="0" compatLnSpc="1">
+              <a:prstTxWarp prst="textNoShape">
+                <a:avLst/>
+              </a:prstTxWarp>
+            </a:bodyPr>
+            <a:lstStyle/>
+            <a:p>
+              <a:pPr marL="0" marR="0" indent="0" algn="l" defTabSz="457200" rtl="0" eaLnBrk="1" fontAlgn="base" latinLnBrk="0" hangingPunct="1">
+                <a:lnSpc>
+                  <a:spcPct val="100000"/>
+                </a:lnSpc>
+                <a:spcBef>
+                  <a:spcPct val="0"/>
+                </a:spcBef>
+                <a:spcAft>
+                  <a:spcPct val="0"/>
+                </a:spcAft>
+                <a:buClr>
+                  <a:srgbClr val="000000"/>
+                </a:buClr>
+                <a:buSzPct val="100000"/>
+                <a:buFont typeface="Times New Roman" pitchFamily="16" charset="0"/>
+                <a:buNone/>
+                <a:tabLst/>
+              </a:pPr>
+              <a:endParaRPr kumimoji="0" lang="en-US" sz="1800" b="0" i="0" u="none" strike="noStrike" cap="none" normalizeH="0" baseline="0" smtClean="0">
+                <a:ln>
+                  <a:noFill/>
+                </a:ln>
+                <a:solidFill>
+                  <a:schemeClr val="bg1"/>
+                </a:solidFill>
+                <a:effectLst/>
+                <a:latin typeface="Arial" charset="0"/>
+              </a:endParaRPr>
+            </a:p>
+          </p:txBody>
+        </p:sp>
+        <mc:AlternateContent xmlns:mc="http://schemas.openxmlformats.org/markup-compatibility/2006" xmlns:a14="http://schemas.microsoft.com/office/drawing/2010/main">
+          <mc:Choice Requires="a14">
+            <p:sp>
+              <p:nvSpPr>
+                <p:cNvPr id="4" name="TextBox 3"/>
+                <p:cNvSpPr txBox="1"/>
+                <p:nvPr/>
+              </p:nvSpPr>
+              <p:spPr>
+                <a:xfrm>
+                  <a:off x="4624840" y="4761926"/>
+                  <a:ext cx="875532" cy="400110"/>
+                </a:xfrm>
+                <a:prstGeom prst="rect">
+                  <a:avLst/>
+                </a:prstGeom>
+                <a:noFill/>
+              </p:spPr>
+              <p:txBody>
+                <a:bodyPr wrap="square" rtlCol="0">
+                  <a:spAutoFit/>
+                </a:bodyPr>
+                <a:lstStyle/>
+                <a:p>
+                  <a:pPr/>
+                  <a14:m>
+                    <m:oMathPara xmlns:m="http://schemas.openxmlformats.org/officeDocument/2006/math">
+                      <m:oMathParaPr>
+                        <m:jc m:val="centerGroup"/>
+                      </m:oMathParaPr>
+                      <m:oMath xmlns:m="http://schemas.openxmlformats.org/officeDocument/2006/math">
+                        <m:r>
+                          <a:rPr lang="en-US" sz="2000" b="0" i="1" smtClean="0">
+                            <a:solidFill>
+                              <a:schemeClr val="tx1"/>
+                            </a:solidFill>
+                            <a:latin typeface="Cambria Math" panose="02040503050406030204" pitchFamily="18" charset="0"/>
+                          </a:rPr>
+                          <m:t>𝜔</m:t>
+                        </m:r>
+                        <m:r>
+                          <a:rPr lang="en-US" sz="2000" b="0" i="1" smtClean="0">
+                            <a:solidFill>
+                              <a:schemeClr val="tx1"/>
+                            </a:solidFill>
+                            <a:latin typeface="Cambria Math" panose="02040503050406030204" pitchFamily="18" charset="0"/>
+                          </a:rPr>
+                          <m:t>/</m:t>
+                        </m:r>
+                        <m:r>
+                          <m:rPr>
+                            <m:sty m:val="p"/>
+                          </m:rPr>
+                          <a:rPr lang="en-US" sz="2000" b="0" i="0" smtClean="0">
+                            <a:solidFill>
+                              <a:schemeClr val="tx1"/>
+                            </a:solidFill>
+                            <a:latin typeface="Cambria Math" panose="02040503050406030204" pitchFamily="18" charset="0"/>
+                          </a:rPr>
+                          <m:t>Δ</m:t>
+                        </m:r>
+                      </m:oMath>
+                    </m:oMathPara>
+                  </a14:m>
+                  <a:endParaRPr lang="en-US" sz="2000" dirty="0">
+                    <a:solidFill>
+                      <a:schemeClr val="tx1"/>
+                    </a:solidFill>
+                    <a:latin typeface="Cambria" panose="02040503050406030204" pitchFamily="18" charset="0"/>
+                  </a:endParaRPr>
+                </a:p>
+              </p:txBody>
+            </p:sp>
+          </mc:Choice>
+          <mc:Fallback xmlns="">
+            <p:sp>
+              <p:nvSpPr>
+                <p:cNvPr id="4" name="TextBox 3"/>
+                <p:cNvSpPr txBox="1">
+                  <a:spLocks noRot="1" noChangeAspect="1" noMove="1" noResize="1" noEditPoints="1" noAdjustHandles="1" noChangeArrowheads="1" noChangeShapeType="1" noTextEdit="1"/>
+                </p:cNvSpPr>
+                <p:nvPr/>
+              </p:nvSpPr>
+              <p:spPr>
+                <a:xfrm>
+                  <a:off x="4624840" y="4761926"/>
+                  <a:ext cx="875532" cy="400110"/>
+                </a:xfrm>
+                <a:prstGeom prst="rect">
+                  <a:avLst/>
+                </a:prstGeom>
+                <a:blipFill rotWithShape="0">
+                  <a:blip r:embed="rId4"/>
+                  <a:stretch>
+                    <a:fillRect b="-18462"/>
+                  </a:stretch>
+                </a:blipFill>
+              </p:spPr>
+              <p:txBody>
+                <a:bodyPr/>
+                <a:lstStyle/>
+                <a:p>
+                  <a:r>
+                    <a:rPr lang="en-US">
+                      <a:noFill/>
+                    </a:rPr>
+                    <a:t> </a:t>
+                  </a:r>
+                </a:p>
+              </p:txBody>
+            </p:sp>
+          </mc:Fallback>
+        </mc:AlternateContent>
+      </p:grpSp>
+      <p:cxnSp>
+        <p:nvCxnSpPr>
+          <p:cNvPr id="8" name="Straight Arrow Connector 7"/>
+          <p:cNvCxnSpPr/>
+          <p:nvPr/>
+        </p:nvCxnSpPr>
+        <p:spPr bwMode="auto">
+          <a:xfrm flipV="1">
+            <a:off x="5683548" y="3095469"/>
+            <a:ext cx="0" cy="314325"/>
+          </a:xfrm>
+          <a:prstGeom prst="straightConnector1">
+            <a:avLst/>
+          </a:prstGeom>
+          <a:solidFill>
+            <a:srgbClr val="00B8FF"/>
+          </a:solidFill>
+          <a:ln w="34925" cap="flat" cmpd="sng" algn="ctr">
+            <a:solidFill>
+              <a:srgbClr val="0404BC"/>
+            </a:solidFill>
+            <a:prstDash val="solid"/>
+            <a:round/>
+            <a:headEnd type="none" w="med" len="med"/>
+            <a:tailEnd type="triangle"/>
+          </a:ln>
+          <a:effectLst/>
+        </p:spPr>
+      </p:cxnSp>
+      <p:cxnSp>
+        <p:nvCxnSpPr>
+          <p:cNvPr id="9" name="Straight Arrow Connector 8"/>
+          <p:cNvCxnSpPr/>
+          <p:nvPr/>
+        </p:nvCxnSpPr>
+        <p:spPr bwMode="auto">
+          <a:xfrm flipV="1">
+            <a:off x="3660438" y="3102008"/>
+            <a:ext cx="0" cy="314325"/>
+          </a:xfrm>
+          <a:prstGeom prst="straightConnector1">
+            <a:avLst/>
+          </a:prstGeom>
+          <a:solidFill>
+            <a:srgbClr val="00B8FF"/>
+          </a:solidFill>
+          <a:ln w="34925" cap="flat" cmpd="sng" algn="ctr">
+            <a:solidFill>
+              <a:srgbClr val="0404BC"/>
+            </a:solidFill>
+            <a:prstDash val="solid"/>
+            <a:round/>
+            <a:headEnd type="none" w="med" len="med"/>
+            <a:tailEnd type="triangle"/>
+          </a:ln>
+          <a:effectLst/>
+        </p:spPr>
+      </p:cxnSp>
+      <p:cxnSp>
+        <p:nvCxnSpPr>
+          <p:cNvPr id="10" name="Straight Arrow Connector 9"/>
+          <p:cNvCxnSpPr/>
+          <p:nvPr/>
+        </p:nvCxnSpPr>
+        <p:spPr bwMode="auto">
+          <a:xfrm>
+            <a:off x="4826948" y="3095469"/>
+            <a:ext cx="0" cy="320864"/>
+          </a:xfrm>
+          <a:prstGeom prst="straightConnector1">
+            <a:avLst/>
+          </a:prstGeom>
+          <a:solidFill>
+            <a:srgbClr val="00B8FF"/>
+          </a:solidFill>
+          <a:ln w="34925" cap="flat" cmpd="sng" algn="ctr">
+            <a:solidFill>
+              <a:srgbClr val="FF0000"/>
+            </a:solidFill>
+            <a:prstDash val="solid"/>
+            <a:round/>
+            <a:headEnd type="none" w="med" len="med"/>
+            <a:tailEnd type="triangle"/>
+          </a:ln>
+          <a:effectLst/>
+        </p:spPr>
+      </p:cxnSp>
+      <p:cxnSp>
+        <p:nvCxnSpPr>
+          <p:cNvPr id="11" name="Straight Arrow Connector 10"/>
+          <p:cNvCxnSpPr/>
+          <p:nvPr/>
+        </p:nvCxnSpPr>
+        <p:spPr bwMode="auto">
+          <a:xfrm>
+            <a:off x="2757568" y="3102008"/>
+            <a:ext cx="0" cy="320864"/>
+          </a:xfrm>
+          <a:prstGeom prst="straightConnector1">
+            <a:avLst/>
+          </a:prstGeom>
+          <a:solidFill>
+            <a:srgbClr val="00B8FF"/>
+          </a:solidFill>
+          <a:ln w="34925" cap="flat" cmpd="sng" algn="ctr">
+            <a:solidFill>
+              <a:srgbClr val="FF0000"/>
+            </a:solidFill>
+            <a:prstDash val="solid"/>
+            <a:round/>
+            <a:headEnd type="none" w="med" len="med"/>
+            <a:tailEnd type="triangle"/>
+          </a:ln>
+          <a:effectLst/>
+        </p:spPr>
+      </p:cxnSp>
+      <p:cxnSp>
+        <p:nvCxnSpPr>
+          <p:cNvPr id="12" name="Straight Arrow Connector 11"/>
+          <p:cNvCxnSpPr/>
+          <p:nvPr/>
+        </p:nvCxnSpPr>
+        <p:spPr bwMode="auto">
+          <a:xfrm flipV="1">
+            <a:off x="2964778" y="4735918"/>
+            <a:ext cx="1726920" cy="8966"/>
+          </a:xfrm>
+          <a:prstGeom prst="straightConnector1">
+            <a:avLst/>
+          </a:prstGeom>
+          <a:solidFill>
+            <a:srgbClr val="00B8FF"/>
+          </a:solidFill>
+          <a:ln w="9525" cap="flat" cmpd="sng" algn="ctr">
+            <a:solidFill>
+              <a:schemeClr val="tx1"/>
+            </a:solidFill>
+            <a:prstDash val="solid"/>
+            <a:round/>
+            <a:headEnd type="triangle"/>
+            <a:tailEnd type="triangle"/>
+          </a:ln>
+          <a:effectLst/>
+        </p:spPr>
+      </p:cxnSp>
+      <mc:AlternateContent xmlns:mc="http://schemas.openxmlformats.org/markup-compatibility/2006">
+        <mc:Choice xmlns:a14="http://schemas.microsoft.com/office/drawing/2010/main" Requires="a14">
+          <p:sp>
+            <p:nvSpPr>
+              <p:cNvPr id="16" name="TextBox 15"/>
+              <p:cNvSpPr txBox="1"/>
+              <p:nvPr/>
+            </p:nvSpPr>
+            <p:spPr>
+              <a:xfrm>
+                <a:off x="3616111" y="4388254"/>
+                <a:ext cx="875532" cy="400110"/>
+              </a:xfrm>
+              <a:prstGeom prst="rect">
+                <a:avLst/>
+              </a:prstGeom>
+              <a:noFill/>
+            </p:spPr>
+            <p:txBody>
+              <a:bodyPr wrap="square" rtlCol="0">
+                <a:spAutoFit/>
+              </a:bodyPr>
+              <a:lstStyle/>
+              <a:p>
+                <a:pPr/>
+                <a14:m>
+                  <m:oMathPara xmlns:m="http://schemas.openxmlformats.org/officeDocument/2006/math">
+                    <m:oMathParaPr>
+                      <m:jc m:val="centerGroup"/>
+                    </m:oMathParaPr>
+                    <m:oMath xmlns:m="http://schemas.openxmlformats.org/officeDocument/2006/math">
+                      <m:r>
+                        <a:rPr lang="en-US" sz="2000" b="0" i="1" smtClean="0">
+                          <a:solidFill>
+                            <a:schemeClr val="tx1"/>
+                          </a:solidFill>
+                          <a:latin typeface="Cambria Math" panose="02040503050406030204" pitchFamily="18" charset="0"/>
+                        </a:rPr>
+                        <m:t>2</m:t>
+                      </m:r>
+                      <m:r>
+                        <m:rPr>
+                          <m:sty m:val="p"/>
+                        </m:rPr>
+                        <a:rPr lang="en-US" sz="2000" b="0" i="0" smtClean="0">
+                          <a:solidFill>
+                            <a:schemeClr val="tx1"/>
+                          </a:solidFill>
+                          <a:latin typeface="Cambria Math" panose="02040503050406030204" pitchFamily="18" charset="0"/>
+                        </a:rPr>
+                        <m:t>Δ</m:t>
+                      </m:r>
+                    </m:oMath>
+                  </m:oMathPara>
+                </a14:m>
+                <a:endParaRPr lang="en-US" sz="2000" dirty="0">
+                  <a:solidFill>
+                    <a:schemeClr val="tx1"/>
+                  </a:solidFill>
+                  <a:latin typeface="Cambria" panose="02040503050406030204" pitchFamily="18" charset="0"/>
+                </a:endParaRPr>
+              </a:p>
+            </p:txBody>
+          </p:sp>
+        </mc:Choice>
+        <mc:Fallback>
+          <p:sp>
+            <p:nvSpPr>
+              <p:cNvPr id="16" name="TextBox 15"/>
+              <p:cNvSpPr txBox="1">
+                <a:spLocks noRot="1" noChangeAspect="1" noMove="1" noResize="1" noEditPoints="1" noAdjustHandles="1" noChangeArrowheads="1" noChangeShapeType="1" noTextEdit="1"/>
+              </p:cNvSpPr>
+              <p:nvPr/>
+            </p:nvSpPr>
+            <p:spPr>
+              <a:xfrm>
+                <a:off x="3616111" y="4388254"/>
+                <a:ext cx="875532" cy="400110"/>
+              </a:xfrm>
+              <a:prstGeom prst="rect">
+                <a:avLst/>
+              </a:prstGeom>
+              <a:blipFill rotWithShape="0">
+                <a:blip r:embed="rId5"/>
+                <a:stretch>
+                  <a:fillRect/>
+                </a:stretch>
+              </a:blipFill>
+            </p:spPr>
+            <p:txBody>
+              <a:bodyPr/>
+              <a:lstStyle/>
+              <a:p>
+                <a:r>
+                  <a:rPr lang="en-US">
+                    <a:noFill/>
+                  </a:rPr>
+                  <a:t> </a:t>
+                </a:r>
+              </a:p>
+            </p:txBody>
+          </p:sp>
+        </mc:Fallback>
+      </mc:AlternateContent>
+      <p:cxnSp>
+        <p:nvCxnSpPr>
+          <p:cNvPr id="17" name="Straight Arrow Connector 16"/>
+          <p:cNvCxnSpPr/>
+          <p:nvPr/>
+        </p:nvCxnSpPr>
+        <p:spPr bwMode="auto">
+          <a:xfrm flipV="1">
+            <a:off x="4670668" y="4730387"/>
+            <a:ext cx="906800" cy="9650"/>
+          </a:xfrm>
+          <a:prstGeom prst="straightConnector1">
+            <a:avLst/>
+          </a:prstGeom>
+          <a:solidFill>
+            <a:srgbClr val="00B8FF"/>
+          </a:solidFill>
+          <a:ln w="9525" cap="flat" cmpd="sng" algn="ctr">
+            <a:solidFill>
+              <a:schemeClr val="tx1"/>
+            </a:solidFill>
+            <a:prstDash val="solid"/>
+            <a:round/>
+            <a:headEnd type="triangle"/>
+            <a:tailEnd type="triangle"/>
+          </a:ln>
+          <a:effectLst/>
+        </p:spPr>
+      </p:cxnSp>
+      <mc:AlternateContent xmlns:mc="http://schemas.openxmlformats.org/markup-compatibility/2006">
+        <mc:Choice xmlns:a14="http://schemas.microsoft.com/office/drawing/2010/main" Requires="a14">
+          <p:sp>
+            <p:nvSpPr>
+              <p:cNvPr id="18" name="TextBox 17"/>
+              <p:cNvSpPr txBox="1"/>
+              <p:nvPr/>
+            </p:nvSpPr>
+            <p:spPr>
+              <a:xfrm>
+                <a:off x="4761743" y="4388254"/>
+                <a:ext cx="875532" cy="400110"/>
+              </a:xfrm>
+              <a:prstGeom prst="rect">
+                <a:avLst/>
+              </a:prstGeom>
+              <a:noFill/>
+            </p:spPr>
+            <p:txBody>
+              <a:bodyPr wrap="square" rtlCol="0">
+                <a:spAutoFit/>
+              </a:bodyPr>
+              <a:lstStyle/>
+              <a:p>
+                <a:pPr/>
+                <a14:m>
+                  <m:oMathPara xmlns:m="http://schemas.openxmlformats.org/officeDocument/2006/math">
+                    <m:oMathParaPr>
+                      <m:jc m:val="centerGroup"/>
+                    </m:oMathParaPr>
+                    <m:oMath xmlns:m="http://schemas.openxmlformats.org/officeDocument/2006/math">
+                      <m:r>
+                        <a:rPr lang="en-US" sz="2000" b="0" i="1" smtClean="0">
+                          <a:solidFill>
+                            <a:schemeClr val="tx1"/>
+                          </a:solidFill>
+                          <a:latin typeface="Cambria Math" panose="02040503050406030204" pitchFamily="18" charset="0"/>
+                        </a:rPr>
+                        <m:t>2</m:t>
+                      </m:r>
+                      <m:r>
+                        <m:rPr>
+                          <m:sty m:val="p"/>
+                        </m:rPr>
+                        <a:rPr lang="en-US" sz="2000" b="0" i="0" smtClean="0">
+                          <a:solidFill>
+                            <a:schemeClr val="tx1"/>
+                          </a:solidFill>
+                          <a:latin typeface="Cambria Math" panose="02040503050406030204" pitchFamily="18" charset="0"/>
+                        </a:rPr>
+                        <m:t>S</m:t>
+                      </m:r>
+                    </m:oMath>
+                  </m:oMathPara>
+                </a14:m>
+                <a:endParaRPr lang="en-US" sz="2000" dirty="0">
+                  <a:solidFill>
+                    <a:schemeClr val="tx1"/>
+                  </a:solidFill>
+                  <a:latin typeface="Cambria" panose="02040503050406030204" pitchFamily="18" charset="0"/>
+                </a:endParaRPr>
+              </a:p>
+            </p:txBody>
+          </p:sp>
+        </mc:Choice>
+        <mc:Fallback>
+          <p:sp>
+            <p:nvSpPr>
+              <p:cNvPr id="18" name="TextBox 17"/>
+              <p:cNvSpPr txBox="1">
+                <a:spLocks noRot="1" noChangeAspect="1" noMove="1" noResize="1" noEditPoints="1" noAdjustHandles="1" noChangeArrowheads="1" noChangeShapeType="1" noTextEdit="1"/>
+              </p:cNvSpPr>
+              <p:nvPr/>
+            </p:nvSpPr>
+            <p:spPr>
+              <a:xfrm>
+                <a:off x="4761743" y="4388254"/>
+                <a:ext cx="875532" cy="400110"/>
+              </a:xfrm>
+              <a:prstGeom prst="rect">
+                <a:avLst/>
+              </a:prstGeom>
+              <a:blipFill rotWithShape="0">
+                <a:blip r:embed="rId6"/>
+                <a:stretch>
+                  <a:fillRect/>
+                </a:stretch>
+              </a:blipFill>
+            </p:spPr>
+            <p:txBody>
+              <a:bodyPr/>
+              <a:lstStyle/>
+              <a:p>
+                <a:r>
+                  <a:rPr lang="en-US">
+                    <a:noFill/>
+                  </a:rPr>
+                  <a:t> </a:t>
+                </a:r>
+              </a:p>
+            </p:txBody>
+          </p:sp>
+        </mc:Fallback>
+      </mc:AlternateContent>
+      <p:sp>
+        <p:nvSpPr>
+          <p:cNvPr id="5" name="TextBox 4"/>
+          <p:cNvSpPr txBox="1"/>
+          <p:nvPr/>
+        </p:nvSpPr>
+        <p:spPr>
+          <a:xfrm>
+            <a:off x="2893800" y="1731775"/>
+            <a:ext cx="2785154" cy="323165"/>
+          </a:xfrm>
+          <a:prstGeom prst="rect">
+            <a:avLst/>
+          </a:prstGeom>
+          <a:noFill/>
+        </p:spPr>
+        <p:txBody>
+          <a:bodyPr wrap="square" rtlCol="0">
+            <a:spAutoFit/>
+          </a:bodyPr>
+          <a:lstStyle/>
+          <a:p>
+            <a:r>
+              <a:rPr lang="en-US" sz="1500" dirty="0" smtClean="0">
+                <a:solidFill>
+                  <a:schemeClr val="tx1"/>
+                </a:solidFill>
+                <a:latin typeface="Segoe UI" panose="020B0502040204020203" pitchFamily="34" charset="0"/>
+                <a:ea typeface="Segoe UI" panose="020B0502040204020203" pitchFamily="34" charset="0"/>
+                <a:cs typeface="Segoe UI" panose="020B0502040204020203" pitchFamily="34" charset="0"/>
+              </a:rPr>
+              <a:t> Skyrmion bound state peaks</a:t>
+            </a:r>
+            <a:endParaRPr lang="en-US" sz="1500" dirty="0">
+              <a:solidFill>
+                <a:schemeClr val="tx1"/>
+              </a:solidFill>
+              <a:latin typeface="Segoe UI" panose="020B0502040204020203" pitchFamily="34" charset="0"/>
+              <a:ea typeface="Segoe UI" panose="020B0502040204020203" pitchFamily="34" charset="0"/>
+              <a:cs typeface="Segoe UI" panose="020B0502040204020203" pitchFamily="34" charset="0"/>
+            </a:endParaRPr>
+          </a:p>
+        </p:txBody>
+      </p:sp>
+      <p:cxnSp>
+        <p:nvCxnSpPr>
+          <p:cNvPr id="20" name="Straight Arrow Connector 19"/>
+          <p:cNvCxnSpPr/>
+          <p:nvPr/>
+        </p:nvCxnSpPr>
+        <p:spPr bwMode="auto">
+          <a:xfrm>
+            <a:off x="3279875" y="2050226"/>
+            <a:ext cx="6649" cy="277336"/>
+          </a:xfrm>
+          <a:prstGeom prst="straightConnector1">
+            <a:avLst/>
+          </a:prstGeom>
+          <a:solidFill>
+            <a:srgbClr val="00B8FF"/>
+          </a:solidFill>
+          <a:ln w="9525" cap="flat" cmpd="sng" algn="ctr">
+            <a:solidFill>
+              <a:schemeClr val="tx1"/>
+            </a:solidFill>
+            <a:prstDash val="solid"/>
+            <a:round/>
+            <a:headEnd type="none" w="med" len="med"/>
+            <a:tailEnd type="triangle"/>
+          </a:ln>
+          <a:effectLst/>
+        </p:spPr>
+      </p:cxnSp>
+      <p:cxnSp>
+        <p:nvCxnSpPr>
+          <p:cNvPr id="22" name="Straight Arrow Connector 21"/>
+          <p:cNvCxnSpPr/>
+          <p:nvPr/>
+        </p:nvCxnSpPr>
+        <p:spPr bwMode="auto">
+          <a:xfrm>
+            <a:off x="5250678" y="2054385"/>
+            <a:ext cx="1049" cy="273177"/>
+          </a:xfrm>
+          <a:prstGeom prst="straightConnector1">
+            <a:avLst/>
+          </a:prstGeom>
+          <a:solidFill>
+            <a:srgbClr val="00B8FF"/>
+          </a:solidFill>
+          <a:ln w="9525" cap="flat" cmpd="sng" algn="ctr">
+            <a:solidFill>
+              <a:schemeClr val="tx1"/>
+            </a:solidFill>
+            <a:prstDash val="solid"/>
+            <a:round/>
+            <a:headEnd type="none" w="med" len="med"/>
+            <a:tailEnd type="triangle"/>
+          </a:ln>
+          <a:effectLst/>
+        </p:spPr>
+      </p:cxnSp>
+    </p:spTree>
+    <p:extLst>
+      <p:ext uri="{BB962C8B-B14F-4D97-AF65-F5344CB8AC3E}">
+        <p14:creationId xmlns:p14="http://schemas.microsoft.com/office/powerpoint/2010/main" val="2814038135"/>
+      </p:ext>
+    </p:extLst>
+  </p:cSld>
+  <p:clrMapOvr>
+    <a:masterClrMapping/>
+  </p:clrMapOvr>
+</p:sld>
+</file>
+
+<file path=ppt/slides/slide7.xml><?xml version="1.0" encoding="utf-8"?>
 <p:sld xmlns:a="http://schemas.openxmlformats.org/drawingml/2006/main" xmlns:r="http://schemas.openxmlformats.org/officeDocument/2006/relationships" xmlns:p="http://schemas.openxmlformats.org/presentationml/2006/main">
   <p:cSld>
     <p:spTree>
@@ -8026,7 +13113,7 @@
         <p:spPr>
           <a:xfrm>
             <a:off x="2407722" y="2286699"/>
-            <a:ext cx="3650360" cy="2798609"/>
+            <a:ext cx="3650359" cy="2798609"/>
           </a:xfrm>
           <a:prstGeom prst="rect">
             <a:avLst/>
@@ -8381,144 +13468,61 @@
           </mc:Fallback>
         </mc:AlternateContent>
       </p:grpSp>
-      <p:cxnSp>
-        <p:nvCxnSpPr>
-          <p:cNvPr id="25" name="Straight Connector 24"/>
-          <p:cNvCxnSpPr/>
+      <p:sp>
+        <p:nvSpPr>
+          <p:cNvPr id="8" name="Rectangle 6"/>
+          <p:cNvSpPr>
+            <a:spLocks noChangeArrowheads="1"/>
+          </p:cNvSpPr>
           <p:nvPr/>
-        </p:nvCxnSpPr>
+        </p:nvSpPr>
         <p:spPr bwMode="auto">
           <a:xfrm>
-            <a:off x="2817035" y="2002412"/>
-            <a:ext cx="539750" cy="6350"/>
-          </a:xfrm>
-          <a:prstGeom prst="line">
-            <a:avLst/>
-          </a:prstGeom>
-          <a:solidFill>
-            <a:srgbClr val="00B8FF"/>
-          </a:solidFill>
-          <a:ln w="25400" cap="flat" cmpd="sng" algn="ctr">
-            <a:solidFill>
-              <a:srgbClr val="FF0000"/>
-            </a:solidFill>
-            <a:prstDash val="solid"/>
-            <a:round/>
-            <a:headEnd type="none" w="med" len="med"/>
-            <a:tailEnd type="none" w="med" len="med"/>
-          </a:ln>
-          <a:effectLst/>
-        </p:spPr>
-      </p:cxnSp>
-      <p:cxnSp>
-        <p:nvCxnSpPr>
-          <p:cNvPr id="26" name="Straight Connector 25"/>
-          <p:cNvCxnSpPr/>
-          <p:nvPr/>
-        </p:nvCxnSpPr>
-        <p:spPr bwMode="auto">
-          <a:xfrm>
-            <a:off x="4610486" y="2003031"/>
-            <a:ext cx="539750" cy="6350"/>
-          </a:xfrm>
-          <a:prstGeom prst="line">
-            <a:avLst/>
-          </a:prstGeom>
-          <a:solidFill>
-            <a:srgbClr val="00B8FF"/>
-          </a:solidFill>
-          <a:ln w="25400" cap="flat" cmpd="sng" algn="ctr">
-            <a:solidFill>
-              <a:srgbClr val="0404BC"/>
-            </a:solidFill>
-            <a:prstDash val="solid"/>
-            <a:round/>
-            <a:headEnd type="none" w="med" len="med"/>
-            <a:tailEnd type="none" w="med" len="med"/>
-          </a:ln>
-          <a:effectLst/>
-        </p:spPr>
-      </p:cxnSp>
-      <p:sp>
-        <p:nvSpPr>
-          <p:cNvPr id="27" name="TextBox 26"/>
-          <p:cNvSpPr txBox="1"/>
-          <p:nvPr/>
-        </p:nvSpPr>
-        <p:spPr>
-          <a:xfrm>
-            <a:off x="5090429" y="1826652"/>
-            <a:ext cx="965443" cy="307777"/>
+            <a:off x="2288109" y="2187388"/>
+            <a:ext cx="3889587" cy="3015418"/>
           </a:xfrm>
           <a:prstGeom prst="rect">
             <a:avLst/>
           </a:prstGeom>
           <a:noFill/>
+          <a:ln w="9360">
+            <a:solidFill>
+              <a:srgbClr val="000000"/>
+            </a:solidFill>
+            <a:miter lim="800000"/>
+            <a:headEnd/>
+            <a:tailEnd/>
+          </a:ln>
+          <a:extLst>
+            <a:ext uri="{909E8E84-426E-40DD-AFC4-6F175D3DCCD1}">
+              <a14:hiddenFill xmlns:a14="http://schemas.microsoft.com/office/drawing/2010/main">
+                <a:solidFill>
+                  <a:srgbClr val="FFFFFF"/>
+                </a:solidFill>
+              </a14:hiddenFill>
+            </a:ext>
+          </a:extLst>
         </p:spPr>
         <p:txBody>
-          <a:bodyPr wrap="square" rtlCol="0">
-            <a:spAutoFit/>
-          </a:bodyPr>
+          <a:bodyPr wrap="none" anchor="ctr"/>
           <a:lstStyle/>
           <a:p>
-            <a:r>
-              <a:rPr lang="en-US" sz="1400" dirty="0" smtClean="0">
-                <a:solidFill>
-                  <a:schemeClr val="tx1"/>
-                </a:solidFill>
-              </a:rPr>
-              <a:t>spin up</a:t>
-            </a:r>
-            <a:endParaRPr lang="en-US" sz="1400" dirty="0">
-              <a:solidFill>
-                <a:schemeClr val="tx1"/>
-              </a:solidFill>
-            </a:endParaRPr>
-          </a:p>
-        </p:txBody>
-      </p:sp>
-      <p:sp>
-        <p:nvSpPr>
-          <p:cNvPr id="28" name="TextBox 27"/>
-          <p:cNvSpPr txBox="1"/>
-          <p:nvPr/>
-        </p:nvSpPr>
-        <p:spPr>
-          <a:xfrm>
-            <a:off x="3311338" y="1842213"/>
-            <a:ext cx="1132205" cy="307777"/>
-          </a:xfrm>
-          <a:prstGeom prst="rect">
-            <a:avLst/>
-          </a:prstGeom>
-          <a:noFill/>
-        </p:spPr>
-        <p:txBody>
-          <a:bodyPr wrap="square" rtlCol="0">
-            <a:spAutoFit/>
-          </a:bodyPr>
-          <a:lstStyle/>
-          <a:p>
-            <a:r>
-              <a:rPr lang="en-US" sz="1400" dirty="0" smtClean="0">
-                <a:solidFill>
-                  <a:schemeClr val="tx1"/>
-                </a:solidFill>
-              </a:rPr>
-              <a:t>spin down</a:t>
-            </a:r>
-            <a:endParaRPr lang="en-US" sz="1400" dirty="0">
-              <a:solidFill>
-                <a:schemeClr val="tx1"/>
-              </a:solidFill>
-            </a:endParaRPr>
+            <a:pPr eaLnBrk="1" hangingPunct="1">
+              <a:buClr>
+                <a:srgbClr val="000000"/>
+              </a:buClr>
+              <a:buSzPct val="100000"/>
+              <a:buFont typeface="Times New Roman" panose="02020603050405020304" pitchFamily="18" charset="0"/>
+              <a:buNone/>
+            </a:pPr>
+            <a:endParaRPr lang="en-US" altLang="en-US"/>
           </a:p>
         </p:txBody>
       </p:sp>
     </p:spTree>
     <p:extLst>
       <p:ext uri="{BB962C8B-B14F-4D97-AF65-F5344CB8AC3E}">
-        <p14:creationId xmlns:p14="http://schemas.microsoft.com/office/powerpoint/2010/main" val="2814038135"/>
+        <p14:creationId xmlns:p14="http://schemas.microsoft.com/office/powerpoint/2010/main" val="2819936326"/>
       </p:ext>
     </p:extLst>
   </p:cSld>
@@ -8528,7 +13532,7 @@
 </p:sld>
 </file>
 
-<file path=ppt/slides/slide6.xml><?xml version="1.0" encoding="utf-8"?>
+<file path=ppt/slides/slide8.xml><?xml version="1.0" encoding="utf-8"?>
 <p:sld xmlns:a="http://schemas.openxmlformats.org/drawingml/2006/main" xmlns:r="http://schemas.openxmlformats.org/officeDocument/2006/relationships" xmlns:p="http://schemas.openxmlformats.org/presentationml/2006/main">
   <p:cSld>
     <p:spTree>
@@ -8555,8 +13559,8 @@
         </p:nvSpPr>
         <p:spPr bwMode="auto">
           <a:xfrm>
-            <a:off x="2288109" y="1742904"/>
-            <a:ext cx="3889587" cy="3886200"/>
+            <a:off x="2125133" y="1834672"/>
+            <a:ext cx="4052563" cy="3494140"/>
           </a:xfrm>
           <a:prstGeom prst="rect">
             <a:avLst/>
@@ -8598,7 +13602,7 @@
       </p:sp>
       <p:pic>
         <p:nvPicPr>
-          <p:cNvPr id="3" name="Picture 2"/>
+          <p:cNvPr id="3" name="図 3"/>
           <p:cNvPicPr>
             <a:picLocks noChangeAspect="1"/>
           </p:cNvPicPr>
@@ -8618,167 +13622,14 @@
         </p:blipFill>
         <p:spPr>
           <a:xfrm>
-            <a:off x="2407722" y="2286699"/>
-            <a:ext cx="3650359" cy="2798609"/>
+            <a:off x="2184864" y="2288117"/>
+            <a:ext cx="3901196" cy="2910415"/>
           </a:xfrm>
           <a:prstGeom prst="rect">
             <a:avLst/>
           </a:prstGeom>
         </p:spPr>
       </p:pic>
-      <mc:AlternateContent xmlns:mc="http://schemas.openxmlformats.org/markup-compatibility/2006" xmlns:a14="http://schemas.microsoft.com/office/drawing/2010/main">
-        <mc:Choice Requires="a14">
-          <p:sp>
-            <p:nvSpPr>
-              <p:cNvPr id="13" name="TextBox 12"/>
-              <p:cNvSpPr txBox="1"/>
-              <p:nvPr/>
-            </p:nvSpPr>
-            <p:spPr>
-              <a:xfrm rot="5400000">
-                <a:off x="3887937" y="2676305"/>
-                <a:ext cx="1207412" cy="400110"/>
-              </a:xfrm>
-              <a:prstGeom prst="rect">
-                <a:avLst/>
-              </a:prstGeom>
-              <a:noFill/>
-            </p:spPr>
-            <p:txBody>
-              <a:bodyPr wrap="square" rtlCol="0">
-                <a:spAutoFit/>
-              </a:bodyPr>
-              <a:lstStyle/>
-              <a:p>
-                <a:pPr/>
-                <a14:m>
-                  <m:oMathPara xmlns:m="http://schemas.openxmlformats.org/officeDocument/2006/math">
-                    <m:oMathParaPr>
-                      <m:jc m:val="centerGroup"/>
-                    </m:oMathParaPr>
-                    <m:oMath xmlns:m="http://schemas.openxmlformats.org/officeDocument/2006/math">
-                      <m:r>
-                        <a:rPr lang="en-US" sz="2000" b="0" i="1" smtClean="0">
-                          <a:solidFill>
-                            <a:schemeClr val="tx1"/>
-                          </a:solidFill>
-                          <a:latin typeface="Cambria Math" panose="02040503050406030204" pitchFamily="18" charset="0"/>
-                        </a:rPr>
-                        <m:t>𝜌</m:t>
-                      </m:r>
-                      <m:r>
-                        <a:rPr lang="en-US" sz="2000" b="0" i="1" smtClean="0">
-                          <a:solidFill>
-                            <a:schemeClr val="tx1"/>
-                          </a:solidFill>
-                          <a:latin typeface="Cambria Math" panose="02040503050406030204" pitchFamily="18" charset="0"/>
-                        </a:rPr>
-                        <m:t>(</m:t>
-                      </m:r>
-                      <m:r>
-                        <a:rPr lang="en-US" sz="2000" b="0" i="1" smtClean="0">
-                          <a:solidFill>
-                            <a:schemeClr val="tx1"/>
-                          </a:solidFill>
-                          <a:latin typeface="Cambria Math" panose="02040503050406030204" pitchFamily="18" charset="0"/>
-                        </a:rPr>
-                        <m:t>𝜔</m:t>
-                      </m:r>
-                      <m:r>
-                        <a:rPr lang="en-US" sz="2000" b="0" i="1" smtClean="0">
-                          <a:solidFill>
-                            <a:schemeClr val="tx1"/>
-                          </a:solidFill>
-                          <a:latin typeface="Cambria Math" panose="02040503050406030204" pitchFamily="18" charset="0"/>
-                        </a:rPr>
-                        <m:t>)/</m:t>
-                      </m:r>
-                      <m:sSub>
-                        <m:sSubPr>
-                          <m:ctrlPr>
-                            <a:rPr lang="en-US" sz="2000" b="0" i="1" smtClean="0">
-                              <a:solidFill>
-                                <a:schemeClr val="tx1"/>
-                              </a:solidFill>
-                              <a:latin typeface="Cambria Math" panose="02040503050406030204" pitchFamily="18" charset="0"/>
-                            </a:rPr>
-                          </m:ctrlPr>
-                        </m:sSubPr>
-                        <m:e>
-                          <m:r>
-                            <a:rPr lang="en-US" sz="2000" b="0" i="1" smtClean="0">
-                              <a:solidFill>
-                                <a:schemeClr val="tx1"/>
-                              </a:solidFill>
-                              <a:latin typeface="Cambria Math" panose="02040503050406030204" pitchFamily="18" charset="0"/>
-                            </a:rPr>
-                            <m:t>𝜌</m:t>
-                          </m:r>
-                        </m:e>
-                        <m:sub>
-                          <m:r>
-                            <a:rPr lang="en-US" sz="2000" b="0" i="1" smtClean="0">
-                              <a:solidFill>
-                                <a:schemeClr val="tx1"/>
-                              </a:solidFill>
-                              <a:latin typeface="Cambria Math" panose="02040503050406030204" pitchFamily="18" charset="0"/>
-                            </a:rPr>
-                            <m:t>0</m:t>
-                          </m:r>
-                        </m:sub>
-                      </m:sSub>
-                    </m:oMath>
-                  </m:oMathPara>
-                </a14:m>
-                <a:endParaRPr lang="en-US" sz="2000" dirty="0">
-                  <a:solidFill>
-                    <a:schemeClr val="tx1"/>
-                  </a:solidFill>
-                  <a:latin typeface="Cambria" panose="02040503050406030204" pitchFamily="18" charset="0"/>
-                </a:endParaRPr>
-              </a:p>
-            </p:txBody>
-          </p:sp>
-        </mc:Choice>
-        <mc:Fallback xmlns="">
-          <p:sp>
-            <p:nvSpPr>
-              <p:cNvPr id="13" name="TextBox 12"/>
-              <p:cNvSpPr txBox="1">
-                <a:spLocks noRot="1" noChangeAspect="1" noMove="1" noResize="1" noEditPoints="1" noAdjustHandles="1" noChangeArrowheads="1" noChangeShapeType="1" noTextEdit="1"/>
-              </p:cNvSpPr>
-              <p:nvPr/>
-            </p:nvSpPr>
-            <p:spPr>
-              <a:xfrm rot="5400000">
-                <a:off x="3887937" y="2676305"/>
-                <a:ext cx="1207412" cy="400110"/>
-              </a:xfrm>
-              <a:prstGeom prst="rect">
-                <a:avLst/>
-              </a:prstGeom>
-              <a:blipFill rotWithShape="0">
-                <a:blip r:embed="rId3"/>
-                <a:stretch>
-                  <a:fillRect l="-18182"/>
-                </a:stretch>
-              </a:blipFill>
-            </p:spPr>
-            <p:txBody>
-              <a:bodyPr/>
-              <a:lstStyle/>
-              <a:p>
-                <a:r>
-                  <a:rPr lang="en-US">
-                    <a:noFill/>
-                  </a:rPr>
-                  <a:t> </a:t>
-                </a:r>
-              </a:p>
-            </p:txBody>
-          </p:sp>
-        </mc:Fallback>
-      </mc:AlternateContent>
       <p:grpSp>
         <p:nvGrpSpPr>
           <p:cNvPr id="15" name="Group 14"/>
@@ -8787,15 +13638,15 @@
         </p:nvGrpSpPr>
         <p:grpSpPr>
           <a:xfrm>
-            <a:off x="3750485" y="4807582"/>
-            <a:ext cx="1098550" cy="400110"/>
-            <a:chOff x="4580189" y="4761926"/>
-            <a:chExt cx="1098550" cy="400110"/>
+            <a:off x="3681983" y="4928702"/>
+            <a:ext cx="1102282" cy="400110"/>
+            <a:chOff x="4576457" y="4757040"/>
+            <a:chExt cx="1102282" cy="400110"/>
           </a:xfrm>
         </p:grpSpPr>
         <p:sp>
           <p:nvSpPr>
-            <p:cNvPr id="14" name="Rectangle 13"/>
+            <p:cNvPr id="16" name="Rectangle 15"/>
             <p:cNvSpPr/>
             <p:nvPr/>
           </p:nvSpPr>
@@ -8864,7 +13715,641 @@
           <mc:Choice Requires="a14">
             <p:sp>
               <p:nvSpPr>
-                <p:cNvPr id="4" name="TextBox 3"/>
+                <p:cNvPr id="17" name="TextBox 16"/>
+                <p:cNvSpPr txBox="1"/>
+                <p:nvPr/>
+              </p:nvSpPr>
+              <p:spPr>
+                <a:xfrm>
+                  <a:off x="4576457" y="4757040"/>
+                  <a:ext cx="875532" cy="400110"/>
+                </a:xfrm>
+                <a:prstGeom prst="rect">
+                  <a:avLst/>
+                </a:prstGeom>
+                <a:noFill/>
+              </p:spPr>
+              <p:txBody>
+                <a:bodyPr wrap="square" rtlCol="0">
+                  <a:spAutoFit/>
+                </a:bodyPr>
+                <a:lstStyle/>
+                <a:p>
+                  <a:pPr/>
+                  <a14:m>
+                    <m:oMathPara xmlns:m="http://schemas.openxmlformats.org/officeDocument/2006/math">
+                      <m:oMathParaPr>
+                        <m:jc m:val="centerGroup"/>
+                      </m:oMathParaPr>
+                      <m:oMath xmlns:m="http://schemas.openxmlformats.org/officeDocument/2006/math">
+                        <m:r>
+                          <a:rPr lang="en-US" sz="2000" b="0" i="1" smtClean="0">
+                            <a:solidFill>
+                              <a:schemeClr val="tx1"/>
+                            </a:solidFill>
+                            <a:latin typeface="Cambria Math" panose="02040503050406030204" pitchFamily="18" charset="0"/>
+                          </a:rPr>
+                          <m:t>𝜔</m:t>
+                        </m:r>
+                        <m:r>
+                          <a:rPr lang="en-US" sz="2000" b="0" i="1" smtClean="0">
+                            <a:solidFill>
+                              <a:schemeClr val="tx1"/>
+                            </a:solidFill>
+                            <a:latin typeface="Cambria Math" panose="02040503050406030204" pitchFamily="18" charset="0"/>
+                          </a:rPr>
+                          <m:t>/</m:t>
+                        </m:r>
+                        <m:r>
+                          <m:rPr>
+                            <m:sty m:val="p"/>
+                          </m:rPr>
+                          <a:rPr lang="en-US" sz="2000" b="0" i="0" smtClean="0">
+                            <a:solidFill>
+                              <a:schemeClr val="tx1"/>
+                            </a:solidFill>
+                            <a:latin typeface="Cambria Math" panose="02040503050406030204" pitchFamily="18" charset="0"/>
+                          </a:rPr>
+                          <m:t>Δ</m:t>
+                        </m:r>
+                      </m:oMath>
+                    </m:oMathPara>
+                  </a14:m>
+                  <a:endParaRPr lang="en-US" sz="2000" dirty="0">
+                    <a:solidFill>
+                      <a:schemeClr val="tx1"/>
+                    </a:solidFill>
+                    <a:latin typeface="Cambria" panose="02040503050406030204" pitchFamily="18" charset="0"/>
+                  </a:endParaRPr>
+                </a:p>
+              </p:txBody>
+            </p:sp>
+          </mc:Choice>
+          <mc:Fallback xmlns="">
+            <p:sp>
+              <p:nvSpPr>
+                <p:cNvPr id="17" name="TextBox 16"/>
+                <p:cNvSpPr txBox="1">
+                  <a:spLocks noRot="1" noChangeAspect="1" noMove="1" noResize="1" noEditPoints="1" noAdjustHandles="1" noChangeArrowheads="1" noChangeShapeType="1" noTextEdit="1"/>
+                </p:cNvSpPr>
+                <p:nvPr/>
+              </p:nvSpPr>
+              <p:spPr>
+                <a:xfrm>
+                  <a:off x="4576457" y="4757040"/>
+                  <a:ext cx="875532" cy="400110"/>
+                </a:xfrm>
+                <a:prstGeom prst="rect">
+                  <a:avLst/>
+                </a:prstGeom>
+                <a:blipFill rotWithShape="0">
+                  <a:blip r:embed="rId3"/>
+                  <a:stretch>
+                    <a:fillRect b="-18462"/>
+                  </a:stretch>
+                </a:blipFill>
+              </p:spPr>
+              <p:txBody>
+                <a:bodyPr/>
+                <a:lstStyle/>
+                <a:p>
+                  <a:r>
+                    <a:rPr lang="en-US">
+                      <a:noFill/>
+                    </a:rPr>
+                    <a:t> </a:t>
+                  </a:r>
+                </a:p>
+              </p:txBody>
+            </p:sp>
+          </mc:Fallback>
+        </mc:AlternateContent>
+      </p:grpSp>
+      <mc:AlternateContent xmlns:mc="http://schemas.openxmlformats.org/markup-compatibility/2006">
+        <mc:Choice xmlns:a14="http://schemas.microsoft.com/office/drawing/2010/main" Requires="a14">
+          <p:sp>
+            <p:nvSpPr>
+              <p:cNvPr id="20" name="TextBox 19"/>
+              <p:cNvSpPr txBox="1"/>
+              <p:nvPr/>
+            </p:nvSpPr>
+            <p:spPr>
+              <a:xfrm rot="5400000">
+                <a:off x="3262685" y="3030963"/>
+                <a:ext cx="2162934" cy="400110"/>
+              </a:xfrm>
+              <a:prstGeom prst="rect">
+                <a:avLst/>
+              </a:prstGeom>
+              <a:noFill/>
+            </p:spPr>
+            <p:txBody>
+              <a:bodyPr wrap="square" rtlCol="0">
+                <a:spAutoFit/>
+              </a:bodyPr>
+              <a:lstStyle/>
+              <a:p>
+                <a:pPr/>
+                <a14:m>
+                  <m:oMath xmlns:m="http://schemas.openxmlformats.org/officeDocument/2006/math">
+                    <m:sSub>
+                      <m:sSubPr>
+                        <m:ctrlPr>
+                          <a:rPr lang="en-US" sz="2000" b="0" i="1" smtClean="0">
+                            <a:solidFill>
+                              <a:schemeClr val="tx1"/>
+                            </a:solidFill>
+                            <a:latin typeface="Cambria Math" panose="02040503050406030204" pitchFamily="18" charset="0"/>
+                          </a:rPr>
+                        </m:ctrlPr>
+                      </m:sSubPr>
+                      <m:e>
+                        <m:r>
+                          <a:rPr lang="en-US" sz="2000" b="0" i="1" smtClean="0">
+                            <a:solidFill>
+                              <a:schemeClr val="tx1"/>
+                            </a:solidFill>
+                            <a:latin typeface="Cambria Math" panose="02040503050406030204" pitchFamily="18" charset="0"/>
+                          </a:rPr>
+                          <m:t>𝜌</m:t>
+                        </m:r>
+                      </m:e>
+                      <m:sub>
+                        <m:r>
+                          <a:rPr lang="en-US" sz="2000" b="0" i="1" smtClean="0">
+                            <a:solidFill>
+                              <a:schemeClr val="tx1"/>
+                            </a:solidFill>
+                            <a:latin typeface="Cambria Math" panose="02040503050406030204" pitchFamily="18" charset="0"/>
+                          </a:rPr>
+                          <m:t>𝑠</m:t>
+                        </m:r>
+                      </m:sub>
+                    </m:sSub>
+                    <m:r>
+                      <a:rPr lang="en-US" sz="2000" b="0" i="1" smtClean="0">
+                        <a:solidFill>
+                          <a:schemeClr val="tx1"/>
+                        </a:solidFill>
+                        <a:latin typeface="Cambria Math" panose="02040503050406030204" pitchFamily="18" charset="0"/>
+                      </a:rPr>
+                      <m:t>(</m:t>
+                    </m:r>
+                    <m:r>
+                      <a:rPr lang="en-US" sz="2000" b="0" i="1" smtClean="0">
+                        <a:solidFill>
+                          <a:schemeClr val="tx1"/>
+                        </a:solidFill>
+                        <a:latin typeface="Cambria Math" panose="02040503050406030204" pitchFamily="18" charset="0"/>
+                      </a:rPr>
+                      <m:t>𝜔</m:t>
+                    </m:r>
+                    <m:r>
+                      <a:rPr lang="en-US" sz="2000" b="0" i="1" smtClean="0">
+                        <a:solidFill>
+                          <a:schemeClr val="tx1"/>
+                        </a:solidFill>
+                        <a:latin typeface="Cambria Math" panose="02040503050406030204" pitchFamily="18" charset="0"/>
+                      </a:rPr>
+                      <m:t>)</m:t>
+                    </m:r>
+                  </m:oMath>
+                </a14:m>
+                <a:r>
+                  <a:rPr lang="en-US" sz="2000" dirty="0" smtClean="0">
+                    <a:solidFill>
+                      <a:schemeClr val="tx1"/>
+                    </a:solidFill>
+                    <a:latin typeface="Cambria" panose="02040503050406030204" pitchFamily="18" charset="0"/>
+                  </a:rPr>
+                  <a:t> </a:t>
+                </a:r>
+                <a:r>
+                  <a:rPr lang="en-US" sz="1500" dirty="0" smtClean="0">
+                    <a:solidFill>
+                      <a:schemeClr val="tx1"/>
+                    </a:solidFill>
+                    <a:latin typeface="Segoe UI" panose="020B0502040204020203" pitchFamily="34" charset="0"/>
+                    <a:ea typeface="Segoe UI" panose="020B0502040204020203" pitchFamily="34" charset="0"/>
+                    <a:cs typeface="Segoe UI" panose="020B0502040204020203" pitchFamily="34" charset="0"/>
+                  </a:rPr>
+                  <a:t>arb. units</a:t>
+                </a:r>
+                <a:endParaRPr lang="en-US" sz="1500" dirty="0">
+                  <a:solidFill>
+                    <a:schemeClr val="tx1"/>
+                  </a:solidFill>
+                  <a:latin typeface="Segoe UI" panose="020B0502040204020203" pitchFamily="34" charset="0"/>
+                  <a:ea typeface="Segoe UI" panose="020B0502040204020203" pitchFamily="34" charset="0"/>
+                  <a:cs typeface="Segoe UI" panose="020B0502040204020203" pitchFamily="34" charset="0"/>
+                </a:endParaRPr>
+              </a:p>
+            </p:txBody>
+          </p:sp>
+        </mc:Choice>
+        <mc:Fallback>
+          <p:sp>
+            <p:nvSpPr>
+              <p:cNvPr id="20" name="TextBox 19"/>
+              <p:cNvSpPr txBox="1">
+                <a:spLocks noRot="1" noChangeAspect="1" noMove="1" noResize="1" noEditPoints="1" noAdjustHandles="1" noChangeArrowheads="1" noChangeShapeType="1" noTextEdit="1"/>
+              </p:cNvSpPr>
+              <p:nvPr/>
+            </p:nvSpPr>
+            <p:spPr>
+              <a:xfrm rot="5400000">
+                <a:off x="3262685" y="3030963"/>
+                <a:ext cx="2162934" cy="400110"/>
+              </a:xfrm>
+              <a:prstGeom prst="rect">
+                <a:avLst/>
+              </a:prstGeom>
+              <a:blipFill rotWithShape="0">
+                <a:blip r:embed="rId4"/>
+                <a:stretch>
+                  <a:fillRect l="-18462"/>
+                </a:stretch>
+              </a:blipFill>
+            </p:spPr>
+            <p:txBody>
+              <a:bodyPr/>
+              <a:lstStyle/>
+              <a:p>
+                <a:r>
+                  <a:rPr lang="en-US">
+                    <a:noFill/>
+                  </a:rPr>
+                  <a:t> </a:t>
+                </a:r>
+              </a:p>
+            </p:txBody>
+          </p:sp>
+        </mc:Fallback>
+      </mc:AlternateContent>
+      <p:cxnSp>
+        <p:nvCxnSpPr>
+          <p:cNvPr id="21" name="Straight Arrow Connector 20"/>
+          <p:cNvCxnSpPr/>
+          <p:nvPr/>
+        </p:nvCxnSpPr>
+        <p:spPr bwMode="auto">
+          <a:xfrm flipV="1">
+            <a:off x="5603875" y="3334027"/>
+            <a:ext cx="0" cy="314325"/>
+          </a:xfrm>
+          <a:prstGeom prst="straightConnector1">
+            <a:avLst/>
+          </a:prstGeom>
+          <a:solidFill>
+            <a:srgbClr val="00B8FF"/>
+          </a:solidFill>
+          <a:ln w="34925" cap="flat" cmpd="sng" algn="ctr">
+            <a:solidFill>
+              <a:srgbClr val="0404BC"/>
+            </a:solidFill>
+            <a:prstDash val="solid"/>
+            <a:round/>
+            <a:headEnd type="none" w="med" len="med"/>
+            <a:tailEnd type="triangle"/>
+          </a:ln>
+          <a:effectLst/>
+        </p:spPr>
+      </p:cxnSp>
+      <p:cxnSp>
+        <p:nvCxnSpPr>
+          <p:cNvPr id="22" name="Straight Arrow Connector 21"/>
+          <p:cNvCxnSpPr/>
+          <p:nvPr/>
+        </p:nvCxnSpPr>
+        <p:spPr bwMode="auto">
+          <a:xfrm>
+            <a:off x="4663089" y="3409819"/>
+            <a:ext cx="0" cy="320864"/>
+          </a:xfrm>
+          <a:prstGeom prst="straightConnector1">
+            <a:avLst/>
+          </a:prstGeom>
+          <a:solidFill>
+            <a:srgbClr val="00B8FF"/>
+          </a:solidFill>
+          <a:ln w="34925" cap="flat" cmpd="sng" algn="ctr">
+            <a:solidFill>
+              <a:srgbClr val="FF0000"/>
+            </a:solidFill>
+            <a:prstDash val="solid"/>
+            <a:round/>
+            <a:headEnd type="none" w="med" len="med"/>
+            <a:tailEnd type="triangle"/>
+          </a:ln>
+          <a:effectLst/>
+        </p:spPr>
+      </p:cxnSp>
+      <p:sp>
+        <p:nvSpPr>
+          <p:cNvPr id="14" name="TextBox 13"/>
+          <p:cNvSpPr txBox="1"/>
+          <p:nvPr/>
+        </p:nvSpPr>
+        <p:spPr>
+          <a:xfrm>
+            <a:off x="2818721" y="1834672"/>
+            <a:ext cx="2785154" cy="323165"/>
+          </a:xfrm>
+          <a:prstGeom prst="rect">
+            <a:avLst/>
+          </a:prstGeom>
+          <a:noFill/>
+        </p:spPr>
+        <p:txBody>
+          <a:bodyPr wrap="square" rtlCol="0">
+            <a:spAutoFit/>
+          </a:bodyPr>
+          <a:lstStyle/>
+          <a:p>
+            <a:r>
+              <a:rPr lang="en-US" sz="1500" dirty="0" smtClean="0">
+                <a:solidFill>
+                  <a:schemeClr val="tx1"/>
+                </a:solidFill>
+                <a:latin typeface="Segoe UI" panose="020B0502040204020203" pitchFamily="34" charset="0"/>
+                <a:ea typeface="Segoe UI" panose="020B0502040204020203" pitchFamily="34" charset="0"/>
+                <a:cs typeface="Segoe UI" panose="020B0502040204020203" pitchFamily="34" charset="0"/>
+              </a:rPr>
+              <a:t> Skyrmion bound state peaks</a:t>
+            </a:r>
+            <a:endParaRPr lang="en-US" sz="1500" dirty="0">
+              <a:solidFill>
+                <a:schemeClr val="tx1"/>
+              </a:solidFill>
+              <a:latin typeface="Segoe UI" panose="020B0502040204020203" pitchFamily="34" charset="0"/>
+              <a:ea typeface="Segoe UI" panose="020B0502040204020203" pitchFamily="34" charset="0"/>
+              <a:cs typeface="Segoe UI" panose="020B0502040204020203" pitchFamily="34" charset="0"/>
+            </a:endParaRPr>
+          </a:p>
+        </p:txBody>
+      </p:sp>
+      <p:cxnSp>
+        <p:nvCxnSpPr>
+          <p:cNvPr id="24" name="Straight Arrow Connector 23"/>
+          <p:cNvCxnSpPr/>
+          <p:nvPr/>
+        </p:nvCxnSpPr>
+        <p:spPr bwMode="auto">
+          <a:xfrm flipH="1">
+            <a:off x="2870372" y="2157837"/>
+            <a:ext cx="125076" cy="193346"/>
+          </a:xfrm>
+          <a:prstGeom prst="straightConnector1">
+            <a:avLst/>
+          </a:prstGeom>
+          <a:solidFill>
+            <a:srgbClr val="00B8FF"/>
+          </a:solidFill>
+          <a:ln w="9525" cap="flat" cmpd="sng" algn="ctr">
+            <a:solidFill>
+              <a:schemeClr val="tx1"/>
+            </a:solidFill>
+            <a:prstDash val="solid"/>
+            <a:round/>
+            <a:headEnd type="none" w="med" len="med"/>
+            <a:tailEnd type="triangle"/>
+          </a:ln>
+          <a:effectLst/>
+        </p:spPr>
+      </p:cxnSp>
+      <p:cxnSp>
+        <p:nvCxnSpPr>
+          <p:cNvPr id="25" name="Straight Arrow Connector 24"/>
+          <p:cNvCxnSpPr/>
+          <p:nvPr/>
+        </p:nvCxnSpPr>
+        <p:spPr bwMode="auto">
+          <a:xfrm>
+            <a:off x="5336628" y="2101403"/>
+            <a:ext cx="103930" cy="234833"/>
+          </a:xfrm>
+          <a:prstGeom prst="straightConnector1">
+            <a:avLst/>
+          </a:prstGeom>
+          <a:solidFill>
+            <a:srgbClr val="00B8FF"/>
+          </a:solidFill>
+          <a:ln w="9525" cap="flat" cmpd="sng" algn="ctr">
+            <a:solidFill>
+              <a:schemeClr val="tx1"/>
+            </a:solidFill>
+            <a:prstDash val="solid"/>
+            <a:round/>
+            <a:headEnd type="none" w="med" len="med"/>
+            <a:tailEnd type="triangle"/>
+          </a:ln>
+          <a:effectLst/>
+        </p:spPr>
+      </p:cxnSp>
+      <p:cxnSp>
+        <p:nvCxnSpPr>
+          <p:cNvPr id="26" name="Straight Arrow Connector 25"/>
+          <p:cNvCxnSpPr/>
+          <p:nvPr/>
+        </p:nvCxnSpPr>
+        <p:spPr bwMode="auto">
+          <a:xfrm>
+            <a:off x="2700632" y="3403280"/>
+            <a:ext cx="0" cy="320864"/>
+          </a:xfrm>
+          <a:prstGeom prst="straightConnector1">
+            <a:avLst/>
+          </a:prstGeom>
+          <a:solidFill>
+            <a:srgbClr val="00B8FF"/>
+          </a:solidFill>
+          <a:ln w="34925" cap="flat" cmpd="sng" algn="ctr">
+            <a:solidFill>
+              <a:srgbClr val="FF0000"/>
+            </a:solidFill>
+            <a:prstDash val="solid"/>
+            <a:round/>
+            <a:headEnd type="none" w="med" len="med"/>
+            <a:tailEnd type="triangle"/>
+          </a:ln>
+          <a:effectLst/>
+        </p:spPr>
+      </p:cxnSp>
+      <p:cxnSp>
+        <p:nvCxnSpPr>
+          <p:cNvPr id="27" name="Straight Arrow Connector 26"/>
+          <p:cNvCxnSpPr/>
+          <p:nvPr/>
+        </p:nvCxnSpPr>
+        <p:spPr bwMode="auto">
+          <a:xfrm flipV="1">
+            <a:off x="3618921" y="3409819"/>
+            <a:ext cx="0" cy="314325"/>
+          </a:xfrm>
+          <a:prstGeom prst="straightConnector1">
+            <a:avLst/>
+          </a:prstGeom>
+          <a:solidFill>
+            <a:srgbClr val="00B8FF"/>
+          </a:solidFill>
+          <a:ln w="34925" cap="flat" cmpd="sng" algn="ctr">
+            <a:solidFill>
+              <a:srgbClr val="0404BC"/>
+            </a:solidFill>
+            <a:prstDash val="solid"/>
+            <a:round/>
+            <a:headEnd type="none" w="med" len="med"/>
+            <a:tailEnd type="triangle"/>
+          </a:ln>
+          <a:effectLst/>
+        </p:spPr>
+      </p:cxnSp>
+    </p:spTree>
+    <p:extLst>
+      <p:ext uri="{BB962C8B-B14F-4D97-AF65-F5344CB8AC3E}">
+        <p14:creationId xmlns:p14="http://schemas.microsoft.com/office/powerpoint/2010/main" val="2925826274"/>
+      </p:ext>
+    </p:extLst>
+  </p:cSld>
+  <p:clrMapOvr>
+    <a:masterClrMapping/>
+  </p:clrMapOvr>
+</p:sld>
+</file>
+
+<file path=ppt/slides/slide9.xml><?xml version="1.0" encoding="utf-8"?>
+<p:sld xmlns:a="http://schemas.openxmlformats.org/drawingml/2006/main" xmlns:r="http://schemas.openxmlformats.org/officeDocument/2006/relationships" xmlns:p="http://schemas.openxmlformats.org/presentationml/2006/main">
+  <p:cSld>
+    <p:spTree>
+      <p:nvGrpSpPr>
+        <p:cNvPr id="1" name=""/>
+        <p:cNvGrpSpPr/>
+        <p:nvPr/>
+      </p:nvGrpSpPr>
+      <p:grpSpPr>
+        <a:xfrm>
+          <a:off x="0" y="0"/>
+          <a:ext cx="0" cy="0"/>
+          <a:chOff x="0" y="0"/>
+          <a:chExt cx="0" cy="0"/>
+        </a:xfrm>
+      </p:grpSpPr>
+      <p:pic>
+        <p:nvPicPr>
+          <p:cNvPr id="3" name="図 3"/>
+          <p:cNvPicPr>
+            <a:picLocks noChangeAspect="1"/>
+          </p:cNvPicPr>
+          <p:nvPr/>
+        </p:nvPicPr>
+        <p:blipFill>
+          <a:blip r:embed="rId2">
+            <a:extLst>
+              <a:ext uri="{28A0092B-C50C-407E-A947-70E740481C1C}">
+                <a14:useLocalDpi xmlns:a14="http://schemas.microsoft.com/office/drawing/2010/main" val="0"/>
+              </a:ext>
+            </a:extLst>
+          </a:blip>
+          <a:stretch>
+            <a:fillRect/>
+          </a:stretch>
+        </p:blipFill>
+        <p:spPr>
+          <a:xfrm>
+            <a:off x="2214329" y="2281874"/>
+            <a:ext cx="3874168" cy="2808259"/>
+          </a:xfrm>
+          <a:prstGeom prst="rect">
+            <a:avLst/>
+          </a:prstGeom>
+        </p:spPr>
+      </p:pic>
+      <p:grpSp>
+        <p:nvGrpSpPr>
+          <p:cNvPr id="11" name="Group 10"/>
+          <p:cNvGrpSpPr/>
+          <p:nvPr/>
+        </p:nvGrpSpPr>
+        <p:grpSpPr>
+          <a:xfrm>
+            <a:off x="3647727" y="4862310"/>
+            <a:ext cx="1098550" cy="400110"/>
+            <a:chOff x="4580189" y="4761926"/>
+            <a:chExt cx="1098550" cy="400110"/>
+          </a:xfrm>
+        </p:grpSpPr>
+        <p:sp>
+          <p:nvSpPr>
+            <p:cNvPr id="12" name="Rectangle 11"/>
+            <p:cNvSpPr/>
+            <p:nvPr/>
+          </p:nvSpPr>
+          <p:spPr bwMode="auto">
+            <a:xfrm>
+              <a:off x="4580189" y="4864099"/>
+              <a:ext cx="1098550" cy="293051"/>
+            </a:xfrm>
+            <a:prstGeom prst="rect">
+              <a:avLst/>
+            </a:prstGeom>
+            <a:solidFill>
+              <a:schemeClr val="bg1"/>
+            </a:solidFill>
+            <a:ln w="9525" cap="flat" cmpd="sng" algn="ctr">
+              <a:solidFill>
+                <a:schemeClr val="bg1"/>
+              </a:solidFill>
+              <a:prstDash val="solid"/>
+              <a:round/>
+              <a:headEnd type="none" w="med" len="med"/>
+              <a:tailEnd type="none" w="med" len="med"/>
+            </a:ln>
+            <a:effectLst/>
+          </p:spPr>
+          <p:txBody>
+            <a:bodyPr vert="horz" wrap="square" lIns="91440" tIns="45720" rIns="91440" bIns="45720" numCol="1" rtlCol="0" anchor="t" anchorCtr="0" compatLnSpc="1">
+              <a:prstTxWarp prst="textNoShape">
+                <a:avLst/>
+              </a:prstTxWarp>
+            </a:bodyPr>
+            <a:lstStyle/>
+            <a:p>
+              <a:pPr marL="0" marR="0" indent="0" algn="l" defTabSz="457200" rtl="0" eaLnBrk="1" fontAlgn="base" latinLnBrk="0" hangingPunct="1">
+                <a:lnSpc>
+                  <a:spcPct val="100000"/>
+                </a:lnSpc>
+                <a:spcBef>
+                  <a:spcPct val="0"/>
+                </a:spcBef>
+                <a:spcAft>
+                  <a:spcPct val="0"/>
+                </a:spcAft>
+                <a:buClr>
+                  <a:srgbClr val="000000"/>
+                </a:buClr>
+                <a:buSzPct val="100000"/>
+                <a:buFont typeface="Times New Roman" pitchFamily="16" charset="0"/>
+                <a:buNone/>
+                <a:tabLst/>
+              </a:pPr>
+              <a:endParaRPr kumimoji="0" lang="en-US" sz="1800" b="0" i="0" u="none" strike="noStrike" cap="none" normalizeH="0" baseline="0" smtClean="0">
+                <a:ln>
+                  <a:noFill/>
+                </a:ln>
+                <a:solidFill>
+                  <a:schemeClr val="bg1"/>
+                </a:solidFill>
+                <a:effectLst/>
+                <a:latin typeface="Arial" charset="0"/>
+              </a:endParaRPr>
+            </a:p>
+          </p:txBody>
+        </p:sp>
+        <mc:AlternateContent xmlns:mc="http://schemas.openxmlformats.org/markup-compatibility/2006" xmlns:a14="http://schemas.microsoft.com/office/drawing/2010/main">
+          <mc:Choice Requires="a14">
+            <p:sp>
+              <p:nvSpPr>
+                <p:cNvPr id="13" name="TextBox 12"/>
                 <p:cNvSpPr txBox="1"/>
                 <p:nvPr/>
               </p:nvSpPr>
@@ -8974,173 +14459,255 @@
           </mc:Fallback>
         </mc:AlternateContent>
       </p:grpSp>
-      <p:cxnSp>
-        <p:nvCxnSpPr>
-          <p:cNvPr id="25" name="Straight Connector 24"/>
-          <p:cNvCxnSpPr/>
-          <p:nvPr/>
-        </p:nvCxnSpPr>
-        <p:spPr bwMode="auto">
-          <a:xfrm>
-            <a:off x="2817035" y="2002412"/>
-            <a:ext cx="539750" cy="6350"/>
-          </a:xfrm>
-          <a:prstGeom prst="line">
-            <a:avLst/>
-          </a:prstGeom>
-          <a:solidFill>
-            <a:srgbClr val="00B8FF"/>
-          </a:solidFill>
-          <a:ln w="25400" cap="flat" cmpd="sng" algn="ctr">
-            <a:solidFill>
-              <a:srgbClr val="FF0000"/>
-            </a:solidFill>
-            <a:prstDash val="solid"/>
-            <a:round/>
-            <a:headEnd type="none" w="med" len="med"/>
-            <a:tailEnd type="none" w="med" len="med"/>
-          </a:ln>
-          <a:effectLst/>
-        </p:spPr>
-      </p:cxnSp>
-      <p:cxnSp>
-        <p:nvCxnSpPr>
-          <p:cNvPr id="26" name="Straight Connector 25"/>
-          <p:cNvCxnSpPr/>
-          <p:nvPr/>
-        </p:nvCxnSpPr>
-        <p:spPr bwMode="auto">
-          <a:xfrm>
-            <a:off x="4610486" y="2003031"/>
-            <a:ext cx="539750" cy="6350"/>
-          </a:xfrm>
-          <a:prstGeom prst="line">
-            <a:avLst/>
-          </a:prstGeom>
-          <a:solidFill>
-            <a:srgbClr val="00B8FF"/>
-          </a:solidFill>
-          <a:ln w="25400" cap="flat" cmpd="sng" algn="ctr">
-            <a:solidFill>
-              <a:srgbClr val="0404BC"/>
-            </a:solidFill>
-            <a:prstDash val="solid"/>
-            <a:round/>
-            <a:headEnd type="none" w="med" len="med"/>
-            <a:tailEnd type="none" w="med" len="med"/>
-          </a:ln>
-          <a:effectLst/>
-        </p:spPr>
-      </p:cxnSp>
+      <mc:AlternateContent xmlns:mc="http://schemas.openxmlformats.org/markup-compatibility/2006">
+        <mc:Choice xmlns:a14="http://schemas.microsoft.com/office/drawing/2010/main" Requires="a14">
+          <p:sp>
+            <p:nvSpPr>
+              <p:cNvPr id="18" name="TextBox 17"/>
+              <p:cNvSpPr txBox="1"/>
+              <p:nvPr/>
+            </p:nvSpPr>
+            <p:spPr>
+              <a:xfrm>
+                <a:off x="4130144" y="2043195"/>
+                <a:ext cx="604504" cy="511358"/>
+              </a:xfrm>
+              <a:prstGeom prst="rect">
+                <a:avLst/>
+              </a:prstGeom>
+              <a:noFill/>
+            </p:spPr>
+            <p:txBody>
+              <a:bodyPr wrap="square" rtlCol="0">
+                <a:spAutoFit/>
+              </a:bodyPr>
+              <a:lstStyle/>
+              <a:p>
+                <a:pPr/>
+                <a14:m>
+                  <m:oMathPara xmlns:m="http://schemas.openxmlformats.org/officeDocument/2006/math">
+                    <m:oMathParaPr>
+                      <m:jc m:val="centerGroup"/>
+                    </m:oMathParaPr>
+                    <m:oMath xmlns:m="http://schemas.openxmlformats.org/officeDocument/2006/math">
+                      <m:sSub>
+                        <m:sSubPr>
+                          <m:ctrlPr>
+                            <a:rPr lang="en-US" sz="2500" b="0" i="1" smtClean="0">
+                              <a:solidFill>
+                                <a:schemeClr val="tx1"/>
+                              </a:solidFill>
+                              <a:latin typeface="Cambria Math" panose="02040503050406030204" pitchFamily="18" charset="0"/>
+                            </a:rPr>
+                          </m:ctrlPr>
+                        </m:sSubPr>
+                        <m:e>
+                          <m:r>
+                            <a:rPr lang="en-US" sz="2500" b="0" i="1" smtClean="0">
+                              <a:solidFill>
+                                <a:schemeClr val="tx1"/>
+                              </a:solidFill>
+                              <a:latin typeface="Cambria Math" panose="02040503050406030204" pitchFamily="18" charset="0"/>
+                            </a:rPr>
+                            <m:t>𝐼</m:t>
+                          </m:r>
+                        </m:e>
+                        <m:sub>
+                          <m:r>
+                            <a:rPr lang="en-US" sz="2500" b="0" i="1" smtClean="0">
+                              <a:solidFill>
+                                <a:schemeClr val="tx1"/>
+                              </a:solidFill>
+                              <a:latin typeface="Cambria Math" panose="02040503050406030204" pitchFamily="18" charset="0"/>
+                            </a:rPr>
+                            <m:t>𝜓</m:t>
+                          </m:r>
+                        </m:sub>
+                      </m:sSub>
+                    </m:oMath>
+                  </m:oMathPara>
+                </a14:m>
+                <a:endParaRPr lang="en-US" sz="2500" dirty="0">
+                  <a:solidFill>
+                    <a:schemeClr val="tx1"/>
+                  </a:solidFill>
+                  <a:latin typeface="Cambria" panose="02040503050406030204" pitchFamily="18" charset="0"/>
+                </a:endParaRPr>
+              </a:p>
+            </p:txBody>
+          </p:sp>
+        </mc:Choice>
+        <mc:Fallback>
+          <p:sp>
+            <p:nvSpPr>
+              <p:cNvPr id="18" name="TextBox 17"/>
+              <p:cNvSpPr txBox="1">
+                <a:spLocks noRot="1" noChangeAspect="1" noMove="1" noResize="1" noEditPoints="1" noAdjustHandles="1" noChangeArrowheads="1" noChangeShapeType="1" noTextEdit="1"/>
+              </p:cNvSpPr>
+              <p:nvPr/>
+            </p:nvSpPr>
+            <p:spPr>
+              <a:xfrm>
+                <a:off x="4130144" y="2043195"/>
+                <a:ext cx="604504" cy="511358"/>
+              </a:xfrm>
+              <a:prstGeom prst="rect">
+                <a:avLst/>
+              </a:prstGeom>
+              <a:blipFill rotWithShape="0">
+                <a:blip r:embed="rId5"/>
+                <a:stretch>
+                  <a:fillRect b="-13095"/>
+                </a:stretch>
+              </a:blipFill>
+            </p:spPr>
+            <p:txBody>
+              <a:bodyPr/>
+              <a:lstStyle/>
+              <a:p>
+                <a:r>
+                  <a:rPr lang="en-US">
+                    <a:noFill/>
+                  </a:rPr>
+                  <a:t> </a:t>
+                </a:r>
+              </a:p>
+            </p:txBody>
+          </p:sp>
+        </mc:Fallback>
+      </mc:AlternateContent>
+      <mc:AlternateContent xmlns:mc="http://schemas.openxmlformats.org/markup-compatibility/2006">
+        <mc:Choice xmlns:a14="http://schemas.microsoft.com/office/drawing/2010/main" Requires="a14">
+          <p:sp>
+            <p:nvSpPr>
+              <p:cNvPr id="55" name="TextBox 54"/>
+              <p:cNvSpPr txBox="1"/>
+              <p:nvPr/>
+            </p:nvSpPr>
+            <p:spPr>
+              <a:xfrm>
+                <a:off x="3657808" y="2155009"/>
+                <a:ext cx="523670" cy="230832"/>
+              </a:xfrm>
+              <a:prstGeom prst="rect">
+                <a:avLst/>
+              </a:prstGeom>
+              <a:noFill/>
+            </p:spPr>
+            <p:txBody>
+              <a:bodyPr wrap="none" lIns="0" tIns="0" rIns="0" bIns="0" rtlCol="0">
+                <a:spAutoFit/>
+              </a:bodyPr>
+              <a:lstStyle/>
+              <a:p>
+                <a14:m>
+                  <m:oMath xmlns:m="http://schemas.openxmlformats.org/officeDocument/2006/math">
+                    <m:r>
+                      <a:rPr lang="en-US" sz="1500" b="0" i="1" smtClean="0">
+                        <a:solidFill>
+                          <a:schemeClr val="tx1"/>
+                        </a:solidFill>
+                        <a:latin typeface="Cambria Math" panose="02040503050406030204" pitchFamily="18" charset="0"/>
+                      </a:rPr>
+                      <m:t>×</m:t>
+                    </m:r>
+                    <m:sSup>
+                      <m:sSupPr>
+                        <m:ctrlPr>
+                          <a:rPr lang="en-US" sz="1500" b="0" i="1" smtClean="0">
+                            <a:solidFill>
+                              <a:schemeClr val="tx1"/>
+                            </a:solidFill>
+                            <a:latin typeface="Cambria Math" panose="02040503050406030204" pitchFamily="18" charset="0"/>
+                          </a:rPr>
+                        </m:ctrlPr>
+                      </m:sSupPr>
+                      <m:e>
+                        <m:r>
+                          <a:rPr lang="en-US" sz="1500" b="0" i="1" smtClean="0">
+                            <a:solidFill>
+                              <a:schemeClr val="tx1"/>
+                            </a:solidFill>
+                            <a:latin typeface="Cambria Math" panose="02040503050406030204" pitchFamily="18" charset="0"/>
+                          </a:rPr>
+                          <m:t>10</m:t>
+                        </m:r>
+                      </m:e>
+                      <m:sup>
+                        <m:r>
+                          <a:rPr lang="en-US" sz="1500" b="0" i="1" smtClean="0">
+                            <a:solidFill>
+                              <a:schemeClr val="tx1"/>
+                            </a:solidFill>
+                            <a:latin typeface="Cambria Math" panose="02040503050406030204" pitchFamily="18" charset="0"/>
+                          </a:rPr>
+                          <m:t>4</m:t>
+                        </m:r>
+                      </m:sup>
+                    </m:sSup>
+                  </m:oMath>
+                </a14:m>
+                <a:r>
+                  <a:rPr lang="en-US" sz="1500" dirty="0" smtClean="0">
+                    <a:solidFill>
+                      <a:schemeClr val="tx1"/>
+                    </a:solidFill>
+                    <a:latin typeface="Cambria" panose="02040503050406030204" pitchFamily="18" charset="0"/>
+                  </a:rPr>
+                  <a:t> </a:t>
+                </a:r>
+                <a:endParaRPr lang="en-US" sz="1500" dirty="0">
+                  <a:solidFill>
+                    <a:schemeClr val="tx1"/>
+                  </a:solidFill>
+                  <a:latin typeface="Cambria" panose="02040503050406030204" pitchFamily="18" charset="0"/>
+                </a:endParaRPr>
+              </a:p>
+            </p:txBody>
+          </p:sp>
+        </mc:Choice>
+        <mc:Fallback>
+          <p:sp>
+            <p:nvSpPr>
+              <p:cNvPr id="55" name="TextBox 54"/>
+              <p:cNvSpPr txBox="1">
+                <a:spLocks noRot="1" noChangeAspect="1" noMove="1" noResize="1" noEditPoints="1" noAdjustHandles="1" noChangeArrowheads="1" noChangeShapeType="1" noTextEdit="1"/>
+              </p:cNvSpPr>
+              <p:nvPr/>
+            </p:nvSpPr>
+            <p:spPr>
+              <a:xfrm>
+                <a:off x="3657808" y="2155009"/>
+                <a:ext cx="523670" cy="230832"/>
+              </a:xfrm>
+              <a:prstGeom prst="rect">
+                <a:avLst/>
+              </a:prstGeom>
+              <a:blipFill rotWithShape="0">
+                <a:blip r:embed="rId6"/>
+                <a:stretch>
+                  <a:fillRect l="-10465" b="-10811"/>
+                </a:stretch>
+              </a:blipFill>
+            </p:spPr>
+            <p:txBody>
+              <a:bodyPr/>
+              <a:lstStyle/>
+              <a:p>
+                <a:r>
+                  <a:rPr lang="en-US">
+                    <a:noFill/>
+                  </a:rPr>
+                  <a:t> </a:t>
+                </a:r>
+              </a:p>
+            </p:txBody>
+          </p:sp>
+        </mc:Fallback>
+      </mc:AlternateContent>
       <p:sp>
         <p:nvSpPr>
-          <p:cNvPr id="27" name="TextBox 26"/>
-          <p:cNvSpPr txBox="1"/>
-          <p:nvPr/>
-        </p:nvSpPr>
-        <p:spPr>
-          <a:xfrm>
-            <a:off x="5090429" y="1826652"/>
-            <a:ext cx="965443" cy="307777"/>
-          </a:xfrm>
-          <a:prstGeom prst="rect">
-            <a:avLst/>
-          </a:prstGeom>
-          <a:noFill/>
-        </p:spPr>
-        <p:txBody>
-          <a:bodyPr wrap="square" rtlCol="0">
-            <a:spAutoFit/>
-          </a:bodyPr>
-          <a:lstStyle/>
-          <a:p>
-            <a:r>
-              <a:rPr lang="en-US" sz="1400" dirty="0" smtClean="0">
-                <a:solidFill>
-                  <a:schemeClr val="tx1"/>
-                </a:solidFill>
-              </a:rPr>
-              <a:t>spin up</a:t>
-            </a:r>
-            <a:endParaRPr lang="en-US" sz="1400" dirty="0">
-              <a:solidFill>
-                <a:schemeClr val="tx1"/>
-              </a:solidFill>
-            </a:endParaRPr>
-          </a:p>
-        </p:txBody>
-      </p:sp>
-      <p:sp>
-        <p:nvSpPr>
-          <p:cNvPr id="28" name="TextBox 27"/>
-          <p:cNvSpPr txBox="1"/>
-          <p:nvPr/>
-        </p:nvSpPr>
-        <p:spPr>
-          <a:xfrm>
-            <a:off x="3311338" y="1842213"/>
-            <a:ext cx="1132205" cy="307777"/>
-          </a:xfrm>
-          <a:prstGeom prst="rect">
-            <a:avLst/>
-          </a:prstGeom>
-          <a:noFill/>
-        </p:spPr>
-        <p:txBody>
-          <a:bodyPr wrap="square" rtlCol="0">
-            <a:spAutoFit/>
-          </a:bodyPr>
-          <a:lstStyle/>
-          <a:p>
-            <a:r>
-              <a:rPr lang="en-US" sz="1400" dirty="0" smtClean="0">
-                <a:solidFill>
-                  <a:schemeClr val="tx1"/>
-                </a:solidFill>
-              </a:rPr>
-              <a:t>spin down</a:t>
-            </a:r>
-            <a:endParaRPr lang="en-US" sz="1400" dirty="0">
-              <a:solidFill>
-                <a:schemeClr val="tx1"/>
-              </a:solidFill>
-            </a:endParaRPr>
-          </a:p>
-        </p:txBody>
-      </p:sp>
-    </p:spTree>
-    <p:extLst>
-      <p:ext uri="{BB962C8B-B14F-4D97-AF65-F5344CB8AC3E}">
-        <p14:creationId xmlns:p14="http://schemas.microsoft.com/office/powerpoint/2010/main" val="2819936326"/>
-      </p:ext>
-    </p:extLst>
-  </p:cSld>
-  <p:clrMapOvr>
-    <a:masterClrMapping/>
-  </p:clrMapOvr>
-</p:sld>
-</file>
-
-<file path=ppt/slides/slide7.xml><?xml version="1.0" encoding="utf-8"?>
-<p:sld xmlns:a="http://schemas.openxmlformats.org/drawingml/2006/main" xmlns:r="http://schemas.openxmlformats.org/officeDocument/2006/relationships" xmlns:p="http://schemas.openxmlformats.org/presentationml/2006/main">
-  <p:cSld>
-    <p:spTree>
-      <p:nvGrpSpPr>
-        <p:cNvPr id="1" name=""/>
-        <p:cNvGrpSpPr/>
-        <p:nvPr/>
-      </p:nvGrpSpPr>
-      <p:grpSpPr>
-        <a:xfrm>
-          <a:off x="0" y="0"/>
-          <a:ext cx="0" cy="0"/>
-          <a:chOff x="0" y="0"/>
-          <a:chExt cx="0" cy="0"/>
-        </a:xfrm>
-      </p:grpSpPr>
-      <p:sp>
-        <p:nvSpPr>
-          <p:cNvPr id="2" name="Rectangle 6"/>
+          <p:cNvPr id="41" name="Rectangle 6"/>
           <p:cNvSpPr>
             <a:spLocks noChangeArrowheads="1"/>
           </p:cNvSpPr>
@@ -9148,8 +14715,8 @@
         </p:nvSpPr>
         <p:spPr bwMode="auto">
           <a:xfrm>
-            <a:off x="2125133" y="1742904"/>
-            <a:ext cx="4052563" cy="3886200"/>
+            <a:off x="2155196" y="2085426"/>
+            <a:ext cx="4052563" cy="3246012"/>
           </a:xfrm>
           <a:prstGeom prst="rect">
             <a:avLst/>
@@ -9189,59 +14756,22 @@
           </a:p>
         </p:txBody>
       </p:sp>
-      <p:pic>
-        <p:nvPicPr>
-          <p:cNvPr id="3" name="図 3"/>
-          <p:cNvPicPr>
-            <a:picLocks noChangeAspect="1"/>
-          </p:cNvPicPr>
+      <p:sp>
+        <p:nvSpPr>
+          <p:cNvPr id="7" name="Rectangle 6"/>
+          <p:cNvSpPr/>
           <p:nvPr/>
-        </p:nvPicPr>
-        <p:blipFill>
-          <a:blip r:embed="rId2">
-            <a:clrChange>
-              <a:clrFrom>
-                <a:srgbClr val="FFFFFF"/>
-              </a:clrFrom>
-              <a:clrTo>
-                <a:srgbClr val="FFFFFF">
-                  <a:alpha val="0"/>
-                </a:srgbClr>
-              </a:clrTo>
-            </a:clrChange>
-          </a:blip>
-          <a:stretch>
-            <a:fillRect/>
-          </a:stretch>
-        </p:blipFill>
-        <p:spPr>
+        </p:nvSpPr>
+        <p:spPr bwMode="auto">
           <a:xfrm>
-            <a:off x="2061633" y="2288117"/>
-            <a:ext cx="4147659" cy="2910416"/>
+            <a:off x="5397500" y="4356100"/>
+            <a:ext cx="152400" cy="292100"/>
           </a:xfrm>
           <a:prstGeom prst="rect">
             <a:avLst/>
           </a:prstGeom>
-        </p:spPr>
-      </p:pic>
-      <p:cxnSp>
-        <p:nvCxnSpPr>
-          <p:cNvPr id="5" name="Straight Connector 4"/>
-          <p:cNvCxnSpPr/>
-          <p:nvPr/>
-        </p:nvCxnSpPr>
-        <p:spPr bwMode="auto">
-          <a:xfrm>
-            <a:off x="2817035" y="2002412"/>
-            <a:ext cx="539750" cy="6350"/>
-          </a:xfrm>
-          <a:prstGeom prst="line">
-            <a:avLst/>
-          </a:prstGeom>
-          <a:solidFill>
-            <a:srgbClr val="00B8FF"/>
-          </a:solidFill>
-          <a:ln w="25400" cap="flat" cmpd="sng" algn="ctr">
+          <a:noFill/>
+          <a:ln w="9525" cap="flat" cmpd="sng" algn="ctr">
             <a:solidFill>
               <a:srgbClr val="FF0000"/>
             </a:solidFill>
@@ -9252,820 +14782,78 @@
           </a:ln>
           <a:effectLst/>
         </p:spPr>
-      </p:cxnSp>
+        <p:txBody>
+          <a:bodyPr vert="horz" wrap="square" lIns="91440" tIns="45720" rIns="91440" bIns="45720" numCol="1" rtlCol="0" anchor="t" anchorCtr="0" compatLnSpc="1">
+            <a:prstTxWarp prst="textNoShape">
+              <a:avLst/>
+            </a:prstTxWarp>
+          </a:bodyPr>
+          <a:lstStyle/>
+          <a:p>
+            <a:pPr marL="0" marR="0" indent="0" algn="l" defTabSz="457200" rtl="0" eaLnBrk="1" fontAlgn="base" latinLnBrk="0" hangingPunct="1">
+              <a:lnSpc>
+                <a:spcPct val="100000"/>
+              </a:lnSpc>
+              <a:spcBef>
+                <a:spcPct val="0"/>
+              </a:spcBef>
+              <a:spcAft>
+                <a:spcPct val="0"/>
+              </a:spcAft>
+              <a:buClr>
+                <a:srgbClr val="000000"/>
+              </a:buClr>
+              <a:buSzPct val="100000"/>
+              <a:buFont typeface="Times New Roman" pitchFamily="16" charset="0"/>
+              <a:buNone/>
+              <a:tabLst/>
+            </a:pPr>
+            <a:endParaRPr kumimoji="0" lang="en-US" sz="1800" b="0" i="0" u="none" strike="noStrike" cap="none" normalizeH="0" baseline="0" smtClean="0">
+              <a:ln>
+                <a:noFill/>
+              </a:ln>
+              <a:solidFill>
+                <a:schemeClr val="bg1"/>
+              </a:solidFill>
+              <a:effectLst/>
+              <a:latin typeface="Arial" charset="0"/>
+            </a:endParaRPr>
+          </a:p>
+        </p:txBody>
+      </p:sp>
       <p:cxnSp>
         <p:nvCxnSpPr>
-          <p:cNvPr id="6" name="Straight Connector 5"/>
+          <p:cNvPr id="15" name="Straight Arrow Connector 14"/>
           <p:cNvCxnSpPr/>
           <p:nvPr/>
         </p:nvCxnSpPr>
         <p:spPr bwMode="auto">
           <a:xfrm>
-            <a:off x="4610486" y="2003031"/>
-            <a:ext cx="539750" cy="6350"/>
+            <a:off x="4953000" y="4578350"/>
+            <a:ext cx="355301" cy="0"/>
           </a:xfrm>
-          <a:prstGeom prst="line">
+          <a:prstGeom prst="straightConnector1">
             <a:avLst/>
           </a:prstGeom>
           <a:solidFill>
             <a:srgbClr val="00B8FF"/>
           </a:solidFill>
-          <a:ln w="25400" cap="flat" cmpd="sng" algn="ctr">
+          <a:ln w="9525" cap="flat" cmpd="sng" algn="ctr">
             <a:solidFill>
-              <a:srgbClr val="0404BC"/>
+              <a:schemeClr val="tx1"/>
             </a:solidFill>
             <a:prstDash val="solid"/>
             <a:round/>
             <a:headEnd type="none" w="med" len="med"/>
-            <a:tailEnd type="none" w="med" len="med"/>
+            <a:tailEnd type="triangle"/>
           </a:ln>
           <a:effectLst/>
         </p:spPr>
       </p:cxnSp>
-      <p:sp>
-        <p:nvSpPr>
-          <p:cNvPr id="7" name="TextBox 6"/>
-          <p:cNvSpPr txBox="1"/>
-          <p:nvPr/>
-        </p:nvSpPr>
-        <p:spPr>
-          <a:xfrm>
-            <a:off x="5090429" y="1826652"/>
-            <a:ext cx="965443" cy="307777"/>
-          </a:xfrm>
-          <a:prstGeom prst="rect">
-            <a:avLst/>
-          </a:prstGeom>
-          <a:noFill/>
-        </p:spPr>
-        <p:txBody>
-          <a:bodyPr wrap="square" rtlCol="0">
-            <a:spAutoFit/>
-          </a:bodyPr>
-          <a:lstStyle/>
-          <a:p>
-            <a:r>
-              <a:rPr lang="en-US" sz="1400" dirty="0" smtClean="0">
-                <a:solidFill>
-                  <a:schemeClr val="tx1"/>
-                </a:solidFill>
-              </a:rPr>
-              <a:t>spin up</a:t>
-            </a:r>
-            <a:endParaRPr lang="en-US" sz="1400" dirty="0">
-              <a:solidFill>
-                <a:schemeClr val="tx1"/>
-              </a:solidFill>
-            </a:endParaRPr>
-          </a:p>
-        </p:txBody>
-      </p:sp>
-      <p:sp>
-        <p:nvSpPr>
-          <p:cNvPr id="8" name="TextBox 7"/>
-          <p:cNvSpPr txBox="1"/>
-          <p:nvPr/>
-        </p:nvSpPr>
-        <p:spPr>
-          <a:xfrm>
-            <a:off x="3311338" y="1842213"/>
-            <a:ext cx="1132205" cy="307777"/>
-          </a:xfrm>
-          <a:prstGeom prst="rect">
-            <a:avLst/>
-          </a:prstGeom>
-          <a:noFill/>
-        </p:spPr>
-        <p:txBody>
-          <a:bodyPr wrap="square" rtlCol="0">
-            <a:spAutoFit/>
-          </a:bodyPr>
-          <a:lstStyle/>
-          <a:p>
-            <a:r>
-              <a:rPr lang="en-US" sz="1400" dirty="0" smtClean="0">
-                <a:solidFill>
-                  <a:schemeClr val="tx1"/>
-                </a:solidFill>
-              </a:rPr>
-              <a:t>spin down</a:t>
-            </a:r>
-            <a:endParaRPr lang="en-US" sz="1400" dirty="0">
-              <a:solidFill>
-                <a:schemeClr val="tx1"/>
-              </a:solidFill>
-            </a:endParaRPr>
-          </a:p>
-        </p:txBody>
-      </p:sp>
-    </p:spTree>
-    <p:extLst>
-      <p:ext uri="{BB962C8B-B14F-4D97-AF65-F5344CB8AC3E}">
-        <p14:creationId xmlns:p14="http://schemas.microsoft.com/office/powerpoint/2010/main" val="2925826274"/>
-      </p:ext>
-    </p:extLst>
-  </p:cSld>
-  <p:clrMapOvr>
-    <a:masterClrMapping/>
-  </p:clrMapOvr>
-</p:sld>
-</file>
-
-<file path=ppt/slides/slide8.xml><?xml version="1.0" encoding="utf-8"?>
-<p:sld xmlns:a="http://schemas.openxmlformats.org/drawingml/2006/main" xmlns:r="http://schemas.openxmlformats.org/officeDocument/2006/relationships" xmlns:p="http://schemas.openxmlformats.org/presentationml/2006/main">
-  <p:cSld>
-    <p:spTree>
-      <p:nvGrpSpPr>
-        <p:cNvPr id="1" name=""/>
-        <p:cNvGrpSpPr/>
-        <p:nvPr/>
-      </p:nvGrpSpPr>
-      <p:grpSpPr>
-        <a:xfrm>
-          <a:off x="0" y="0"/>
-          <a:ext cx="0" cy="0"/>
-          <a:chOff x="0" y="0"/>
-          <a:chExt cx="0" cy="0"/>
-        </a:xfrm>
-      </p:grpSpPr>
-      <p:pic>
-        <p:nvPicPr>
-          <p:cNvPr id="3" name="図 3"/>
-          <p:cNvPicPr>
-            <a:picLocks noChangeAspect="1"/>
-          </p:cNvPicPr>
-          <p:nvPr/>
-        </p:nvPicPr>
-        <p:blipFill>
-          <a:blip r:embed="rId2">
-            <a:extLst>
-              <a:ext uri="{28A0092B-C50C-407E-A947-70E740481C1C}">
-                <a14:useLocalDpi xmlns:a14="http://schemas.microsoft.com/office/drawing/2010/main" val="0"/>
-              </a:ext>
-            </a:extLst>
-          </a:blip>
-          <a:stretch>
-            <a:fillRect/>
-          </a:stretch>
-        </p:blipFill>
-        <p:spPr>
-          <a:xfrm>
-            <a:off x="2082800" y="2235200"/>
-            <a:ext cx="4094896" cy="2921000"/>
-          </a:xfrm>
-          <a:prstGeom prst="rect">
-            <a:avLst/>
-          </a:prstGeom>
-        </p:spPr>
-      </p:pic>
-      <p:sp>
-        <p:nvSpPr>
-          <p:cNvPr id="4" name="Rectangle 6"/>
-          <p:cNvSpPr>
-            <a:spLocks noChangeArrowheads="1"/>
-          </p:cNvSpPr>
-          <p:nvPr/>
-        </p:nvSpPr>
-        <p:spPr bwMode="auto">
-          <a:xfrm>
-            <a:off x="2125133" y="1742904"/>
-            <a:ext cx="4052563" cy="3886200"/>
-          </a:xfrm>
-          <a:prstGeom prst="rect">
-            <a:avLst/>
-          </a:prstGeom>
-          <a:noFill/>
-          <a:ln w="9360">
-            <a:solidFill>
-              <a:srgbClr val="000000"/>
-            </a:solidFill>
-            <a:miter lim="800000"/>
-            <a:headEnd/>
-            <a:tailEnd/>
-          </a:ln>
-          <a:extLst>
-            <a:ext uri="{909E8E84-426E-40DD-AFC4-6F175D3DCCD1}">
-              <a14:hiddenFill xmlns:a14="http://schemas.microsoft.com/office/drawing/2010/main">
-                <a:solidFill>
-                  <a:srgbClr val="FFFFFF"/>
-                </a:solidFill>
-              </a14:hiddenFill>
-            </a:ext>
-          </a:extLst>
-        </p:spPr>
-        <p:txBody>
-          <a:bodyPr wrap="none" anchor="ctr"/>
-          <a:lstStyle/>
-          <a:p>
-            <a:pPr eaLnBrk="1" hangingPunct="1">
-              <a:buClr>
-                <a:srgbClr val="000000"/>
-              </a:buClr>
-              <a:buSzPct val="100000"/>
-              <a:buFont typeface="Times New Roman" panose="02020603050405020304" pitchFamily="18" charset="0"/>
-              <a:buNone/>
-            </a:pPr>
-            <a:endParaRPr lang="en-US" altLang="en-US"/>
-          </a:p>
-        </p:txBody>
-      </p:sp>
     </p:spTree>
     <p:extLst>
       <p:ext uri="{BB962C8B-B14F-4D97-AF65-F5344CB8AC3E}">
         <p14:creationId xmlns:p14="http://schemas.microsoft.com/office/powerpoint/2010/main" val="2484508998"/>
-      </p:ext>
-    </p:extLst>
-  </p:cSld>
-  <p:clrMapOvr>
-    <a:masterClrMapping/>
-  </p:clrMapOvr>
-</p:sld>
-</file>
-
-<file path=ppt/slides/slide9.xml><?xml version="1.0" encoding="utf-8"?>
-<p:sld xmlns:a="http://schemas.openxmlformats.org/drawingml/2006/main" xmlns:r="http://schemas.openxmlformats.org/officeDocument/2006/relationships" xmlns:p="http://schemas.openxmlformats.org/presentationml/2006/main">
-  <p:cSld>
-    <p:spTree>
-      <p:nvGrpSpPr>
-        <p:cNvPr id="1" name=""/>
-        <p:cNvGrpSpPr/>
-        <p:nvPr/>
-      </p:nvGrpSpPr>
-      <p:grpSpPr>
-        <a:xfrm>
-          <a:off x="0" y="0"/>
-          <a:ext cx="0" cy="0"/>
-          <a:chOff x="0" y="0"/>
-          <a:chExt cx="0" cy="0"/>
-        </a:xfrm>
-      </p:grpSpPr>
-      <p:sp>
-        <p:nvSpPr>
-          <p:cNvPr id="2" name="Rectangle 6"/>
-          <p:cNvSpPr>
-            <a:spLocks noChangeArrowheads="1"/>
-          </p:cNvSpPr>
-          <p:nvPr/>
-        </p:nvSpPr>
-        <p:spPr bwMode="auto">
-          <a:xfrm>
-            <a:off x="2288109" y="1742904"/>
-            <a:ext cx="3889587" cy="3886200"/>
-          </a:xfrm>
-          <a:prstGeom prst="rect">
-            <a:avLst/>
-          </a:prstGeom>
-          <a:noFill/>
-          <a:ln w="9360">
-            <a:solidFill>
-              <a:srgbClr val="000000"/>
-            </a:solidFill>
-            <a:miter lim="800000"/>
-            <a:headEnd/>
-            <a:tailEnd/>
-          </a:ln>
-          <a:extLst>
-            <a:ext uri="{909E8E84-426E-40DD-AFC4-6F175D3DCCD1}">
-              <a14:hiddenFill xmlns:a14="http://schemas.microsoft.com/office/drawing/2010/main">
-                <a:solidFill>
-                  <a:srgbClr val="FFFFFF"/>
-                </a:solidFill>
-              </a14:hiddenFill>
-            </a:ext>
-          </a:extLst>
-        </p:spPr>
-        <p:txBody>
-          <a:bodyPr wrap="none" anchor="ctr"/>
-          <a:lstStyle/>
-          <a:p>
-            <a:pPr eaLnBrk="1" hangingPunct="1">
-              <a:buClr>
-                <a:srgbClr val="000000"/>
-              </a:buClr>
-              <a:buSzPct val="100000"/>
-              <a:buFont typeface="Times New Roman" panose="02020603050405020304" pitchFamily="18" charset="0"/>
-              <a:buNone/>
-            </a:pPr>
-            <a:endParaRPr lang="en-US" altLang="en-US"/>
-          </a:p>
-        </p:txBody>
-      </p:sp>
-      <p:pic>
-        <p:nvPicPr>
-          <p:cNvPr id="3" name="Picture 2"/>
-          <p:cNvPicPr>
-            <a:picLocks noChangeAspect="1"/>
-          </p:cNvPicPr>
-          <p:nvPr/>
-        </p:nvPicPr>
-        <p:blipFill>
-          <a:blip r:embed="rId2">
-            <a:extLst>
-              <a:ext uri="{28A0092B-C50C-407E-A947-70E740481C1C}">
-                <a14:useLocalDpi xmlns:a14="http://schemas.microsoft.com/office/drawing/2010/main" val="0"/>
-              </a:ext>
-            </a:extLst>
-          </a:blip>
-          <a:stretch>
-            <a:fillRect/>
-          </a:stretch>
-        </p:blipFill>
-        <p:spPr>
-          <a:xfrm>
-            <a:off x="2407722" y="2286699"/>
-            <a:ext cx="3650359" cy="2798608"/>
-          </a:xfrm>
-          <a:prstGeom prst="rect">
-            <a:avLst/>
-          </a:prstGeom>
-        </p:spPr>
-      </p:pic>
-      <mc:AlternateContent xmlns:mc="http://schemas.openxmlformats.org/markup-compatibility/2006" xmlns:a14="http://schemas.microsoft.com/office/drawing/2010/main">
-        <mc:Choice Requires="a14">
-          <p:sp>
-            <p:nvSpPr>
-              <p:cNvPr id="13" name="TextBox 12"/>
-              <p:cNvSpPr txBox="1"/>
-              <p:nvPr/>
-            </p:nvSpPr>
-            <p:spPr>
-              <a:xfrm rot="5400000">
-                <a:off x="3887937" y="2676305"/>
-                <a:ext cx="1207412" cy="400110"/>
-              </a:xfrm>
-              <a:prstGeom prst="rect">
-                <a:avLst/>
-              </a:prstGeom>
-              <a:noFill/>
-            </p:spPr>
-            <p:txBody>
-              <a:bodyPr wrap="square" rtlCol="0">
-                <a:spAutoFit/>
-              </a:bodyPr>
-              <a:lstStyle/>
-              <a:p>
-                <a:pPr/>
-                <a14:m>
-                  <m:oMathPara xmlns:m="http://schemas.openxmlformats.org/officeDocument/2006/math">
-                    <m:oMathParaPr>
-                      <m:jc m:val="centerGroup"/>
-                    </m:oMathParaPr>
-                    <m:oMath xmlns:m="http://schemas.openxmlformats.org/officeDocument/2006/math">
-                      <m:r>
-                        <a:rPr lang="en-US" sz="2000" b="0" i="1" smtClean="0">
-                          <a:solidFill>
-                            <a:schemeClr val="tx1"/>
-                          </a:solidFill>
-                          <a:latin typeface="Cambria Math" panose="02040503050406030204" pitchFamily="18" charset="0"/>
-                        </a:rPr>
-                        <m:t>𝜌</m:t>
-                      </m:r>
-                      <m:r>
-                        <a:rPr lang="en-US" sz="2000" b="0" i="1" smtClean="0">
-                          <a:solidFill>
-                            <a:schemeClr val="tx1"/>
-                          </a:solidFill>
-                          <a:latin typeface="Cambria Math" panose="02040503050406030204" pitchFamily="18" charset="0"/>
-                        </a:rPr>
-                        <m:t>(</m:t>
-                      </m:r>
-                      <m:r>
-                        <a:rPr lang="en-US" sz="2000" b="0" i="1" smtClean="0">
-                          <a:solidFill>
-                            <a:schemeClr val="tx1"/>
-                          </a:solidFill>
-                          <a:latin typeface="Cambria Math" panose="02040503050406030204" pitchFamily="18" charset="0"/>
-                        </a:rPr>
-                        <m:t>𝜔</m:t>
-                      </m:r>
-                      <m:r>
-                        <a:rPr lang="en-US" sz="2000" b="0" i="1" smtClean="0">
-                          <a:solidFill>
-                            <a:schemeClr val="tx1"/>
-                          </a:solidFill>
-                          <a:latin typeface="Cambria Math" panose="02040503050406030204" pitchFamily="18" charset="0"/>
-                        </a:rPr>
-                        <m:t>)/</m:t>
-                      </m:r>
-                      <m:sSub>
-                        <m:sSubPr>
-                          <m:ctrlPr>
-                            <a:rPr lang="en-US" sz="2000" b="0" i="1" smtClean="0">
-                              <a:solidFill>
-                                <a:schemeClr val="tx1"/>
-                              </a:solidFill>
-                              <a:latin typeface="Cambria Math" panose="02040503050406030204" pitchFamily="18" charset="0"/>
-                            </a:rPr>
-                          </m:ctrlPr>
-                        </m:sSubPr>
-                        <m:e>
-                          <m:r>
-                            <a:rPr lang="en-US" sz="2000" b="0" i="1" smtClean="0">
-                              <a:solidFill>
-                                <a:schemeClr val="tx1"/>
-                              </a:solidFill>
-                              <a:latin typeface="Cambria Math" panose="02040503050406030204" pitchFamily="18" charset="0"/>
-                            </a:rPr>
-                            <m:t>𝜌</m:t>
-                          </m:r>
-                        </m:e>
-                        <m:sub>
-                          <m:r>
-                            <a:rPr lang="en-US" sz="2000" b="0" i="1" smtClean="0">
-                              <a:solidFill>
-                                <a:schemeClr val="tx1"/>
-                              </a:solidFill>
-                              <a:latin typeface="Cambria Math" panose="02040503050406030204" pitchFamily="18" charset="0"/>
-                            </a:rPr>
-                            <m:t>0</m:t>
-                          </m:r>
-                        </m:sub>
-                      </m:sSub>
-                    </m:oMath>
-                  </m:oMathPara>
-                </a14:m>
-                <a:endParaRPr lang="en-US" sz="2000" dirty="0">
-                  <a:solidFill>
-                    <a:schemeClr val="tx1"/>
-                  </a:solidFill>
-                  <a:latin typeface="Cambria" panose="02040503050406030204" pitchFamily="18" charset="0"/>
-                </a:endParaRPr>
-              </a:p>
-            </p:txBody>
-          </p:sp>
-        </mc:Choice>
-        <mc:Fallback xmlns="">
-          <p:sp>
-            <p:nvSpPr>
-              <p:cNvPr id="13" name="TextBox 12"/>
-              <p:cNvSpPr txBox="1">
-                <a:spLocks noRot="1" noChangeAspect="1" noMove="1" noResize="1" noEditPoints="1" noAdjustHandles="1" noChangeArrowheads="1" noChangeShapeType="1" noTextEdit="1"/>
-              </p:cNvSpPr>
-              <p:nvPr/>
-            </p:nvSpPr>
-            <p:spPr>
-              <a:xfrm rot="5400000">
-                <a:off x="3887937" y="2676305"/>
-                <a:ext cx="1207412" cy="400110"/>
-              </a:xfrm>
-              <a:prstGeom prst="rect">
-                <a:avLst/>
-              </a:prstGeom>
-              <a:blipFill rotWithShape="0">
-                <a:blip r:embed="rId3"/>
-                <a:stretch>
-                  <a:fillRect l="-18182"/>
-                </a:stretch>
-              </a:blipFill>
-            </p:spPr>
-            <p:txBody>
-              <a:bodyPr/>
-              <a:lstStyle/>
-              <a:p>
-                <a:r>
-                  <a:rPr lang="en-US">
-                    <a:noFill/>
-                  </a:rPr>
-                  <a:t> </a:t>
-                </a:r>
-              </a:p>
-            </p:txBody>
-          </p:sp>
-        </mc:Fallback>
-      </mc:AlternateContent>
-      <p:grpSp>
-        <p:nvGrpSpPr>
-          <p:cNvPr id="15" name="Group 14"/>
-          <p:cNvGrpSpPr/>
-          <p:nvPr/>
-        </p:nvGrpSpPr>
-        <p:grpSpPr>
-          <a:xfrm>
-            <a:off x="3750485" y="4807582"/>
-            <a:ext cx="1098550" cy="400110"/>
-            <a:chOff x="4580189" y="4761926"/>
-            <a:chExt cx="1098550" cy="400110"/>
-          </a:xfrm>
-        </p:grpSpPr>
-        <p:sp>
-          <p:nvSpPr>
-            <p:cNvPr id="14" name="Rectangle 13"/>
-            <p:cNvSpPr/>
-            <p:nvPr/>
-          </p:nvSpPr>
-          <p:spPr bwMode="auto">
-            <a:xfrm>
-              <a:off x="4580189" y="4864099"/>
-              <a:ext cx="1098550" cy="293051"/>
-            </a:xfrm>
-            <a:prstGeom prst="rect">
-              <a:avLst/>
-            </a:prstGeom>
-            <a:solidFill>
-              <a:schemeClr val="bg1"/>
-            </a:solidFill>
-            <a:ln w="9525" cap="flat" cmpd="sng" algn="ctr">
-              <a:solidFill>
-                <a:schemeClr val="bg1"/>
-              </a:solidFill>
-              <a:prstDash val="solid"/>
-              <a:round/>
-              <a:headEnd type="none" w="med" len="med"/>
-              <a:tailEnd type="none" w="med" len="med"/>
-            </a:ln>
-            <a:effectLst/>
-          </p:spPr>
-          <p:txBody>
-            <a:bodyPr vert="horz" wrap="square" lIns="91440" tIns="45720" rIns="91440" bIns="45720" numCol="1" rtlCol="0" anchor="t" anchorCtr="0" compatLnSpc="1">
-              <a:prstTxWarp prst="textNoShape">
-                <a:avLst/>
-              </a:prstTxWarp>
-            </a:bodyPr>
-            <a:lstStyle/>
-            <a:p>
-              <a:pPr marL="0" marR="0" indent="0" algn="l" defTabSz="457200" rtl="0" eaLnBrk="1" fontAlgn="base" latinLnBrk="0" hangingPunct="1">
-                <a:lnSpc>
-                  <a:spcPct val="100000"/>
-                </a:lnSpc>
-                <a:spcBef>
-                  <a:spcPct val="0"/>
-                </a:spcBef>
-                <a:spcAft>
-                  <a:spcPct val="0"/>
-                </a:spcAft>
-                <a:buClr>
-                  <a:srgbClr val="000000"/>
-                </a:buClr>
-                <a:buSzPct val="100000"/>
-                <a:buFont typeface="Times New Roman" pitchFamily="16" charset="0"/>
-                <a:buNone/>
-                <a:tabLst/>
-              </a:pPr>
-              <a:endParaRPr kumimoji="0" lang="en-US" sz="1800" b="0" i="0" u="none" strike="noStrike" cap="none" normalizeH="0" baseline="0" smtClean="0">
-                <a:ln>
-                  <a:noFill/>
-                </a:ln>
-                <a:solidFill>
-                  <a:schemeClr val="bg1"/>
-                </a:solidFill>
-                <a:effectLst/>
-                <a:latin typeface="Arial" charset="0"/>
-              </a:endParaRPr>
-            </a:p>
-          </p:txBody>
-        </p:sp>
-        <mc:AlternateContent xmlns:mc="http://schemas.openxmlformats.org/markup-compatibility/2006" xmlns:a14="http://schemas.microsoft.com/office/drawing/2010/main">
-          <mc:Choice Requires="a14">
-            <p:sp>
-              <p:nvSpPr>
-                <p:cNvPr id="4" name="TextBox 3"/>
-                <p:cNvSpPr txBox="1"/>
-                <p:nvPr/>
-              </p:nvSpPr>
-              <p:spPr>
-                <a:xfrm>
-                  <a:off x="4624840" y="4761926"/>
-                  <a:ext cx="875532" cy="400110"/>
-                </a:xfrm>
-                <a:prstGeom prst="rect">
-                  <a:avLst/>
-                </a:prstGeom>
-                <a:noFill/>
-              </p:spPr>
-              <p:txBody>
-                <a:bodyPr wrap="square" rtlCol="0">
-                  <a:spAutoFit/>
-                </a:bodyPr>
-                <a:lstStyle/>
-                <a:p>
-                  <a:pPr/>
-                  <a14:m>
-                    <m:oMathPara xmlns:m="http://schemas.openxmlformats.org/officeDocument/2006/math">
-                      <m:oMathParaPr>
-                        <m:jc m:val="centerGroup"/>
-                      </m:oMathParaPr>
-                      <m:oMath xmlns:m="http://schemas.openxmlformats.org/officeDocument/2006/math">
-                        <m:r>
-                          <a:rPr lang="en-US" sz="2000" b="0" i="1" smtClean="0">
-                            <a:solidFill>
-                              <a:schemeClr val="tx1"/>
-                            </a:solidFill>
-                            <a:latin typeface="Cambria Math" panose="02040503050406030204" pitchFamily="18" charset="0"/>
-                          </a:rPr>
-                          <m:t>𝜔</m:t>
-                        </m:r>
-                        <m:r>
-                          <a:rPr lang="en-US" sz="2000" b="0" i="1" smtClean="0">
-                            <a:solidFill>
-                              <a:schemeClr val="tx1"/>
-                            </a:solidFill>
-                            <a:latin typeface="Cambria Math" panose="02040503050406030204" pitchFamily="18" charset="0"/>
-                          </a:rPr>
-                          <m:t>/</m:t>
-                        </m:r>
-                        <m:r>
-                          <m:rPr>
-                            <m:sty m:val="p"/>
-                          </m:rPr>
-                          <a:rPr lang="en-US" sz="2000" b="0" i="0" smtClean="0">
-                            <a:solidFill>
-                              <a:schemeClr val="tx1"/>
-                            </a:solidFill>
-                            <a:latin typeface="Cambria Math" panose="02040503050406030204" pitchFamily="18" charset="0"/>
-                          </a:rPr>
-                          <m:t>Δ</m:t>
-                        </m:r>
-                      </m:oMath>
-                    </m:oMathPara>
-                  </a14:m>
-                  <a:endParaRPr lang="en-US" sz="2000" dirty="0">
-                    <a:solidFill>
-                      <a:schemeClr val="tx1"/>
-                    </a:solidFill>
-                    <a:latin typeface="Cambria" panose="02040503050406030204" pitchFamily="18" charset="0"/>
-                  </a:endParaRPr>
-                </a:p>
-              </p:txBody>
-            </p:sp>
-          </mc:Choice>
-          <mc:Fallback xmlns="">
-            <p:sp>
-              <p:nvSpPr>
-                <p:cNvPr id="4" name="TextBox 3"/>
-                <p:cNvSpPr txBox="1">
-                  <a:spLocks noRot="1" noChangeAspect="1" noMove="1" noResize="1" noEditPoints="1" noAdjustHandles="1" noChangeArrowheads="1" noChangeShapeType="1" noTextEdit="1"/>
-                </p:cNvSpPr>
-                <p:nvPr/>
-              </p:nvSpPr>
-              <p:spPr>
-                <a:xfrm>
-                  <a:off x="4624840" y="4761926"/>
-                  <a:ext cx="875532" cy="400110"/>
-                </a:xfrm>
-                <a:prstGeom prst="rect">
-                  <a:avLst/>
-                </a:prstGeom>
-                <a:blipFill rotWithShape="0">
-                  <a:blip r:embed="rId4"/>
-                  <a:stretch>
-                    <a:fillRect b="-18462"/>
-                  </a:stretch>
-                </a:blipFill>
-              </p:spPr>
-              <p:txBody>
-                <a:bodyPr/>
-                <a:lstStyle/>
-                <a:p>
-                  <a:r>
-                    <a:rPr lang="en-US">
-                      <a:noFill/>
-                    </a:rPr>
-                    <a:t> </a:t>
-                  </a:r>
-                </a:p>
-              </p:txBody>
-            </p:sp>
-          </mc:Fallback>
-        </mc:AlternateContent>
-      </p:grpSp>
-      <p:cxnSp>
-        <p:nvCxnSpPr>
-          <p:cNvPr id="25" name="Straight Connector 24"/>
-          <p:cNvCxnSpPr/>
-          <p:nvPr/>
-        </p:nvCxnSpPr>
-        <p:spPr bwMode="auto">
-          <a:xfrm>
-            <a:off x="2817035" y="2002412"/>
-            <a:ext cx="539750" cy="6350"/>
-          </a:xfrm>
-          <a:prstGeom prst="line">
-            <a:avLst/>
-          </a:prstGeom>
-          <a:solidFill>
-            <a:srgbClr val="00B8FF"/>
-          </a:solidFill>
-          <a:ln w="25400" cap="flat" cmpd="sng" algn="ctr">
-            <a:solidFill>
-              <a:srgbClr val="FF0000"/>
-            </a:solidFill>
-            <a:prstDash val="solid"/>
-            <a:round/>
-            <a:headEnd type="none" w="med" len="med"/>
-            <a:tailEnd type="none" w="med" len="med"/>
-          </a:ln>
-          <a:effectLst/>
-        </p:spPr>
-      </p:cxnSp>
-      <p:cxnSp>
-        <p:nvCxnSpPr>
-          <p:cNvPr id="26" name="Straight Connector 25"/>
-          <p:cNvCxnSpPr/>
-          <p:nvPr/>
-        </p:nvCxnSpPr>
-        <p:spPr bwMode="auto">
-          <a:xfrm>
-            <a:off x="4610486" y="2003031"/>
-            <a:ext cx="539750" cy="6350"/>
-          </a:xfrm>
-          <a:prstGeom prst="line">
-            <a:avLst/>
-          </a:prstGeom>
-          <a:solidFill>
-            <a:srgbClr val="00B8FF"/>
-          </a:solidFill>
-          <a:ln w="25400" cap="flat" cmpd="sng" algn="ctr">
-            <a:solidFill>
-              <a:srgbClr val="0404BC"/>
-            </a:solidFill>
-            <a:prstDash val="solid"/>
-            <a:round/>
-            <a:headEnd type="none" w="med" len="med"/>
-            <a:tailEnd type="none" w="med" len="med"/>
-          </a:ln>
-          <a:effectLst/>
-        </p:spPr>
-      </p:cxnSp>
-      <p:sp>
-        <p:nvSpPr>
-          <p:cNvPr id="27" name="TextBox 26"/>
-          <p:cNvSpPr txBox="1"/>
-          <p:nvPr/>
-        </p:nvSpPr>
-        <p:spPr>
-          <a:xfrm>
-            <a:off x="5090429" y="1826652"/>
-            <a:ext cx="965443" cy="307777"/>
-          </a:xfrm>
-          <a:prstGeom prst="rect">
-            <a:avLst/>
-          </a:prstGeom>
-          <a:noFill/>
-        </p:spPr>
-        <p:txBody>
-          <a:bodyPr wrap="square" rtlCol="0">
-            <a:spAutoFit/>
-          </a:bodyPr>
-          <a:lstStyle/>
-          <a:p>
-            <a:r>
-              <a:rPr lang="en-US" sz="1400" dirty="0" smtClean="0">
-                <a:solidFill>
-                  <a:schemeClr val="tx1"/>
-                </a:solidFill>
-              </a:rPr>
-              <a:t>spin up</a:t>
-            </a:r>
-            <a:endParaRPr lang="en-US" sz="1400" dirty="0">
-              <a:solidFill>
-                <a:schemeClr val="tx1"/>
-              </a:solidFill>
-            </a:endParaRPr>
-          </a:p>
-        </p:txBody>
-      </p:sp>
-      <p:sp>
-        <p:nvSpPr>
-          <p:cNvPr id="28" name="TextBox 27"/>
-          <p:cNvSpPr txBox="1"/>
-          <p:nvPr/>
-        </p:nvSpPr>
-        <p:spPr>
-          <a:xfrm>
-            <a:off x="3311338" y="1842213"/>
-            <a:ext cx="1132205" cy="307777"/>
-          </a:xfrm>
-          <a:prstGeom prst="rect">
-            <a:avLst/>
-          </a:prstGeom>
-          <a:noFill/>
-        </p:spPr>
-        <p:txBody>
-          <a:bodyPr wrap="square" rtlCol="0">
-            <a:spAutoFit/>
-          </a:bodyPr>
-          <a:lstStyle/>
-          <a:p>
-            <a:r>
-              <a:rPr lang="en-US" sz="1400" dirty="0" smtClean="0">
-                <a:solidFill>
-                  <a:schemeClr val="tx1"/>
-                </a:solidFill>
-              </a:rPr>
-              <a:t>spin down</a:t>
-            </a:r>
-            <a:endParaRPr lang="en-US" sz="1400" dirty="0">
-              <a:solidFill>
-                <a:schemeClr val="tx1"/>
-              </a:solidFill>
-            </a:endParaRPr>
-          </a:p>
-        </p:txBody>
-      </p:sp>
-    </p:spTree>
-    <p:extLst>
-      <p:ext uri="{BB962C8B-B14F-4D97-AF65-F5344CB8AC3E}">
-        <p14:creationId xmlns:p14="http://schemas.microsoft.com/office/powerpoint/2010/main" val="1308596537"/>
       </p:ext>
     </p:extLst>
   </p:cSld>

--- a/Figures/Figures.pptx
+++ b/Figures/Figures.pptx
@@ -12670,8 +12670,8 @@
           <a:effectLst/>
         </p:spPr>
       </p:cxnSp>
-      <mc:AlternateContent xmlns:mc="http://schemas.openxmlformats.org/markup-compatibility/2006">
-        <mc:Choice xmlns:a14="http://schemas.microsoft.com/office/drawing/2010/main" Requires="a14">
+      <mc:AlternateContent xmlns:mc="http://schemas.openxmlformats.org/markup-compatibility/2006" xmlns:a14="http://schemas.microsoft.com/office/drawing/2010/main">
+        <mc:Choice Requires="a14">
           <p:sp>
             <p:nvSpPr>
               <p:cNvPr id="16" name="TextBox 15"/>
@@ -12735,7 +12735,7 @@
             </p:txBody>
           </p:sp>
         </mc:Choice>
-        <mc:Fallback>
+        <mc:Fallback xmlns="">
           <p:sp>
             <p:nvSpPr>
               <p:cNvPr id="16" name="TextBox 15"/>
@@ -12803,8 +12803,8 @@
           <a:effectLst/>
         </p:spPr>
       </p:cxnSp>
-      <mc:AlternateContent xmlns:mc="http://schemas.openxmlformats.org/markup-compatibility/2006">
-        <mc:Choice xmlns:a14="http://schemas.microsoft.com/office/drawing/2010/main" Requires="a14">
+      <mc:AlternateContent xmlns:mc="http://schemas.openxmlformats.org/markup-compatibility/2006" xmlns:a14="http://schemas.microsoft.com/office/drawing/2010/main">
+        <mc:Choice Requires="a14">
           <p:sp>
             <p:nvSpPr>
               <p:cNvPr id="18" name="TextBox 17"/>
@@ -12868,7 +12868,7 @@
             </p:txBody>
           </p:sp>
         </mc:Choice>
-        <mc:Fallback>
+        <mc:Fallback xmlns="">
           <p:sp>
             <p:nvSpPr>
               <p:cNvPr id="18" name="TextBox 17"/>
@@ -13849,7 +13849,6 @@
               </a:bodyPr>
               <a:lstStyle/>
               <a:p>
-                <a:pPr/>
                 <a14:m>
                   <m:oMath xmlns:m="http://schemas.openxmlformats.org/officeDocument/2006/math">
                     <m:sSub>
@@ -13933,7 +13932,7 @@
                     <a:ea typeface="Segoe UI" panose="020B0502040204020203" pitchFamily="34" charset="0"/>
                     <a:cs typeface="Segoe UI" panose="020B0502040204020203" pitchFamily="34" charset="0"/>
                   </a:rPr>
-                  <a:t>arb. units</a:t>
+                  <a:t>a. u.</a:t>
                 </a:r>
                 <a:endParaRPr lang="en-US" sz="1500" dirty="0">
                   <a:solidFill>
@@ -14023,7 +14022,7 @@
         </p:nvCxnSpPr>
         <p:spPr bwMode="auto">
           <a:xfrm>
-            <a:off x="4663089" y="3409819"/>
+            <a:off x="4669439" y="3403280"/>
             <a:ext cx="0" cy="320864"/>
           </a:xfrm>
           <a:prstGeom prst="straightConnector1">
@@ -14204,6 +14203,417 @@
           <a:effectLst/>
         </p:spPr>
       </p:cxnSp>
+      <p:sp>
+        <p:nvSpPr>
+          <p:cNvPr id="4" name="Rectangle 3"/>
+          <p:cNvSpPr/>
+          <p:nvPr/>
+        </p:nvSpPr>
+        <p:spPr bwMode="auto">
+          <a:xfrm>
+            <a:off x="3760301" y="2351183"/>
+            <a:ext cx="359448" cy="2331176"/>
+          </a:xfrm>
+          <a:prstGeom prst="rect">
+            <a:avLst/>
+          </a:prstGeom>
+          <a:solidFill>
+            <a:schemeClr val="bg1"/>
+          </a:solidFill>
+          <a:ln w="9525" cap="flat" cmpd="sng" algn="ctr">
+            <a:noFill/>
+            <a:prstDash val="solid"/>
+            <a:round/>
+            <a:headEnd type="none" w="med" len="med"/>
+            <a:tailEnd type="none" w="med" len="med"/>
+          </a:ln>
+          <a:effectLst/>
+        </p:spPr>
+        <p:txBody>
+          <a:bodyPr vert="horz" wrap="square" lIns="91440" tIns="45720" rIns="91440" bIns="45720" numCol="1" rtlCol="0" anchor="t" anchorCtr="0" compatLnSpc="1">
+            <a:prstTxWarp prst="textNoShape">
+              <a:avLst/>
+            </a:prstTxWarp>
+          </a:bodyPr>
+          <a:lstStyle/>
+          <a:p>
+            <a:pPr marL="0" marR="0" indent="0" algn="l" defTabSz="457200" rtl="0" eaLnBrk="1" fontAlgn="base" latinLnBrk="0" hangingPunct="1">
+              <a:lnSpc>
+                <a:spcPct val="100000"/>
+              </a:lnSpc>
+              <a:spcBef>
+                <a:spcPct val="0"/>
+              </a:spcBef>
+              <a:spcAft>
+                <a:spcPct val="0"/>
+              </a:spcAft>
+              <a:buClr>
+                <a:srgbClr val="000000"/>
+              </a:buClr>
+              <a:buSzPct val="100000"/>
+              <a:buFont typeface="Times New Roman" pitchFamily="16" charset="0"/>
+              <a:buNone/>
+              <a:tabLst/>
+            </a:pPr>
+            <a:endParaRPr kumimoji="0" lang="en-US" sz="1800" b="0" i="0" u="none" strike="noStrike" cap="none" normalizeH="0" baseline="0" smtClean="0">
+              <a:ln>
+                <a:noFill/>
+              </a:ln>
+              <a:solidFill>
+                <a:schemeClr val="bg1"/>
+              </a:solidFill>
+              <a:effectLst/>
+              <a:latin typeface="Arial" charset="0"/>
+            </a:endParaRPr>
+          </a:p>
+        </p:txBody>
+      </p:sp>
+      <p:sp>
+        <p:nvSpPr>
+          <p:cNvPr id="18" name="TextBox 17"/>
+          <p:cNvSpPr txBox="1"/>
+          <p:nvPr/>
+        </p:nvSpPr>
+        <p:spPr>
+          <a:xfrm>
+            <a:off x="3896507" y="3754904"/>
+            <a:ext cx="477910" cy="323165"/>
+          </a:xfrm>
+          <a:prstGeom prst="rect">
+            <a:avLst/>
+          </a:prstGeom>
+          <a:noFill/>
+        </p:spPr>
+        <p:txBody>
+          <a:bodyPr wrap="square" rtlCol="0">
+            <a:spAutoFit/>
+          </a:bodyPr>
+          <a:lstStyle/>
+          <a:p>
+            <a:r>
+              <a:rPr lang="en-US" sz="1500" dirty="0" smtClean="0">
+                <a:solidFill>
+                  <a:schemeClr val="tx1"/>
+                </a:solidFill>
+                <a:latin typeface="Cambria" panose="02040503050406030204" pitchFamily="18" charset="0"/>
+              </a:rPr>
+              <a:t>1</a:t>
+            </a:r>
+            <a:endParaRPr lang="en-US" sz="1500" dirty="0">
+              <a:solidFill>
+                <a:schemeClr val="tx1"/>
+              </a:solidFill>
+              <a:latin typeface="Cambria" panose="02040503050406030204" pitchFamily="18" charset="0"/>
+            </a:endParaRPr>
+          </a:p>
+        </p:txBody>
+      </p:sp>
+      <p:sp>
+        <p:nvSpPr>
+          <p:cNvPr id="19" name="TextBox 18"/>
+          <p:cNvSpPr txBox="1"/>
+          <p:nvPr/>
+        </p:nvSpPr>
+        <p:spPr>
+          <a:xfrm>
+            <a:off x="3912459" y="2742688"/>
+            <a:ext cx="477910" cy="323165"/>
+          </a:xfrm>
+          <a:prstGeom prst="rect">
+            <a:avLst/>
+          </a:prstGeom>
+          <a:noFill/>
+        </p:spPr>
+        <p:txBody>
+          <a:bodyPr wrap="square" rtlCol="0">
+            <a:spAutoFit/>
+          </a:bodyPr>
+          <a:lstStyle/>
+          <a:p>
+            <a:r>
+              <a:rPr lang="en-US" sz="1500" dirty="0" smtClean="0">
+                <a:solidFill>
+                  <a:schemeClr val="tx1"/>
+                </a:solidFill>
+                <a:latin typeface="Cambria" panose="02040503050406030204" pitchFamily="18" charset="0"/>
+              </a:rPr>
+              <a:t>2</a:t>
+            </a:r>
+            <a:endParaRPr lang="en-US" sz="1500" dirty="0">
+              <a:solidFill>
+                <a:schemeClr val="tx1"/>
+              </a:solidFill>
+              <a:latin typeface="Cambria" panose="02040503050406030204" pitchFamily="18" charset="0"/>
+            </a:endParaRPr>
+          </a:p>
+        </p:txBody>
+      </p:sp>
+      <p:cxnSp>
+        <p:nvCxnSpPr>
+          <p:cNvPr id="23" name="Straight Arrow Connector 22"/>
+          <p:cNvCxnSpPr/>
+          <p:nvPr/>
+        </p:nvCxnSpPr>
+        <p:spPr bwMode="auto">
+          <a:xfrm flipV="1">
+            <a:off x="2758440" y="4727976"/>
+            <a:ext cx="1910999" cy="2412"/>
+          </a:xfrm>
+          <a:prstGeom prst="straightConnector1">
+            <a:avLst/>
+          </a:prstGeom>
+          <a:solidFill>
+            <a:srgbClr val="00B8FF"/>
+          </a:solidFill>
+          <a:ln w="9525" cap="flat" cmpd="sng" algn="ctr">
+            <a:solidFill>
+              <a:schemeClr val="tx1"/>
+            </a:solidFill>
+            <a:prstDash val="solid"/>
+            <a:round/>
+            <a:headEnd type="triangle"/>
+            <a:tailEnd type="triangle"/>
+          </a:ln>
+          <a:effectLst/>
+        </p:spPr>
+      </p:cxnSp>
+      <mc:AlternateContent xmlns:mc="http://schemas.openxmlformats.org/markup-compatibility/2006">
+        <mc:Choice xmlns:a14="http://schemas.microsoft.com/office/drawing/2010/main" Requires="a14">
+          <p:sp>
+            <p:nvSpPr>
+              <p:cNvPr id="28" name="TextBox 27"/>
+              <p:cNvSpPr txBox="1"/>
+              <p:nvPr/>
+            </p:nvSpPr>
+            <p:spPr>
+              <a:xfrm>
+                <a:off x="3514837" y="4382067"/>
+                <a:ext cx="875532" cy="400110"/>
+              </a:xfrm>
+              <a:prstGeom prst="rect">
+                <a:avLst/>
+              </a:prstGeom>
+              <a:noFill/>
+            </p:spPr>
+            <p:txBody>
+              <a:bodyPr wrap="square" rtlCol="0">
+                <a:spAutoFit/>
+              </a:bodyPr>
+              <a:lstStyle/>
+              <a:p>
+                <a:pPr/>
+                <a14:m>
+                  <m:oMathPara xmlns:m="http://schemas.openxmlformats.org/officeDocument/2006/math">
+                    <m:oMathParaPr>
+                      <m:jc m:val="centerGroup"/>
+                    </m:oMathParaPr>
+                    <m:oMath xmlns:m="http://schemas.openxmlformats.org/officeDocument/2006/math">
+                      <m:r>
+                        <a:rPr lang="en-US" sz="2000" b="0" i="1" smtClean="0">
+                          <a:solidFill>
+                            <a:schemeClr val="tx1"/>
+                          </a:solidFill>
+                          <a:latin typeface="Cambria Math" panose="02040503050406030204" pitchFamily="18" charset="0"/>
+                        </a:rPr>
+                        <m:t>2</m:t>
+                      </m:r>
+                      <m:r>
+                        <m:rPr>
+                          <m:sty m:val="p"/>
+                        </m:rPr>
+                        <a:rPr lang="en-US" sz="2000" b="0" i="0" smtClean="0">
+                          <a:solidFill>
+                            <a:schemeClr val="tx1"/>
+                          </a:solidFill>
+                          <a:latin typeface="Cambria Math" panose="02040503050406030204" pitchFamily="18" charset="0"/>
+                        </a:rPr>
+                        <m:t>Δ</m:t>
+                      </m:r>
+                    </m:oMath>
+                  </m:oMathPara>
+                </a14:m>
+                <a:endParaRPr lang="en-US" sz="2000" dirty="0">
+                  <a:solidFill>
+                    <a:schemeClr val="tx1"/>
+                  </a:solidFill>
+                  <a:latin typeface="Cambria" panose="02040503050406030204" pitchFamily="18" charset="0"/>
+                </a:endParaRPr>
+              </a:p>
+            </p:txBody>
+          </p:sp>
+        </mc:Choice>
+        <mc:Fallback>
+          <p:sp>
+            <p:nvSpPr>
+              <p:cNvPr id="28" name="TextBox 27"/>
+              <p:cNvSpPr txBox="1">
+                <a:spLocks noRot="1" noChangeAspect="1" noMove="1" noResize="1" noEditPoints="1" noAdjustHandles="1" noChangeArrowheads="1" noChangeShapeType="1" noTextEdit="1"/>
+              </p:cNvSpPr>
+              <p:nvPr/>
+            </p:nvSpPr>
+            <p:spPr>
+              <a:xfrm>
+                <a:off x="3514837" y="4382067"/>
+                <a:ext cx="875532" cy="400110"/>
+              </a:xfrm>
+              <a:prstGeom prst="rect">
+                <a:avLst/>
+              </a:prstGeom>
+              <a:blipFill rotWithShape="0">
+                <a:blip r:embed="rId5"/>
+                <a:stretch>
+                  <a:fillRect/>
+                </a:stretch>
+              </a:blipFill>
+            </p:spPr>
+            <p:txBody>
+              <a:bodyPr/>
+              <a:lstStyle/>
+              <a:p>
+                <a:r>
+                  <a:rPr lang="en-US">
+                    <a:noFill/>
+                  </a:rPr>
+                  <a:t> </a:t>
+                </a:r>
+              </a:p>
+            </p:txBody>
+          </p:sp>
+        </mc:Fallback>
+      </mc:AlternateContent>
+      <p:cxnSp>
+        <p:nvCxnSpPr>
+          <p:cNvPr id="29" name="Straight Arrow Connector 28"/>
+          <p:cNvCxnSpPr/>
+          <p:nvPr/>
+        </p:nvCxnSpPr>
+        <p:spPr bwMode="auto">
+          <a:xfrm flipV="1">
+            <a:off x="4669439" y="4723151"/>
+            <a:ext cx="934436" cy="4825"/>
+          </a:xfrm>
+          <a:prstGeom prst="straightConnector1">
+            <a:avLst/>
+          </a:prstGeom>
+          <a:solidFill>
+            <a:srgbClr val="00B8FF"/>
+          </a:solidFill>
+          <a:ln w="9525" cap="flat" cmpd="sng" algn="ctr">
+            <a:solidFill>
+              <a:schemeClr val="tx1"/>
+            </a:solidFill>
+            <a:prstDash val="solid"/>
+            <a:round/>
+            <a:headEnd type="triangle"/>
+            <a:tailEnd type="triangle"/>
+          </a:ln>
+          <a:effectLst/>
+        </p:spPr>
+      </p:cxnSp>
+      <mc:AlternateContent xmlns:mc="http://schemas.openxmlformats.org/markup-compatibility/2006">
+        <mc:Choice xmlns:a14="http://schemas.microsoft.com/office/drawing/2010/main" Requires="a14">
+          <p:sp>
+            <p:nvSpPr>
+              <p:cNvPr id="30" name="TextBox 29"/>
+              <p:cNvSpPr txBox="1"/>
+              <p:nvPr/>
+            </p:nvSpPr>
+            <p:spPr>
+              <a:xfrm>
+                <a:off x="4675865" y="4387414"/>
+                <a:ext cx="875532" cy="400110"/>
+              </a:xfrm>
+              <a:prstGeom prst="rect">
+                <a:avLst/>
+              </a:prstGeom>
+              <a:noFill/>
+            </p:spPr>
+            <p:txBody>
+              <a:bodyPr wrap="square" rtlCol="0">
+                <a:spAutoFit/>
+              </a:bodyPr>
+              <a:lstStyle/>
+              <a:p>
+                <a:pPr/>
+                <a14:m>
+                  <m:oMathPara xmlns:m="http://schemas.openxmlformats.org/officeDocument/2006/math">
+                    <m:oMathParaPr>
+                      <m:jc m:val="centerGroup"/>
+                    </m:oMathParaPr>
+                    <m:oMath xmlns:m="http://schemas.openxmlformats.org/officeDocument/2006/math">
+                      <m:r>
+                        <a:rPr lang="en-US" sz="2000" b="0" i="1" smtClean="0">
+                          <a:solidFill>
+                            <a:schemeClr val="tx1"/>
+                          </a:solidFill>
+                          <a:latin typeface="Cambria Math" panose="02040503050406030204" pitchFamily="18" charset="0"/>
+                        </a:rPr>
+                        <m:t>2</m:t>
+                      </m:r>
+                      <m:r>
+                        <m:rPr>
+                          <m:sty m:val="p"/>
+                        </m:rPr>
+                        <a:rPr lang="en-US" sz="2000" b="0" i="0" smtClean="0">
+                          <a:solidFill>
+                            <a:schemeClr val="tx1"/>
+                          </a:solidFill>
+                          <a:latin typeface="Cambria Math" panose="02040503050406030204" pitchFamily="18" charset="0"/>
+                        </a:rPr>
+                        <m:t>S</m:t>
+                      </m:r>
+                    </m:oMath>
+                  </m:oMathPara>
+                </a14:m>
+                <a:endParaRPr lang="en-US" sz="2000" dirty="0">
+                  <a:solidFill>
+                    <a:schemeClr val="tx1"/>
+                  </a:solidFill>
+                  <a:latin typeface="Cambria" panose="02040503050406030204" pitchFamily="18" charset="0"/>
+                </a:endParaRPr>
+              </a:p>
+            </p:txBody>
+          </p:sp>
+        </mc:Choice>
+        <mc:Fallback>
+          <p:sp>
+            <p:nvSpPr>
+              <p:cNvPr id="30" name="TextBox 29"/>
+              <p:cNvSpPr txBox="1">
+                <a:spLocks noRot="1" noChangeAspect="1" noMove="1" noResize="1" noEditPoints="1" noAdjustHandles="1" noChangeArrowheads="1" noChangeShapeType="1" noTextEdit="1"/>
+              </p:cNvSpPr>
+              <p:nvPr/>
+            </p:nvSpPr>
+            <p:spPr>
+              <a:xfrm>
+                <a:off x="4675865" y="4387414"/>
+                <a:ext cx="875532" cy="400110"/>
+              </a:xfrm>
+              <a:prstGeom prst="rect">
+                <a:avLst/>
+              </a:prstGeom>
+              <a:blipFill rotWithShape="0">
+                <a:blip r:embed="rId6"/>
+                <a:stretch>
+                  <a:fillRect/>
+                </a:stretch>
+              </a:blipFill>
+            </p:spPr>
+            <p:txBody>
+              <a:bodyPr/>
+              <a:lstStyle/>
+              <a:p>
+                <a:r>
+                  <a:rPr lang="en-US">
+                    <a:noFill/>
+                  </a:rPr>
+                  <a:t> </a:t>
+                </a:r>
+              </a:p>
+            </p:txBody>
+          </p:sp>
+        </mc:Fallback>
+      </mc:AlternateContent>
     </p:spTree>
     <p:extLst>
       <p:ext uri="{BB962C8B-B14F-4D97-AF65-F5344CB8AC3E}">
@@ -14459,8 +14869,8 @@
           </mc:Fallback>
         </mc:AlternateContent>
       </p:grpSp>
-      <mc:AlternateContent xmlns:mc="http://schemas.openxmlformats.org/markup-compatibility/2006">
-        <mc:Choice xmlns:a14="http://schemas.microsoft.com/office/drawing/2010/main" Requires="a14">
+      <mc:AlternateContent xmlns:mc="http://schemas.openxmlformats.org/markup-compatibility/2006" xmlns:a14="http://schemas.microsoft.com/office/drawing/2010/main">
+        <mc:Choice Requires="a14">
           <p:sp>
             <p:nvSpPr>
               <p:cNvPr id="18" name="TextBox 17"/>
@@ -14537,7 +14947,7 @@
             </p:txBody>
           </p:sp>
         </mc:Choice>
-        <mc:Fallback>
+        <mc:Fallback xmlns="">
           <p:sp>
             <p:nvSpPr>
               <p:cNvPr id="18" name="TextBox 17"/>
@@ -14576,8 +14986,8 @@
           </p:sp>
         </mc:Fallback>
       </mc:AlternateContent>
-      <mc:AlternateContent xmlns:mc="http://schemas.openxmlformats.org/markup-compatibility/2006">
-        <mc:Choice xmlns:a14="http://schemas.microsoft.com/office/drawing/2010/main" Requires="a14">
+      <mc:AlternateContent xmlns:mc="http://schemas.openxmlformats.org/markup-compatibility/2006" xmlns:a14="http://schemas.microsoft.com/office/drawing/2010/main">
+        <mc:Choice Requires="a14">
           <p:sp>
             <p:nvSpPr>
               <p:cNvPr id="55" name="TextBox 54"/>
@@ -14666,7 +15076,7 @@
             </p:txBody>
           </p:sp>
         </mc:Choice>
-        <mc:Fallback>
+        <mc:Fallback xmlns="">
           <p:sp>
             <p:nvSpPr>
               <p:cNvPr id="55" name="TextBox 54"/>

--- a/Figures/Figures.pptx
+++ b/Figures/Figures.pptx
@@ -5,7 +5,7 @@
     <p:sldMasterId id="2147483648" r:id="rId1"/>
   </p:sldMasterIdLst>
   <p:notesMasterIdLst>
-    <p:notesMasterId r:id="rId15"/>
+    <p:notesMasterId r:id="rId17"/>
   </p:notesMasterIdLst>
   <p:sldIdLst>
     <p:sldId id="337" r:id="rId2"/>
@@ -21,6 +21,8 @@
     <p:sldId id="351" r:id="rId12"/>
     <p:sldId id="352" r:id="rId13"/>
     <p:sldId id="353" r:id="rId14"/>
+    <p:sldId id="356" r:id="rId15"/>
+    <p:sldId id="355" r:id="rId16"/>
   </p:sldIdLst>
   <p:sldSz cx="9144000" cy="6858000" type="screen4x3"/>
   <p:notesSz cx="6797675" cy="9928225"/>
@@ -9305,6 +9307,2530 @@
 </p:sld>
 </file>
 
+<file path=ppt/slides/slide14.xml><?xml version="1.0" encoding="utf-8"?>
+<p:sld xmlns:a="http://schemas.openxmlformats.org/drawingml/2006/main" xmlns:r="http://schemas.openxmlformats.org/officeDocument/2006/relationships" xmlns:p="http://schemas.openxmlformats.org/presentationml/2006/main">
+  <p:cSld>
+    <p:spTree>
+      <p:nvGrpSpPr>
+        <p:cNvPr id="1" name=""/>
+        <p:cNvGrpSpPr/>
+        <p:nvPr/>
+      </p:nvGrpSpPr>
+      <p:grpSpPr>
+        <a:xfrm>
+          <a:off x="0" y="0"/>
+          <a:ext cx="0" cy="0"/>
+          <a:chOff x="0" y="0"/>
+          <a:chExt cx="0" cy="0"/>
+        </a:xfrm>
+      </p:grpSpPr>
+      <p:sp>
+        <p:nvSpPr>
+          <p:cNvPr id="2" name="Rectangle 6"/>
+          <p:cNvSpPr>
+            <a:spLocks noChangeArrowheads="1"/>
+          </p:cNvSpPr>
+          <p:nvPr/>
+        </p:nvSpPr>
+        <p:spPr bwMode="auto">
+          <a:xfrm>
+            <a:off x="2288109" y="1742904"/>
+            <a:ext cx="3889587" cy="3459902"/>
+          </a:xfrm>
+          <a:prstGeom prst="rect">
+            <a:avLst/>
+          </a:prstGeom>
+          <a:noFill/>
+          <a:ln w="9360">
+            <a:solidFill>
+              <a:srgbClr val="000000"/>
+            </a:solidFill>
+            <a:miter lim="800000"/>
+            <a:headEnd/>
+            <a:tailEnd/>
+          </a:ln>
+          <a:extLst>
+            <a:ext uri="{909E8E84-426E-40DD-AFC4-6F175D3DCCD1}">
+              <a14:hiddenFill xmlns:a14="http://schemas.microsoft.com/office/drawing/2010/main">
+                <a:solidFill>
+                  <a:srgbClr val="FFFFFF"/>
+                </a:solidFill>
+              </a14:hiddenFill>
+            </a:ext>
+          </a:extLst>
+        </p:spPr>
+        <p:txBody>
+          <a:bodyPr wrap="none" anchor="ctr"/>
+          <a:lstStyle/>
+          <a:p>
+            <a:pPr eaLnBrk="1" hangingPunct="1">
+              <a:buClr>
+                <a:srgbClr val="000000"/>
+              </a:buClr>
+              <a:buSzPct val="100000"/>
+              <a:buFont typeface="Times New Roman" panose="02020603050405020304" pitchFamily="18" charset="0"/>
+              <a:buNone/>
+            </a:pPr>
+            <a:endParaRPr lang="en-US" altLang="en-US"/>
+          </a:p>
+        </p:txBody>
+      </p:sp>
+      <p:pic>
+        <p:nvPicPr>
+          <p:cNvPr id="3" name="Picture 2"/>
+          <p:cNvPicPr>
+            <a:picLocks noChangeAspect="1"/>
+          </p:cNvPicPr>
+          <p:nvPr/>
+        </p:nvPicPr>
+        <p:blipFill>
+          <a:blip r:embed="rId2">
+            <a:extLst>
+              <a:ext uri="{28A0092B-C50C-407E-A947-70E740481C1C}">
+                <a14:useLocalDpi xmlns:a14="http://schemas.microsoft.com/office/drawing/2010/main" val="0"/>
+              </a:ext>
+            </a:extLst>
+          </a:blip>
+          <a:stretch>
+            <a:fillRect/>
+          </a:stretch>
+        </p:blipFill>
+        <p:spPr>
+          <a:xfrm>
+            <a:off x="2407722" y="2288147"/>
+            <a:ext cx="3650359" cy="2795712"/>
+          </a:xfrm>
+          <a:prstGeom prst="rect">
+            <a:avLst/>
+          </a:prstGeom>
+        </p:spPr>
+      </p:pic>
+      <mc:AlternateContent xmlns:mc="http://schemas.openxmlformats.org/markup-compatibility/2006" xmlns:a14="http://schemas.microsoft.com/office/drawing/2010/main">
+        <mc:Choice Requires="a14">
+          <p:sp>
+            <p:nvSpPr>
+              <p:cNvPr id="13" name="TextBox 12"/>
+              <p:cNvSpPr txBox="1"/>
+              <p:nvPr/>
+            </p:nvSpPr>
+            <p:spPr>
+              <a:xfrm rot="5400000">
+                <a:off x="3887937" y="2676305"/>
+                <a:ext cx="1207412" cy="400110"/>
+              </a:xfrm>
+              <a:prstGeom prst="rect">
+                <a:avLst/>
+              </a:prstGeom>
+              <a:noFill/>
+            </p:spPr>
+            <p:txBody>
+              <a:bodyPr wrap="square" rtlCol="0">
+                <a:spAutoFit/>
+              </a:bodyPr>
+              <a:lstStyle/>
+              <a:p>
+                <a:pPr/>
+                <a14:m>
+                  <m:oMathPara xmlns:m="http://schemas.openxmlformats.org/officeDocument/2006/math">
+                    <m:oMathParaPr>
+                      <m:jc m:val="centerGroup"/>
+                    </m:oMathParaPr>
+                    <m:oMath xmlns:m="http://schemas.openxmlformats.org/officeDocument/2006/math">
+                      <m:sSub>
+                        <m:sSubPr>
+                          <m:ctrlPr>
+                            <a:rPr lang="en-US" sz="2000" b="0" i="1" smtClean="0">
+                              <a:solidFill>
+                                <a:schemeClr val="tx1"/>
+                              </a:solidFill>
+                              <a:latin typeface="Cambria Math" panose="02040503050406030204" pitchFamily="18" charset="0"/>
+                            </a:rPr>
+                          </m:ctrlPr>
+                        </m:sSubPr>
+                        <m:e>
+                          <m:r>
+                            <a:rPr lang="en-US" sz="2000" b="0" i="1" smtClean="0">
+                              <a:solidFill>
+                                <a:schemeClr val="tx1"/>
+                              </a:solidFill>
+                              <a:latin typeface="Cambria Math" panose="02040503050406030204" pitchFamily="18" charset="0"/>
+                            </a:rPr>
+                            <m:t>𝜌</m:t>
+                          </m:r>
+                        </m:e>
+                        <m:sub>
+                          <m:r>
+                            <a:rPr lang="en-US" sz="2000" b="0" i="1" smtClean="0">
+                              <a:solidFill>
+                                <a:schemeClr val="tx1"/>
+                              </a:solidFill>
+                              <a:latin typeface="Cambria Math" panose="02040503050406030204" pitchFamily="18" charset="0"/>
+                            </a:rPr>
+                            <m:t>𝑠</m:t>
+                          </m:r>
+                        </m:sub>
+                      </m:sSub>
+                      <m:r>
+                        <a:rPr lang="en-US" sz="2000" b="0" i="1" smtClean="0">
+                          <a:solidFill>
+                            <a:schemeClr val="tx1"/>
+                          </a:solidFill>
+                          <a:latin typeface="Cambria Math" panose="02040503050406030204" pitchFamily="18" charset="0"/>
+                        </a:rPr>
+                        <m:t>(</m:t>
+                      </m:r>
+                      <m:r>
+                        <a:rPr lang="en-US" sz="2000" b="0" i="1" smtClean="0">
+                          <a:solidFill>
+                            <a:schemeClr val="tx1"/>
+                          </a:solidFill>
+                          <a:latin typeface="Cambria Math" panose="02040503050406030204" pitchFamily="18" charset="0"/>
+                        </a:rPr>
+                        <m:t>𝜔</m:t>
+                      </m:r>
+                      <m:r>
+                        <a:rPr lang="en-US" sz="2000" b="0" i="1" smtClean="0">
+                          <a:solidFill>
+                            <a:schemeClr val="tx1"/>
+                          </a:solidFill>
+                          <a:latin typeface="Cambria Math" panose="02040503050406030204" pitchFamily="18" charset="0"/>
+                        </a:rPr>
+                        <m:t>)/</m:t>
+                      </m:r>
+                      <m:sSub>
+                        <m:sSubPr>
+                          <m:ctrlPr>
+                            <a:rPr lang="en-US" sz="2000" b="0" i="1" smtClean="0">
+                              <a:solidFill>
+                                <a:schemeClr val="tx1"/>
+                              </a:solidFill>
+                              <a:latin typeface="Cambria Math" panose="02040503050406030204" pitchFamily="18" charset="0"/>
+                            </a:rPr>
+                          </m:ctrlPr>
+                        </m:sSubPr>
+                        <m:e>
+                          <m:r>
+                            <a:rPr lang="en-US" sz="2000" b="0" i="1" smtClean="0">
+                              <a:solidFill>
+                                <a:schemeClr val="tx1"/>
+                              </a:solidFill>
+                              <a:latin typeface="Cambria Math" panose="02040503050406030204" pitchFamily="18" charset="0"/>
+                            </a:rPr>
+                            <m:t>𝜌</m:t>
+                          </m:r>
+                        </m:e>
+                        <m:sub>
+                          <m:r>
+                            <a:rPr lang="en-US" sz="2000" b="0" i="1" smtClean="0">
+                              <a:solidFill>
+                                <a:schemeClr val="tx1"/>
+                              </a:solidFill>
+                              <a:latin typeface="Cambria Math" panose="02040503050406030204" pitchFamily="18" charset="0"/>
+                            </a:rPr>
+                            <m:t>0</m:t>
+                          </m:r>
+                        </m:sub>
+                      </m:sSub>
+                    </m:oMath>
+                  </m:oMathPara>
+                </a14:m>
+                <a:endParaRPr lang="en-US" sz="2000" dirty="0">
+                  <a:solidFill>
+                    <a:schemeClr val="tx1"/>
+                  </a:solidFill>
+                  <a:latin typeface="Cambria" panose="02040503050406030204" pitchFamily="18" charset="0"/>
+                </a:endParaRPr>
+              </a:p>
+            </p:txBody>
+          </p:sp>
+        </mc:Choice>
+        <mc:Fallback xmlns="">
+          <p:sp>
+            <p:nvSpPr>
+              <p:cNvPr id="13" name="TextBox 12"/>
+              <p:cNvSpPr txBox="1">
+                <a:spLocks noRot="1" noChangeAspect="1" noMove="1" noResize="1" noEditPoints="1" noAdjustHandles="1" noChangeArrowheads="1" noChangeShapeType="1" noTextEdit="1"/>
+              </p:cNvSpPr>
+              <p:nvPr/>
+            </p:nvSpPr>
+            <p:spPr>
+              <a:xfrm rot="5400000">
+                <a:off x="3887937" y="2676305"/>
+                <a:ext cx="1207412" cy="400110"/>
+              </a:xfrm>
+              <a:prstGeom prst="rect">
+                <a:avLst/>
+              </a:prstGeom>
+              <a:blipFill rotWithShape="0">
+                <a:blip r:embed="rId3"/>
+                <a:stretch>
+                  <a:fillRect l="-18182"/>
+                </a:stretch>
+              </a:blipFill>
+            </p:spPr>
+            <p:txBody>
+              <a:bodyPr/>
+              <a:lstStyle/>
+              <a:p>
+                <a:r>
+                  <a:rPr lang="en-US">
+                    <a:noFill/>
+                  </a:rPr>
+                  <a:t> </a:t>
+                </a:r>
+              </a:p>
+            </p:txBody>
+          </p:sp>
+        </mc:Fallback>
+      </mc:AlternateContent>
+      <p:grpSp>
+        <p:nvGrpSpPr>
+          <p:cNvPr id="15" name="Group 14"/>
+          <p:cNvGrpSpPr/>
+          <p:nvPr/>
+        </p:nvGrpSpPr>
+        <p:grpSpPr>
+          <a:xfrm>
+            <a:off x="3750485" y="4807582"/>
+            <a:ext cx="1098550" cy="400110"/>
+            <a:chOff x="4580189" y="4761926"/>
+            <a:chExt cx="1098550" cy="400110"/>
+          </a:xfrm>
+        </p:grpSpPr>
+        <p:sp>
+          <p:nvSpPr>
+            <p:cNvPr id="14" name="Rectangle 13"/>
+            <p:cNvSpPr/>
+            <p:nvPr/>
+          </p:nvSpPr>
+          <p:spPr bwMode="auto">
+            <a:xfrm>
+              <a:off x="4580189" y="4864099"/>
+              <a:ext cx="1098550" cy="293051"/>
+            </a:xfrm>
+            <a:prstGeom prst="rect">
+              <a:avLst/>
+            </a:prstGeom>
+            <a:solidFill>
+              <a:schemeClr val="bg1"/>
+            </a:solidFill>
+            <a:ln w="9525" cap="flat" cmpd="sng" algn="ctr">
+              <a:solidFill>
+                <a:schemeClr val="bg1"/>
+              </a:solidFill>
+              <a:prstDash val="solid"/>
+              <a:round/>
+              <a:headEnd type="none" w="med" len="med"/>
+              <a:tailEnd type="none" w="med" len="med"/>
+            </a:ln>
+            <a:effectLst/>
+          </p:spPr>
+          <p:txBody>
+            <a:bodyPr vert="horz" wrap="square" lIns="91440" tIns="45720" rIns="91440" bIns="45720" numCol="1" rtlCol="0" anchor="t" anchorCtr="0" compatLnSpc="1">
+              <a:prstTxWarp prst="textNoShape">
+                <a:avLst/>
+              </a:prstTxWarp>
+            </a:bodyPr>
+            <a:lstStyle/>
+            <a:p>
+              <a:pPr marL="0" marR="0" indent="0" algn="l" defTabSz="457200" rtl="0" eaLnBrk="1" fontAlgn="base" latinLnBrk="0" hangingPunct="1">
+                <a:lnSpc>
+                  <a:spcPct val="100000"/>
+                </a:lnSpc>
+                <a:spcBef>
+                  <a:spcPct val="0"/>
+                </a:spcBef>
+                <a:spcAft>
+                  <a:spcPct val="0"/>
+                </a:spcAft>
+                <a:buClr>
+                  <a:srgbClr val="000000"/>
+                </a:buClr>
+                <a:buSzPct val="100000"/>
+                <a:buFont typeface="Times New Roman" pitchFamily="16" charset="0"/>
+                <a:buNone/>
+                <a:tabLst/>
+              </a:pPr>
+              <a:endParaRPr kumimoji="0" lang="en-US" sz="1800" b="0" i="0" u="none" strike="noStrike" cap="none" normalizeH="0" baseline="0" smtClean="0">
+                <a:ln>
+                  <a:noFill/>
+                </a:ln>
+                <a:solidFill>
+                  <a:schemeClr val="bg1"/>
+                </a:solidFill>
+                <a:effectLst/>
+                <a:latin typeface="Arial" charset="0"/>
+              </a:endParaRPr>
+            </a:p>
+          </p:txBody>
+        </p:sp>
+        <mc:AlternateContent xmlns:mc="http://schemas.openxmlformats.org/markup-compatibility/2006" xmlns:a14="http://schemas.microsoft.com/office/drawing/2010/main">
+          <mc:Choice Requires="a14">
+            <p:sp>
+              <p:nvSpPr>
+                <p:cNvPr id="4" name="TextBox 3"/>
+                <p:cNvSpPr txBox="1"/>
+                <p:nvPr/>
+              </p:nvSpPr>
+              <p:spPr>
+                <a:xfrm>
+                  <a:off x="4624840" y="4761926"/>
+                  <a:ext cx="875532" cy="400110"/>
+                </a:xfrm>
+                <a:prstGeom prst="rect">
+                  <a:avLst/>
+                </a:prstGeom>
+                <a:noFill/>
+              </p:spPr>
+              <p:txBody>
+                <a:bodyPr wrap="square" rtlCol="0">
+                  <a:spAutoFit/>
+                </a:bodyPr>
+                <a:lstStyle/>
+                <a:p>
+                  <a:pPr/>
+                  <a14:m>
+                    <m:oMathPara xmlns:m="http://schemas.openxmlformats.org/officeDocument/2006/math">
+                      <m:oMathParaPr>
+                        <m:jc m:val="centerGroup"/>
+                      </m:oMathParaPr>
+                      <m:oMath xmlns:m="http://schemas.openxmlformats.org/officeDocument/2006/math">
+                        <m:r>
+                          <a:rPr lang="en-US" sz="2000" b="0" i="1" smtClean="0">
+                            <a:solidFill>
+                              <a:schemeClr val="tx1"/>
+                            </a:solidFill>
+                            <a:latin typeface="Cambria Math" panose="02040503050406030204" pitchFamily="18" charset="0"/>
+                          </a:rPr>
+                          <m:t>𝜔</m:t>
+                        </m:r>
+                        <m:r>
+                          <a:rPr lang="en-US" sz="2000" b="0" i="1" smtClean="0">
+                            <a:solidFill>
+                              <a:schemeClr val="tx1"/>
+                            </a:solidFill>
+                            <a:latin typeface="Cambria Math" panose="02040503050406030204" pitchFamily="18" charset="0"/>
+                          </a:rPr>
+                          <m:t>/</m:t>
+                        </m:r>
+                        <m:r>
+                          <m:rPr>
+                            <m:sty m:val="p"/>
+                          </m:rPr>
+                          <a:rPr lang="en-US" sz="2000" b="0" i="0" smtClean="0">
+                            <a:solidFill>
+                              <a:schemeClr val="tx1"/>
+                            </a:solidFill>
+                            <a:latin typeface="Cambria Math" panose="02040503050406030204" pitchFamily="18" charset="0"/>
+                          </a:rPr>
+                          <m:t>Δ</m:t>
+                        </m:r>
+                      </m:oMath>
+                    </m:oMathPara>
+                  </a14:m>
+                  <a:endParaRPr lang="en-US" sz="2000" dirty="0">
+                    <a:solidFill>
+                      <a:schemeClr val="tx1"/>
+                    </a:solidFill>
+                    <a:latin typeface="Cambria" panose="02040503050406030204" pitchFamily="18" charset="0"/>
+                  </a:endParaRPr>
+                </a:p>
+              </p:txBody>
+            </p:sp>
+          </mc:Choice>
+          <mc:Fallback xmlns="">
+            <p:sp>
+              <p:nvSpPr>
+                <p:cNvPr id="4" name="TextBox 3"/>
+                <p:cNvSpPr txBox="1">
+                  <a:spLocks noRot="1" noChangeAspect="1" noMove="1" noResize="1" noEditPoints="1" noAdjustHandles="1" noChangeArrowheads="1" noChangeShapeType="1" noTextEdit="1"/>
+                </p:cNvSpPr>
+                <p:nvPr/>
+              </p:nvSpPr>
+              <p:spPr>
+                <a:xfrm>
+                  <a:off x="4624840" y="4761926"/>
+                  <a:ext cx="875532" cy="400110"/>
+                </a:xfrm>
+                <a:prstGeom prst="rect">
+                  <a:avLst/>
+                </a:prstGeom>
+                <a:blipFill rotWithShape="0">
+                  <a:blip r:embed="rId4"/>
+                  <a:stretch>
+                    <a:fillRect b="-18462"/>
+                  </a:stretch>
+                </a:blipFill>
+              </p:spPr>
+              <p:txBody>
+                <a:bodyPr/>
+                <a:lstStyle/>
+                <a:p>
+                  <a:r>
+                    <a:rPr lang="en-US">
+                      <a:noFill/>
+                    </a:rPr>
+                    <a:t> </a:t>
+                  </a:r>
+                </a:p>
+              </p:txBody>
+            </p:sp>
+          </mc:Fallback>
+        </mc:AlternateContent>
+      </p:grpSp>
+      <p:cxnSp>
+        <p:nvCxnSpPr>
+          <p:cNvPr id="8" name="Straight Arrow Connector 7"/>
+          <p:cNvCxnSpPr/>
+          <p:nvPr/>
+        </p:nvCxnSpPr>
+        <p:spPr bwMode="auto">
+          <a:xfrm flipV="1">
+            <a:off x="5683548" y="3095469"/>
+            <a:ext cx="0" cy="314325"/>
+          </a:xfrm>
+          <a:prstGeom prst="straightConnector1">
+            <a:avLst/>
+          </a:prstGeom>
+          <a:solidFill>
+            <a:srgbClr val="00B8FF"/>
+          </a:solidFill>
+          <a:ln w="34925" cap="flat" cmpd="sng" algn="ctr">
+            <a:solidFill>
+              <a:srgbClr val="0404BC"/>
+            </a:solidFill>
+            <a:prstDash val="solid"/>
+            <a:round/>
+            <a:headEnd type="none" w="med" len="med"/>
+            <a:tailEnd type="triangle"/>
+          </a:ln>
+          <a:effectLst/>
+        </p:spPr>
+      </p:cxnSp>
+      <p:cxnSp>
+        <p:nvCxnSpPr>
+          <p:cNvPr id="9" name="Straight Arrow Connector 8"/>
+          <p:cNvCxnSpPr/>
+          <p:nvPr/>
+        </p:nvCxnSpPr>
+        <p:spPr bwMode="auto">
+          <a:xfrm flipV="1">
+            <a:off x="3660438" y="3102008"/>
+            <a:ext cx="0" cy="314325"/>
+          </a:xfrm>
+          <a:prstGeom prst="straightConnector1">
+            <a:avLst/>
+          </a:prstGeom>
+          <a:solidFill>
+            <a:srgbClr val="00B8FF"/>
+          </a:solidFill>
+          <a:ln w="34925" cap="flat" cmpd="sng" algn="ctr">
+            <a:solidFill>
+              <a:srgbClr val="0404BC"/>
+            </a:solidFill>
+            <a:prstDash val="solid"/>
+            <a:round/>
+            <a:headEnd type="none" w="med" len="med"/>
+            <a:tailEnd type="triangle"/>
+          </a:ln>
+          <a:effectLst/>
+        </p:spPr>
+      </p:cxnSp>
+      <p:cxnSp>
+        <p:nvCxnSpPr>
+          <p:cNvPr id="10" name="Straight Arrow Connector 9"/>
+          <p:cNvCxnSpPr/>
+          <p:nvPr/>
+        </p:nvCxnSpPr>
+        <p:spPr bwMode="auto">
+          <a:xfrm>
+            <a:off x="4826948" y="3095469"/>
+            <a:ext cx="0" cy="320864"/>
+          </a:xfrm>
+          <a:prstGeom prst="straightConnector1">
+            <a:avLst/>
+          </a:prstGeom>
+          <a:solidFill>
+            <a:srgbClr val="00B8FF"/>
+          </a:solidFill>
+          <a:ln w="34925" cap="flat" cmpd="sng" algn="ctr">
+            <a:solidFill>
+              <a:srgbClr val="FF0000"/>
+            </a:solidFill>
+            <a:prstDash val="solid"/>
+            <a:round/>
+            <a:headEnd type="none" w="med" len="med"/>
+            <a:tailEnd type="triangle"/>
+          </a:ln>
+          <a:effectLst/>
+        </p:spPr>
+      </p:cxnSp>
+      <p:cxnSp>
+        <p:nvCxnSpPr>
+          <p:cNvPr id="11" name="Straight Arrow Connector 10"/>
+          <p:cNvCxnSpPr/>
+          <p:nvPr/>
+        </p:nvCxnSpPr>
+        <p:spPr bwMode="auto">
+          <a:xfrm>
+            <a:off x="2757568" y="3102008"/>
+            <a:ext cx="0" cy="320864"/>
+          </a:xfrm>
+          <a:prstGeom prst="straightConnector1">
+            <a:avLst/>
+          </a:prstGeom>
+          <a:solidFill>
+            <a:srgbClr val="00B8FF"/>
+          </a:solidFill>
+          <a:ln w="34925" cap="flat" cmpd="sng" algn="ctr">
+            <a:solidFill>
+              <a:srgbClr val="FF0000"/>
+            </a:solidFill>
+            <a:prstDash val="solid"/>
+            <a:round/>
+            <a:headEnd type="none" w="med" len="med"/>
+            <a:tailEnd type="triangle"/>
+          </a:ln>
+          <a:effectLst/>
+        </p:spPr>
+      </p:cxnSp>
+      <p:cxnSp>
+        <p:nvCxnSpPr>
+          <p:cNvPr id="12" name="Straight Arrow Connector 11"/>
+          <p:cNvCxnSpPr/>
+          <p:nvPr/>
+        </p:nvCxnSpPr>
+        <p:spPr bwMode="auto">
+          <a:xfrm flipV="1">
+            <a:off x="2964778" y="4735918"/>
+            <a:ext cx="1726920" cy="8966"/>
+          </a:xfrm>
+          <a:prstGeom prst="straightConnector1">
+            <a:avLst/>
+          </a:prstGeom>
+          <a:solidFill>
+            <a:srgbClr val="00B8FF"/>
+          </a:solidFill>
+          <a:ln w="9525" cap="flat" cmpd="sng" algn="ctr">
+            <a:solidFill>
+              <a:schemeClr val="tx1"/>
+            </a:solidFill>
+            <a:prstDash val="solid"/>
+            <a:round/>
+            <a:headEnd type="triangle"/>
+            <a:tailEnd type="triangle"/>
+          </a:ln>
+          <a:effectLst/>
+        </p:spPr>
+      </p:cxnSp>
+      <mc:AlternateContent xmlns:mc="http://schemas.openxmlformats.org/markup-compatibility/2006" xmlns:a14="http://schemas.microsoft.com/office/drawing/2010/main">
+        <mc:Choice Requires="a14">
+          <p:sp>
+            <p:nvSpPr>
+              <p:cNvPr id="16" name="TextBox 15"/>
+              <p:cNvSpPr txBox="1"/>
+              <p:nvPr/>
+            </p:nvSpPr>
+            <p:spPr>
+              <a:xfrm>
+                <a:off x="3616111" y="4388254"/>
+                <a:ext cx="875532" cy="400110"/>
+              </a:xfrm>
+              <a:prstGeom prst="rect">
+                <a:avLst/>
+              </a:prstGeom>
+              <a:noFill/>
+            </p:spPr>
+            <p:txBody>
+              <a:bodyPr wrap="square" rtlCol="0">
+                <a:spAutoFit/>
+              </a:bodyPr>
+              <a:lstStyle/>
+              <a:p>
+                <a:pPr/>
+                <a14:m>
+                  <m:oMathPara xmlns:m="http://schemas.openxmlformats.org/officeDocument/2006/math">
+                    <m:oMathParaPr>
+                      <m:jc m:val="centerGroup"/>
+                    </m:oMathParaPr>
+                    <m:oMath xmlns:m="http://schemas.openxmlformats.org/officeDocument/2006/math">
+                      <m:r>
+                        <a:rPr lang="en-US" sz="2000" b="0" i="1" smtClean="0">
+                          <a:solidFill>
+                            <a:schemeClr val="tx1"/>
+                          </a:solidFill>
+                          <a:latin typeface="Cambria Math" panose="02040503050406030204" pitchFamily="18" charset="0"/>
+                        </a:rPr>
+                        <m:t>2</m:t>
+                      </m:r>
+                      <m:r>
+                        <m:rPr>
+                          <m:sty m:val="p"/>
+                        </m:rPr>
+                        <a:rPr lang="en-US" sz="2000" b="0" i="0" smtClean="0">
+                          <a:solidFill>
+                            <a:schemeClr val="tx1"/>
+                          </a:solidFill>
+                          <a:latin typeface="Cambria Math" panose="02040503050406030204" pitchFamily="18" charset="0"/>
+                        </a:rPr>
+                        <m:t>Δ</m:t>
+                      </m:r>
+                    </m:oMath>
+                  </m:oMathPara>
+                </a14:m>
+                <a:endParaRPr lang="en-US" sz="2000" dirty="0">
+                  <a:solidFill>
+                    <a:schemeClr val="tx1"/>
+                  </a:solidFill>
+                  <a:latin typeface="Cambria" panose="02040503050406030204" pitchFamily="18" charset="0"/>
+                </a:endParaRPr>
+              </a:p>
+            </p:txBody>
+          </p:sp>
+        </mc:Choice>
+        <mc:Fallback xmlns="">
+          <p:sp>
+            <p:nvSpPr>
+              <p:cNvPr id="16" name="TextBox 15"/>
+              <p:cNvSpPr txBox="1">
+                <a:spLocks noRot="1" noChangeAspect="1" noMove="1" noResize="1" noEditPoints="1" noAdjustHandles="1" noChangeArrowheads="1" noChangeShapeType="1" noTextEdit="1"/>
+              </p:cNvSpPr>
+              <p:nvPr/>
+            </p:nvSpPr>
+            <p:spPr>
+              <a:xfrm>
+                <a:off x="3616111" y="4388254"/>
+                <a:ext cx="875532" cy="400110"/>
+              </a:xfrm>
+              <a:prstGeom prst="rect">
+                <a:avLst/>
+              </a:prstGeom>
+              <a:blipFill rotWithShape="0">
+                <a:blip r:embed="rId5"/>
+                <a:stretch>
+                  <a:fillRect/>
+                </a:stretch>
+              </a:blipFill>
+            </p:spPr>
+            <p:txBody>
+              <a:bodyPr/>
+              <a:lstStyle/>
+              <a:p>
+                <a:r>
+                  <a:rPr lang="en-US">
+                    <a:noFill/>
+                  </a:rPr>
+                  <a:t> </a:t>
+                </a:r>
+              </a:p>
+            </p:txBody>
+          </p:sp>
+        </mc:Fallback>
+      </mc:AlternateContent>
+      <p:cxnSp>
+        <p:nvCxnSpPr>
+          <p:cNvPr id="17" name="Straight Arrow Connector 16"/>
+          <p:cNvCxnSpPr/>
+          <p:nvPr/>
+        </p:nvCxnSpPr>
+        <p:spPr bwMode="auto">
+          <a:xfrm flipV="1">
+            <a:off x="4670668" y="4730387"/>
+            <a:ext cx="906800" cy="9650"/>
+          </a:xfrm>
+          <a:prstGeom prst="straightConnector1">
+            <a:avLst/>
+          </a:prstGeom>
+          <a:solidFill>
+            <a:srgbClr val="00B8FF"/>
+          </a:solidFill>
+          <a:ln w="9525" cap="flat" cmpd="sng" algn="ctr">
+            <a:solidFill>
+              <a:schemeClr val="tx1"/>
+            </a:solidFill>
+            <a:prstDash val="solid"/>
+            <a:round/>
+            <a:headEnd type="triangle"/>
+            <a:tailEnd type="triangle"/>
+          </a:ln>
+          <a:effectLst/>
+        </p:spPr>
+      </p:cxnSp>
+      <mc:AlternateContent xmlns:mc="http://schemas.openxmlformats.org/markup-compatibility/2006" xmlns:a14="http://schemas.microsoft.com/office/drawing/2010/main">
+        <mc:Choice Requires="a14">
+          <p:sp>
+            <p:nvSpPr>
+              <p:cNvPr id="18" name="TextBox 17"/>
+              <p:cNvSpPr txBox="1"/>
+              <p:nvPr/>
+            </p:nvSpPr>
+            <p:spPr>
+              <a:xfrm>
+                <a:off x="4761743" y="4388254"/>
+                <a:ext cx="875532" cy="400110"/>
+              </a:xfrm>
+              <a:prstGeom prst="rect">
+                <a:avLst/>
+              </a:prstGeom>
+              <a:noFill/>
+            </p:spPr>
+            <p:txBody>
+              <a:bodyPr wrap="square" rtlCol="0">
+                <a:spAutoFit/>
+              </a:bodyPr>
+              <a:lstStyle/>
+              <a:p>
+                <a:pPr/>
+                <a14:m>
+                  <m:oMathPara xmlns:m="http://schemas.openxmlformats.org/officeDocument/2006/math">
+                    <m:oMathParaPr>
+                      <m:jc m:val="centerGroup"/>
+                    </m:oMathParaPr>
+                    <m:oMath xmlns:m="http://schemas.openxmlformats.org/officeDocument/2006/math">
+                      <m:r>
+                        <a:rPr lang="en-US" sz="2000" b="0" i="1" smtClean="0">
+                          <a:solidFill>
+                            <a:schemeClr val="tx1"/>
+                          </a:solidFill>
+                          <a:latin typeface="Cambria Math" panose="02040503050406030204" pitchFamily="18" charset="0"/>
+                        </a:rPr>
+                        <m:t>2</m:t>
+                      </m:r>
+                      <m:r>
+                        <m:rPr>
+                          <m:sty m:val="p"/>
+                        </m:rPr>
+                        <a:rPr lang="en-US" sz="2000" b="0" i="0" smtClean="0">
+                          <a:solidFill>
+                            <a:schemeClr val="tx1"/>
+                          </a:solidFill>
+                          <a:latin typeface="Cambria Math" panose="02040503050406030204" pitchFamily="18" charset="0"/>
+                        </a:rPr>
+                        <m:t>S</m:t>
+                      </m:r>
+                    </m:oMath>
+                  </m:oMathPara>
+                </a14:m>
+                <a:endParaRPr lang="en-US" sz="2000" dirty="0">
+                  <a:solidFill>
+                    <a:schemeClr val="tx1"/>
+                  </a:solidFill>
+                  <a:latin typeface="Cambria" panose="02040503050406030204" pitchFamily="18" charset="0"/>
+                </a:endParaRPr>
+              </a:p>
+            </p:txBody>
+          </p:sp>
+        </mc:Choice>
+        <mc:Fallback xmlns="">
+          <p:sp>
+            <p:nvSpPr>
+              <p:cNvPr id="18" name="TextBox 17"/>
+              <p:cNvSpPr txBox="1">
+                <a:spLocks noRot="1" noChangeAspect="1" noMove="1" noResize="1" noEditPoints="1" noAdjustHandles="1" noChangeArrowheads="1" noChangeShapeType="1" noTextEdit="1"/>
+              </p:cNvSpPr>
+              <p:nvPr/>
+            </p:nvSpPr>
+            <p:spPr>
+              <a:xfrm>
+                <a:off x="4761743" y="4388254"/>
+                <a:ext cx="875532" cy="400110"/>
+              </a:xfrm>
+              <a:prstGeom prst="rect">
+                <a:avLst/>
+              </a:prstGeom>
+              <a:blipFill rotWithShape="0">
+                <a:blip r:embed="rId6"/>
+                <a:stretch>
+                  <a:fillRect/>
+                </a:stretch>
+              </a:blipFill>
+            </p:spPr>
+            <p:txBody>
+              <a:bodyPr/>
+              <a:lstStyle/>
+              <a:p>
+                <a:r>
+                  <a:rPr lang="en-US">
+                    <a:noFill/>
+                  </a:rPr>
+                  <a:t> </a:t>
+                </a:r>
+              </a:p>
+            </p:txBody>
+          </p:sp>
+        </mc:Fallback>
+      </mc:AlternateContent>
+      <p:sp>
+        <p:nvSpPr>
+          <p:cNvPr id="5" name="TextBox 4"/>
+          <p:cNvSpPr txBox="1"/>
+          <p:nvPr/>
+        </p:nvSpPr>
+        <p:spPr>
+          <a:xfrm>
+            <a:off x="2893800" y="1731775"/>
+            <a:ext cx="2785154" cy="323165"/>
+          </a:xfrm>
+          <a:prstGeom prst="rect">
+            <a:avLst/>
+          </a:prstGeom>
+          <a:noFill/>
+        </p:spPr>
+        <p:txBody>
+          <a:bodyPr wrap="square" rtlCol="0">
+            <a:spAutoFit/>
+          </a:bodyPr>
+          <a:lstStyle/>
+          <a:p>
+            <a:r>
+              <a:rPr lang="en-US" sz="1500" dirty="0" smtClean="0">
+                <a:solidFill>
+                  <a:schemeClr val="tx1"/>
+                </a:solidFill>
+                <a:latin typeface="Segoe UI" panose="020B0502040204020203" pitchFamily="34" charset="0"/>
+                <a:ea typeface="Segoe UI" panose="020B0502040204020203" pitchFamily="34" charset="0"/>
+                <a:cs typeface="Segoe UI" panose="020B0502040204020203" pitchFamily="34" charset="0"/>
+              </a:rPr>
+              <a:t> Skyrmion bound state peaks</a:t>
+            </a:r>
+            <a:endParaRPr lang="en-US" sz="1500" dirty="0">
+              <a:solidFill>
+                <a:schemeClr val="tx1"/>
+              </a:solidFill>
+              <a:latin typeface="Segoe UI" panose="020B0502040204020203" pitchFamily="34" charset="0"/>
+              <a:ea typeface="Segoe UI" panose="020B0502040204020203" pitchFamily="34" charset="0"/>
+              <a:cs typeface="Segoe UI" panose="020B0502040204020203" pitchFamily="34" charset="0"/>
+            </a:endParaRPr>
+          </a:p>
+        </p:txBody>
+      </p:sp>
+      <p:cxnSp>
+        <p:nvCxnSpPr>
+          <p:cNvPr id="20" name="Straight Arrow Connector 19"/>
+          <p:cNvCxnSpPr/>
+          <p:nvPr/>
+        </p:nvCxnSpPr>
+        <p:spPr bwMode="auto">
+          <a:xfrm>
+            <a:off x="3279875" y="2050226"/>
+            <a:ext cx="6649" cy="277336"/>
+          </a:xfrm>
+          <a:prstGeom prst="straightConnector1">
+            <a:avLst/>
+          </a:prstGeom>
+          <a:solidFill>
+            <a:srgbClr val="00B8FF"/>
+          </a:solidFill>
+          <a:ln w="9525" cap="flat" cmpd="sng" algn="ctr">
+            <a:solidFill>
+              <a:schemeClr val="tx1"/>
+            </a:solidFill>
+            <a:prstDash val="solid"/>
+            <a:round/>
+            <a:headEnd type="none" w="med" len="med"/>
+            <a:tailEnd type="triangle"/>
+          </a:ln>
+          <a:effectLst/>
+        </p:spPr>
+      </p:cxnSp>
+      <p:cxnSp>
+        <p:nvCxnSpPr>
+          <p:cNvPr id="22" name="Straight Arrow Connector 21"/>
+          <p:cNvCxnSpPr/>
+          <p:nvPr/>
+        </p:nvCxnSpPr>
+        <p:spPr bwMode="auto">
+          <a:xfrm>
+            <a:off x="5250678" y="2054385"/>
+            <a:ext cx="1049" cy="273177"/>
+          </a:xfrm>
+          <a:prstGeom prst="straightConnector1">
+            <a:avLst/>
+          </a:prstGeom>
+          <a:solidFill>
+            <a:srgbClr val="00B8FF"/>
+          </a:solidFill>
+          <a:ln w="9525" cap="flat" cmpd="sng" algn="ctr">
+            <a:solidFill>
+              <a:schemeClr val="tx1"/>
+            </a:solidFill>
+            <a:prstDash val="solid"/>
+            <a:round/>
+            <a:headEnd type="none" w="med" len="med"/>
+            <a:tailEnd type="triangle"/>
+          </a:ln>
+          <a:effectLst/>
+        </p:spPr>
+      </p:cxnSp>
+    </p:spTree>
+    <p:extLst>
+      <p:ext uri="{BB962C8B-B14F-4D97-AF65-F5344CB8AC3E}">
+        <p14:creationId xmlns:p14="http://schemas.microsoft.com/office/powerpoint/2010/main" val="3147688481"/>
+      </p:ext>
+    </p:extLst>
+  </p:cSld>
+  <p:clrMapOvr>
+    <a:masterClrMapping/>
+  </p:clrMapOvr>
+</p:sld>
+</file>
+
+<file path=ppt/slides/slide15.xml><?xml version="1.0" encoding="utf-8"?>
+<p:sld xmlns:a="http://schemas.openxmlformats.org/drawingml/2006/main" xmlns:r="http://schemas.openxmlformats.org/officeDocument/2006/relationships" xmlns:p="http://schemas.openxmlformats.org/presentationml/2006/main">
+  <p:cSld>
+    <p:spTree>
+      <p:nvGrpSpPr>
+        <p:cNvPr id="1" name=""/>
+        <p:cNvGrpSpPr/>
+        <p:nvPr/>
+      </p:nvGrpSpPr>
+      <p:grpSpPr>
+        <a:xfrm>
+          <a:off x="0" y="0"/>
+          <a:ext cx="0" cy="0"/>
+          <a:chOff x="0" y="0"/>
+          <a:chExt cx="0" cy="0"/>
+        </a:xfrm>
+      </p:grpSpPr>
+      <p:pic>
+        <p:nvPicPr>
+          <p:cNvPr id="3" name="図 30"/>
+          <p:cNvPicPr>
+            <a:picLocks noChangeAspect="1"/>
+          </p:cNvPicPr>
+          <p:nvPr/>
+        </p:nvPicPr>
+        <p:blipFill>
+          <a:blip r:embed="rId2">
+            <a:extLst>
+              <a:ext uri="{28A0092B-C50C-407E-A947-70E740481C1C}">
+                <a14:useLocalDpi xmlns:a14="http://schemas.microsoft.com/office/drawing/2010/main" val="0"/>
+              </a:ext>
+            </a:extLst>
+          </a:blip>
+          <a:stretch>
+            <a:fillRect/>
+          </a:stretch>
+        </p:blipFill>
+        <p:spPr>
+          <a:xfrm>
+            <a:off x="2365119" y="2446684"/>
+            <a:ext cx="3551264" cy="2719818"/>
+          </a:xfrm>
+          <a:prstGeom prst="rect">
+            <a:avLst/>
+          </a:prstGeom>
+        </p:spPr>
+      </p:pic>
+      <p:sp>
+        <p:nvSpPr>
+          <p:cNvPr id="48" name="Rectangle 47"/>
+          <p:cNvSpPr/>
+          <p:nvPr/>
+        </p:nvSpPr>
+        <p:spPr bwMode="auto">
+          <a:xfrm>
+            <a:off x="3828044" y="2769121"/>
+            <a:ext cx="317680" cy="855822"/>
+          </a:xfrm>
+          <a:prstGeom prst="rect">
+            <a:avLst/>
+          </a:prstGeom>
+          <a:solidFill>
+            <a:schemeClr val="bg1"/>
+          </a:solidFill>
+          <a:ln w="9525" cap="flat" cmpd="sng" algn="ctr">
+            <a:noFill/>
+            <a:prstDash val="solid"/>
+            <a:round/>
+            <a:headEnd type="none" w="med" len="med"/>
+            <a:tailEnd type="none" w="med" len="med"/>
+          </a:ln>
+          <a:effectLst/>
+        </p:spPr>
+        <p:txBody>
+          <a:bodyPr vert="horz" wrap="square" lIns="91440" tIns="45720" rIns="91440" bIns="45720" numCol="1" rtlCol="0" anchor="t" anchorCtr="0" compatLnSpc="1">
+            <a:prstTxWarp prst="textNoShape">
+              <a:avLst/>
+            </a:prstTxWarp>
+          </a:bodyPr>
+          <a:lstStyle/>
+          <a:p>
+            <a:pPr marL="0" marR="0" indent="0" algn="l" defTabSz="457200" rtl="0" eaLnBrk="1" fontAlgn="base" latinLnBrk="0" hangingPunct="1">
+              <a:lnSpc>
+                <a:spcPct val="100000"/>
+              </a:lnSpc>
+              <a:spcBef>
+                <a:spcPct val="0"/>
+              </a:spcBef>
+              <a:spcAft>
+                <a:spcPct val="0"/>
+              </a:spcAft>
+              <a:buClr>
+                <a:srgbClr val="000000"/>
+              </a:buClr>
+              <a:buSzPct val="100000"/>
+              <a:buFont typeface="Times New Roman" pitchFamily="16" charset="0"/>
+              <a:buNone/>
+              <a:tabLst/>
+            </a:pPr>
+            <a:endParaRPr kumimoji="0" lang="en-US" sz="1800" b="0" i="0" u="none" strike="noStrike" cap="none" normalizeH="0" baseline="0" smtClean="0">
+              <a:ln>
+                <a:noFill/>
+              </a:ln>
+              <a:solidFill>
+                <a:schemeClr val="bg1"/>
+              </a:solidFill>
+              <a:effectLst/>
+              <a:latin typeface="Arial" charset="0"/>
+            </a:endParaRPr>
+          </a:p>
+        </p:txBody>
+      </p:sp>
+      <p:sp>
+        <p:nvSpPr>
+          <p:cNvPr id="21" name="Rectangle 20"/>
+          <p:cNvSpPr/>
+          <p:nvPr/>
+        </p:nvSpPr>
+        <p:spPr bwMode="auto">
+          <a:xfrm>
+            <a:off x="1770169" y="4968249"/>
+            <a:ext cx="4497680" cy="610801"/>
+          </a:xfrm>
+          <a:prstGeom prst="rect">
+            <a:avLst/>
+          </a:prstGeom>
+          <a:solidFill>
+            <a:schemeClr val="bg1"/>
+          </a:solidFill>
+          <a:ln w="9525" cap="flat" cmpd="sng" algn="ctr">
+            <a:noFill/>
+            <a:prstDash val="solid"/>
+            <a:round/>
+            <a:headEnd type="none" w="med" len="med"/>
+            <a:tailEnd type="none" w="med" len="med"/>
+          </a:ln>
+          <a:effectLst/>
+        </p:spPr>
+        <p:txBody>
+          <a:bodyPr vert="horz" wrap="square" lIns="91440" tIns="45720" rIns="91440" bIns="45720" numCol="1" rtlCol="0" anchor="t" anchorCtr="0" compatLnSpc="1">
+            <a:prstTxWarp prst="textNoShape">
+              <a:avLst/>
+            </a:prstTxWarp>
+          </a:bodyPr>
+          <a:lstStyle/>
+          <a:p>
+            <a:pPr marL="0" marR="0" indent="0" algn="l" defTabSz="457200" rtl="0" eaLnBrk="1" fontAlgn="base" latinLnBrk="0" hangingPunct="1">
+              <a:lnSpc>
+                <a:spcPct val="100000"/>
+              </a:lnSpc>
+              <a:spcBef>
+                <a:spcPct val="0"/>
+              </a:spcBef>
+              <a:spcAft>
+                <a:spcPct val="0"/>
+              </a:spcAft>
+              <a:buClr>
+                <a:srgbClr val="000000"/>
+              </a:buClr>
+              <a:buSzPct val="100000"/>
+              <a:buFont typeface="Times New Roman" pitchFamily="16" charset="0"/>
+              <a:buNone/>
+              <a:tabLst/>
+            </a:pPr>
+            <a:endParaRPr kumimoji="0" lang="en-US" sz="1800" b="0" i="0" u="none" strike="noStrike" cap="none" normalizeH="0" baseline="0" smtClean="0">
+              <a:ln>
+                <a:noFill/>
+              </a:ln>
+              <a:solidFill>
+                <a:schemeClr val="bg1"/>
+              </a:solidFill>
+              <a:effectLst/>
+              <a:latin typeface="Arial" charset="0"/>
+            </a:endParaRPr>
+          </a:p>
+        </p:txBody>
+      </p:sp>
+      <p:sp>
+        <p:nvSpPr>
+          <p:cNvPr id="2" name="Rectangle 6"/>
+          <p:cNvSpPr>
+            <a:spLocks noChangeArrowheads="1"/>
+          </p:cNvSpPr>
+          <p:nvPr/>
+        </p:nvSpPr>
+        <p:spPr bwMode="auto">
+          <a:xfrm>
+            <a:off x="2144852" y="2183587"/>
+            <a:ext cx="4052563" cy="3246012"/>
+          </a:xfrm>
+          <a:prstGeom prst="rect">
+            <a:avLst/>
+          </a:prstGeom>
+          <a:noFill/>
+          <a:ln w="9360">
+            <a:solidFill>
+              <a:srgbClr val="000000"/>
+            </a:solidFill>
+            <a:miter lim="800000"/>
+            <a:headEnd/>
+            <a:tailEnd/>
+          </a:ln>
+          <a:extLst>
+            <a:ext uri="{909E8E84-426E-40DD-AFC4-6F175D3DCCD1}">
+              <a14:hiddenFill xmlns:a14="http://schemas.microsoft.com/office/drawing/2010/main">
+                <a:solidFill>
+                  <a:srgbClr val="FFFFFF"/>
+                </a:solidFill>
+              </a14:hiddenFill>
+            </a:ext>
+          </a:extLst>
+        </p:spPr>
+        <p:txBody>
+          <a:bodyPr wrap="none" anchor="ctr"/>
+          <a:lstStyle/>
+          <a:p>
+            <a:pPr eaLnBrk="1" hangingPunct="1">
+              <a:buClr>
+                <a:srgbClr val="000000"/>
+              </a:buClr>
+              <a:buSzPct val="100000"/>
+              <a:buFont typeface="Times New Roman" panose="02020603050405020304" pitchFamily="18" charset="0"/>
+              <a:buNone/>
+            </a:pPr>
+            <a:endParaRPr lang="en-US" altLang="en-US"/>
+          </a:p>
+        </p:txBody>
+      </p:sp>
+      <mc:AlternateContent xmlns:mc="http://schemas.openxmlformats.org/markup-compatibility/2006">
+        <mc:Choice xmlns:a14="http://schemas.microsoft.com/office/drawing/2010/main" Requires="a14">
+          <p:sp>
+            <p:nvSpPr>
+              <p:cNvPr id="9" name="Rectangle 8"/>
+              <p:cNvSpPr/>
+              <p:nvPr/>
+            </p:nvSpPr>
+            <p:spPr>
+              <a:xfrm>
+                <a:off x="5709155" y="4629695"/>
+                <a:ext cx="395941" cy="338554"/>
+              </a:xfrm>
+              <a:prstGeom prst="rect">
+                <a:avLst/>
+              </a:prstGeom>
+            </p:spPr>
+            <p:txBody>
+              <a:bodyPr wrap="none">
+                <a:spAutoFit/>
+              </a:bodyPr>
+              <a:lstStyle/>
+              <a:p>
+                <a:pPr/>
+                <a14:m>
+                  <m:oMathPara xmlns:m="http://schemas.openxmlformats.org/officeDocument/2006/math">
+                    <m:oMathParaPr>
+                      <m:jc m:val="centerGroup"/>
+                    </m:oMathParaPr>
+                    <m:oMath xmlns:m="http://schemas.openxmlformats.org/officeDocument/2006/math">
+                      <m:r>
+                        <a:rPr lang="en-US" sz="1600" b="0" i="1" smtClean="0">
+                          <a:solidFill>
+                            <a:srgbClr val="4D4D4D"/>
+                          </a:solidFill>
+                          <a:latin typeface="Cambria Math" panose="02040503050406030204" pitchFamily="18" charset="0"/>
+                        </a:rPr>
+                        <m:t>𝜔</m:t>
+                      </m:r>
+                    </m:oMath>
+                  </m:oMathPara>
+                </a14:m>
+                <a:endParaRPr lang="en-US" sz="1600" dirty="0"/>
+              </a:p>
+            </p:txBody>
+          </p:sp>
+        </mc:Choice>
+        <mc:Fallback>
+          <p:sp>
+            <p:nvSpPr>
+              <p:cNvPr id="9" name="Rectangle 8"/>
+              <p:cNvSpPr>
+                <a:spLocks noRot="1" noChangeAspect="1" noMove="1" noResize="1" noEditPoints="1" noAdjustHandles="1" noChangeArrowheads="1" noChangeShapeType="1" noTextEdit="1"/>
+              </p:cNvSpPr>
+              <p:nvPr/>
+            </p:nvSpPr>
+            <p:spPr>
+              <a:xfrm>
+                <a:off x="5709155" y="4629695"/>
+                <a:ext cx="395941" cy="338554"/>
+              </a:xfrm>
+              <a:prstGeom prst="rect">
+                <a:avLst/>
+              </a:prstGeom>
+              <a:blipFill rotWithShape="0">
+                <a:blip r:embed="rId3"/>
+                <a:stretch>
+                  <a:fillRect/>
+                </a:stretch>
+              </a:blipFill>
+            </p:spPr>
+            <p:txBody>
+              <a:bodyPr/>
+              <a:lstStyle/>
+              <a:p>
+                <a:r>
+                  <a:rPr lang="en-US">
+                    <a:noFill/>
+                  </a:rPr>
+                  <a:t> </a:t>
+                </a:r>
+              </a:p>
+            </p:txBody>
+          </p:sp>
+        </mc:Fallback>
+      </mc:AlternateContent>
+      <p:cxnSp>
+        <p:nvCxnSpPr>
+          <p:cNvPr id="10" name="Straight Arrow Connector 9"/>
+          <p:cNvCxnSpPr/>
+          <p:nvPr/>
+        </p:nvCxnSpPr>
+        <p:spPr>
+          <a:xfrm flipH="1">
+            <a:off x="5159232" y="3032618"/>
+            <a:ext cx="524012" cy="2744"/>
+          </a:xfrm>
+          <a:prstGeom prst="straightConnector1">
+            <a:avLst/>
+          </a:prstGeom>
+          <a:ln w="31750">
+            <a:solidFill>
+              <a:srgbClr val="4D4D4D"/>
+            </a:solidFill>
+            <a:tailEnd type="triangle"/>
+          </a:ln>
+        </p:spPr>
+        <p:style>
+          <a:lnRef idx="1">
+            <a:schemeClr val="accent1"/>
+          </a:lnRef>
+          <a:fillRef idx="0">
+            <a:schemeClr val="accent1"/>
+          </a:fillRef>
+          <a:effectRef idx="0">
+            <a:schemeClr val="accent1"/>
+          </a:effectRef>
+          <a:fontRef idx="minor">
+            <a:schemeClr val="tx1"/>
+          </a:fontRef>
+        </p:style>
+      </p:cxnSp>
+      <p:cxnSp>
+        <p:nvCxnSpPr>
+          <p:cNvPr id="16" name="Straight Arrow Connector 15"/>
+          <p:cNvCxnSpPr/>
+          <p:nvPr/>
+        </p:nvCxnSpPr>
+        <p:spPr>
+          <a:xfrm>
+            <a:off x="2618606" y="4245490"/>
+            <a:ext cx="0" cy="356261"/>
+          </a:xfrm>
+          <a:prstGeom prst="straightConnector1">
+            <a:avLst/>
+          </a:prstGeom>
+          <a:ln w="31750">
+            <a:solidFill>
+              <a:srgbClr val="FF0000"/>
+            </a:solidFill>
+            <a:tailEnd type="triangle"/>
+          </a:ln>
+        </p:spPr>
+        <p:style>
+          <a:lnRef idx="1">
+            <a:schemeClr val="accent1"/>
+          </a:lnRef>
+          <a:fillRef idx="0">
+            <a:schemeClr val="accent1"/>
+          </a:fillRef>
+          <a:effectRef idx="0">
+            <a:schemeClr val="accent1"/>
+          </a:effectRef>
+          <a:fontRef idx="minor">
+            <a:schemeClr val="tx1"/>
+          </a:fontRef>
+        </p:style>
+      </p:cxnSp>
+      <p:cxnSp>
+        <p:nvCxnSpPr>
+          <p:cNvPr id="17" name="Straight Arrow Connector 16"/>
+          <p:cNvCxnSpPr/>
+          <p:nvPr/>
+        </p:nvCxnSpPr>
+        <p:spPr>
+          <a:xfrm flipV="1">
+            <a:off x="5794030" y="4144859"/>
+            <a:ext cx="0" cy="350612"/>
+          </a:xfrm>
+          <a:prstGeom prst="straightConnector1">
+            <a:avLst/>
+          </a:prstGeom>
+          <a:ln w="31750">
+            <a:solidFill>
+              <a:srgbClr val="0404BC"/>
+            </a:solidFill>
+            <a:tailEnd type="triangle"/>
+          </a:ln>
+        </p:spPr>
+        <p:style>
+          <a:lnRef idx="1">
+            <a:schemeClr val="accent1"/>
+          </a:lnRef>
+          <a:fillRef idx="0">
+            <a:schemeClr val="accent1"/>
+          </a:fillRef>
+          <a:effectRef idx="0">
+            <a:schemeClr val="accent1"/>
+          </a:effectRef>
+          <a:fontRef idx="minor">
+            <a:schemeClr val="tx1"/>
+          </a:fontRef>
+        </p:style>
+      </p:cxnSp>
+      <mc:AlternateContent xmlns:mc="http://schemas.openxmlformats.org/markup-compatibility/2006">
+        <mc:Choice xmlns:a14="http://schemas.microsoft.com/office/drawing/2010/main" Requires="a14">
+          <p:sp>
+            <p:nvSpPr>
+              <p:cNvPr id="28" name="Rectangle 27"/>
+              <p:cNvSpPr/>
+              <p:nvPr/>
+            </p:nvSpPr>
+            <p:spPr>
+              <a:xfrm>
+                <a:off x="3812435" y="6692379"/>
+                <a:ext cx="550151" cy="400110"/>
+              </a:xfrm>
+              <a:prstGeom prst="rect">
+                <a:avLst/>
+              </a:prstGeom>
+            </p:spPr>
+            <p:txBody>
+              <a:bodyPr wrap="none">
+                <a:spAutoFit/>
+              </a:bodyPr>
+              <a:lstStyle/>
+              <a:p>
+                <a:pPr/>
+                <a14:m>
+                  <m:oMathPara xmlns:m="http://schemas.openxmlformats.org/officeDocument/2006/math">
+                    <m:oMathParaPr>
+                      <m:jc m:val="centerGroup"/>
+                    </m:oMathParaPr>
+                    <m:oMath xmlns:m="http://schemas.openxmlformats.org/officeDocument/2006/math">
+                      <m:r>
+                        <a:rPr lang="en-US" sz="2000" b="0" i="1" smtClean="0">
+                          <a:solidFill>
+                            <a:srgbClr val="4D4D4D"/>
+                          </a:solidFill>
+                          <a:latin typeface="Cambria Math" panose="02040503050406030204" pitchFamily="18" charset="0"/>
+                        </a:rPr>
+                        <m:t>2</m:t>
+                      </m:r>
+                      <m:r>
+                        <m:rPr>
+                          <m:sty m:val="p"/>
+                        </m:rPr>
+                        <a:rPr lang="en-US" sz="2000" b="0" i="0" smtClean="0">
+                          <a:solidFill>
+                            <a:srgbClr val="4D4D4D"/>
+                          </a:solidFill>
+                          <a:latin typeface="Cambria Math" panose="02040503050406030204" pitchFamily="18" charset="0"/>
+                        </a:rPr>
+                        <m:t>Δ</m:t>
+                      </m:r>
+                    </m:oMath>
+                  </m:oMathPara>
+                </a14:m>
+                <a:endParaRPr lang="en-US" sz="2000" dirty="0"/>
+              </a:p>
+            </p:txBody>
+          </p:sp>
+        </mc:Choice>
+        <mc:Fallback>
+          <p:sp>
+            <p:nvSpPr>
+              <p:cNvPr id="28" name="Rectangle 27"/>
+              <p:cNvSpPr>
+                <a:spLocks noRot="1" noChangeAspect="1" noMove="1" noResize="1" noEditPoints="1" noAdjustHandles="1" noChangeArrowheads="1" noChangeShapeType="1" noTextEdit="1"/>
+              </p:cNvSpPr>
+              <p:nvPr/>
+            </p:nvSpPr>
+            <p:spPr>
+              <a:xfrm>
+                <a:off x="3812435" y="6692379"/>
+                <a:ext cx="550151" cy="400110"/>
+              </a:xfrm>
+              <a:prstGeom prst="rect">
+                <a:avLst/>
+              </a:prstGeom>
+              <a:blipFill rotWithShape="0">
+                <a:blip r:embed="rId4"/>
+                <a:stretch>
+                  <a:fillRect/>
+                </a:stretch>
+              </a:blipFill>
+            </p:spPr>
+            <p:txBody>
+              <a:bodyPr/>
+              <a:lstStyle/>
+              <a:p>
+                <a:r>
+                  <a:rPr lang="en-US">
+                    <a:noFill/>
+                  </a:rPr>
+                  <a:t> </a:t>
+                </a:r>
+              </a:p>
+            </p:txBody>
+          </p:sp>
+        </mc:Fallback>
+      </mc:AlternateContent>
+      <mc:AlternateContent xmlns:mc="http://schemas.openxmlformats.org/markup-compatibility/2006">
+        <mc:Choice xmlns:a14="http://schemas.microsoft.com/office/drawing/2010/main" Requires="a14">
+          <p:sp>
+            <p:nvSpPr>
+              <p:cNvPr id="29" name="TextBox 28"/>
+              <p:cNvSpPr txBox="1"/>
+              <p:nvPr/>
+            </p:nvSpPr>
+            <p:spPr>
+              <a:xfrm rot="16200000">
+                <a:off x="3366762" y="2973889"/>
+                <a:ext cx="1207412" cy="338554"/>
+              </a:xfrm>
+              <a:prstGeom prst="rect">
+                <a:avLst/>
+              </a:prstGeom>
+              <a:noFill/>
+            </p:spPr>
+            <p:txBody>
+              <a:bodyPr wrap="square" rtlCol="0">
+                <a:spAutoFit/>
+              </a:bodyPr>
+              <a:lstStyle/>
+              <a:p>
+                <a:pPr/>
+                <a14:m>
+                  <m:oMathPara xmlns:m="http://schemas.openxmlformats.org/officeDocument/2006/math">
+                    <m:oMathParaPr>
+                      <m:jc m:val="centerGroup"/>
+                    </m:oMathParaPr>
+                    <m:oMath xmlns:m="http://schemas.openxmlformats.org/officeDocument/2006/math">
+                      <m:sSub>
+                        <m:sSubPr>
+                          <m:ctrlPr>
+                            <a:rPr lang="en-US" sz="1600" b="0" i="1" smtClean="0">
+                              <a:solidFill>
+                                <a:schemeClr val="tx1">
+                                  <a:lumMod val="75000"/>
+                                  <a:lumOff val="25000"/>
+                                </a:schemeClr>
+                              </a:solidFill>
+                              <a:latin typeface="Cambria Math" panose="02040503050406030204" pitchFamily="18" charset="0"/>
+                            </a:rPr>
+                          </m:ctrlPr>
+                        </m:sSubPr>
+                        <m:e>
+                          <m:r>
+                            <a:rPr lang="en-US" sz="1600" b="0" i="1" smtClean="0">
+                              <a:solidFill>
+                                <a:schemeClr val="tx1">
+                                  <a:lumMod val="75000"/>
+                                  <a:lumOff val="25000"/>
+                                </a:schemeClr>
+                              </a:solidFill>
+                              <a:latin typeface="Cambria Math" panose="02040503050406030204" pitchFamily="18" charset="0"/>
+                            </a:rPr>
+                            <m:t>𝜌</m:t>
+                          </m:r>
+                        </m:e>
+                        <m:sub>
+                          <m:r>
+                            <a:rPr lang="en-US" sz="1600" b="0" i="1" smtClean="0">
+                              <a:solidFill>
+                                <a:schemeClr val="tx1">
+                                  <a:lumMod val="75000"/>
+                                  <a:lumOff val="25000"/>
+                                </a:schemeClr>
+                              </a:solidFill>
+                              <a:latin typeface="Cambria Math" panose="02040503050406030204" pitchFamily="18" charset="0"/>
+                            </a:rPr>
+                            <m:t>𝑠</m:t>
+                          </m:r>
+                        </m:sub>
+                      </m:sSub>
+                      <m:r>
+                        <a:rPr lang="en-US" sz="1600" b="0" i="1" smtClean="0">
+                          <a:solidFill>
+                            <a:schemeClr val="tx1">
+                              <a:lumMod val="75000"/>
+                              <a:lumOff val="25000"/>
+                            </a:schemeClr>
+                          </a:solidFill>
+                          <a:latin typeface="Cambria Math" panose="02040503050406030204" pitchFamily="18" charset="0"/>
+                        </a:rPr>
+                        <m:t>(</m:t>
+                      </m:r>
+                      <m:r>
+                        <a:rPr lang="en-US" sz="1600" b="0" i="1" smtClean="0">
+                          <a:solidFill>
+                            <a:schemeClr val="tx1">
+                              <a:lumMod val="75000"/>
+                              <a:lumOff val="25000"/>
+                            </a:schemeClr>
+                          </a:solidFill>
+                          <a:latin typeface="Cambria Math" panose="02040503050406030204" pitchFamily="18" charset="0"/>
+                        </a:rPr>
+                        <m:t>𝜔</m:t>
+                      </m:r>
+                      <m:r>
+                        <a:rPr lang="en-US" sz="1600" b="0" i="1" smtClean="0">
+                          <a:solidFill>
+                            <a:schemeClr val="tx1">
+                              <a:lumMod val="75000"/>
+                              <a:lumOff val="25000"/>
+                            </a:schemeClr>
+                          </a:solidFill>
+                          <a:latin typeface="Cambria Math" panose="02040503050406030204" pitchFamily="18" charset="0"/>
+                        </a:rPr>
+                        <m:t>)/</m:t>
+                      </m:r>
+                      <m:sSub>
+                        <m:sSubPr>
+                          <m:ctrlPr>
+                            <a:rPr lang="en-US" sz="1600" b="0" i="1" smtClean="0">
+                              <a:solidFill>
+                                <a:schemeClr val="tx1">
+                                  <a:lumMod val="75000"/>
+                                  <a:lumOff val="25000"/>
+                                </a:schemeClr>
+                              </a:solidFill>
+                              <a:latin typeface="Cambria Math" panose="02040503050406030204" pitchFamily="18" charset="0"/>
+                            </a:rPr>
+                          </m:ctrlPr>
+                        </m:sSubPr>
+                        <m:e>
+                          <m:r>
+                            <a:rPr lang="en-US" sz="1600" b="0" i="1" smtClean="0">
+                              <a:solidFill>
+                                <a:schemeClr val="tx1">
+                                  <a:lumMod val="75000"/>
+                                  <a:lumOff val="25000"/>
+                                </a:schemeClr>
+                              </a:solidFill>
+                              <a:latin typeface="Cambria Math" panose="02040503050406030204" pitchFamily="18" charset="0"/>
+                            </a:rPr>
+                            <m:t>𝜌</m:t>
+                          </m:r>
+                        </m:e>
+                        <m:sub>
+                          <m:r>
+                            <a:rPr lang="en-US" sz="1600" b="0" i="1" smtClean="0">
+                              <a:solidFill>
+                                <a:schemeClr val="tx1">
+                                  <a:lumMod val="75000"/>
+                                  <a:lumOff val="25000"/>
+                                </a:schemeClr>
+                              </a:solidFill>
+                              <a:latin typeface="Cambria Math" panose="02040503050406030204" pitchFamily="18" charset="0"/>
+                            </a:rPr>
+                            <m:t>0</m:t>
+                          </m:r>
+                        </m:sub>
+                      </m:sSub>
+                    </m:oMath>
+                  </m:oMathPara>
+                </a14:m>
+                <a:endParaRPr lang="en-US" sz="1600" dirty="0">
+                  <a:solidFill>
+                    <a:schemeClr val="tx1">
+                      <a:lumMod val="75000"/>
+                      <a:lumOff val="25000"/>
+                    </a:schemeClr>
+                  </a:solidFill>
+                  <a:latin typeface="Cambria" panose="02040503050406030204" pitchFamily="18" charset="0"/>
+                </a:endParaRPr>
+              </a:p>
+            </p:txBody>
+          </p:sp>
+        </mc:Choice>
+        <mc:Fallback>
+          <p:sp>
+            <p:nvSpPr>
+              <p:cNvPr id="29" name="TextBox 28"/>
+              <p:cNvSpPr txBox="1">
+                <a:spLocks noRot="1" noChangeAspect="1" noMove="1" noResize="1" noEditPoints="1" noAdjustHandles="1" noChangeArrowheads="1" noChangeShapeType="1" noTextEdit="1"/>
+              </p:cNvSpPr>
+              <p:nvPr/>
+            </p:nvSpPr>
+            <p:spPr>
+              <a:xfrm rot="16200000">
+                <a:off x="3366762" y="2973889"/>
+                <a:ext cx="1207412" cy="338554"/>
+              </a:xfrm>
+              <a:prstGeom prst="rect">
+                <a:avLst/>
+              </a:prstGeom>
+              <a:blipFill rotWithShape="0">
+                <a:blip r:embed="rId5"/>
+                <a:stretch>
+                  <a:fillRect r="-12727"/>
+                </a:stretch>
+              </a:blipFill>
+            </p:spPr>
+            <p:txBody>
+              <a:bodyPr/>
+              <a:lstStyle/>
+              <a:p>
+                <a:r>
+                  <a:rPr lang="en-US">
+                    <a:noFill/>
+                  </a:rPr>
+                  <a:t> </a:t>
+                </a:r>
+              </a:p>
+            </p:txBody>
+          </p:sp>
+        </mc:Fallback>
+      </mc:AlternateContent>
+      <mc:AlternateContent xmlns:mc="http://schemas.openxmlformats.org/markup-compatibility/2006">
+        <mc:Choice xmlns:a14="http://schemas.microsoft.com/office/drawing/2010/main" Requires="a14">
+          <p:sp>
+            <p:nvSpPr>
+              <p:cNvPr id="31" name="Rectangle 30"/>
+              <p:cNvSpPr/>
+              <p:nvPr/>
+            </p:nvSpPr>
+            <p:spPr>
+              <a:xfrm>
+                <a:off x="5571371" y="2769121"/>
+                <a:ext cx="743729" cy="400110"/>
+              </a:xfrm>
+              <a:prstGeom prst="rect">
+                <a:avLst/>
+              </a:prstGeom>
+            </p:spPr>
+            <p:txBody>
+              <a:bodyPr wrap="none">
+                <a:spAutoFit/>
+              </a:bodyPr>
+              <a:lstStyle/>
+              <a:p>
+                <a:pPr/>
+                <a14:m>
+                  <m:oMathPara xmlns:m="http://schemas.openxmlformats.org/officeDocument/2006/math">
+                    <m:oMathParaPr>
+                      <m:jc m:val="centerGroup"/>
+                    </m:oMathParaPr>
+                    <m:oMath xmlns:m="http://schemas.openxmlformats.org/officeDocument/2006/math">
+                      <m:sSubSup>
+                        <m:sSubSupPr>
+                          <m:ctrlPr>
+                            <a:rPr lang="en-US" sz="2000" b="0" i="1" smtClean="0">
+                              <a:solidFill>
+                                <a:srgbClr val="4D4D4D"/>
+                              </a:solidFill>
+                              <a:latin typeface="Cambria Math" panose="02040503050406030204" pitchFamily="18" charset="0"/>
+                            </a:rPr>
+                          </m:ctrlPr>
+                        </m:sSubSupPr>
+                        <m:e>
+                          <m:r>
+                            <a:rPr lang="en-US" sz="2000" b="0" i="1" smtClean="0">
+                              <a:solidFill>
+                                <a:srgbClr val="4D4D4D"/>
+                              </a:solidFill>
+                              <a:latin typeface="Cambria Math" panose="02040503050406030204" pitchFamily="18" charset="0"/>
+                            </a:rPr>
+                            <m:t>𝐸</m:t>
+                          </m:r>
+                        </m:e>
+                        <m:sub>
+                          <m:r>
+                            <a:rPr lang="en-US" sz="2000" b="0" i="1" smtClean="0">
+                              <a:solidFill>
+                                <a:srgbClr val="4D4D4D"/>
+                              </a:solidFill>
+                              <a:latin typeface="Cambria Math" panose="02040503050406030204" pitchFamily="18" charset="0"/>
+                            </a:rPr>
+                            <m:t>𝑆𝐵𝑆</m:t>
+                          </m:r>
+                        </m:sub>
+                        <m:sup>
+                          <m:r>
+                            <a:rPr lang="en-US" sz="2000" b="0" i="1" smtClean="0">
+                              <a:solidFill>
+                                <a:srgbClr val="4D4D4D"/>
+                              </a:solidFill>
+                              <a:latin typeface="Cambria Math" panose="02040503050406030204" pitchFamily="18" charset="0"/>
+                            </a:rPr>
+                            <m:t>+</m:t>
+                          </m:r>
+                        </m:sup>
+                      </m:sSubSup>
+                    </m:oMath>
+                  </m:oMathPara>
+                </a14:m>
+                <a:endParaRPr lang="en-US" sz="2000" dirty="0"/>
+              </a:p>
+            </p:txBody>
+          </p:sp>
+        </mc:Choice>
+        <mc:Fallback>
+          <p:sp>
+            <p:nvSpPr>
+              <p:cNvPr id="31" name="Rectangle 30"/>
+              <p:cNvSpPr>
+                <a:spLocks noRot="1" noChangeAspect="1" noMove="1" noResize="1" noEditPoints="1" noAdjustHandles="1" noChangeArrowheads="1" noChangeShapeType="1" noTextEdit="1"/>
+              </p:cNvSpPr>
+              <p:nvPr/>
+            </p:nvSpPr>
+            <p:spPr>
+              <a:xfrm>
+                <a:off x="5571371" y="2769121"/>
+                <a:ext cx="743729" cy="400110"/>
+              </a:xfrm>
+              <a:prstGeom prst="rect">
+                <a:avLst/>
+              </a:prstGeom>
+              <a:blipFill rotWithShape="0">
+                <a:blip r:embed="rId6"/>
+                <a:stretch>
+                  <a:fillRect b="-3030"/>
+                </a:stretch>
+              </a:blipFill>
+            </p:spPr>
+            <p:txBody>
+              <a:bodyPr/>
+              <a:lstStyle/>
+              <a:p>
+                <a:r>
+                  <a:rPr lang="en-US">
+                    <a:noFill/>
+                  </a:rPr>
+                  <a:t> </a:t>
+                </a:r>
+              </a:p>
+            </p:txBody>
+          </p:sp>
+        </mc:Fallback>
+      </mc:AlternateContent>
+      <mc:AlternateContent xmlns:mc="http://schemas.openxmlformats.org/markup-compatibility/2006">
+        <mc:Choice xmlns:a14="http://schemas.microsoft.com/office/drawing/2010/main" Requires="a14">
+          <p:sp>
+            <p:nvSpPr>
+              <p:cNvPr id="32" name="Rectangle 31"/>
+              <p:cNvSpPr/>
+              <p:nvPr/>
+            </p:nvSpPr>
+            <p:spPr>
+              <a:xfrm>
+                <a:off x="2018967" y="2769121"/>
+                <a:ext cx="743729" cy="400110"/>
+              </a:xfrm>
+              <a:prstGeom prst="rect">
+                <a:avLst/>
+              </a:prstGeom>
+            </p:spPr>
+            <p:txBody>
+              <a:bodyPr wrap="none">
+                <a:spAutoFit/>
+              </a:bodyPr>
+              <a:lstStyle/>
+              <a:p>
+                <a:pPr/>
+                <a14:m>
+                  <m:oMathPara xmlns:m="http://schemas.openxmlformats.org/officeDocument/2006/math">
+                    <m:oMathParaPr>
+                      <m:jc m:val="centerGroup"/>
+                    </m:oMathParaPr>
+                    <m:oMath xmlns:m="http://schemas.openxmlformats.org/officeDocument/2006/math">
+                      <m:sSubSup>
+                        <m:sSubSupPr>
+                          <m:ctrlPr>
+                            <a:rPr lang="en-US" sz="2000" b="0" i="1" smtClean="0">
+                              <a:solidFill>
+                                <a:srgbClr val="4D4D4D"/>
+                              </a:solidFill>
+                              <a:latin typeface="Cambria Math" panose="02040503050406030204" pitchFamily="18" charset="0"/>
+                            </a:rPr>
+                          </m:ctrlPr>
+                        </m:sSubSupPr>
+                        <m:e>
+                          <m:r>
+                            <a:rPr lang="en-US" sz="2000" b="0" i="1" smtClean="0">
+                              <a:solidFill>
+                                <a:srgbClr val="4D4D4D"/>
+                              </a:solidFill>
+                              <a:latin typeface="Cambria Math" panose="02040503050406030204" pitchFamily="18" charset="0"/>
+                            </a:rPr>
+                            <m:t>𝐸</m:t>
+                          </m:r>
+                        </m:e>
+                        <m:sub>
+                          <m:r>
+                            <a:rPr lang="en-US" sz="2000" b="0" i="1" smtClean="0">
+                              <a:solidFill>
+                                <a:srgbClr val="4D4D4D"/>
+                              </a:solidFill>
+                              <a:latin typeface="Cambria Math" panose="02040503050406030204" pitchFamily="18" charset="0"/>
+                            </a:rPr>
+                            <m:t>𝑆𝐵𝑆</m:t>
+                          </m:r>
+                        </m:sub>
+                        <m:sup>
+                          <m:r>
+                            <a:rPr lang="en-US" sz="2000" b="0" i="1" smtClean="0">
+                              <a:solidFill>
+                                <a:srgbClr val="4D4D4D"/>
+                              </a:solidFill>
+                              <a:latin typeface="Cambria Math" panose="02040503050406030204" pitchFamily="18" charset="0"/>
+                            </a:rPr>
+                            <m:t>−</m:t>
+                          </m:r>
+                        </m:sup>
+                      </m:sSubSup>
+                    </m:oMath>
+                  </m:oMathPara>
+                </a14:m>
+                <a:endParaRPr lang="en-US" sz="2000" dirty="0"/>
+              </a:p>
+            </p:txBody>
+          </p:sp>
+        </mc:Choice>
+        <mc:Fallback>
+          <p:sp>
+            <p:nvSpPr>
+              <p:cNvPr id="32" name="Rectangle 31"/>
+              <p:cNvSpPr>
+                <a:spLocks noRot="1" noChangeAspect="1" noMove="1" noResize="1" noEditPoints="1" noAdjustHandles="1" noChangeArrowheads="1" noChangeShapeType="1" noTextEdit="1"/>
+              </p:cNvSpPr>
+              <p:nvPr/>
+            </p:nvSpPr>
+            <p:spPr>
+              <a:xfrm>
+                <a:off x="2018967" y="2769121"/>
+                <a:ext cx="743729" cy="400110"/>
+              </a:xfrm>
+              <a:prstGeom prst="rect">
+                <a:avLst/>
+              </a:prstGeom>
+              <a:blipFill rotWithShape="0">
+                <a:blip r:embed="rId7"/>
+                <a:stretch>
+                  <a:fillRect b="-3030"/>
+                </a:stretch>
+              </a:blipFill>
+            </p:spPr>
+            <p:txBody>
+              <a:bodyPr/>
+              <a:lstStyle/>
+              <a:p>
+                <a:r>
+                  <a:rPr lang="en-US">
+                    <a:noFill/>
+                  </a:rPr>
+                  <a:t> </a:t>
+                </a:r>
+              </a:p>
+            </p:txBody>
+          </p:sp>
+        </mc:Fallback>
+      </mc:AlternateContent>
+      <p:cxnSp>
+        <p:nvCxnSpPr>
+          <p:cNvPr id="33" name="Straight Arrow Connector 32"/>
+          <p:cNvCxnSpPr/>
+          <p:nvPr/>
+        </p:nvCxnSpPr>
+        <p:spPr>
+          <a:xfrm>
+            <a:off x="2670328" y="3032618"/>
+            <a:ext cx="547222" cy="1061"/>
+          </a:xfrm>
+          <a:prstGeom prst="straightConnector1">
+            <a:avLst/>
+          </a:prstGeom>
+          <a:ln w="31750">
+            <a:solidFill>
+              <a:srgbClr val="4D4D4D"/>
+            </a:solidFill>
+            <a:tailEnd type="triangle"/>
+          </a:ln>
+        </p:spPr>
+        <p:style>
+          <a:lnRef idx="1">
+            <a:schemeClr val="accent1"/>
+          </a:lnRef>
+          <a:fillRef idx="0">
+            <a:schemeClr val="accent1"/>
+          </a:fillRef>
+          <a:effectRef idx="0">
+            <a:schemeClr val="accent1"/>
+          </a:effectRef>
+          <a:fontRef idx="minor">
+            <a:schemeClr val="tx1"/>
+          </a:fontRef>
+        </p:style>
+      </p:cxnSp>
+      <mc:AlternateContent xmlns:mc="http://schemas.openxmlformats.org/markup-compatibility/2006">
+        <mc:Choice xmlns:a14="http://schemas.microsoft.com/office/drawing/2010/main" Requires="a14">
+          <p:sp>
+            <p:nvSpPr>
+              <p:cNvPr id="42" name="Rectangle 41"/>
+              <p:cNvSpPr/>
+              <p:nvPr/>
+            </p:nvSpPr>
+            <p:spPr>
+              <a:xfrm>
+                <a:off x="3999452" y="4942387"/>
+                <a:ext cx="343364" cy="323165"/>
+              </a:xfrm>
+              <a:prstGeom prst="rect">
+                <a:avLst/>
+              </a:prstGeom>
+            </p:spPr>
+            <p:txBody>
+              <a:bodyPr wrap="none">
+                <a:spAutoFit/>
+              </a:bodyPr>
+              <a:lstStyle/>
+              <a:p>
+                <a:pPr/>
+                <a14:m>
+                  <m:oMathPara xmlns:m="http://schemas.openxmlformats.org/officeDocument/2006/math">
+                    <m:oMathParaPr>
+                      <m:jc m:val="centerGroup"/>
+                    </m:oMathParaPr>
+                    <m:oMath xmlns:m="http://schemas.openxmlformats.org/officeDocument/2006/math">
+                      <m:r>
+                        <a:rPr lang="en-US" sz="1500" b="0" i="1" smtClean="0">
+                          <a:solidFill>
+                            <a:srgbClr val="4D4D4D"/>
+                          </a:solidFill>
+                          <a:latin typeface="Cambria Math" panose="02040503050406030204" pitchFamily="18" charset="0"/>
+                        </a:rPr>
+                        <m:t>0</m:t>
+                      </m:r>
+                    </m:oMath>
+                  </m:oMathPara>
+                </a14:m>
+                <a:endParaRPr lang="en-US" sz="1500" dirty="0"/>
+              </a:p>
+            </p:txBody>
+          </p:sp>
+        </mc:Choice>
+        <mc:Fallback>
+          <p:sp>
+            <p:nvSpPr>
+              <p:cNvPr id="42" name="Rectangle 41"/>
+              <p:cNvSpPr>
+                <a:spLocks noRot="1" noChangeAspect="1" noMove="1" noResize="1" noEditPoints="1" noAdjustHandles="1" noChangeArrowheads="1" noChangeShapeType="1" noTextEdit="1"/>
+              </p:cNvSpPr>
+              <p:nvPr/>
+            </p:nvSpPr>
+            <p:spPr>
+              <a:xfrm>
+                <a:off x="3999452" y="4942387"/>
+                <a:ext cx="343364" cy="323165"/>
+              </a:xfrm>
+              <a:prstGeom prst="rect">
+                <a:avLst/>
+              </a:prstGeom>
+              <a:blipFill rotWithShape="0">
+                <a:blip r:embed="rId8"/>
+                <a:stretch>
+                  <a:fillRect/>
+                </a:stretch>
+              </a:blipFill>
+            </p:spPr>
+            <p:txBody>
+              <a:bodyPr/>
+              <a:lstStyle/>
+              <a:p>
+                <a:r>
+                  <a:rPr lang="en-US">
+                    <a:noFill/>
+                  </a:rPr>
+                  <a:t> </a:t>
+                </a:r>
+              </a:p>
+            </p:txBody>
+          </p:sp>
+        </mc:Fallback>
+      </mc:AlternateContent>
+      <mc:AlternateContent xmlns:mc="http://schemas.openxmlformats.org/markup-compatibility/2006">
+        <mc:Choice xmlns:a14="http://schemas.microsoft.com/office/drawing/2010/main" Requires="a14">
+          <p:sp>
+            <p:nvSpPr>
+              <p:cNvPr id="43" name="Rectangle 42"/>
+              <p:cNvSpPr/>
+              <p:nvPr/>
+            </p:nvSpPr>
+            <p:spPr>
+              <a:xfrm>
+                <a:off x="5084985" y="4928093"/>
+                <a:ext cx="677365" cy="323165"/>
+              </a:xfrm>
+              <a:prstGeom prst="rect">
+                <a:avLst/>
+              </a:prstGeom>
+            </p:spPr>
+            <p:txBody>
+              <a:bodyPr wrap="none">
+                <a:spAutoFit/>
+              </a:bodyPr>
+              <a:lstStyle/>
+              <a:p>
+                <a:pPr/>
+                <a14:m>
+                  <m:oMathPara xmlns:m="http://schemas.openxmlformats.org/officeDocument/2006/math">
+                    <m:oMathParaPr>
+                      <m:jc m:val="centerGroup"/>
+                    </m:oMathParaPr>
+                    <m:oMath xmlns:m="http://schemas.openxmlformats.org/officeDocument/2006/math">
+                      <m:r>
+                        <m:rPr>
+                          <m:sty m:val="p"/>
+                        </m:rPr>
+                        <a:rPr lang="en-US" sz="1500" b="0" i="0" smtClean="0">
+                          <a:solidFill>
+                            <a:srgbClr val="4D4D4D"/>
+                          </a:solidFill>
+                          <a:latin typeface="Cambria Math" panose="02040503050406030204" pitchFamily="18" charset="0"/>
+                        </a:rPr>
+                        <m:t>Δ</m:t>
+                      </m:r>
+                      <m:r>
+                        <a:rPr lang="en-US" sz="1500" b="0" i="0" smtClean="0">
+                          <a:solidFill>
+                            <a:srgbClr val="4D4D4D"/>
+                          </a:solidFill>
+                          <a:latin typeface="Cambria Math" panose="02040503050406030204" pitchFamily="18" charset="0"/>
+                        </a:rPr>
+                        <m:t>+</m:t>
+                      </m:r>
+                      <m:r>
+                        <m:rPr>
+                          <m:sty m:val="p"/>
+                        </m:rPr>
+                        <a:rPr lang="en-US" sz="1500" b="0" i="0" smtClean="0">
+                          <a:solidFill>
+                            <a:srgbClr val="4D4D4D"/>
+                          </a:solidFill>
+                          <a:latin typeface="Cambria Math" panose="02040503050406030204" pitchFamily="18" charset="0"/>
+                        </a:rPr>
+                        <m:t>S</m:t>
+                      </m:r>
+                    </m:oMath>
+                  </m:oMathPara>
+                </a14:m>
+                <a:endParaRPr lang="en-US" sz="1500" dirty="0"/>
+              </a:p>
+            </p:txBody>
+          </p:sp>
+        </mc:Choice>
+        <mc:Fallback>
+          <p:sp>
+            <p:nvSpPr>
+              <p:cNvPr id="43" name="Rectangle 42"/>
+              <p:cNvSpPr>
+                <a:spLocks noRot="1" noChangeAspect="1" noMove="1" noResize="1" noEditPoints="1" noAdjustHandles="1" noChangeArrowheads="1" noChangeShapeType="1" noTextEdit="1"/>
+              </p:cNvSpPr>
+              <p:nvPr/>
+            </p:nvSpPr>
+            <p:spPr>
+              <a:xfrm>
+                <a:off x="5084985" y="4928093"/>
+                <a:ext cx="677365" cy="323165"/>
+              </a:xfrm>
+              <a:prstGeom prst="rect">
+                <a:avLst/>
+              </a:prstGeom>
+              <a:blipFill rotWithShape="0">
+                <a:blip r:embed="rId9"/>
+                <a:stretch>
+                  <a:fillRect/>
+                </a:stretch>
+              </a:blipFill>
+            </p:spPr>
+            <p:txBody>
+              <a:bodyPr/>
+              <a:lstStyle/>
+              <a:p>
+                <a:r>
+                  <a:rPr lang="en-US">
+                    <a:noFill/>
+                  </a:rPr>
+                  <a:t> </a:t>
+                </a:r>
+              </a:p>
+            </p:txBody>
+          </p:sp>
+        </mc:Fallback>
+      </mc:AlternateContent>
+      <mc:AlternateContent xmlns:mc="http://schemas.openxmlformats.org/markup-compatibility/2006">
+        <mc:Choice xmlns:a14="http://schemas.microsoft.com/office/drawing/2010/main" Requires="a14">
+          <p:sp>
+            <p:nvSpPr>
+              <p:cNvPr id="45" name="Rectangle 44"/>
+              <p:cNvSpPr/>
+              <p:nvPr/>
+            </p:nvSpPr>
+            <p:spPr>
+              <a:xfrm>
+                <a:off x="4253587" y="4942388"/>
+                <a:ext cx="677365" cy="323165"/>
+              </a:xfrm>
+              <a:prstGeom prst="rect">
+                <a:avLst/>
+              </a:prstGeom>
+            </p:spPr>
+            <p:txBody>
+              <a:bodyPr wrap="none">
+                <a:spAutoFit/>
+              </a:bodyPr>
+              <a:lstStyle/>
+              <a:p>
+                <a:pPr/>
+                <a14:m>
+                  <m:oMathPara xmlns:m="http://schemas.openxmlformats.org/officeDocument/2006/math">
+                    <m:oMathParaPr>
+                      <m:jc m:val="centerGroup"/>
+                    </m:oMathParaPr>
+                    <m:oMath xmlns:m="http://schemas.openxmlformats.org/officeDocument/2006/math">
+                      <m:r>
+                        <m:rPr>
+                          <m:sty m:val="p"/>
+                        </m:rPr>
+                        <a:rPr lang="en-US" sz="1500" b="0" i="0" smtClean="0">
+                          <a:solidFill>
+                            <a:srgbClr val="4D4D4D"/>
+                          </a:solidFill>
+                          <a:latin typeface="Cambria Math" panose="02040503050406030204" pitchFamily="18" charset="0"/>
+                        </a:rPr>
+                        <m:t>Δ</m:t>
+                      </m:r>
+                      <m:r>
+                        <a:rPr lang="en-US" sz="1500" b="0" i="0" smtClean="0">
+                          <a:solidFill>
+                            <a:srgbClr val="4D4D4D"/>
+                          </a:solidFill>
+                          <a:latin typeface="Cambria Math" panose="02040503050406030204" pitchFamily="18" charset="0"/>
+                        </a:rPr>
+                        <m:t>−</m:t>
+                      </m:r>
+                      <m:r>
+                        <m:rPr>
+                          <m:sty m:val="p"/>
+                        </m:rPr>
+                        <a:rPr lang="en-US" sz="1500" b="0" i="0" smtClean="0">
+                          <a:solidFill>
+                            <a:srgbClr val="4D4D4D"/>
+                          </a:solidFill>
+                          <a:latin typeface="Cambria Math" panose="02040503050406030204" pitchFamily="18" charset="0"/>
+                        </a:rPr>
+                        <m:t>S</m:t>
+                      </m:r>
+                    </m:oMath>
+                  </m:oMathPara>
+                </a14:m>
+                <a:endParaRPr lang="en-US" sz="1500" dirty="0"/>
+              </a:p>
+            </p:txBody>
+          </p:sp>
+        </mc:Choice>
+        <mc:Fallback>
+          <p:sp>
+            <p:nvSpPr>
+              <p:cNvPr id="45" name="Rectangle 44"/>
+              <p:cNvSpPr>
+                <a:spLocks noRot="1" noChangeAspect="1" noMove="1" noResize="1" noEditPoints="1" noAdjustHandles="1" noChangeArrowheads="1" noChangeShapeType="1" noTextEdit="1"/>
+              </p:cNvSpPr>
+              <p:nvPr/>
+            </p:nvSpPr>
+            <p:spPr>
+              <a:xfrm>
+                <a:off x="4253587" y="4942388"/>
+                <a:ext cx="677365" cy="323165"/>
+              </a:xfrm>
+              <a:prstGeom prst="rect">
+                <a:avLst/>
+              </a:prstGeom>
+              <a:blipFill rotWithShape="0">
+                <a:blip r:embed="rId10"/>
+                <a:stretch>
+                  <a:fillRect/>
+                </a:stretch>
+              </a:blipFill>
+            </p:spPr>
+            <p:txBody>
+              <a:bodyPr/>
+              <a:lstStyle/>
+              <a:p>
+                <a:r>
+                  <a:rPr lang="en-US">
+                    <a:noFill/>
+                  </a:rPr>
+                  <a:t> </a:t>
+                </a:r>
+              </a:p>
+            </p:txBody>
+          </p:sp>
+        </mc:Fallback>
+      </mc:AlternateContent>
+      <mc:AlternateContent xmlns:mc="http://schemas.openxmlformats.org/markup-compatibility/2006">
+        <mc:Choice xmlns:a14="http://schemas.microsoft.com/office/drawing/2010/main" Requires="a14">
+          <p:sp>
+            <p:nvSpPr>
+              <p:cNvPr id="46" name="Rectangle 45"/>
+              <p:cNvSpPr/>
+              <p:nvPr/>
+            </p:nvSpPr>
+            <p:spPr>
+              <a:xfrm>
+                <a:off x="3410146" y="4946105"/>
+                <a:ext cx="677365" cy="323165"/>
+              </a:xfrm>
+              <a:prstGeom prst="rect">
+                <a:avLst/>
+              </a:prstGeom>
+            </p:spPr>
+            <p:txBody>
+              <a:bodyPr wrap="none">
+                <a:spAutoFit/>
+              </a:bodyPr>
+              <a:lstStyle/>
+              <a:p>
+                <a:pPr/>
+                <a14:m>
+                  <m:oMathPara xmlns:m="http://schemas.openxmlformats.org/officeDocument/2006/math">
+                    <m:oMathParaPr>
+                      <m:jc m:val="centerGroup"/>
+                    </m:oMathParaPr>
+                    <m:oMath xmlns:m="http://schemas.openxmlformats.org/officeDocument/2006/math">
+                      <m:r>
+                        <m:rPr>
+                          <m:sty m:val="p"/>
+                        </m:rPr>
+                        <a:rPr lang="en-US" sz="1500" b="0" i="0" smtClean="0">
+                          <a:solidFill>
+                            <a:srgbClr val="4D4D4D"/>
+                          </a:solidFill>
+                          <a:latin typeface="Cambria Math" panose="02040503050406030204" pitchFamily="18" charset="0"/>
+                        </a:rPr>
+                        <m:t>S</m:t>
+                      </m:r>
+                      <m:r>
+                        <a:rPr lang="en-US" sz="1500" b="0" i="0" smtClean="0">
+                          <a:solidFill>
+                            <a:srgbClr val="4D4D4D"/>
+                          </a:solidFill>
+                          <a:latin typeface="Cambria Math" panose="02040503050406030204" pitchFamily="18" charset="0"/>
+                        </a:rPr>
+                        <m:t>−</m:t>
+                      </m:r>
+                      <m:r>
+                        <m:rPr>
+                          <m:sty m:val="p"/>
+                        </m:rPr>
+                        <a:rPr lang="en-US" sz="1500" b="0" i="0" smtClean="0">
+                          <a:solidFill>
+                            <a:srgbClr val="4D4D4D"/>
+                          </a:solidFill>
+                          <a:latin typeface="Cambria Math" panose="02040503050406030204" pitchFamily="18" charset="0"/>
+                        </a:rPr>
+                        <m:t>Δ</m:t>
+                      </m:r>
+                    </m:oMath>
+                  </m:oMathPara>
+                </a14:m>
+                <a:endParaRPr lang="en-US" sz="1500" dirty="0"/>
+              </a:p>
+            </p:txBody>
+          </p:sp>
+        </mc:Choice>
+        <mc:Fallback>
+          <p:sp>
+            <p:nvSpPr>
+              <p:cNvPr id="46" name="Rectangle 45"/>
+              <p:cNvSpPr>
+                <a:spLocks noRot="1" noChangeAspect="1" noMove="1" noResize="1" noEditPoints="1" noAdjustHandles="1" noChangeArrowheads="1" noChangeShapeType="1" noTextEdit="1"/>
+              </p:cNvSpPr>
+              <p:nvPr/>
+            </p:nvSpPr>
+            <p:spPr>
+              <a:xfrm>
+                <a:off x="3410146" y="4946105"/>
+                <a:ext cx="677365" cy="323165"/>
+              </a:xfrm>
+              <a:prstGeom prst="rect">
+                <a:avLst/>
+              </a:prstGeom>
+              <a:blipFill rotWithShape="0">
+                <a:blip r:embed="rId11"/>
+                <a:stretch>
+                  <a:fillRect/>
+                </a:stretch>
+              </a:blipFill>
+            </p:spPr>
+            <p:txBody>
+              <a:bodyPr/>
+              <a:lstStyle/>
+              <a:p>
+                <a:r>
+                  <a:rPr lang="en-US">
+                    <a:noFill/>
+                  </a:rPr>
+                  <a:t> </a:t>
+                </a:r>
+              </a:p>
+            </p:txBody>
+          </p:sp>
+        </mc:Fallback>
+      </mc:AlternateContent>
+      <mc:AlternateContent xmlns:mc="http://schemas.openxmlformats.org/markup-compatibility/2006">
+        <mc:Choice xmlns:a14="http://schemas.microsoft.com/office/drawing/2010/main" Requires="a14">
+          <p:sp>
+            <p:nvSpPr>
+              <p:cNvPr id="47" name="Rectangle 46"/>
+              <p:cNvSpPr/>
+              <p:nvPr/>
+            </p:nvSpPr>
+            <p:spPr>
+              <a:xfrm>
+                <a:off x="2395915" y="4940449"/>
+                <a:ext cx="821635" cy="323165"/>
+              </a:xfrm>
+              <a:prstGeom prst="rect">
+                <a:avLst/>
+              </a:prstGeom>
+            </p:spPr>
+            <p:txBody>
+              <a:bodyPr wrap="none">
+                <a:spAutoFit/>
+              </a:bodyPr>
+              <a:lstStyle/>
+              <a:p>
+                <a:pPr/>
+                <a14:m>
+                  <m:oMathPara xmlns:m="http://schemas.openxmlformats.org/officeDocument/2006/math">
+                    <m:oMathParaPr>
+                      <m:jc m:val="centerGroup"/>
+                    </m:oMathParaPr>
+                    <m:oMath xmlns:m="http://schemas.openxmlformats.org/officeDocument/2006/math">
+                      <m:r>
+                        <a:rPr lang="en-US" sz="1500" b="0" i="0" smtClean="0">
+                          <a:solidFill>
+                            <a:srgbClr val="4D4D4D"/>
+                          </a:solidFill>
+                          <a:latin typeface="Cambria Math" panose="02040503050406030204" pitchFamily="18" charset="0"/>
+                        </a:rPr>
+                        <m:t>−</m:t>
+                      </m:r>
+                      <m:r>
+                        <m:rPr>
+                          <m:sty m:val="p"/>
+                        </m:rPr>
+                        <a:rPr lang="en-US" sz="1500" b="0" i="0" smtClean="0">
+                          <a:solidFill>
+                            <a:srgbClr val="4D4D4D"/>
+                          </a:solidFill>
+                          <a:latin typeface="Cambria Math" panose="02040503050406030204" pitchFamily="18" charset="0"/>
+                        </a:rPr>
+                        <m:t>S</m:t>
+                      </m:r>
+                      <m:r>
+                        <a:rPr lang="en-US" sz="1500" b="0" i="0" smtClean="0">
+                          <a:solidFill>
+                            <a:srgbClr val="4D4D4D"/>
+                          </a:solidFill>
+                          <a:latin typeface="Cambria Math" panose="02040503050406030204" pitchFamily="18" charset="0"/>
+                        </a:rPr>
+                        <m:t>−</m:t>
+                      </m:r>
+                      <m:r>
+                        <m:rPr>
+                          <m:sty m:val="p"/>
+                        </m:rPr>
+                        <a:rPr lang="en-US" sz="1500" b="0" i="0" smtClean="0">
+                          <a:solidFill>
+                            <a:srgbClr val="4D4D4D"/>
+                          </a:solidFill>
+                          <a:latin typeface="Cambria Math" panose="02040503050406030204" pitchFamily="18" charset="0"/>
+                        </a:rPr>
+                        <m:t>Δ</m:t>
+                      </m:r>
+                    </m:oMath>
+                  </m:oMathPara>
+                </a14:m>
+                <a:endParaRPr lang="en-US" sz="1500" dirty="0"/>
+              </a:p>
+            </p:txBody>
+          </p:sp>
+        </mc:Choice>
+        <mc:Fallback>
+          <p:sp>
+            <p:nvSpPr>
+              <p:cNvPr id="47" name="Rectangle 46"/>
+              <p:cNvSpPr>
+                <a:spLocks noRot="1" noChangeAspect="1" noMove="1" noResize="1" noEditPoints="1" noAdjustHandles="1" noChangeArrowheads="1" noChangeShapeType="1" noTextEdit="1"/>
+              </p:cNvSpPr>
+              <p:nvPr/>
+            </p:nvSpPr>
+            <p:spPr>
+              <a:xfrm>
+                <a:off x="2395915" y="4940449"/>
+                <a:ext cx="821635" cy="323165"/>
+              </a:xfrm>
+              <a:prstGeom prst="rect">
+                <a:avLst/>
+              </a:prstGeom>
+              <a:blipFill rotWithShape="0">
+                <a:blip r:embed="rId12"/>
+                <a:stretch>
+                  <a:fillRect/>
+                </a:stretch>
+              </a:blipFill>
+            </p:spPr>
+            <p:txBody>
+              <a:bodyPr/>
+              <a:lstStyle/>
+              <a:p>
+                <a:r>
+                  <a:rPr lang="en-US">
+                    <a:noFill/>
+                  </a:rPr>
+                  <a:t> </a:t>
+                </a:r>
+              </a:p>
+            </p:txBody>
+          </p:sp>
+        </mc:Fallback>
+      </mc:AlternateContent>
+    </p:spTree>
+    <p:extLst>
+      <p:ext uri="{BB962C8B-B14F-4D97-AF65-F5344CB8AC3E}">
+        <p14:creationId xmlns:p14="http://schemas.microsoft.com/office/powerpoint/2010/main" val="1585909998"/>
+      </p:ext>
+    </p:extLst>
+  </p:cSld>
+  <p:clrMapOvr>
+    <a:masterClrMapping/>
+  </p:clrMapOvr>
+</p:sld>
+</file>
+
 <file path=ppt/slides/slide2.xml><?xml version="1.0" encoding="utf-8"?>
 <p:sld xmlns:a="http://schemas.openxmlformats.org/drawingml/2006/main" xmlns:r="http://schemas.openxmlformats.org/officeDocument/2006/relationships" xmlns:p="http://schemas.openxmlformats.org/presentationml/2006/main">
   <p:cSld>
@@ -13825,8 +16351,8 @@
           </mc:Fallback>
         </mc:AlternateContent>
       </p:grpSp>
-      <mc:AlternateContent xmlns:mc="http://schemas.openxmlformats.org/markup-compatibility/2006">
-        <mc:Choice xmlns:a14="http://schemas.microsoft.com/office/drawing/2010/main" Requires="a14">
+      <mc:AlternateContent xmlns:mc="http://schemas.openxmlformats.org/markup-compatibility/2006" xmlns:a14="http://schemas.microsoft.com/office/drawing/2010/main">
+        <mc:Choice Requires="a14">
           <p:sp>
             <p:nvSpPr>
               <p:cNvPr id="20" name="TextBox 19"/>
@@ -13946,7 +16472,7 @@
             </p:txBody>
           </p:sp>
         </mc:Choice>
-        <mc:Fallback>
+        <mc:Fallback xmlns="">
           <p:sp>
             <p:nvSpPr>
               <p:cNvPr id="20" name="TextBox 19"/>
@@ -14377,8 +16903,8 @@
           <a:effectLst/>
         </p:spPr>
       </p:cxnSp>
-      <mc:AlternateContent xmlns:mc="http://schemas.openxmlformats.org/markup-compatibility/2006">
-        <mc:Choice xmlns:a14="http://schemas.microsoft.com/office/drawing/2010/main" Requires="a14">
+      <mc:AlternateContent xmlns:mc="http://schemas.openxmlformats.org/markup-compatibility/2006" xmlns:a14="http://schemas.microsoft.com/office/drawing/2010/main">
+        <mc:Choice Requires="a14">
           <p:sp>
             <p:nvSpPr>
               <p:cNvPr id="28" name="TextBox 27"/>
@@ -14442,7 +16968,7 @@
             </p:txBody>
           </p:sp>
         </mc:Choice>
-        <mc:Fallback>
+        <mc:Fallback xmlns="">
           <p:sp>
             <p:nvSpPr>
               <p:cNvPr id="28" name="TextBox 27"/>
@@ -14510,8 +17036,8 @@
           <a:effectLst/>
         </p:spPr>
       </p:cxnSp>
-      <mc:AlternateContent xmlns:mc="http://schemas.openxmlformats.org/markup-compatibility/2006">
-        <mc:Choice xmlns:a14="http://schemas.microsoft.com/office/drawing/2010/main" Requires="a14">
+      <mc:AlternateContent xmlns:mc="http://schemas.openxmlformats.org/markup-compatibility/2006" xmlns:a14="http://schemas.microsoft.com/office/drawing/2010/main">
+        <mc:Choice Requires="a14">
           <p:sp>
             <p:nvSpPr>
               <p:cNvPr id="30" name="TextBox 29"/>
@@ -14575,7 +17101,7 @@
             </p:txBody>
           </p:sp>
         </mc:Choice>
-        <mc:Fallback>
+        <mc:Fallback xmlns="">
           <p:sp>
             <p:nvSpPr>
               <p:cNvPr id="30" name="TextBox 29"/>
